--- a/draws.pptx
+++ b/draws.pptx
@@ -7,6 +7,7 @@
   <p:sldIdLst>
     <p:sldId id="256" r:id="rId3"/>
     <p:sldId id="257" r:id="rId4"/>
+    <p:sldId id="258" r:id="rId5"/>
   </p:sldIdLst>
   <p:sldSz cx="12192000" cy="6858000"/>
   <p:notesSz cx="6858000" cy="9144000"/>
@@ -3963,6 +3964,484 @@
 </p:sld>
 </file>
 
+<file path=ppt/slides/slide3.xml><?xml version="1.0" encoding="utf-8"?>
+<p:sld xmlns:a="http://schemas.openxmlformats.org/drawingml/2006/main" xmlns:r="http://schemas.openxmlformats.org/officeDocument/2006/relationships" xmlns:p="http://schemas.openxmlformats.org/presentationml/2006/main">
+  <p:cSld>
+    <p:spTree>
+      <p:nvGrpSpPr>
+        <p:cNvPr id="1" name=""/>
+        <p:cNvGrpSpPr/>
+        <p:nvPr/>
+      </p:nvGrpSpPr>
+      <p:grpSpPr>
+        <a:xfrm>
+          <a:off x="0" y="0"/>
+          <a:ext cx="0" cy="0"/>
+          <a:chOff x="0" y="0"/>
+          <a:chExt cx="0" cy="0"/>
+        </a:xfrm>
+      </p:grpSpPr>
+      <p:sp>
+        <p:nvSpPr>
+          <p:cNvPr id="2" name="Rounded Rectangle 1"/>
+          <p:cNvSpPr/>
+          <p:nvPr/>
+        </p:nvSpPr>
+        <p:spPr>
+          <a:xfrm>
+            <a:off x="1329055" y="1844675"/>
+            <a:ext cx="1981835" cy="1243965"/>
+          </a:xfrm>
+          <a:prstGeom prst="roundRect">
+            <a:avLst>
+              <a:gd name="adj" fmla="val 8659"/>
+            </a:avLst>
+          </a:prstGeom>
+          <a:solidFill>
+            <a:schemeClr val="bg1"/>
+          </a:solidFill>
+          <a:ln>
+            <a:solidFill>
+              <a:schemeClr val="tx1"/>
+            </a:solidFill>
+          </a:ln>
+        </p:spPr>
+        <p:style>
+          <a:lnRef idx="2">
+            <a:schemeClr val="accent1">
+              <a:shade val="50000"/>
+            </a:schemeClr>
+          </a:lnRef>
+          <a:fillRef idx="1">
+            <a:schemeClr val="accent1"/>
+          </a:fillRef>
+          <a:effectRef idx="0">
+            <a:schemeClr val="accent1"/>
+          </a:effectRef>
+          <a:fontRef idx="minor">
+            <a:schemeClr val="lt1"/>
+          </a:fontRef>
+        </p:style>
+        <p:txBody>
+          <a:bodyPr rtlCol="0" anchor="ctr"/>
+          <a:p>
+            <a:pPr algn="ctr"/>
+            <a:r>
+              <a:rPr lang="es-ES_tradnl" altLang="en-US" sz="1400">
+                <a:solidFill>
+                  <a:schemeClr val="tx1"/>
+                </a:solidFill>
+                <a:latin typeface="Tinos" panose="02020603050405020304" charset="0"/>
+                <a:cs typeface="Tinos" panose="02020603050405020304" charset="0"/>
+              </a:rPr>
+              <a:t>Eluted peptides  </a:t>
+            </a:r>
+            <a:endParaRPr lang="es-ES_tradnl" altLang="en-US" sz="1400">
+              <a:solidFill>
+                <a:schemeClr val="tx1"/>
+              </a:solidFill>
+              <a:latin typeface="Tinos" panose="02020603050405020304" charset="0"/>
+              <a:cs typeface="Tinos" panose="02020603050405020304" charset="0"/>
+            </a:endParaRPr>
+          </a:p>
+        </p:txBody>
+      </p:sp>
+      <p:sp>
+        <p:nvSpPr>
+          <p:cNvPr id="4" name="Rounded Rectangle 3"/>
+          <p:cNvSpPr/>
+          <p:nvPr/>
+        </p:nvSpPr>
+        <p:spPr>
+          <a:xfrm>
+            <a:off x="3515995" y="1844675"/>
+            <a:ext cx="1981200" cy="1243965"/>
+          </a:xfrm>
+          <a:prstGeom prst="roundRect">
+            <a:avLst>
+              <a:gd name="adj" fmla="val 8659"/>
+            </a:avLst>
+          </a:prstGeom>
+          <a:solidFill>
+            <a:schemeClr val="bg1"/>
+          </a:solidFill>
+          <a:ln>
+            <a:solidFill>
+              <a:schemeClr val="tx1"/>
+            </a:solidFill>
+          </a:ln>
+        </p:spPr>
+        <p:style>
+          <a:lnRef idx="2">
+            <a:schemeClr val="accent1">
+              <a:shade val="50000"/>
+            </a:schemeClr>
+          </a:lnRef>
+          <a:fillRef idx="1">
+            <a:schemeClr val="accent1"/>
+          </a:fillRef>
+          <a:effectRef idx="0">
+            <a:schemeClr val="accent1"/>
+          </a:effectRef>
+          <a:fontRef idx="minor">
+            <a:schemeClr val="lt1"/>
+          </a:fontRef>
+        </p:style>
+        <p:txBody>
+          <a:bodyPr rtlCol="0" anchor="ctr"/>
+          <a:p>
+            <a:pPr algn="ctr"/>
+            <a:r>
+              <a:rPr lang="es-ES_tradnl" altLang="en-US" sz="1400">
+                <a:solidFill>
+                  <a:schemeClr val="tx1"/>
+                </a:solidFill>
+                <a:latin typeface="Tinos" panose="02020603050405020304" charset="0"/>
+                <a:cs typeface="Tinos" panose="02020603050405020304" charset="0"/>
+              </a:rPr>
+              <a:t>pMHC binding and presentation</a:t>
+            </a:r>
+            <a:endParaRPr lang="es-ES_tradnl" altLang="en-US" sz="1400">
+              <a:solidFill>
+                <a:schemeClr val="tx1"/>
+              </a:solidFill>
+              <a:latin typeface="Tinos" panose="02020603050405020304" charset="0"/>
+              <a:cs typeface="Tinos" panose="02020603050405020304" charset="0"/>
+            </a:endParaRPr>
+          </a:p>
+        </p:txBody>
+      </p:sp>
+      <p:sp>
+        <p:nvSpPr>
+          <p:cNvPr id="5" name="Rounded Rectangle 4"/>
+          <p:cNvSpPr/>
+          <p:nvPr/>
+        </p:nvSpPr>
+        <p:spPr>
+          <a:xfrm>
+            <a:off x="5687060" y="1845310"/>
+            <a:ext cx="1980565" cy="1243330"/>
+          </a:xfrm>
+          <a:prstGeom prst="roundRect">
+            <a:avLst>
+              <a:gd name="adj" fmla="val 8659"/>
+            </a:avLst>
+          </a:prstGeom>
+          <a:solidFill>
+            <a:schemeClr val="bg1"/>
+          </a:solidFill>
+          <a:ln>
+            <a:solidFill>
+              <a:schemeClr val="tx1"/>
+            </a:solidFill>
+          </a:ln>
+        </p:spPr>
+        <p:style>
+          <a:lnRef idx="2">
+            <a:schemeClr val="accent1">
+              <a:shade val="50000"/>
+            </a:schemeClr>
+          </a:lnRef>
+          <a:fillRef idx="1">
+            <a:schemeClr val="accent1"/>
+          </a:fillRef>
+          <a:effectRef idx="0">
+            <a:schemeClr val="accent1"/>
+          </a:effectRef>
+          <a:fontRef idx="minor">
+            <a:schemeClr val="lt1"/>
+          </a:fontRef>
+        </p:style>
+        <p:txBody>
+          <a:bodyPr rtlCol="0" anchor="ctr"/>
+          <a:p>
+            <a:pPr algn="ctr"/>
+            <a:r>
+              <a:rPr lang="es-ES_tradnl" altLang="en-US" sz="1400">
+                <a:solidFill>
+                  <a:schemeClr val="tx1"/>
+                </a:solidFill>
+                <a:latin typeface="Tinos" panose="02020603050405020304" charset="0"/>
+                <a:cs typeface="Tinos" panose="02020603050405020304" charset="0"/>
+              </a:rPr>
+              <a:t>pMHC interaction with TCR</a:t>
+            </a:r>
+            <a:endParaRPr lang="es-ES_tradnl" altLang="en-US" sz="1400">
+              <a:solidFill>
+                <a:schemeClr val="tx1"/>
+              </a:solidFill>
+              <a:latin typeface="Tinos" panose="02020603050405020304" charset="0"/>
+              <a:cs typeface="Tinos" panose="02020603050405020304" charset="0"/>
+            </a:endParaRPr>
+          </a:p>
+        </p:txBody>
+      </p:sp>
+      <p:sp>
+        <p:nvSpPr>
+          <p:cNvPr id="11" name="Rounded Rectangle 10"/>
+          <p:cNvSpPr/>
+          <p:nvPr/>
+        </p:nvSpPr>
+        <p:spPr>
+          <a:xfrm>
+            <a:off x="1337310" y="1844675"/>
+            <a:ext cx="1981835" cy="1243965"/>
+          </a:xfrm>
+          <a:prstGeom prst="roundRect">
+            <a:avLst>
+              <a:gd name="adj" fmla="val 8659"/>
+            </a:avLst>
+          </a:prstGeom>
+          <a:solidFill>
+            <a:schemeClr val="bg1"/>
+          </a:solidFill>
+          <a:ln w="28575" cmpd="sng">
+            <a:solidFill>
+              <a:srgbClr val="5B9BD5"/>
+            </a:solidFill>
+            <a:prstDash val="solid"/>
+          </a:ln>
+        </p:spPr>
+        <p:style>
+          <a:lnRef idx="2">
+            <a:schemeClr val="accent1">
+              <a:shade val="50000"/>
+            </a:schemeClr>
+          </a:lnRef>
+          <a:fillRef idx="1">
+            <a:schemeClr val="accent1"/>
+          </a:fillRef>
+          <a:effectRef idx="0">
+            <a:schemeClr val="accent1"/>
+          </a:effectRef>
+          <a:fontRef idx="minor">
+            <a:schemeClr val="lt1"/>
+          </a:fontRef>
+        </p:style>
+        <p:txBody>
+          <a:bodyPr rtlCol="0" anchor="ctr"/>
+          <a:p>
+            <a:pPr algn="ctr"/>
+            <a:r>
+              <a:rPr lang="es-ES_tradnl" altLang="en-US" b="1">
+                <a:solidFill>
+                  <a:srgbClr val="41719C"/>
+                </a:solidFill>
+                <a:latin typeface="Tinos" panose="02020603050405020304" charset="0"/>
+                <a:cs typeface="Tinos" panose="02020603050405020304" charset="0"/>
+              </a:rPr>
+              <a:t>Stage 1.</a:t>
+            </a:r>
+            <a:endParaRPr lang="es-ES_tradnl" altLang="en-US">
+              <a:solidFill>
+                <a:srgbClr val="41719C"/>
+              </a:solidFill>
+              <a:latin typeface="Tinos" panose="02020603050405020304" charset="0"/>
+              <a:cs typeface="Tinos" panose="02020603050405020304" charset="0"/>
+            </a:endParaRPr>
+          </a:p>
+          <a:p>
+            <a:pPr algn="ctr"/>
+            <a:r>
+              <a:rPr lang="es-ES_tradnl" altLang="en-US">
+                <a:solidFill>
+                  <a:srgbClr val="41719C"/>
+                </a:solidFill>
+                <a:latin typeface="Tinos" panose="02020603050405020304" charset="0"/>
+                <a:cs typeface="Tinos" panose="02020603050405020304" charset="0"/>
+              </a:rPr>
+              <a:t>Prediction of peptides from mutations  </a:t>
+            </a:r>
+            <a:endParaRPr lang="es-ES_tradnl" altLang="en-US">
+              <a:solidFill>
+                <a:srgbClr val="41719C"/>
+              </a:solidFill>
+              <a:latin typeface="Tinos" panose="02020603050405020304" charset="0"/>
+              <a:cs typeface="Tinos" panose="02020603050405020304" charset="0"/>
+            </a:endParaRPr>
+          </a:p>
+        </p:txBody>
+      </p:sp>
+      <p:sp>
+        <p:nvSpPr>
+          <p:cNvPr id="12" name="Rounded Rectangle 11"/>
+          <p:cNvSpPr/>
+          <p:nvPr/>
+        </p:nvSpPr>
+        <p:spPr>
+          <a:xfrm>
+            <a:off x="3524250" y="1844675"/>
+            <a:ext cx="1981200" cy="1243965"/>
+          </a:xfrm>
+          <a:prstGeom prst="roundRect">
+            <a:avLst>
+              <a:gd name="adj" fmla="val 8659"/>
+            </a:avLst>
+          </a:prstGeom>
+          <a:solidFill>
+            <a:schemeClr val="bg1"/>
+          </a:solidFill>
+          <a:ln w="28575" cmpd="sng">
+            <a:solidFill>
+              <a:srgbClr val="5B9BD5"/>
+            </a:solidFill>
+            <a:prstDash val="solid"/>
+          </a:ln>
+        </p:spPr>
+        <p:style>
+          <a:lnRef idx="2">
+            <a:schemeClr val="accent1">
+              <a:shade val="50000"/>
+            </a:schemeClr>
+          </a:lnRef>
+          <a:fillRef idx="1">
+            <a:schemeClr val="accent1"/>
+          </a:fillRef>
+          <a:effectRef idx="0">
+            <a:schemeClr val="accent1"/>
+          </a:effectRef>
+          <a:fontRef idx="minor">
+            <a:schemeClr val="lt1"/>
+          </a:fontRef>
+        </p:style>
+        <p:txBody>
+          <a:bodyPr rtlCol="0" anchor="ctr"/>
+          <a:p>
+            <a:pPr algn="ctr"/>
+            <a:r>
+              <a:rPr lang="es-ES_tradnl" altLang="en-US" b="1">
+                <a:solidFill>
+                  <a:srgbClr val="41719C"/>
+                </a:solidFill>
+                <a:latin typeface="Tinos" panose="02020603050405020304" charset="0"/>
+                <a:cs typeface="Tinos" panose="02020603050405020304" charset="0"/>
+              </a:rPr>
+              <a:t>Stage 2.</a:t>
+            </a:r>
+            <a:endParaRPr lang="es-ES_tradnl" altLang="en-US">
+              <a:solidFill>
+                <a:srgbClr val="41719C"/>
+              </a:solidFill>
+              <a:latin typeface="Tinos" panose="02020603050405020304" charset="0"/>
+              <a:cs typeface="Tinos" panose="02020603050405020304" charset="0"/>
+            </a:endParaRPr>
+          </a:p>
+          <a:p>
+            <a:pPr algn="ctr"/>
+            <a:r>
+              <a:rPr lang="es-ES_tradnl" altLang="en-US">
+                <a:solidFill>
+                  <a:srgbClr val="41719C"/>
+                </a:solidFill>
+                <a:latin typeface="Tinos" panose="02020603050405020304" charset="0"/>
+                <a:cs typeface="Tinos" panose="02020603050405020304" charset="0"/>
+              </a:rPr>
+              <a:t>Prediction of pMHC binding and presentation</a:t>
+            </a:r>
+            <a:endParaRPr lang="es-ES_tradnl" altLang="en-US">
+              <a:solidFill>
+                <a:srgbClr val="41719C"/>
+              </a:solidFill>
+              <a:latin typeface="Tinos" panose="02020603050405020304" charset="0"/>
+              <a:cs typeface="Tinos" panose="02020603050405020304" charset="0"/>
+            </a:endParaRPr>
+          </a:p>
+        </p:txBody>
+      </p:sp>
+      <p:sp>
+        <p:nvSpPr>
+          <p:cNvPr id="16" name="Rounded Rectangle 15"/>
+          <p:cNvSpPr/>
+          <p:nvPr/>
+        </p:nvSpPr>
+        <p:spPr>
+          <a:xfrm>
+            <a:off x="5695315" y="1845310"/>
+            <a:ext cx="1980565" cy="1243330"/>
+          </a:xfrm>
+          <a:prstGeom prst="roundRect">
+            <a:avLst>
+              <a:gd name="adj" fmla="val 8659"/>
+            </a:avLst>
+          </a:prstGeom>
+          <a:solidFill>
+            <a:schemeClr val="bg1"/>
+          </a:solidFill>
+          <a:ln w="28575" cmpd="sng">
+            <a:solidFill>
+              <a:srgbClr val="5B9BD5"/>
+            </a:solidFill>
+            <a:prstDash val="solid"/>
+          </a:ln>
+        </p:spPr>
+        <p:style>
+          <a:lnRef idx="2">
+            <a:schemeClr val="accent1">
+              <a:shade val="50000"/>
+            </a:schemeClr>
+          </a:lnRef>
+          <a:fillRef idx="1">
+            <a:schemeClr val="accent1"/>
+          </a:fillRef>
+          <a:effectRef idx="0">
+            <a:schemeClr val="accent1"/>
+          </a:effectRef>
+          <a:fontRef idx="minor">
+            <a:schemeClr val="lt1"/>
+          </a:fontRef>
+        </p:style>
+        <p:txBody>
+          <a:bodyPr rtlCol="0" anchor="ctr"/>
+          <a:p>
+            <a:pPr algn="ctr"/>
+            <a:r>
+              <a:rPr lang="es-ES_tradnl" altLang="en-US" b="1">
+                <a:solidFill>
+                  <a:srgbClr val="41719C"/>
+                </a:solidFill>
+                <a:latin typeface="Tinos" panose="02020603050405020304" charset="0"/>
+                <a:cs typeface="Tinos" panose="02020603050405020304" charset="0"/>
+              </a:rPr>
+              <a:t>Stage 3.</a:t>
+            </a:r>
+            <a:endParaRPr lang="es-ES_tradnl" altLang="en-US">
+              <a:solidFill>
+                <a:srgbClr val="41719C"/>
+              </a:solidFill>
+              <a:latin typeface="Tinos" panose="02020603050405020304" charset="0"/>
+              <a:cs typeface="Tinos" panose="02020603050405020304" charset="0"/>
+            </a:endParaRPr>
+          </a:p>
+          <a:p>
+            <a:pPr algn="ctr"/>
+            <a:r>
+              <a:rPr lang="es-ES_tradnl" altLang="en-US">
+                <a:solidFill>
+                  <a:srgbClr val="41719C"/>
+                </a:solidFill>
+                <a:latin typeface="Tinos" panose="02020603050405020304" charset="0"/>
+                <a:cs typeface="Tinos" panose="02020603050405020304" charset="0"/>
+              </a:rPr>
+              <a:t>Prediction of pMHC interaction with TCR</a:t>
+            </a:r>
+            <a:endParaRPr lang="es-ES_tradnl" altLang="en-US">
+              <a:solidFill>
+                <a:srgbClr val="41719C"/>
+              </a:solidFill>
+              <a:latin typeface="Tinos" panose="02020603050405020304" charset="0"/>
+              <a:cs typeface="Tinos" panose="02020603050405020304" charset="0"/>
+            </a:endParaRPr>
+          </a:p>
+        </p:txBody>
+      </p:sp>
+    </p:spTree>
+  </p:cSld>
+  <p:clrMapOvr>
+    <a:masterClrMapping/>
+  </p:clrMapOvr>
+</p:sld>
+</file>
+
 <file path=ppt/theme/theme1.xml><?xml version="1.0" encoding="utf-8"?>
 <a:theme xmlns:a="http://schemas.openxmlformats.org/drawingml/2006/main" name="Office 主题">
   <a:themeElements>

--- a/draws.pptx
+++ b/draws.pptx
@@ -8,6 +8,12 @@
     <p:sldId id="256" r:id="rId3"/>
     <p:sldId id="257" r:id="rId4"/>
     <p:sldId id="258" r:id="rId5"/>
+    <p:sldId id="259" r:id="rId6"/>
+    <p:sldId id="260" r:id="rId7"/>
+    <p:sldId id="261" r:id="rId8"/>
+    <p:sldId id="262" r:id="rId9"/>
+    <p:sldId id="263" r:id="rId10"/>
+    <p:sldId id="264" r:id="rId11"/>
   </p:sldIdLst>
   <p:sldSz cx="12192000" cy="6858000"/>
   <p:notesSz cx="6858000" cy="9144000"/>
@@ -4442,6 +4448,3696 @@
 </p:sld>
 </file>
 
+<file path=ppt/slides/slide4.xml><?xml version="1.0" encoding="utf-8"?>
+<p:sld xmlns:a="http://schemas.openxmlformats.org/drawingml/2006/main" xmlns:r="http://schemas.openxmlformats.org/officeDocument/2006/relationships" xmlns:p="http://schemas.openxmlformats.org/presentationml/2006/main">
+  <p:cSld>
+    <p:spTree>
+      <p:nvGrpSpPr>
+        <p:cNvPr id="1" name=""/>
+        <p:cNvGrpSpPr/>
+        <p:nvPr/>
+      </p:nvGrpSpPr>
+      <p:grpSpPr>
+        <a:xfrm>
+          <a:off x="0" y="0"/>
+          <a:ext cx="0" cy="0"/>
+          <a:chOff x="0" y="0"/>
+          <a:chExt cx="0" cy="0"/>
+        </a:xfrm>
+      </p:grpSpPr>
+      <p:sp>
+        <p:nvSpPr>
+          <p:cNvPr id="3" name="Rounded Rectangle 2"/>
+          <p:cNvSpPr/>
+          <p:nvPr/>
+        </p:nvSpPr>
+        <p:spPr>
+          <a:xfrm>
+            <a:off x="445770" y="3268345"/>
+            <a:ext cx="2010410" cy="693420"/>
+          </a:xfrm>
+          <a:prstGeom prst="roundRect">
+            <a:avLst/>
+          </a:prstGeom>
+          <a:noFill/>
+          <a:ln>
+            <a:solidFill>
+              <a:srgbClr val="202020"/>
+            </a:solidFill>
+          </a:ln>
+        </p:spPr>
+        <p:style>
+          <a:lnRef idx="2">
+            <a:schemeClr val="accent1">
+              <a:shade val="50000"/>
+            </a:schemeClr>
+          </a:lnRef>
+          <a:fillRef idx="1">
+            <a:schemeClr val="accent1"/>
+          </a:fillRef>
+          <a:effectRef idx="0">
+            <a:schemeClr val="accent1"/>
+          </a:effectRef>
+          <a:fontRef idx="minor">
+            <a:schemeClr val="lt1"/>
+          </a:fontRef>
+        </p:style>
+        <p:txBody>
+          <a:bodyPr rtlCol="0" anchor="ctr"/>
+          <a:p>
+            <a:pPr algn="ctr"/>
+            <a:r>
+              <a:rPr lang="en-US">
+                <a:solidFill>
+                  <a:schemeClr val="tx1"/>
+                </a:solidFill>
+              </a:rPr>
+              <a:t>KVDAGKLHY</a:t>
+            </a:r>
+            <a:endParaRPr lang="en-US">
+              <a:solidFill>
+                <a:schemeClr val="tx1"/>
+              </a:solidFill>
+            </a:endParaRPr>
+          </a:p>
+        </p:txBody>
+      </p:sp>
+      <p:sp>
+        <p:nvSpPr>
+          <p:cNvPr id="4" name="Rounded Rectangle 3"/>
+          <p:cNvSpPr/>
+          <p:nvPr/>
+        </p:nvSpPr>
+        <p:spPr>
+          <a:xfrm>
+            <a:off x="2989580" y="3268345"/>
+            <a:ext cx="2010410" cy="693420"/>
+          </a:xfrm>
+          <a:prstGeom prst="roundRect">
+            <a:avLst/>
+          </a:prstGeom>
+          <a:noFill/>
+          <a:ln>
+            <a:solidFill>
+              <a:srgbClr val="202020"/>
+            </a:solidFill>
+          </a:ln>
+        </p:spPr>
+        <p:style>
+          <a:lnRef idx="2">
+            <a:schemeClr val="accent1">
+              <a:shade val="50000"/>
+            </a:schemeClr>
+          </a:lnRef>
+          <a:fillRef idx="1">
+            <a:schemeClr val="accent1"/>
+          </a:fillRef>
+          <a:effectRef idx="0">
+            <a:schemeClr val="accent1"/>
+          </a:effectRef>
+          <a:fontRef idx="minor">
+            <a:schemeClr val="lt1"/>
+          </a:fontRef>
+        </p:style>
+        <p:txBody>
+          <a:bodyPr rtlCol="0" anchor="ctr"/>
+          <a:p>
+            <a:pPr algn="ctr"/>
+            <a:r>
+              <a:rPr lang="en-US">
+                <a:solidFill>
+                  <a:schemeClr val="tx1"/>
+                </a:solidFill>
+              </a:rPr>
+              <a:t>KVDA</a:t>
+            </a:r>
+            <a:r>
+              <a:rPr lang="es-ES_tradnl" altLang="en-US">
+                <a:solidFill>
+                  <a:schemeClr val="tx1"/>
+                </a:solidFill>
+              </a:rPr>
+              <a:t>ZZ</a:t>
+            </a:r>
+            <a:r>
+              <a:rPr lang="en-US">
+                <a:solidFill>
+                  <a:schemeClr val="tx1"/>
+                </a:solidFill>
+              </a:rPr>
+              <a:t>GKLHY</a:t>
+            </a:r>
+            <a:endParaRPr lang="en-US">
+              <a:solidFill>
+                <a:schemeClr val="tx1"/>
+              </a:solidFill>
+            </a:endParaRPr>
+          </a:p>
+        </p:txBody>
+      </p:sp>
+      <p:pic>
+        <p:nvPicPr>
+          <p:cNvPr id="7" name="Picture 6"/>
+          <p:cNvPicPr>
+            <a:picLocks noChangeAspect="1"/>
+          </p:cNvPicPr>
+          <p:nvPr/>
+        </p:nvPicPr>
+        <p:blipFill>
+          <a:blip r:embed="rId1"/>
+          <a:stretch>
+            <a:fillRect/>
+          </a:stretch>
+        </p:blipFill>
+        <p:spPr>
+          <a:xfrm>
+            <a:off x="5494020" y="2395855"/>
+            <a:ext cx="6060440" cy="2153920"/>
+          </a:xfrm>
+          <a:prstGeom prst="rect">
+            <a:avLst/>
+          </a:prstGeom>
+        </p:spPr>
+      </p:pic>
+      <p:sp>
+        <p:nvSpPr>
+          <p:cNvPr id="8" name="Text Box 7"/>
+          <p:cNvSpPr txBox="1"/>
+          <p:nvPr/>
+        </p:nvSpPr>
+        <p:spPr>
+          <a:xfrm>
+            <a:off x="1075055" y="3961765"/>
+            <a:ext cx="855980" cy="368300"/>
+          </a:xfrm>
+          <a:prstGeom prst="rect">
+            <a:avLst/>
+          </a:prstGeom>
+          <a:noFill/>
+        </p:spPr>
+        <p:txBody>
+          <a:bodyPr wrap="none" rtlCol="0">
+            <a:spAutoFit/>
+          </a:bodyPr>
+          <a:p>
+            <a:r>
+              <a:rPr lang="es-ES_tradnl" altLang="en-US"/>
+              <a:t>peptide</a:t>
+            </a:r>
+            <a:endParaRPr lang="es-ES_tradnl" altLang="en-US"/>
+          </a:p>
+        </p:txBody>
+      </p:sp>
+      <p:sp>
+        <p:nvSpPr>
+          <p:cNvPr id="9" name="Text Box 8"/>
+          <p:cNvSpPr txBox="1"/>
+          <p:nvPr/>
+        </p:nvSpPr>
+        <p:spPr>
+          <a:xfrm>
+            <a:off x="2942590" y="3972560"/>
+            <a:ext cx="2125980" cy="368300"/>
+          </a:xfrm>
+          <a:prstGeom prst="rect">
+            <a:avLst/>
+          </a:prstGeom>
+          <a:noFill/>
+        </p:spPr>
+        <p:txBody>
+          <a:bodyPr wrap="none" rtlCol="0">
+            <a:spAutoFit/>
+          </a:bodyPr>
+          <a:p>
+            <a:r>
+              <a:rPr lang="es-ES_tradnl" altLang="en-US"/>
+              <a:t>peptide after padding</a:t>
+            </a:r>
+            <a:endParaRPr lang="es-ES_tradnl" altLang="en-US"/>
+          </a:p>
+        </p:txBody>
+      </p:sp>
+      <p:sp>
+        <p:nvSpPr>
+          <p:cNvPr id="10" name="Text Box 9"/>
+          <p:cNvSpPr txBox="1"/>
+          <p:nvPr/>
+        </p:nvSpPr>
+        <p:spPr>
+          <a:xfrm>
+            <a:off x="7835900" y="4560570"/>
+            <a:ext cx="1776730" cy="368300"/>
+          </a:xfrm>
+          <a:prstGeom prst="rect">
+            <a:avLst/>
+          </a:prstGeom>
+          <a:noFill/>
+        </p:spPr>
+        <p:txBody>
+          <a:bodyPr wrap="none" rtlCol="0">
+            <a:spAutoFit/>
+          </a:bodyPr>
+          <a:p>
+            <a:r>
+              <a:rPr lang="es-ES_tradnl" altLang="en-US"/>
+              <a:t>one-hot encoding</a:t>
+            </a:r>
+            <a:endParaRPr lang="es-ES_tradnl" altLang="en-US"/>
+          </a:p>
+        </p:txBody>
+      </p:sp>
+      <p:sp>
+        <p:nvSpPr>
+          <p:cNvPr id="11" name="Right Arrow 10"/>
+          <p:cNvSpPr/>
+          <p:nvPr/>
+        </p:nvSpPr>
+        <p:spPr>
+          <a:xfrm>
+            <a:off x="2617470" y="3472815"/>
+            <a:ext cx="222250" cy="284480"/>
+          </a:xfrm>
+          <a:prstGeom prst="rightArrow">
+            <a:avLst/>
+          </a:prstGeom>
+          <a:noFill/>
+          <a:ln>
+            <a:solidFill>
+              <a:srgbClr val="202020"/>
+            </a:solidFill>
+          </a:ln>
+        </p:spPr>
+        <p:style>
+          <a:lnRef idx="2">
+            <a:schemeClr val="accent1">
+              <a:shade val="50000"/>
+            </a:schemeClr>
+          </a:lnRef>
+          <a:fillRef idx="1">
+            <a:schemeClr val="accent1"/>
+          </a:fillRef>
+          <a:effectRef idx="0">
+            <a:schemeClr val="accent1"/>
+          </a:effectRef>
+          <a:fontRef idx="minor">
+            <a:schemeClr val="lt1"/>
+          </a:fontRef>
+        </p:style>
+        <p:txBody>
+          <a:bodyPr rtlCol="0" anchor="ctr"/>
+          <a:p>
+            <a:pPr algn="ctr"/>
+            <a:endParaRPr lang="en-US"/>
+          </a:p>
+        </p:txBody>
+      </p:sp>
+      <p:sp>
+        <p:nvSpPr>
+          <p:cNvPr id="12" name="Right Arrow 11"/>
+          <p:cNvSpPr/>
+          <p:nvPr/>
+        </p:nvSpPr>
+        <p:spPr>
+          <a:xfrm>
+            <a:off x="5157470" y="3472815"/>
+            <a:ext cx="222250" cy="284480"/>
+          </a:xfrm>
+          <a:prstGeom prst="rightArrow">
+            <a:avLst/>
+          </a:prstGeom>
+          <a:noFill/>
+          <a:ln>
+            <a:solidFill>
+              <a:srgbClr val="202020"/>
+            </a:solidFill>
+          </a:ln>
+        </p:spPr>
+        <p:style>
+          <a:lnRef idx="2">
+            <a:schemeClr val="accent1">
+              <a:shade val="50000"/>
+            </a:schemeClr>
+          </a:lnRef>
+          <a:fillRef idx="1">
+            <a:schemeClr val="accent1"/>
+          </a:fillRef>
+          <a:effectRef idx="0">
+            <a:schemeClr val="accent1"/>
+          </a:effectRef>
+          <a:fontRef idx="minor">
+            <a:schemeClr val="lt1"/>
+          </a:fontRef>
+        </p:style>
+        <p:txBody>
+          <a:bodyPr rtlCol="0" anchor="ctr"/>
+          <a:p>
+            <a:pPr algn="ctr"/>
+            <a:endParaRPr lang="en-US"/>
+          </a:p>
+        </p:txBody>
+      </p:sp>
+    </p:spTree>
+  </p:cSld>
+  <p:clrMapOvr>
+    <a:masterClrMapping/>
+  </p:clrMapOvr>
+</p:sld>
+</file>
+
+<file path=ppt/slides/slide5.xml><?xml version="1.0" encoding="utf-8"?>
+<p:sld xmlns:a="http://schemas.openxmlformats.org/drawingml/2006/main" xmlns:r="http://schemas.openxmlformats.org/officeDocument/2006/relationships" xmlns:p="http://schemas.openxmlformats.org/presentationml/2006/main">
+  <p:cSld>
+    <p:spTree>
+      <p:nvGrpSpPr>
+        <p:cNvPr id="1" name=""/>
+        <p:cNvGrpSpPr/>
+        <p:nvPr/>
+      </p:nvGrpSpPr>
+      <p:grpSpPr>
+        <a:xfrm>
+          <a:off x="0" y="0"/>
+          <a:ext cx="0" cy="0"/>
+          <a:chOff x="0" y="0"/>
+          <a:chExt cx="0" cy="0"/>
+        </a:xfrm>
+      </p:grpSpPr>
+      <p:sp>
+        <p:nvSpPr>
+          <p:cNvPr id="3" name="Rounded Rectangle 2"/>
+          <p:cNvSpPr/>
+          <p:nvPr/>
+        </p:nvSpPr>
+        <p:spPr>
+          <a:xfrm>
+            <a:off x="4007485" y="2375535"/>
+            <a:ext cx="2010410" cy="719455"/>
+          </a:xfrm>
+          <a:prstGeom prst="roundRect">
+            <a:avLst/>
+          </a:prstGeom>
+          <a:solidFill>
+            <a:schemeClr val="accent1">
+              <a:lumMod val="40000"/>
+              <a:lumOff val="60000"/>
+            </a:schemeClr>
+          </a:solidFill>
+          <a:ln>
+            <a:solidFill>
+              <a:schemeClr val="accent1">
+                <a:lumMod val="75000"/>
+              </a:schemeClr>
+            </a:solidFill>
+          </a:ln>
+        </p:spPr>
+        <p:style>
+          <a:lnRef idx="2">
+            <a:schemeClr val="accent1">
+              <a:shade val="50000"/>
+            </a:schemeClr>
+          </a:lnRef>
+          <a:fillRef idx="1">
+            <a:schemeClr val="accent1"/>
+          </a:fillRef>
+          <a:effectRef idx="0">
+            <a:schemeClr val="accent1"/>
+          </a:effectRef>
+          <a:fontRef idx="minor">
+            <a:schemeClr val="lt1"/>
+          </a:fontRef>
+        </p:style>
+        <p:txBody>
+          <a:bodyPr rtlCol="0" anchor="ctr"/>
+          <a:p>
+            <a:pPr algn="ctr"/>
+            <a:r>
+              <a:rPr lang="en-US">
+                <a:solidFill>
+                  <a:schemeClr val="tx1"/>
+                </a:solidFill>
+              </a:rPr>
+              <a:t>ESM-1b</a:t>
+            </a:r>
+            <a:endParaRPr lang="en-US">
+              <a:solidFill>
+                <a:schemeClr val="tx1"/>
+              </a:solidFill>
+            </a:endParaRPr>
+          </a:p>
+        </p:txBody>
+      </p:sp>
+      <p:sp>
+        <p:nvSpPr>
+          <p:cNvPr id="2" name="Rounded Rectangle 1"/>
+          <p:cNvSpPr/>
+          <p:nvPr/>
+        </p:nvSpPr>
+        <p:spPr>
+          <a:xfrm>
+            <a:off x="4007485" y="3432810"/>
+            <a:ext cx="2010410" cy="693420"/>
+          </a:xfrm>
+          <a:prstGeom prst="roundRect">
+            <a:avLst/>
+          </a:prstGeom>
+          <a:solidFill>
+            <a:schemeClr val="accent6">
+              <a:lumMod val="40000"/>
+              <a:lumOff val="60000"/>
+            </a:schemeClr>
+          </a:solidFill>
+          <a:ln>
+            <a:solidFill>
+              <a:schemeClr val="accent6">
+                <a:lumMod val="75000"/>
+              </a:schemeClr>
+            </a:solidFill>
+          </a:ln>
+        </p:spPr>
+        <p:style>
+          <a:lnRef idx="2">
+            <a:schemeClr val="accent1">
+              <a:shade val="50000"/>
+            </a:schemeClr>
+          </a:lnRef>
+          <a:fillRef idx="1">
+            <a:schemeClr val="accent1"/>
+          </a:fillRef>
+          <a:effectRef idx="0">
+            <a:schemeClr val="accent1"/>
+          </a:effectRef>
+          <a:fontRef idx="minor">
+            <a:schemeClr val="lt1"/>
+          </a:fontRef>
+        </p:style>
+        <p:txBody>
+          <a:bodyPr rtlCol="0" anchor="ctr"/>
+          <a:p>
+            <a:pPr algn="ctr"/>
+            <a:r>
+              <a:rPr lang="es-ES_tradnl" altLang="en-US">
+                <a:solidFill>
+                  <a:schemeClr val="tx1"/>
+                </a:solidFill>
+              </a:rPr>
+              <a:t>ANN</a:t>
+            </a:r>
+            <a:endParaRPr lang="es-ES_tradnl" altLang="en-US">
+              <a:solidFill>
+                <a:schemeClr val="tx1"/>
+              </a:solidFill>
+            </a:endParaRPr>
+          </a:p>
+        </p:txBody>
+      </p:sp>
+      <p:sp>
+        <p:nvSpPr>
+          <p:cNvPr id="5" name="Rounded Rectangle 4"/>
+          <p:cNvSpPr/>
+          <p:nvPr/>
+        </p:nvSpPr>
+        <p:spPr>
+          <a:xfrm>
+            <a:off x="6612255" y="2855595"/>
+            <a:ext cx="2035810" cy="797560"/>
+          </a:xfrm>
+          <a:prstGeom prst="roundRect">
+            <a:avLst/>
+          </a:prstGeom>
+          <a:solidFill>
+            <a:schemeClr val="accent6">
+              <a:lumMod val="40000"/>
+              <a:lumOff val="60000"/>
+            </a:schemeClr>
+          </a:solidFill>
+          <a:ln>
+            <a:solidFill>
+              <a:schemeClr val="accent6">
+                <a:lumMod val="75000"/>
+              </a:schemeClr>
+            </a:solidFill>
+          </a:ln>
+        </p:spPr>
+        <p:style>
+          <a:lnRef idx="2">
+            <a:schemeClr val="accent1">
+              <a:shade val="50000"/>
+            </a:schemeClr>
+          </a:lnRef>
+          <a:fillRef idx="1">
+            <a:schemeClr val="accent1"/>
+          </a:fillRef>
+          <a:effectRef idx="0">
+            <a:schemeClr val="accent1"/>
+          </a:effectRef>
+          <a:fontRef idx="minor">
+            <a:schemeClr val="lt1"/>
+          </a:fontRef>
+        </p:style>
+        <p:txBody>
+          <a:bodyPr rtlCol="0" anchor="ctr"/>
+          <a:p>
+            <a:pPr algn="ctr"/>
+            <a:r>
+              <a:rPr lang="es-ES_tradnl" altLang="en-US">
+                <a:solidFill>
+                  <a:schemeClr val="tx1"/>
+                </a:solidFill>
+              </a:rPr>
+              <a:t>ANN</a:t>
+            </a:r>
+            <a:endParaRPr lang="es-ES_tradnl" altLang="en-US">
+              <a:solidFill>
+                <a:schemeClr val="tx1"/>
+              </a:solidFill>
+            </a:endParaRPr>
+          </a:p>
+        </p:txBody>
+      </p:sp>
+      <p:cxnSp>
+        <p:nvCxnSpPr>
+          <p:cNvPr id="13" name="Straight Arrow Connector 12"/>
+          <p:cNvCxnSpPr/>
+          <p:nvPr/>
+        </p:nvCxnSpPr>
+        <p:spPr>
+          <a:xfrm>
+            <a:off x="6125845" y="2855595"/>
+            <a:ext cx="346710" cy="139065"/>
+          </a:xfrm>
+          <a:prstGeom prst="straightConnector1">
+            <a:avLst/>
+          </a:prstGeom>
+          <a:ln>
+            <a:tailEnd type="arrow"/>
+          </a:ln>
+        </p:spPr>
+        <p:style>
+          <a:lnRef idx="1">
+            <a:schemeClr val="accent1"/>
+          </a:lnRef>
+          <a:fillRef idx="0">
+            <a:schemeClr val="accent1"/>
+          </a:fillRef>
+          <a:effectRef idx="0">
+            <a:schemeClr val="accent1"/>
+          </a:effectRef>
+          <a:fontRef idx="minor">
+            <a:schemeClr val="tx1"/>
+          </a:fontRef>
+        </p:style>
+      </p:cxnSp>
+      <p:cxnSp>
+        <p:nvCxnSpPr>
+          <p:cNvPr id="14" name="Straight Arrow Connector 13"/>
+          <p:cNvCxnSpPr/>
+          <p:nvPr/>
+        </p:nvCxnSpPr>
+        <p:spPr>
+          <a:xfrm flipV="1">
+            <a:off x="6134100" y="3453765"/>
+            <a:ext cx="338455" cy="216535"/>
+          </a:xfrm>
+          <a:prstGeom prst="straightConnector1">
+            <a:avLst/>
+          </a:prstGeom>
+          <a:ln>
+            <a:tailEnd type="arrow"/>
+          </a:ln>
+        </p:spPr>
+        <p:style>
+          <a:lnRef idx="1">
+            <a:schemeClr val="accent1"/>
+          </a:lnRef>
+          <a:fillRef idx="0">
+            <a:schemeClr val="accent1"/>
+          </a:fillRef>
+          <a:effectRef idx="0">
+            <a:schemeClr val="accent1"/>
+          </a:effectRef>
+          <a:fontRef idx="minor">
+            <a:schemeClr val="tx1"/>
+          </a:fontRef>
+        </p:style>
+      </p:cxnSp>
+      <p:sp>
+        <p:nvSpPr>
+          <p:cNvPr id="4" name="Text Box 3"/>
+          <p:cNvSpPr txBox="1"/>
+          <p:nvPr/>
+        </p:nvSpPr>
+        <p:spPr>
+          <a:xfrm>
+            <a:off x="2221865" y="2449830"/>
+            <a:ext cx="1473835" cy="645160"/>
+          </a:xfrm>
+          <a:prstGeom prst="rect">
+            <a:avLst/>
+          </a:prstGeom>
+          <a:noFill/>
+        </p:spPr>
+        <p:txBody>
+          <a:bodyPr wrap="square" rtlCol="0">
+            <a:spAutoFit/>
+          </a:bodyPr>
+          <a:p>
+            <a:pPr algn="ctr"/>
+            <a:r>
+              <a:rPr lang="es-ES_tradnl" altLang="en-US"/>
+              <a:t>MHC-peptide encoding</a:t>
+            </a:r>
+            <a:endParaRPr lang="es-ES_tradnl" altLang="en-US"/>
+          </a:p>
+        </p:txBody>
+      </p:sp>
+      <p:sp>
+        <p:nvSpPr>
+          <p:cNvPr id="6" name="Text Box 5"/>
+          <p:cNvSpPr txBox="1"/>
+          <p:nvPr/>
+        </p:nvSpPr>
+        <p:spPr>
+          <a:xfrm>
+            <a:off x="2240280" y="3481070"/>
+            <a:ext cx="1508125" cy="645160"/>
+          </a:xfrm>
+          <a:prstGeom prst="rect">
+            <a:avLst/>
+          </a:prstGeom>
+          <a:noFill/>
+        </p:spPr>
+        <p:txBody>
+          <a:bodyPr wrap="square" rtlCol="0">
+            <a:spAutoFit/>
+          </a:bodyPr>
+          <a:p>
+            <a:pPr algn="ctr"/>
+            <a:r>
+              <a:rPr lang="es-ES_tradnl" altLang="en-US"/>
+              <a:t>Peptide properties</a:t>
+            </a:r>
+            <a:endParaRPr lang="es-ES_tradnl" altLang="en-US"/>
+          </a:p>
+        </p:txBody>
+      </p:sp>
+      <p:sp>
+        <p:nvSpPr>
+          <p:cNvPr id="7" name="Text Box 6"/>
+          <p:cNvSpPr txBox="1"/>
+          <p:nvPr/>
+        </p:nvSpPr>
+        <p:spPr>
+          <a:xfrm>
+            <a:off x="9035415" y="2931795"/>
+            <a:ext cx="1473835" cy="645160"/>
+          </a:xfrm>
+          <a:prstGeom prst="rect">
+            <a:avLst/>
+          </a:prstGeom>
+          <a:noFill/>
+        </p:spPr>
+        <p:txBody>
+          <a:bodyPr wrap="square" rtlCol="0">
+            <a:spAutoFit/>
+          </a:bodyPr>
+          <a:p>
+            <a:pPr algn="ctr"/>
+            <a:r>
+              <a:rPr lang="es-ES_tradnl" altLang="en-US"/>
+              <a:t>MHC-peptide affinity</a:t>
+            </a:r>
+            <a:endParaRPr lang="es-ES_tradnl" altLang="en-US"/>
+          </a:p>
+        </p:txBody>
+      </p:sp>
+      <p:cxnSp>
+        <p:nvCxnSpPr>
+          <p:cNvPr id="8" name="Straight Arrow Connector 7"/>
+          <p:cNvCxnSpPr/>
+          <p:nvPr/>
+        </p:nvCxnSpPr>
+        <p:spPr>
+          <a:xfrm flipV="1">
+            <a:off x="3601085" y="2787015"/>
+            <a:ext cx="262890" cy="5715"/>
+          </a:xfrm>
+          <a:prstGeom prst="straightConnector1">
+            <a:avLst/>
+          </a:prstGeom>
+          <a:ln>
+            <a:tailEnd type="arrow"/>
+          </a:ln>
+        </p:spPr>
+        <p:style>
+          <a:lnRef idx="1">
+            <a:schemeClr val="accent1"/>
+          </a:lnRef>
+          <a:fillRef idx="0">
+            <a:schemeClr val="accent1"/>
+          </a:fillRef>
+          <a:effectRef idx="0">
+            <a:schemeClr val="accent1"/>
+          </a:effectRef>
+          <a:fontRef idx="minor">
+            <a:schemeClr val="tx1"/>
+          </a:fontRef>
+        </p:style>
+      </p:cxnSp>
+      <p:cxnSp>
+        <p:nvCxnSpPr>
+          <p:cNvPr id="9" name="Straight Arrow Connector 8"/>
+          <p:cNvCxnSpPr/>
+          <p:nvPr/>
+        </p:nvCxnSpPr>
+        <p:spPr>
+          <a:xfrm flipV="1">
+            <a:off x="3601085" y="3800475"/>
+            <a:ext cx="262890" cy="5715"/>
+          </a:xfrm>
+          <a:prstGeom prst="straightConnector1">
+            <a:avLst/>
+          </a:prstGeom>
+          <a:ln>
+            <a:tailEnd type="arrow"/>
+          </a:ln>
+        </p:spPr>
+        <p:style>
+          <a:lnRef idx="1">
+            <a:schemeClr val="accent1"/>
+          </a:lnRef>
+          <a:fillRef idx="0">
+            <a:schemeClr val="accent1"/>
+          </a:fillRef>
+          <a:effectRef idx="0">
+            <a:schemeClr val="accent1"/>
+          </a:effectRef>
+          <a:fontRef idx="minor">
+            <a:schemeClr val="tx1"/>
+          </a:fontRef>
+        </p:style>
+      </p:cxnSp>
+      <p:cxnSp>
+        <p:nvCxnSpPr>
+          <p:cNvPr id="10" name="Straight Arrow Connector 9"/>
+          <p:cNvCxnSpPr/>
+          <p:nvPr/>
+        </p:nvCxnSpPr>
+        <p:spPr>
+          <a:xfrm flipV="1">
+            <a:off x="8771890" y="3251835"/>
+            <a:ext cx="262890" cy="5715"/>
+          </a:xfrm>
+          <a:prstGeom prst="straightConnector1">
+            <a:avLst/>
+          </a:prstGeom>
+          <a:ln>
+            <a:tailEnd type="arrow"/>
+          </a:ln>
+        </p:spPr>
+        <p:style>
+          <a:lnRef idx="1">
+            <a:schemeClr val="accent1"/>
+          </a:lnRef>
+          <a:fillRef idx="0">
+            <a:schemeClr val="accent1"/>
+          </a:fillRef>
+          <a:effectRef idx="0">
+            <a:schemeClr val="accent1"/>
+          </a:effectRef>
+          <a:fontRef idx="minor">
+            <a:schemeClr val="tx1"/>
+          </a:fontRef>
+        </p:style>
+      </p:cxnSp>
+    </p:spTree>
+  </p:cSld>
+  <p:clrMapOvr>
+    <a:masterClrMapping/>
+  </p:clrMapOvr>
+</p:sld>
+</file>
+
+<file path=ppt/slides/slide6.xml><?xml version="1.0" encoding="utf-8"?>
+<p:sld xmlns:a="http://schemas.openxmlformats.org/drawingml/2006/main" xmlns:r="http://schemas.openxmlformats.org/officeDocument/2006/relationships" xmlns:p="http://schemas.openxmlformats.org/presentationml/2006/main">
+  <p:cSld>
+    <p:spTree>
+      <p:nvGrpSpPr>
+        <p:cNvPr id="1" name=""/>
+        <p:cNvGrpSpPr/>
+        <p:nvPr/>
+      </p:nvGrpSpPr>
+      <p:grpSpPr>
+        <a:xfrm>
+          <a:off x="0" y="0"/>
+          <a:ext cx="0" cy="0"/>
+          <a:chOff x="0" y="0"/>
+          <a:chExt cx="0" cy="0"/>
+        </a:xfrm>
+      </p:grpSpPr>
+      <p:sp>
+        <p:nvSpPr>
+          <p:cNvPr id="3" name="Rounded Rectangle 2"/>
+          <p:cNvSpPr/>
+          <p:nvPr/>
+        </p:nvSpPr>
+        <p:spPr>
+          <a:xfrm>
+            <a:off x="4007485" y="2375535"/>
+            <a:ext cx="2264410" cy="876935"/>
+          </a:xfrm>
+          <a:prstGeom prst="roundRect">
+            <a:avLst/>
+          </a:prstGeom>
+          <a:solidFill>
+            <a:schemeClr val="accent1">
+              <a:lumMod val="40000"/>
+              <a:lumOff val="60000"/>
+            </a:schemeClr>
+          </a:solidFill>
+          <a:ln>
+            <a:solidFill>
+              <a:schemeClr val="accent1">
+                <a:lumMod val="75000"/>
+              </a:schemeClr>
+            </a:solidFill>
+          </a:ln>
+        </p:spPr>
+        <p:style>
+          <a:lnRef idx="2">
+            <a:schemeClr val="accent1">
+              <a:shade val="50000"/>
+            </a:schemeClr>
+          </a:lnRef>
+          <a:fillRef idx="1">
+            <a:schemeClr val="accent1"/>
+          </a:fillRef>
+          <a:effectRef idx="0">
+            <a:schemeClr val="accent1"/>
+          </a:effectRef>
+          <a:fontRef idx="minor">
+            <a:schemeClr val="lt1"/>
+          </a:fontRef>
+        </p:style>
+        <p:txBody>
+          <a:bodyPr rtlCol="0" anchor="ctr"/>
+          <a:p>
+            <a:pPr algn="ctr"/>
+            <a:r>
+              <a:rPr lang="es-ES_tradnl" altLang="en-US">
+                <a:solidFill>
+                  <a:schemeClr val="tx1"/>
+                </a:solidFill>
+              </a:rPr>
+              <a:t>TAPE</a:t>
+            </a:r>
+            <a:endParaRPr lang="es-ES_tradnl" altLang="en-US">
+              <a:solidFill>
+                <a:schemeClr val="tx1"/>
+              </a:solidFill>
+            </a:endParaRPr>
+          </a:p>
+          <a:p>
+            <a:pPr algn="ctr"/>
+            <a:r>
+              <a:rPr lang="es-ES_tradnl" altLang="en-US">
+                <a:solidFill>
+                  <a:schemeClr val="tx1"/>
+                </a:solidFill>
+              </a:rPr>
+              <a:t>(transformer)</a:t>
+            </a:r>
+            <a:endParaRPr lang="es-ES_tradnl" altLang="en-US">
+              <a:solidFill>
+                <a:schemeClr val="tx1"/>
+              </a:solidFill>
+            </a:endParaRPr>
+          </a:p>
+        </p:txBody>
+      </p:sp>
+      <p:sp>
+        <p:nvSpPr>
+          <p:cNvPr id="2" name="Rounded Rectangle 1"/>
+          <p:cNvSpPr/>
+          <p:nvPr/>
+        </p:nvSpPr>
+        <p:spPr>
+          <a:xfrm>
+            <a:off x="4007485" y="3432810"/>
+            <a:ext cx="2263775" cy="905510"/>
+          </a:xfrm>
+          <a:prstGeom prst="roundRect">
+            <a:avLst/>
+          </a:prstGeom>
+          <a:solidFill>
+            <a:schemeClr val="accent6">
+              <a:lumMod val="40000"/>
+              <a:lumOff val="60000"/>
+            </a:schemeClr>
+          </a:solidFill>
+          <a:ln>
+            <a:solidFill>
+              <a:schemeClr val="accent6">
+                <a:lumMod val="75000"/>
+              </a:schemeClr>
+            </a:solidFill>
+          </a:ln>
+        </p:spPr>
+        <p:style>
+          <a:lnRef idx="2">
+            <a:schemeClr val="accent1">
+              <a:shade val="50000"/>
+            </a:schemeClr>
+          </a:lnRef>
+          <a:fillRef idx="1">
+            <a:schemeClr val="accent1"/>
+          </a:fillRef>
+          <a:effectRef idx="0">
+            <a:schemeClr val="accent1"/>
+          </a:effectRef>
+          <a:fontRef idx="minor">
+            <a:schemeClr val="lt1"/>
+          </a:fontRef>
+        </p:style>
+        <p:txBody>
+          <a:bodyPr rtlCol="0" anchor="ctr"/>
+          <a:p>
+            <a:pPr algn="ctr"/>
+            <a:r>
+              <a:rPr lang="es-ES_tradnl" altLang="en-US">
+                <a:solidFill>
+                  <a:schemeClr val="tx1"/>
+                </a:solidFill>
+              </a:rPr>
+              <a:t>CNN</a:t>
+            </a:r>
+            <a:endParaRPr lang="es-ES_tradnl" altLang="en-US">
+              <a:solidFill>
+                <a:schemeClr val="tx1"/>
+              </a:solidFill>
+            </a:endParaRPr>
+          </a:p>
+        </p:txBody>
+      </p:sp>
+      <p:sp>
+        <p:nvSpPr>
+          <p:cNvPr id="5" name="Rounded Rectangle 4"/>
+          <p:cNvSpPr/>
+          <p:nvPr/>
+        </p:nvSpPr>
+        <p:spPr>
+          <a:xfrm>
+            <a:off x="6892925" y="2855595"/>
+            <a:ext cx="2035810" cy="949960"/>
+          </a:xfrm>
+          <a:prstGeom prst="roundRect">
+            <a:avLst/>
+          </a:prstGeom>
+          <a:solidFill>
+            <a:schemeClr val="accent6">
+              <a:lumMod val="40000"/>
+              <a:lumOff val="60000"/>
+            </a:schemeClr>
+          </a:solidFill>
+          <a:ln>
+            <a:solidFill>
+              <a:schemeClr val="accent6">
+                <a:lumMod val="75000"/>
+              </a:schemeClr>
+            </a:solidFill>
+          </a:ln>
+        </p:spPr>
+        <p:style>
+          <a:lnRef idx="2">
+            <a:schemeClr val="accent1">
+              <a:shade val="50000"/>
+            </a:schemeClr>
+          </a:lnRef>
+          <a:fillRef idx="1">
+            <a:schemeClr val="accent1"/>
+          </a:fillRef>
+          <a:effectRef idx="0">
+            <a:schemeClr val="accent1"/>
+          </a:effectRef>
+          <a:fontRef idx="minor">
+            <a:schemeClr val="lt1"/>
+          </a:fontRef>
+        </p:style>
+        <p:txBody>
+          <a:bodyPr rtlCol="0" anchor="ctr"/>
+          <a:p>
+            <a:pPr algn="ctr"/>
+            <a:r>
+              <a:rPr lang="es-ES_tradnl" altLang="en-US">
+                <a:solidFill>
+                  <a:schemeClr val="tx1"/>
+                </a:solidFill>
+              </a:rPr>
+              <a:t>ANN</a:t>
+            </a:r>
+            <a:endParaRPr lang="es-ES_tradnl" altLang="en-US">
+              <a:solidFill>
+                <a:schemeClr val="tx1"/>
+              </a:solidFill>
+            </a:endParaRPr>
+          </a:p>
+        </p:txBody>
+      </p:sp>
+      <p:cxnSp>
+        <p:nvCxnSpPr>
+          <p:cNvPr id="13" name="Straight Arrow Connector 12"/>
+          <p:cNvCxnSpPr/>
+          <p:nvPr/>
+        </p:nvCxnSpPr>
+        <p:spPr>
+          <a:xfrm>
+            <a:off x="6406515" y="2995930"/>
+            <a:ext cx="346710" cy="139065"/>
+          </a:xfrm>
+          <a:prstGeom prst="straightConnector1">
+            <a:avLst/>
+          </a:prstGeom>
+          <a:ln>
+            <a:tailEnd type="arrow"/>
+          </a:ln>
+        </p:spPr>
+        <p:style>
+          <a:lnRef idx="1">
+            <a:schemeClr val="accent1"/>
+          </a:lnRef>
+          <a:fillRef idx="0">
+            <a:schemeClr val="accent1"/>
+          </a:fillRef>
+          <a:effectRef idx="0">
+            <a:schemeClr val="accent1"/>
+          </a:effectRef>
+          <a:fontRef idx="minor">
+            <a:schemeClr val="tx1"/>
+          </a:fontRef>
+        </p:style>
+      </p:cxnSp>
+      <p:cxnSp>
+        <p:nvCxnSpPr>
+          <p:cNvPr id="14" name="Straight Arrow Connector 13"/>
+          <p:cNvCxnSpPr/>
+          <p:nvPr/>
+        </p:nvCxnSpPr>
+        <p:spPr>
+          <a:xfrm flipV="1">
+            <a:off x="6414770" y="3594100"/>
+            <a:ext cx="338455" cy="216535"/>
+          </a:xfrm>
+          <a:prstGeom prst="straightConnector1">
+            <a:avLst/>
+          </a:prstGeom>
+          <a:ln>
+            <a:tailEnd type="arrow"/>
+          </a:ln>
+        </p:spPr>
+        <p:style>
+          <a:lnRef idx="1">
+            <a:schemeClr val="accent1"/>
+          </a:lnRef>
+          <a:fillRef idx="0">
+            <a:schemeClr val="accent1"/>
+          </a:fillRef>
+          <a:effectRef idx="0">
+            <a:schemeClr val="accent1"/>
+          </a:effectRef>
+          <a:fontRef idx="minor">
+            <a:schemeClr val="tx1"/>
+          </a:fontRef>
+        </p:style>
+      </p:cxnSp>
+      <p:sp>
+        <p:nvSpPr>
+          <p:cNvPr id="4" name="Text Box 3"/>
+          <p:cNvSpPr txBox="1"/>
+          <p:nvPr/>
+        </p:nvSpPr>
+        <p:spPr>
+          <a:xfrm>
+            <a:off x="2221865" y="2449830"/>
+            <a:ext cx="1473835" cy="922020"/>
+          </a:xfrm>
+          <a:prstGeom prst="rect">
+            <a:avLst/>
+          </a:prstGeom>
+          <a:noFill/>
+        </p:spPr>
+        <p:txBody>
+          <a:bodyPr wrap="square" rtlCol="0">
+            <a:spAutoFit/>
+          </a:bodyPr>
+          <a:p>
+            <a:pPr algn="ctr"/>
+            <a:r>
+              <a:rPr lang="es-ES_tradnl" altLang="en-US"/>
+              <a:t>MHC-peptide encoding (BERTMHC)</a:t>
+            </a:r>
+            <a:endParaRPr lang="es-ES_tradnl" altLang="en-US"/>
+          </a:p>
+        </p:txBody>
+      </p:sp>
+      <p:sp>
+        <p:nvSpPr>
+          <p:cNvPr id="6" name="Text Box 5"/>
+          <p:cNvSpPr txBox="1"/>
+          <p:nvPr/>
+        </p:nvSpPr>
+        <p:spPr>
+          <a:xfrm>
+            <a:off x="2240280" y="3472815"/>
+            <a:ext cx="1508125" cy="922020"/>
+          </a:xfrm>
+          <a:prstGeom prst="rect">
+            <a:avLst/>
+          </a:prstGeom>
+          <a:noFill/>
+        </p:spPr>
+        <p:txBody>
+          <a:bodyPr wrap="square" rtlCol="0">
+            <a:spAutoFit/>
+          </a:bodyPr>
+          <a:p>
+            <a:pPr algn="ctr"/>
+            <a:r>
+              <a:rPr lang="es-ES_tradnl" altLang="en-US">
+                <a:sym typeface="+mn-ea"/>
+              </a:rPr>
+              <a:t>MHC-peptide encoding (APPM)</a:t>
+            </a:r>
+            <a:endParaRPr lang="es-ES_tradnl" altLang="en-US"/>
+          </a:p>
+        </p:txBody>
+      </p:sp>
+      <p:sp>
+        <p:nvSpPr>
+          <p:cNvPr id="7" name="Text Box 6"/>
+          <p:cNvSpPr txBox="1"/>
+          <p:nvPr/>
+        </p:nvSpPr>
+        <p:spPr>
+          <a:xfrm>
+            <a:off x="9316085" y="2997835"/>
+            <a:ext cx="1473835" cy="645160"/>
+          </a:xfrm>
+          <a:prstGeom prst="rect">
+            <a:avLst/>
+          </a:prstGeom>
+          <a:noFill/>
+        </p:spPr>
+        <p:txBody>
+          <a:bodyPr wrap="square" rtlCol="0">
+            <a:spAutoFit/>
+          </a:bodyPr>
+          <a:p>
+            <a:pPr algn="ctr"/>
+            <a:r>
+              <a:rPr lang="es-ES_tradnl" altLang="en-US"/>
+              <a:t>MHC-peptide affinity</a:t>
+            </a:r>
+            <a:endParaRPr lang="es-ES_tradnl" altLang="en-US"/>
+          </a:p>
+        </p:txBody>
+      </p:sp>
+      <p:cxnSp>
+        <p:nvCxnSpPr>
+          <p:cNvPr id="8" name="Straight Arrow Connector 7"/>
+          <p:cNvCxnSpPr/>
+          <p:nvPr/>
+        </p:nvCxnSpPr>
+        <p:spPr>
+          <a:xfrm flipV="1">
+            <a:off x="3642360" y="2820035"/>
+            <a:ext cx="262890" cy="5715"/>
+          </a:xfrm>
+          <a:prstGeom prst="straightConnector1">
+            <a:avLst/>
+          </a:prstGeom>
+          <a:ln>
+            <a:tailEnd type="arrow"/>
+          </a:ln>
+        </p:spPr>
+        <p:style>
+          <a:lnRef idx="1">
+            <a:schemeClr val="accent1"/>
+          </a:lnRef>
+          <a:fillRef idx="0">
+            <a:schemeClr val="accent1"/>
+          </a:fillRef>
+          <a:effectRef idx="0">
+            <a:schemeClr val="accent1"/>
+          </a:effectRef>
+          <a:fontRef idx="minor">
+            <a:schemeClr val="tx1"/>
+          </a:fontRef>
+        </p:style>
+      </p:cxnSp>
+      <p:cxnSp>
+        <p:nvCxnSpPr>
+          <p:cNvPr id="9" name="Straight Arrow Connector 8"/>
+          <p:cNvCxnSpPr/>
+          <p:nvPr/>
+        </p:nvCxnSpPr>
+        <p:spPr>
+          <a:xfrm flipV="1">
+            <a:off x="3650615" y="3874770"/>
+            <a:ext cx="262890" cy="5715"/>
+          </a:xfrm>
+          <a:prstGeom prst="straightConnector1">
+            <a:avLst/>
+          </a:prstGeom>
+          <a:ln>
+            <a:tailEnd type="arrow"/>
+          </a:ln>
+        </p:spPr>
+        <p:style>
+          <a:lnRef idx="1">
+            <a:schemeClr val="accent1"/>
+          </a:lnRef>
+          <a:fillRef idx="0">
+            <a:schemeClr val="accent1"/>
+          </a:fillRef>
+          <a:effectRef idx="0">
+            <a:schemeClr val="accent1"/>
+          </a:effectRef>
+          <a:fontRef idx="minor">
+            <a:schemeClr val="tx1"/>
+          </a:fontRef>
+        </p:style>
+      </p:cxnSp>
+      <p:cxnSp>
+        <p:nvCxnSpPr>
+          <p:cNvPr id="10" name="Straight Arrow Connector 9"/>
+          <p:cNvCxnSpPr/>
+          <p:nvPr/>
+        </p:nvCxnSpPr>
+        <p:spPr>
+          <a:xfrm flipV="1">
+            <a:off x="9052560" y="3317875"/>
+            <a:ext cx="262890" cy="5715"/>
+          </a:xfrm>
+          <a:prstGeom prst="straightConnector1">
+            <a:avLst/>
+          </a:prstGeom>
+          <a:ln>
+            <a:tailEnd type="arrow"/>
+          </a:ln>
+        </p:spPr>
+        <p:style>
+          <a:lnRef idx="1">
+            <a:schemeClr val="accent1"/>
+          </a:lnRef>
+          <a:fillRef idx="0">
+            <a:schemeClr val="accent1"/>
+          </a:fillRef>
+          <a:effectRef idx="0">
+            <a:schemeClr val="accent1"/>
+          </a:effectRef>
+          <a:fontRef idx="minor">
+            <a:schemeClr val="tx1"/>
+          </a:fontRef>
+        </p:style>
+      </p:cxnSp>
+    </p:spTree>
+  </p:cSld>
+  <p:clrMapOvr>
+    <a:masterClrMapping/>
+  </p:clrMapOvr>
+</p:sld>
+</file>
+
+<file path=ppt/slides/slide7.xml><?xml version="1.0" encoding="utf-8"?>
+<p:sld xmlns:a="http://schemas.openxmlformats.org/drawingml/2006/main" xmlns:r="http://schemas.openxmlformats.org/officeDocument/2006/relationships" xmlns:p="http://schemas.openxmlformats.org/presentationml/2006/main">
+  <p:cSld>
+    <p:spTree>
+      <p:nvGrpSpPr>
+        <p:cNvPr id="1" name=""/>
+        <p:cNvGrpSpPr/>
+        <p:nvPr/>
+      </p:nvGrpSpPr>
+      <p:grpSpPr>
+        <a:xfrm>
+          <a:off x="0" y="0"/>
+          <a:ext cx="0" cy="0"/>
+          <a:chOff x="0" y="0"/>
+          <a:chExt cx="0" cy="0"/>
+        </a:xfrm>
+      </p:grpSpPr>
+      <p:sp>
+        <p:nvSpPr>
+          <p:cNvPr id="3" name="Rounded Rectangle 2"/>
+          <p:cNvSpPr/>
+          <p:nvPr/>
+        </p:nvSpPr>
+        <p:spPr>
+          <a:xfrm>
+            <a:off x="2198370" y="2199640"/>
+            <a:ext cx="1717040" cy="1150620"/>
+          </a:xfrm>
+          <a:prstGeom prst="roundRect">
+            <a:avLst/>
+          </a:prstGeom>
+          <a:solidFill>
+            <a:schemeClr val="accent1">
+              <a:lumMod val="40000"/>
+              <a:lumOff val="60000"/>
+            </a:schemeClr>
+          </a:solidFill>
+          <a:ln>
+            <a:solidFill>
+              <a:schemeClr val="accent1">
+                <a:lumMod val="75000"/>
+              </a:schemeClr>
+            </a:solidFill>
+          </a:ln>
+        </p:spPr>
+        <p:style>
+          <a:lnRef idx="2">
+            <a:schemeClr val="accent1">
+              <a:shade val="50000"/>
+            </a:schemeClr>
+          </a:lnRef>
+          <a:fillRef idx="1">
+            <a:schemeClr val="accent1"/>
+          </a:fillRef>
+          <a:effectRef idx="0">
+            <a:schemeClr val="accent1"/>
+          </a:effectRef>
+          <a:fontRef idx="minor">
+            <a:schemeClr val="lt1"/>
+          </a:fontRef>
+        </p:style>
+        <p:txBody>
+          <a:bodyPr rtlCol="0" anchor="ctr"/>
+          <a:p>
+            <a:pPr algn="ctr"/>
+            <a:r>
+              <a:rPr lang="es-ES_tradnl" altLang="en-US">
+                <a:solidFill>
+                  <a:schemeClr val="tx1"/>
+                </a:solidFill>
+              </a:rPr>
+              <a:t>BERT</a:t>
+            </a:r>
+            <a:endParaRPr lang="es-ES_tradnl" altLang="en-US">
+              <a:solidFill>
+                <a:schemeClr val="tx1"/>
+              </a:solidFill>
+            </a:endParaRPr>
+          </a:p>
+          <a:p>
+            <a:pPr algn="ctr"/>
+            <a:r>
+              <a:rPr lang="es-ES_tradnl" altLang="en-US">
+                <a:solidFill>
+                  <a:schemeClr val="tx1"/>
+                </a:solidFill>
+              </a:rPr>
+              <a:t>(transformer)</a:t>
+            </a:r>
+            <a:endParaRPr lang="es-ES_tradnl" altLang="en-US">
+              <a:solidFill>
+                <a:schemeClr val="tx1"/>
+              </a:solidFill>
+            </a:endParaRPr>
+          </a:p>
+        </p:txBody>
+      </p:sp>
+      <p:sp>
+        <p:nvSpPr>
+          <p:cNvPr id="2" name="Rounded Rectangle 1"/>
+          <p:cNvSpPr/>
+          <p:nvPr/>
+        </p:nvSpPr>
+        <p:spPr>
+          <a:xfrm>
+            <a:off x="4511675" y="2185035"/>
+            <a:ext cx="1717040" cy="1179830"/>
+          </a:xfrm>
+          <a:prstGeom prst="roundRect">
+            <a:avLst/>
+          </a:prstGeom>
+          <a:solidFill>
+            <a:schemeClr val="accent6">
+              <a:lumMod val="40000"/>
+              <a:lumOff val="60000"/>
+            </a:schemeClr>
+          </a:solidFill>
+          <a:ln>
+            <a:solidFill>
+              <a:schemeClr val="accent6">
+                <a:lumMod val="75000"/>
+              </a:schemeClr>
+            </a:solidFill>
+          </a:ln>
+        </p:spPr>
+        <p:style>
+          <a:lnRef idx="2">
+            <a:schemeClr val="accent1">
+              <a:shade val="50000"/>
+            </a:schemeClr>
+          </a:lnRef>
+          <a:fillRef idx="1">
+            <a:schemeClr val="accent1"/>
+          </a:fillRef>
+          <a:effectRef idx="0">
+            <a:schemeClr val="accent1"/>
+          </a:effectRef>
+          <a:fontRef idx="minor">
+            <a:schemeClr val="lt1"/>
+          </a:fontRef>
+        </p:style>
+        <p:txBody>
+          <a:bodyPr rtlCol="0" anchor="ctr"/>
+          <a:p>
+            <a:pPr algn="ctr"/>
+            <a:r>
+              <a:rPr lang="es-ES_tradnl" altLang="en-US">
+                <a:solidFill>
+                  <a:schemeClr val="tx1"/>
+                </a:solidFill>
+              </a:rPr>
+              <a:t>30 millions proteins</a:t>
+            </a:r>
+            <a:endParaRPr lang="es-ES_tradnl" altLang="en-US">
+              <a:solidFill>
+                <a:schemeClr val="tx1"/>
+              </a:solidFill>
+            </a:endParaRPr>
+          </a:p>
+        </p:txBody>
+      </p:sp>
+      <p:sp>
+        <p:nvSpPr>
+          <p:cNvPr id="11" name="Rounded Rectangle 10"/>
+          <p:cNvSpPr/>
+          <p:nvPr/>
+        </p:nvSpPr>
+        <p:spPr>
+          <a:xfrm>
+            <a:off x="1558925" y="1457325"/>
+            <a:ext cx="7898130" cy="3261995"/>
+          </a:xfrm>
+          <a:prstGeom prst="roundRect">
+            <a:avLst/>
+          </a:prstGeom>
+          <a:noFill/>
+          <a:ln>
+            <a:solidFill>
+              <a:schemeClr val="accent6">
+                <a:lumMod val="60000"/>
+                <a:lumOff val="40000"/>
+              </a:schemeClr>
+            </a:solidFill>
+          </a:ln>
+        </p:spPr>
+        <p:style>
+          <a:lnRef idx="2">
+            <a:schemeClr val="accent1">
+              <a:shade val="50000"/>
+            </a:schemeClr>
+          </a:lnRef>
+          <a:fillRef idx="1">
+            <a:schemeClr val="accent1"/>
+          </a:fillRef>
+          <a:effectRef idx="0">
+            <a:schemeClr val="accent1"/>
+          </a:effectRef>
+          <a:fontRef idx="minor">
+            <a:schemeClr val="lt1"/>
+          </a:fontRef>
+        </p:style>
+        <p:txBody>
+          <a:bodyPr rtlCol="0" anchor="ctr"/>
+          <a:p>
+            <a:pPr algn="ctr"/>
+            <a:endParaRPr lang="es-ES_tradnl" altLang="en-US">
+              <a:solidFill>
+                <a:schemeClr val="tx1"/>
+              </a:solidFill>
+            </a:endParaRPr>
+          </a:p>
+        </p:txBody>
+      </p:sp>
+      <p:sp>
+        <p:nvSpPr>
+          <p:cNvPr id="12" name="Text Box 11"/>
+          <p:cNvSpPr txBox="1"/>
+          <p:nvPr/>
+        </p:nvSpPr>
+        <p:spPr>
+          <a:xfrm>
+            <a:off x="3872230" y="3670935"/>
+            <a:ext cx="1383665" cy="368300"/>
+          </a:xfrm>
+          <a:prstGeom prst="rect">
+            <a:avLst/>
+          </a:prstGeom>
+          <a:noFill/>
+        </p:spPr>
+        <p:txBody>
+          <a:bodyPr wrap="square" rtlCol="0">
+            <a:spAutoFit/>
+          </a:bodyPr>
+          <a:p>
+            <a:r>
+              <a:rPr lang="es-ES_tradnl" altLang="en-US"/>
+              <a:t>TAPE</a:t>
+            </a:r>
+            <a:endParaRPr lang="es-ES_tradnl" altLang="en-US"/>
+          </a:p>
+        </p:txBody>
+      </p:sp>
+      <p:sp>
+        <p:nvSpPr>
+          <p:cNvPr id="15" name="Rounded Rectangle 14"/>
+          <p:cNvSpPr/>
+          <p:nvPr/>
+        </p:nvSpPr>
+        <p:spPr>
+          <a:xfrm>
+            <a:off x="1940560" y="1833880"/>
+            <a:ext cx="4786630" cy="2421255"/>
+          </a:xfrm>
+          <a:prstGeom prst="roundRect">
+            <a:avLst/>
+          </a:prstGeom>
+          <a:noFill/>
+          <a:ln>
+            <a:solidFill>
+              <a:schemeClr val="accent1">
+                <a:lumMod val="75000"/>
+              </a:schemeClr>
+            </a:solidFill>
+          </a:ln>
+        </p:spPr>
+        <p:style>
+          <a:lnRef idx="2">
+            <a:schemeClr val="accent1">
+              <a:shade val="50000"/>
+            </a:schemeClr>
+          </a:lnRef>
+          <a:fillRef idx="1">
+            <a:schemeClr val="accent1"/>
+          </a:fillRef>
+          <a:effectRef idx="0">
+            <a:schemeClr val="accent1"/>
+          </a:effectRef>
+          <a:fontRef idx="minor">
+            <a:schemeClr val="lt1"/>
+          </a:fontRef>
+        </p:style>
+        <p:txBody>
+          <a:bodyPr rtlCol="0" anchor="ctr"/>
+          <a:p>
+            <a:pPr algn="ctr"/>
+            <a:endParaRPr lang="es-ES_tradnl" altLang="en-US">
+              <a:solidFill>
+                <a:schemeClr val="tx1"/>
+              </a:solidFill>
+            </a:endParaRPr>
+          </a:p>
+        </p:txBody>
+      </p:sp>
+      <p:sp>
+        <p:nvSpPr>
+          <p:cNvPr id="16" name="Rounded Rectangle 15"/>
+          <p:cNvSpPr/>
+          <p:nvPr/>
+        </p:nvSpPr>
+        <p:spPr>
+          <a:xfrm>
+            <a:off x="7108190" y="2170430"/>
+            <a:ext cx="1971040" cy="1179830"/>
+          </a:xfrm>
+          <a:prstGeom prst="roundRect">
+            <a:avLst/>
+          </a:prstGeom>
+          <a:solidFill>
+            <a:schemeClr val="accent6">
+              <a:lumMod val="40000"/>
+              <a:lumOff val="60000"/>
+            </a:schemeClr>
+          </a:solidFill>
+          <a:ln>
+            <a:solidFill>
+              <a:schemeClr val="accent6">
+                <a:lumMod val="75000"/>
+              </a:schemeClr>
+            </a:solidFill>
+          </a:ln>
+        </p:spPr>
+        <p:style>
+          <a:lnRef idx="2">
+            <a:schemeClr val="accent1">
+              <a:shade val="50000"/>
+            </a:schemeClr>
+          </a:lnRef>
+          <a:fillRef idx="1">
+            <a:schemeClr val="accent1"/>
+          </a:fillRef>
+          <a:effectRef idx="0">
+            <a:schemeClr val="accent1"/>
+          </a:effectRef>
+          <a:fontRef idx="minor">
+            <a:schemeClr val="lt1"/>
+          </a:fontRef>
+        </p:style>
+        <p:txBody>
+          <a:bodyPr rtlCol="0" anchor="ctr"/>
+          <a:p>
+            <a:pPr algn="ctr"/>
+            <a:r>
+              <a:rPr lang="es-ES_tradnl" altLang="en-US">
+                <a:solidFill>
+                  <a:schemeClr val="tx1"/>
+                </a:solidFill>
+              </a:rPr>
+              <a:t>peptide-MHC-II dataset</a:t>
+            </a:r>
+            <a:endParaRPr lang="es-ES_tradnl" altLang="en-US">
+              <a:solidFill>
+                <a:schemeClr val="tx1"/>
+              </a:solidFill>
+            </a:endParaRPr>
+          </a:p>
+        </p:txBody>
+      </p:sp>
+      <p:sp>
+        <p:nvSpPr>
+          <p:cNvPr id="17" name="Text Box 16"/>
+          <p:cNvSpPr txBox="1"/>
+          <p:nvPr/>
+        </p:nvSpPr>
+        <p:spPr>
+          <a:xfrm>
+            <a:off x="7439660" y="4168775"/>
+            <a:ext cx="1383665" cy="368300"/>
+          </a:xfrm>
+          <a:prstGeom prst="rect">
+            <a:avLst/>
+          </a:prstGeom>
+          <a:noFill/>
+        </p:spPr>
+        <p:txBody>
+          <a:bodyPr wrap="square" rtlCol="0">
+            <a:spAutoFit/>
+          </a:bodyPr>
+          <a:p>
+            <a:r>
+              <a:rPr lang="es-ES_tradnl" altLang="en-US"/>
+              <a:t>BERTMHC</a:t>
+            </a:r>
+            <a:endParaRPr lang="es-ES_tradnl" altLang="en-US"/>
+          </a:p>
+        </p:txBody>
+      </p:sp>
+    </p:spTree>
+  </p:cSld>
+  <p:clrMapOvr>
+    <a:masterClrMapping/>
+  </p:clrMapOvr>
+</p:sld>
+</file>
+
+<file path=ppt/slides/slide8.xml><?xml version="1.0" encoding="utf-8"?>
+<p:sld xmlns:a="http://schemas.openxmlformats.org/drawingml/2006/main" xmlns:r="http://schemas.openxmlformats.org/officeDocument/2006/relationships" xmlns:p="http://schemas.openxmlformats.org/presentationml/2006/main">
+  <p:cSld>
+    <p:spTree>
+      <p:nvGrpSpPr>
+        <p:cNvPr id="1" name=""/>
+        <p:cNvGrpSpPr/>
+        <p:nvPr/>
+      </p:nvGrpSpPr>
+      <p:grpSpPr>
+        <a:xfrm>
+          <a:off x="0" y="0"/>
+          <a:ext cx="0" cy="0"/>
+          <a:chOff x="0" y="0"/>
+          <a:chExt cx="0" cy="0"/>
+        </a:xfrm>
+      </p:grpSpPr>
+      <p:sp>
+        <p:nvSpPr>
+          <p:cNvPr id="3" name="Rounded Rectangle 2"/>
+          <p:cNvSpPr/>
+          <p:nvPr/>
+        </p:nvSpPr>
+        <p:spPr>
+          <a:xfrm>
+            <a:off x="3643630" y="1319530"/>
+            <a:ext cx="2010410" cy="693420"/>
+          </a:xfrm>
+          <a:prstGeom prst="roundRect">
+            <a:avLst/>
+          </a:prstGeom>
+          <a:noFill/>
+          <a:ln>
+            <a:solidFill>
+              <a:srgbClr val="202020"/>
+            </a:solidFill>
+          </a:ln>
+        </p:spPr>
+        <p:style>
+          <a:lnRef idx="2">
+            <a:schemeClr val="accent1">
+              <a:shade val="50000"/>
+            </a:schemeClr>
+          </a:lnRef>
+          <a:fillRef idx="1">
+            <a:schemeClr val="accent1"/>
+          </a:fillRef>
+          <a:effectRef idx="0">
+            <a:schemeClr val="accent1"/>
+          </a:effectRef>
+          <a:fontRef idx="minor">
+            <a:schemeClr val="lt1"/>
+          </a:fontRef>
+        </p:style>
+        <p:txBody>
+          <a:bodyPr rtlCol="0" anchor="ctr"/>
+          <a:p>
+            <a:pPr algn="ctr"/>
+            <a:r>
+              <a:rPr lang="en-US">
+                <a:solidFill>
+                  <a:schemeClr val="tx1"/>
+                </a:solidFill>
+              </a:rPr>
+              <a:t>KVDAGKLHY</a:t>
+            </a:r>
+            <a:endParaRPr lang="en-US">
+              <a:solidFill>
+                <a:schemeClr val="tx1"/>
+              </a:solidFill>
+            </a:endParaRPr>
+          </a:p>
+        </p:txBody>
+      </p:sp>
+      <p:sp>
+        <p:nvSpPr>
+          <p:cNvPr id="8" name="Text Box 7"/>
+          <p:cNvSpPr txBox="1"/>
+          <p:nvPr/>
+        </p:nvSpPr>
+        <p:spPr>
+          <a:xfrm>
+            <a:off x="4220845" y="951230"/>
+            <a:ext cx="855980" cy="368300"/>
+          </a:xfrm>
+          <a:prstGeom prst="rect">
+            <a:avLst/>
+          </a:prstGeom>
+          <a:noFill/>
+        </p:spPr>
+        <p:txBody>
+          <a:bodyPr wrap="none" rtlCol="0">
+            <a:spAutoFit/>
+          </a:bodyPr>
+          <a:p>
+            <a:r>
+              <a:rPr lang="es-ES_tradnl" altLang="en-US"/>
+              <a:t>peptide</a:t>
+            </a:r>
+            <a:endParaRPr lang="es-ES_tradnl" altLang="en-US"/>
+          </a:p>
+        </p:txBody>
+      </p:sp>
+      <p:sp>
+        <p:nvSpPr>
+          <p:cNvPr id="2" name="Rounded Rectangle 1"/>
+          <p:cNvSpPr/>
+          <p:nvPr/>
+        </p:nvSpPr>
+        <p:spPr>
+          <a:xfrm>
+            <a:off x="6678295" y="1319530"/>
+            <a:ext cx="2620010" cy="693420"/>
+          </a:xfrm>
+          <a:prstGeom prst="roundRect">
+            <a:avLst/>
+          </a:prstGeom>
+          <a:noFill/>
+          <a:ln>
+            <a:solidFill>
+              <a:srgbClr val="202020"/>
+            </a:solidFill>
+          </a:ln>
+        </p:spPr>
+        <p:style>
+          <a:lnRef idx="2">
+            <a:schemeClr val="accent1">
+              <a:shade val="50000"/>
+            </a:schemeClr>
+          </a:lnRef>
+          <a:fillRef idx="1">
+            <a:schemeClr val="accent1"/>
+          </a:fillRef>
+          <a:effectRef idx="0">
+            <a:schemeClr val="accent1"/>
+          </a:effectRef>
+          <a:fontRef idx="minor">
+            <a:schemeClr val="lt1"/>
+          </a:fontRef>
+        </p:style>
+        <p:txBody>
+          <a:bodyPr rtlCol="0" anchor="ctr"/>
+          <a:p>
+            <a:pPr algn="ctr"/>
+            <a:r>
+              <a:rPr lang="es-ES_tradnl" altLang="en-US">
+                <a:solidFill>
+                  <a:schemeClr val="tx1"/>
+                </a:solidFill>
+              </a:rPr>
+              <a:t>L</a:t>
+            </a:r>
+            <a:r>
+              <a:rPr lang="en-US">
+                <a:solidFill>
+                  <a:schemeClr val="tx1"/>
+                </a:solidFill>
+              </a:rPr>
+              <a:t>KV</a:t>
+            </a:r>
+            <a:r>
+              <a:rPr lang="es-ES_tradnl" altLang="en-US">
+                <a:solidFill>
+                  <a:schemeClr val="tx1"/>
+                </a:solidFill>
+              </a:rPr>
+              <a:t>B</a:t>
+            </a:r>
+            <a:r>
+              <a:rPr lang="en-US">
+                <a:solidFill>
+                  <a:schemeClr val="tx1"/>
+                </a:solidFill>
+              </a:rPr>
+              <a:t>DAG</a:t>
+            </a:r>
+            <a:r>
+              <a:rPr lang="es-ES_tradnl" altLang="en-US">
+                <a:solidFill>
+                  <a:schemeClr val="tx1"/>
+                </a:solidFill>
+              </a:rPr>
+              <a:t>O</a:t>
+            </a:r>
+            <a:r>
+              <a:rPr lang="en-US">
+                <a:solidFill>
+                  <a:schemeClr val="tx1"/>
+                </a:solidFill>
+              </a:rPr>
+              <a:t>KLHY</a:t>
+            </a:r>
+            <a:r>
+              <a:rPr lang="es-ES_tradnl" altLang="en-US">
+                <a:solidFill>
+                  <a:schemeClr val="tx1"/>
+                </a:solidFill>
+              </a:rPr>
+              <a:t>...</a:t>
+            </a:r>
+            <a:endParaRPr lang="es-ES_tradnl" altLang="en-US">
+              <a:solidFill>
+                <a:schemeClr val="tx1"/>
+              </a:solidFill>
+            </a:endParaRPr>
+          </a:p>
+        </p:txBody>
+      </p:sp>
+      <p:sp>
+        <p:nvSpPr>
+          <p:cNvPr id="5" name="Text Box 4"/>
+          <p:cNvSpPr txBox="1"/>
+          <p:nvPr/>
+        </p:nvSpPr>
+        <p:spPr>
+          <a:xfrm>
+            <a:off x="7636510" y="951230"/>
+            <a:ext cx="703580" cy="368300"/>
+          </a:xfrm>
+          <a:prstGeom prst="rect">
+            <a:avLst/>
+          </a:prstGeom>
+          <a:noFill/>
+        </p:spPr>
+        <p:txBody>
+          <a:bodyPr wrap="none" rtlCol="0">
+            <a:spAutoFit/>
+          </a:bodyPr>
+          <a:p>
+            <a:r>
+              <a:rPr lang="es-ES_tradnl" altLang="en-US"/>
+              <a:t>MHC</a:t>
+            </a:r>
+            <a:endParaRPr lang="es-ES_tradnl" altLang="en-US"/>
+          </a:p>
+        </p:txBody>
+      </p:sp>
+      <p:sp>
+        <p:nvSpPr>
+          <p:cNvPr id="6" name="Rounded Rectangle 5"/>
+          <p:cNvSpPr/>
+          <p:nvPr/>
+        </p:nvSpPr>
+        <p:spPr>
+          <a:xfrm>
+            <a:off x="3643630" y="2511425"/>
+            <a:ext cx="5689600" cy="719455"/>
+          </a:xfrm>
+          <a:prstGeom prst="roundRect">
+            <a:avLst/>
+          </a:prstGeom>
+          <a:solidFill>
+            <a:schemeClr val="accent1">
+              <a:lumMod val="40000"/>
+              <a:lumOff val="60000"/>
+            </a:schemeClr>
+          </a:solidFill>
+          <a:ln>
+            <a:solidFill>
+              <a:schemeClr val="accent1">
+                <a:lumMod val="75000"/>
+              </a:schemeClr>
+            </a:solidFill>
+          </a:ln>
+        </p:spPr>
+        <p:style>
+          <a:lnRef idx="2">
+            <a:schemeClr val="accent1">
+              <a:shade val="50000"/>
+            </a:schemeClr>
+          </a:lnRef>
+          <a:fillRef idx="1">
+            <a:schemeClr val="accent1"/>
+          </a:fillRef>
+          <a:effectRef idx="0">
+            <a:schemeClr val="accent1"/>
+          </a:effectRef>
+          <a:fontRef idx="minor">
+            <a:schemeClr val="lt1"/>
+          </a:fontRef>
+        </p:style>
+        <p:txBody>
+          <a:bodyPr rtlCol="0" anchor="ctr"/>
+          <a:p>
+            <a:pPr algn="ctr"/>
+            <a:r>
+              <a:rPr lang="es-ES_tradnl" altLang="en-US">
+                <a:solidFill>
+                  <a:srgbClr val="2E75B6"/>
+                </a:solidFill>
+              </a:rPr>
+              <a:t>Deep learning model</a:t>
+            </a:r>
+            <a:endParaRPr lang="es-ES_tradnl" altLang="en-US">
+              <a:solidFill>
+                <a:srgbClr val="2E75B6"/>
+              </a:solidFill>
+            </a:endParaRPr>
+          </a:p>
+        </p:txBody>
+      </p:sp>
+      <p:cxnSp>
+        <p:nvCxnSpPr>
+          <p:cNvPr id="13" name="Straight Arrow Connector 12"/>
+          <p:cNvCxnSpPr/>
+          <p:nvPr/>
+        </p:nvCxnSpPr>
+        <p:spPr>
+          <a:xfrm flipH="1">
+            <a:off x="4647565" y="2110105"/>
+            <a:ext cx="3175" cy="283210"/>
+          </a:xfrm>
+          <a:prstGeom prst="straightConnector1">
+            <a:avLst/>
+          </a:prstGeom>
+          <a:ln w="25400">
+            <a:tailEnd type="arrow"/>
+          </a:ln>
+        </p:spPr>
+        <p:style>
+          <a:lnRef idx="1">
+            <a:schemeClr val="accent1"/>
+          </a:lnRef>
+          <a:fillRef idx="0">
+            <a:schemeClr val="accent1"/>
+          </a:fillRef>
+          <a:effectRef idx="0">
+            <a:schemeClr val="accent1"/>
+          </a:effectRef>
+          <a:fontRef idx="minor">
+            <a:schemeClr val="tx1"/>
+          </a:fontRef>
+        </p:style>
+      </p:cxnSp>
+      <p:cxnSp>
+        <p:nvCxnSpPr>
+          <p:cNvPr id="14" name="Straight Arrow Connector 13"/>
+          <p:cNvCxnSpPr/>
+          <p:nvPr/>
+        </p:nvCxnSpPr>
+        <p:spPr>
+          <a:xfrm flipH="1">
+            <a:off x="7986395" y="2110105"/>
+            <a:ext cx="3175" cy="283210"/>
+          </a:xfrm>
+          <a:prstGeom prst="straightConnector1">
+            <a:avLst/>
+          </a:prstGeom>
+          <a:ln w="25400">
+            <a:tailEnd type="arrow"/>
+          </a:ln>
+        </p:spPr>
+        <p:style>
+          <a:lnRef idx="1">
+            <a:schemeClr val="accent1"/>
+          </a:lnRef>
+          <a:fillRef idx="0">
+            <a:schemeClr val="accent1"/>
+          </a:fillRef>
+          <a:effectRef idx="0">
+            <a:schemeClr val="accent1"/>
+          </a:effectRef>
+          <a:fontRef idx="minor">
+            <a:schemeClr val="tx1"/>
+          </a:fontRef>
+        </p:style>
+      </p:cxnSp>
+      <p:sp>
+        <p:nvSpPr>
+          <p:cNvPr id="15" name="Rounded Rectangle 14"/>
+          <p:cNvSpPr/>
+          <p:nvPr/>
+        </p:nvSpPr>
+        <p:spPr>
+          <a:xfrm>
+            <a:off x="5880735" y="3655060"/>
+            <a:ext cx="1052195" cy="415290"/>
+          </a:xfrm>
+          <a:prstGeom prst="roundRect">
+            <a:avLst/>
+          </a:prstGeom>
+          <a:noFill/>
+          <a:ln>
+            <a:solidFill>
+              <a:srgbClr val="202020"/>
+            </a:solidFill>
+          </a:ln>
+        </p:spPr>
+        <p:style>
+          <a:lnRef idx="2">
+            <a:schemeClr val="accent1">
+              <a:shade val="50000"/>
+            </a:schemeClr>
+          </a:lnRef>
+          <a:fillRef idx="1">
+            <a:schemeClr val="accent1"/>
+          </a:fillRef>
+          <a:effectRef idx="0">
+            <a:schemeClr val="accent1"/>
+          </a:effectRef>
+          <a:fontRef idx="minor">
+            <a:schemeClr val="lt1"/>
+          </a:fontRef>
+        </p:style>
+        <p:txBody>
+          <a:bodyPr rtlCol="0" anchor="ctr"/>
+          <a:p>
+            <a:pPr algn="ctr"/>
+            <a:r>
+              <a:rPr lang="es-ES_tradnl" altLang="en-US">
+                <a:solidFill>
+                  <a:schemeClr val="tx1"/>
+                </a:solidFill>
+              </a:rPr>
+              <a:t>0/1</a:t>
+            </a:r>
+            <a:endParaRPr lang="es-ES_tradnl" altLang="en-US">
+              <a:solidFill>
+                <a:schemeClr val="tx1"/>
+              </a:solidFill>
+            </a:endParaRPr>
+          </a:p>
+        </p:txBody>
+      </p:sp>
+      <p:cxnSp>
+        <p:nvCxnSpPr>
+          <p:cNvPr id="16" name="Straight Arrow Connector 15"/>
+          <p:cNvCxnSpPr/>
+          <p:nvPr/>
+        </p:nvCxnSpPr>
+        <p:spPr>
+          <a:xfrm flipH="1">
+            <a:off x="6405245" y="3287395"/>
+            <a:ext cx="3175" cy="283210"/>
+          </a:xfrm>
+          <a:prstGeom prst="straightConnector1">
+            <a:avLst/>
+          </a:prstGeom>
+          <a:ln w="25400">
+            <a:tailEnd type="arrow"/>
+          </a:ln>
+        </p:spPr>
+        <p:style>
+          <a:lnRef idx="1">
+            <a:schemeClr val="accent1"/>
+          </a:lnRef>
+          <a:fillRef idx="0">
+            <a:schemeClr val="accent1"/>
+          </a:fillRef>
+          <a:effectRef idx="0">
+            <a:schemeClr val="accent1"/>
+          </a:effectRef>
+          <a:fontRef idx="minor">
+            <a:schemeClr val="tx1"/>
+          </a:fontRef>
+        </p:style>
+      </p:cxnSp>
+    </p:spTree>
+  </p:cSld>
+  <p:clrMapOvr>
+    <a:masterClrMapping/>
+  </p:clrMapOvr>
+</p:sld>
+</file>
+
+<file path=ppt/slides/slide9.xml><?xml version="1.0" encoding="utf-8"?>
+<p:sld xmlns:a="http://schemas.openxmlformats.org/drawingml/2006/main" xmlns:r="http://schemas.openxmlformats.org/officeDocument/2006/relationships" xmlns:p="http://schemas.openxmlformats.org/presentationml/2006/main">
+  <p:cSld>
+    <p:spTree>
+      <p:nvGrpSpPr>
+        <p:cNvPr id="1" name=""/>
+        <p:cNvGrpSpPr/>
+        <p:nvPr/>
+      </p:nvGrpSpPr>
+      <p:grpSpPr>
+        <a:xfrm>
+          <a:off x="0" y="0"/>
+          <a:ext cx="0" cy="0"/>
+          <a:chOff x="0" y="0"/>
+          <a:chExt cx="0" cy="0"/>
+        </a:xfrm>
+      </p:grpSpPr>
+      <p:sp>
+        <p:nvSpPr>
+          <p:cNvPr id="3" name="Rounded Rectangle 2"/>
+          <p:cNvSpPr/>
+          <p:nvPr/>
+        </p:nvSpPr>
+        <p:spPr>
+          <a:xfrm>
+            <a:off x="1089025" y="980440"/>
+            <a:ext cx="2011680" cy="358140"/>
+          </a:xfrm>
+          <a:prstGeom prst="roundRect">
+            <a:avLst/>
+          </a:prstGeom>
+          <a:noFill/>
+          <a:ln>
+            <a:solidFill>
+              <a:srgbClr val="202020"/>
+            </a:solidFill>
+          </a:ln>
+        </p:spPr>
+        <p:style>
+          <a:lnRef idx="2">
+            <a:schemeClr val="accent1">
+              <a:shade val="50000"/>
+            </a:schemeClr>
+          </a:lnRef>
+          <a:fillRef idx="1">
+            <a:schemeClr val="accent1"/>
+          </a:fillRef>
+          <a:effectRef idx="0">
+            <a:schemeClr val="accent1"/>
+          </a:effectRef>
+          <a:fontRef idx="minor">
+            <a:schemeClr val="lt1"/>
+          </a:fontRef>
+        </p:style>
+        <p:txBody>
+          <a:bodyPr rtlCol="0" anchor="ctr"/>
+          <a:p>
+            <a:pPr algn="ctr"/>
+            <a:r>
+              <a:rPr lang="es-ES_tradnl" altLang="en-US" sz="2000">
+                <a:solidFill>
+                  <a:schemeClr val="tx1"/>
+                </a:solidFill>
+                <a:cs typeface="+mn-lt"/>
+                <a:sym typeface="+mn-ea"/>
+              </a:rPr>
+              <a:t>peptide</a:t>
+            </a:r>
+            <a:endParaRPr lang="es-ES_tradnl" altLang="en-US" sz="2000">
+              <a:solidFill>
+                <a:schemeClr val="tx1"/>
+              </a:solidFill>
+              <a:cs typeface="+mn-lt"/>
+              <a:sym typeface="+mn-ea"/>
+            </a:endParaRPr>
+          </a:p>
+        </p:txBody>
+      </p:sp>
+      <p:sp>
+        <p:nvSpPr>
+          <p:cNvPr id="2" name="Rounded Rectangle 1"/>
+          <p:cNvSpPr/>
+          <p:nvPr/>
+        </p:nvSpPr>
+        <p:spPr>
+          <a:xfrm>
+            <a:off x="3548380" y="980440"/>
+            <a:ext cx="2011680" cy="358140"/>
+          </a:xfrm>
+          <a:prstGeom prst="roundRect">
+            <a:avLst/>
+          </a:prstGeom>
+          <a:noFill/>
+          <a:ln>
+            <a:solidFill>
+              <a:srgbClr val="202020"/>
+            </a:solidFill>
+          </a:ln>
+        </p:spPr>
+        <p:style>
+          <a:lnRef idx="2">
+            <a:schemeClr val="accent1">
+              <a:shade val="50000"/>
+            </a:schemeClr>
+          </a:lnRef>
+          <a:fillRef idx="1">
+            <a:schemeClr val="accent1"/>
+          </a:fillRef>
+          <a:effectRef idx="0">
+            <a:schemeClr val="accent1"/>
+          </a:effectRef>
+          <a:fontRef idx="minor">
+            <a:schemeClr val="lt1"/>
+          </a:fontRef>
+        </p:style>
+        <p:txBody>
+          <a:bodyPr rtlCol="0" anchor="ctr"/>
+          <a:p>
+            <a:pPr algn="ctr"/>
+            <a:r>
+              <a:rPr lang="es-ES_tradnl" sz="2000">
+                <a:solidFill>
+                  <a:schemeClr val="tx1"/>
+                </a:solidFill>
+                <a:cs typeface="+mn-lt"/>
+              </a:rPr>
+              <a:t>MHC</a:t>
+            </a:r>
+            <a:endParaRPr lang="es-ES_tradnl" sz="2000">
+              <a:solidFill>
+                <a:schemeClr val="tx1"/>
+              </a:solidFill>
+              <a:cs typeface="+mn-lt"/>
+            </a:endParaRPr>
+          </a:p>
+        </p:txBody>
+      </p:sp>
+      <p:sp>
+        <p:nvSpPr>
+          <p:cNvPr id="6" name="Rounded Rectangle 5"/>
+          <p:cNvSpPr/>
+          <p:nvPr/>
+        </p:nvSpPr>
+        <p:spPr>
+          <a:xfrm>
+            <a:off x="1089660" y="2505075"/>
+            <a:ext cx="4471670" cy="779780"/>
+          </a:xfrm>
+          <a:prstGeom prst="roundRect">
+            <a:avLst/>
+          </a:prstGeom>
+          <a:solidFill>
+            <a:schemeClr val="accent1">
+              <a:lumMod val="40000"/>
+              <a:lumOff val="60000"/>
+            </a:schemeClr>
+          </a:solidFill>
+          <a:ln>
+            <a:solidFill>
+              <a:schemeClr val="accent1">
+                <a:lumMod val="75000"/>
+              </a:schemeClr>
+            </a:solidFill>
+          </a:ln>
+        </p:spPr>
+        <p:style>
+          <a:lnRef idx="2">
+            <a:schemeClr val="accent1">
+              <a:shade val="50000"/>
+            </a:schemeClr>
+          </a:lnRef>
+          <a:fillRef idx="1">
+            <a:schemeClr val="accent1"/>
+          </a:fillRef>
+          <a:effectRef idx="0">
+            <a:schemeClr val="accent1"/>
+          </a:effectRef>
+          <a:fontRef idx="minor">
+            <a:schemeClr val="lt1"/>
+          </a:fontRef>
+        </p:style>
+        <p:txBody>
+          <a:bodyPr rtlCol="0" anchor="ctr"/>
+          <a:p>
+            <a:pPr algn="ctr"/>
+            <a:r>
+              <a:rPr lang="es-ES_tradnl" altLang="en-US" sz="2000">
+                <a:solidFill>
+                  <a:srgbClr val="2E75B6"/>
+                </a:solidFill>
+                <a:cs typeface="+mn-lt"/>
+              </a:rPr>
+              <a:t>ESM-1b</a:t>
+            </a:r>
+            <a:endParaRPr lang="es-ES_tradnl" altLang="en-US" sz="2000">
+              <a:solidFill>
+                <a:srgbClr val="2E75B6"/>
+              </a:solidFill>
+              <a:cs typeface="+mn-lt"/>
+            </a:endParaRPr>
+          </a:p>
+        </p:txBody>
+      </p:sp>
+      <p:sp>
+        <p:nvSpPr>
+          <p:cNvPr id="15" name="Rounded Rectangle 14"/>
+          <p:cNvSpPr/>
+          <p:nvPr/>
+        </p:nvSpPr>
+        <p:spPr>
+          <a:xfrm>
+            <a:off x="1089025" y="4737100"/>
+            <a:ext cx="4471035" cy="654685"/>
+          </a:xfrm>
+          <a:prstGeom prst="roundRect">
+            <a:avLst/>
+          </a:prstGeom>
+          <a:noFill/>
+          <a:ln>
+            <a:solidFill>
+              <a:srgbClr val="202020"/>
+            </a:solidFill>
+          </a:ln>
+        </p:spPr>
+        <p:style>
+          <a:lnRef idx="2">
+            <a:schemeClr val="accent1">
+              <a:shade val="50000"/>
+            </a:schemeClr>
+          </a:lnRef>
+          <a:fillRef idx="1">
+            <a:schemeClr val="accent1"/>
+          </a:fillRef>
+          <a:effectRef idx="0">
+            <a:schemeClr val="accent1"/>
+          </a:effectRef>
+          <a:fontRef idx="minor">
+            <a:schemeClr val="lt1"/>
+          </a:fontRef>
+        </p:style>
+        <p:txBody>
+          <a:bodyPr rtlCol="0" anchor="ctr"/>
+          <a:p>
+            <a:pPr algn="ctr"/>
+            <a:r>
+              <a:rPr lang="es-ES_tradnl" altLang="en-US" sz="2000">
+                <a:solidFill>
+                  <a:schemeClr val="tx1"/>
+                </a:solidFill>
+                <a:cs typeface="+mn-lt"/>
+              </a:rPr>
+              <a:t>pMHC binding / presentation prediction</a:t>
+            </a:r>
+            <a:endParaRPr lang="es-ES_tradnl" altLang="en-US" sz="2000">
+              <a:solidFill>
+                <a:schemeClr val="tx1"/>
+              </a:solidFill>
+              <a:cs typeface="+mn-lt"/>
+            </a:endParaRPr>
+          </a:p>
+        </p:txBody>
+      </p:sp>
+      <p:sp>
+        <p:nvSpPr>
+          <p:cNvPr id="7" name="Rounded Rectangle 6"/>
+          <p:cNvSpPr/>
+          <p:nvPr/>
+        </p:nvSpPr>
+        <p:spPr>
+          <a:xfrm>
+            <a:off x="1089025" y="1703705"/>
+            <a:ext cx="4472940" cy="451485"/>
+          </a:xfrm>
+          <a:prstGeom prst="roundRect">
+            <a:avLst/>
+          </a:prstGeom>
+          <a:solidFill>
+            <a:schemeClr val="accent1">
+              <a:lumMod val="40000"/>
+              <a:lumOff val="60000"/>
+            </a:schemeClr>
+          </a:solidFill>
+          <a:ln>
+            <a:solidFill>
+              <a:schemeClr val="accent1">
+                <a:lumMod val="75000"/>
+              </a:schemeClr>
+            </a:solidFill>
+          </a:ln>
+        </p:spPr>
+        <p:style>
+          <a:lnRef idx="2">
+            <a:schemeClr val="accent1">
+              <a:shade val="50000"/>
+            </a:schemeClr>
+          </a:lnRef>
+          <a:fillRef idx="1">
+            <a:schemeClr val="accent1"/>
+          </a:fillRef>
+          <a:effectRef idx="0">
+            <a:schemeClr val="accent1"/>
+          </a:effectRef>
+          <a:fontRef idx="minor">
+            <a:schemeClr val="lt1"/>
+          </a:fontRef>
+        </p:style>
+        <p:txBody>
+          <a:bodyPr rtlCol="0" anchor="ctr"/>
+          <a:p>
+            <a:pPr algn="ctr"/>
+            <a:r>
+              <a:rPr lang="es-ES_tradnl" altLang="en-US" sz="2000">
+                <a:solidFill>
+                  <a:srgbClr val="2E75B6"/>
+                </a:solidFill>
+                <a:cs typeface="+mn-lt"/>
+              </a:rPr>
+              <a:t>Concatenate - padding - tokenize</a:t>
+            </a:r>
+            <a:endParaRPr lang="es-ES_tradnl" altLang="en-US" sz="2000">
+              <a:solidFill>
+                <a:srgbClr val="2E75B6"/>
+              </a:solidFill>
+              <a:cs typeface="+mn-lt"/>
+            </a:endParaRPr>
+          </a:p>
+        </p:txBody>
+      </p:sp>
+      <p:sp>
+        <p:nvSpPr>
+          <p:cNvPr id="9" name="Down Arrow 8"/>
+          <p:cNvSpPr/>
+          <p:nvPr/>
+        </p:nvSpPr>
+        <p:spPr>
+          <a:xfrm>
+            <a:off x="1917700" y="1422400"/>
+            <a:ext cx="271145" cy="198755"/>
+          </a:xfrm>
+          <a:prstGeom prst="downArrow">
+            <a:avLst/>
+          </a:prstGeom>
+          <a:solidFill>
+            <a:schemeClr val="accent1">
+              <a:lumMod val="40000"/>
+              <a:lumOff val="60000"/>
+            </a:schemeClr>
+          </a:solidFill>
+        </p:spPr>
+        <p:style>
+          <a:lnRef idx="2">
+            <a:schemeClr val="accent1">
+              <a:shade val="50000"/>
+            </a:schemeClr>
+          </a:lnRef>
+          <a:fillRef idx="1">
+            <a:schemeClr val="accent1"/>
+          </a:fillRef>
+          <a:effectRef idx="0">
+            <a:schemeClr val="accent1"/>
+          </a:effectRef>
+          <a:fontRef idx="minor">
+            <a:schemeClr val="lt1"/>
+          </a:fontRef>
+        </p:style>
+        <p:txBody>
+          <a:bodyPr rtlCol="0" anchor="ctr"/>
+          <a:p>
+            <a:pPr algn="ctr"/>
+            <a:endParaRPr lang="en-US" sz="2000">
+              <a:cs typeface="+mn-lt"/>
+            </a:endParaRPr>
+          </a:p>
+        </p:txBody>
+      </p:sp>
+      <p:sp>
+        <p:nvSpPr>
+          <p:cNvPr id="10" name="Down Arrow 9"/>
+          <p:cNvSpPr/>
+          <p:nvPr/>
+        </p:nvSpPr>
+        <p:spPr>
+          <a:xfrm>
+            <a:off x="4291965" y="1421765"/>
+            <a:ext cx="271145" cy="199390"/>
+          </a:xfrm>
+          <a:prstGeom prst="downArrow">
+            <a:avLst/>
+          </a:prstGeom>
+          <a:solidFill>
+            <a:schemeClr val="accent1">
+              <a:lumMod val="40000"/>
+              <a:lumOff val="60000"/>
+            </a:schemeClr>
+          </a:solidFill>
+        </p:spPr>
+        <p:style>
+          <a:lnRef idx="2">
+            <a:schemeClr val="accent1">
+              <a:shade val="50000"/>
+            </a:schemeClr>
+          </a:lnRef>
+          <a:fillRef idx="1">
+            <a:schemeClr val="accent1"/>
+          </a:fillRef>
+          <a:effectRef idx="0">
+            <a:schemeClr val="accent1"/>
+          </a:effectRef>
+          <a:fontRef idx="minor">
+            <a:schemeClr val="lt1"/>
+          </a:fontRef>
+        </p:style>
+        <p:txBody>
+          <a:bodyPr rtlCol="0" anchor="ctr"/>
+          <a:p>
+            <a:pPr algn="ctr"/>
+            <a:endParaRPr lang="en-US" sz="2000">
+              <a:cs typeface="+mn-lt"/>
+            </a:endParaRPr>
+          </a:p>
+        </p:txBody>
+      </p:sp>
+      <p:sp>
+        <p:nvSpPr>
+          <p:cNvPr id="11" name="Rounded Rectangle 10"/>
+          <p:cNvSpPr/>
+          <p:nvPr/>
+        </p:nvSpPr>
+        <p:spPr>
+          <a:xfrm>
+            <a:off x="1089025" y="3625215"/>
+            <a:ext cx="4471670" cy="787400"/>
+          </a:xfrm>
+          <a:prstGeom prst="roundRect">
+            <a:avLst/>
+          </a:prstGeom>
+          <a:solidFill>
+            <a:schemeClr val="accent1">
+              <a:lumMod val="20000"/>
+              <a:lumOff val="80000"/>
+            </a:schemeClr>
+          </a:solidFill>
+          <a:ln>
+            <a:solidFill>
+              <a:schemeClr val="accent1">
+                <a:lumMod val="75000"/>
+              </a:schemeClr>
+            </a:solidFill>
+          </a:ln>
+        </p:spPr>
+        <p:style>
+          <a:lnRef idx="2">
+            <a:schemeClr val="accent1">
+              <a:shade val="50000"/>
+            </a:schemeClr>
+          </a:lnRef>
+          <a:fillRef idx="1">
+            <a:schemeClr val="accent1"/>
+          </a:fillRef>
+          <a:effectRef idx="0">
+            <a:schemeClr val="accent1"/>
+          </a:effectRef>
+          <a:fontRef idx="minor">
+            <a:schemeClr val="lt1"/>
+          </a:fontRef>
+        </p:style>
+        <p:txBody>
+          <a:bodyPr rtlCol="0" anchor="ctr"/>
+          <a:p>
+            <a:pPr algn="ctr"/>
+            <a:r>
+              <a:rPr lang="es-ES_tradnl" altLang="en-US" sz="2000">
+                <a:solidFill>
+                  <a:srgbClr val="2E75B6"/>
+                </a:solidFill>
+                <a:cs typeface="+mn-lt"/>
+              </a:rPr>
+              <a:t>BiLSTM</a:t>
+            </a:r>
+            <a:endParaRPr lang="es-ES_tradnl" altLang="en-US" sz="2000">
+              <a:solidFill>
+                <a:srgbClr val="2E75B6"/>
+              </a:solidFill>
+              <a:cs typeface="+mn-lt"/>
+            </a:endParaRPr>
+          </a:p>
+        </p:txBody>
+      </p:sp>
+      <p:sp>
+        <p:nvSpPr>
+          <p:cNvPr id="17" name="Down Arrow 16"/>
+          <p:cNvSpPr/>
+          <p:nvPr/>
+        </p:nvSpPr>
+        <p:spPr>
+          <a:xfrm>
+            <a:off x="3188970" y="2231390"/>
+            <a:ext cx="271145" cy="198755"/>
+          </a:xfrm>
+          <a:prstGeom prst="downArrow">
+            <a:avLst/>
+          </a:prstGeom>
+          <a:solidFill>
+            <a:schemeClr val="accent1">
+              <a:lumMod val="40000"/>
+              <a:lumOff val="60000"/>
+            </a:schemeClr>
+          </a:solidFill>
+        </p:spPr>
+        <p:style>
+          <a:lnRef idx="2">
+            <a:schemeClr val="accent1">
+              <a:shade val="50000"/>
+            </a:schemeClr>
+          </a:lnRef>
+          <a:fillRef idx="1">
+            <a:schemeClr val="accent1"/>
+          </a:fillRef>
+          <a:effectRef idx="0">
+            <a:schemeClr val="accent1"/>
+          </a:effectRef>
+          <a:fontRef idx="minor">
+            <a:schemeClr val="lt1"/>
+          </a:fontRef>
+        </p:style>
+        <p:txBody>
+          <a:bodyPr rtlCol="0" anchor="ctr"/>
+          <a:p>
+            <a:pPr algn="ctr"/>
+            <a:endParaRPr lang="en-US" sz="2000">
+              <a:cs typeface="+mn-lt"/>
+            </a:endParaRPr>
+          </a:p>
+        </p:txBody>
+      </p:sp>
+      <p:sp>
+        <p:nvSpPr>
+          <p:cNvPr id="18" name="Down Arrow 17"/>
+          <p:cNvSpPr/>
+          <p:nvPr/>
+        </p:nvSpPr>
+        <p:spPr>
+          <a:xfrm>
+            <a:off x="3188970" y="3355975"/>
+            <a:ext cx="271145" cy="198755"/>
+          </a:xfrm>
+          <a:prstGeom prst="downArrow">
+            <a:avLst/>
+          </a:prstGeom>
+          <a:solidFill>
+            <a:schemeClr val="accent1">
+              <a:lumMod val="40000"/>
+              <a:lumOff val="60000"/>
+            </a:schemeClr>
+          </a:solidFill>
+        </p:spPr>
+        <p:style>
+          <a:lnRef idx="2">
+            <a:schemeClr val="accent1">
+              <a:shade val="50000"/>
+            </a:schemeClr>
+          </a:lnRef>
+          <a:fillRef idx="1">
+            <a:schemeClr val="accent1"/>
+          </a:fillRef>
+          <a:effectRef idx="0">
+            <a:schemeClr val="accent1"/>
+          </a:effectRef>
+          <a:fontRef idx="minor">
+            <a:schemeClr val="lt1"/>
+          </a:fontRef>
+        </p:style>
+        <p:txBody>
+          <a:bodyPr rtlCol="0" anchor="ctr"/>
+          <a:p>
+            <a:pPr algn="ctr"/>
+            <a:endParaRPr lang="en-US" sz="2000">
+              <a:cs typeface="+mn-lt"/>
+            </a:endParaRPr>
+          </a:p>
+        </p:txBody>
+      </p:sp>
+      <p:sp>
+        <p:nvSpPr>
+          <p:cNvPr id="19" name="Down Arrow 18"/>
+          <p:cNvSpPr/>
+          <p:nvPr/>
+        </p:nvSpPr>
+        <p:spPr>
+          <a:xfrm>
+            <a:off x="3188970" y="4485640"/>
+            <a:ext cx="271145" cy="198755"/>
+          </a:xfrm>
+          <a:prstGeom prst="downArrow">
+            <a:avLst/>
+          </a:prstGeom>
+          <a:solidFill>
+            <a:schemeClr val="accent1">
+              <a:lumMod val="40000"/>
+              <a:lumOff val="60000"/>
+            </a:schemeClr>
+          </a:solidFill>
+        </p:spPr>
+        <p:style>
+          <a:lnRef idx="2">
+            <a:schemeClr val="accent1">
+              <a:shade val="50000"/>
+            </a:schemeClr>
+          </a:lnRef>
+          <a:fillRef idx="1">
+            <a:schemeClr val="accent1"/>
+          </a:fillRef>
+          <a:effectRef idx="0">
+            <a:schemeClr val="accent1"/>
+          </a:effectRef>
+          <a:fontRef idx="minor">
+            <a:schemeClr val="lt1"/>
+          </a:fontRef>
+        </p:style>
+        <p:txBody>
+          <a:bodyPr rtlCol="0" anchor="ctr"/>
+          <a:p>
+            <a:pPr algn="ctr"/>
+            <a:endParaRPr lang="en-US" sz="2000">
+              <a:cs typeface="+mn-lt"/>
+            </a:endParaRPr>
+          </a:p>
+        </p:txBody>
+      </p:sp>
+      <p:sp>
+        <p:nvSpPr>
+          <p:cNvPr id="20" name="Rounded Rectangle 19"/>
+          <p:cNvSpPr/>
+          <p:nvPr/>
+        </p:nvSpPr>
+        <p:spPr>
+          <a:xfrm>
+            <a:off x="1088390" y="2505075"/>
+            <a:ext cx="4471670" cy="779780"/>
+          </a:xfrm>
+          <a:prstGeom prst="roundRect">
+            <a:avLst/>
+          </a:prstGeom>
+          <a:solidFill>
+            <a:schemeClr val="accent1">
+              <a:lumMod val="20000"/>
+              <a:lumOff val="80000"/>
+            </a:schemeClr>
+          </a:solidFill>
+          <a:ln>
+            <a:solidFill>
+              <a:schemeClr val="accent1">
+                <a:lumMod val="75000"/>
+              </a:schemeClr>
+            </a:solidFill>
+          </a:ln>
+        </p:spPr>
+        <p:style>
+          <a:lnRef idx="2">
+            <a:schemeClr val="accent1">
+              <a:shade val="50000"/>
+            </a:schemeClr>
+          </a:lnRef>
+          <a:fillRef idx="1">
+            <a:schemeClr val="accent1"/>
+          </a:fillRef>
+          <a:effectRef idx="0">
+            <a:schemeClr val="accent1"/>
+          </a:effectRef>
+          <a:fontRef idx="minor">
+            <a:schemeClr val="lt1"/>
+          </a:fontRef>
+        </p:style>
+        <p:txBody>
+          <a:bodyPr rtlCol="0" anchor="ctr"/>
+          <a:p>
+            <a:pPr algn="ctr"/>
+            <a:r>
+              <a:rPr lang="es-ES_tradnl" altLang="en-US" sz="2000">
+                <a:solidFill>
+                  <a:srgbClr val="2E75B6"/>
+                </a:solidFill>
+                <a:cs typeface="+mn-lt"/>
+              </a:rPr>
+              <a:t>ESM2</a:t>
+            </a:r>
+            <a:endParaRPr lang="es-ES_tradnl" altLang="en-US" sz="2000">
+              <a:solidFill>
+                <a:srgbClr val="2E75B6"/>
+              </a:solidFill>
+              <a:cs typeface="+mn-lt"/>
+            </a:endParaRPr>
+          </a:p>
+        </p:txBody>
+      </p:sp>
+      <p:sp>
+        <p:nvSpPr>
+          <p:cNvPr id="21" name="Rounded Rectangle 20"/>
+          <p:cNvSpPr/>
+          <p:nvPr/>
+        </p:nvSpPr>
+        <p:spPr>
+          <a:xfrm>
+            <a:off x="1089025" y="1701165"/>
+            <a:ext cx="4472940" cy="451485"/>
+          </a:xfrm>
+          <a:prstGeom prst="roundRect">
+            <a:avLst/>
+          </a:prstGeom>
+          <a:solidFill>
+            <a:schemeClr val="accent1">
+              <a:lumMod val="20000"/>
+              <a:lumOff val="80000"/>
+            </a:schemeClr>
+          </a:solidFill>
+          <a:ln>
+            <a:solidFill>
+              <a:schemeClr val="accent1">
+                <a:lumMod val="75000"/>
+              </a:schemeClr>
+            </a:solidFill>
+          </a:ln>
+        </p:spPr>
+        <p:style>
+          <a:lnRef idx="2">
+            <a:schemeClr val="accent1">
+              <a:shade val="50000"/>
+            </a:schemeClr>
+          </a:lnRef>
+          <a:fillRef idx="1">
+            <a:schemeClr val="accent1"/>
+          </a:fillRef>
+          <a:effectRef idx="0">
+            <a:schemeClr val="accent1"/>
+          </a:effectRef>
+          <a:fontRef idx="minor">
+            <a:schemeClr val="lt1"/>
+          </a:fontRef>
+        </p:style>
+        <p:txBody>
+          <a:bodyPr rtlCol="0" anchor="ctr"/>
+          <a:p>
+            <a:pPr algn="ctr"/>
+            <a:r>
+              <a:rPr lang="es-ES_tradnl" altLang="en-US" sz="2000">
+                <a:solidFill>
+                  <a:srgbClr val="2E75B6"/>
+                </a:solidFill>
+                <a:cs typeface="+mn-lt"/>
+              </a:rPr>
+              <a:t>Concatenate - padding - tokenize</a:t>
+            </a:r>
+            <a:endParaRPr lang="es-ES_tradnl" altLang="en-US" sz="2000">
+              <a:solidFill>
+                <a:srgbClr val="2E75B6"/>
+              </a:solidFill>
+              <a:cs typeface="+mn-lt"/>
+            </a:endParaRPr>
+          </a:p>
+        </p:txBody>
+      </p:sp>
+      <p:sp>
+        <p:nvSpPr>
+          <p:cNvPr id="31" name="Rounded Rectangle 30"/>
+          <p:cNvSpPr/>
+          <p:nvPr/>
+        </p:nvSpPr>
+        <p:spPr>
+          <a:xfrm>
+            <a:off x="6403340" y="980440"/>
+            <a:ext cx="2011680" cy="358140"/>
+          </a:xfrm>
+          <a:prstGeom prst="roundRect">
+            <a:avLst/>
+          </a:prstGeom>
+          <a:noFill/>
+          <a:ln>
+            <a:solidFill>
+              <a:srgbClr val="202020"/>
+            </a:solidFill>
+          </a:ln>
+        </p:spPr>
+        <p:style>
+          <a:lnRef idx="2">
+            <a:schemeClr val="accent1">
+              <a:shade val="50000"/>
+            </a:schemeClr>
+          </a:lnRef>
+          <a:fillRef idx="1">
+            <a:schemeClr val="accent1"/>
+          </a:fillRef>
+          <a:effectRef idx="0">
+            <a:schemeClr val="accent1"/>
+          </a:effectRef>
+          <a:fontRef idx="minor">
+            <a:schemeClr val="lt1"/>
+          </a:fontRef>
+        </p:style>
+        <p:txBody>
+          <a:bodyPr rtlCol="0" anchor="ctr"/>
+          <a:p>
+            <a:pPr algn="ctr"/>
+            <a:r>
+              <a:rPr lang="es-ES_tradnl" altLang="en-US" sz="2000">
+                <a:solidFill>
+                  <a:schemeClr val="tx1"/>
+                </a:solidFill>
+                <a:cs typeface="+mn-lt"/>
+                <a:sym typeface="+mn-ea"/>
+              </a:rPr>
+              <a:t>pMHC</a:t>
+            </a:r>
+            <a:endParaRPr lang="es-ES_tradnl" altLang="en-US" sz="2000">
+              <a:solidFill>
+                <a:schemeClr val="tx1"/>
+              </a:solidFill>
+              <a:cs typeface="+mn-lt"/>
+              <a:sym typeface="+mn-ea"/>
+            </a:endParaRPr>
+          </a:p>
+        </p:txBody>
+      </p:sp>
+      <p:sp>
+        <p:nvSpPr>
+          <p:cNvPr id="32" name="Rounded Rectangle 31"/>
+          <p:cNvSpPr/>
+          <p:nvPr/>
+        </p:nvSpPr>
+        <p:spPr>
+          <a:xfrm>
+            <a:off x="8862695" y="980440"/>
+            <a:ext cx="2011680" cy="358140"/>
+          </a:xfrm>
+          <a:prstGeom prst="roundRect">
+            <a:avLst/>
+          </a:prstGeom>
+          <a:noFill/>
+          <a:ln>
+            <a:solidFill>
+              <a:srgbClr val="202020"/>
+            </a:solidFill>
+          </a:ln>
+        </p:spPr>
+        <p:style>
+          <a:lnRef idx="2">
+            <a:schemeClr val="accent1">
+              <a:shade val="50000"/>
+            </a:schemeClr>
+          </a:lnRef>
+          <a:fillRef idx="1">
+            <a:schemeClr val="accent1"/>
+          </a:fillRef>
+          <a:effectRef idx="0">
+            <a:schemeClr val="accent1"/>
+          </a:effectRef>
+          <a:fontRef idx="minor">
+            <a:schemeClr val="lt1"/>
+          </a:fontRef>
+        </p:style>
+        <p:txBody>
+          <a:bodyPr rtlCol="0" anchor="ctr"/>
+          <a:p>
+            <a:pPr algn="ctr"/>
+            <a:r>
+              <a:rPr lang="es-ES_tradnl" sz="2000">
+                <a:solidFill>
+                  <a:schemeClr val="tx1"/>
+                </a:solidFill>
+                <a:cs typeface="+mn-lt"/>
+              </a:rPr>
+              <a:t>TCR</a:t>
+            </a:r>
+            <a:endParaRPr lang="es-ES_tradnl" sz="2000">
+              <a:solidFill>
+                <a:schemeClr val="tx1"/>
+              </a:solidFill>
+              <a:cs typeface="+mn-lt"/>
+            </a:endParaRPr>
+          </a:p>
+        </p:txBody>
+      </p:sp>
+      <p:sp>
+        <p:nvSpPr>
+          <p:cNvPr id="33" name="Rounded Rectangle 32"/>
+          <p:cNvSpPr/>
+          <p:nvPr/>
+        </p:nvSpPr>
+        <p:spPr>
+          <a:xfrm>
+            <a:off x="6403975" y="2505075"/>
+            <a:ext cx="4471670" cy="779780"/>
+          </a:xfrm>
+          <a:prstGeom prst="roundRect">
+            <a:avLst/>
+          </a:prstGeom>
+          <a:solidFill>
+            <a:schemeClr val="accent1">
+              <a:lumMod val="40000"/>
+              <a:lumOff val="60000"/>
+            </a:schemeClr>
+          </a:solidFill>
+          <a:ln>
+            <a:solidFill>
+              <a:schemeClr val="accent1">
+                <a:lumMod val="75000"/>
+              </a:schemeClr>
+            </a:solidFill>
+          </a:ln>
+        </p:spPr>
+        <p:style>
+          <a:lnRef idx="2">
+            <a:schemeClr val="accent1">
+              <a:shade val="50000"/>
+            </a:schemeClr>
+          </a:lnRef>
+          <a:fillRef idx="1">
+            <a:schemeClr val="accent1"/>
+          </a:fillRef>
+          <a:effectRef idx="0">
+            <a:schemeClr val="accent1"/>
+          </a:effectRef>
+          <a:fontRef idx="minor">
+            <a:schemeClr val="lt1"/>
+          </a:fontRef>
+        </p:style>
+        <p:txBody>
+          <a:bodyPr rtlCol="0" anchor="ctr"/>
+          <a:p>
+            <a:pPr algn="ctr"/>
+            <a:r>
+              <a:rPr lang="es-ES_tradnl" altLang="en-US" sz="2000">
+                <a:solidFill>
+                  <a:srgbClr val="2E75B6"/>
+                </a:solidFill>
+                <a:cs typeface="+mn-lt"/>
+              </a:rPr>
+              <a:t>ESM-1b</a:t>
+            </a:r>
+            <a:endParaRPr lang="es-ES_tradnl" altLang="en-US" sz="2000">
+              <a:solidFill>
+                <a:srgbClr val="2E75B6"/>
+              </a:solidFill>
+              <a:cs typeface="+mn-lt"/>
+            </a:endParaRPr>
+          </a:p>
+        </p:txBody>
+      </p:sp>
+      <p:sp>
+        <p:nvSpPr>
+          <p:cNvPr id="34" name="Rounded Rectangle 33"/>
+          <p:cNvSpPr/>
+          <p:nvPr/>
+        </p:nvSpPr>
+        <p:spPr>
+          <a:xfrm>
+            <a:off x="6403340" y="4737100"/>
+            <a:ext cx="4471035" cy="654685"/>
+          </a:xfrm>
+          <a:prstGeom prst="roundRect">
+            <a:avLst/>
+          </a:prstGeom>
+          <a:noFill/>
+          <a:ln>
+            <a:solidFill>
+              <a:srgbClr val="202020"/>
+            </a:solidFill>
+          </a:ln>
+        </p:spPr>
+        <p:style>
+          <a:lnRef idx="2">
+            <a:schemeClr val="accent1">
+              <a:shade val="50000"/>
+            </a:schemeClr>
+          </a:lnRef>
+          <a:fillRef idx="1">
+            <a:schemeClr val="accent1"/>
+          </a:fillRef>
+          <a:effectRef idx="0">
+            <a:schemeClr val="accent1"/>
+          </a:effectRef>
+          <a:fontRef idx="minor">
+            <a:schemeClr val="lt1"/>
+          </a:fontRef>
+        </p:style>
+        <p:txBody>
+          <a:bodyPr rtlCol="0" anchor="ctr"/>
+          <a:p>
+            <a:pPr algn="ctr"/>
+            <a:r>
+              <a:rPr lang="es-ES_tradnl" altLang="en-US" sz="2000">
+                <a:solidFill>
+                  <a:schemeClr val="tx1"/>
+                </a:solidFill>
+                <a:cs typeface="+mn-lt"/>
+              </a:rPr>
+              <a:t>pMHC-TCR</a:t>
+            </a:r>
+            <a:endParaRPr lang="es-ES_tradnl" altLang="en-US" sz="2000">
+              <a:solidFill>
+                <a:schemeClr val="tx1"/>
+              </a:solidFill>
+              <a:cs typeface="+mn-lt"/>
+            </a:endParaRPr>
+          </a:p>
+        </p:txBody>
+      </p:sp>
+      <p:sp>
+        <p:nvSpPr>
+          <p:cNvPr id="35" name="Rounded Rectangle 34"/>
+          <p:cNvSpPr/>
+          <p:nvPr/>
+        </p:nvSpPr>
+        <p:spPr>
+          <a:xfrm>
+            <a:off x="6403340" y="1703705"/>
+            <a:ext cx="4472940" cy="451485"/>
+          </a:xfrm>
+          <a:prstGeom prst="roundRect">
+            <a:avLst/>
+          </a:prstGeom>
+          <a:solidFill>
+            <a:schemeClr val="accent1">
+              <a:lumMod val="40000"/>
+              <a:lumOff val="60000"/>
+            </a:schemeClr>
+          </a:solidFill>
+          <a:ln>
+            <a:solidFill>
+              <a:schemeClr val="accent1">
+                <a:lumMod val="75000"/>
+              </a:schemeClr>
+            </a:solidFill>
+          </a:ln>
+        </p:spPr>
+        <p:style>
+          <a:lnRef idx="2">
+            <a:schemeClr val="accent1">
+              <a:shade val="50000"/>
+            </a:schemeClr>
+          </a:lnRef>
+          <a:fillRef idx="1">
+            <a:schemeClr val="accent1"/>
+          </a:fillRef>
+          <a:effectRef idx="0">
+            <a:schemeClr val="accent1"/>
+          </a:effectRef>
+          <a:fontRef idx="minor">
+            <a:schemeClr val="lt1"/>
+          </a:fontRef>
+        </p:style>
+        <p:txBody>
+          <a:bodyPr rtlCol="0" anchor="ctr"/>
+          <a:p>
+            <a:pPr algn="ctr"/>
+            <a:r>
+              <a:rPr lang="es-ES_tradnl" altLang="en-US" sz="2000">
+                <a:solidFill>
+                  <a:srgbClr val="2E75B6"/>
+                </a:solidFill>
+                <a:cs typeface="+mn-lt"/>
+              </a:rPr>
+              <a:t>Concatenate - padding - tokenize</a:t>
+            </a:r>
+            <a:endParaRPr lang="es-ES_tradnl" altLang="en-US" sz="2000">
+              <a:solidFill>
+                <a:srgbClr val="2E75B6"/>
+              </a:solidFill>
+              <a:cs typeface="+mn-lt"/>
+            </a:endParaRPr>
+          </a:p>
+        </p:txBody>
+      </p:sp>
+      <p:sp>
+        <p:nvSpPr>
+          <p:cNvPr id="36" name="Down Arrow 35"/>
+          <p:cNvSpPr/>
+          <p:nvPr/>
+        </p:nvSpPr>
+        <p:spPr>
+          <a:xfrm>
+            <a:off x="7232015" y="1422400"/>
+            <a:ext cx="271145" cy="198755"/>
+          </a:xfrm>
+          <a:prstGeom prst="downArrow">
+            <a:avLst/>
+          </a:prstGeom>
+          <a:solidFill>
+            <a:schemeClr val="accent1">
+              <a:lumMod val="40000"/>
+              <a:lumOff val="60000"/>
+            </a:schemeClr>
+          </a:solidFill>
+        </p:spPr>
+        <p:style>
+          <a:lnRef idx="2">
+            <a:schemeClr val="accent1">
+              <a:shade val="50000"/>
+            </a:schemeClr>
+          </a:lnRef>
+          <a:fillRef idx="1">
+            <a:schemeClr val="accent1"/>
+          </a:fillRef>
+          <a:effectRef idx="0">
+            <a:schemeClr val="accent1"/>
+          </a:effectRef>
+          <a:fontRef idx="minor">
+            <a:schemeClr val="lt1"/>
+          </a:fontRef>
+        </p:style>
+        <p:txBody>
+          <a:bodyPr rtlCol="0" anchor="ctr"/>
+          <a:p>
+            <a:pPr algn="ctr"/>
+            <a:endParaRPr lang="en-US" sz="2000">
+              <a:cs typeface="+mn-lt"/>
+            </a:endParaRPr>
+          </a:p>
+        </p:txBody>
+      </p:sp>
+      <p:sp>
+        <p:nvSpPr>
+          <p:cNvPr id="37" name="Down Arrow 36"/>
+          <p:cNvSpPr/>
+          <p:nvPr/>
+        </p:nvSpPr>
+        <p:spPr>
+          <a:xfrm>
+            <a:off x="9606280" y="1421765"/>
+            <a:ext cx="271145" cy="199390"/>
+          </a:xfrm>
+          <a:prstGeom prst="downArrow">
+            <a:avLst/>
+          </a:prstGeom>
+          <a:solidFill>
+            <a:schemeClr val="accent1">
+              <a:lumMod val="40000"/>
+              <a:lumOff val="60000"/>
+            </a:schemeClr>
+          </a:solidFill>
+        </p:spPr>
+        <p:style>
+          <a:lnRef idx="2">
+            <a:schemeClr val="accent1">
+              <a:shade val="50000"/>
+            </a:schemeClr>
+          </a:lnRef>
+          <a:fillRef idx="1">
+            <a:schemeClr val="accent1"/>
+          </a:fillRef>
+          <a:effectRef idx="0">
+            <a:schemeClr val="accent1"/>
+          </a:effectRef>
+          <a:fontRef idx="minor">
+            <a:schemeClr val="lt1"/>
+          </a:fontRef>
+        </p:style>
+        <p:txBody>
+          <a:bodyPr rtlCol="0" anchor="ctr"/>
+          <a:p>
+            <a:pPr algn="ctr"/>
+            <a:endParaRPr lang="en-US" sz="2000">
+              <a:cs typeface="+mn-lt"/>
+            </a:endParaRPr>
+          </a:p>
+        </p:txBody>
+      </p:sp>
+      <p:sp>
+        <p:nvSpPr>
+          <p:cNvPr id="38" name="Rounded Rectangle 37"/>
+          <p:cNvSpPr/>
+          <p:nvPr/>
+        </p:nvSpPr>
+        <p:spPr>
+          <a:xfrm>
+            <a:off x="6403340" y="3625215"/>
+            <a:ext cx="4471670" cy="787400"/>
+          </a:xfrm>
+          <a:prstGeom prst="roundRect">
+            <a:avLst/>
+          </a:prstGeom>
+          <a:solidFill>
+            <a:schemeClr val="accent1">
+              <a:lumMod val="20000"/>
+              <a:lumOff val="80000"/>
+            </a:schemeClr>
+          </a:solidFill>
+          <a:ln>
+            <a:solidFill>
+              <a:schemeClr val="accent1">
+                <a:lumMod val="75000"/>
+              </a:schemeClr>
+            </a:solidFill>
+          </a:ln>
+        </p:spPr>
+        <p:style>
+          <a:lnRef idx="2">
+            <a:schemeClr val="accent1">
+              <a:shade val="50000"/>
+            </a:schemeClr>
+          </a:lnRef>
+          <a:fillRef idx="1">
+            <a:schemeClr val="accent1"/>
+          </a:fillRef>
+          <a:effectRef idx="0">
+            <a:schemeClr val="accent1"/>
+          </a:effectRef>
+          <a:fontRef idx="minor">
+            <a:schemeClr val="lt1"/>
+          </a:fontRef>
+        </p:style>
+        <p:txBody>
+          <a:bodyPr rtlCol="0" anchor="ctr"/>
+          <a:p>
+            <a:pPr algn="ctr"/>
+            <a:r>
+              <a:rPr lang="es-ES_tradnl" altLang="en-US" sz="2000">
+                <a:solidFill>
+                  <a:srgbClr val="2E75B6"/>
+                </a:solidFill>
+                <a:cs typeface="+mn-lt"/>
+              </a:rPr>
+              <a:t>Linear</a:t>
+            </a:r>
+            <a:endParaRPr lang="es-ES_tradnl" altLang="en-US" sz="2000">
+              <a:solidFill>
+                <a:srgbClr val="2E75B6"/>
+              </a:solidFill>
+              <a:cs typeface="+mn-lt"/>
+            </a:endParaRPr>
+          </a:p>
+        </p:txBody>
+      </p:sp>
+      <p:sp>
+        <p:nvSpPr>
+          <p:cNvPr id="39" name="Down Arrow 38"/>
+          <p:cNvSpPr/>
+          <p:nvPr/>
+        </p:nvSpPr>
+        <p:spPr>
+          <a:xfrm>
+            <a:off x="8503285" y="2231390"/>
+            <a:ext cx="271145" cy="198755"/>
+          </a:xfrm>
+          <a:prstGeom prst="downArrow">
+            <a:avLst/>
+          </a:prstGeom>
+          <a:solidFill>
+            <a:schemeClr val="accent1">
+              <a:lumMod val="40000"/>
+              <a:lumOff val="60000"/>
+            </a:schemeClr>
+          </a:solidFill>
+        </p:spPr>
+        <p:style>
+          <a:lnRef idx="2">
+            <a:schemeClr val="accent1">
+              <a:shade val="50000"/>
+            </a:schemeClr>
+          </a:lnRef>
+          <a:fillRef idx="1">
+            <a:schemeClr val="accent1"/>
+          </a:fillRef>
+          <a:effectRef idx="0">
+            <a:schemeClr val="accent1"/>
+          </a:effectRef>
+          <a:fontRef idx="minor">
+            <a:schemeClr val="lt1"/>
+          </a:fontRef>
+        </p:style>
+        <p:txBody>
+          <a:bodyPr rtlCol="0" anchor="ctr"/>
+          <a:p>
+            <a:pPr algn="ctr"/>
+            <a:endParaRPr lang="en-US" sz="2000">
+              <a:cs typeface="+mn-lt"/>
+            </a:endParaRPr>
+          </a:p>
+        </p:txBody>
+      </p:sp>
+      <p:sp>
+        <p:nvSpPr>
+          <p:cNvPr id="40" name="Down Arrow 39"/>
+          <p:cNvSpPr/>
+          <p:nvPr/>
+        </p:nvSpPr>
+        <p:spPr>
+          <a:xfrm>
+            <a:off x="8503285" y="3355975"/>
+            <a:ext cx="271145" cy="198755"/>
+          </a:xfrm>
+          <a:prstGeom prst="downArrow">
+            <a:avLst/>
+          </a:prstGeom>
+          <a:solidFill>
+            <a:schemeClr val="accent1">
+              <a:lumMod val="40000"/>
+              <a:lumOff val="60000"/>
+            </a:schemeClr>
+          </a:solidFill>
+        </p:spPr>
+        <p:style>
+          <a:lnRef idx="2">
+            <a:schemeClr val="accent1">
+              <a:shade val="50000"/>
+            </a:schemeClr>
+          </a:lnRef>
+          <a:fillRef idx="1">
+            <a:schemeClr val="accent1"/>
+          </a:fillRef>
+          <a:effectRef idx="0">
+            <a:schemeClr val="accent1"/>
+          </a:effectRef>
+          <a:fontRef idx="minor">
+            <a:schemeClr val="lt1"/>
+          </a:fontRef>
+        </p:style>
+        <p:txBody>
+          <a:bodyPr rtlCol="0" anchor="ctr"/>
+          <a:p>
+            <a:pPr algn="ctr"/>
+            <a:endParaRPr lang="en-US" sz="2000">
+              <a:cs typeface="+mn-lt"/>
+            </a:endParaRPr>
+          </a:p>
+        </p:txBody>
+      </p:sp>
+      <p:sp>
+        <p:nvSpPr>
+          <p:cNvPr id="41" name="Down Arrow 40"/>
+          <p:cNvSpPr/>
+          <p:nvPr/>
+        </p:nvSpPr>
+        <p:spPr>
+          <a:xfrm>
+            <a:off x="8503285" y="4485640"/>
+            <a:ext cx="271145" cy="198755"/>
+          </a:xfrm>
+          <a:prstGeom prst="downArrow">
+            <a:avLst/>
+          </a:prstGeom>
+          <a:solidFill>
+            <a:schemeClr val="accent1">
+              <a:lumMod val="40000"/>
+              <a:lumOff val="60000"/>
+            </a:schemeClr>
+          </a:solidFill>
+        </p:spPr>
+        <p:style>
+          <a:lnRef idx="2">
+            <a:schemeClr val="accent1">
+              <a:shade val="50000"/>
+            </a:schemeClr>
+          </a:lnRef>
+          <a:fillRef idx="1">
+            <a:schemeClr val="accent1"/>
+          </a:fillRef>
+          <a:effectRef idx="0">
+            <a:schemeClr val="accent1"/>
+          </a:effectRef>
+          <a:fontRef idx="minor">
+            <a:schemeClr val="lt1"/>
+          </a:fontRef>
+        </p:style>
+        <p:txBody>
+          <a:bodyPr rtlCol="0" anchor="ctr"/>
+          <a:p>
+            <a:pPr algn="ctr"/>
+            <a:endParaRPr lang="en-US" sz="2000">
+              <a:cs typeface="+mn-lt"/>
+            </a:endParaRPr>
+          </a:p>
+        </p:txBody>
+      </p:sp>
+      <p:sp>
+        <p:nvSpPr>
+          <p:cNvPr id="42" name="Rounded Rectangle 41"/>
+          <p:cNvSpPr/>
+          <p:nvPr/>
+        </p:nvSpPr>
+        <p:spPr>
+          <a:xfrm>
+            <a:off x="6402705" y="2505075"/>
+            <a:ext cx="4471670" cy="779780"/>
+          </a:xfrm>
+          <a:prstGeom prst="roundRect">
+            <a:avLst/>
+          </a:prstGeom>
+          <a:solidFill>
+            <a:schemeClr val="accent1">
+              <a:lumMod val="20000"/>
+              <a:lumOff val="80000"/>
+            </a:schemeClr>
+          </a:solidFill>
+          <a:ln>
+            <a:solidFill>
+              <a:schemeClr val="accent1">
+                <a:lumMod val="75000"/>
+              </a:schemeClr>
+            </a:solidFill>
+          </a:ln>
+        </p:spPr>
+        <p:style>
+          <a:lnRef idx="2">
+            <a:schemeClr val="accent1">
+              <a:shade val="50000"/>
+            </a:schemeClr>
+          </a:lnRef>
+          <a:fillRef idx="1">
+            <a:schemeClr val="accent1"/>
+          </a:fillRef>
+          <a:effectRef idx="0">
+            <a:schemeClr val="accent1"/>
+          </a:effectRef>
+          <a:fontRef idx="minor">
+            <a:schemeClr val="lt1"/>
+          </a:fontRef>
+        </p:style>
+        <p:txBody>
+          <a:bodyPr rtlCol="0" anchor="ctr"/>
+          <a:p>
+            <a:pPr algn="ctr"/>
+            <a:r>
+              <a:rPr lang="es-ES_tradnl" altLang="en-US" sz="2000">
+                <a:solidFill>
+                  <a:srgbClr val="2E75B6"/>
+                </a:solidFill>
+                <a:cs typeface="+mn-lt"/>
+              </a:rPr>
+              <a:t>ESM2</a:t>
+            </a:r>
+            <a:endParaRPr lang="es-ES_tradnl" altLang="en-US" sz="2000">
+              <a:solidFill>
+                <a:srgbClr val="2E75B6"/>
+              </a:solidFill>
+              <a:cs typeface="+mn-lt"/>
+            </a:endParaRPr>
+          </a:p>
+        </p:txBody>
+      </p:sp>
+      <p:sp>
+        <p:nvSpPr>
+          <p:cNvPr id="43" name="Rounded Rectangle 42"/>
+          <p:cNvSpPr/>
+          <p:nvPr/>
+        </p:nvSpPr>
+        <p:spPr>
+          <a:xfrm>
+            <a:off x="6403340" y="1701165"/>
+            <a:ext cx="4472940" cy="451485"/>
+          </a:xfrm>
+          <a:prstGeom prst="roundRect">
+            <a:avLst/>
+          </a:prstGeom>
+          <a:solidFill>
+            <a:schemeClr val="accent1">
+              <a:lumMod val="20000"/>
+              <a:lumOff val="80000"/>
+            </a:schemeClr>
+          </a:solidFill>
+          <a:ln>
+            <a:solidFill>
+              <a:schemeClr val="accent1">
+                <a:lumMod val="75000"/>
+              </a:schemeClr>
+            </a:solidFill>
+          </a:ln>
+        </p:spPr>
+        <p:style>
+          <a:lnRef idx="2">
+            <a:schemeClr val="accent1">
+              <a:shade val="50000"/>
+            </a:schemeClr>
+          </a:lnRef>
+          <a:fillRef idx="1">
+            <a:schemeClr val="accent1"/>
+          </a:fillRef>
+          <a:effectRef idx="0">
+            <a:schemeClr val="accent1"/>
+          </a:effectRef>
+          <a:fontRef idx="minor">
+            <a:schemeClr val="lt1"/>
+          </a:fontRef>
+        </p:style>
+        <p:txBody>
+          <a:bodyPr rtlCol="0" anchor="ctr"/>
+          <a:p>
+            <a:pPr algn="ctr"/>
+            <a:r>
+              <a:rPr lang="es-ES_tradnl" altLang="en-US" sz="2000">
+                <a:solidFill>
+                  <a:srgbClr val="2E75B6"/>
+                </a:solidFill>
+                <a:cs typeface="+mn-lt"/>
+              </a:rPr>
+              <a:t>Concatenate - padding - tokenize</a:t>
+            </a:r>
+            <a:endParaRPr lang="es-ES_tradnl" altLang="en-US" sz="2000">
+              <a:solidFill>
+                <a:srgbClr val="2E75B6"/>
+              </a:solidFill>
+              <a:cs typeface="+mn-lt"/>
+            </a:endParaRPr>
+          </a:p>
+        </p:txBody>
+      </p:sp>
+    </p:spTree>
+  </p:cSld>
+  <p:clrMapOvr>
+    <a:masterClrMapping/>
+  </p:clrMapOvr>
+</p:sld>
+</file>
+
 <file path=ppt/theme/theme1.xml><?xml version="1.0" encoding="utf-8"?>
 <a:theme xmlns:a="http://schemas.openxmlformats.org/drawingml/2006/main" name="Office 主题">
   <a:themeElements>

--- a/draws.pptx
+++ b/draws.pptx
@@ -14,6 +14,8 @@
     <p:sldId id="262" r:id="rId9"/>
     <p:sldId id="263" r:id="rId10"/>
     <p:sldId id="264" r:id="rId11"/>
+    <p:sldId id="266" r:id="rId12"/>
+    <p:sldId id="265" r:id="rId13"/>
   </p:sldIdLst>
   <p:sldSz cx="12192000" cy="6858000"/>
   <p:notesSz cx="6858000" cy="9144000"/>
@@ -3379,6 +3381,1471 @@
 </p:sld>
 </file>
 
+<file path=ppt/slides/slide10.xml><?xml version="1.0" encoding="utf-8"?>
+<p:sld xmlns:a="http://schemas.openxmlformats.org/drawingml/2006/main" xmlns:r="http://schemas.openxmlformats.org/officeDocument/2006/relationships" xmlns:p="http://schemas.openxmlformats.org/presentationml/2006/main">
+  <p:cSld>
+    <p:spTree>
+      <p:nvGrpSpPr>
+        <p:cNvPr id="1" name=""/>
+        <p:cNvGrpSpPr/>
+        <p:nvPr/>
+      </p:nvGrpSpPr>
+      <p:grpSpPr/>
+      <p:sp>
+        <p:nvSpPr>
+          <p:cNvPr id="4" name="Rounded Rectangle 3"/>
+          <p:cNvSpPr/>
+          <p:nvPr/>
+        </p:nvSpPr>
+        <p:spPr>
+          <a:xfrm>
+            <a:off x="1089025" y="980440"/>
+            <a:ext cx="2011680" cy="358140"/>
+          </a:xfrm>
+          <a:prstGeom prst="roundRect">
+            <a:avLst/>
+          </a:prstGeom>
+          <a:noFill/>
+          <a:ln>
+            <a:solidFill>
+              <a:srgbClr val="202020"/>
+            </a:solidFill>
+          </a:ln>
+        </p:spPr>
+        <p:style>
+          <a:lnRef idx="2">
+            <a:schemeClr val="accent1">
+              <a:shade val="50000"/>
+            </a:schemeClr>
+          </a:lnRef>
+          <a:fillRef idx="1">
+            <a:schemeClr val="accent1"/>
+          </a:fillRef>
+          <a:effectRef idx="0">
+            <a:schemeClr val="accent1"/>
+          </a:effectRef>
+          <a:fontRef idx="minor">
+            <a:schemeClr val="lt1"/>
+          </a:fontRef>
+        </p:style>
+        <p:txBody>
+          <a:bodyPr rtlCol="0" anchor="ctr"/>
+          <a:p>
+            <a:pPr algn="ctr"/>
+            <a:r>
+              <a:rPr lang="es-ES_tradnl" altLang="en-US" sz="2000">
+                <a:solidFill>
+                  <a:schemeClr val="tx1"/>
+                </a:solidFill>
+                <a:cs typeface="+mn-lt"/>
+                <a:sym typeface="+mn-ea"/>
+              </a:rPr>
+              <a:t>peptide</a:t>
+            </a:r>
+            <a:endParaRPr lang="es-ES_tradnl" altLang="en-US" sz="2000">
+              <a:solidFill>
+                <a:schemeClr val="tx1"/>
+              </a:solidFill>
+              <a:cs typeface="+mn-lt"/>
+              <a:sym typeface="+mn-ea"/>
+            </a:endParaRPr>
+          </a:p>
+        </p:txBody>
+      </p:sp>
+      <p:sp>
+        <p:nvSpPr>
+          <p:cNvPr id="5" name="Rounded Rectangle 4"/>
+          <p:cNvSpPr/>
+          <p:nvPr/>
+        </p:nvSpPr>
+        <p:spPr>
+          <a:xfrm>
+            <a:off x="3548380" y="980440"/>
+            <a:ext cx="2011680" cy="358140"/>
+          </a:xfrm>
+          <a:prstGeom prst="roundRect">
+            <a:avLst/>
+          </a:prstGeom>
+          <a:noFill/>
+          <a:ln>
+            <a:solidFill>
+              <a:srgbClr val="202020"/>
+            </a:solidFill>
+          </a:ln>
+        </p:spPr>
+        <p:style>
+          <a:lnRef idx="2">
+            <a:schemeClr val="accent1">
+              <a:shade val="50000"/>
+            </a:schemeClr>
+          </a:lnRef>
+          <a:fillRef idx="1">
+            <a:schemeClr val="accent1"/>
+          </a:fillRef>
+          <a:effectRef idx="0">
+            <a:schemeClr val="accent1"/>
+          </a:effectRef>
+          <a:fontRef idx="minor">
+            <a:schemeClr val="lt1"/>
+          </a:fontRef>
+        </p:style>
+        <p:txBody>
+          <a:bodyPr rtlCol="0" anchor="ctr"/>
+          <a:p>
+            <a:pPr algn="ctr"/>
+            <a:r>
+              <a:rPr lang="es-ES_tradnl" sz="2000">
+                <a:solidFill>
+                  <a:schemeClr val="tx1"/>
+                </a:solidFill>
+                <a:cs typeface="+mn-lt"/>
+              </a:rPr>
+              <a:t>MHC</a:t>
+            </a:r>
+            <a:endParaRPr lang="es-ES_tradnl" sz="2000">
+              <a:solidFill>
+                <a:schemeClr val="tx1"/>
+              </a:solidFill>
+              <a:cs typeface="+mn-lt"/>
+            </a:endParaRPr>
+          </a:p>
+        </p:txBody>
+      </p:sp>
+      <p:sp>
+        <p:nvSpPr>
+          <p:cNvPr id="6" name="Rounded Rectangle 5"/>
+          <p:cNvSpPr/>
+          <p:nvPr/>
+        </p:nvSpPr>
+        <p:spPr>
+          <a:xfrm>
+            <a:off x="1089660" y="2505075"/>
+            <a:ext cx="4471670" cy="779780"/>
+          </a:xfrm>
+          <a:prstGeom prst="roundRect">
+            <a:avLst/>
+          </a:prstGeom>
+          <a:solidFill>
+            <a:schemeClr val="accent1">
+              <a:lumMod val="40000"/>
+              <a:lumOff val="60000"/>
+            </a:schemeClr>
+          </a:solidFill>
+          <a:ln>
+            <a:solidFill>
+              <a:schemeClr val="accent1">
+                <a:lumMod val="75000"/>
+              </a:schemeClr>
+            </a:solidFill>
+          </a:ln>
+        </p:spPr>
+        <p:style>
+          <a:lnRef idx="2">
+            <a:schemeClr val="accent1">
+              <a:shade val="50000"/>
+            </a:schemeClr>
+          </a:lnRef>
+          <a:fillRef idx="1">
+            <a:schemeClr val="accent1"/>
+          </a:fillRef>
+          <a:effectRef idx="0">
+            <a:schemeClr val="accent1"/>
+          </a:effectRef>
+          <a:fontRef idx="minor">
+            <a:schemeClr val="lt1"/>
+          </a:fontRef>
+        </p:style>
+        <p:txBody>
+          <a:bodyPr rtlCol="0" anchor="ctr"/>
+          <a:p>
+            <a:pPr algn="ctr"/>
+            <a:r>
+              <a:rPr lang="es-ES_tradnl" altLang="en-US" sz="2000">
+                <a:solidFill>
+                  <a:srgbClr val="2E75B6"/>
+                </a:solidFill>
+                <a:cs typeface="+mn-lt"/>
+              </a:rPr>
+              <a:t>ESM-1b</a:t>
+            </a:r>
+            <a:endParaRPr lang="es-ES_tradnl" altLang="en-US" sz="2000">
+              <a:solidFill>
+                <a:srgbClr val="2E75B6"/>
+              </a:solidFill>
+              <a:cs typeface="+mn-lt"/>
+            </a:endParaRPr>
+          </a:p>
+        </p:txBody>
+      </p:sp>
+      <p:sp>
+        <p:nvSpPr>
+          <p:cNvPr id="15" name="Rounded Rectangle 14"/>
+          <p:cNvSpPr/>
+          <p:nvPr/>
+        </p:nvSpPr>
+        <p:spPr>
+          <a:xfrm>
+            <a:off x="1089025" y="4737100"/>
+            <a:ext cx="4471035" cy="654685"/>
+          </a:xfrm>
+          <a:prstGeom prst="roundRect">
+            <a:avLst/>
+          </a:prstGeom>
+          <a:noFill/>
+          <a:ln>
+            <a:solidFill>
+              <a:srgbClr val="202020"/>
+            </a:solidFill>
+          </a:ln>
+        </p:spPr>
+        <p:style>
+          <a:lnRef idx="2">
+            <a:schemeClr val="accent1">
+              <a:shade val="50000"/>
+            </a:schemeClr>
+          </a:lnRef>
+          <a:fillRef idx="1">
+            <a:schemeClr val="accent1"/>
+          </a:fillRef>
+          <a:effectRef idx="0">
+            <a:schemeClr val="accent1"/>
+          </a:effectRef>
+          <a:fontRef idx="minor">
+            <a:schemeClr val="lt1"/>
+          </a:fontRef>
+        </p:style>
+        <p:txBody>
+          <a:bodyPr rtlCol="0" anchor="ctr"/>
+          <a:p>
+            <a:pPr algn="ctr"/>
+            <a:r>
+              <a:rPr lang="es-ES_tradnl" altLang="en-US" sz="2000">
+                <a:solidFill>
+                  <a:schemeClr val="tx1"/>
+                </a:solidFill>
+                <a:cs typeface="+mn-lt"/>
+              </a:rPr>
+              <a:t>pMHC binding / presentation prediction</a:t>
+            </a:r>
+            <a:endParaRPr lang="es-ES_tradnl" altLang="en-US" sz="2000">
+              <a:solidFill>
+                <a:schemeClr val="tx1"/>
+              </a:solidFill>
+              <a:cs typeface="+mn-lt"/>
+            </a:endParaRPr>
+          </a:p>
+        </p:txBody>
+      </p:sp>
+      <p:sp>
+        <p:nvSpPr>
+          <p:cNvPr id="7" name="Rounded Rectangle 6"/>
+          <p:cNvSpPr/>
+          <p:nvPr/>
+        </p:nvSpPr>
+        <p:spPr>
+          <a:xfrm>
+            <a:off x="1089025" y="1703705"/>
+            <a:ext cx="4472940" cy="451485"/>
+          </a:xfrm>
+          <a:prstGeom prst="roundRect">
+            <a:avLst/>
+          </a:prstGeom>
+          <a:solidFill>
+            <a:schemeClr val="accent1">
+              <a:lumMod val="40000"/>
+              <a:lumOff val="60000"/>
+            </a:schemeClr>
+          </a:solidFill>
+          <a:ln>
+            <a:solidFill>
+              <a:schemeClr val="accent1">
+                <a:lumMod val="75000"/>
+              </a:schemeClr>
+            </a:solidFill>
+          </a:ln>
+        </p:spPr>
+        <p:style>
+          <a:lnRef idx="2">
+            <a:schemeClr val="accent1">
+              <a:shade val="50000"/>
+            </a:schemeClr>
+          </a:lnRef>
+          <a:fillRef idx="1">
+            <a:schemeClr val="accent1"/>
+          </a:fillRef>
+          <a:effectRef idx="0">
+            <a:schemeClr val="accent1"/>
+          </a:effectRef>
+          <a:fontRef idx="minor">
+            <a:schemeClr val="lt1"/>
+          </a:fontRef>
+        </p:style>
+        <p:txBody>
+          <a:bodyPr rtlCol="0" anchor="ctr"/>
+          <a:p>
+            <a:pPr algn="ctr"/>
+            <a:r>
+              <a:rPr lang="es-ES_tradnl" altLang="en-US" sz="2000">
+                <a:solidFill>
+                  <a:srgbClr val="2E75B6"/>
+                </a:solidFill>
+                <a:cs typeface="+mn-lt"/>
+              </a:rPr>
+              <a:t>Concatenate - padding - tokenize</a:t>
+            </a:r>
+            <a:endParaRPr lang="es-ES_tradnl" altLang="en-US" sz="2000">
+              <a:solidFill>
+                <a:srgbClr val="2E75B6"/>
+              </a:solidFill>
+              <a:cs typeface="+mn-lt"/>
+            </a:endParaRPr>
+          </a:p>
+        </p:txBody>
+      </p:sp>
+      <p:sp>
+        <p:nvSpPr>
+          <p:cNvPr id="9" name="Down Arrow 8"/>
+          <p:cNvSpPr/>
+          <p:nvPr/>
+        </p:nvSpPr>
+        <p:spPr>
+          <a:xfrm>
+            <a:off x="1917700" y="1422400"/>
+            <a:ext cx="271145" cy="198755"/>
+          </a:xfrm>
+          <a:prstGeom prst="downArrow">
+            <a:avLst/>
+          </a:prstGeom>
+          <a:solidFill>
+            <a:schemeClr val="accent1">
+              <a:lumMod val="40000"/>
+              <a:lumOff val="60000"/>
+            </a:schemeClr>
+          </a:solidFill>
+        </p:spPr>
+        <p:style>
+          <a:lnRef idx="2">
+            <a:schemeClr val="accent1">
+              <a:shade val="50000"/>
+            </a:schemeClr>
+          </a:lnRef>
+          <a:fillRef idx="1">
+            <a:schemeClr val="accent1"/>
+          </a:fillRef>
+          <a:effectRef idx="0">
+            <a:schemeClr val="accent1"/>
+          </a:effectRef>
+          <a:fontRef idx="minor">
+            <a:schemeClr val="lt1"/>
+          </a:fontRef>
+        </p:style>
+        <p:txBody>
+          <a:bodyPr rtlCol="0" anchor="ctr"/>
+          <a:p>
+            <a:pPr algn="ctr"/>
+            <a:endParaRPr lang="en-US" sz="2000">
+              <a:cs typeface="+mn-lt"/>
+            </a:endParaRPr>
+          </a:p>
+        </p:txBody>
+      </p:sp>
+      <p:sp>
+        <p:nvSpPr>
+          <p:cNvPr id="10" name="Down Arrow 9"/>
+          <p:cNvSpPr/>
+          <p:nvPr/>
+        </p:nvSpPr>
+        <p:spPr>
+          <a:xfrm>
+            <a:off x="4291965" y="1421765"/>
+            <a:ext cx="271145" cy="199390"/>
+          </a:xfrm>
+          <a:prstGeom prst="downArrow">
+            <a:avLst/>
+          </a:prstGeom>
+          <a:solidFill>
+            <a:schemeClr val="accent1">
+              <a:lumMod val="40000"/>
+              <a:lumOff val="60000"/>
+            </a:schemeClr>
+          </a:solidFill>
+        </p:spPr>
+        <p:style>
+          <a:lnRef idx="2">
+            <a:schemeClr val="accent1">
+              <a:shade val="50000"/>
+            </a:schemeClr>
+          </a:lnRef>
+          <a:fillRef idx="1">
+            <a:schemeClr val="accent1"/>
+          </a:fillRef>
+          <a:effectRef idx="0">
+            <a:schemeClr val="accent1"/>
+          </a:effectRef>
+          <a:fontRef idx="minor">
+            <a:schemeClr val="lt1"/>
+          </a:fontRef>
+        </p:style>
+        <p:txBody>
+          <a:bodyPr rtlCol="0" anchor="ctr"/>
+          <a:p>
+            <a:pPr algn="ctr"/>
+            <a:endParaRPr lang="en-US" sz="2000">
+              <a:cs typeface="+mn-lt"/>
+            </a:endParaRPr>
+          </a:p>
+        </p:txBody>
+      </p:sp>
+      <p:sp>
+        <p:nvSpPr>
+          <p:cNvPr id="11" name="Rounded Rectangle 10"/>
+          <p:cNvSpPr/>
+          <p:nvPr/>
+        </p:nvSpPr>
+        <p:spPr>
+          <a:xfrm>
+            <a:off x="1089025" y="3625215"/>
+            <a:ext cx="4471670" cy="787400"/>
+          </a:xfrm>
+          <a:prstGeom prst="roundRect">
+            <a:avLst/>
+          </a:prstGeom>
+          <a:solidFill>
+            <a:schemeClr val="accent1">
+              <a:lumMod val="20000"/>
+              <a:lumOff val="80000"/>
+            </a:schemeClr>
+          </a:solidFill>
+          <a:ln>
+            <a:solidFill>
+              <a:schemeClr val="accent1">
+                <a:lumMod val="75000"/>
+              </a:schemeClr>
+            </a:solidFill>
+          </a:ln>
+        </p:spPr>
+        <p:style>
+          <a:lnRef idx="2">
+            <a:schemeClr val="accent1">
+              <a:shade val="50000"/>
+            </a:schemeClr>
+          </a:lnRef>
+          <a:fillRef idx="1">
+            <a:schemeClr val="accent1"/>
+          </a:fillRef>
+          <a:effectRef idx="0">
+            <a:schemeClr val="accent1"/>
+          </a:effectRef>
+          <a:fontRef idx="minor">
+            <a:schemeClr val="lt1"/>
+          </a:fontRef>
+        </p:style>
+        <p:txBody>
+          <a:bodyPr rtlCol="0" anchor="ctr"/>
+          <a:p>
+            <a:pPr algn="ctr"/>
+            <a:r>
+              <a:rPr lang="es-ES_tradnl" altLang="en-US" sz="2000">
+                <a:solidFill>
+                  <a:srgbClr val="2E75B6"/>
+                </a:solidFill>
+                <a:cs typeface="+mn-lt"/>
+              </a:rPr>
+              <a:t>BiLSTM</a:t>
+            </a:r>
+            <a:endParaRPr lang="es-ES_tradnl" altLang="en-US" sz="2000">
+              <a:solidFill>
+                <a:srgbClr val="2E75B6"/>
+              </a:solidFill>
+              <a:cs typeface="+mn-lt"/>
+            </a:endParaRPr>
+          </a:p>
+        </p:txBody>
+      </p:sp>
+      <p:sp>
+        <p:nvSpPr>
+          <p:cNvPr id="17" name="Down Arrow 16"/>
+          <p:cNvSpPr/>
+          <p:nvPr/>
+        </p:nvSpPr>
+        <p:spPr>
+          <a:xfrm>
+            <a:off x="3188970" y="2231390"/>
+            <a:ext cx="271145" cy="198755"/>
+          </a:xfrm>
+          <a:prstGeom prst="downArrow">
+            <a:avLst/>
+          </a:prstGeom>
+          <a:solidFill>
+            <a:schemeClr val="accent1">
+              <a:lumMod val="40000"/>
+              <a:lumOff val="60000"/>
+            </a:schemeClr>
+          </a:solidFill>
+        </p:spPr>
+        <p:style>
+          <a:lnRef idx="2">
+            <a:schemeClr val="accent1">
+              <a:shade val="50000"/>
+            </a:schemeClr>
+          </a:lnRef>
+          <a:fillRef idx="1">
+            <a:schemeClr val="accent1"/>
+          </a:fillRef>
+          <a:effectRef idx="0">
+            <a:schemeClr val="accent1"/>
+          </a:effectRef>
+          <a:fontRef idx="minor">
+            <a:schemeClr val="lt1"/>
+          </a:fontRef>
+        </p:style>
+        <p:txBody>
+          <a:bodyPr rtlCol="0" anchor="ctr"/>
+          <a:p>
+            <a:pPr algn="ctr"/>
+            <a:endParaRPr lang="en-US" sz="2000">
+              <a:cs typeface="+mn-lt"/>
+            </a:endParaRPr>
+          </a:p>
+        </p:txBody>
+      </p:sp>
+      <p:sp>
+        <p:nvSpPr>
+          <p:cNvPr id="18" name="Down Arrow 17"/>
+          <p:cNvSpPr/>
+          <p:nvPr/>
+        </p:nvSpPr>
+        <p:spPr>
+          <a:xfrm>
+            <a:off x="3188970" y="3355975"/>
+            <a:ext cx="271145" cy="198755"/>
+          </a:xfrm>
+          <a:prstGeom prst="downArrow">
+            <a:avLst/>
+          </a:prstGeom>
+          <a:solidFill>
+            <a:schemeClr val="accent1">
+              <a:lumMod val="40000"/>
+              <a:lumOff val="60000"/>
+            </a:schemeClr>
+          </a:solidFill>
+        </p:spPr>
+        <p:style>
+          <a:lnRef idx="2">
+            <a:schemeClr val="accent1">
+              <a:shade val="50000"/>
+            </a:schemeClr>
+          </a:lnRef>
+          <a:fillRef idx="1">
+            <a:schemeClr val="accent1"/>
+          </a:fillRef>
+          <a:effectRef idx="0">
+            <a:schemeClr val="accent1"/>
+          </a:effectRef>
+          <a:fontRef idx="minor">
+            <a:schemeClr val="lt1"/>
+          </a:fontRef>
+        </p:style>
+        <p:txBody>
+          <a:bodyPr rtlCol="0" anchor="ctr"/>
+          <a:p>
+            <a:pPr algn="ctr"/>
+            <a:endParaRPr lang="en-US" sz="2000">
+              <a:cs typeface="+mn-lt"/>
+            </a:endParaRPr>
+          </a:p>
+        </p:txBody>
+      </p:sp>
+      <p:sp>
+        <p:nvSpPr>
+          <p:cNvPr id="19" name="Down Arrow 18"/>
+          <p:cNvSpPr/>
+          <p:nvPr/>
+        </p:nvSpPr>
+        <p:spPr>
+          <a:xfrm>
+            <a:off x="3188970" y="4485640"/>
+            <a:ext cx="271145" cy="198755"/>
+          </a:xfrm>
+          <a:prstGeom prst="downArrow">
+            <a:avLst/>
+          </a:prstGeom>
+          <a:solidFill>
+            <a:schemeClr val="accent1">
+              <a:lumMod val="40000"/>
+              <a:lumOff val="60000"/>
+            </a:schemeClr>
+          </a:solidFill>
+        </p:spPr>
+        <p:style>
+          <a:lnRef idx="2">
+            <a:schemeClr val="accent1">
+              <a:shade val="50000"/>
+            </a:schemeClr>
+          </a:lnRef>
+          <a:fillRef idx="1">
+            <a:schemeClr val="accent1"/>
+          </a:fillRef>
+          <a:effectRef idx="0">
+            <a:schemeClr val="accent1"/>
+          </a:effectRef>
+          <a:fontRef idx="minor">
+            <a:schemeClr val="lt1"/>
+          </a:fontRef>
+        </p:style>
+        <p:txBody>
+          <a:bodyPr rtlCol="0" anchor="ctr"/>
+          <a:p>
+            <a:pPr algn="ctr"/>
+            <a:endParaRPr lang="en-US" sz="2000">
+              <a:cs typeface="+mn-lt"/>
+            </a:endParaRPr>
+          </a:p>
+        </p:txBody>
+      </p:sp>
+      <p:sp>
+        <p:nvSpPr>
+          <p:cNvPr id="20" name="Rounded Rectangle 19"/>
+          <p:cNvSpPr/>
+          <p:nvPr/>
+        </p:nvSpPr>
+        <p:spPr>
+          <a:xfrm>
+            <a:off x="1088390" y="2505075"/>
+            <a:ext cx="4471670" cy="779780"/>
+          </a:xfrm>
+          <a:prstGeom prst="roundRect">
+            <a:avLst/>
+          </a:prstGeom>
+          <a:solidFill>
+            <a:schemeClr val="accent1">
+              <a:lumMod val="20000"/>
+              <a:lumOff val="80000"/>
+            </a:schemeClr>
+          </a:solidFill>
+          <a:ln>
+            <a:solidFill>
+              <a:schemeClr val="accent1">
+                <a:lumMod val="75000"/>
+              </a:schemeClr>
+            </a:solidFill>
+          </a:ln>
+        </p:spPr>
+        <p:style>
+          <a:lnRef idx="2">
+            <a:schemeClr val="accent1">
+              <a:shade val="50000"/>
+            </a:schemeClr>
+          </a:lnRef>
+          <a:fillRef idx="1">
+            <a:schemeClr val="accent1"/>
+          </a:fillRef>
+          <a:effectRef idx="0">
+            <a:schemeClr val="accent1"/>
+          </a:effectRef>
+          <a:fontRef idx="minor">
+            <a:schemeClr val="lt1"/>
+          </a:fontRef>
+        </p:style>
+        <p:txBody>
+          <a:bodyPr rtlCol="0" anchor="ctr"/>
+          <a:p>
+            <a:pPr algn="ctr"/>
+            <a:r>
+              <a:rPr lang="es-ES_tradnl" altLang="en-US" sz="2000">
+                <a:solidFill>
+                  <a:srgbClr val="2E75B6"/>
+                </a:solidFill>
+                <a:cs typeface="+mn-lt"/>
+              </a:rPr>
+              <a:t>ESM2</a:t>
+            </a:r>
+            <a:endParaRPr lang="es-ES_tradnl" altLang="en-US" sz="2000">
+              <a:solidFill>
+                <a:srgbClr val="2E75B6"/>
+              </a:solidFill>
+              <a:cs typeface="+mn-lt"/>
+            </a:endParaRPr>
+          </a:p>
+        </p:txBody>
+      </p:sp>
+      <p:sp>
+        <p:nvSpPr>
+          <p:cNvPr id="21" name="Rounded Rectangle 20"/>
+          <p:cNvSpPr/>
+          <p:nvPr/>
+        </p:nvSpPr>
+        <p:spPr>
+          <a:xfrm>
+            <a:off x="1089025" y="1701165"/>
+            <a:ext cx="4472940" cy="451485"/>
+          </a:xfrm>
+          <a:prstGeom prst="roundRect">
+            <a:avLst/>
+          </a:prstGeom>
+          <a:solidFill>
+            <a:schemeClr val="accent1">
+              <a:lumMod val="20000"/>
+              <a:lumOff val="80000"/>
+            </a:schemeClr>
+          </a:solidFill>
+          <a:ln>
+            <a:solidFill>
+              <a:schemeClr val="accent1">
+                <a:lumMod val="75000"/>
+              </a:schemeClr>
+            </a:solidFill>
+          </a:ln>
+        </p:spPr>
+        <p:style>
+          <a:lnRef idx="2">
+            <a:schemeClr val="accent1">
+              <a:shade val="50000"/>
+            </a:schemeClr>
+          </a:lnRef>
+          <a:fillRef idx="1">
+            <a:schemeClr val="accent1"/>
+          </a:fillRef>
+          <a:effectRef idx="0">
+            <a:schemeClr val="accent1"/>
+          </a:effectRef>
+          <a:fontRef idx="minor">
+            <a:schemeClr val="lt1"/>
+          </a:fontRef>
+        </p:style>
+        <p:txBody>
+          <a:bodyPr rtlCol="0" anchor="ctr"/>
+          <a:p>
+            <a:pPr algn="ctr"/>
+            <a:r>
+              <a:rPr lang="es-ES_tradnl" altLang="en-US" sz="2000">
+                <a:solidFill>
+                  <a:srgbClr val="2E75B6"/>
+                </a:solidFill>
+                <a:cs typeface="+mn-lt"/>
+              </a:rPr>
+              <a:t>Concatenate - padding - tokenize</a:t>
+            </a:r>
+            <a:endParaRPr lang="es-ES_tradnl" altLang="en-US" sz="2000">
+              <a:solidFill>
+                <a:srgbClr val="2E75B6"/>
+              </a:solidFill>
+              <a:cs typeface="+mn-lt"/>
+            </a:endParaRPr>
+          </a:p>
+        </p:txBody>
+      </p:sp>
+    </p:spTree>
+  </p:cSld>
+  <p:clrMapOvr>
+    <a:masterClrMapping/>
+  </p:clrMapOvr>
+</p:sld>
+</file>
+
+<file path=ppt/slides/slide11.xml><?xml version="1.0" encoding="utf-8"?>
+<p:sld xmlns:a="http://schemas.openxmlformats.org/drawingml/2006/main" xmlns:r="http://schemas.openxmlformats.org/officeDocument/2006/relationships" xmlns:p="http://schemas.openxmlformats.org/presentationml/2006/main">
+  <p:cSld>
+    <p:spTree>
+      <p:nvGrpSpPr>
+        <p:cNvPr id="1" name=""/>
+        <p:cNvGrpSpPr/>
+        <p:nvPr/>
+      </p:nvGrpSpPr>
+      <p:grpSpPr>
+        <a:xfrm>
+          <a:off x="0" y="0"/>
+          <a:ext cx="0" cy="0"/>
+          <a:chOff x="0" y="0"/>
+          <a:chExt cx="0" cy="0"/>
+        </a:xfrm>
+      </p:grpSpPr>
+      <p:sp>
+        <p:nvSpPr>
+          <p:cNvPr id="8" name="Rounded Rectangle 7"/>
+          <p:cNvSpPr/>
+          <p:nvPr/>
+        </p:nvSpPr>
+        <p:spPr>
+          <a:xfrm>
+            <a:off x="2526665" y="3422650"/>
+            <a:ext cx="4761230" cy="814705"/>
+          </a:xfrm>
+          <a:prstGeom prst="roundRect">
+            <a:avLst/>
+          </a:prstGeom>
+          <a:solidFill>
+            <a:schemeClr val="accent6">
+              <a:lumMod val="20000"/>
+              <a:lumOff val="80000"/>
+            </a:schemeClr>
+          </a:solidFill>
+          <a:ln>
+            <a:solidFill>
+              <a:schemeClr val="accent6"/>
+            </a:solidFill>
+          </a:ln>
+        </p:spPr>
+        <p:style>
+          <a:lnRef idx="2">
+            <a:schemeClr val="accent1">
+              <a:shade val="50000"/>
+            </a:schemeClr>
+          </a:lnRef>
+          <a:fillRef idx="1">
+            <a:schemeClr val="accent1"/>
+          </a:fillRef>
+          <a:effectRef idx="0">
+            <a:schemeClr val="accent1"/>
+          </a:effectRef>
+          <a:fontRef idx="minor">
+            <a:schemeClr val="lt1"/>
+          </a:fontRef>
+        </p:style>
+        <p:txBody>
+          <a:bodyPr rtlCol="0" anchor="ctr"/>
+          <a:p>
+            <a:pPr algn="ctr"/>
+            <a:r>
+              <a:rPr lang="es-ES_tradnl" altLang="en-US">
+                <a:solidFill>
+                  <a:schemeClr val="accent6">
+                    <a:lumMod val="75000"/>
+                  </a:schemeClr>
+                </a:solidFill>
+                <a:cs typeface="+mn-lt"/>
+              </a:rPr>
+              <a:t>Diseño de la vacuna </a:t>
+            </a:r>
+            <a:r>
+              <a:rPr lang="es-ES_tradnl" altLang="en-US" i="1">
+                <a:solidFill>
+                  <a:schemeClr val="accent6">
+                    <a:lumMod val="75000"/>
+                  </a:schemeClr>
+                </a:solidFill>
+                <a:cs typeface="+mn-lt"/>
+              </a:rPr>
+              <a:t>in vitro</a:t>
+            </a:r>
+            <a:endParaRPr lang="es-ES_tradnl" altLang="en-US" i="1">
+              <a:solidFill>
+                <a:schemeClr val="accent6">
+                  <a:lumMod val="75000"/>
+                </a:schemeClr>
+              </a:solidFill>
+              <a:cs typeface="+mn-lt"/>
+            </a:endParaRPr>
+          </a:p>
+        </p:txBody>
+      </p:sp>
+      <p:sp>
+        <p:nvSpPr>
+          <p:cNvPr id="12" name="Rounded Rectangle 11"/>
+          <p:cNvSpPr/>
+          <p:nvPr/>
+        </p:nvSpPr>
+        <p:spPr>
+          <a:xfrm>
+            <a:off x="2526665" y="823595"/>
+            <a:ext cx="4760595" cy="814705"/>
+          </a:xfrm>
+          <a:prstGeom prst="roundRect">
+            <a:avLst/>
+          </a:prstGeom>
+          <a:solidFill>
+            <a:schemeClr val="accent6">
+              <a:lumMod val="20000"/>
+              <a:lumOff val="80000"/>
+            </a:schemeClr>
+          </a:solidFill>
+          <a:ln>
+            <a:solidFill>
+              <a:schemeClr val="accent6"/>
+            </a:solidFill>
+          </a:ln>
+        </p:spPr>
+        <p:style>
+          <a:lnRef idx="2">
+            <a:schemeClr val="accent1">
+              <a:shade val="50000"/>
+            </a:schemeClr>
+          </a:lnRef>
+          <a:fillRef idx="1">
+            <a:schemeClr val="accent1"/>
+          </a:fillRef>
+          <a:effectRef idx="0">
+            <a:schemeClr val="accent1"/>
+          </a:effectRef>
+          <a:fontRef idx="minor">
+            <a:schemeClr val="lt1"/>
+          </a:fontRef>
+        </p:style>
+        <p:txBody>
+          <a:bodyPr rtlCol="0" anchor="ctr"/>
+          <a:p>
+            <a:pPr algn="ctr"/>
+            <a:r>
+              <a:rPr lang="es-ES_tradnl" altLang="en-US">
+                <a:solidFill>
+                  <a:schemeClr val="accent6">
+                    <a:lumMod val="75000"/>
+                  </a:schemeClr>
+                </a:solidFill>
+                <a:cs typeface="+mn-lt"/>
+              </a:rPr>
+              <a:t>Secuenciamiento</a:t>
+            </a:r>
+            <a:endParaRPr lang="es-ES_tradnl" altLang="en-US">
+              <a:solidFill>
+                <a:schemeClr val="accent6">
+                  <a:lumMod val="75000"/>
+                </a:schemeClr>
+              </a:solidFill>
+              <a:cs typeface="+mn-lt"/>
+            </a:endParaRPr>
+          </a:p>
+        </p:txBody>
+      </p:sp>
+      <p:sp>
+        <p:nvSpPr>
+          <p:cNvPr id="13" name="Rounded Rectangle 12"/>
+          <p:cNvSpPr/>
+          <p:nvPr/>
+        </p:nvSpPr>
+        <p:spPr>
+          <a:xfrm>
+            <a:off x="2526665" y="1844675"/>
+            <a:ext cx="2106930" cy="1353820"/>
+          </a:xfrm>
+          <a:prstGeom prst="roundRect">
+            <a:avLst/>
+          </a:prstGeom>
+          <a:solidFill>
+            <a:schemeClr val="accent1">
+              <a:lumMod val="20000"/>
+              <a:lumOff val="80000"/>
+            </a:schemeClr>
+          </a:solidFill>
+          <a:ln>
+            <a:solidFill>
+              <a:schemeClr val="accent1">
+                <a:lumMod val="75000"/>
+              </a:schemeClr>
+            </a:solidFill>
+          </a:ln>
+        </p:spPr>
+        <p:style>
+          <a:lnRef idx="2">
+            <a:schemeClr val="accent1">
+              <a:shade val="50000"/>
+            </a:schemeClr>
+          </a:lnRef>
+          <a:fillRef idx="1">
+            <a:schemeClr val="accent1"/>
+          </a:fillRef>
+          <a:effectRef idx="0">
+            <a:schemeClr val="accent1"/>
+          </a:effectRef>
+          <a:fontRef idx="minor">
+            <a:schemeClr val="lt1"/>
+          </a:fontRef>
+        </p:style>
+        <p:txBody>
+          <a:bodyPr rtlCol="0" anchor="ctr"/>
+          <a:p>
+            <a:pPr algn="ctr"/>
+            <a:r>
+              <a:rPr lang="es-ES_tradnl" altLang="en-US">
+                <a:solidFill>
+                  <a:srgbClr val="2E75B6"/>
+                </a:solidFill>
+                <a:cs typeface="+mn-lt"/>
+              </a:rPr>
+              <a:t>Alineamiento y mutaciones</a:t>
+            </a:r>
+            <a:endParaRPr lang="es-ES_tradnl" altLang="en-US">
+              <a:solidFill>
+                <a:srgbClr val="2E75B6"/>
+              </a:solidFill>
+              <a:cs typeface="+mn-lt"/>
+            </a:endParaRPr>
+          </a:p>
+        </p:txBody>
+      </p:sp>
+      <p:sp>
+        <p:nvSpPr>
+          <p:cNvPr id="14" name="Rounded Rectangle 13"/>
+          <p:cNvSpPr/>
+          <p:nvPr/>
+        </p:nvSpPr>
+        <p:spPr>
+          <a:xfrm>
+            <a:off x="5154295" y="1818005"/>
+            <a:ext cx="2133600" cy="1407160"/>
+          </a:xfrm>
+          <a:prstGeom prst="roundRect">
+            <a:avLst/>
+          </a:prstGeom>
+          <a:solidFill>
+            <a:schemeClr val="accent1">
+              <a:lumMod val="20000"/>
+              <a:lumOff val="80000"/>
+            </a:schemeClr>
+          </a:solidFill>
+          <a:ln>
+            <a:solidFill>
+              <a:schemeClr val="accent1">
+                <a:lumMod val="75000"/>
+              </a:schemeClr>
+            </a:solidFill>
+          </a:ln>
+        </p:spPr>
+        <p:style>
+          <a:lnRef idx="2">
+            <a:schemeClr val="accent1">
+              <a:shade val="50000"/>
+            </a:schemeClr>
+          </a:lnRef>
+          <a:fillRef idx="1">
+            <a:schemeClr val="accent1"/>
+          </a:fillRef>
+          <a:effectRef idx="0">
+            <a:schemeClr val="accent1"/>
+          </a:effectRef>
+          <a:fontRef idx="minor">
+            <a:schemeClr val="lt1"/>
+          </a:fontRef>
+        </p:style>
+        <p:txBody>
+          <a:bodyPr rtlCol="0" anchor="ctr"/>
+          <a:p>
+            <a:pPr algn="ctr"/>
+            <a:r>
+              <a:rPr lang="es-ES_tradnl" altLang="en-US">
+                <a:solidFill>
+                  <a:srgbClr val="2E75B6"/>
+                </a:solidFill>
+                <a:cs typeface="+mn-lt"/>
+              </a:rPr>
+              <a:t>Detección de neoantígenos</a:t>
+            </a:r>
+            <a:endParaRPr lang="es-ES_tradnl" altLang="en-US">
+              <a:solidFill>
+                <a:srgbClr val="2E75B6"/>
+              </a:solidFill>
+              <a:cs typeface="+mn-lt"/>
+            </a:endParaRPr>
+          </a:p>
+        </p:txBody>
+      </p:sp>
+      <p:sp>
+        <p:nvSpPr>
+          <p:cNvPr id="16" name="Rounded Rectangle 15"/>
+          <p:cNvSpPr/>
+          <p:nvPr/>
+        </p:nvSpPr>
+        <p:spPr>
+          <a:xfrm>
+            <a:off x="2526030" y="4475480"/>
+            <a:ext cx="4761230" cy="814705"/>
+          </a:xfrm>
+          <a:prstGeom prst="roundRect">
+            <a:avLst/>
+          </a:prstGeom>
+          <a:solidFill>
+            <a:schemeClr val="accent2">
+              <a:lumMod val="20000"/>
+              <a:lumOff val="80000"/>
+            </a:schemeClr>
+          </a:solidFill>
+          <a:ln>
+            <a:solidFill>
+              <a:schemeClr val="accent2"/>
+            </a:solidFill>
+          </a:ln>
+        </p:spPr>
+        <p:style>
+          <a:lnRef idx="2">
+            <a:schemeClr val="accent1">
+              <a:shade val="50000"/>
+            </a:schemeClr>
+          </a:lnRef>
+          <a:fillRef idx="1">
+            <a:schemeClr val="accent1"/>
+          </a:fillRef>
+          <a:effectRef idx="0">
+            <a:schemeClr val="accent1"/>
+          </a:effectRef>
+          <a:fontRef idx="minor">
+            <a:schemeClr val="lt1"/>
+          </a:fontRef>
+        </p:style>
+        <p:txBody>
+          <a:bodyPr rtlCol="0" anchor="ctr"/>
+          <a:p>
+            <a:pPr algn="ctr"/>
+            <a:r>
+              <a:rPr lang="es-ES_tradnl" altLang="en-US">
+                <a:solidFill>
+                  <a:schemeClr val="accent2">
+                    <a:lumMod val="75000"/>
+                  </a:schemeClr>
+                </a:solidFill>
+                <a:cs typeface="+mn-lt"/>
+              </a:rPr>
+              <a:t>Aplicación clínica</a:t>
+            </a:r>
+            <a:endParaRPr lang="es-ES_tradnl" altLang="en-US">
+              <a:solidFill>
+                <a:schemeClr val="accent2">
+                  <a:lumMod val="75000"/>
+                </a:schemeClr>
+              </a:solidFill>
+              <a:cs typeface="+mn-lt"/>
+            </a:endParaRPr>
+          </a:p>
+        </p:txBody>
+      </p:sp>
+      <p:sp>
+        <p:nvSpPr>
+          <p:cNvPr id="22" name="Down Arrow 21"/>
+          <p:cNvSpPr/>
+          <p:nvPr/>
+        </p:nvSpPr>
+        <p:spPr>
+          <a:xfrm>
+            <a:off x="1463040" y="1056005"/>
+            <a:ext cx="836295" cy="4290060"/>
+          </a:xfrm>
+          <a:prstGeom prst="downArrow">
+            <a:avLst/>
+          </a:prstGeom>
+          <a:solidFill>
+            <a:schemeClr val="accent6">
+              <a:lumMod val="20000"/>
+              <a:lumOff val="80000"/>
+            </a:schemeClr>
+          </a:solidFill>
+          <a:ln>
+            <a:solidFill>
+              <a:schemeClr val="accent6"/>
+            </a:solidFill>
+          </a:ln>
+        </p:spPr>
+        <p:style>
+          <a:lnRef idx="2">
+            <a:schemeClr val="accent1">
+              <a:shade val="50000"/>
+            </a:schemeClr>
+          </a:lnRef>
+          <a:fillRef idx="1">
+            <a:schemeClr val="accent1"/>
+          </a:fillRef>
+          <a:effectRef idx="0">
+            <a:schemeClr val="accent1"/>
+          </a:effectRef>
+          <a:fontRef idx="minor">
+            <a:schemeClr val="lt1"/>
+          </a:fontRef>
+        </p:style>
+        <p:txBody>
+          <a:bodyPr vertOverflow="overflow" horzOverflow="overflow" vert="horz" wrap="square" numCol="1" spcCol="0" rtlCol="0" fromWordArt="0" anchor="ctr" anchorCtr="0" forceAA="0" compatLnSpc="1">
+            <a:noAutofit/>
+          </a:bodyPr>
+          <a:p>
+            <a:pPr lvl="0" algn="ctr">
+              <a:buClrTx/>
+              <a:buSzTx/>
+              <a:buFontTx/>
+            </a:pPr>
+            <a:endParaRPr lang="es-ES_tradnl" altLang="en-US">
+              <a:solidFill>
+                <a:schemeClr val="accent6"/>
+              </a:solidFill>
+              <a:cs typeface="+mn-lt"/>
+              <a:sym typeface="+mn-ea"/>
+            </a:endParaRPr>
+          </a:p>
+        </p:txBody>
+      </p:sp>
+      <p:sp>
+        <p:nvSpPr>
+          <p:cNvPr id="25" name="Right Arrow 24"/>
+          <p:cNvSpPr/>
+          <p:nvPr/>
+        </p:nvSpPr>
+        <p:spPr>
+          <a:xfrm>
+            <a:off x="4764405" y="2394585"/>
+            <a:ext cx="288290" cy="350520"/>
+          </a:xfrm>
+          <a:prstGeom prst="rightArrow">
+            <a:avLst/>
+          </a:prstGeom>
+          <a:solidFill>
+            <a:schemeClr val="accent1">
+              <a:lumMod val="20000"/>
+              <a:lumOff val="80000"/>
+            </a:schemeClr>
+          </a:solidFill>
+          <a:ln>
+            <a:solidFill>
+              <a:schemeClr val="accent1">
+                <a:lumMod val="75000"/>
+              </a:schemeClr>
+            </a:solidFill>
+          </a:ln>
+        </p:spPr>
+        <p:style>
+          <a:lnRef idx="2">
+            <a:schemeClr val="accent1">
+              <a:shade val="50000"/>
+            </a:schemeClr>
+          </a:lnRef>
+          <a:fillRef idx="1">
+            <a:schemeClr val="accent1"/>
+          </a:fillRef>
+          <a:effectRef idx="0">
+            <a:schemeClr val="accent1"/>
+          </a:effectRef>
+          <a:fontRef idx="minor">
+            <a:schemeClr val="lt1"/>
+          </a:fontRef>
+        </p:style>
+        <p:txBody>
+          <a:bodyPr vertOverflow="overflow" horzOverflow="overflow" vert="horz" wrap="square" numCol="1" spcCol="0" rtlCol="0" fromWordArt="0" anchor="ctr" anchorCtr="0" forceAA="0" compatLnSpc="1">
+            <a:noAutofit/>
+          </a:bodyPr>
+          <a:p>
+            <a:pPr lvl="0" algn="ctr">
+              <a:buClrTx/>
+              <a:buSzTx/>
+              <a:buFontTx/>
+            </a:pPr>
+            <a:endParaRPr lang="es-ES_tradnl" altLang="en-US">
+              <a:solidFill>
+                <a:srgbClr val="2E75B6"/>
+              </a:solidFill>
+              <a:cs typeface="+mn-lt"/>
+              <a:sym typeface="+mn-ea"/>
+            </a:endParaRPr>
+          </a:p>
+        </p:txBody>
+      </p:sp>
+      <p:sp>
+        <p:nvSpPr>
+          <p:cNvPr id="26" name="Text Box 25"/>
+          <p:cNvSpPr txBox="1"/>
+          <p:nvPr/>
+        </p:nvSpPr>
+        <p:spPr>
+          <a:xfrm>
+            <a:off x="1760220" y="1055370"/>
+            <a:ext cx="313690" cy="368300"/>
+          </a:xfrm>
+          <a:prstGeom prst="rect">
+            <a:avLst/>
+          </a:prstGeom>
+          <a:noFill/>
+        </p:spPr>
+        <p:txBody>
+          <a:bodyPr wrap="square" rtlCol="0">
+            <a:spAutoFit/>
+          </a:bodyPr>
+          <a:p>
+            <a:r>
+              <a:rPr lang="es-ES_tradnl" altLang="en-US">
+                <a:solidFill>
+                  <a:schemeClr val="accent6">
+                    <a:lumMod val="75000"/>
+                  </a:schemeClr>
+                </a:solidFill>
+              </a:rPr>
+              <a:t>I</a:t>
+            </a:r>
+            <a:endParaRPr lang="es-ES_tradnl" altLang="en-US">
+              <a:solidFill>
+                <a:schemeClr val="accent6">
+                  <a:lumMod val="75000"/>
+                </a:schemeClr>
+              </a:solidFill>
+            </a:endParaRPr>
+          </a:p>
+        </p:txBody>
+      </p:sp>
+      <p:sp>
+        <p:nvSpPr>
+          <p:cNvPr id="27" name="Text Box 26"/>
+          <p:cNvSpPr txBox="1"/>
+          <p:nvPr/>
+        </p:nvSpPr>
+        <p:spPr>
+          <a:xfrm>
+            <a:off x="1732915" y="2319655"/>
+            <a:ext cx="313690" cy="368300"/>
+          </a:xfrm>
+          <a:prstGeom prst="rect">
+            <a:avLst/>
+          </a:prstGeom>
+          <a:noFill/>
+        </p:spPr>
+        <p:txBody>
+          <a:bodyPr wrap="square" rtlCol="0">
+            <a:spAutoFit/>
+          </a:bodyPr>
+          <a:p>
+            <a:r>
+              <a:rPr lang="es-ES_tradnl" altLang="en-US">
+                <a:solidFill>
+                  <a:schemeClr val="accent6">
+                    <a:lumMod val="75000"/>
+                  </a:schemeClr>
+                </a:solidFill>
+              </a:rPr>
+              <a:t>II</a:t>
+            </a:r>
+            <a:endParaRPr lang="es-ES_tradnl" altLang="en-US">
+              <a:solidFill>
+                <a:schemeClr val="accent6">
+                  <a:lumMod val="75000"/>
+                </a:schemeClr>
+              </a:solidFill>
+            </a:endParaRPr>
+          </a:p>
+        </p:txBody>
+      </p:sp>
+      <p:sp>
+        <p:nvSpPr>
+          <p:cNvPr id="28" name="Text Box 27"/>
+          <p:cNvSpPr txBox="1"/>
+          <p:nvPr/>
+        </p:nvSpPr>
+        <p:spPr>
+          <a:xfrm>
+            <a:off x="1706880" y="3619500"/>
+            <a:ext cx="384810" cy="368300"/>
+          </a:xfrm>
+          <a:prstGeom prst="rect">
+            <a:avLst/>
+          </a:prstGeom>
+          <a:noFill/>
+        </p:spPr>
+        <p:txBody>
+          <a:bodyPr wrap="square" rtlCol="0">
+            <a:spAutoFit/>
+          </a:bodyPr>
+          <a:p>
+            <a:r>
+              <a:rPr lang="es-ES_tradnl" altLang="en-US">
+                <a:solidFill>
+                  <a:schemeClr val="accent6">
+                    <a:lumMod val="75000"/>
+                  </a:schemeClr>
+                </a:solidFill>
+              </a:rPr>
+              <a:t>III</a:t>
+            </a:r>
+            <a:endParaRPr lang="es-ES_tradnl" altLang="en-US">
+              <a:solidFill>
+                <a:schemeClr val="accent6">
+                  <a:lumMod val="75000"/>
+                </a:schemeClr>
+              </a:solidFill>
+            </a:endParaRPr>
+          </a:p>
+        </p:txBody>
+      </p:sp>
+      <p:sp>
+        <p:nvSpPr>
+          <p:cNvPr id="29" name="Text Box 28"/>
+          <p:cNvSpPr txBox="1"/>
+          <p:nvPr/>
+        </p:nvSpPr>
+        <p:spPr>
+          <a:xfrm>
+            <a:off x="1688465" y="4660265"/>
+            <a:ext cx="384810" cy="368300"/>
+          </a:xfrm>
+          <a:prstGeom prst="rect">
+            <a:avLst/>
+          </a:prstGeom>
+          <a:noFill/>
+        </p:spPr>
+        <p:txBody>
+          <a:bodyPr wrap="square" rtlCol="0">
+            <a:spAutoFit/>
+          </a:bodyPr>
+          <a:p>
+            <a:r>
+              <a:rPr lang="es-ES_tradnl" altLang="en-US">
+                <a:solidFill>
+                  <a:schemeClr val="accent6">
+                    <a:lumMod val="75000"/>
+                  </a:schemeClr>
+                </a:solidFill>
+              </a:rPr>
+              <a:t>IV</a:t>
+            </a:r>
+            <a:endParaRPr lang="es-ES_tradnl" altLang="en-US">
+              <a:solidFill>
+                <a:schemeClr val="accent6">
+                  <a:lumMod val="75000"/>
+                </a:schemeClr>
+              </a:solidFill>
+            </a:endParaRPr>
+          </a:p>
+        </p:txBody>
+      </p:sp>
+      <p:sp>
+        <p:nvSpPr>
+          <p:cNvPr id="30" name="Text Box 29"/>
+          <p:cNvSpPr txBox="1"/>
+          <p:nvPr/>
+        </p:nvSpPr>
+        <p:spPr>
+          <a:xfrm>
+            <a:off x="1575435" y="784225"/>
+            <a:ext cx="897255" cy="275590"/>
+          </a:xfrm>
+          <a:prstGeom prst="rect">
+            <a:avLst/>
+          </a:prstGeom>
+          <a:noFill/>
+        </p:spPr>
+        <p:txBody>
+          <a:bodyPr wrap="square" rtlCol="0">
+            <a:spAutoFit/>
+          </a:bodyPr>
+          <a:p>
+            <a:r>
+              <a:rPr lang="es-ES_tradnl" altLang="en-US" sz="1200">
+                <a:solidFill>
+                  <a:schemeClr val="accent6">
+                    <a:lumMod val="75000"/>
+                  </a:schemeClr>
+                </a:solidFill>
+              </a:rPr>
+              <a:t>FASES</a:t>
+            </a:r>
+            <a:endParaRPr lang="es-ES_tradnl" altLang="en-US" sz="1200">
+              <a:solidFill>
+                <a:schemeClr val="accent6">
+                  <a:lumMod val="75000"/>
+                </a:schemeClr>
+              </a:solidFill>
+            </a:endParaRPr>
+          </a:p>
+        </p:txBody>
+      </p:sp>
+    </p:spTree>
+  </p:cSld>
+  <p:clrMapOvr>
+    <a:masterClrMapping/>
+  </p:clrMapOvr>
+</p:sld>
+</file>
+
 <file path=ppt/slides/slide2.xml><?xml version="1.0" encoding="utf-8"?>
 <p:sld xmlns:a="http://schemas.openxmlformats.org/drawingml/2006/main" xmlns:r="http://schemas.openxmlformats.org/officeDocument/2006/relationships" xmlns:p="http://schemas.openxmlformats.org/presentationml/2006/main">
   <p:cSld>

--- a/draws.pptx
+++ b/draws.pptx
@@ -7,15 +7,17 @@
   <p:sldIdLst>
     <p:sldId id="256" r:id="rId3"/>
     <p:sldId id="257" r:id="rId4"/>
-    <p:sldId id="258" r:id="rId5"/>
-    <p:sldId id="259" r:id="rId6"/>
-    <p:sldId id="260" r:id="rId7"/>
-    <p:sldId id="261" r:id="rId8"/>
-    <p:sldId id="262" r:id="rId9"/>
-    <p:sldId id="263" r:id="rId10"/>
-    <p:sldId id="264" r:id="rId11"/>
-    <p:sldId id="266" r:id="rId12"/>
-    <p:sldId id="265" r:id="rId13"/>
+    <p:sldId id="269" r:id="rId5"/>
+    <p:sldId id="258" r:id="rId6"/>
+    <p:sldId id="259" r:id="rId7"/>
+    <p:sldId id="260" r:id="rId8"/>
+    <p:sldId id="261" r:id="rId9"/>
+    <p:sldId id="262" r:id="rId10"/>
+    <p:sldId id="263" r:id="rId11"/>
+    <p:sldId id="264" r:id="rId12"/>
+    <p:sldId id="266" r:id="rId13"/>
+    <p:sldId id="265" r:id="rId14"/>
+    <p:sldId id="268" r:id="rId15"/>
   </p:sldIdLst>
   <p:sldSz cx="12192000" cy="6858000"/>
   <p:notesSz cx="6858000" cy="9144000"/>
@@ -3390,10 +3392,17 @@
         <p:cNvGrpSpPr/>
         <p:nvPr/>
       </p:nvGrpSpPr>
-      <p:grpSpPr/>
-      <p:sp>
-        <p:nvSpPr>
-          <p:cNvPr id="4" name="Rounded Rectangle 3"/>
+      <p:grpSpPr>
+        <a:xfrm>
+          <a:off x="0" y="0"/>
+          <a:ext cx="0" cy="0"/>
+          <a:chOff x="0" y="0"/>
+          <a:chExt cx="0" cy="0"/>
+        </a:xfrm>
+      </p:grpSpPr>
+      <p:sp>
+        <p:nvSpPr>
+          <p:cNvPr id="3" name="Rounded Rectangle 2"/>
           <p:cNvSpPr/>
           <p:nvPr/>
         </p:nvSpPr>
@@ -3454,7 +3463,7 @@
       </p:sp>
       <p:sp>
         <p:nvSpPr>
-          <p:cNvPr id="5" name="Rounded Rectangle 4"/>
+          <p:cNvPr id="2" name="Rounded Rectangle 1"/>
           <p:cNvSpPr/>
           <p:nvPr/>
         </p:nvSpPr>
@@ -4078,6 +4087,750 @@
         <p:spPr>
           <a:xfrm>
             <a:off x="1089025" y="1701165"/>
+            <a:ext cx="4472940" cy="451485"/>
+          </a:xfrm>
+          <a:prstGeom prst="roundRect">
+            <a:avLst/>
+          </a:prstGeom>
+          <a:solidFill>
+            <a:schemeClr val="accent1">
+              <a:lumMod val="20000"/>
+              <a:lumOff val="80000"/>
+            </a:schemeClr>
+          </a:solidFill>
+          <a:ln>
+            <a:solidFill>
+              <a:schemeClr val="accent1">
+                <a:lumMod val="75000"/>
+              </a:schemeClr>
+            </a:solidFill>
+          </a:ln>
+        </p:spPr>
+        <p:style>
+          <a:lnRef idx="2">
+            <a:schemeClr val="accent1">
+              <a:shade val="50000"/>
+            </a:schemeClr>
+          </a:lnRef>
+          <a:fillRef idx="1">
+            <a:schemeClr val="accent1"/>
+          </a:fillRef>
+          <a:effectRef idx="0">
+            <a:schemeClr val="accent1"/>
+          </a:effectRef>
+          <a:fontRef idx="minor">
+            <a:schemeClr val="lt1"/>
+          </a:fontRef>
+        </p:style>
+        <p:txBody>
+          <a:bodyPr rtlCol="0" anchor="ctr"/>
+          <a:p>
+            <a:pPr algn="ctr"/>
+            <a:r>
+              <a:rPr lang="es-ES_tradnl" altLang="en-US" sz="2000">
+                <a:solidFill>
+                  <a:srgbClr val="2E75B6"/>
+                </a:solidFill>
+                <a:cs typeface="+mn-lt"/>
+              </a:rPr>
+              <a:t>Concatenate - padding - tokenize</a:t>
+            </a:r>
+            <a:endParaRPr lang="es-ES_tradnl" altLang="en-US" sz="2000">
+              <a:solidFill>
+                <a:srgbClr val="2E75B6"/>
+              </a:solidFill>
+              <a:cs typeface="+mn-lt"/>
+            </a:endParaRPr>
+          </a:p>
+        </p:txBody>
+      </p:sp>
+      <p:sp>
+        <p:nvSpPr>
+          <p:cNvPr id="31" name="Rounded Rectangle 30"/>
+          <p:cNvSpPr/>
+          <p:nvPr/>
+        </p:nvSpPr>
+        <p:spPr>
+          <a:xfrm>
+            <a:off x="6403340" y="980440"/>
+            <a:ext cx="2011680" cy="358140"/>
+          </a:xfrm>
+          <a:prstGeom prst="roundRect">
+            <a:avLst/>
+          </a:prstGeom>
+          <a:noFill/>
+          <a:ln>
+            <a:solidFill>
+              <a:srgbClr val="202020"/>
+            </a:solidFill>
+          </a:ln>
+        </p:spPr>
+        <p:style>
+          <a:lnRef idx="2">
+            <a:schemeClr val="accent1">
+              <a:shade val="50000"/>
+            </a:schemeClr>
+          </a:lnRef>
+          <a:fillRef idx="1">
+            <a:schemeClr val="accent1"/>
+          </a:fillRef>
+          <a:effectRef idx="0">
+            <a:schemeClr val="accent1"/>
+          </a:effectRef>
+          <a:fontRef idx="minor">
+            <a:schemeClr val="lt1"/>
+          </a:fontRef>
+        </p:style>
+        <p:txBody>
+          <a:bodyPr rtlCol="0" anchor="ctr"/>
+          <a:p>
+            <a:pPr algn="ctr"/>
+            <a:r>
+              <a:rPr lang="es-ES_tradnl" altLang="en-US" sz="2000">
+                <a:solidFill>
+                  <a:schemeClr val="tx1"/>
+                </a:solidFill>
+                <a:cs typeface="+mn-lt"/>
+                <a:sym typeface="+mn-ea"/>
+              </a:rPr>
+              <a:t>pMHC</a:t>
+            </a:r>
+            <a:endParaRPr lang="es-ES_tradnl" altLang="en-US" sz="2000">
+              <a:solidFill>
+                <a:schemeClr val="tx1"/>
+              </a:solidFill>
+              <a:cs typeface="+mn-lt"/>
+              <a:sym typeface="+mn-ea"/>
+            </a:endParaRPr>
+          </a:p>
+        </p:txBody>
+      </p:sp>
+      <p:sp>
+        <p:nvSpPr>
+          <p:cNvPr id="32" name="Rounded Rectangle 31"/>
+          <p:cNvSpPr/>
+          <p:nvPr/>
+        </p:nvSpPr>
+        <p:spPr>
+          <a:xfrm>
+            <a:off x="8862695" y="980440"/>
+            <a:ext cx="2011680" cy="358140"/>
+          </a:xfrm>
+          <a:prstGeom prst="roundRect">
+            <a:avLst/>
+          </a:prstGeom>
+          <a:noFill/>
+          <a:ln>
+            <a:solidFill>
+              <a:srgbClr val="202020"/>
+            </a:solidFill>
+          </a:ln>
+        </p:spPr>
+        <p:style>
+          <a:lnRef idx="2">
+            <a:schemeClr val="accent1">
+              <a:shade val="50000"/>
+            </a:schemeClr>
+          </a:lnRef>
+          <a:fillRef idx="1">
+            <a:schemeClr val="accent1"/>
+          </a:fillRef>
+          <a:effectRef idx="0">
+            <a:schemeClr val="accent1"/>
+          </a:effectRef>
+          <a:fontRef idx="minor">
+            <a:schemeClr val="lt1"/>
+          </a:fontRef>
+        </p:style>
+        <p:txBody>
+          <a:bodyPr rtlCol="0" anchor="ctr"/>
+          <a:p>
+            <a:pPr algn="ctr"/>
+            <a:r>
+              <a:rPr lang="es-ES_tradnl" sz="2000">
+                <a:solidFill>
+                  <a:schemeClr val="tx1"/>
+                </a:solidFill>
+                <a:cs typeface="+mn-lt"/>
+              </a:rPr>
+              <a:t>TCR</a:t>
+            </a:r>
+            <a:endParaRPr lang="es-ES_tradnl" sz="2000">
+              <a:solidFill>
+                <a:schemeClr val="tx1"/>
+              </a:solidFill>
+              <a:cs typeface="+mn-lt"/>
+            </a:endParaRPr>
+          </a:p>
+        </p:txBody>
+      </p:sp>
+      <p:sp>
+        <p:nvSpPr>
+          <p:cNvPr id="33" name="Rounded Rectangle 32"/>
+          <p:cNvSpPr/>
+          <p:nvPr/>
+        </p:nvSpPr>
+        <p:spPr>
+          <a:xfrm>
+            <a:off x="6403975" y="2505075"/>
+            <a:ext cx="4471670" cy="779780"/>
+          </a:xfrm>
+          <a:prstGeom prst="roundRect">
+            <a:avLst/>
+          </a:prstGeom>
+          <a:solidFill>
+            <a:schemeClr val="accent1">
+              <a:lumMod val="40000"/>
+              <a:lumOff val="60000"/>
+            </a:schemeClr>
+          </a:solidFill>
+          <a:ln>
+            <a:solidFill>
+              <a:schemeClr val="accent1">
+                <a:lumMod val="75000"/>
+              </a:schemeClr>
+            </a:solidFill>
+          </a:ln>
+        </p:spPr>
+        <p:style>
+          <a:lnRef idx="2">
+            <a:schemeClr val="accent1">
+              <a:shade val="50000"/>
+            </a:schemeClr>
+          </a:lnRef>
+          <a:fillRef idx="1">
+            <a:schemeClr val="accent1"/>
+          </a:fillRef>
+          <a:effectRef idx="0">
+            <a:schemeClr val="accent1"/>
+          </a:effectRef>
+          <a:fontRef idx="minor">
+            <a:schemeClr val="lt1"/>
+          </a:fontRef>
+        </p:style>
+        <p:txBody>
+          <a:bodyPr rtlCol="0" anchor="ctr"/>
+          <a:p>
+            <a:pPr algn="ctr"/>
+            <a:r>
+              <a:rPr lang="es-ES_tradnl" altLang="en-US" sz="2000">
+                <a:solidFill>
+                  <a:srgbClr val="2E75B6"/>
+                </a:solidFill>
+                <a:cs typeface="+mn-lt"/>
+              </a:rPr>
+              <a:t>ESM-1b</a:t>
+            </a:r>
+            <a:endParaRPr lang="es-ES_tradnl" altLang="en-US" sz="2000">
+              <a:solidFill>
+                <a:srgbClr val="2E75B6"/>
+              </a:solidFill>
+              <a:cs typeface="+mn-lt"/>
+            </a:endParaRPr>
+          </a:p>
+        </p:txBody>
+      </p:sp>
+      <p:sp>
+        <p:nvSpPr>
+          <p:cNvPr id="34" name="Rounded Rectangle 33"/>
+          <p:cNvSpPr/>
+          <p:nvPr/>
+        </p:nvSpPr>
+        <p:spPr>
+          <a:xfrm>
+            <a:off x="6403340" y="4737100"/>
+            <a:ext cx="4471035" cy="654685"/>
+          </a:xfrm>
+          <a:prstGeom prst="roundRect">
+            <a:avLst/>
+          </a:prstGeom>
+          <a:noFill/>
+          <a:ln>
+            <a:solidFill>
+              <a:srgbClr val="202020"/>
+            </a:solidFill>
+          </a:ln>
+        </p:spPr>
+        <p:style>
+          <a:lnRef idx="2">
+            <a:schemeClr val="accent1">
+              <a:shade val="50000"/>
+            </a:schemeClr>
+          </a:lnRef>
+          <a:fillRef idx="1">
+            <a:schemeClr val="accent1"/>
+          </a:fillRef>
+          <a:effectRef idx="0">
+            <a:schemeClr val="accent1"/>
+          </a:effectRef>
+          <a:fontRef idx="minor">
+            <a:schemeClr val="lt1"/>
+          </a:fontRef>
+        </p:style>
+        <p:txBody>
+          <a:bodyPr rtlCol="0" anchor="ctr"/>
+          <a:p>
+            <a:pPr algn="ctr"/>
+            <a:r>
+              <a:rPr lang="es-ES_tradnl" altLang="en-US" sz="2000">
+                <a:solidFill>
+                  <a:schemeClr val="tx1"/>
+                </a:solidFill>
+                <a:cs typeface="+mn-lt"/>
+              </a:rPr>
+              <a:t>pMHC-TCR</a:t>
+            </a:r>
+            <a:endParaRPr lang="es-ES_tradnl" altLang="en-US" sz="2000">
+              <a:solidFill>
+                <a:schemeClr val="tx1"/>
+              </a:solidFill>
+              <a:cs typeface="+mn-lt"/>
+            </a:endParaRPr>
+          </a:p>
+        </p:txBody>
+      </p:sp>
+      <p:sp>
+        <p:nvSpPr>
+          <p:cNvPr id="35" name="Rounded Rectangle 34"/>
+          <p:cNvSpPr/>
+          <p:nvPr/>
+        </p:nvSpPr>
+        <p:spPr>
+          <a:xfrm>
+            <a:off x="6403340" y="1703705"/>
+            <a:ext cx="4472940" cy="451485"/>
+          </a:xfrm>
+          <a:prstGeom prst="roundRect">
+            <a:avLst/>
+          </a:prstGeom>
+          <a:solidFill>
+            <a:schemeClr val="accent1">
+              <a:lumMod val="40000"/>
+              <a:lumOff val="60000"/>
+            </a:schemeClr>
+          </a:solidFill>
+          <a:ln>
+            <a:solidFill>
+              <a:schemeClr val="accent1">
+                <a:lumMod val="75000"/>
+              </a:schemeClr>
+            </a:solidFill>
+          </a:ln>
+        </p:spPr>
+        <p:style>
+          <a:lnRef idx="2">
+            <a:schemeClr val="accent1">
+              <a:shade val="50000"/>
+            </a:schemeClr>
+          </a:lnRef>
+          <a:fillRef idx="1">
+            <a:schemeClr val="accent1"/>
+          </a:fillRef>
+          <a:effectRef idx="0">
+            <a:schemeClr val="accent1"/>
+          </a:effectRef>
+          <a:fontRef idx="minor">
+            <a:schemeClr val="lt1"/>
+          </a:fontRef>
+        </p:style>
+        <p:txBody>
+          <a:bodyPr rtlCol="0" anchor="ctr"/>
+          <a:p>
+            <a:pPr algn="ctr"/>
+            <a:r>
+              <a:rPr lang="es-ES_tradnl" altLang="en-US" sz="2000">
+                <a:solidFill>
+                  <a:srgbClr val="2E75B6"/>
+                </a:solidFill>
+                <a:cs typeface="+mn-lt"/>
+              </a:rPr>
+              <a:t>Concatenate - padding - tokenize</a:t>
+            </a:r>
+            <a:endParaRPr lang="es-ES_tradnl" altLang="en-US" sz="2000">
+              <a:solidFill>
+                <a:srgbClr val="2E75B6"/>
+              </a:solidFill>
+              <a:cs typeface="+mn-lt"/>
+            </a:endParaRPr>
+          </a:p>
+        </p:txBody>
+      </p:sp>
+      <p:sp>
+        <p:nvSpPr>
+          <p:cNvPr id="36" name="Down Arrow 35"/>
+          <p:cNvSpPr/>
+          <p:nvPr/>
+        </p:nvSpPr>
+        <p:spPr>
+          <a:xfrm>
+            <a:off x="7232015" y="1422400"/>
+            <a:ext cx="271145" cy="198755"/>
+          </a:xfrm>
+          <a:prstGeom prst="downArrow">
+            <a:avLst/>
+          </a:prstGeom>
+          <a:solidFill>
+            <a:schemeClr val="accent1">
+              <a:lumMod val="40000"/>
+              <a:lumOff val="60000"/>
+            </a:schemeClr>
+          </a:solidFill>
+        </p:spPr>
+        <p:style>
+          <a:lnRef idx="2">
+            <a:schemeClr val="accent1">
+              <a:shade val="50000"/>
+            </a:schemeClr>
+          </a:lnRef>
+          <a:fillRef idx="1">
+            <a:schemeClr val="accent1"/>
+          </a:fillRef>
+          <a:effectRef idx="0">
+            <a:schemeClr val="accent1"/>
+          </a:effectRef>
+          <a:fontRef idx="minor">
+            <a:schemeClr val="lt1"/>
+          </a:fontRef>
+        </p:style>
+        <p:txBody>
+          <a:bodyPr rtlCol="0" anchor="ctr"/>
+          <a:p>
+            <a:pPr algn="ctr"/>
+            <a:endParaRPr lang="en-US" sz="2000">
+              <a:cs typeface="+mn-lt"/>
+            </a:endParaRPr>
+          </a:p>
+        </p:txBody>
+      </p:sp>
+      <p:sp>
+        <p:nvSpPr>
+          <p:cNvPr id="37" name="Down Arrow 36"/>
+          <p:cNvSpPr/>
+          <p:nvPr/>
+        </p:nvSpPr>
+        <p:spPr>
+          <a:xfrm>
+            <a:off x="9606280" y="1421765"/>
+            <a:ext cx="271145" cy="199390"/>
+          </a:xfrm>
+          <a:prstGeom prst="downArrow">
+            <a:avLst/>
+          </a:prstGeom>
+          <a:solidFill>
+            <a:schemeClr val="accent1">
+              <a:lumMod val="40000"/>
+              <a:lumOff val="60000"/>
+            </a:schemeClr>
+          </a:solidFill>
+        </p:spPr>
+        <p:style>
+          <a:lnRef idx="2">
+            <a:schemeClr val="accent1">
+              <a:shade val="50000"/>
+            </a:schemeClr>
+          </a:lnRef>
+          <a:fillRef idx="1">
+            <a:schemeClr val="accent1"/>
+          </a:fillRef>
+          <a:effectRef idx="0">
+            <a:schemeClr val="accent1"/>
+          </a:effectRef>
+          <a:fontRef idx="minor">
+            <a:schemeClr val="lt1"/>
+          </a:fontRef>
+        </p:style>
+        <p:txBody>
+          <a:bodyPr rtlCol="0" anchor="ctr"/>
+          <a:p>
+            <a:pPr algn="ctr"/>
+            <a:endParaRPr lang="en-US" sz="2000">
+              <a:cs typeface="+mn-lt"/>
+            </a:endParaRPr>
+          </a:p>
+        </p:txBody>
+      </p:sp>
+      <p:sp>
+        <p:nvSpPr>
+          <p:cNvPr id="38" name="Rounded Rectangle 37"/>
+          <p:cNvSpPr/>
+          <p:nvPr/>
+        </p:nvSpPr>
+        <p:spPr>
+          <a:xfrm>
+            <a:off x="6403340" y="3625215"/>
+            <a:ext cx="4471670" cy="787400"/>
+          </a:xfrm>
+          <a:prstGeom prst="roundRect">
+            <a:avLst/>
+          </a:prstGeom>
+          <a:solidFill>
+            <a:schemeClr val="accent1">
+              <a:lumMod val="20000"/>
+              <a:lumOff val="80000"/>
+            </a:schemeClr>
+          </a:solidFill>
+          <a:ln>
+            <a:solidFill>
+              <a:schemeClr val="accent1">
+                <a:lumMod val="75000"/>
+              </a:schemeClr>
+            </a:solidFill>
+          </a:ln>
+        </p:spPr>
+        <p:style>
+          <a:lnRef idx="2">
+            <a:schemeClr val="accent1">
+              <a:shade val="50000"/>
+            </a:schemeClr>
+          </a:lnRef>
+          <a:fillRef idx="1">
+            <a:schemeClr val="accent1"/>
+          </a:fillRef>
+          <a:effectRef idx="0">
+            <a:schemeClr val="accent1"/>
+          </a:effectRef>
+          <a:fontRef idx="minor">
+            <a:schemeClr val="lt1"/>
+          </a:fontRef>
+        </p:style>
+        <p:txBody>
+          <a:bodyPr rtlCol="0" anchor="ctr"/>
+          <a:p>
+            <a:pPr algn="ctr"/>
+            <a:r>
+              <a:rPr lang="es-ES_tradnl" altLang="en-US" sz="2000">
+                <a:solidFill>
+                  <a:srgbClr val="2E75B6"/>
+                </a:solidFill>
+                <a:cs typeface="+mn-lt"/>
+              </a:rPr>
+              <a:t>Linear</a:t>
+            </a:r>
+            <a:endParaRPr lang="es-ES_tradnl" altLang="en-US" sz="2000">
+              <a:solidFill>
+                <a:srgbClr val="2E75B6"/>
+              </a:solidFill>
+              <a:cs typeface="+mn-lt"/>
+            </a:endParaRPr>
+          </a:p>
+        </p:txBody>
+      </p:sp>
+      <p:sp>
+        <p:nvSpPr>
+          <p:cNvPr id="39" name="Down Arrow 38"/>
+          <p:cNvSpPr/>
+          <p:nvPr/>
+        </p:nvSpPr>
+        <p:spPr>
+          <a:xfrm>
+            <a:off x="8503285" y="2231390"/>
+            <a:ext cx="271145" cy="198755"/>
+          </a:xfrm>
+          <a:prstGeom prst="downArrow">
+            <a:avLst/>
+          </a:prstGeom>
+          <a:solidFill>
+            <a:schemeClr val="accent1">
+              <a:lumMod val="40000"/>
+              <a:lumOff val="60000"/>
+            </a:schemeClr>
+          </a:solidFill>
+        </p:spPr>
+        <p:style>
+          <a:lnRef idx="2">
+            <a:schemeClr val="accent1">
+              <a:shade val="50000"/>
+            </a:schemeClr>
+          </a:lnRef>
+          <a:fillRef idx="1">
+            <a:schemeClr val="accent1"/>
+          </a:fillRef>
+          <a:effectRef idx="0">
+            <a:schemeClr val="accent1"/>
+          </a:effectRef>
+          <a:fontRef idx="minor">
+            <a:schemeClr val="lt1"/>
+          </a:fontRef>
+        </p:style>
+        <p:txBody>
+          <a:bodyPr rtlCol="0" anchor="ctr"/>
+          <a:p>
+            <a:pPr algn="ctr"/>
+            <a:endParaRPr lang="en-US" sz="2000">
+              <a:cs typeface="+mn-lt"/>
+            </a:endParaRPr>
+          </a:p>
+        </p:txBody>
+      </p:sp>
+      <p:sp>
+        <p:nvSpPr>
+          <p:cNvPr id="40" name="Down Arrow 39"/>
+          <p:cNvSpPr/>
+          <p:nvPr/>
+        </p:nvSpPr>
+        <p:spPr>
+          <a:xfrm>
+            <a:off x="8503285" y="3355975"/>
+            <a:ext cx="271145" cy="198755"/>
+          </a:xfrm>
+          <a:prstGeom prst="downArrow">
+            <a:avLst/>
+          </a:prstGeom>
+          <a:solidFill>
+            <a:schemeClr val="accent1">
+              <a:lumMod val="40000"/>
+              <a:lumOff val="60000"/>
+            </a:schemeClr>
+          </a:solidFill>
+        </p:spPr>
+        <p:style>
+          <a:lnRef idx="2">
+            <a:schemeClr val="accent1">
+              <a:shade val="50000"/>
+            </a:schemeClr>
+          </a:lnRef>
+          <a:fillRef idx="1">
+            <a:schemeClr val="accent1"/>
+          </a:fillRef>
+          <a:effectRef idx="0">
+            <a:schemeClr val="accent1"/>
+          </a:effectRef>
+          <a:fontRef idx="minor">
+            <a:schemeClr val="lt1"/>
+          </a:fontRef>
+        </p:style>
+        <p:txBody>
+          <a:bodyPr rtlCol="0" anchor="ctr"/>
+          <a:p>
+            <a:pPr algn="ctr"/>
+            <a:endParaRPr lang="en-US" sz="2000">
+              <a:cs typeface="+mn-lt"/>
+            </a:endParaRPr>
+          </a:p>
+        </p:txBody>
+      </p:sp>
+      <p:sp>
+        <p:nvSpPr>
+          <p:cNvPr id="41" name="Down Arrow 40"/>
+          <p:cNvSpPr/>
+          <p:nvPr/>
+        </p:nvSpPr>
+        <p:spPr>
+          <a:xfrm>
+            <a:off x="8503285" y="4485640"/>
+            <a:ext cx="271145" cy="198755"/>
+          </a:xfrm>
+          <a:prstGeom prst="downArrow">
+            <a:avLst/>
+          </a:prstGeom>
+          <a:solidFill>
+            <a:schemeClr val="accent1">
+              <a:lumMod val="40000"/>
+              <a:lumOff val="60000"/>
+            </a:schemeClr>
+          </a:solidFill>
+        </p:spPr>
+        <p:style>
+          <a:lnRef idx="2">
+            <a:schemeClr val="accent1">
+              <a:shade val="50000"/>
+            </a:schemeClr>
+          </a:lnRef>
+          <a:fillRef idx="1">
+            <a:schemeClr val="accent1"/>
+          </a:fillRef>
+          <a:effectRef idx="0">
+            <a:schemeClr val="accent1"/>
+          </a:effectRef>
+          <a:fontRef idx="minor">
+            <a:schemeClr val="lt1"/>
+          </a:fontRef>
+        </p:style>
+        <p:txBody>
+          <a:bodyPr rtlCol="0" anchor="ctr"/>
+          <a:p>
+            <a:pPr algn="ctr"/>
+            <a:endParaRPr lang="en-US" sz="2000">
+              <a:cs typeface="+mn-lt"/>
+            </a:endParaRPr>
+          </a:p>
+        </p:txBody>
+      </p:sp>
+      <p:sp>
+        <p:nvSpPr>
+          <p:cNvPr id="42" name="Rounded Rectangle 41"/>
+          <p:cNvSpPr/>
+          <p:nvPr/>
+        </p:nvSpPr>
+        <p:spPr>
+          <a:xfrm>
+            <a:off x="6402705" y="2505075"/>
+            <a:ext cx="4471670" cy="779780"/>
+          </a:xfrm>
+          <a:prstGeom prst="roundRect">
+            <a:avLst/>
+          </a:prstGeom>
+          <a:solidFill>
+            <a:schemeClr val="accent1">
+              <a:lumMod val="20000"/>
+              <a:lumOff val="80000"/>
+            </a:schemeClr>
+          </a:solidFill>
+          <a:ln>
+            <a:solidFill>
+              <a:schemeClr val="accent1">
+                <a:lumMod val="75000"/>
+              </a:schemeClr>
+            </a:solidFill>
+          </a:ln>
+        </p:spPr>
+        <p:style>
+          <a:lnRef idx="2">
+            <a:schemeClr val="accent1">
+              <a:shade val="50000"/>
+            </a:schemeClr>
+          </a:lnRef>
+          <a:fillRef idx="1">
+            <a:schemeClr val="accent1"/>
+          </a:fillRef>
+          <a:effectRef idx="0">
+            <a:schemeClr val="accent1"/>
+          </a:effectRef>
+          <a:fontRef idx="minor">
+            <a:schemeClr val="lt1"/>
+          </a:fontRef>
+        </p:style>
+        <p:txBody>
+          <a:bodyPr rtlCol="0" anchor="ctr"/>
+          <a:p>
+            <a:pPr algn="ctr"/>
+            <a:r>
+              <a:rPr lang="es-ES_tradnl" altLang="en-US" sz="2000">
+                <a:solidFill>
+                  <a:srgbClr val="2E75B6"/>
+                </a:solidFill>
+                <a:cs typeface="+mn-lt"/>
+              </a:rPr>
+              <a:t>ESM2</a:t>
+            </a:r>
+            <a:endParaRPr lang="es-ES_tradnl" altLang="en-US" sz="2000">
+              <a:solidFill>
+                <a:srgbClr val="2E75B6"/>
+              </a:solidFill>
+              <a:cs typeface="+mn-lt"/>
+            </a:endParaRPr>
+          </a:p>
+        </p:txBody>
+      </p:sp>
+      <p:sp>
+        <p:nvSpPr>
+          <p:cNvPr id="43" name="Rounded Rectangle 42"/>
+          <p:cNvSpPr/>
+          <p:nvPr/>
+        </p:nvSpPr>
+        <p:spPr>
+          <a:xfrm>
+            <a:off x="6403340" y="1701165"/>
             <a:ext cx="4472940" cy="451485"/>
           </a:xfrm>
           <a:prstGeom prst="roundRect">
@@ -4152,6 +4905,768 @@
         <p:cNvGrpSpPr/>
         <p:nvPr/>
       </p:nvGrpSpPr>
+      <p:grpSpPr/>
+      <p:sp>
+        <p:nvSpPr>
+          <p:cNvPr id="4" name="Rounded Rectangle 3"/>
+          <p:cNvSpPr/>
+          <p:nvPr/>
+        </p:nvSpPr>
+        <p:spPr>
+          <a:xfrm>
+            <a:off x="1089025" y="980440"/>
+            <a:ext cx="2011680" cy="358140"/>
+          </a:xfrm>
+          <a:prstGeom prst="roundRect">
+            <a:avLst/>
+          </a:prstGeom>
+          <a:noFill/>
+          <a:ln>
+            <a:solidFill>
+              <a:srgbClr val="202020"/>
+            </a:solidFill>
+          </a:ln>
+        </p:spPr>
+        <p:style>
+          <a:lnRef idx="2">
+            <a:schemeClr val="accent1">
+              <a:shade val="50000"/>
+            </a:schemeClr>
+          </a:lnRef>
+          <a:fillRef idx="1">
+            <a:schemeClr val="accent1"/>
+          </a:fillRef>
+          <a:effectRef idx="0">
+            <a:schemeClr val="accent1"/>
+          </a:effectRef>
+          <a:fontRef idx="minor">
+            <a:schemeClr val="lt1"/>
+          </a:fontRef>
+        </p:style>
+        <p:txBody>
+          <a:bodyPr rtlCol="0" anchor="ctr"/>
+          <a:p>
+            <a:pPr algn="ctr"/>
+            <a:r>
+              <a:rPr lang="es-ES_tradnl" altLang="en-US" sz="2000">
+                <a:solidFill>
+                  <a:schemeClr val="tx1"/>
+                </a:solidFill>
+                <a:cs typeface="+mn-lt"/>
+                <a:sym typeface="+mn-ea"/>
+              </a:rPr>
+              <a:t>peptide</a:t>
+            </a:r>
+            <a:endParaRPr lang="es-ES_tradnl" altLang="en-US" sz="2000">
+              <a:solidFill>
+                <a:schemeClr val="tx1"/>
+              </a:solidFill>
+              <a:cs typeface="+mn-lt"/>
+              <a:sym typeface="+mn-ea"/>
+            </a:endParaRPr>
+          </a:p>
+        </p:txBody>
+      </p:sp>
+      <p:sp>
+        <p:nvSpPr>
+          <p:cNvPr id="5" name="Rounded Rectangle 4"/>
+          <p:cNvSpPr/>
+          <p:nvPr/>
+        </p:nvSpPr>
+        <p:spPr>
+          <a:xfrm>
+            <a:off x="3548380" y="980440"/>
+            <a:ext cx="2011680" cy="358140"/>
+          </a:xfrm>
+          <a:prstGeom prst="roundRect">
+            <a:avLst/>
+          </a:prstGeom>
+          <a:noFill/>
+          <a:ln>
+            <a:solidFill>
+              <a:srgbClr val="202020"/>
+            </a:solidFill>
+          </a:ln>
+        </p:spPr>
+        <p:style>
+          <a:lnRef idx="2">
+            <a:schemeClr val="accent1">
+              <a:shade val="50000"/>
+            </a:schemeClr>
+          </a:lnRef>
+          <a:fillRef idx="1">
+            <a:schemeClr val="accent1"/>
+          </a:fillRef>
+          <a:effectRef idx="0">
+            <a:schemeClr val="accent1"/>
+          </a:effectRef>
+          <a:fontRef idx="minor">
+            <a:schemeClr val="lt1"/>
+          </a:fontRef>
+        </p:style>
+        <p:txBody>
+          <a:bodyPr rtlCol="0" anchor="ctr"/>
+          <a:p>
+            <a:pPr algn="ctr"/>
+            <a:r>
+              <a:rPr lang="es-ES_tradnl" sz="2000">
+                <a:solidFill>
+                  <a:schemeClr val="tx1"/>
+                </a:solidFill>
+                <a:cs typeface="+mn-lt"/>
+              </a:rPr>
+              <a:t>MHC</a:t>
+            </a:r>
+            <a:endParaRPr lang="es-ES_tradnl" sz="2000">
+              <a:solidFill>
+                <a:schemeClr val="tx1"/>
+              </a:solidFill>
+              <a:cs typeface="+mn-lt"/>
+            </a:endParaRPr>
+          </a:p>
+        </p:txBody>
+      </p:sp>
+      <p:sp>
+        <p:nvSpPr>
+          <p:cNvPr id="6" name="Rounded Rectangle 5"/>
+          <p:cNvSpPr/>
+          <p:nvPr/>
+        </p:nvSpPr>
+        <p:spPr>
+          <a:xfrm>
+            <a:off x="1089660" y="2505075"/>
+            <a:ext cx="4471670" cy="779780"/>
+          </a:xfrm>
+          <a:prstGeom prst="roundRect">
+            <a:avLst/>
+          </a:prstGeom>
+          <a:solidFill>
+            <a:schemeClr val="accent1">
+              <a:lumMod val="40000"/>
+              <a:lumOff val="60000"/>
+            </a:schemeClr>
+          </a:solidFill>
+          <a:ln>
+            <a:solidFill>
+              <a:schemeClr val="accent1">
+                <a:lumMod val="75000"/>
+              </a:schemeClr>
+            </a:solidFill>
+          </a:ln>
+        </p:spPr>
+        <p:style>
+          <a:lnRef idx="2">
+            <a:schemeClr val="accent1">
+              <a:shade val="50000"/>
+            </a:schemeClr>
+          </a:lnRef>
+          <a:fillRef idx="1">
+            <a:schemeClr val="accent1"/>
+          </a:fillRef>
+          <a:effectRef idx="0">
+            <a:schemeClr val="accent1"/>
+          </a:effectRef>
+          <a:fontRef idx="minor">
+            <a:schemeClr val="lt1"/>
+          </a:fontRef>
+        </p:style>
+        <p:txBody>
+          <a:bodyPr rtlCol="0" anchor="ctr"/>
+          <a:p>
+            <a:pPr algn="ctr"/>
+            <a:r>
+              <a:rPr lang="es-ES_tradnl" altLang="en-US" sz="2000">
+                <a:solidFill>
+                  <a:srgbClr val="2E75B6"/>
+                </a:solidFill>
+                <a:cs typeface="+mn-lt"/>
+              </a:rPr>
+              <a:t>ESM-1b</a:t>
+            </a:r>
+            <a:endParaRPr lang="es-ES_tradnl" altLang="en-US" sz="2000">
+              <a:solidFill>
+                <a:srgbClr val="2E75B6"/>
+              </a:solidFill>
+              <a:cs typeface="+mn-lt"/>
+            </a:endParaRPr>
+          </a:p>
+        </p:txBody>
+      </p:sp>
+      <p:sp>
+        <p:nvSpPr>
+          <p:cNvPr id="15" name="Rounded Rectangle 14"/>
+          <p:cNvSpPr/>
+          <p:nvPr/>
+        </p:nvSpPr>
+        <p:spPr>
+          <a:xfrm>
+            <a:off x="1089025" y="4737100"/>
+            <a:ext cx="4471035" cy="654685"/>
+          </a:xfrm>
+          <a:prstGeom prst="roundRect">
+            <a:avLst/>
+          </a:prstGeom>
+          <a:noFill/>
+          <a:ln>
+            <a:solidFill>
+              <a:srgbClr val="202020"/>
+            </a:solidFill>
+          </a:ln>
+        </p:spPr>
+        <p:style>
+          <a:lnRef idx="2">
+            <a:schemeClr val="accent1">
+              <a:shade val="50000"/>
+            </a:schemeClr>
+          </a:lnRef>
+          <a:fillRef idx="1">
+            <a:schemeClr val="accent1"/>
+          </a:fillRef>
+          <a:effectRef idx="0">
+            <a:schemeClr val="accent1"/>
+          </a:effectRef>
+          <a:fontRef idx="minor">
+            <a:schemeClr val="lt1"/>
+          </a:fontRef>
+        </p:style>
+        <p:txBody>
+          <a:bodyPr rtlCol="0" anchor="ctr"/>
+          <a:p>
+            <a:pPr algn="ctr"/>
+            <a:r>
+              <a:rPr lang="es-ES_tradnl" altLang="en-US" sz="2000">
+                <a:solidFill>
+                  <a:schemeClr val="tx1"/>
+                </a:solidFill>
+                <a:cs typeface="+mn-lt"/>
+              </a:rPr>
+              <a:t>pMHC binding / presentation prediction</a:t>
+            </a:r>
+            <a:endParaRPr lang="es-ES_tradnl" altLang="en-US" sz="2000">
+              <a:solidFill>
+                <a:schemeClr val="tx1"/>
+              </a:solidFill>
+              <a:cs typeface="+mn-lt"/>
+            </a:endParaRPr>
+          </a:p>
+        </p:txBody>
+      </p:sp>
+      <p:sp>
+        <p:nvSpPr>
+          <p:cNvPr id="7" name="Rounded Rectangle 6"/>
+          <p:cNvSpPr/>
+          <p:nvPr/>
+        </p:nvSpPr>
+        <p:spPr>
+          <a:xfrm>
+            <a:off x="1089025" y="1703705"/>
+            <a:ext cx="4472940" cy="451485"/>
+          </a:xfrm>
+          <a:prstGeom prst="roundRect">
+            <a:avLst/>
+          </a:prstGeom>
+          <a:solidFill>
+            <a:schemeClr val="accent1">
+              <a:lumMod val="40000"/>
+              <a:lumOff val="60000"/>
+            </a:schemeClr>
+          </a:solidFill>
+          <a:ln>
+            <a:solidFill>
+              <a:schemeClr val="accent1">
+                <a:lumMod val="75000"/>
+              </a:schemeClr>
+            </a:solidFill>
+          </a:ln>
+        </p:spPr>
+        <p:style>
+          <a:lnRef idx="2">
+            <a:schemeClr val="accent1">
+              <a:shade val="50000"/>
+            </a:schemeClr>
+          </a:lnRef>
+          <a:fillRef idx="1">
+            <a:schemeClr val="accent1"/>
+          </a:fillRef>
+          <a:effectRef idx="0">
+            <a:schemeClr val="accent1"/>
+          </a:effectRef>
+          <a:fontRef idx="minor">
+            <a:schemeClr val="lt1"/>
+          </a:fontRef>
+        </p:style>
+        <p:txBody>
+          <a:bodyPr rtlCol="0" anchor="ctr"/>
+          <a:p>
+            <a:pPr algn="ctr"/>
+            <a:r>
+              <a:rPr lang="es-ES_tradnl" altLang="en-US" sz="2000">
+                <a:solidFill>
+                  <a:srgbClr val="2E75B6"/>
+                </a:solidFill>
+                <a:cs typeface="+mn-lt"/>
+              </a:rPr>
+              <a:t>Concatenate - padding - tokenize</a:t>
+            </a:r>
+            <a:endParaRPr lang="es-ES_tradnl" altLang="en-US" sz="2000">
+              <a:solidFill>
+                <a:srgbClr val="2E75B6"/>
+              </a:solidFill>
+              <a:cs typeface="+mn-lt"/>
+            </a:endParaRPr>
+          </a:p>
+        </p:txBody>
+      </p:sp>
+      <p:sp>
+        <p:nvSpPr>
+          <p:cNvPr id="9" name="Down Arrow 8"/>
+          <p:cNvSpPr/>
+          <p:nvPr/>
+        </p:nvSpPr>
+        <p:spPr>
+          <a:xfrm>
+            <a:off x="1917700" y="1422400"/>
+            <a:ext cx="271145" cy="198755"/>
+          </a:xfrm>
+          <a:prstGeom prst="downArrow">
+            <a:avLst/>
+          </a:prstGeom>
+          <a:solidFill>
+            <a:schemeClr val="accent1">
+              <a:lumMod val="40000"/>
+              <a:lumOff val="60000"/>
+            </a:schemeClr>
+          </a:solidFill>
+        </p:spPr>
+        <p:style>
+          <a:lnRef idx="2">
+            <a:schemeClr val="accent1">
+              <a:shade val="50000"/>
+            </a:schemeClr>
+          </a:lnRef>
+          <a:fillRef idx="1">
+            <a:schemeClr val="accent1"/>
+          </a:fillRef>
+          <a:effectRef idx="0">
+            <a:schemeClr val="accent1"/>
+          </a:effectRef>
+          <a:fontRef idx="minor">
+            <a:schemeClr val="lt1"/>
+          </a:fontRef>
+        </p:style>
+        <p:txBody>
+          <a:bodyPr rtlCol="0" anchor="ctr"/>
+          <a:p>
+            <a:pPr algn="ctr"/>
+            <a:endParaRPr lang="en-US" sz="2000">
+              <a:cs typeface="+mn-lt"/>
+            </a:endParaRPr>
+          </a:p>
+        </p:txBody>
+      </p:sp>
+      <p:sp>
+        <p:nvSpPr>
+          <p:cNvPr id="10" name="Down Arrow 9"/>
+          <p:cNvSpPr/>
+          <p:nvPr/>
+        </p:nvSpPr>
+        <p:spPr>
+          <a:xfrm>
+            <a:off x="4291965" y="1421765"/>
+            <a:ext cx="271145" cy="199390"/>
+          </a:xfrm>
+          <a:prstGeom prst="downArrow">
+            <a:avLst/>
+          </a:prstGeom>
+          <a:solidFill>
+            <a:schemeClr val="accent1">
+              <a:lumMod val="40000"/>
+              <a:lumOff val="60000"/>
+            </a:schemeClr>
+          </a:solidFill>
+        </p:spPr>
+        <p:style>
+          <a:lnRef idx="2">
+            <a:schemeClr val="accent1">
+              <a:shade val="50000"/>
+            </a:schemeClr>
+          </a:lnRef>
+          <a:fillRef idx="1">
+            <a:schemeClr val="accent1"/>
+          </a:fillRef>
+          <a:effectRef idx="0">
+            <a:schemeClr val="accent1"/>
+          </a:effectRef>
+          <a:fontRef idx="minor">
+            <a:schemeClr val="lt1"/>
+          </a:fontRef>
+        </p:style>
+        <p:txBody>
+          <a:bodyPr rtlCol="0" anchor="ctr"/>
+          <a:p>
+            <a:pPr algn="ctr"/>
+            <a:endParaRPr lang="en-US" sz="2000">
+              <a:cs typeface="+mn-lt"/>
+            </a:endParaRPr>
+          </a:p>
+        </p:txBody>
+      </p:sp>
+      <p:sp>
+        <p:nvSpPr>
+          <p:cNvPr id="11" name="Rounded Rectangle 10"/>
+          <p:cNvSpPr/>
+          <p:nvPr/>
+        </p:nvSpPr>
+        <p:spPr>
+          <a:xfrm>
+            <a:off x="1089025" y="3625215"/>
+            <a:ext cx="4471670" cy="787400"/>
+          </a:xfrm>
+          <a:prstGeom prst="roundRect">
+            <a:avLst/>
+          </a:prstGeom>
+          <a:solidFill>
+            <a:schemeClr val="accent1">
+              <a:lumMod val="20000"/>
+              <a:lumOff val="80000"/>
+            </a:schemeClr>
+          </a:solidFill>
+          <a:ln>
+            <a:solidFill>
+              <a:schemeClr val="accent1">
+                <a:lumMod val="75000"/>
+              </a:schemeClr>
+            </a:solidFill>
+          </a:ln>
+        </p:spPr>
+        <p:style>
+          <a:lnRef idx="2">
+            <a:schemeClr val="accent1">
+              <a:shade val="50000"/>
+            </a:schemeClr>
+          </a:lnRef>
+          <a:fillRef idx="1">
+            <a:schemeClr val="accent1"/>
+          </a:fillRef>
+          <a:effectRef idx="0">
+            <a:schemeClr val="accent1"/>
+          </a:effectRef>
+          <a:fontRef idx="minor">
+            <a:schemeClr val="lt1"/>
+          </a:fontRef>
+        </p:style>
+        <p:txBody>
+          <a:bodyPr rtlCol="0" anchor="ctr"/>
+          <a:p>
+            <a:pPr algn="ctr"/>
+            <a:r>
+              <a:rPr lang="es-ES_tradnl" altLang="en-US" sz="2000">
+                <a:solidFill>
+                  <a:srgbClr val="2E75B6"/>
+                </a:solidFill>
+                <a:cs typeface="+mn-lt"/>
+              </a:rPr>
+              <a:t>BiLSTM</a:t>
+            </a:r>
+            <a:endParaRPr lang="es-ES_tradnl" altLang="en-US" sz="2000">
+              <a:solidFill>
+                <a:srgbClr val="2E75B6"/>
+              </a:solidFill>
+              <a:cs typeface="+mn-lt"/>
+            </a:endParaRPr>
+          </a:p>
+        </p:txBody>
+      </p:sp>
+      <p:sp>
+        <p:nvSpPr>
+          <p:cNvPr id="17" name="Down Arrow 16"/>
+          <p:cNvSpPr/>
+          <p:nvPr/>
+        </p:nvSpPr>
+        <p:spPr>
+          <a:xfrm>
+            <a:off x="3188970" y="2231390"/>
+            <a:ext cx="271145" cy="198755"/>
+          </a:xfrm>
+          <a:prstGeom prst="downArrow">
+            <a:avLst/>
+          </a:prstGeom>
+          <a:solidFill>
+            <a:schemeClr val="accent1">
+              <a:lumMod val="40000"/>
+              <a:lumOff val="60000"/>
+            </a:schemeClr>
+          </a:solidFill>
+        </p:spPr>
+        <p:style>
+          <a:lnRef idx="2">
+            <a:schemeClr val="accent1">
+              <a:shade val="50000"/>
+            </a:schemeClr>
+          </a:lnRef>
+          <a:fillRef idx="1">
+            <a:schemeClr val="accent1"/>
+          </a:fillRef>
+          <a:effectRef idx="0">
+            <a:schemeClr val="accent1"/>
+          </a:effectRef>
+          <a:fontRef idx="minor">
+            <a:schemeClr val="lt1"/>
+          </a:fontRef>
+        </p:style>
+        <p:txBody>
+          <a:bodyPr rtlCol="0" anchor="ctr"/>
+          <a:p>
+            <a:pPr algn="ctr"/>
+            <a:endParaRPr lang="en-US" sz="2000">
+              <a:cs typeface="+mn-lt"/>
+            </a:endParaRPr>
+          </a:p>
+        </p:txBody>
+      </p:sp>
+      <p:sp>
+        <p:nvSpPr>
+          <p:cNvPr id="18" name="Down Arrow 17"/>
+          <p:cNvSpPr/>
+          <p:nvPr/>
+        </p:nvSpPr>
+        <p:spPr>
+          <a:xfrm>
+            <a:off x="3188970" y="3355975"/>
+            <a:ext cx="271145" cy="198755"/>
+          </a:xfrm>
+          <a:prstGeom prst="downArrow">
+            <a:avLst/>
+          </a:prstGeom>
+          <a:solidFill>
+            <a:schemeClr val="accent1">
+              <a:lumMod val="40000"/>
+              <a:lumOff val="60000"/>
+            </a:schemeClr>
+          </a:solidFill>
+        </p:spPr>
+        <p:style>
+          <a:lnRef idx="2">
+            <a:schemeClr val="accent1">
+              <a:shade val="50000"/>
+            </a:schemeClr>
+          </a:lnRef>
+          <a:fillRef idx="1">
+            <a:schemeClr val="accent1"/>
+          </a:fillRef>
+          <a:effectRef idx="0">
+            <a:schemeClr val="accent1"/>
+          </a:effectRef>
+          <a:fontRef idx="minor">
+            <a:schemeClr val="lt1"/>
+          </a:fontRef>
+        </p:style>
+        <p:txBody>
+          <a:bodyPr rtlCol="0" anchor="ctr"/>
+          <a:p>
+            <a:pPr algn="ctr"/>
+            <a:endParaRPr lang="en-US" sz="2000">
+              <a:cs typeface="+mn-lt"/>
+            </a:endParaRPr>
+          </a:p>
+        </p:txBody>
+      </p:sp>
+      <p:sp>
+        <p:nvSpPr>
+          <p:cNvPr id="19" name="Down Arrow 18"/>
+          <p:cNvSpPr/>
+          <p:nvPr/>
+        </p:nvSpPr>
+        <p:spPr>
+          <a:xfrm>
+            <a:off x="3188970" y="4485640"/>
+            <a:ext cx="271145" cy="198755"/>
+          </a:xfrm>
+          <a:prstGeom prst="downArrow">
+            <a:avLst/>
+          </a:prstGeom>
+          <a:solidFill>
+            <a:schemeClr val="accent1">
+              <a:lumMod val="40000"/>
+              <a:lumOff val="60000"/>
+            </a:schemeClr>
+          </a:solidFill>
+        </p:spPr>
+        <p:style>
+          <a:lnRef idx="2">
+            <a:schemeClr val="accent1">
+              <a:shade val="50000"/>
+            </a:schemeClr>
+          </a:lnRef>
+          <a:fillRef idx="1">
+            <a:schemeClr val="accent1"/>
+          </a:fillRef>
+          <a:effectRef idx="0">
+            <a:schemeClr val="accent1"/>
+          </a:effectRef>
+          <a:fontRef idx="minor">
+            <a:schemeClr val="lt1"/>
+          </a:fontRef>
+        </p:style>
+        <p:txBody>
+          <a:bodyPr rtlCol="0" anchor="ctr"/>
+          <a:p>
+            <a:pPr algn="ctr"/>
+            <a:endParaRPr lang="en-US" sz="2000">
+              <a:cs typeface="+mn-lt"/>
+            </a:endParaRPr>
+          </a:p>
+        </p:txBody>
+      </p:sp>
+      <p:sp>
+        <p:nvSpPr>
+          <p:cNvPr id="20" name="Rounded Rectangle 19"/>
+          <p:cNvSpPr/>
+          <p:nvPr/>
+        </p:nvSpPr>
+        <p:spPr>
+          <a:xfrm>
+            <a:off x="1088390" y="2505075"/>
+            <a:ext cx="4471670" cy="779780"/>
+          </a:xfrm>
+          <a:prstGeom prst="roundRect">
+            <a:avLst/>
+          </a:prstGeom>
+          <a:solidFill>
+            <a:schemeClr val="accent1">
+              <a:lumMod val="20000"/>
+              <a:lumOff val="80000"/>
+            </a:schemeClr>
+          </a:solidFill>
+          <a:ln>
+            <a:solidFill>
+              <a:schemeClr val="accent1">
+                <a:lumMod val="75000"/>
+              </a:schemeClr>
+            </a:solidFill>
+          </a:ln>
+        </p:spPr>
+        <p:style>
+          <a:lnRef idx="2">
+            <a:schemeClr val="accent1">
+              <a:shade val="50000"/>
+            </a:schemeClr>
+          </a:lnRef>
+          <a:fillRef idx="1">
+            <a:schemeClr val="accent1"/>
+          </a:fillRef>
+          <a:effectRef idx="0">
+            <a:schemeClr val="accent1"/>
+          </a:effectRef>
+          <a:fontRef idx="minor">
+            <a:schemeClr val="lt1"/>
+          </a:fontRef>
+        </p:style>
+        <p:txBody>
+          <a:bodyPr rtlCol="0" anchor="ctr"/>
+          <a:p>
+            <a:pPr algn="ctr"/>
+            <a:r>
+              <a:rPr lang="es-ES_tradnl" altLang="en-US" sz="2000">
+                <a:solidFill>
+                  <a:srgbClr val="2E75B6"/>
+                </a:solidFill>
+                <a:cs typeface="+mn-lt"/>
+              </a:rPr>
+              <a:t>ESM2</a:t>
+            </a:r>
+            <a:endParaRPr lang="es-ES_tradnl" altLang="en-US" sz="2000">
+              <a:solidFill>
+                <a:srgbClr val="2E75B6"/>
+              </a:solidFill>
+              <a:cs typeface="+mn-lt"/>
+            </a:endParaRPr>
+          </a:p>
+        </p:txBody>
+      </p:sp>
+      <p:sp>
+        <p:nvSpPr>
+          <p:cNvPr id="21" name="Rounded Rectangle 20"/>
+          <p:cNvSpPr/>
+          <p:nvPr/>
+        </p:nvSpPr>
+        <p:spPr>
+          <a:xfrm>
+            <a:off x="1089025" y="1701165"/>
+            <a:ext cx="4472940" cy="451485"/>
+          </a:xfrm>
+          <a:prstGeom prst="roundRect">
+            <a:avLst/>
+          </a:prstGeom>
+          <a:solidFill>
+            <a:schemeClr val="accent1">
+              <a:lumMod val="20000"/>
+              <a:lumOff val="80000"/>
+            </a:schemeClr>
+          </a:solidFill>
+          <a:ln>
+            <a:solidFill>
+              <a:schemeClr val="accent1">
+                <a:lumMod val="75000"/>
+              </a:schemeClr>
+            </a:solidFill>
+          </a:ln>
+        </p:spPr>
+        <p:style>
+          <a:lnRef idx="2">
+            <a:schemeClr val="accent1">
+              <a:shade val="50000"/>
+            </a:schemeClr>
+          </a:lnRef>
+          <a:fillRef idx="1">
+            <a:schemeClr val="accent1"/>
+          </a:fillRef>
+          <a:effectRef idx="0">
+            <a:schemeClr val="accent1"/>
+          </a:effectRef>
+          <a:fontRef idx="minor">
+            <a:schemeClr val="lt1"/>
+          </a:fontRef>
+        </p:style>
+        <p:txBody>
+          <a:bodyPr rtlCol="0" anchor="ctr"/>
+          <a:p>
+            <a:pPr algn="ctr"/>
+            <a:r>
+              <a:rPr lang="es-ES_tradnl" altLang="en-US" sz="2000">
+                <a:solidFill>
+                  <a:srgbClr val="2E75B6"/>
+                </a:solidFill>
+                <a:cs typeface="+mn-lt"/>
+              </a:rPr>
+              <a:t>Concatenate - padding - tokenize</a:t>
+            </a:r>
+            <a:endParaRPr lang="es-ES_tradnl" altLang="en-US" sz="2000">
+              <a:solidFill>
+                <a:srgbClr val="2E75B6"/>
+              </a:solidFill>
+              <a:cs typeface="+mn-lt"/>
+            </a:endParaRPr>
+          </a:p>
+        </p:txBody>
+      </p:sp>
+    </p:spTree>
+  </p:cSld>
+  <p:clrMapOvr>
+    <a:masterClrMapping/>
+  </p:clrMapOvr>
+</p:sld>
+</file>
+
+<file path=ppt/slides/slide12.xml><?xml version="1.0" encoding="utf-8"?>
+<p:sld xmlns:a="http://schemas.openxmlformats.org/drawingml/2006/main" xmlns:r="http://schemas.openxmlformats.org/officeDocument/2006/relationships" xmlns:p="http://schemas.openxmlformats.org/presentationml/2006/main">
+  <p:cSld>
+    <p:spTree>
+      <p:nvGrpSpPr>
+        <p:cNvPr id="1" name=""/>
+        <p:cNvGrpSpPr/>
+        <p:nvPr/>
+      </p:nvGrpSpPr>
       <p:grpSpPr>
         <a:xfrm>
           <a:off x="0" y="0"/>
@@ -4838,6 +6353,79 @@
           </a:p>
         </p:txBody>
       </p:sp>
+    </p:spTree>
+  </p:cSld>
+  <p:clrMapOvr>
+    <a:masterClrMapping/>
+  </p:clrMapOvr>
+</p:sld>
+</file>
+
+<file path=ppt/slides/slide13.xml><?xml version="1.0" encoding="utf-8"?>
+<p:sld xmlns:a="http://schemas.openxmlformats.org/drawingml/2006/main" xmlns:r="http://schemas.openxmlformats.org/officeDocument/2006/relationships" xmlns:p="http://schemas.openxmlformats.org/presentationml/2006/main">
+  <p:cSld>
+    <p:spTree>
+      <p:nvGrpSpPr>
+        <p:cNvPr id="1" name=""/>
+        <p:cNvGrpSpPr/>
+        <p:nvPr/>
+      </p:nvGrpSpPr>
+      <p:grpSpPr>
+        <a:xfrm>
+          <a:off x="0" y="0"/>
+          <a:ext cx="0" cy="0"/>
+          <a:chOff x="0" y="0"/>
+          <a:chExt cx="0" cy="0"/>
+        </a:xfrm>
+      </p:grpSpPr>
+      <p:pic>
+        <p:nvPicPr>
+          <p:cNvPr id="2" name="Picture 1" descr="training_train_1train_2_train_3_"/>
+          <p:cNvPicPr>
+            <a:picLocks noChangeAspect="1"/>
+          </p:cNvPicPr>
+          <p:nvPr/>
+        </p:nvPicPr>
+        <p:blipFill>
+          <a:blip r:embed="rId1"/>
+          <a:stretch>
+            <a:fillRect/>
+          </a:stretch>
+        </p:blipFill>
+        <p:spPr>
+          <a:xfrm>
+            <a:off x="379730" y="882015"/>
+            <a:ext cx="5486400" cy="3657600"/>
+          </a:xfrm>
+          <a:prstGeom prst="rect">
+            <a:avLst/>
+          </a:prstGeom>
+        </p:spPr>
+      </p:pic>
+      <p:pic>
+        <p:nvPicPr>
+          <p:cNvPr id="4" name="Picture 3" descr="training_train_7train_8_train_9_"/>
+          <p:cNvPicPr>
+            <a:picLocks noChangeAspect="1"/>
+          </p:cNvPicPr>
+          <p:nvPr/>
+        </p:nvPicPr>
+        <p:blipFill>
+          <a:blip r:embed="rId2"/>
+          <a:stretch>
+            <a:fillRect/>
+          </a:stretch>
+        </p:blipFill>
+        <p:spPr>
+          <a:xfrm>
+            <a:off x="5794375" y="882015"/>
+            <a:ext cx="5486400" cy="3657600"/>
+          </a:xfrm>
+          <a:prstGeom prst="rect">
+            <a:avLst/>
+          </a:prstGeom>
+        </p:spPr>
+      </p:pic>
     </p:spTree>
   </p:cSld>
   <p:clrMapOvr>
@@ -5446,79 +7034,7 @@
         <p:cNvGrpSpPr/>
         <p:nvPr/>
       </p:nvGrpSpPr>
-      <p:grpSpPr>
-        <a:xfrm>
-          <a:off x="0" y="0"/>
-          <a:ext cx="0" cy="0"/>
-          <a:chOff x="0" y="0"/>
-          <a:chExt cx="0" cy="0"/>
-        </a:xfrm>
-      </p:grpSpPr>
-      <p:sp>
-        <p:nvSpPr>
-          <p:cNvPr id="2" name="Rounded Rectangle 1"/>
-          <p:cNvSpPr/>
-          <p:nvPr/>
-        </p:nvSpPr>
-        <p:spPr>
-          <a:xfrm>
-            <a:off x="1329055" y="1844675"/>
-            <a:ext cx="1981835" cy="1243965"/>
-          </a:xfrm>
-          <a:prstGeom prst="roundRect">
-            <a:avLst>
-              <a:gd name="adj" fmla="val 8659"/>
-            </a:avLst>
-          </a:prstGeom>
-          <a:solidFill>
-            <a:schemeClr val="bg1"/>
-          </a:solidFill>
-          <a:ln>
-            <a:solidFill>
-              <a:schemeClr val="tx1"/>
-            </a:solidFill>
-          </a:ln>
-        </p:spPr>
-        <p:style>
-          <a:lnRef idx="2">
-            <a:schemeClr val="accent1">
-              <a:shade val="50000"/>
-            </a:schemeClr>
-          </a:lnRef>
-          <a:fillRef idx="1">
-            <a:schemeClr val="accent1"/>
-          </a:fillRef>
-          <a:effectRef idx="0">
-            <a:schemeClr val="accent1"/>
-          </a:effectRef>
-          <a:fontRef idx="minor">
-            <a:schemeClr val="lt1"/>
-          </a:fontRef>
-        </p:style>
-        <p:txBody>
-          <a:bodyPr rtlCol="0" anchor="ctr"/>
-          <a:p>
-            <a:pPr algn="ctr"/>
-            <a:r>
-              <a:rPr lang="es-ES_tradnl" altLang="en-US" sz="1400">
-                <a:solidFill>
-                  <a:schemeClr val="tx1"/>
-                </a:solidFill>
-                <a:latin typeface="Tinos" panose="02020603050405020304" charset="0"/>
-                <a:cs typeface="Tinos" panose="02020603050405020304" charset="0"/>
-              </a:rPr>
-              <a:t>Eluted peptides  </a:t>
-            </a:r>
-            <a:endParaRPr lang="es-ES_tradnl" altLang="en-US" sz="1400">
-              <a:solidFill>
-                <a:schemeClr val="tx1"/>
-              </a:solidFill>
-              <a:latin typeface="Tinos" panose="02020603050405020304" charset="0"/>
-              <a:cs typeface="Tinos" panose="02020603050405020304" charset="0"/>
-            </a:endParaRPr>
-          </a:p>
-        </p:txBody>
-      </p:sp>
+      <p:grpSpPr/>
       <p:sp>
         <p:nvSpPr>
           <p:cNvPr id="4" name="Rounded Rectangle 3"/>
@@ -5527,22 +7043,13 @@
         </p:nvSpPr>
         <p:spPr>
           <a:xfrm>
-            <a:off x="3515995" y="1844675"/>
-            <a:ext cx="1981200" cy="1243965"/>
+            <a:off x="8371840" y="3146425"/>
+            <a:ext cx="2280285" cy="621665"/>
           </a:xfrm>
           <a:prstGeom prst="roundRect">
-            <a:avLst>
-              <a:gd name="adj" fmla="val 8659"/>
-            </a:avLst>
-          </a:prstGeom>
-          <a:solidFill>
-            <a:schemeClr val="bg1"/>
-          </a:solidFill>
-          <a:ln>
-            <a:solidFill>
-              <a:schemeClr val="tx1"/>
-            </a:solidFill>
-          </a:ln>
+            <a:avLst/>
+          </a:prstGeom>
+          <a:noFill/>
         </p:spPr>
         <p:style>
           <a:lnRef idx="2">
@@ -5565,147 +7072,16 @@
           <a:p>
             <a:pPr algn="ctr"/>
             <a:r>
-              <a:rPr lang="es-ES_tradnl" altLang="en-US" sz="1400">
-                <a:solidFill>
-                  <a:schemeClr val="tx1"/>
-                </a:solidFill>
-                <a:latin typeface="Tinos" panose="02020603050405020304" charset="0"/>
-                <a:cs typeface="Tinos" panose="02020603050405020304" charset="0"/>
-              </a:rPr>
-              <a:t>pMHC binding and presentation</a:t>
-            </a:r>
-            <a:endParaRPr lang="es-ES_tradnl" altLang="en-US" sz="1400">
-              <a:solidFill>
-                <a:schemeClr val="tx1"/>
-              </a:solidFill>
-              <a:latin typeface="Tinos" panose="02020603050405020304" charset="0"/>
-              <a:cs typeface="Tinos" panose="02020603050405020304" charset="0"/>
-            </a:endParaRPr>
-          </a:p>
-        </p:txBody>
-      </p:sp>
-      <p:sp>
-        <p:nvSpPr>
-          <p:cNvPr id="5" name="Rounded Rectangle 4"/>
-          <p:cNvSpPr/>
-          <p:nvPr/>
-        </p:nvSpPr>
-        <p:spPr>
-          <a:xfrm>
-            <a:off x="5687060" y="1845310"/>
-            <a:ext cx="1980565" cy="1243330"/>
-          </a:xfrm>
-          <a:prstGeom prst="roundRect">
-            <a:avLst>
-              <a:gd name="adj" fmla="val 8659"/>
-            </a:avLst>
-          </a:prstGeom>
-          <a:solidFill>
-            <a:schemeClr val="bg1"/>
-          </a:solidFill>
-          <a:ln>
-            <a:solidFill>
-              <a:schemeClr val="tx1"/>
-            </a:solidFill>
-          </a:ln>
-        </p:spPr>
-        <p:style>
-          <a:lnRef idx="2">
-            <a:schemeClr val="accent1">
-              <a:shade val="50000"/>
-            </a:schemeClr>
-          </a:lnRef>
-          <a:fillRef idx="1">
-            <a:schemeClr val="accent1"/>
-          </a:fillRef>
-          <a:effectRef idx="0">
-            <a:schemeClr val="accent1"/>
-          </a:effectRef>
-          <a:fontRef idx="minor">
-            <a:schemeClr val="lt1"/>
-          </a:fontRef>
-        </p:style>
-        <p:txBody>
-          <a:bodyPr rtlCol="0" anchor="ctr"/>
-          <a:p>
-            <a:pPr algn="ctr"/>
-            <a:r>
-              <a:rPr lang="es-ES_tradnl" altLang="en-US" sz="1400">
-                <a:solidFill>
-                  <a:schemeClr val="tx1"/>
-                </a:solidFill>
-                <a:latin typeface="Tinos" panose="02020603050405020304" charset="0"/>
-                <a:cs typeface="Tinos" panose="02020603050405020304" charset="0"/>
-              </a:rPr>
-              <a:t>pMHC interaction with TCR</a:t>
-            </a:r>
-            <a:endParaRPr lang="es-ES_tradnl" altLang="en-US" sz="1400">
-              <a:solidFill>
-                <a:schemeClr val="tx1"/>
-              </a:solidFill>
-              <a:latin typeface="Tinos" panose="02020603050405020304" charset="0"/>
-              <a:cs typeface="Tinos" panose="02020603050405020304" charset="0"/>
-            </a:endParaRPr>
-          </a:p>
-        </p:txBody>
-      </p:sp>
-      <p:sp>
-        <p:nvSpPr>
-          <p:cNvPr id="11" name="Rounded Rectangle 10"/>
-          <p:cNvSpPr/>
-          <p:nvPr/>
-        </p:nvSpPr>
-        <p:spPr>
-          <a:xfrm>
-            <a:off x="1337310" y="1844675"/>
-            <a:ext cx="1981835" cy="1243965"/>
-          </a:xfrm>
-          <a:prstGeom prst="roundRect">
-            <a:avLst>
-              <a:gd name="adj" fmla="val 8659"/>
-            </a:avLst>
-          </a:prstGeom>
-          <a:solidFill>
-            <a:schemeClr val="bg1"/>
-          </a:solidFill>
-          <a:ln w="28575" cmpd="sng">
-            <a:solidFill>
-              <a:srgbClr val="5B9BD5"/>
-            </a:solidFill>
-            <a:prstDash val="solid"/>
-          </a:ln>
-        </p:spPr>
-        <p:style>
-          <a:lnRef idx="2">
-            <a:schemeClr val="accent1">
-              <a:shade val="50000"/>
-            </a:schemeClr>
-          </a:lnRef>
-          <a:fillRef idx="1">
-            <a:schemeClr val="accent1"/>
-          </a:fillRef>
-          <a:effectRef idx="0">
-            <a:schemeClr val="accent1"/>
-          </a:effectRef>
-          <a:fontRef idx="minor">
-            <a:schemeClr val="lt1"/>
-          </a:fontRef>
-        </p:style>
-        <p:txBody>
-          <a:bodyPr rtlCol="0" anchor="ctr"/>
-          <a:p>
-            <a:pPr algn="ctr"/>
-            <a:r>
-              <a:rPr lang="es-ES_tradnl" altLang="en-US" b="1">
+              <a:rPr lang="es-ES_tradnl" altLang="en-US" sz="2200">
                 <a:solidFill>
                   <a:srgbClr val="41719C"/>
                 </a:solidFill>
                 <a:latin typeface="Tinos" panose="02020603050405020304" charset="0"/>
                 <a:cs typeface="Tinos" panose="02020603050405020304" charset="0"/>
               </a:rPr>
-              <a:t>Stage 1.</a:t>
-            </a:r>
-            <a:endParaRPr lang="es-ES_tradnl" altLang="en-US">
+              <a:t>0 / 1</a:t>
+            </a:r>
+            <a:endParaRPr lang="es-ES_tradnl" altLang="en-US" sz="2200">
               <a:solidFill>
                 <a:srgbClr val="41719C"/>
               </a:solidFill>
@@ -5713,19 +7089,55 @@
               <a:cs typeface="Tinos" panose="02020603050405020304" charset="0"/>
             </a:endParaRPr>
           </a:p>
-          <a:p>
-            <a:pPr algn="ctr"/>
-            <a:r>
-              <a:rPr lang="es-ES_tradnl" altLang="en-US">
+        </p:txBody>
+      </p:sp>
+      <p:sp>
+        <p:nvSpPr>
+          <p:cNvPr id="5" name="Rounded Rectangle 4"/>
+          <p:cNvSpPr/>
+          <p:nvPr/>
+        </p:nvSpPr>
+        <p:spPr>
+          <a:xfrm>
+            <a:off x="1224280" y="3735705"/>
+            <a:ext cx="2633345" cy="1046480"/>
+          </a:xfrm>
+          <a:prstGeom prst="roundRect">
+            <a:avLst/>
+          </a:prstGeom>
+          <a:noFill/>
+        </p:spPr>
+        <p:style>
+          <a:lnRef idx="2">
+            <a:schemeClr val="accent1">
+              <a:shade val="50000"/>
+            </a:schemeClr>
+          </a:lnRef>
+          <a:fillRef idx="1">
+            <a:schemeClr val="accent1"/>
+          </a:fillRef>
+          <a:effectRef idx="0">
+            <a:schemeClr val="accent1"/>
+          </a:effectRef>
+          <a:fontRef idx="minor">
+            <a:schemeClr val="lt1"/>
+          </a:fontRef>
+        </p:style>
+        <p:txBody>
+          <a:bodyPr rtlCol="0" anchor="ctr"/>
+          <a:p>
+            <a:pPr algn="ctr"/>
+            <a:r>
+              <a:rPr lang="es-ES_tradnl" altLang="en-US" sz="2200">
                 <a:solidFill>
                   <a:srgbClr val="41719C"/>
                 </a:solidFill>
                 <a:latin typeface="Tinos" panose="02020603050405020304" charset="0"/>
                 <a:cs typeface="Tinos" panose="02020603050405020304" charset="0"/>
               </a:rPr>
-              <a:t>Prediction of peptides from mutations  </a:t>
-            </a:r>
-            <a:endParaRPr lang="es-ES_tradnl" altLang="en-US">
+              <a:t>YNYHQRXFATVLHSLYFGLTYYAVRTETVHLETT</a:t>
+            </a:r>
+            <a:endParaRPr lang="es-ES_tradnl" altLang="en-US" sz="2200">
               <a:solidFill>
                 <a:srgbClr val="41719C"/>
               </a:solidFill>
@@ -5737,29 +7149,89 @@
       </p:sp>
       <p:sp>
         <p:nvSpPr>
-          <p:cNvPr id="12" name="Rounded Rectangle 11"/>
+          <p:cNvPr id="6" name="Text Box 5"/>
+          <p:cNvSpPr txBox="1"/>
+          <p:nvPr/>
+        </p:nvSpPr>
+        <p:spPr>
+          <a:xfrm>
+            <a:off x="1980565" y="2012950"/>
+            <a:ext cx="1121410" cy="429895"/>
+          </a:xfrm>
+          <a:prstGeom prst="rect">
+            <a:avLst/>
+          </a:prstGeom>
+          <a:noFill/>
+        </p:spPr>
+        <p:txBody>
+          <a:bodyPr wrap="square" rtlCol="0">
+            <a:spAutoFit/>
+          </a:bodyPr>
+          <a:p>
+            <a:r>
+              <a:rPr lang="es-ES_tradnl" altLang="en-US" sz="2200">
+                <a:latin typeface="Tinos" panose="02020603050405020304" charset="0"/>
+                <a:cs typeface="Tinos" panose="02020603050405020304" charset="0"/>
+              </a:rPr>
+              <a:t>peptide</a:t>
+            </a:r>
+            <a:endParaRPr lang="es-ES_tradnl" altLang="en-US" sz="2200">
+              <a:latin typeface="Tinos" panose="02020603050405020304" charset="0"/>
+              <a:cs typeface="Tinos" panose="02020603050405020304" charset="0"/>
+            </a:endParaRPr>
+          </a:p>
+        </p:txBody>
+      </p:sp>
+      <p:sp>
+        <p:nvSpPr>
+          <p:cNvPr id="7" name="Text Box 6"/>
+          <p:cNvSpPr txBox="1"/>
+          <p:nvPr/>
+        </p:nvSpPr>
+        <p:spPr>
+          <a:xfrm>
+            <a:off x="2150110" y="3305810"/>
+            <a:ext cx="782320" cy="429895"/>
+          </a:xfrm>
+          <a:prstGeom prst="rect">
+            <a:avLst/>
+          </a:prstGeom>
+          <a:noFill/>
+        </p:spPr>
+        <p:txBody>
+          <a:bodyPr wrap="square" rtlCol="0">
+            <a:spAutoFit/>
+          </a:bodyPr>
+          <a:p>
+            <a:r>
+              <a:rPr lang="es-ES_tradnl" altLang="en-US" sz="2200">
+                <a:latin typeface="Tinos" panose="02020603050405020304" charset="0"/>
+                <a:cs typeface="Tinos" panose="02020603050405020304" charset="0"/>
+              </a:rPr>
+              <a:t>mhc</a:t>
+            </a:r>
+            <a:endParaRPr lang="es-ES_tradnl" altLang="en-US" sz="2200">
+              <a:latin typeface="Tinos" panose="02020603050405020304" charset="0"/>
+              <a:cs typeface="Tinos" panose="02020603050405020304" charset="0"/>
+            </a:endParaRPr>
+          </a:p>
+        </p:txBody>
+      </p:sp>
+      <p:sp>
+        <p:nvSpPr>
+          <p:cNvPr id="8" name="Rounded Rectangle 7"/>
           <p:cNvSpPr/>
           <p:nvPr/>
         </p:nvSpPr>
         <p:spPr>
           <a:xfrm>
-            <a:off x="3524250" y="1844675"/>
-            <a:ext cx="1981200" cy="1243965"/>
+            <a:off x="4569460" y="2132965"/>
+            <a:ext cx="3081020" cy="2649220"/>
           </a:xfrm>
           <a:prstGeom prst="roundRect">
-            <a:avLst>
-              <a:gd name="adj" fmla="val 8659"/>
-            </a:avLst>
-          </a:prstGeom>
-          <a:solidFill>
-            <a:schemeClr val="bg1"/>
-          </a:solidFill>
-          <a:ln w="28575" cmpd="sng">
-            <a:solidFill>
-              <a:srgbClr val="5B9BD5"/>
-            </a:solidFill>
-            <a:prstDash val="solid"/>
-          </a:ln>
+            <a:avLst/>
+          </a:prstGeom>
+          <a:noFill/>
         </p:spPr>
         <p:style>
           <a:lnRef idx="2">
@@ -5781,17 +7253,63 @@
           <a:bodyPr rtlCol="0" anchor="ctr"/>
           <a:p>
             <a:pPr algn="ctr"/>
-            <a:r>
-              <a:rPr lang="es-ES_tradnl" altLang="en-US" b="1">
+            <a:endParaRPr lang="es-ES_tradnl" altLang="en-US" sz="2200">
+              <a:solidFill>
+                <a:srgbClr val="41719C"/>
+              </a:solidFill>
+              <a:latin typeface="Tinos" panose="02020603050405020304" charset="0"/>
+              <a:cs typeface="Tinos" panose="02020603050405020304" charset="0"/>
+            </a:endParaRPr>
+          </a:p>
+        </p:txBody>
+      </p:sp>
+      <p:sp>
+        <p:nvSpPr>
+          <p:cNvPr id="9" name="Rounded Rectangle 8"/>
+          <p:cNvSpPr/>
+          <p:nvPr/>
+        </p:nvSpPr>
+        <p:spPr>
+          <a:xfrm>
+            <a:off x="1224280" y="2450465"/>
+            <a:ext cx="2633980" cy="708025"/>
+          </a:xfrm>
+          <a:prstGeom prst="roundRect">
+            <a:avLst/>
+          </a:prstGeom>
+          <a:noFill/>
+        </p:spPr>
+        <p:style>
+          <a:lnRef idx="2">
+            <a:schemeClr val="accent1">
+              <a:shade val="50000"/>
+            </a:schemeClr>
+          </a:lnRef>
+          <a:fillRef idx="1">
+            <a:schemeClr val="accent1"/>
+          </a:fillRef>
+          <a:effectRef idx="0">
+            <a:schemeClr val="accent1"/>
+          </a:effectRef>
+          <a:fontRef idx="minor">
+            <a:schemeClr val="lt1"/>
+          </a:fontRef>
+        </p:style>
+        <p:txBody>
+          <a:bodyPr rtlCol="0" anchor="ctr"/>
+          <a:p>
+            <a:pPr algn="ctr"/>
+            <a:r>
+              <a:rPr lang="es-ES_tradnl" altLang="en-US" sz="2200">
                 <a:solidFill>
                   <a:srgbClr val="41719C"/>
                 </a:solidFill>
                 <a:latin typeface="Tinos" panose="02020603050405020304" charset="0"/>
                 <a:cs typeface="Tinos" panose="02020603050405020304" charset="0"/>
               </a:rPr>
-              <a:t>Stage 2.</a:t>
-            </a:r>
-            <a:endParaRPr lang="es-ES_tradnl" altLang="en-US">
+              <a:t>VGINTRNMTMSMSMI</a:t>
+            </a:r>
+            <a:endParaRPr lang="es-ES_tradnl" altLang="en-US" sz="2200">
               <a:solidFill>
                 <a:srgbClr val="41719C"/>
               </a:solidFill>
@@ -5799,22 +7317,37 @@
               <a:cs typeface="Tinos" panose="02020603050405020304" charset="0"/>
             </a:endParaRPr>
           </a:p>
-          <a:p>
-            <a:pPr algn="ctr"/>
-            <a:r>
-              <a:rPr lang="es-ES_tradnl" altLang="en-US">
-                <a:solidFill>
-                  <a:srgbClr val="41719C"/>
-                </a:solidFill>
+        </p:txBody>
+      </p:sp>
+      <p:sp>
+        <p:nvSpPr>
+          <p:cNvPr id="10" name="Text Box 9"/>
+          <p:cNvSpPr txBox="1"/>
+          <p:nvPr/>
+        </p:nvSpPr>
+        <p:spPr>
+          <a:xfrm>
+            <a:off x="8362315" y="2668905"/>
+            <a:ext cx="2238375" cy="429895"/>
+          </a:xfrm>
+          <a:prstGeom prst="rect">
+            <a:avLst/>
+          </a:prstGeom>
+          <a:noFill/>
+        </p:spPr>
+        <p:txBody>
+          <a:bodyPr wrap="none" rtlCol="0">
+            <a:spAutoFit/>
+          </a:bodyPr>
+          <a:p>
+            <a:r>
+              <a:rPr lang="es-ES_tradnl" altLang="en-US" sz="2200">
                 <a:latin typeface="Tinos" panose="02020603050405020304" charset="0"/>
                 <a:cs typeface="Tinos" panose="02020603050405020304" charset="0"/>
               </a:rPr>
-              <a:t>Prediction of pMHC binding and presentation</a:t>
-            </a:r>
-            <a:endParaRPr lang="es-ES_tradnl" altLang="en-US">
-              <a:solidFill>
-                <a:srgbClr val="41719C"/>
-              </a:solidFill>
+              <a:t>binding prediction</a:t>
+            </a:r>
+            <a:endParaRPr lang="es-ES_tradnl" altLang="en-US" sz="2200">
               <a:latin typeface="Tinos" panose="02020603050405020304" charset="0"/>
               <a:cs typeface="Tinos" panose="02020603050405020304" charset="0"/>
             </a:endParaRPr>
@@ -5823,29 +7356,138 @@
       </p:sp>
       <p:sp>
         <p:nvSpPr>
-          <p:cNvPr id="16" name="Rounded Rectangle 15"/>
+          <p:cNvPr id="11" name="Right Arrow 10"/>
           <p:cNvSpPr/>
           <p:nvPr/>
         </p:nvSpPr>
         <p:spPr>
           <a:xfrm>
-            <a:off x="5695315" y="1845310"/>
-            <a:ext cx="1980565" cy="1243330"/>
+            <a:off x="4090670" y="2668905"/>
+            <a:ext cx="318770" cy="270510"/>
+          </a:xfrm>
+          <a:prstGeom prst="rightArrow">
+            <a:avLst/>
+          </a:prstGeom>
+          <a:noFill/>
+        </p:spPr>
+        <p:style>
+          <a:lnRef idx="2">
+            <a:schemeClr val="accent1">
+              <a:shade val="50000"/>
+            </a:schemeClr>
+          </a:lnRef>
+          <a:fillRef idx="1">
+            <a:schemeClr val="accent1"/>
+          </a:fillRef>
+          <a:effectRef idx="0">
+            <a:schemeClr val="accent1"/>
+          </a:effectRef>
+          <a:fontRef idx="minor">
+            <a:schemeClr val="lt1"/>
+          </a:fontRef>
+        </p:style>
+        <p:txBody>
+          <a:bodyPr rtlCol="0" anchor="ctr"/>
+          <a:p>
+            <a:pPr algn="ctr"/>
+            <a:endParaRPr lang="en-US" sz="2200"/>
+          </a:p>
+        </p:txBody>
+      </p:sp>
+      <p:sp>
+        <p:nvSpPr>
+          <p:cNvPr id="12" name="Right Arrow 11"/>
+          <p:cNvSpPr/>
+          <p:nvPr/>
+        </p:nvSpPr>
+        <p:spPr>
+          <a:xfrm>
+            <a:off x="4090670" y="4123690"/>
+            <a:ext cx="318770" cy="270510"/>
+          </a:xfrm>
+          <a:prstGeom prst="rightArrow">
+            <a:avLst/>
+          </a:prstGeom>
+          <a:noFill/>
+        </p:spPr>
+        <p:style>
+          <a:lnRef idx="2">
+            <a:schemeClr val="accent1">
+              <a:shade val="50000"/>
+            </a:schemeClr>
+          </a:lnRef>
+          <a:fillRef idx="1">
+            <a:schemeClr val="accent1"/>
+          </a:fillRef>
+          <a:effectRef idx="0">
+            <a:schemeClr val="accent1"/>
+          </a:effectRef>
+          <a:fontRef idx="minor">
+            <a:schemeClr val="lt1"/>
+          </a:fontRef>
+        </p:style>
+        <p:txBody>
+          <a:bodyPr rtlCol="0" anchor="ctr"/>
+          <a:p>
+            <a:pPr algn="ctr"/>
+            <a:endParaRPr lang="en-US" sz="2200"/>
+          </a:p>
+        </p:txBody>
+      </p:sp>
+      <p:sp>
+        <p:nvSpPr>
+          <p:cNvPr id="13" name="Right Arrow 12"/>
+          <p:cNvSpPr/>
+          <p:nvPr/>
+        </p:nvSpPr>
+        <p:spPr>
+          <a:xfrm>
+            <a:off x="7901940" y="3293745"/>
+            <a:ext cx="318770" cy="270510"/>
+          </a:xfrm>
+          <a:prstGeom prst="rightArrow">
+            <a:avLst/>
+          </a:prstGeom>
+          <a:noFill/>
+        </p:spPr>
+        <p:style>
+          <a:lnRef idx="2">
+            <a:schemeClr val="accent1">
+              <a:shade val="50000"/>
+            </a:schemeClr>
+          </a:lnRef>
+          <a:fillRef idx="1">
+            <a:schemeClr val="accent1"/>
+          </a:fillRef>
+          <a:effectRef idx="0">
+            <a:schemeClr val="accent1"/>
+          </a:effectRef>
+          <a:fontRef idx="minor">
+            <a:schemeClr val="lt1"/>
+          </a:fontRef>
+        </p:style>
+        <p:txBody>
+          <a:bodyPr rtlCol="0" anchor="ctr"/>
+          <a:p>
+            <a:pPr algn="ctr"/>
+            <a:endParaRPr lang="en-US" sz="2200"/>
+          </a:p>
+        </p:txBody>
+      </p:sp>
+      <p:sp>
+        <p:nvSpPr>
+          <p:cNvPr id="2" name="Rounded Rectangle 1"/>
+          <p:cNvSpPr/>
+          <p:nvPr/>
+        </p:nvSpPr>
+        <p:spPr>
+          <a:xfrm>
+            <a:off x="4755515" y="2757805"/>
+            <a:ext cx="1186180" cy="1342390"/>
           </a:xfrm>
           <a:prstGeom prst="roundRect">
-            <a:avLst>
-              <a:gd name="adj" fmla="val 8659"/>
-            </a:avLst>
-          </a:prstGeom>
-          <a:solidFill>
-            <a:schemeClr val="bg1"/>
-          </a:solidFill>
-          <a:ln w="28575" cmpd="sng">
-            <a:solidFill>
-              <a:srgbClr val="5B9BD5"/>
-            </a:solidFill>
-            <a:prstDash val="solid"/>
-          </a:ln>
+            <a:avLst/>
+          </a:prstGeom>
         </p:spPr>
         <p:style>
           <a:lnRef idx="2">
@@ -5868,42 +7510,93 @@
           <a:p>
             <a:pPr algn="ctr"/>
             <a:r>
-              <a:rPr lang="es-ES_tradnl" altLang="en-US" b="1">
-                <a:solidFill>
-                  <a:srgbClr val="41719C"/>
-                </a:solidFill>
-                <a:latin typeface="Tinos" panose="02020603050405020304" charset="0"/>
-                <a:cs typeface="Tinos" panose="02020603050405020304" charset="0"/>
-              </a:rPr>
-              <a:t>Stage 3.</a:t>
-            </a:r>
-            <a:endParaRPr lang="es-ES_tradnl" altLang="en-US">
-              <a:solidFill>
-                <a:srgbClr val="41719C"/>
-              </a:solidFill>
-              <a:latin typeface="Tinos" panose="02020603050405020304" charset="0"/>
-              <a:cs typeface="Tinos" panose="02020603050405020304" charset="0"/>
-            </a:endParaRPr>
-          </a:p>
-          <a:p>
-            <a:pPr algn="ctr"/>
-            <a:r>
-              <a:rPr lang="es-ES_tradnl" altLang="en-US">
-                <a:solidFill>
-                  <a:srgbClr val="41719C"/>
-                </a:solidFill>
-                <a:latin typeface="Tinos" panose="02020603050405020304" charset="0"/>
-                <a:cs typeface="Tinos" panose="02020603050405020304" charset="0"/>
-              </a:rPr>
-              <a:t>Prediction of pMHC interaction with TCR</a:t>
-            </a:r>
-            <a:endParaRPr lang="es-ES_tradnl" altLang="en-US">
-              <a:solidFill>
-                <a:srgbClr val="41719C"/>
-              </a:solidFill>
-              <a:latin typeface="Tinos" panose="02020603050405020304" charset="0"/>
-              <a:cs typeface="Tinos" panose="02020603050405020304" charset="0"/>
-            </a:endParaRPr>
+              <a:rPr lang="es-ES_tradnl" altLang="en-US"/>
+              <a:t>BERT</a:t>
+            </a:r>
+            <a:endParaRPr lang="es-ES_tradnl" altLang="en-US"/>
+          </a:p>
+        </p:txBody>
+      </p:sp>
+      <p:sp>
+        <p:nvSpPr>
+          <p:cNvPr id="3" name="Rounded Rectangle 2"/>
+          <p:cNvSpPr/>
+          <p:nvPr/>
+        </p:nvSpPr>
+        <p:spPr>
+          <a:xfrm>
+            <a:off x="6287770" y="2757805"/>
+            <a:ext cx="1186180" cy="1342390"/>
+          </a:xfrm>
+          <a:prstGeom prst="roundRect">
+            <a:avLst/>
+          </a:prstGeom>
+        </p:spPr>
+        <p:style>
+          <a:lnRef idx="2">
+            <a:schemeClr val="accent1">
+              <a:shade val="50000"/>
+            </a:schemeClr>
+          </a:lnRef>
+          <a:fillRef idx="1">
+            <a:schemeClr val="accent1"/>
+          </a:fillRef>
+          <a:effectRef idx="0">
+            <a:schemeClr val="accent1"/>
+          </a:effectRef>
+          <a:fontRef idx="minor">
+            <a:schemeClr val="lt1"/>
+          </a:fontRef>
+        </p:style>
+        <p:txBody>
+          <a:bodyPr rtlCol="0" anchor="ctr"/>
+          <a:p>
+            <a:pPr algn="ctr"/>
+            <a:r>
+              <a:rPr lang="es-ES_tradnl" altLang="en-US"/>
+              <a:t>Final Layers</a:t>
+            </a:r>
+            <a:endParaRPr lang="es-ES_tradnl" altLang="en-US"/>
+          </a:p>
+        </p:txBody>
+      </p:sp>
+      <p:sp>
+        <p:nvSpPr>
+          <p:cNvPr id="14" name="Right Arrow 13"/>
+          <p:cNvSpPr/>
+          <p:nvPr/>
+        </p:nvSpPr>
+        <p:spPr>
+          <a:xfrm>
+            <a:off x="5999480" y="3322320"/>
+            <a:ext cx="229870" cy="270510"/>
+          </a:xfrm>
+          <a:prstGeom prst="rightArrow">
+            <a:avLst/>
+          </a:prstGeom>
+          <a:noFill/>
+        </p:spPr>
+        <p:style>
+          <a:lnRef idx="2">
+            <a:schemeClr val="accent1">
+              <a:shade val="50000"/>
+            </a:schemeClr>
+          </a:lnRef>
+          <a:fillRef idx="1">
+            <a:schemeClr val="accent1"/>
+          </a:fillRef>
+          <a:effectRef idx="0">
+            <a:schemeClr val="accent1"/>
+          </a:effectRef>
+          <a:fontRef idx="minor">
+            <a:schemeClr val="lt1"/>
+          </a:fontRef>
+        </p:style>
+        <p:txBody>
+          <a:bodyPr rtlCol="0" anchor="ctr"/>
+          <a:p>
+            <a:pPr algn="ctr"/>
+            <a:endParaRPr lang="en-US" sz="2200"/>
           </a:p>
         </p:txBody>
       </p:sp>
@@ -5934,22 +7627,26 @@
       </p:grpSpPr>
       <p:sp>
         <p:nvSpPr>
-          <p:cNvPr id="3" name="Rounded Rectangle 2"/>
+          <p:cNvPr id="2" name="Rounded Rectangle 1"/>
           <p:cNvSpPr/>
           <p:nvPr/>
         </p:nvSpPr>
         <p:spPr>
           <a:xfrm>
-            <a:off x="445770" y="3268345"/>
-            <a:ext cx="2010410" cy="693420"/>
+            <a:off x="1329055" y="1844675"/>
+            <a:ext cx="1981835" cy="1243965"/>
           </a:xfrm>
           <a:prstGeom prst="roundRect">
-            <a:avLst/>
-          </a:prstGeom>
-          <a:noFill/>
+            <a:avLst>
+              <a:gd name="adj" fmla="val 8659"/>
+            </a:avLst>
+          </a:prstGeom>
+          <a:solidFill>
+            <a:schemeClr val="bg1"/>
+          </a:solidFill>
           <a:ln>
             <a:solidFill>
-              <a:srgbClr val="202020"/>
+              <a:schemeClr val="tx1"/>
             </a:solidFill>
           </a:ln>
         </p:spPr>
@@ -5974,17 +7671,21 @@
           <a:p>
             <a:pPr algn="ctr"/>
             <a:r>
-              <a:rPr lang="en-US">
+              <a:rPr lang="es-ES_tradnl" altLang="en-US" sz="1400">
                 <a:solidFill>
                   <a:schemeClr val="tx1"/>
                 </a:solidFill>
+                <a:latin typeface="Tinos" panose="02020603050405020304" charset="0"/>
+                <a:cs typeface="Tinos" panose="02020603050405020304" charset="0"/>
               </a:rPr>
-              <a:t>KVDAGKLHY</a:t>
-            </a:r>
-            <a:endParaRPr lang="en-US">
+              <a:t>Eluted peptides  </a:t>
+            </a:r>
+            <a:endParaRPr lang="es-ES_tradnl" altLang="en-US" sz="1400">
               <a:solidFill>
                 <a:schemeClr val="tx1"/>
               </a:solidFill>
+              <a:latin typeface="Tinos" panose="02020603050405020304" charset="0"/>
+              <a:cs typeface="Tinos" panose="02020603050405020304" charset="0"/>
             </a:endParaRPr>
           </a:p>
         </p:txBody>
@@ -5997,16 +7698,20 @@
         </p:nvSpPr>
         <p:spPr>
           <a:xfrm>
-            <a:off x="2989580" y="3268345"/>
-            <a:ext cx="2010410" cy="693420"/>
+            <a:off x="3515995" y="1844675"/>
+            <a:ext cx="1981200" cy="1243965"/>
           </a:xfrm>
           <a:prstGeom prst="roundRect">
-            <a:avLst/>
-          </a:prstGeom>
-          <a:noFill/>
+            <a:avLst>
+              <a:gd name="adj" fmla="val 8659"/>
+            </a:avLst>
+          </a:prstGeom>
+          <a:solidFill>
+            <a:schemeClr val="bg1"/>
+          </a:solidFill>
           <a:ln>
             <a:solidFill>
-              <a:srgbClr val="202020"/>
+              <a:schemeClr val="tx1"/>
             </a:solidFill>
           </a:ln>
         </p:spPr>
@@ -6031,167 +7736,114 @@
           <a:p>
             <a:pPr algn="ctr"/>
             <a:r>
-              <a:rPr lang="en-US">
+              <a:rPr lang="es-ES_tradnl" altLang="en-US" sz="1400">
                 <a:solidFill>
                   <a:schemeClr val="tx1"/>
                 </a:solidFill>
+                <a:latin typeface="Tinos" panose="02020603050405020304" charset="0"/>
+                <a:cs typeface="Tinos" panose="02020603050405020304" charset="0"/>
               </a:rPr>
-              <a:t>KVDA</a:t>
-            </a:r>
-            <a:r>
-              <a:rPr lang="es-ES_tradnl" altLang="en-US">
+              <a:t>pMHC binding and presentation</a:t>
+            </a:r>
+            <a:endParaRPr lang="es-ES_tradnl" altLang="en-US" sz="1400">
+              <a:solidFill>
+                <a:schemeClr val="tx1"/>
+              </a:solidFill>
+              <a:latin typeface="Tinos" panose="02020603050405020304" charset="0"/>
+              <a:cs typeface="Tinos" panose="02020603050405020304" charset="0"/>
+            </a:endParaRPr>
+          </a:p>
+        </p:txBody>
+      </p:sp>
+      <p:sp>
+        <p:nvSpPr>
+          <p:cNvPr id="5" name="Rounded Rectangle 4"/>
+          <p:cNvSpPr/>
+          <p:nvPr/>
+        </p:nvSpPr>
+        <p:spPr>
+          <a:xfrm>
+            <a:off x="5687060" y="1845310"/>
+            <a:ext cx="1980565" cy="1243330"/>
+          </a:xfrm>
+          <a:prstGeom prst="roundRect">
+            <a:avLst>
+              <a:gd name="adj" fmla="val 8659"/>
+            </a:avLst>
+          </a:prstGeom>
+          <a:solidFill>
+            <a:schemeClr val="bg1"/>
+          </a:solidFill>
+          <a:ln>
+            <a:solidFill>
+              <a:schemeClr val="tx1"/>
+            </a:solidFill>
+          </a:ln>
+        </p:spPr>
+        <p:style>
+          <a:lnRef idx="2">
+            <a:schemeClr val="accent1">
+              <a:shade val="50000"/>
+            </a:schemeClr>
+          </a:lnRef>
+          <a:fillRef idx="1">
+            <a:schemeClr val="accent1"/>
+          </a:fillRef>
+          <a:effectRef idx="0">
+            <a:schemeClr val="accent1"/>
+          </a:effectRef>
+          <a:fontRef idx="minor">
+            <a:schemeClr val="lt1"/>
+          </a:fontRef>
+        </p:style>
+        <p:txBody>
+          <a:bodyPr rtlCol="0" anchor="ctr"/>
+          <a:p>
+            <a:pPr algn="ctr"/>
+            <a:r>
+              <a:rPr lang="es-ES_tradnl" altLang="en-US" sz="1400">
                 <a:solidFill>
                   <a:schemeClr val="tx1"/>
                 </a:solidFill>
+                <a:latin typeface="Tinos" panose="02020603050405020304" charset="0"/>
+                <a:cs typeface="Tinos" panose="02020603050405020304" charset="0"/>
               </a:rPr>
-              <a:t>ZZ</a:t>
-            </a:r>
-            <a:r>
-              <a:rPr lang="en-US">
-                <a:solidFill>
-                  <a:schemeClr val="tx1"/>
-                </a:solidFill>
-              </a:rPr>
-              <a:t>GKLHY</a:t>
-            </a:r>
-            <a:endParaRPr lang="en-US">
+              <a:t>pMHC interaction with TCR</a:t>
+            </a:r>
+            <a:endParaRPr lang="es-ES_tradnl" altLang="en-US" sz="1400">
               <a:solidFill>
                 <a:schemeClr val="tx1"/>
               </a:solidFill>
+              <a:latin typeface="Tinos" panose="02020603050405020304" charset="0"/>
+              <a:cs typeface="Tinos" panose="02020603050405020304" charset="0"/>
             </a:endParaRPr>
           </a:p>
         </p:txBody>
       </p:sp>
-      <p:pic>
-        <p:nvPicPr>
-          <p:cNvPr id="7" name="Picture 6"/>
-          <p:cNvPicPr>
-            <a:picLocks noChangeAspect="1"/>
-          </p:cNvPicPr>
-          <p:nvPr/>
-        </p:nvPicPr>
-        <p:blipFill>
-          <a:blip r:embed="rId1"/>
-          <a:stretch>
-            <a:fillRect/>
-          </a:stretch>
-        </p:blipFill>
-        <p:spPr>
-          <a:xfrm>
-            <a:off x="5494020" y="2395855"/>
-            <a:ext cx="6060440" cy="2153920"/>
-          </a:xfrm>
-          <a:prstGeom prst="rect">
-            <a:avLst/>
-          </a:prstGeom>
-        </p:spPr>
-      </p:pic>
-      <p:sp>
-        <p:nvSpPr>
-          <p:cNvPr id="8" name="Text Box 7"/>
-          <p:cNvSpPr txBox="1"/>
-          <p:nvPr/>
-        </p:nvSpPr>
-        <p:spPr>
-          <a:xfrm>
-            <a:off x="1075055" y="3961765"/>
-            <a:ext cx="855980" cy="368300"/>
-          </a:xfrm>
-          <a:prstGeom prst="rect">
-            <a:avLst/>
-          </a:prstGeom>
-          <a:noFill/>
-        </p:spPr>
-        <p:txBody>
-          <a:bodyPr wrap="none" rtlCol="0">
-            <a:spAutoFit/>
-          </a:bodyPr>
-          <a:p>
-            <a:r>
-              <a:rPr lang="es-ES_tradnl" altLang="en-US"/>
-              <a:t>peptide</a:t>
-            </a:r>
-            <a:endParaRPr lang="es-ES_tradnl" altLang="en-US"/>
-          </a:p>
-        </p:txBody>
-      </p:sp>
-      <p:sp>
-        <p:nvSpPr>
-          <p:cNvPr id="9" name="Text Box 8"/>
-          <p:cNvSpPr txBox="1"/>
-          <p:nvPr/>
-        </p:nvSpPr>
-        <p:spPr>
-          <a:xfrm>
-            <a:off x="2942590" y="3972560"/>
-            <a:ext cx="2125980" cy="368300"/>
-          </a:xfrm>
-          <a:prstGeom prst="rect">
-            <a:avLst/>
-          </a:prstGeom>
-          <a:noFill/>
-        </p:spPr>
-        <p:txBody>
-          <a:bodyPr wrap="none" rtlCol="0">
-            <a:spAutoFit/>
-          </a:bodyPr>
-          <a:p>
-            <a:r>
-              <a:rPr lang="es-ES_tradnl" altLang="en-US"/>
-              <a:t>peptide after padding</a:t>
-            </a:r>
-            <a:endParaRPr lang="es-ES_tradnl" altLang="en-US"/>
-          </a:p>
-        </p:txBody>
-      </p:sp>
-      <p:sp>
-        <p:nvSpPr>
-          <p:cNvPr id="10" name="Text Box 9"/>
-          <p:cNvSpPr txBox="1"/>
-          <p:nvPr/>
-        </p:nvSpPr>
-        <p:spPr>
-          <a:xfrm>
-            <a:off x="7835900" y="4560570"/>
-            <a:ext cx="1776730" cy="368300"/>
-          </a:xfrm>
-          <a:prstGeom prst="rect">
-            <a:avLst/>
-          </a:prstGeom>
-          <a:noFill/>
-        </p:spPr>
-        <p:txBody>
-          <a:bodyPr wrap="none" rtlCol="0">
-            <a:spAutoFit/>
-          </a:bodyPr>
-          <a:p>
-            <a:r>
-              <a:rPr lang="es-ES_tradnl" altLang="en-US"/>
-              <a:t>one-hot encoding</a:t>
-            </a:r>
-            <a:endParaRPr lang="es-ES_tradnl" altLang="en-US"/>
-          </a:p>
-        </p:txBody>
-      </p:sp>
-      <p:sp>
-        <p:nvSpPr>
-          <p:cNvPr id="11" name="Right Arrow 10"/>
+      <p:sp>
+        <p:nvSpPr>
+          <p:cNvPr id="11" name="Rounded Rectangle 10"/>
           <p:cNvSpPr/>
           <p:nvPr/>
         </p:nvSpPr>
         <p:spPr>
           <a:xfrm>
-            <a:off x="2617470" y="3472815"/>
-            <a:ext cx="222250" cy="284480"/>
-          </a:xfrm>
-          <a:prstGeom prst="rightArrow">
-            <a:avLst/>
-          </a:prstGeom>
-          <a:noFill/>
-          <a:ln>
+            <a:off x="1337310" y="1844675"/>
+            <a:ext cx="1981835" cy="1243965"/>
+          </a:xfrm>
+          <a:prstGeom prst="roundRect">
+            <a:avLst>
+              <a:gd name="adj" fmla="val 8659"/>
+            </a:avLst>
+          </a:prstGeom>
+          <a:solidFill>
+            <a:schemeClr val="bg1"/>
+          </a:solidFill>
+          <a:ln w="28575" cmpd="sng">
             <a:solidFill>
-              <a:srgbClr val="202020"/>
+              <a:srgbClr val="5B9BD5"/>
             </a:solidFill>
+            <a:prstDash val="solid"/>
           </a:ln>
         </p:spPr>
         <p:style>
@@ -6214,29 +7866,70 @@
           <a:bodyPr rtlCol="0" anchor="ctr"/>
           <a:p>
             <a:pPr algn="ctr"/>
-            <a:endParaRPr lang="en-US"/>
-          </a:p>
-        </p:txBody>
-      </p:sp>
-      <p:sp>
-        <p:nvSpPr>
-          <p:cNvPr id="12" name="Right Arrow 11"/>
+            <a:r>
+              <a:rPr lang="es-ES_tradnl" altLang="en-US" b="1">
+                <a:solidFill>
+                  <a:srgbClr val="41719C"/>
+                </a:solidFill>
+                <a:latin typeface="Tinos" panose="02020603050405020304" charset="0"/>
+                <a:cs typeface="Tinos" panose="02020603050405020304" charset="0"/>
+              </a:rPr>
+              <a:t>Stage 1.</a:t>
+            </a:r>
+            <a:endParaRPr lang="es-ES_tradnl" altLang="en-US">
+              <a:solidFill>
+                <a:srgbClr val="41719C"/>
+              </a:solidFill>
+              <a:latin typeface="Tinos" panose="02020603050405020304" charset="0"/>
+              <a:cs typeface="Tinos" panose="02020603050405020304" charset="0"/>
+            </a:endParaRPr>
+          </a:p>
+          <a:p>
+            <a:pPr algn="ctr"/>
+            <a:r>
+              <a:rPr lang="es-ES_tradnl" altLang="en-US">
+                <a:solidFill>
+                  <a:srgbClr val="41719C"/>
+                </a:solidFill>
+                <a:latin typeface="Tinos" panose="02020603050405020304" charset="0"/>
+                <a:cs typeface="Tinos" panose="02020603050405020304" charset="0"/>
+              </a:rPr>
+              <a:t>Prediction of peptides from mutations  </a:t>
+            </a:r>
+            <a:endParaRPr lang="es-ES_tradnl" altLang="en-US">
+              <a:solidFill>
+                <a:srgbClr val="41719C"/>
+              </a:solidFill>
+              <a:latin typeface="Tinos" panose="02020603050405020304" charset="0"/>
+              <a:cs typeface="Tinos" panose="02020603050405020304" charset="0"/>
+            </a:endParaRPr>
+          </a:p>
+        </p:txBody>
+      </p:sp>
+      <p:sp>
+        <p:nvSpPr>
+          <p:cNvPr id="12" name="Rounded Rectangle 11"/>
           <p:cNvSpPr/>
           <p:nvPr/>
         </p:nvSpPr>
         <p:spPr>
           <a:xfrm>
-            <a:off x="5157470" y="3472815"/>
-            <a:ext cx="222250" cy="284480"/>
-          </a:xfrm>
-          <a:prstGeom prst="rightArrow">
-            <a:avLst/>
-          </a:prstGeom>
-          <a:noFill/>
-          <a:ln>
+            <a:off x="3524250" y="1844675"/>
+            <a:ext cx="1981200" cy="1243965"/>
+          </a:xfrm>
+          <a:prstGeom prst="roundRect">
+            <a:avLst>
+              <a:gd name="adj" fmla="val 8659"/>
+            </a:avLst>
+          </a:prstGeom>
+          <a:solidFill>
+            <a:schemeClr val="bg1"/>
+          </a:solidFill>
+          <a:ln w="28575" cmpd="sng">
             <a:solidFill>
-              <a:srgbClr val="202020"/>
+              <a:srgbClr val="5B9BD5"/>
             </a:solidFill>
+            <a:prstDash val="solid"/>
           </a:ln>
         </p:spPr>
         <p:style>
@@ -6259,7 +7952,129 @@
           <a:bodyPr rtlCol="0" anchor="ctr"/>
           <a:p>
             <a:pPr algn="ctr"/>
-            <a:endParaRPr lang="en-US"/>
+            <a:r>
+              <a:rPr lang="es-ES_tradnl" altLang="en-US" b="1">
+                <a:solidFill>
+                  <a:srgbClr val="41719C"/>
+                </a:solidFill>
+                <a:latin typeface="Tinos" panose="02020603050405020304" charset="0"/>
+                <a:cs typeface="Tinos" panose="02020603050405020304" charset="0"/>
+              </a:rPr>
+              <a:t>Stage 2.</a:t>
+            </a:r>
+            <a:endParaRPr lang="es-ES_tradnl" altLang="en-US">
+              <a:solidFill>
+                <a:srgbClr val="41719C"/>
+              </a:solidFill>
+              <a:latin typeface="Tinos" panose="02020603050405020304" charset="0"/>
+              <a:cs typeface="Tinos" panose="02020603050405020304" charset="0"/>
+            </a:endParaRPr>
+          </a:p>
+          <a:p>
+            <a:pPr algn="ctr"/>
+            <a:r>
+              <a:rPr lang="es-ES_tradnl" altLang="en-US">
+                <a:solidFill>
+                  <a:srgbClr val="41719C"/>
+                </a:solidFill>
+                <a:latin typeface="Tinos" panose="02020603050405020304" charset="0"/>
+                <a:cs typeface="Tinos" panose="02020603050405020304" charset="0"/>
+              </a:rPr>
+              <a:t>Prediction of pMHC binding and presentation</a:t>
+            </a:r>
+            <a:endParaRPr lang="es-ES_tradnl" altLang="en-US">
+              <a:solidFill>
+                <a:srgbClr val="41719C"/>
+              </a:solidFill>
+              <a:latin typeface="Tinos" panose="02020603050405020304" charset="0"/>
+              <a:cs typeface="Tinos" panose="02020603050405020304" charset="0"/>
+            </a:endParaRPr>
+          </a:p>
+        </p:txBody>
+      </p:sp>
+      <p:sp>
+        <p:nvSpPr>
+          <p:cNvPr id="16" name="Rounded Rectangle 15"/>
+          <p:cNvSpPr/>
+          <p:nvPr/>
+        </p:nvSpPr>
+        <p:spPr>
+          <a:xfrm>
+            <a:off x="5695315" y="1845310"/>
+            <a:ext cx="1980565" cy="1243330"/>
+          </a:xfrm>
+          <a:prstGeom prst="roundRect">
+            <a:avLst>
+              <a:gd name="adj" fmla="val 8659"/>
+            </a:avLst>
+          </a:prstGeom>
+          <a:solidFill>
+            <a:schemeClr val="bg1"/>
+          </a:solidFill>
+          <a:ln w="28575" cmpd="sng">
+            <a:solidFill>
+              <a:srgbClr val="5B9BD5"/>
+            </a:solidFill>
+            <a:prstDash val="solid"/>
+          </a:ln>
+        </p:spPr>
+        <p:style>
+          <a:lnRef idx="2">
+            <a:schemeClr val="accent1">
+              <a:shade val="50000"/>
+            </a:schemeClr>
+          </a:lnRef>
+          <a:fillRef idx="1">
+            <a:schemeClr val="accent1"/>
+          </a:fillRef>
+          <a:effectRef idx="0">
+            <a:schemeClr val="accent1"/>
+          </a:effectRef>
+          <a:fontRef idx="minor">
+            <a:schemeClr val="lt1"/>
+          </a:fontRef>
+        </p:style>
+        <p:txBody>
+          <a:bodyPr rtlCol="0" anchor="ctr"/>
+          <a:p>
+            <a:pPr algn="ctr"/>
+            <a:r>
+              <a:rPr lang="es-ES_tradnl" altLang="en-US" b="1">
+                <a:solidFill>
+                  <a:srgbClr val="41719C"/>
+                </a:solidFill>
+                <a:latin typeface="Tinos" panose="02020603050405020304" charset="0"/>
+                <a:cs typeface="Tinos" panose="02020603050405020304" charset="0"/>
+              </a:rPr>
+              <a:t>Stage 3.</a:t>
+            </a:r>
+            <a:endParaRPr lang="es-ES_tradnl" altLang="en-US">
+              <a:solidFill>
+                <a:srgbClr val="41719C"/>
+              </a:solidFill>
+              <a:latin typeface="Tinos" panose="02020603050405020304" charset="0"/>
+              <a:cs typeface="Tinos" panose="02020603050405020304" charset="0"/>
+            </a:endParaRPr>
+          </a:p>
+          <a:p>
+            <a:pPr algn="ctr"/>
+            <a:r>
+              <a:rPr lang="es-ES_tradnl" altLang="en-US">
+                <a:solidFill>
+                  <a:srgbClr val="41719C"/>
+                </a:solidFill>
+                <a:latin typeface="Tinos" panose="02020603050405020304" charset="0"/>
+                <a:cs typeface="Tinos" panose="02020603050405020304" charset="0"/>
+              </a:rPr>
+              <a:t>Prediction of pMHC interaction with TCR</a:t>
+            </a:r>
+            <a:endParaRPr lang="es-ES_tradnl" altLang="en-US">
+              <a:solidFill>
+                <a:srgbClr val="41719C"/>
+              </a:solidFill>
+              <a:latin typeface="Tinos" panose="02020603050405020304" charset="0"/>
+              <a:cs typeface="Tinos" panose="02020603050405020304" charset="0"/>
+            </a:endParaRPr>
           </a:p>
         </p:txBody>
       </p:sp>
@@ -6296,23 +8111,16 @@
         </p:nvSpPr>
         <p:spPr>
           <a:xfrm>
-            <a:off x="4007485" y="2375535"/>
-            <a:ext cx="2010410" cy="719455"/>
+            <a:off x="445770" y="3268345"/>
+            <a:ext cx="2010410" cy="693420"/>
           </a:xfrm>
           <a:prstGeom prst="roundRect">
             <a:avLst/>
           </a:prstGeom>
-          <a:solidFill>
-            <a:schemeClr val="accent1">
-              <a:lumMod val="40000"/>
-              <a:lumOff val="60000"/>
-            </a:schemeClr>
-          </a:solidFill>
+          <a:noFill/>
           <a:ln>
             <a:solidFill>
-              <a:schemeClr val="accent1">
-                <a:lumMod val="75000"/>
-              </a:schemeClr>
+              <a:srgbClr val="202020"/>
             </a:solidFill>
           </a:ln>
         </p:spPr>
@@ -6342,7 +8150,7 @@
                   <a:schemeClr val="tx1"/>
                 </a:solidFill>
               </a:rPr>
-              <a:t>ESM-1b</a:t>
+              <a:t>KVDAGKLHY</a:t>
             </a:r>
             <a:endParaRPr lang="en-US">
               <a:solidFill>
@@ -6354,29 +8162,22 @@
       </p:sp>
       <p:sp>
         <p:nvSpPr>
-          <p:cNvPr id="2" name="Rounded Rectangle 1"/>
+          <p:cNvPr id="4" name="Rounded Rectangle 3"/>
           <p:cNvSpPr/>
           <p:nvPr/>
         </p:nvSpPr>
         <p:spPr>
           <a:xfrm>
-            <a:off x="4007485" y="3432810"/>
+            <a:off x="2989580" y="3268345"/>
             <a:ext cx="2010410" cy="693420"/>
           </a:xfrm>
           <a:prstGeom prst="roundRect">
             <a:avLst/>
           </a:prstGeom>
-          <a:solidFill>
-            <a:schemeClr val="accent6">
-              <a:lumMod val="40000"/>
-              <a:lumOff val="60000"/>
-            </a:schemeClr>
-          </a:solidFill>
+          <a:noFill/>
           <a:ln>
             <a:solidFill>
-              <a:schemeClr val="accent6">
-                <a:lumMod val="75000"/>
-              </a:schemeClr>
+              <a:srgbClr val="202020"/>
             </a:solidFill>
           </a:ln>
         </p:spPr>
@@ -6400,15 +8201,31 @@
           <a:bodyPr rtlCol="0" anchor="ctr"/>
           <a:p>
             <a:pPr algn="ctr"/>
+            <a:r>
+              <a:rPr lang="en-US">
+                <a:solidFill>
+                  <a:schemeClr val="tx1"/>
+                </a:solidFill>
+              </a:rPr>
+              <a:t>KVDA</a:t>
+            </a:r>
             <a:r>
               <a:rPr lang="es-ES_tradnl" altLang="en-US">
                 <a:solidFill>
                   <a:schemeClr val="tx1"/>
                 </a:solidFill>
               </a:rPr>
-              <a:t>ANN</a:t>
-            </a:r>
-            <a:endParaRPr lang="es-ES_tradnl" altLang="en-US">
+              <a:t>ZZ</a:t>
+            </a:r>
+            <a:r>
+              <a:rPr lang="en-US">
+                <a:solidFill>
+                  <a:schemeClr val="tx1"/>
+                </a:solidFill>
+              </a:rPr>
+              <a:t>GKLHY</a:t>
+            </a:r>
+            <a:endParaRPr lang="en-US">
               <a:solidFill>
                 <a:schemeClr val="tx1"/>
               </a:solidFill>
@@ -6416,31 +8233,135 @@
           </a:p>
         </p:txBody>
       </p:sp>
-      <p:sp>
-        <p:nvSpPr>
-          <p:cNvPr id="5" name="Rounded Rectangle 4"/>
+      <p:pic>
+        <p:nvPicPr>
+          <p:cNvPr id="7" name="Picture 6"/>
+          <p:cNvPicPr>
+            <a:picLocks noChangeAspect="1"/>
+          </p:cNvPicPr>
+          <p:nvPr/>
+        </p:nvPicPr>
+        <p:blipFill>
+          <a:blip r:embed="rId1"/>
+          <a:stretch>
+            <a:fillRect/>
+          </a:stretch>
+        </p:blipFill>
+        <p:spPr>
+          <a:xfrm>
+            <a:off x="5494020" y="2395855"/>
+            <a:ext cx="6060440" cy="2153920"/>
+          </a:xfrm>
+          <a:prstGeom prst="rect">
+            <a:avLst/>
+          </a:prstGeom>
+        </p:spPr>
+      </p:pic>
+      <p:sp>
+        <p:nvSpPr>
+          <p:cNvPr id="8" name="Text Box 7"/>
+          <p:cNvSpPr txBox="1"/>
+          <p:nvPr/>
+        </p:nvSpPr>
+        <p:spPr>
+          <a:xfrm>
+            <a:off x="1075055" y="3961765"/>
+            <a:ext cx="855980" cy="368300"/>
+          </a:xfrm>
+          <a:prstGeom prst="rect">
+            <a:avLst/>
+          </a:prstGeom>
+          <a:noFill/>
+        </p:spPr>
+        <p:txBody>
+          <a:bodyPr wrap="none" rtlCol="0">
+            <a:spAutoFit/>
+          </a:bodyPr>
+          <a:p>
+            <a:r>
+              <a:rPr lang="es-ES_tradnl" altLang="en-US"/>
+              <a:t>peptide</a:t>
+            </a:r>
+            <a:endParaRPr lang="es-ES_tradnl" altLang="en-US"/>
+          </a:p>
+        </p:txBody>
+      </p:sp>
+      <p:sp>
+        <p:nvSpPr>
+          <p:cNvPr id="9" name="Text Box 8"/>
+          <p:cNvSpPr txBox="1"/>
+          <p:nvPr/>
+        </p:nvSpPr>
+        <p:spPr>
+          <a:xfrm>
+            <a:off x="2942590" y="3972560"/>
+            <a:ext cx="2125980" cy="368300"/>
+          </a:xfrm>
+          <a:prstGeom prst="rect">
+            <a:avLst/>
+          </a:prstGeom>
+          <a:noFill/>
+        </p:spPr>
+        <p:txBody>
+          <a:bodyPr wrap="none" rtlCol="0">
+            <a:spAutoFit/>
+          </a:bodyPr>
+          <a:p>
+            <a:r>
+              <a:rPr lang="es-ES_tradnl" altLang="en-US"/>
+              <a:t>peptide after padding</a:t>
+            </a:r>
+            <a:endParaRPr lang="es-ES_tradnl" altLang="en-US"/>
+          </a:p>
+        </p:txBody>
+      </p:sp>
+      <p:sp>
+        <p:nvSpPr>
+          <p:cNvPr id="10" name="Text Box 9"/>
+          <p:cNvSpPr txBox="1"/>
+          <p:nvPr/>
+        </p:nvSpPr>
+        <p:spPr>
+          <a:xfrm>
+            <a:off x="7835900" y="4560570"/>
+            <a:ext cx="1776730" cy="368300"/>
+          </a:xfrm>
+          <a:prstGeom prst="rect">
+            <a:avLst/>
+          </a:prstGeom>
+          <a:noFill/>
+        </p:spPr>
+        <p:txBody>
+          <a:bodyPr wrap="none" rtlCol="0">
+            <a:spAutoFit/>
+          </a:bodyPr>
+          <a:p>
+            <a:r>
+              <a:rPr lang="es-ES_tradnl" altLang="en-US"/>
+              <a:t>one-hot encoding</a:t>
+            </a:r>
+            <a:endParaRPr lang="es-ES_tradnl" altLang="en-US"/>
+          </a:p>
+        </p:txBody>
+      </p:sp>
+      <p:sp>
+        <p:nvSpPr>
+          <p:cNvPr id="11" name="Right Arrow 10"/>
           <p:cNvSpPr/>
           <p:nvPr/>
         </p:nvSpPr>
         <p:spPr>
           <a:xfrm>
-            <a:off x="6612255" y="2855595"/>
-            <a:ext cx="2035810" cy="797560"/>
-          </a:xfrm>
-          <a:prstGeom prst="roundRect">
-            <a:avLst/>
-          </a:prstGeom>
-          <a:solidFill>
-            <a:schemeClr val="accent6">
-              <a:lumMod val="40000"/>
-              <a:lumOff val="60000"/>
-            </a:schemeClr>
-          </a:solidFill>
+            <a:off x="2617470" y="3472815"/>
+            <a:ext cx="222250" cy="284480"/>
+          </a:xfrm>
+          <a:prstGeom prst="rightArrow">
+            <a:avLst/>
+          </a:prstGeom>
+          <a:noFill/>
           <a:ln>
             <a:solidFill>
-              <a:schemeClr val="accent6">
-                <a:lumMod val="75000"/>
-              </a:schemeClr>
+              <a:srgbClr val="202020"/>
             </a:solidFill>
           </a:ln>
         </p:spPr>
@@ -6464,277 +8385,55 @@
           <a:bodyPr rtlCol="0" anchor="ctr"/>
           <a:p>
             <a:pPr algn="ctr"/>
-            <a:r>
-              <a:rPr lang="es-ES_tradnl" altLang="en-US">
-                <a:solidFill>
-                  <a:schemeClr val="tx1"/>
-                </a:solidFill>
-              </a:rPr>
-              <a:t>ANN</a:t>
-            </a:r>
-            <a:endParaRPr lang="es-ES_tradnl" altLang="en-US">
-              <a:solidFill>
-                <a:schemeClr val="tx1"/>
-              </a:solidFill>
-            </a:endParaRPr>
-          </a:p>
-        </p:txBody>
-      </p:sp>
-      <p:cxnSp>
-        <p:nvCxnSpPr>
-          <p:cNvPr id="13" name="Straight Arrow Connector 12"/>
-          <p:cNvCxnSpPr/>
-          <p:nvPr/>
-        </p:nvCxnSpPr>
-        <p:spPr>
-          <a:xfrm>
-            <a:off x="6125845" y="2855595"/>
-            <a:ext cx="346710" cy="139065"/>
-          </a:xfrm>
-          <a:prstGeom prst="straightConnector1">
-            <a:avLst/>
-          </a:prstGeom>
+            <a:endParaRPr lang="en-US"/>
+          </a:p>
+        </p:txBody>
+      </p:sp>
+      <p:sp>
+        <p:nvSpPr>
+          <p:cNvPr id="12" name="Right Arrow 11"/>
+          <p:cNvSpPr/>
+          <p:nvPr/>
+        </p:nvSpPr>
+        <p:spPr>
+          <a:xfrm>
+            <a:off x="5157470" y="3472815"/>
+            <a:ext cx="222250" cy="284480"/>
+          </a:xfrm>
+          <a:prstGeom prst="rightArrow">
+            <a:avLst/>
+          </a:prstGeom>
+          <a:noFill/>
           <a:ln>
-            <a:tailEnd type="arrow"/>
+            <a:solidFill>
+              <a:srgbClr val="202020"/>
+            </a:solidFill>
           </a:ln>
         </p:spPr>
         <p:style>
-          <a:lnRef idx="1">
-            <a:schemeClr val="accent1"/>
-          </a:lnRef>
-          <a:fillRef idx="0">
-            <a:schemeClr val="accent1"/>
-          </a:fillRef>
-          <a:effectRef idx="0">
-            <a:schemeClr val="accent1"/>
-          </a:effectRef>
-          <a:fontRef idx="minor">
-            <a:schemeClr val="tx1"/>
-          </a:fontRef>
-        </p:style>
-      </p:cxnSp>
-      <p:cxnSp>
-        <p:nvCxnSpPr>
-          <p:cNvPr id="14" name="Straight Arrow Connector 13"/>
-          <p:cNvCxnSpPr/>
-          <p:nvPr/>
-        </p:nvCxnSpPr>
-        <p:spPr>
-          <a:xfrm flipV="1">
-            <a:off x="6134100" y="3453765"/>
-            <a:ext cx="338455" cy="216535"/>
-          </a:xfrm>
-          <a:prstGeom prst="straightConnector1">
-            <a:avLst/>
-          </a:prstGeom>
-          <a:ln>
-            <a:tailEnd type="arrow"/>
-          </a:ln>
-        </p:spPr>
-        <p:style>
-          <a:lnRef idx="1">
-            <a:schemeClr val="accent1"/>
-          </a:lnRef>
-          <a:fillRef idx="0">
-            <a:schemeClr val="accent1"/>
-          </a:fillRef>
-          <a:effectRef idx="0">
-            <a:schemeClr val="accent1"/>
-          </a:effectRef>
-          <a:fontRef idx="minor">
-            <a:schemeClr val="tx1"/>
-          </a:fontRef>
-        </p:style>
-      </p:cxnSp>
-      <p:sp>
-        <p:nvSpPr>
-          <p:cNvPr id="4" name="Text Box 3"/>
-          <p:cNvSpPr txBox="1"/>
-          <p:nvPr/>
-        </p:nvSpPr>
-        <p:spPr>
-          <a:xfrm>
-            <a:off x="2221865" y="2449830"/>
-            <a:ext cx="1473835" cy="645160"/>
-          </a:xfrm>
-          <a:prstGeom prst="rect">
-            <a:avLst/>
-          </a:prstGeom>
-          <a:noFill/>
-        </p:spPr>
-        <p:txBody>
-          <a:bodyPr wrap="square" rtlCol="0">
-            <a:spAutoFit/>
-          </a:bodyPr>
-          <a:p>
-            <a:pPr algn="ctr"/>
-            <a:r>
-              <a:rPr lang="es-ES_tradnl" altLang="en-US"/>
-              <a:t>MHC-peptide encoding</a:t>
-            </a:r>
-            <a:endParaRPr lang="es-ES_tradnl" altLang="en-US"/>
-          </a:p>
-        </p:txBody>
-      </p:sp>
-      <p:sp>
-        <p:nvSpPr>
-          <p:cNvPr id="6" name="Text Box 5"/>
-          <p:cNvSpPr txBox="1"/>
-          <p:nvPr/>
-        </p:nvSpPr>
-        <p:spPr>
-          <a:xfrm>
-            <a:off x="2240280" y="3481070"/>
-            <a:ext cx="1508125" cy="645160"/>
-          </a:xfrm>
-          <a:prstGeom prst="rect">
-            <a:avLst/>
-          </a:prstGeom>
-          <a:noFill/>
-        </p:spPr>
-        <p:txBody>
-          <a:bodyPr wrap="square" rtlCol="0">
-            <a:spAutoFit/>
-          </a:bodyPr>
-          <a:p>
-            <a:pPr algn="ctr"/>
-            <a:r>
-              <a:rPr lang="es-ES_tradnl" altLang="en-US"/>
-              <a:t>Peptide properties</a:t>
-            </a:r>
-            <a:endParaRPr lang="es-ES_tradnl" altLang="en-US"/>
-          </a:p>
-        </p:txBody>
-      </p:sp>
-      <p:sp>
-        <p:nvSpPr>
-          <p:cNvPr id="7" name="Text Box 6"/>
-          <p:cNvSpPr txBox="1"/>
-          <p:nvPr/>
-        </p:nvSpPr>
-        <p:spPr>
-          <a:xfrm>
-            <a:off x="9035415" y="2931795"/>
-            <a:ext cx="1473835" cy="645160"/>
-          </a:xfrm>
-          <a:prstGeom prst="rect">
-            <a:avLst/>
-          </a:prstGeom>
-          <a:noFill/>
-        </p:spPr>
-        <p:txBody>
-          <a:bodyPr wrap="square" rtlCol="0">
-            <a:spAutoFit/>
-          </a:bodyPr>
-          <a:p>
-            <a:pPr algn="ctr"/>
-            <a:r>
-              <a:rPr lang="es-ES_tradnl" altLang="en-US"/>
-              <a:t>MHC-peptide affinity</a:t>
-            </a:r>
-            <a:endParaRPr lang="es-ES_tradnl" altLang="en-US"/>
-          </a:p>
-        </p:txBody>
-      </p:sp>
-      <p:cxnSp>
-        <p:nvCxnSpPr>
-          <p:cNvPr id="8" name="Straight Arrow Connector 7"/>
-          <p:cNvCxnSpPr/>
-          <p:nvPr/>
-        </p:nvCxnSpPr>
-        <p:spPr>
-          <a:xfrm flipV="1">
-            <a:off x="3601085" y="2787015"/>
-            <a:ext cx="262890" cy="5715"/>
-          </a:xfrm>
-          <a:prstGeom prst="straightConnector1">
-            <a:avLst/>
-          </a:prstGeom>
-          <a:ln>
-            <a:tailEnd type="arrow"/>
-          </a:ln>
-        </p:spPr>
-        <p:style>
-          <a:lnRef idx="1">
-            <a:schemeClr val="accent1"/>
-          </a:lnRef>
-          <a:fillRef idx="0">
-            <a:schemeClr val="accent1"/>
-          </a:fillRef>
-          <a:effectRef idx="0">
-            <a:schemeClr val="accent1"/>
-          </a:effectRef>
-          <a:fontRef idx="minor">
-            <a:schemeClr val="tx1"/>
-          </a:fontRef>
-        </p:style>
-      </p:cxnSp>
-      <p:cxnSp>
-        <p:nvCxnSpPr>
-          <p:cNvPr id="9" name="Straight Arrow Connector 8"/>
-          <p:cNvCxnSpPr/>
-          <p:nvPr/>
-        </p:nvCxnSpPr>
-        <p:spPr>
-          <a:xfrm flipV="1">
-            <a:off x="3601085" y="3800475"/>
-            <a:ext cx="262890" cy="5715"/>
-          </a:xfrm>
-          <a:prstGeom prst="straightConnector1">
-            <a:avLst/>
-          </a:prstGeom>
-          <a:ln>
-            <a:tailEnd type="arrow"/>
-          </a:ln>
-        </p:spPr>
-        <p:style>
-          <a:lnRef idx="1">
-            <a:schemeClr val="accent1"/>
-          </a:lnRef>
-          <a:fillRef idx="0">
-            <a:schemeClr val="accent1"/>
-          </a:fillRef>
-          <a:effectRef idx="0">
-            <a:schemeClr val="accent1"/>
-          </a:effectRef>
-          <a:fontRef idx="minor">
-            <a:schemeClr val="tx1"/>
-          </a:fontRef>
-        </p:style>
-      </p:cxnSp>
-      <p:cxnSp>
-        <p:nvCxnSpPr>
-          <p:cNvPr id="10" name="Straight Arrow Connector 9"/>
-          <p:cNvCxnSpPr/>
-          <p:nvPr/>
-        </p:nvCxnSpPr>
-        <p:spPr>
-          <a:xfrm flipV="1">
-            <a:off x="8771890" y="3251835"/>
-            <a:ext cx="262890" cy="5715"/>
-          </a:xfrm>
-          <a:prstGeom prst="straightConnector1">
-            <a:avLst/>
-          </a:prstGeom>
-          <a:ln>
-            <a:tailEnd type="arrow"/>
-          </a:ln>
-        </p:spPr>
-        <p:style>
-          <a:lnRef idx="1">
-            <a:schemeClr val="accent1"/>
-          </a:lnRef>
-          <a:fillRef idx="0">
-            <a:schemeClr val="accent1"/>
-          </a:fillRef>
-          <a:effectRef idx="0">
-            <a:schemeClr val="accent1"/>
-          </a:effectRef>
-          <a:fontRef idx="minor">
-            <a:schemeClr val="tx1"/>
-          </a:fontRef>
-        </p:style>
-      </p:cxnSp>
+          <a:lnRef idx="2">
+            <a:schemeClr val="accent1">
+              <a:shade val="50000"/>
+            </a:schemeClr>
+          </a:lnRef>
+          <a:fillRef idx="1">
+            <a:schemeClr val="accent1"/>
+          </a:fillRef>
+          <a:effectRef idx="0">
+            <a:schemeClr val="accent1"/>
+          </a:effectRef>
+          <a:fontRef idx="minor">
+            <a:schemeClr val="lt1"/>
+          </a:fontRef>
+        </p:style>
+        <p:txBody>
+          <a:bodyPr rtlCol="0" anchor="ctr"/>
+          <a:p>
+            <a:pPr algn="ctr"/>
+            <a:endParaRPr lang="en-US"/>
+          </a:p>
+        </p:txBody>
+      </p:sp>
     </p:spTree>
   </p:cSld>
   <p:clrMapOvr>
@@ -6769,7 +8468,7 @@
         <p:spPr>
           <a:xfrm>
             <a:off x="4007485" y="2375535"/>
-            <a:ext cx="2264410" cy="876935"/>
+            <a:ext cx="2010410" cy="719455"/>
           </a:xfrm>
           <a:prstGeom prst="roundRect">
             <a:avLst/>
@@ -6809,35 +8508,19 @@
           <a:p>
             <a:pPr algn="ctr"/>
             <a:r>
-              <a:rPr lang="es-ES_tradnl" altLang="en-US">
+              <a:rPr lang="en-US">
                 <a:solidFill>
                   <a:schemeClr val="tx1"/>
                 </a:solidFill>
               </a:rPr>
-              <a:t>TAPE</a:t>
-            </a:r>
-            <a:endParaRPr lang="es-ES_tradnl" altLang="en-US">
+              <a:t>ESM-1b</a:t>
+            </a:r>
+            <a:endParaRPr lang="en-US">
               <a:solidFill>
                 <a:schemeClr val="tx1"/>
               </a:solidFill>
             </a:endParaRPr>
           </a:p>
-          <a:p>
-            <a:pPr algn="ctr"/>
-            <a:r>
-              <a:rPr lang="es-ES_tradnl" altLang="en-US">
-                <a:solidFill>
-                  <a:schemeClr val="tx1"/>
-                </a:solidFill>
-              </a:rPr>
-              <a:t>(transformer)</a:t>
-            </a:r>
-            <a:endParaRPr lang="es-ES_tradnl" altLang="en-US">
-              <a:solidFill>
-                <a:schemeClr val="tx1"/>
-              </a:solidFill>
-            </a:endParaRPr>
-          </a:p>
         </p:txBody>
       </p:sp>
       <p:sp>
@@ -6849,7 +8532,7 @@
         <p:spPr>
           <a:xfrm>
             <a:off x="4007485" y="3432810"/>
-            <a:ext cx="2263775" cy="905510"/>
+            <a:ext cx="2010410" cy="693420"/>
           </a:xfrm>
           <a:prstGeom prst="roundRect">
             <a:avLst/>
@@ -6894,7 +8577,7 @@
                   <a:schemeClr val="tx1"/>
                 </a:solidFill>
               </a:rPr>
-              <a:t>CNN</a:t>
+              <a:t>ANN</a:t>
             </a:r>
             <a:endParaRPr lang="es-ES_tradnl" altLang="en-US">
               <a:solidFill>
@@ -6912,8 +8595,8 @@
         </p:nvSpPr>
         <p:spPr>
           <a:xfrm>
-            <a:off x="6892925" y="2855595"/>
-            <a:ext cx="2035810" cy="949960"/>
+            <a:off x="6612255" y="2855595"/>
+            <a:ext cx="2035810" cy="797560"/>
           </a:xfrm>
           <a:prstGeom prst="roundRect">
             <a:avLst/>
@@ -6976,7 +8659,7 @@
         </p:nvCxnSpPr>
         <p:spPr>
           <a:xfrm>
-            <a:off x="6406515" y="2995930"/>
+            <a:off x="6125845" y="2855595"/>
             <a:ext cx="346710" cy="139065"/>
           </a:xfrm>
           <a:prstGeom prst="straightConnector1">
@@ -7009,7 +8692,7 @@
         </p:nvCxnSpPr>
         <p:spPr>
           <a:xfrm flipV="1">
-            <a:off x="6414770" y="3594100"/>
+            <a:off x="6134100" y="3453765"/>
             <a:ext cx="338455" cy="216535"/>
           </a:xfrm>
           <a:prstGeom prst="straightConnector1">
@@ -7043,7 +8726,7 @@
         <p:spPr>
           <a:xfrm>
             <a:off x="2221865" y="2449830"/>
-            <a:ext cx="1473835" cy="922020"/>
+            <a:ext cx="1473835" cy="645160"/>
           </a:xfrm>
           <a:prstGeom prst="rect">
             <a:avLst/>
@@ -7058,7 +8741,7 @@
             <a:pPr algn="ctr"/>
             <a:r>
               <a:rPr lang="es-ES_tradnl" altLang="en-US"/>
-              <a:t>MHC-peptide encoding (BERTMHC)</a:t>
+              <a:t>MHC-peptide encoding</a:t>
             </a:r>
             <a:endParaRPr lang="es-ES_tradnl" altLang="en-US"/>
           </a:p>
@@ -7072,8 +8755,8 @@
         </p:nvSpPr>
         <p:spPr>
           <a:xfrm>
-            <a:off x="2240280" y="3472815"/>
-            <a:ext cx="1508125" cy="922020"/>
+            <a:off x="2240280" y="3481070"/>
+            <a:ext cx="1508125" cy="645160"/>
           </a:xfrm>
           <a:prstGeom prst="rect">
             <a:avLst/>
@@ -7087,10 +8770,8 @@
           <a:p>
             <a:pPr algn="ctr"/>
             <a:r>
-              <a:rPr lang="es-ES_tradnl" altLang="en-US">
-                <a:sym typeface="+mn-ea"/>
-              </a:rPr>
-              <a:t>MHC-peptide encoding (APPM)</a:t>
+              <a:rPr lang="es-ES_tradnl" altLang="en-US"/>
+              <a:t>Peptide properties</a:t>
             </a:r>
             <a:endParaRPr lang="es-ES_tradnl" altLang="en-US"/>
           </a:p>
@@ -7104,7 +8785,7 @@
         </p:nvSpPr>
         <p:spPr>
           <a:xfrm>
-            <a:off x="9316085" y="2997835"/>
+            <a:off x="9035415" y="2931795"/>
             <a:ext cx="1473835" cy="645160"/>
           </a:xfrm>
           <a:prstGeom prst="rect">
@@ -7134,7 +8815,7 @@
         </p:nvCxnSpPr>
         <p:spPr>
           <a:xfrm flipV="1">
-            <a:off x="3642360" y="2820035"/>
+            <a:off x="3601085" y="2787015"/>
             <a:ext cx="262890" cy="5715"/>
           </a:xfrm>
           <a:prstGeom prst="straightConnector1">
@@ -7167,7 +8848,7 @@
         </p:nvCxnSpPr>
         <p:spPr>
           <a:xfrm flipV="1">
-            <a:off x="3650615" y="3874770"/>
+            <a:off x="3601085" y="3800475"/>
             <a:ext cx="262890" cy="5715"/>
           </a:xfrm>
           <a:prstGeom prst="straightConnector1">
@@ -7200,7 +8881,7 @@
         </p:nvCxnSpPr>
         <p:spPr>
           <a:xfrm flipV="1">
-            <a:off x="9052560" y="3317875"/>
+            <a:off x="8771890" y="3251835"/>
             <a:ext cx="262890" cy="5715"/>
           </a:xfrm>
           <a:prstGeom prst="straightConnector1">
@@ -7258,8 +8939,8 @@
         </p:nvSpPr>
         <p:spPr>
           <a:xfrm>
-            <a:off x="2198370" y="2199640"/>
-            <a:ext cx="1717040" cy="1150620"/>
+            <a:off x="4007485" y="2375535"/>
+            <a:ext cx="2264410" cy="876935"/>
           </a:xfrm>
           <a:prstGeom prst="roundRect">
             <a:avLst/>
@@ -7304,7 +8985,7 @@
                   <a:schemeClr val="tx1"/>
                 </a:solidFill>
               </a:rPr>
-              <a:t>BERT</a:t>
+              <a:t>TAPE</a:t>
             </a:r>
             <a:endParaRPr lang="es-ES_tradnl" altLang="en-US">
               <a:solidFill>
@@ -7338,8 +9019,8 @@
         </p:nvSpPr>
         <p:spPr>
           <a:xfrm>
-            <a:off x="4511675" y="2185035"/>
-            <a:ext cx="1717040" cy="1179830"/>
+            <a:off x="4007485" y="3432810"/>
+            <a:ext cx="2263775" cy="905510"/>
           </a:xfrm>
           <a:prstGeom prst="roundRect">
             <a:avLst/>
@@ -7384,7 +9065,7 @@
                   <a:schemeClr val="tx1"/>
                 </a:solidFill>
               </a:rPr>
-              <a:t>30 millions proteins</a:t>
+              <a:t>CNN</a:t>
             </a:r>
             <a:endParaRPr lang="es-ES_tradnl" altLang="en-US">
               <a:solidFill>
@@ -7396,146 +9077,14 @@
       </p:sp>
       <p:sp>
         <p:nvSpPr>
-          <p:cNvPr id="11" name="Rounded Rectangle 10"/>
+          <p:cNvPr id="5" name="Rounded Rectangle 4"/>
           <p:cNvSpPr/>
           <p:nvPr/>
         </p:nvSpPr>
         <p:spPr>
           <a:xfrm>
-            <a:off x="1558925" y="1457325"/>
-            <a:ext cx="7898130" cy="3261995"/>
-          </a:xfrm>
-          <a:prstGeom prst="roundRect">
-            <a:avLst/>
-          </a:prstGeom>
-          <a:noFill/>
-          <a:ln>
-            <a:solidFill>
-              <a:schemeClr val="accent6">
-                <a:lumMod val="60000"/>
-                <a:lumOff val="40000"/>
-              </a:schemeClr>
-            </a:solidFill>
-          </a:ln>
-        </p:spPr>
-        <p:style>
-          <a:lnRef idx="2">
-            <a:schemeClr val="accent1">
-              <a:shade val="50000"/>
-            </a:schemeClr>
-          </a:lnRef>
-          <a:fillRef idx="1">
-            <a:schemeClr val="accent1"/>
-          </a:fillRef>
-          <a:effectRef idx="0">
-            <a:schemeClr val="accent1"/>
-          </a:effectRef>
-          <a:fontRef idx="minor">
-            <a:schemeClr val="lt1"/>
-          </a:fontRef>
-        </p:style>
-        <p:txBody>
-          <a:bodyPr rtlCol="0" anchor="ctr"/>
-          <a:p>
-            <a:pPr algn="ctr"/>
-            <a:endParaRPr lang="es-ES_tradnl" altLang="en-US">
-              <a:solidFill>
-                <a:schemeClr val="tx1"/>
-              </a:solidFill>
-            </a:endParaRPr>
-          </a:p>
-        </p:txBody>
-      </p:sp>
-      <p:sp>
-        <p:nvSpPr>
-          <p:cNvPr id="12" name="Text Box 11"/>
-          <p:cNvSpPr txBox="1"/>
-          <p:nvPr/>
-        </p:nvSpPr>
-        <p:spPr>
-          <a:xfrm>
-            <a:off x="3872230" y="3670935"/>
-            <a:ext cx="1383665" cy="368300"/>
-          </a:xfrm>
-          <a:prstGeom prst="rect">
-            <a:avLst/>
-          </a:prstGeom>
-          <a:noFill/>
-        </p:spPr>
-        <p:txBody>
-          <a:bodyPr wrap="square" rtlCol="0">
-            <a:spAutoFit/>
-          </a:bodyPr>
-          <a:p>
-            <a:r>
-              <a:rPr lang="es-ES_tradnl" altLang="en-US"/>
-              <a:t>TAPE</a:t>
-            </a:r>
-            <a:endParaRPr lang="es-ES_tradnl" altLang="en-US"/>
-          </a:p>
-        </p:txBody>
-      </p:sp>
-      <p:sp>
-        <p:nvSpPr>
-          <p:cNvPr id="15" name="Rounded Rectangle 14"/>
-          <p:cNvSpPr/>
-          <p:nvPr/>
-        </p:nvSpPr>
-        <p:spPr>
-          <a:xfrm>
-            <a:off x="1940560" y="1833880"/>
-            <a:ext cx="4786630" cy="2421255"/>
-          </a:xfrm>
-          <a:prstGeom prst="roundRect">
-            <a:avLst/>
-          </a:prstGeom>
-          <a:noFill/>
-          <a:ln>
-            <a:solidFill>
-              <a:schemeClr val="accent1">
-                <a:lumMod val="75000"/>
-              </a:schemeClr>
-            </a:solidFill>
-          </a:ln>
-        </p:spPr>
-        <p:style>
-          <a:lnRef idx="2">
-            <a:schemeClr val="accent1">
-              <a:shade val="50000"/>
-            </a:schemeClr>
-          </a:lnRef>
-          <a:fillRef idx="1">
-            <a:schemeClr val="accent1"/>
-          </a:fillRef>
-          <a:effectRef idx="0">
-            <a:schemeClr val="accent1"/>
-          </a:effectRef>
-          <a:fontRef idx="minor">
-            <a:schemeClr val="lt1"/>
-          </a:fontRef>
-        </p:style>
-        <p:txBody>
-          <a:bodyPr rtlCol="0" anchor="ctr"/>
-          <a:p>
-            <a:pPr algn="ctr"/>
-            <a:endParaRPr lang="es-ES_tradnl" altLang="en-US">
-              <a:solidFill>
-                <a:schemeClr val="tx1"/>
-              </a:solidFill>
-            </a:endParaRPr>
-          </a:p>
-        </p:txBody>
-      </p:sp>
-      <p:sp>
-        <p:nvSpPr>
-          <p:cNvPr id="16" name="Rounded Rectangle 15"/>
-          <p:cNvSpPr/>
-          <p:nvPr/>
-        </p:nvSpPr>
-        <p:spPr>
-          <a:xfrm>
-            <a:off x="7108190" y="2170430"/>
-            <a:ext cx="1971040" cy="1179830"/>
+            <a:off x="6892925" y="2855595"/>
+            <a:ext cx="2035810" cy="949960"/>
           </a:xfrm>
           <a:prstGeom prst="roundRect">
             <a:avLst/>
@@ -7580,7 +9129,7 @@
                   <a:schemeClr val="tx1"/>
                 </a:solidFill>
               </a:rPr>
-              <a:t>peptide-MHC-II dataset</a:t>
+              <a:t>ANN</a:t>
             </a:r>
             <a:endParaRPr lang="es-ES_tradnl" altLang="en-US">
               <a:solidFill>
@@ -7590,16 +9139,82 @@
           </a:p>
         </p:txBody>
       </p:sp>
-      <p:sp>
-        <p:nvSpPr>
-          <p:cNvPr id="17" name="Text Box 16"/>
+      <p:cxnSp>
+        <p:nvCxnSpPr>
+          <p:cNvPr id="13" name="Straight Arrow Connector 12"/>
+          <p:cNvCxnSpPr/>
+          <p:nvPr/>
+        </p:nvCxnSpPr>
+        <p:spPr>
+          <a:xfrm>
+            <a:off x="6406515" y="2995930"/>
+            <a:ext cx="346710" cy="139065"/>
+          </a:xfrm>
+          <a:prstGeom prst="straightConnector1">
+            <a:avLst/>
+          </a:prstGeom>
+          <a:ln>
+            <a:tailEnd type="arrow"/>
+          </a:ln>
+        </p:spPr>
+        <p:style>
+          <a:lnRef idx="1">
+            <a:schemeClr val="accent1"/>
+          </a:lnRef>
+          <a:fillRef idx="0">
+            <a:schemeClr val="accent1"/>
+          </a:fillRef>
+          <a:effectRef idx="0">
+            <a:schemeClr val="accent1"/>
+          </a:effectRef>
+          <a:fontRef idx="minor">
+            <a:schemeClr val="tx1"/>
+          </a:fontRef>
+        </p:style>
+      </p:cxnSp>
+      <p:cxnSp>
+        <p:nvCxnSpPr>
+          <p:cNvPr id="14" name="Straight Arrow Connector 13"/>
+          <p:cNvCxnSpPr/>
+          <p:nvPr/>
+        </p:nvCxnSpPr>
+        <p:spPr>
+          <a:xfrm flipV="1">
+            <a:off x="6414770" y="3594100"/>
+            <a:ext cx="338455" cy="216535"/>
+          </a:xfrm>
+          <a:prstGeom prst="straightConnector1">
+            <a:avLst/>
+          </a:prstGeom>
+          <a:ln>
+            <a:tailEnd type="arrow"/>
+          </a:ln>
+        </p:spPr>
+        <p:style>
+          <a:lnRef idx="1">
+            <a:schemeClr val="accent1"/>
+          </a:lnRef>
+          <a:fillRef idx="0">
+            <a:schemeClr val="accent1"/>
+          </a:fillRef>
+          <a:effectRef idx="0">
+            <a:schemeClr val="accent1"/>
+          </a:effectRef>
+          <a:fontRef idx="minor">
+            <a:schemeClr val="tx1"/>
+          </a:fontRef>
+        </p:style>
+      </p:cxnSp>
+      <p:sp>
+        <p:nvSpPr>
+          <p:cNvPr id="4" name="Text Box 3"/>
           <p:cNvSpPr txBox="1"/>
           <p:nvPr/>
         </p:nvSpPr>
         <p:spPr>
           <a:xfrm>
-            <a:off x="7439660" y="4168775"/>
-            <a:ext cx="1383665" cy="368300"/>
+            <a:off x="2221865" y="2449830"/>
+            <a:ext cx="1473835" cy="922020"/>
           </a:xfrm>
           <a:prstGeom prst="rect">
             <a:avLst/>
@@ -7611,14 +9226,176 @@
             <a:spAutoFit/>
           </a:bodyPr>
           <a:p>
+            <a:pPr algn="ctr"/>
             <a:r>
               <a:rPr lang="es-ES_tradnl" altLang="en-US"/>
-              <a:t>BERTMHC</a:t>
+              <a:t>MHC-peptide encoding (BERTMHC)</a:t>
             </a:r>
             <a:endParaRPr lang="es-ES_tradnl" altLang="en-US"/>
           </a:p>
         </p:txBody>
       </p:sp>
+      <p:sp>
+        <p:nvSpPr>
+          <p:cNvPr id="6" name="Text Box 5"/>
+          <p:cNvSpPr txBox="1"/>
+          <p:nvPr/>
+        </p:nvSpPr>
+        <p:spPr>
+          <a:xfrm>
+            <a:off x="2240280" y="3472815"/>
+            <a:ext cx="1508125" cy="922020"/>
+          </a:xfrm>
+          <a:prstGeom prst="rect">
+            <a:avLst/>
+          </a:prstGeom>
+          <a:noFill/>
+        </p:spPr>
+        <p:txBody>
+          <a:bodyPr wrap="square" rtlCol="0">
+            <a:spAutoFit/>
+          </a:bodyPr>
+          <a:p>
+            <a:pPr algn="ctr"/>
+            <a:r>
+              <a:rPr lang="es-ES_tradnl" altLang="en-US">
+                <a:sym typeface="+mn-ea"/>
+              </a:rPr>
+              <a:t>MHC-peptide encoding (APPM)</a:t>
+            </a:r>
+            <a:endParaRPr lang="es-ES_tradnl" altLang="en-US"/>
+          </a:p>
+        </p:txBody>
+      </p:sp>
+      <p:sp>
+        <p:nvSpPr>
+          <p:cNvPr id="7" name="Text Box 6"/>
+          <p:cNvSpPr txBox="1"/>
+          <p:nvPr/>
+        </p:nvSpPr>
+        <p:spPr>
+          <a:xfrm>
+            <a:off x="9316085" y="2997835"/>
+            <a:ext cx="1473835" cy="645160"/>
+          </a:xfrm>
+          <a:prstGeom prst="rect">
+            <a:avLst/>
+          </a:prstGeom>
+          <a:noFill/>
+        </p:spPr>
+        <p:txBody>
+          <a:bodyPr wrap="square" rtlCol="0">
+            <a:spAutoFit/>
+          </a:bodyPr>
+          <a:p>
+            <a:pPr algn="ctr"/>
+            <a:r>
+              <a:rPr lang="es-ES_tradnl" altLang="en-US"/>
+              <a:t>MHC-peptide affinity</a:t>
+            </a:r>
+            <a:endParaRPr lang="es-ES_tradnl" altLang="en-US"/>
+          </a:p>
+        </p:txBody>
+      </p:sp>
+      <p:cxnSp>
+        <p:nvCxnSpPr>
+          <p:cNvPr id="8" name="Straight Arrow Connector 7"/>
+          <p:cNvCxnSpPr/>
+          <p:nvPr/>
+        </p:nvCxnSpPr>
+        <p:spPr>
+          <a:xfrm flipV="1">
+            <a:off x="3642360" y="2820035"/>
+            <a:ext cx="262890" cy="5715"/>
+          </a:xfrm>
+          <a:prstGeom prst="straightConnector1">
+            <a:avLst/>
+          </a:prstGeom>
+          <a:ln>
+            <a:tailEnd type="arrow"/>
+          </a:ln>
+        </p:spPr>
+        <p:style>
+          <a:lnRef idx="1">
+            <a:schemeClr val="accent1"/>
+          </a:lnRef>
+          <a:fillRef idx="0">
+            <a:schemeClr val="accent1"/>
+          </a:fillRef>
+          <a:effectRef idx="0">
+            <a:schemeClr val="accent1"/>
+          </a:effectRef>
+          <a:fontRef idx="minor">
+            <a:schemeClr val="tx1"/>
+          </a:fontRef>
+        </p:style>
+      </p:cxnSp>
+      <p:cxnSp>
+        <p:nvCxnSpPr>
+          <p:cNvPr id="9" name="Straight Arrow Connector 8"/>
+          <p:cNvCxnSpPr/>
+          <p:nvPr/>
+        </p:nvCxnSpPr>
+        <p:spPr>
+          <a:xfrm flipV="1">
+            <a:off x="3650615" y="3874770"/>
+            <a:ext cx="262890" cy="5715"/>
+          </a:xfrm>
+          <a:prstGeom prst="straightConnector1">
+            <a:avLst/>
+          </a:prstGeom>
+          <a:ln>
+            <a:tailEnd type="arrow"/>
+          </a:ln>
+        </p:spPr>
+        <p:style>
+          <a:lnRef idx="1">
+            <a:schemeClr val="accent1"/>
+          </a:lnRef>
+          <a:fillRef idx="0">
+            <a:schemeClr val="accent1"/>
+          </a:fillRef>
+          <a:effectRef idx="0">
+            <a:schemeClr val="accent1"/>
+          </a:effectRef>
+          <a:fontRef idx="minor">
+            <a:schemeClr val="tx1"/>
+          </a:fontRef>
+        </p:style>
+      </p:cxnSp>
+      <p:cxnSp>
+        <p:nvCxnSpPr>
+          <p:cNvPr id="10" name="Straight Arrow Connector 9"/>
+          <p:cNvCxnSpPr/>
+          <p:nvPr/>
+        </p:nvCxnSpPr>
+        <p:spPr>
+          <a:xfrm flipV="1">
+            <a:off x="9052560" y="3317875"/>
+            <a:ext cx="262890" cy="5715"/>
+          </a:xfrm>
+          <a:prstGeom prst="straightConnector1">
+            <a:avLst/>
+          </a:prstGeom>
+          <a:ln>
+            <a:tailEnd type="arrow"/>
+          </a:ln>
+        </p:spPr>
+        <p:style>
+          <a:lnRef idx="1">
+            <a:schemeClr val="accent1"/>
+          </a:lnRef>
+          <a:fillRef idx="0">
+            <a:schemeClr val="accent1"/>
+          </a:fillRef>
+          <a:effectRef idx="0">
+            <a:schemeClr val="accent1"/>
+          </a:effectRef>
+          <a:fontRef idx="minor">
+            <a:schemeClr val="tx1"/>
+          </a:fontRef>
+        </p:style>
+      </p:cxnSp>
     </p:spTree>
   </p:cSld>
   <p:clrMapOvr>
@@ -7652,228 +9429,8 @@
         </p:nvSpPr>
         <p:spPr>
           <a:xfrm>
-            <a:off x="3643630" y="1319530"/>
-            <a:ext cx="2010410" cy="693420"/>
-          </a:xfrm>
-          <a:prstGeom prst="roundRect">
-            <a:avLst/>
-          </a:prstGeom>
-          <a:noFill/>
-          <a:ln>
-            <a:solidFill>
-              <a:srgbClr val="202020"/>
-            </a:solidFill>
-          </a:ln>
-        </p:spPr>
-        <p:style>
-          <a:lnRef idx="2">
-            <a:schemeClr val="accent1">
-              <a:shade val="50000"/>
-            </a:schemeClr>
-          </a:lnRef>
-          <a:fillRef idx="1">
-            <a:schemeClr val="accent1"/>
-          </a:fillRef>
-          <a:effectRef idx="0">
-            <a:schemeClr val="accent1"/>
-          </a:effectRef>
-          <a:fontRef idx="minor">
-            <a:schemeClr val="lt1"/>
-          </a:fontRef>
-        </p:style>
-        <p:txBody>
-          <a:bodyPr rtlCol="0" anchor="ctr"/>
-          <a:p>
-            <a:pPr algn="ctr"/>
-            <a:r>
-              <a:rPr lang="en-US">
-                <a:solidFill>
-                  <a:schemeClr val="tx1"/>
-                </a:solidFill>
-              </a:rPr>
-              <a:t>KVDAGKLHY</a:t>
-            </a:r>
-            <a:endParaRPr lang="en-US">
-              <a:solidFill>
-                <a:schemeClr val="tx1"/>
-              </a:solidFill>
-            </a:endParaRPr>
-          </a:p>
-        </p:txBody>
-      </p:sp>
-      <p:sp>
-        <p:nvSpPr>
-          <p:cNvPr id="8" name="Text Box 7"/>
-          <p:cNvSpPr txBox="1"/>
-          <p:nvPr/>
-        </p:nvSpPr>
-        <p:spPr>
-          <a:xfrm>
-            <a:off x="4220845" y="951230"/>
-            <a:ext cx="855980" cy="368300"/>
-          </a:xfrm>
-          <a:prstGeom prst="rect">
-            <a:avLst/>
-          </a:prstGeom>
-          <a:noFill/>
-        </p:spPr>
-        <p:txBody>
-          <a:bodyPr wrap="none" rtlCol="0">
-            <a:spAutoFit/>
-          </a:bodyPr>
-          <a:p>
-            <a:r>
-              <a:rPr lang="es-ES_tradnl" altLang="en-US"/>
-              <a:t>peptide</a:t>
-            </a:r>
-            <a:endParaRPr lang="es-ES_tradnl" altLang="en-US"/>
-          </a:p>
-        </p:txBody>
-      </p:sp>
-      <p:sp>
-        <p:nvSpPr>
-          <p:cNvPr id="2" name="Rounded Rectangle 1"/>
-          <p:cNvSpPr/>
-          <p:nvPr/>
-        </p:nvSpPr>
-        <p:spPr>
-          <a:xfrm>
-            <a:off x="6678295" y="1319530"/>
-            <a:ext cx="2620010" cy="693420"/>
-          </a:xfrm>
-          <a:prstGeom prst="roundRect">
-            <a:avLst/>
-          </a:prstGeom>
-          <a:noFill/>
-          <a:ln>
-            <a:solidFill>
-              <a:srgbClr val="202020"/>
-            </a:solidFill>
-          </a:ln>
-        </p:spPr>
-        <p:style>
-          <a:lnRef idx="2">
-            <a:schemeClr val="accent1">
-              <a:shade val="50000"/>
-            </a:schemeClr>
-          </a:lnRef>
-          <a:fillRef idx="1">
-            <a:schemeClr val="accent1"/>
-          </a:fillRef>
-          <a:effectRef idx="0">
-            <a:schemeClr val="accent1"/>
-          </a:effectRef>
-          <a:fontRef idx="minor">
-            <a:schemeClr val="lt1"/>
-          </a:fontRef>
-        </p:style>
-        <p:txBody>
-          <a:bodyPr rtlCol="0" anchor="ctr"/>
-          <a:p>
-            <a:pPr algn="ctr"/>
-            <a:r>
-              <a:rPr lang="es-ES_tradnl" altLang="en-US">
-                <a:solidFill>
-                  <a:schemeClr val="tx1"/>
-                </a:solidFill>
-              </a:rPr>
-              <a:t>L</a:t>
-            </a:r>
-            <a:r>
-              <a:rPr lang="en-US">
-                <a:solidFill>
-                  <a:schemeClr val="tx1"/>
-                </a:solidFill>
-              </a:rPr>
-              <a:t>KV</a:t>
-            </a:r>
-            <a:r>
-              <a:rPr lang="es-ES_tradnl" altLang="en-US">
-                <a:solidFill>
-                  <a:schemeClr val="tx1"/>
-                </a:solidFill>
-              </a:rPr>
-              <a:t>B</a:t>
-            </a:r>
-            <a:r>
-              <a:rPr lang="en-US">
-                <a:solidFill>
-                  <a:schemeClr val="tx1"/>
-                </a:solidFill>
-              </a:rPr>
-              <a:t>DAG</a:t>
-            </a:r>
-            <a:r>
-              <a:rPr lang="es-ES_tradnl" altLang="en-US">
-                <a:solidFill>
-                  <a:schemeClr val="tx1"/>
-                </a:solidFill>
-              </a:rPr>
-              <a:t>O</a:t>
-            </a:r>
-            <a:r>
-              <a:rPr lang="en-US">
-                <a:solidFill>
-                  <a:schemeClr val="tx1"/>
-                </a:solidFill>
-              </a:rPr>
-              <a:t>KLHY</a:t>
-            </a:r>
-            <a:r>
-              <a:rPr lang="es-ES_tradnl" altLang="en-US">
-                <a:solidFill>
-                  <a:schemeClr val="tx1"/>
-                </a:solidFill>
-              </a:rPr>
-              <a:t>...</a:t>
-            </a:r>
-            <a:endParaRPr lang="es-ES_tradnl" altLang="en-US">
-              <a:solidFill>
-                <a:schemeClr val="tx1"/>
-              </a:solidFill>
-            </a:endParaRPr>
-          </a:p>
-        </p:txBody>
-      </p:sp>
-      <p:sp>
-        <p:nvSpPr>
-          <p:cNvPr id="5" name="Text Box 4"/>
-          <p:cNvSpPr txBox="1"/>
-          <p:nvPr/>
-        </p:nvSpPr>
-        <p:spPr>
-          <a:xfrm>
-            <a:off x="7636510" y="951230"/>
-            <a:ext cx="703580" cy="368300"/>
-          </a:xfrm>
-          <a:prstGeom prst="rect">
-            <a:avLst/>
-          </a:prstGeom>
-          <a:noFill/>
-        </p:spPr>
-        <p:txBody>
-          <a:bodyPr wrap="none" rtlCol="0">
-            <a:spAutoFit/>
-          </a:bodyPr>
-          <a:p>
-            <a:r>
-              <a:rPr lang="es-ES_tradnl" altLang="en-US"/>
-              <a:t>MHC</a:t>
-            </a:r>
-            <a:endParaRPr lang="es-ES_tradnl" altLang="en-US"/>
-          </a:p>
-        </p:txBody>
-      </p:sp>
-      <p:sp>
-        <p:nvSpPr>
-          <p:cNvPr id="6" name="Rounded Rectangle 5"/>
-          <p:cNvSpPr/>
-          <p:nvPr/>
-        </p:nvSpPr>
-        <p:spPr>
-          <a:xfrm>
-            <a:off x="3643630" y="2511425"/>
-            <a:ext cx="5689600" cy="719455"/>
+            <a:off x="2198370" y="2199640"/>
+            <a:ext cx="1717040" cy="1150620"/>
           </a:xfrm>
           <a:prstGeom prst="roundRect">
             <a:avLst/>
@@ -7915,124 +9472,17 @@
             <a:r>
               <a:rPr lang="es-ES_tradnl" altLang="en-US">
                 <a:solidFill>
-                  <a:srgbClr val="2E75B6"/>
+                  <a:schemeClr val="tx1"/>
                 </a:solidFill>
               </a:rPr>
-              <a:t>Deep learning model</a:t>
+              <a:t>BERT</a:t>
             </a:r>
             <a:endParaRPr lang="es-ES_tradnl" altLang="en-US">
               <a:solidFill>
-                <a:srgbClr val="2E75B6"/>
+                <a:schemeClr val="tx1"/>
               </a:solidFill>
             </a:endParaRPr>
           </a:p>
-        </p:txBody>
-      </p:sp>
-      <p:cxnSp>
-        <p:nvCxnSpPr>
-          <p:cNvPr id="13" name="Straight Arrow Connector 12"/>
-          <p:cNvCxnSpPr/>
-          <p:nvPr/>
-        </p:nvCxnSpPr>
-        <p:spPr>
-          <a:xfrm flipH="1">
-            <a:off x="4647565" y="2110105"/>
-            <a:ext cx="3175" cy="283210"/>
-          </a:xfrm>
-          <a:prstGeom prst="straightConnector1">
-            <a:avLst/>
-          </a:prstGeom>
-          <a:ln w="25400">
-            <a:tailEnd type="arrow"/>
-          </a:ln>
-        </p:spPr>
-        <p:style>
-          <a:lnRef idx="1">
-            <a:schemeClr val="accent1"/>
-          </a:lnRef>
-          <a:fillRef idx="0">
-            <a:schemeClr val="accent1"/>
-          </a:fillRef>
-          <a:effectRef idx="0">
-            <a:schemeClr val="accent1"/>
-          </a:effectRef>
-          <a:fontRef idx="minor">
-            <a:schemeClr val="tx1"/>
-          </a:fontRef>
-        </p:style>
-      </p:cxnSp>
-      <p:cxnSp>
-        <p:nvCxnSpPr>
-          <p:cNvPr id="14" name="Straight Arrow Connector 13"/>
-          <p:cNvCxnSpPr/>
-          <p:nvPr/>
-        </p:nvCxnSpPr>
-        <p:spPr>
-          <a:xfrm flipH="1">
-            <a:off x="7986395" y="2110105"/>
-            <a:ext cx="3175" cy="283210"/>
-          </a:xfrm>
-          <a:prstGeom prst="straightConnector1">
-            <a:avLst/>
-          </a:prstGeom>
-          <a:ln w="25400">
-            <a:tailEnd type="arrow"/>
-          </a:ln>
-        </p:spPr>
-        <p:style>
-          <a:lnRef idx="1">
-            <a:schemeClr val="accent1"/>
-          </a:lnRef>
-          <a:fillRef idx="0">
-            <a:schemeClr val="accent1"/>
-          </a:fillRef>
-          <a:effectRef idx="0">
-            <a:schemeClr val="accent1"/>
-          </a:effectRef>
-          <a:fontRef idx="minor">
-            <a:schemeClr val="tx1"/>
-          </a:fontRef>
-        </p:style>
-      </p:cxnSp>
-      <p:sp>
-        <p:nvSpPr>
-          <p:cNvPr id="15" name="Rounded Rectangle 14"/>
-          <p:cNvSpPr/>
-          <p:nvPr/>
-        </p:nvSpPr>
-        <p:spPr>
-          <a:xfrm>
-            <a:off x="5880735" y="3655060"/>
-            <a:ext cx="1052195" cy="415290"/>
-          </a:xfrm>
-          <a:prstGeom prst="roundRect">
-            <a:avLst/>
-          </a:prstGeom>
-          <a:noFill/>
-          <a:ln>
-            <a:solidFill>
-              <a:srgbClr val="202020"/>
-            </a:solidFill>
-          </a:ln>
-        </p:spPr>
-        <p:style>
-          <a:lnRef idx="2">
-            <a:schemeClr val="accent1">
-              <a:shade val="50000"/>
-            </a:schemeClr>
-          </a:lnRef>
-          <a:fillRef idx="1">
-            <a:schemeClr val="accent1"/>
-          </a:fillRef>
-          <a:effectRef idx="0">
-            <a:schemeClr val="accent1"/>
-          </a:effectRef>
-          <a:fontRef idx="minor">
-            <a:schemeClr val="lt1"/>
-          </a:fontRef>
-        </p:style>
-        <p:txBody>
-          <a:bodyPr rtlCol="0" anchor="ctr"/>
           <a:p>
             <a:pPr algn="ctr"/>
             <a:r>
@@ -8041,7 +9491,7 @@
                   <a:schemeClr val="tx1"/>
                 </a:solidFill>
               </a:rPr>
-              <a:t>0/1</a:t>
+              <a:t>(transformer)</a:t>
             </a:r>
             <a:endParaRPr lang="es-ES_tradnl" altLang="en-US">
               <a:solidFill>
@@ -8051,39 +9501,295 @@
           </a:p>
         </p:txBody>
       </p:sp>
-      <p:cxnSp>
-        <p:nvCxnSpPr>
-          <p:cNvPr id="16" name="Straight Arrow Connector 15"/>
-          <p:cNvCxnSpPr/>
-          <p:nvPr/>
-        </p:nvCxnSpPr>
-        <p:spPr>
-          <a:xfrm flipH="1">
-            <a:off x="6405245" y="3287395"/>
-            <a:ext cx="3175" cy="283210"/>
-          </a:xfrm>
-          <a:prstGeom prst="straightConnector1">
-            <a:avLst/>
-          </a:prstGeom>
-          <a:ln w="25400">
-            <a:tailEnd type="arrow"/>
+      <p:sp>
+        <p:nvSpPr>
+          <p:cNvPr id="2" name="Rounded Rectangle 1"/>
+          <p:cNvSpPr/>
+          <p:nvPr/>
+        </p:nvSpPr>
+        <p:spPr>
+          <a:xfrm>
+            <a:off x="4511675" y="2185035"/>
+            <a:ext cx="1717040" cy="1179830"/>
+          </a:xfrm>
+          <a:prstGeom prst="roundRect">
+            <a:avLst/>
+          </a:prstGeom>
+          <a:solidFill>
+            <a:schemeClr val="accent6">
+              <a:lumMod val="40000"/>
+              <a:lumOff val="60000"/>
+            </a:schemeClr>
+          </a:solidFill>
+          <a:ln>
+            <a:solidFill>
+              <a:schemeClr val="accent6">
+                <a:lumMod val="75000"/>
+              </a:schemeClr>
+            </a:solidFill>
           </a:ln>
         </p:spPr>
         <p:style>
-          <a:lnRef idx="1">
-            <a:schemeClr val="accent1"/>
-          </a:lnRef>
-          <a:fillRef idx="0">
-            <a:schemeClr val="accent1"/>
-          </a:fillRef>
-          <a:effectRef idx="0">
-            <a:schemeClr val="accent1"/>
-          </a:effectRef>
-          <a:fontRef idx="minor">
-            <a:schemeClr val="tx1"/>
-          </a:fontRef>
-        </p:style>
-      </p:cxnSp>
+          <a:lnRef idx="2">
+            <a:schemeClr val="accent1">
+              <a:shade val="50000"/>
+            </a:schemeClr>
+          </a:lnRef>
+          <a:fillRef idx="1">
+            <a:schemeClr val="accent1"/>
+          </a:fillRef>
+          <a:effectRef idx="0">
+            <a:schemeClr val="accent1"/>
+          </a:effectRef>
+          <a:fontRef idx="minor">
+            <a:schemeClr val="lt1"/>
+          </a:fontRef>
+        </p:style>
+        <p:txBody>
+          <a:bodyPr rtlCol="0" anchor="ctr"/>
+          <a:p>
+            <a:pPr algn="ctr"/>
+            <a:r>
+              <a:rPr lang="es-ES_tradnl" altLang="en-US">
+                <a:solidFill>
+                  <a:schemeClr val="tx1"/>
+                </a:solidFill>
+              </a:rPr>
+              <a:t>30 millions proteins</a:t>
+            </a:r>
+            <a:endParaRPr lang="es-ES_tradnl" altLang="en-US">
+              <a:solidFill>
+                <a:schemeClr val="tx1"/>
+              </a:solidFill>
+            </a:endParaRPr>
+          </a:p>
+        </p:txBody>
+      </p:sp>
+      <p:sp>
+        <p:nvSpPr>
+          <p:cNvPr id="11" name="Rounded Rectangle 10"/>
+          <p:cNvSpPr/>
+          <p:nvPr/>
+        </p:nvSpPr>
+        <p:spPr>
+          <a:xfrm>
+            <a:off x="1558925" y="1457325"/>
+            <a:ext cx="7898130" cy="3261995"/>
+          </a:xfrm>
+          <a:prstGeom prst="roundRect">
+            <a:avLst/>
+          </a:prstGeom>
+          <a:noFill/>
+          <a:ln>
+            <a:solidFill>
+              <a:schemeClr val="accent6">
+                <a:lumMod val="60000"/>
+                <a:lumOff val="40000"/>
+              </a:schemeClr>
+            </a:solidFill>
+          </a:ln>
+        </p:spPr>
+        <p:style>
+          <a:lnRef idx="2">
+            <a:schemeClr val="accent1">
+              <a:shade val="50000"/>
+            </a:schemeClr>
+          </a:lnRef>
+          <a:fillRef idx="1">
+            <a:schemeClr val="accent1"/>
+          </a:fillRef>
+          <a:effectRef idx="0">
+            <a:schemeClr val="accent1"/>
+          </a:effectRef>
+          <a:fontRef idx="minor">
+            <a:schemeClr val="lt1"/>
+          </a:fontRef>
+        </p:style>
+        <p:txBody>
+          <a:bodyPr rtlCol="0" anchor="ctr"/>
+          <a:p>
+            <a:pPr algn="ctr"/>
+            <a:endParaRPr lang="es-ES_tradnl" altLang="en-US">
+              <a:solidFill>
+                <a:schemeClr val="tx1"/>
+              </a:solidFill>
+            </a:endParaRPr>
+          </a:p>
+        </p:txBody>
+      </p:sp>
+      <p:sp>
+        <p:nvSpPr>
+          <p:cNvPr id="12" name="Text Box 11"/>
+          <p:cNvSpPr txBox="1"/>
+          <p:nvPr/>
+        </p:nvSpPr>
+        <p:spPr>
+          <a:xfrm>
+            <a:off x="3872230" y="3670935"/>
+            <a:ext cx="1383665" cy="368300"/>
+          </a:xfrm>
+          <a:prstGeom prst="rect">
+            <a:avLst/>
+          </a:prstGeom>
+          <a:noFill/>
+        </p:spPr>
+        <p:txBody>
+          <a:bodyPr wrap="square" rtlCol="0">
+            <a:spAutoFit/>
+          </a:bodyPr>
+          <a:p>
+            <a:r>
+              <a:rPr lang="es-ES_tradnl" altLang="en-US"/>
+              <a:t>TAPE</a:t>
+            </a:r>
+            <a:endParaRPr lang="es-ES_tradnl" altLang="en-US"/>
+          </a:p>
+        </p:txBody>
+      </p:sp>
+      <p:sp>
+        <p:nvSpPr>
+          <p:cNvPr id="15" name="Rounded Rectangle 14"/>
+          <p:cNvSpPr/>
+          <p:nvPr/>
+        </p:nvSpPr>
+        <p:spPr>
+          <a:xfrm>
+            <a:off x="1940560" y="1833880"/>
+            <a:ext cx="4786630" cy="2421255"/>
+          </a:xfrm>
+          <a:prstGeom prst="roundRect">
+            <a:avLst/>
+          </a:prstGeom>
+          <a:noFill/>
+          <a:ln>
+            <a:solidFill>
+              <a:schemeClr val="accent1">
+                <a:lumMod val="75000"/>
+              </a:schemeClr>
+            </a:solidFill>
+          </a:ln>
+        </p:spPr>
+        <p:style>
+          <a:lnRef idx="2">
+            <a:schemeClr val="accent1">
+              <a:shade val="50000"/>
+            </a:schemeClr>
+          </a:lnRef>
+          <a:fillRef idx="1">
+            <a:schemeClr val="accent1"/>
+          </a:fillRef>
+          <a:effectRef idx="0">
+            <a:schemeClr val="accent1"/>
+          </a:effectRef>
+          <a:fontRef idx="minor">
+            <a:schemeClr val="lt1"/>
+          </a:fontRef>
+        </p:style>
+        <p:txBody>
+          <a:bodyPr rtlCol="0" anchor="ctr"/>
+          <a:p>
+            <a:pPr algn="ctr"/>
+            <a:endParaRPr lang="es-ES_tradnl" altLang="en-US">
+              <a:solidFill>
+                <a:schemeClr val="tx1"/>
+              </a:solidFill>
+            </a:endParaRPr>
+          </a:p>
+        </p:txBody>
+      </p:sp>
+      <p:sp>
+        <p:nvSpPr>
+          <p:cNvPr id="16" name="Rounded Rectangle 15"/>
+          <p:cNvSpPr/>
+          <p:nvPr/>
+        </p:nvSpPr>
+        <p:spPr>
+          <a:xfrm>
+            <a:off x="7108190" y="2170430"/>
+            <a:ext cx="1971040" cy="1179830"/>
+          </a:xfrm>
+          <a:prstGeom prst="roundRect">
+            <a:avLst/>
+          </a:prstGeom>
+          <a:solidFill>
+            <a:schemeClr val="accent6">
+              <a:lumMod val="40000"/>
+              <a:lumOff val="60000"/>
+            </a:schemeClr>
+          </a:solidFill>
+          <a:ln>
+            <a:solidFill>
+              <a:schemeClr val="accent6">
+                <a:lumMod val="75000"/>
+              </a:schemeClr>
+            </a:solidFill>
+          </a:ln>
+        </p:spPr>
+        <p:style>
+          <a:lnRef idx="2">
+            <a:schemeClr val="accent1">
+              <a:shade val="50000"/>
+            </a:schemeClr>
+          </a:lnRef>
+          <a:fillRef idx="1">
+            <a:schemeClr val="accent1"/>
+          </a:fillRef>
+          <a:effectRef idx="0">
+            <a:schemeClr val="accent1"/>
+          </a:effectRef>
+          <a:fontRef idx="minor">
+            <a:schemeClr val="lt1"/>
+          </a:fontRef>
+        </p:style>
+        <p:txBody>
+          <a:bodyPr rtlCol="0" anchor="ctr"/>
+          <a:p>
+            <a:pPr algn="ctr"/>
+            <a:r>
+              <a:rPr lang="es-ES_tradnl" altLang="en-US">
+                <a:solidFill>
+                  <a:schemeClr val="tx1"/>
+                </a:solidFill>
+              </a:rPr>
+              <a:t>peptide-MHC-II dataset</a:t>
+            </a:r>
+            <a:endParaRPr lang="es-ES_tradnl" altLang="en-US">
+              <a:solidFill>
+                <a:schemeClr val="tx1"/>
+              </a:solidFill>
+            </a:endParaRPr>
+          </a:p>
+        </p:txBody>
+      </p:sp>
+      <p:sp>
+        <p:nvSpPr>
+          <p:cNvPr id="17" name="Text Box 16"/>
+          <p:cNvSpPr txBox="1"/>
+          <p:nvPr/>
+        </p:nvSpPr>
+        <p:spPr>
+          <a:xfrm>
+            <a:off x="7439660" y="4168775"/>
+            <a:ext cx="1383665" cy="368300"/>
+          </a:xfrm>
+          <a:prstGeom prst="rect">
+            <a:avLst/>
+          </a:prstGeom>
+          <a:noFill/>
+        </p:spPr>
+        <p:txBody>
+          <a:bodyPr wrap="square" rtlCol="0">
+            <a:spAutoFit/>
+          </a:bodyPr>
+          <a:p>
+            <a:r>
+              <a:rPr lang="es-ES_tradnl" altLang="en-US"/>
+              <a:t>BERTMHC</a:t>
+            </a:r>
+            <a:endParaRPr lang="es-ES_tradnl" altLang="en-US"/>
+          </a:p>
+        </p:txBody>
+      </p:sp>
     </p:spTree>
   </p:cSld>
   <p:clrMapOvr>
@@ -8117,8 +9823,8 @@
         </p:nvSpPr>
         <p:spPr>
           <a:xfrm>
-            <a:off x="1089025" y="980440"/>
-            <a:ext cx="2011680" cy="358140"/>
+            <a:off x="3643630" y="1319530"/>
+            <a:ext cx="2010410" cy="693420"/>
           </a:xfrm>
           <a:prstGeom prst="roundRect">
             <a:avLst/>
@@ -8151,22 +9857,47 @@
           <a:p>
             <a:pPr algn="ctr"/>
             <a:r>
-              <a:rPr lang="es-ES_tradnl" altLang="en-US" sz="2000">
+              <a:rPr lang="en-US">
                 <a:solidFill>
                   <a:schemeClr val="tx1"/>
                 </a:solidFill>
-                <a:cs typeface="+mn-lt"/>
-                <a:sym typeface="+mn-ea"/>
               </a:rPr>
-              <a:t>peptide</a:t>
-            </a:r>
-            <a:endParaRPr lang="es-ES_tradnl" altLang="en-US" sz="2000">
+              <a:t>KVDAGKLHY</a:t>
+            </a:r>
+            <a:endParaRPr lang="en-US">
               <a:solidFill>
                 <a:schemeClr val="tx1"/>
               </a:solidFill>
-              <a:cs typeface="+mn-lt"/>
-              <a:sym typeface="+mn-ea"/>
             </a:endParaRPr>
+          </a:p>
+        </p:txBody>
+      </p:sp>
+      <p:sp>
+        <p:nvSpPr>
+          <p:cNvPr id="8" name="Text Box 7"/>
+          <p:cNvSpPr txBox="1"/>
+          <p:nvPr/>
+        </p:nvSpPr>
+        <p:spPr>
+          <a:xfrm>
+            <a:off x="4220845" y="951230"/>
+            <a:ext cx="855980" cy="368300"/>
+          </a:xfrm>
+          <a:prstGeom prst="rect">
+            <a:avLst/>
+          </a:prstGeom>
+          <a:noFill/>
+        </p:spPr>
+        <p:txBody>
+          <a:bodyPr wrap="none" rtlCol="0">
+            <a:spAutoFit/>
+          </a:bodyPr>
+          <a:p>
+            <a:r>
+              <a:rPr lang="es-ES_tradnl" altLang="en-US"/>
+              <a:t>peptide</a:t>
+            </a:r>
+            <a:endParaRPr lang="es-ES_tradnl" altLang="en-US"/>
           </a:p>
         </p:txBody>
       </p:sp>
@@ -8178,8 +9909,8 @@
         </p:nvSpPr>
         <p:spPr>
           <a:xfrm>
-            <a:off x="3548380" y="980440"/>
-            <a:ext cx="2011680" cy="358140"/>
+            <a:off x="6678295" y="1319530"/>
+            <a:ext cx="2620010" cy="693420"/>
           </a:xfrm>
           <a:prstGeom prst="roundRect">
             <a:avLst/>
@@ -8212,20 +9943,95 @@
           <a:p>
             <a:pPr algn="ctr"/>
             <a:r>
-              <a:rPr lang="es-ES_tradnl" sz="2000">
+              <a:rPr lang="es-ES_tradnl" altLang="en-US">
                 <a:solidFill>
                   <a:schemeClr val="tx1"/>
                 </a:solidFill>
-                <a:cs typeface="+mn-lt"/>
               </a:rPr>
-              <a:t>MHC</a:t>
-            </a:r>
-            <a:endParaRPr lang="es-ES_tradnl" sz="2000">
+              <a:t>L</a:t>
+            </a:r>
+            <a:r>
+              <a:rPr lang="en-US">
+                <a:solidFill>
+                  <a:schemeClr val="tx1"/>
+                </a:solidFill>
+              </a:rPr>
+              <a:t>KV</a:t>
+            </a:r>
+            <a:r>
+              <a:rPr lang="es-ES_tradnl" altLang="en-US">
+                <a:solidFill>
+                  <a:schemeClr val="tx1"/>
+                </a:solidFill>
+              </a:rPr>
+              <a:t>B</a:t>
+            </a:r>
+            <a:r>
+              <a:rPr lang="en-US">
+                <a:solidFill>
+                  <a:schemeClr val="tx1"/>
+                </a:solidFill>
+              </a:rPr>
+              <a:t>DAG</a:t>
+            </a:r>
+            <a:r>
+              <a:rPr lang="es-ES_tradnl" altLang="en-US">
+                <a:solidFill>
+                  <a:schemeClr val="tx1"/>
+                </a:solidFill>
+              </a:rPr>
+              <a:t>O</a:t>
+            </a:r>
+            <a:r>
+              <a:rPr lang="en-US">
+                <a:solidFill>
+                  <a:schemeClr val="tx1"/>
+                </a:solidFill>
+              </a:rPr>
+              <a:t>KLHY</a:t>
+            </a:r>
+            <a:r>
+              <a:rPr lang="es-ES_tradnl" altLang="en-US">
+                <a:solidFill>
+                  <a:schemeClr val="tx1"/>
+                </a:solidFill>
+              </a:rPr>
+              <a:t>...</a:t>
+            </a:r>
+            <a:endParaRPr lang="es-ES_tradnl" altLang="en-US">
               <a:solidFill>
                 <a:schemeClr val="tx1"/>
               </a:solidFill>
-              <a:cs typeface="+mn-lt"/>
             </a:endParaRPr>
+          </a:p>
+        </p:txBody>
+      </p:sp>
+      <p:sp>
+        <p:nvSpPr>
+          <p:cNvPr id="5" name="Text Box 4"/>
+          <p:cNvSpPr txBox="1"/>
+          <p:nvPr/>
+        </p:nvSpPr>
+        <p:spPr>
+          <a:xfrm>
+            <a:off x="7636510" y="951230"/>
+            <a:ext cx="703580" cy="368300"/>
+          </a:xfrm>
+          <a:prstGeom prst="rect">
+            <a:avLst/>
+          </a:prstGeom>
+          <a:noFill/>
+        </p:spPr>
+        <p:txBody>
+          <a:bodyPr wrap="none" rtlCol="0">
+            <a:spAutoFit/>
+          </a:bodyPr>
+          <a:p>
+            <a:r>
+              <a:rPr lang="es-ES_tradnl" altLang="en-US"/>
+              <a:t>MHC</a:t>
+            </a:r>
+            <a:endParaRPr lang="es-ES_tradnl" altLang="en-US"/>
           </a:p>
         </p:txBody>
       </p:sp>
@@ -8237,8 +10043,8 @@
         </p:nvSpPr>
         <p:spPr>
           <a:xfrm>
-            <a:off x="1089660" y="2505075"/>
-            <a:ext cx="4471670" cy="779780"/>
+            <a:off x="3643630" y="2511425"/>
+            <a:ext cx="5689600" cy="719455"/>
           </a:xfrm>
           <a:prstGeom prst="roundRect">
             <a:avLst/>
@@ -8278,23 +10084,87 @@
           <a:p>
             <a:pPr algn="ctr"/>
             <a:r>
-              <a:rPr lang="es-ES_tradnl" altLang="en-US" sz="2000">
+              <a:rPr lang="es-ES_tradnl" altLang="en-US">
                 <a:solidFill>
                   <a:srgbClr val="2E75B6"/>
                 </a:solidFill>
-                <a:cs typeface="+mn-lt"/>
               </a:rPr>
-              <a:t>ESM-1b</a:t>
-            </a:r>
-            <a:endParaRPr lang="es-ES_tradnl" altLang="en-US" sz="2000">
+              <a:t>Deep learning model</a:t>
+            </a:r>
+            <a:endParaRPr lang="es-ES_tradnl" altLang="en-US">
               <a:solidFill>
                 <a:srgbClr val="2E75B6"/>
               </a:solidFill>
-              <a:cs typeface="+mn-lt"/>
             </a:endParaRPr>
           </a:p>
         </p:txBody>
       </p:sp>
+      <p:cxnSp>
+        <p:nvCxnSpPr>
+          <p:cNvPr id="13" name="Straight Arrow Connector 12"/>
+          <p:cNvCxnSpPr/>
+          <p:nvPr/>
+        </p:nvCxnSpPr>
+        <p:spPr>
+          <a:xfrm flipH="1">
+            <a:off x="4647565" y="2110105"/>
+            <a:ext cx="3175" cy="283210"/>
+          </a:xfrm>
+          <a:prstGeom prst="straightConnector1">
+            <a:avLst/>
+          </a:prstGeom>
+          <a:ln w="25400">
+            <a:tailEnd type="arrow"/>
+          </a:ln>
+        </p:spPr>
+        <p:style>
+          <a:lnRef idx="1">
+            <a:schemeClr val="accent1"/>
+          </a:lnRef>
+          <a:fillRef idx="0">
+            <a:schemeClr val="accent1"/>
+          </a:fillRef>
+          <a:effectRef idx="0">
+            <a:schemeClr val="accent1"/>
+          </a:effectRef>
+          <a:fontRef idx="minor">
+            <a:schemeClr val="tx1"/>
+          </a:fontRef>
+        </p:style>
+      </p:cxnSp>
+      <p:cxnSp>
+        <p:nvCxnSpPr>
+          <p:cNvPr id="14" name="Straight Arrow Connector 13"/>
+          <p:cNvCxnSpPr/>
+          <p:nvPr/>
+        </p:nvCxnSpPr>
+        <p:spPr>
+          <a:xfrm flipH="1">
+            <a:off x="7986395" y="2110105"/>
+            <a:ext cx="3175" cy="283210"/>
+          </a:xfrm>
+          <a:prstGeom prst="straightConnector1">
+            <a:avLst/>
+          </a:prstGeom>
+          <a:ln w="25400">
+            <a:tailEnd type="arrow"/>
+          </a:ln>
+        </p:spPr>
+        <p:style>
+          <a:lnRef idx="1">
+            <a:schemeClr val="accent1"/>
+          </a:lnRef>
+          <a:fillRef idx="0">
+            <a:schemeClr val="accent1"/>
+          </a:fillRef>
+          <a:effectRef idx="0">
+            <a:schemeClr val="accent1"/>
+          </a:effectRef>
+          <a:fontRef idx="minor">
+            <a:schemeClr val="tx1"/>
+          </a:fontRef>
+        </p:style>
+      </p:cxnSp>
       <p:sp>
         <p:nvSpPr>
           <p:cNvPr id="15" name="Rounded Rectangle 14"/>
@@ -8303,8 +10173,8 @@
         </p:nvSpPr>
         <p:spPr>
           <a:xfrm>
-            <a:off x="1089025" y="4737100"/>
-            <a:ext cx="4471035" cy="654685"/>
+            <a:off x="5880735" y="3655060"/>
+            <a:ext cx="1052195" cy="415290"/>
           </a:xfrm>
           <a:prstGeom prst="roundRect">
             <a:avLst/>
@@ -8337,1266 +10207,54 @@
           <a:p>
             <a:pPr algn="ctr"/>
             <a:r>
-              <a:rPr lang="es-ES_tradnl" altLang="en-US" sz="2000">
+              <a:rPr lang="es-ES_tradnl" altLang="en-US">
                 <a:solidFill>
                   <a:schemeClr val="tx1"/>
                 </a:solidFill>
-                <a:cs typeface="+mn-lt"/>
               </a:rPr>
-              <a:t>pMHC binding / presentation prediction</a:t>
-            </a:r>
-            <a:endParaRPr lang="es-ES_tradnl" altLang="en-US" sz="2000">
+              <a:t>0/1</a:t>
+            </a:r>
+            <a:endParaRPr lang="es-ES_tradnl" altLang="en-US">
               <a:solidFill>
                 <a:schemeClr val="tx1"/>
               </a:solidFill>
-              <a:cs typeface="+mn-lt"/>
             </a:endParaRPr>
           </a:p>
         </p:txBody>
       </p:sp>
-      <p:sp>
-        <p:nvSpPr>
-          <p:cNvPr id="7" name="Rounded Rectangle 6"/>
-          <p:cNvSpPr/>
-          <p:nvPr/>
-        </p:nvSpPr>
-        <p:spPr>
-          <a:xfrm>
-            <a:off x="1089025" y="1703705"/>
-            <a:ext cx="4472940" cy="451485"/>
-          </a:xfrm>
-          <a:prstGeom prst="roundRect">
-            <a:avLst/>
-          </a:prstGeom>
-          <a:solidFill>
-            <a:schemeClr val="accent1">
-              <a:lumMod val="40000"/>
-              <a:lumOff val="60000"/>
-            </a:schemeClr>
-          </a:solidFill>
-          <a:ln>
-            <a:solidFill>
-              <a:schemeClr val="accent1">
-                <a:lumMod val="75000"/>
-              </a:schemeClr>
-            </a:solidFill>
+      <p:cxnSp>
+        <p:nvCxnSpPr>
+          <p:cNvPr id="16" name="Straight Arrow Connector 15"/>
+          <p:cNvCxnSpPr/>
+          <p:nvPr/>
+        </p:nvCxnSpPr>
+        <p:spPr>
+          <a:xfrm flipH="1">
+            <a:off x="6405245" y="3287395"/>
+            <a:ext cx="3175" cy="283210"/>
+          </a:xfrm>
+          <a:prstGeom prst="straightConnector1">
+            <a:avLst/>
+          </a:prstGeom>
+          <a:ln w="25400">
+            <a:tailEnd type="arrow"/>
           </a:ln>
         </p:spPr>
         <p:style>
-          <a:lnRef idx="2">
-            <a:schemeClr val="accent1">
-              <a:shade val="50000"/>
-            </a:schemeClr>
-          </a:lnRef>
-          <a:fillRef idx="1">
-            <a:schemeClr val="accent1"/>
-          </a:fillRef>
-          <a:effectRef idx="0">
-            <a:schemeClr val="accent1"/>
-          </a:effectRef>
-          <a:fontRef idx="minor">
-            <a:schemeClr val="lt1"/>
-          </a:fontRef>
-        </p:style>
-        <p:txBody>
-          <a:bodyPr rtlCol="0" anchor="ctr"/>
-          <a:p>
-            <a:pPr algn="ctr"/>
-            <a:r>
-              <a:rPr lang="es-ES_tradnl" altLang="en-US" sz="2000">
-                <a:solidFill>
-                  <a:srgbClr val="2E75B6"/>
-                </a:solidFill>
-                <a:cs typeface="+mn-lt"/>
-              </a:rPr>
-              <a:t>Concatenate - padding - tokenize</a:t>
-            </a:r>
-            <a:endParaRPr lang="es-ES_tradnl" altLang="en-US" sz="2000">
-              <a:solidFill>
-                <a:srgbClr val="2E75B6"/>
-              </a:solidFill>
-              <a:cs typeface="+mn-lt"/>
-            </a:endParaRPr>
-          </a:p>
-        </p:txBody>
-      </p:sp>
-      <p:sp>
-        <p:nvSpPr>
-          <p:cNvPr id="9" name="Down Arrow 8"/>
-          <p:cNvSpPr/>
-          <p:nvPr/>
-        </p:nvSpPr>
-        <p:spPr>
-          <a:xfrm>
-            <a:off x="1917700" y="1422400"/>
-            <a:ext cx="271145" cy="198755"/>
-          </a:xfrm>
-          <a:prstGeom prst="downArrow">
-            <a:avLst/>
-          </a:prstGeom>
-          <a:solidFill>
-            <a:schemeClr val="accent1">
-              <a:lumMod val="40000"/>
-              <a:lumOff val="60000"/>
-            </a:schemeClr>
-          </a:solidFill>
-        </p:spPr>
-        <p:style>
-          <a:lnRef idx="2">
-            <a:schemeClr val="accent1">
-              <a:shade val="50000"/>
-            </a:schemeClr>
-          </a:lnRef>
-          <a:fillRef idx="1">
-            <a:schemeClr val="accent1"/>
-          </a:fillRef>
-          <a:effectRef idx="0">
-            <a:schemeClr val="accent1"/>
-          </a:effectRef>
-          <a:fontRef idx="minor">
-            <a:schemeClr val="lt1"/>
-          </a:fontRef>
-        </p:style>
-        <p:txBody>
-          <a:bodyPr rtlCol="0" anchor="ctr"/>
-          <a:p>
-            <a:pPr algn="ctr"/>
-            <a:endParaRPr lang="en-US" sz="2000">
-              <a:cs typeface="+mn-lt"/>
-            </a:endParaRPr>
-          </a:p>
-        </p:txBody>
-      </p:sp>
-      <p:sp>
-        <p:nvSpPr>
-          <p:cNvPr id="10" name="Down Arrow 9"/>
-          <p:cNvSpPr/>
-          <p:nvPr/>
-        </p:nvSpPr>
-        <p:spPr>
-          <a:xfrm>
-            <a:off x="4291965" y="1421765"/>
-            <a:ext cx="271145" cy="199390"/>
-          </a:xfrm>
-          <a:prstGeom prst="downArrow">
-            <a:avLst/>
-          </a:prstGeom>
-          <a:solidFill>
-            <a:schemeClr val="accent1">
-              <a:lumMod val="40000"/>
-              <a:lumOff val="60000"/>
-            </a:schemeClr>
-          </a:solidFill>
-        </p:spPr>
-        <p:style>
-          <a:lnRef idx="2">
-            <a:schemeClr val="accent1">
-              <a:shade val="50000"/>
-            </a:schemeClr>
-          </a:lnRef>
-          <a:fillRef idx="1">
-            <a:schemeClr val="accent1"/>
-          </a:fillRef>
-          <a:effectRef idx="0">
-            <a:schemeClr val="accent1"/>
-          </a:effectRef>
-          <a:fontRef idx="minor">
-            <a:schemeClr val="lt1"/>
-          </a:fontRef>
-        </p:style>
-        <p:txBody>
-          <a:bodyPr rtlCol="0" anchor="ctr"/>
-          <a:p>
-            <a:pPr algn="ctr"/>
-            <a:endParaRPr lang="en-US" sz="2000">
-              <a:cs typeface="+mn-lt"/>
-            </a:endParaRPr>
-          </a:p>
-        </p:txBody>
-      </p:sp>
-      <p:sp>
-        <p:nvSpPr>
-          <p:cNvPr id="11" name="Rounded Rectangle 10"/>
-          <p:cNvSpPr/>
-          <p:nvPr/>
-        </p:nvSpPr>
-        <p:spPr>
-          <a:xfrm>
-            <a:off x="1089025" y="3625215"/>
-            <a:ext cx="4471670" cy="787400"/>
-          </a:xfrm>
-          <a:prstGeom prst="roundRect">
-            <a:avLst/>
-          </a:prstGeom>
-          <a:solidFill>
-            <a:schemeClr val="accent1">
-              <a:lumMod val="20000"/>
-              <a:lumOff val="80000"/>
-            </a:schemeClr>
-          </a:solidFill>
-          <a:ln>
-            <a:solidFill>
-              <a:schemeClr val="accent1">
-                <a:lumMod val="75000"/>
-              </a:schemeClr>
-            </a:solidFill>
-          </a:ln>
-        </p:spPr>
-        <p:style>
-          <a:lnRef idx="2">
-            <a:schemeClr val="accent1">
-              <a:shade val="50000"/>
-            </a:schemeClr>
-          </a:lnRef>
-          <a:fillRef idx="1">
-            <a:schemeClr val="accent1"/>
-          </a:fillRef>
-          <a:effectRef idx="0">
-            <a:schemeClr val="accent1"/>
-          </a:effectRef>
-          <a:fontRef idx="minor">
-            <a:schemeClr val="lt1"/>
-          </a:fontRef>
-        </p:style>
-        <p:txBody>
-          <a:bodyPr rtlCol="0" anchor="ctr"/>
-          <a:p>
-            <a:pPr algn="ctr"/>
-            <a:r>
-              <a:rPr lang="es-ES_tradnl" altLang="en-US" sz="2000">
-                <a:solidFill>
-                  <a:srgbClr val="2E75B6"/>
-                </a:solidFill>
-                <a:cs typeface="+mn-lt"/>
-              </a:rPr>
-              <a:t>BiLSTM</a:t>
-            </a:r>
-            <a:endParaRPr lang="es-ES_tradnl" altLang="en-US" sz="2000">
-              <a:solidFill>
-                <a:srgbClr val="2E75B6"/>
-              </a:solidFill>
-              <a:cs typeface="+mn-lt"/>
-            </a:endParaRPr>
-          </a:p>
-        </p:txBody>
-      </p:sp>
-      <p:sp>
-        <p:nvSpPr>
-          <p:cNvPr id="17" name="Down Arrow 16"/>
-          <p:cNvSpPr/>
-          <p:nvPr/>
-        </p:nvSpPr>
-        <p:spPr>
-          <a:xfrm>
-            <a:off x="3188970" y="2231390"/>
-            <a:ext cx="271145" cy="198755"/>
-          </a:xfrm>
-          <a:prstGeom prst="downArrow">
-            <a:avLst/>
-          </a:prstGeom>
-          <a:solidFill>
-            <a:schemeClr val="accent1">
-              <a:lumMod val="40000"/>
-              <a:lumOff val="60000"/>
-            </a:schemeClr>
-          </a:solidFill>
-        </p:spPr>
-        <p:style>
-          <a:lnRef idx="2">
-            <a:schemeClr val="accent1">
-              <a:shade val="50000"/>
-            </a:schemeClr>
-          </a:lnRef>
-          <a:fillRef idx="1">
-            <a:schemeClr val="accent1"/>
-          </a:fillRef>
-          <a:effectRef idx="0">
-            <a:schemeClr val="accent1"/>
-          </a:effectRef>
-          <a:fontRef idx="minor">
-            <a:schemeClr val="lt1"/>
-          </a:fontRef>
-        </p:style>
-        <p:txBody>
-          <a:bodyPr rtlCol="0" anchor="ctr"/>
-          <a:p>
-            <a:pPr algn="ctr"/>
-            <a:endParaRPr lang="en-US" sz="2000">
-              <a:cs typeface="+mn-lt"/>
-            </a:endParaRPr>
-          </a:p>
-        </p:txBody>
-      </p:sp>
-      <p:sp>
-        <p:nvSpPr>
-          <p:cNvPr id="18" name="Down Arrow 17"/>
-          <p:cNvSpPr/>
-          <p:nvPr/>
-        </p:nvSpPr>
-        <p:spPr>
-          <a:xfrm>
-            <a:off x="3188970" y="3355975"/>
-            <a:ext cx="271145" cy="198755"/>
-          </a:xfrm>
-          <a:prstGeom prst="downArrow">
-            <a:avLst/>
-          </a:prstGeom>
-          <a:solidFill>
-            <a:schemeClr val="accent1">
-              <a:lumMod val="40000"/>
-              <a:lumOff val="60000"/>
-            </a:schemeClr>
-          </a:solidFill>
-        </p:spPr>
-        <p:style>
-          <a:lnRef idx="2">
-            <a:schemeClr val="accent1">
-              <a:shade val="50000"/>
-            </a:schemeClr>
-          </a:lnRef>
-          <a:fillRef idx="1">
-            <a:schemeClr val="accent1"/>
-          </a:fillRef>
-          <a:effectRef idx="0">
-            <a:schemeClr val="accent1"/>
-          </a:effectRef>
-          <a:fontRef idx="minor">
-            <a:schemeClr val="lt1"/>
-          </a:fontRef>
-        </p:style>
-        <p:txBody>
-          <a:bodyPr rtlCol="0" anchor="ctr"/>
-          <a:p>
-            <a:pPr algn="ctr"/>
-            <a:endParaRPr lang="en-US" sz="2000">
-              <a:cs typeface="+mn-lt"/>
-            </a:endParaRPr>
-          </a:p>
-        </p:txBody>
-      </p:sp>
-      <p:sp>
-        <p:nvSpPr>
-          <p:cNvPr id="19" name="Down Arrow 18"/>
-          <p:cNvSpPr/>
-          <p:nvPr/>
-        </p:nvSpPr>
-        <p:spPr>
-          <a:xfrm>
-            <a:off x="3188970" y="4485640"/>
-            <a:ext cx="271145" cy="198755"/>
-          </a:xfrm>
-          <a:prstGeom prst="downArrow">
-            <a:avLst/>
-          </a:prstGeom>
-          <a:solidFill>
-            <a:schemeClr val="accent1">
-              <a:lumMod val="40000"/>
-              <a:lumOff val="60000"/>
-            </a:schemeClr>
-          </a:solidFill>
-        </p:spPr>
-        <p:style>
-          <a:lnRef idx="2">
-            <a:schemeClr val="accent1">
-              <a:shade val="50000"/>
-            </a:schemeClr>
-          </a:lnRef>
-          <a:fillRef idx="1">
-            <a:schemeClr val="accent1"/>
-          </a:fillRef>
-          <a:effectRef idx="0">
-            <a:schemeClr val="accent1"/>
-          </a:effectRef>
-          <a:fontRef idx="minor">
-            <a:schemeClr val="lt1"/>
-          </a:fontRef>
-        </p:style>
-        <p:txBody>
-          <a:bodyPr rtlCol="0" anchor="ctr"/>
-          <a:p>
-            <a:pPr algn="ctr"/>
-            <a:endParaRPr lang="en-US" sz="2000">
-              <a:cs typeface="+mn-lt"/>
-            </a:endParaRPr>
-          </a:p>
-        </p:txBody>
-      </p:sp>
-      <p:sp>
-        <p:nvSpPr>
-          <p:cNvPr id="20" name="Rounded Rectangle 19"/>
-          <p:cNvSpPr/>
-          <p:nvPr/>
-        </p:nvSpPr>
-        <p:spPr>
-          <a:xfrm>
-            <a:off x="1088390" y="2505075"/>
-            <a:ext cx="4471670" cy="779780"/>
-          </a:xfrm>
-          <a:prstGeom prst="roundRect">
-            <a:avLst/>
-          </a:prstGeom>
-          <a:solidFill>
-            <a:schemeClr val="accent1">
-              <a:lumMod val="20000"/>
-              <a:lumOff val="80000"/>
-            </a:schemeClr>
-          </a:solidFill>
-          <a:ln>
-            <a:solidFill>
-              <a:schemeClr val="accent1">
-                <a:lumMod val="75000"/>
-              </a:schemeClr>
-            </a:solidFill>
-          </a:ln>
-        </p:spPr>
-        <p:style>
-          <a:lnRef idx="2">
-            <a:schemeClr val="accent1">
-              <a:shade val="50000"/>
-            </a:schemeClr>
-          </a:lnRef>
-          <a:fillRef idx="1">
-            <a:schemeClr val="accent1"/>
-          </a:fillRef>
-          <a:effectRef idx="0">
-            <a:schemeClr val="accent1"/>
-          </a:effectRef>
-          <a:fontRef idx="minor">
-            <a:schemeClr val="lt1"/>
-          </a:fontRef>
-        </p:style>
-        <p:txBody>
-          <a:bodyPr rtlCol="0" anchor="ctr"/>
-          <a:p>
-            <a:pPr algn="ctr"/>
-            <a:r>
-              <a:rPr lang="es-ES_tradnl" altLang="en-US" sz="2000">
-                <a:solidFill>
-                  <a:srgbClr val="2E75B6"/>
-                </a:solidFill>
-                <a:cs typeface="+mn-lt"/>
-              </a:rPr>
-              <a:t>ESM2</a:t>
-            </a:r>
-            <a:endParaRPr lang="es-ES_tradnl" altLang="en-US" sz="2000">
-              <a:solidFill>
-                <a:srgbClr val="2E75B6"/>
-              </a:solidFill>
-              <a:cs typeface="+mn-lt"/>
-            </a:endParaRPr>
-          </a:p>
-        </p:txBody>
-      </p:sp>
-      <p:sp>
-        <p:nvSpPr>
-          <p:cNvPr id="21" name="Rounded Rectangle 20"/>
-          <p:cNvSpPr/>
-          <p:nvPr/>
-        </p:nvSpPr>
-        <p:spPr>
-          <a:xfrm>
-            <a:off x="1089025" y="1701165"/>
-            <a:ext cx="4472940" cy="451485"/>
-          </a:xfrm>
-          <a:prstGeom prst="roundRect">
-            <a:avLst/>
-          </a:prstGeom>
-          <a:solidFill>
-            <a:schemeClr val="accent1">
-              <a:lumMod val="20000"/>
-              <a:lumOff val="80000"/>
-            </a:schemeClr>
-          </a:solidFill>
-          <a:ln>
-            <a:solidFill>
-              <a:schemeClr val="accent1">
-                <a:lumMod val="75000"/>
-              </a:schemeClr>
-            </a:solidFill>
-          </a:ln>
-        </p:spPr>
-        <p:style>
-          <a:lnRef idx="2">
-            <a:schemeClr val="accent1">
-              <a:shade val="50000"/>
-            </a:schemeClr>
-          </a:lnRef>
-          <a:fillRef idx="1">
-            <a:schemeClr val="accent1"/>
-          </a:fillRef>
-          <a:effectRef idx="0">
-            <a:schemeClr val="accent1"/>
-          </a:effectRef>
-          <a:fontRef idx="minor">
-            <a:schemeClr val="lt1"/>
-          </a:fontRef>
-        </p:style>
-        <p:txBody>
-          <a:bodyPr rtlCol="0" anchor="ctr"/>
-          <a:p>
-            <a:pPr algn="ctr"/>
-            <a:r>
-              <a:rPr lang="es-ES_tradnl" altLang="en-US" sz="2000">
-                <a:solidFill>
-                  <a:srgbClr val="2E75B6"/>
-                </a:solidFill>
-                <a:cs typeface="+mn-lt"/>
-              </a:rPr>
-              <a:t>Concatenate - padding - tokenize</a:t>
-            </a:r>
-            <a:endParaRPr lang="es-ES_tradnl" altLang="en-US" sz="2000">
-              <a:solidFill>
-                <a:srgbClr val="2E75B6"/>
-              </a:solidFill>
-              <a:cs typeface="+mn-lt"/>
-            </a:endParaRPr>
-          </a:p>
-        </p:txBody>
-      </p:sp>
-      <p:sp>
-        <p:nvSpPr>
-          <p:cNvPr id="31" name="Rounded Rectangle 30"/>
-          <p:cNvSpPr/>
-          <p:nvPr/>
-        </p:nvSpPr>
-        <p:spPr>
-          <a:xfrm>
-            <a:off x="6403340" y="980440"/>
-            <a:ext cx="2011680" cy="358140"/>
-          </a:xfrm>
-          <a:prstGeom prst="roundRect">
-            <a:avLst/>
-          </a:prstGeom>
-          <a:noFill/>
-          <a:ln>
-            <a:solidFill>
-              <a:srgbClr val="202020"/>
-            </a:solidFill>
-          </a:ln>
-        </p:spPr>
-        <p:style>
-          <a:lnRef idx="2">
-            <a:schemeClr val="accent1">
-              <a:shade val="50000"/>
-            </a:schemeClr>
-          </a:lnRef>
-          <a:fillRef idx="1">
-            <a:schemeClr val="accent1"/>
-          </a:fillRef>
-          <a:effectRef idx="0">
-            <a:schemeClr val="accent1"/>
-          </a:effectRef>
-          <a:fontRef idx="minor">
-            <a:schemeClr val="lt1"/>
-          </a:fontRef>
-        </p:style>
-        <p:txBody>
-          <a:bodyPr rtlCol="0" anchor="ctr"/>
-          <a:p>
-            <a:pPr algn="ctr"/>
-            <a:r>
-              <a:rPr lang="es-ES_tradnl" altLang="en-US" sz="2000">
-                <a:solidFill>
-                  <a:schemeClr val="tx1"/>
-                </a:solidFill>
-                <a:cs typeface="+mn-lt"/>
-                <a:sym typeface="+mn-ea"/>
-              </a:rPr>
-              <a:t>pMHC</a:t>
-            </a:r>
-            <a:endParaRPr lang="es-ES_tradnl" altLang="en-US" sz="2000">
-              <a:solidFill>
-                <a:schemeClr val="tx1"/>
-              </a:solidFill>
-              <a:cs typeface="+mn-lt"/>
-              <a:sym typeface="+mn-ea"/>
-            </a:endParaRPr>
-          </a:p>
-        </p:txBody>
-      </p:sp>
-      <p:sp>
-        <p:nvSpPr>
-          <p:cNvPr id="32" name="Rounded Rectangle 31"/>
-          <p:cNvSpPr/>
-          <p:nvPr/>
-        </p:nvSpPr>
-        <p:spPr>
-          <a:xfrm>
-            <a:off x="8862695" y="980440"/>
-            <a:ext cx="2011680" cy="358140"/>
-          </a:xfrm>
-          <a:prstGeom prst="roundRect">
-            <a:avLst/>
-          </a:prstGeom>
-          <a:noFill/>
-          <a:ln>
-            <a:solidFill>
-              <a:srgbClr val="202020"/>
-            </a:solidFill>
-          </a:ln>
-        </p:spPr>
-        <p:style>
-          <a:lnRef idx="2">
-            <a:schemeClr val="accent1">
-              <a:shade val="50000"/>
-            </a:schemeClr>
-          </a:lnRef>
-          <a:fillRef idx="1">
-            <a:schemeClr val="accent1"/>
-          </a:fillRef>
-          <a:effectRef idx="0">
-            <a:schemeClr val="accent1"/>
-          </a:effectRef>
-          <a:fontRef idx="minor">
-            <a:schemeClr val="lt1"/>
-          </a:fontRef>
-        </p:style>
-        <p:txBody>
-          <a:bodyPr rtlCol="0" anchor="ctr"/>
-          <a:p>
-            <a:pPr algn="ctr"/>
-            <a:r>
-              <a:rPr lang="es-ES_tradnl" sz="2000">
-                <a:solidFill>
-                  <a:schemeClr val="tx1"/>
-                </a:solidFill>
-                <a:cs typeface="+mn-lt"/>
-              </a:rPr>
-              <a:t>TCR</a:t>
-            </a:r>
-            <a:endParaRPr lang="es-ES_tradnl" sz="2000">
-              <a:solidFill>
-                <a:schemeClr val="tx1"/>
-              </a:solidFill>
-              <a:cs typeface="+mn-lt"/>
-            </a:endParaRPr>
-          </a:p>
-        </p:txBody>
-      </p:sp>
-      <p:sp>
-        <p:nvSpPr>
-          <p:cNvPr id="33" name="Rounded Rectangle 32"/>
-          <p:cNvSpPr/>
-          <p:nvPr/>
-        </p:nvSpPr>
-        <p:spPr>
-          <a:xfrm>
-            <a:off x="6403975" y="2505075"/>
-            <a:ext cx="4471670" cy="779780"/>
-          </a:xfrm>
-          <a:prstGeom prst="roundRect">
-            <a:avLst/>
-          </a:prstGeom>
-          <a:solidFill>
-            <a:schemeClr val="accent1">
-              <a:lumMod val="40000"/>
-              <a:lumOff val="60000"/>
-            </a:schemeClr>
-          </a:solidFill>
-          <a:ln>
-            <a:solidFill>
-              <a:schemeClr val="accent1">
-                <a:lumMod val="75000"/>
-              </a:schemeClr>
-            </a:solidFill>
-          </a:ln>
-        </p:spPr>
-        <p:style>
-          <a:lnRef idx="2">
-            <a:schemeClr val="accent1">
-              <a:shade val="50000"/>
-            </a:schemeClr>
-          </a:lnRef>
-          <a:fillRef idx="1">
-            <a:schemeClr val="accent1"/>
-          </a:fillRef>
-          <a:effectRef idx="0">
-            <a:schemeClr val="accent1"/>
-          </a:effectRef>
-          <a:fontRef idx="minor">
-            <a:schemeClr val="lt1"/>
-          </a:fontRef>
-        </p:style>
-        <p:txBody>
-          <a:bodyPr rtlCol="0" anchor="ctr"/>
-          <a:p>
-            <a:pPr algn="ctr"/>
-            <a:r>
-              <a:rPr lang="es-ES_tradnl" altLang="en-US" sz="2000">
-                <a:solidFill>
-                  <a:srgbClr val="2E75B6"/>
-                </a:solidFill>
-                <a:cs typeface="+mn-lt"/>
-              </a:rPr>
-              <a:t>ESM-1b</a:t>
-            </a:r>
-            <a:endParaRPr lang="es-ES_tradnl" altLang="en-US" sz="2000">
-              <a:solidFill>
-                <a:srgbClr val="2E75B6"/>
-              </a:solidFill>
-              <a:cs typeface="+mn-lt"/>
-            </a:endParaRPr>
-          </a:p>
-        </p:txBody>
-      </p:sp>
-      <p:sp>
-        <p:nvSpPr>
-          <p:cNvPr id="34" name="Rounded Rectangle 33"/>
-          <p:cNvSpPr/>
-          <p:nvPr/>
-        </p:nvSpPr>
-        <p:spPr>
-          <a:xfrm>
-            <a:off x="6403340" y="4737100"/>
-            <a:ext cx="4471035" cy="654685"/>
-          </a:xfrm>
-          <a:prstGeom prst="roundRect">
-            <a:avLst/>
-          </a:prstGeom>
-          <a:noFill/>
-          <a:ln>
-            <a:solidFill>
-              <a:srgbClr val="202020"/>
-            </a:solidFill>
-          </a:ln>
-        </p:spPr>
-        <p:style>
-          <a:lnRef idx="2">
-            <a:schemeClr val="accent1">
-              <a:shade val="50000"/>
-            </a:schemeClr>
-          </a:lnRef>
-          <a:fillRef idx="1">
-            <a:schemeClr val="accent1"/>
-          </a:fillRef>
-          <a:effectRef idx="0">
-            <a:schemeClr val="accent1"/>
-          </a:effectRef>
-          <a:fontRef idx="minor">
-            <a:schemeClr val="lt1"/>
-          </a:fontRef>
-        </p:style>
-        <p:txBody>
-          <a:bodyPr rtlCol="0" anchor="ctr"/>
-          <a:p>
-            <a:pPr algn="ctr"/>
-            <a:r>
-              <a:rPr lang="es-ES_tradnl" altLang="en-US" sz="2000">
-                <a:solidFill>
-                  <a:schemeClr val="tx1"/>
-                </a:solidFill>
-                <a:cs typeface="+mn-lt"/>
-              </a:rPr>
-              <a:t>pMHC-TCR</a:t>
-            </a:r>
-            <a:endParaRPr lang="es-ES_tradnl" altLang="en-US" sz="2000">
-              <a:solidFill>
-                <a:schemeClr val="tx1"/>
-              </a:solidFill>
-              <a:cs typeface="+mn-lt"/>
-            </a:endParaRPr>
-          </a:p>
-        </p:txBody>
-      </p:sp>
-      <p:sp>
-        <p:nvSpPr>
-          <p:cNvPr id="35" name="Rounded Rectangle 34"/>
-          <p:cNvSpPr/>
-          <p:nvPr/>
-        </p:nvSpPr>
-        <p:spPr>
-          <a:xfrm>
-            <a:off x="6403340" y="1703705"/>
-            <a:ext cx="4472940" cy="451485"/>
-          </a:xfrm>
-          <a:prstGeom prst="roundRect">
-            <a:avLst/>
-          </a:prstGeom>
-          <a:solidFill>
-            <a:schemeClr val="accent1">
-              <a:lumMod val="40000"/>
-              <a:lumOff val="60000"/>
-            </a:schemeClr>
-          </a:solidFill>
-          <a:ln>
-            <a:solidFill>
-              <a:schemeClr val="accent1">
-                <a:lumMod val="75000"/>
-              </a:schemeClr>
-            </a:solidFill>
-          </a:ln>
-        </p:spPr>
-        <p:style>
-          <a:lnRef idx="2">
-            <a:schemeClr val="accent1">
-              <a:shade val="50000"/>
-            </a:schemeClr>
-          </a:lnRef>
-          <a:fillRef idx="1">
-            <a:schemeClr val="accent1"/>
-          </a:fillRef>
-          <a:effectRef idx="0">
-            <a:schemeClr val="accent1"/>
-          </a:effectRef>
-          <a:fontRef idx="minor">
-            <a:schemeClr val="lt1"/>
-          </a:fontRef>
-        </p:style>
-        <p:txBody>
-          <a:bodyPr rtlCol="0" anchor="ctr"/>
-          <a:p>
-            <a:pPr algn="ctr"/>
-            <a:r>
-              <a:rPr lang="es-ES_tradnl" altLang="en-US" sz="2000">
-                <a:solidFill>
-                  <a:srgbClr val="2E75B6"/>
-                </a:solidFill>
-                <a:cs typeface="+mn-lt"/>
-              </a:rPr>
-              <a:t>Concatenate - padding - tokenize</a:t>
-            </a:r>
-            <a:endParaRPr lang="es-ES_tradnl" altLang="en-US" sz="2000">
-              <a:solidFill>
-                <a:srgbClr val="2E75B6"/>
-              </a:solidFill>
-              <a:cs typeface="+mn-lt"/>
-            </a:endParaRPr>
-          </a:p>
-        </p:txBody>
-      </p:sp>
-      <p:sp>
-        <p:nvSpPr>
-          <p:cNvPr id="36" name="Down Arrow 35"/>
-          <p:cNvSpPr/>
-          <p:nvPr/>
-        </p:nvSpPr>
-        <p:spPr>
-          <a:xfrm>
-            <a:off x="7232015" y="1422400"/>
-            <a:ext cx="271145" cy="198755"/>
-          </a:xfrm>
-          <a:prstGeom prst="downArrow">
-            <a:avLst/>
-          </a:prstGeom>
-          <a:solidFill>
-            <a:schemeClr val="accent1">
-              <a:lumMod val="40000"/>
-              <a:lumOff val="60000"/>
-            </a:schemeClr>
-          </a:solidFill>
-        </p:spPr>
-        <p:style>
-          <a:lnRef idx="2">
-            <a:schemeClr val="accent1">
-              <a:shade val="50000"/>
-            </a:schemeClr>
-          </a:lnRef>
-          <a:fillRef idx="1">
-            <a:schemeClr val="accent1"/>
-          </a:fillRef>
-          <a:effectRef idx="0">
-            <a:schemeClr val="accent1"/>
-          </a:effectRef>
-          <a:fontRef idx="minor">
-            <a:schemeClr val="lt1"/>
-          </a:fontRef>
-        </p:style>
-        <p:txBody>
-          <a:bodyPr rtlCol="0" anchor="ctr"/>
-          <a:p>
-            <a:pPr algn="ctr"/>
-            <a:endParaRPr lang="en-US" sz="2000">
-              <a:cs typeface="+mn-lt"/>
-            </a:endParaRPr>
-          </a:p>
-        </p:txBody>
-      </p:sp>
-      <p:sp>
-        <p:nvSpPr>
-          <p:cNvPr id="37" name="Down Arrow 36"/>
-          <p:cNvSpPr/>
-          <p:nvPr/>
-        </p:nvSpPr>
-        <p:spPr>
-          <a:xfrm>
-            <a:off x="9606280" y="1421765"/>
-            <a:ext cx="271145" cy="199390"/>
-          </a:xfrm>
-          <a:prstGeom prst="downArrow">
-            <a:avLst/>
-          </a:prstGeom>
-          <a:solidFill>
-            <a:schemeClr val="accent1">
-              <a:lumMod val="40000"/>
-              <a:lumOff val="60000"/>
-            </a:schemeClr>
-          </a:solidFill>
-        </p:spPr>
-        <p:style>
-          <a:lnRef idx="2">
-            <a:schemeClr val="accent1">
-              <a:shade val="50000"/>
-            </a:schemeClr>
-          </a:lnRef>
-          <a:fillRef idx="1">
-            <a:schemeClr val="accent1"/>
-          </a:fillRef>
-          <a:effectRef idx="0">
-            <a:schemeClr val="accent1"/>
-          </a:effectRef>
-          <a:fontRef idx="minor">
-            <a:schemeClr val="lt1"/>
-          </a:fontRef>
-        </p:style>
-        <p:txBody>
-          <a:bodyPr rtlCol="0" anchor="ctr"/>
-          <a:p>
-            <a:pPr algn="ctr"/>
-            <a:endParaRPr lang="en-US" sz="2000">
-              <a:cs typeface="+mn-lt"/>
-            </a:endParaRPr>
-          </a:p>
-        </p:txBody>
-      </p:sp>
-      <p:sp>
-        <p:nvSpPr>
-          <p:cNvPr id="38" name="Rounded Rectangle 37"/>
-          <p:cNvSpPr/>
-          <p:nvPr/>
-        </p:nvSpPr>
-        <p:spPr>
-          <a:xfrm>
-            <a:off x="6403340" y="3625215"/>
-            <a:ext cx="4471670" cy="787400"/>
-          </a:xfrm>
-          <a:prstGeom prst="roundRect">
-            <a:avLst/>
-          </a:prstGeom>
-          <a:solidFill>
-            <a:schemeClr val="accent1">
-              <a:lumMod val="20000"/>
-              <a:lumOff val="80000"/>
-            </a:schemeClr>
-          </a:solidFill>
-          <a:ln>
-            <a:solidFill>
-              <a:schemeClr val="accent1">
-                <a:lumMod val="75000"/>
-              </a:schemeClr>
-            </a:solidFill>
-          </a:ln>
-        </p:spPr>
-        <p:style>
-          <a:lnRef idx="2">
-            <a:schemeClr val="accent1">
-              <a:shade val="50000"/>
-            </a:schemeClr>
-          </a:lnRef>
-          <a:fillRef idx="1">
-            <a:schemeClr val="accent1"/>
-          </a:fillRef>
-          <a:effectRef idx="0">
-            <a:schemeClr val="accent1"/>
-          </a:effectRef>
-          <a:fontRef idx="minor">
-            <a:schemeClr val="lt1"/>
-          </a:fontRef>
-        </p:style>
-        <p:txBody>
-          <a:bodyPr rtlCol="0" anchor="ctr"/>
-          <a:p>
-            <a:pPr algn="ctr"/>
-            <a:r>
-              <a:rPr lang="es-ES_tradnl" altLang="en-US" sz="2000">
-                <a:solidFill>
-                  <a:srgbClr val="2E75B6"/>
-                </a:solidFill>
-                <a:cs typeface="+mn-lt"/>
-              </a:rPr>
-              <a:t>Linear</a:t>
-            </a:r>
-            <a:endParaRPr lang="es-ES_tradnl" altLang="en-US" sz="2000">
-              <a:solidFill>
-                <a:srgbClr val="2E75B6"/>
-              </a:solidFill>
-              <a:cs typeface="+mn-lt"/>
-            </a:endParaRPr>
-          </a:p>
-        </p:txBody>
-      </p:sp>
-      <p:sp>
-        <p:nvSpPr>
-          <p:cNvPr id="39" name="Down Arrow 38"/>
-          <p:cNvSpPr/>
-          <p:nvPr/>
-        </p:nvSpPr>
-        <p:spPr>
-          <a:xfrm>
-            <a:off x="8503285" y="2231390"/>
-            <a:ext cx="271145" cy="198755"/>
-          </a:xfrm>
-          <a:prstGeom prst="downArrow">
-            <a:avLst/>
-          </a:prstGeom>
-          <a:solidFill>
-            <a:schemeClr val="accent1">
-              <a:lumMod val="40000"/>
-              <a:lumOff val="60000"/>
-            </a:schemeClr>
-          </a:solidFill>
-        </p:spPr>
-        <p:style>
-          <a:lnRef idx="2">
-            <a:schemeClr val="accent1">
-              <a:shade val="50000"/>
-            </a:schemeClr>
-          </a:lnRef>
-          <a:fillRef idx="1">
-            <a:schemeClr val="accent1"/>
-          </a:fillRef>
-          <a:effectRef idx="0">
-            <a:schemeClr val="accent1"/>
-          </a:effectRef>
-          <a:fontRef idx="minor">
-            <a:schemeClr val="lt1"/>
-          </a:fontRef>
-        </p:style>
-        <p:txBody>
-          <a:bodyPr rtlCol="0" anchor="ctr"/>
-          <a:p>
-            <a:pPr algn="ctr"/>
-            <a:endParaRPr lang="en-US" sz="2000">
-              <a:cs typeface="+mn-lt"/>
-            </a:endParaRPr>
-          </a:p>
-        </p:txBody>
-      </p:sp>
-      <p:sp>
-        <p:nvSpPr>
-          <p:cNvPr id="40" name="Down Arrow 39"/>
-          <p:cNvSpPr/>
-          <p:nvPr/>
-        </p:nvSpPr>
-        <p:spPr>
-          <a:xfrm>
-            <a:off x="8503285" y="3355975"/>
-            <a:ext cx="271145" cy="198755"/>
-          </a:xfrm>
-          <a:prstGeom prst="downArrow">
-            <a:avLst/>
-          </a:prstGeom>
-          <a:solidFill>
-            <a:schemeClr val="accent1">
-              <a:lumMod val="40000"/>
-              <a:lumOff val="60000"/>
-            </a:schemeClr>
-          </a:solidFill>
-        </p:spPr>
-        <p:style>
-          <a:lnRef idx="2">
-            <a:schemeClr val="accent1">
-              <a:shade val="50000"/>
-            </a:schemeClr>
-          </a:lnRef>
-          <a:fillRef idx="1">
-            <a:schemeClr val="accent1"/>
-          </a:fillRef>
-          <a:effectRef idx="0">
-            <a:schemeClr val="accent1"/>
-          </a:effectRef>
-          <a:fontRef idx="minor">
-            <a:schemeClr val="lt1"/>
-          </a:fontRef>
-        </p:style>
-        <p:txBody>
-          <a:bodyPr rtlCol="0" anchor="ctr"/>
-          <a:p>
-            <a:pPr algn="ctr"/>
-            <a:endParaRPr lang="en-US" sz="2000">
-              <a:cs typeface="+mn-lt"/>
-            </a:endParaRPr>
-          </a:p>
-        </p:txBody>
-      </p:sp>
-      <p:sp>
-        <p:nvSpPr>
-          <p:cNvPr id="41" name="Down Arrow 40"/>
-          <p:cNvSpPr/>
-          <p:nvPr/>
-        </p:nvSpPr>
-        <p:spPr>
-          <a:xfrm>
-            <a:off x="8503285" y="4485640"/>
-            <a:ext cx="271145" cy="198755"/>
-          </a:xfrm>
-          <a:prstGeom prst="downArrow">
-            <a:avLst/>
-          </a:prstGeom>
-          <a:solidFill>
-            <a:schemeClr val="accent1">
-              <a:lumMod val="40000"/>
-              <a:lumOff val="60000"/>
-            </a:schemeClr>
-          </a:solidFill>
-        </p:spPr>
-        <p:style>
-          <a:lnRef idx="2">
-            <a:schemeClr val="accent1">
-              <a:shade val="50000"/>
-            </a:schemeClr>
-          </a:lnRef>
-          <a:fillRef idx="1">
-            <a:schemeClr val="accent1"/>
-          </a:fillRef>
-          <a:effectRef idx="0">
-            <a:schemeClr val="accent1"/>
-          </a:effectRef>
-          <a:fontRef idx="minor">
-            <a:schemeClr val="lt1"/>
-          </a:fontRef>
-        </p:style>
-        <p:txBody>
-          <a:bodyPr rtlCol="0" anchor="ctr"/>
-          <a:p>
-            <a:pPr algn="ctr"/>
-            <a:endParaRPr lang="en-US" sz="2000">
-              <a:cs typeface="+mn-lt"/>
-            </a:endParaRPr>
-          </a:p>
-        </p:txBody>
-      </p:sp>
-      <p:sp>
-        <p:nvSpPr>
-          <p:cNvPr id="42" name="Rounded Rectangle 41"/>
-          <p:cNvSpPr/>
-          <p:nvPr/>
-        </p:nvSpPr>
-        <p:spPr>
-          <a:xfrm>
-            <a:off x="6402705" y="2505075"/>
-            <a:ext cx="4471670" cy="779780"/>
-          </a:xfrm>
-          <a:prstGeom prst="roundRect">
-            <a:avLst/>
-          </a:prstGeom>
-          <a:solidFill>
-            <a:schemeClr val="accent1">
-              <a:lumMod val="20000"/>
-              <a:lumOff val="80000"/>
-            </a:schemeClr>
-          </a:solidFill>
-          <a:ln>
-            <a:solidFill>
-              <a:schemeClr val="accent1">
-                <a:lumMod val="75000"/>
-              </a:schemeClr>
-            </a:solidFill>
-          </a:ln>
-        </p:spPr>
-        <p:style>
-          <a:lnRef idx="2">
-            <a:schemeClr val="accent1">
-              <a:shade val="50000"/>
-            </a:schemeClr>
-          </a:lnRef>
-          <a:fillRef idx="1">
-            <a:schemeClr val="accent1"/>
-          </a:fillRef>
-          <a:effectRef idx="0">
-            <a:schemeClr val="accent1"/>
-          </a:effectRef>
-          <a:fontRef idx="minor">
-            <a:schemeClr val="lt1"/>
-          </a:fontRef>
-        </p:style>
-        <p:txBody>
-          <a:bodyPr rtlCol="0" anchor="ctr"/>
-          <a:p>
-            <a:pPr algn="ctr"/>
-            <a:r>
-              <a:rPr lang="es-ES_tradnl" altLang="en-US" sz="2000">
-                <a:solidFill>
-                  <a:srgbClr val="2E75B6"/>
-                </a:solidFill>
-                <a:cs typeface="+mn-lt"/>
-              </a:rPr>
-              <a:t>ESM2</a:t>
-            </a:r>
-            <a:endParaRPr lang="es-ES_tradnl" altLang="en-US" sz="2000">
-              <a:solidFill>
-                <a:srgbClr val="2E75B6"/>
-              </a:solidFill>
-              <a:cs typeface="+mn-lt"/>
-            </a:endParaRPr>
-          </a:p>
-        </p:txBody>
-      </p:sp>
-      <p:sp>
-        <p:nvSpPr>
-          <p:cNvPr id="43" name="Rounded Rectangle 42"/>
-          <p:cNvSpPr/>
-          <p:nvPr/>
-        </p:nvSpPr>
-        <p:spPr>
-          <a:xfrm>
-            <a:off x="6403340" y="1701165"/>
-            <a:ext cx="4472940" cy="451485"/>
-          </a:xfrm>
-          <a:prstGeom prst="roundRect">
-            <a:avLst/>
-          </a:prstGeom>
-          <a:solidFill>
-            <a:schemeClr val="accent1">
-              <a:lumMod val="20000"/>
-              <a:lumOff val="80000"/>
-            </a:schemeClr>
-          </a:solidFill>
-          <a:ln>
-            <a:solidFill>
-              <a:schemeClr val="accent1">
-                <a:lumMod val="75000"/>
-              </a:schemeClr>
-            </a:solidFill>
-          </a:ln>
-        </p:spPr>
-        <p:style>
-          <a:lnRef idx="2">
-            <a:schemeClr val="accent1">
-              <a:shade val="50000"/>
-            </a:schemeClr>
-          </a:lnRef>
-          <a:fillRef idx="1">
-            <a:schemeClr val="accent1"/>
-          </a:fillRef>
-          <a:effectRef idx="0">
-            <a:schemeClr val="accent1"/>
-          </a:effectRef>
-          <a:fontRef idx="minor">
-            <a:schemeClr val="lt1"/>
-          </a:fontRef>
-        </p:style>
-        <p:txBody>
-          <a:bodyPr rtlCol="0" anchor="ctr"/>
-          <a:p>
-            <a:pPr algn="ctr"/>
-            <a:r>
-              <a:rPr lang="es-ES_tradnl" altLang="en-US" sz="2000">
-                <a:solidFill>
-                  <a:srgbClr val="2E75B6"/>
-                </a:solidFill>
-                <a:cs typeface="+mn-lt"/>
-              </a:rPr>
-              <a:t>Concatenate - padding - tokenize</a:t>
-            </a:r>
-            <a:endParaRPr lang="es-ES_tradnl" altLang="en-US" sz="2000">
-              <a:solidFill>
-                <a:srgbClr val="2E75B6"/>
-              </a:solidFill>
-              <a:cs typeface="+mn-lt"/>
-            </a:endParaRPr>
-          </a:p>
-        </p:txBody>
-      </p:sp>
+          <a:lnRef idx="1">
+            <a:schemeClr val="accent1"/>
+          </a:lnRef>
+          <a:fillRef idx="0">
+            <a:schemeClr val="accent1"/>
+          </a:fillRef>
+          <a:effectRef idx="0">
+            <a:schemeClr val="accent1"/>
+          </a:effectRef>
+          <a:fontRef idx="minor">
+            <a:schemeClr val="tx1"/>
+          </a:fontRef>
+        </p:style>
+      </p:cxnSp>
     </p:spTree>
   </p:cSld>
   <p:clrMapOvr>

--- a/draws.pptx
+++ b/draws.pptx
@@ -16,8 +16,9 @@
     <p:sldId id="263" r:id="rId11"/>
     <p:sldId id="264" r:id="rId12"/>
     <p:sldId id="266" r:id="rId13"/>
-    <p:sldId id="265" r:id="rId14"/>
-    <p:sldId id="268" r:id="rId15"/>
+    <p:sldId id="280" r:id="rId14"/>
+    <p:sldId id="265" r:id="rId15"/>
+    <p:sldId id="268" r:id="rId16"/>
   </p:sldIdLst>
   <p:sldSz cx="12192000" cy="6858000"/>
   <p:notesSz cx="6858000" cy="9144000"/>
@@ -4914,8 +4915,8 @@
         </p:nvSpPr>
         <p:spPr>
           <a:xfrm>
-            <a:off x="1089025" y="980440"/>
-            <a:ext cx="2011680" cy="358140"/>
+            <a:off x="1089660" y="920115"/>
+            <a:ext cx="2011680" cy="422275"/>
           </a:xfrm>
           <a:prstGeom prst="roundRect">
             <a:avLst/>
@@ -4952,7 +4953,8 @@
                 <a:solidFill>
                   <a:schemeClr val="tx1"/>
                 </a:solidFill>
-                <a:cs typeface="+mn-lt"/>
+                <a:latin typeface="TeX Gyre Bonum Math" panose="02000503000000000000" charset="0"/>
+                <a:cs typeface="TeX Gyre Bonum Math" panose="02000503000000000000" charset="0"/>
                 <a:sym typeface="+mn-ea"/>
               </a:rPr>
               <a:t>peptide</a:t>
@@ -4961,7 +4963,8 @@
               <a:solidFill>
                 <a:schemeClr val="tx1"/>
               </a:solidFill>
-              <a:cs typeface="+mn-lt"/>
+              <a:latin typeface="TeX Gyre Bonum Math" panose="02000503000000000000" charset="0"/>
+              <a:cs typeface="TeX Gyre Bonum Math" panose="02000503000000000000" charset="0"/>
               <a:sym typeface="+mn-ea"/>
             </a:endParaRPr>
           </a:p>
@@ -4975,8 +4978,8 @@
         </p:nvSpPr>
         <p:spPr>
           <a:xfrm>
-            <a:off x="3548380" y="980440"/>
-            <a:ext cx="2011680" cy="358140"/>
+            <a:off x="3550285" y="922020"/>
+            <a:ext cx="2011680" cy="419735"/>
           </a:xfrm>
           <a:prstGeom prst="roundRect">
             <a:avLst/>
@@ -5013,7 +5016,8 @@
                 <a:solidFill>
                   <a:schemeClr val="tx1"/>
                 </a:solidFill>
-                <a:cs typeface="+mn-lt"/>
+                <a:latin typeface="TeX Gyre Bonum Math" panose="02000503000000000000" charset="0"/>
+                <a:cs typeface="TeX Gyre Bonum Math" panose="02000503000000000000" charset="0"/>
               </a:rPr>
               <a:t>MHC</a:t>
             </a:r>
@@ -5021,7 +5025,8 @@
               <a:solidFill>
                 <a:schemeClr val="tx1"/>
               </a:solidFill>
-              <a:cs typeface="+mn-lt"/>
+              <a:latin typeface="TeX Gyre Bonum Math" panose="02000503000000000000" charset="0"/>
+              <a:cs typeface="TeX Gyre Bonum Math" panose="02000503000000000000" charset="0"/>
             </a:endParaRPr>
           </a:p>
         </p:txBody>
@@ -5042,8 +5047,8 @@
           </a:prstGeom>
           <a:solidFill>
             <a:schemeClr val="accent1">
-              <a:lumMod val="40000"/>
-              <a:lumOff val="60000"/>
+              <a:lumMod val="20000"/>
+              <a:lumOff val="80000"/>
             </a:schemeClr>
           </a:solidFill>
           <a:ln>
@@ -5079,15 +5084,17 @@
                 <a:solidFill>
                   <a:srgbClr val="2E75B6"/>
                 </a:solidFill>
-                <a:cs typeface="+mn-lt"/>
+                <a:latin typeface="TeX Gyre Bonum Math" panose="02000503000000000000" charset="0"/>
+                <a:cs typeface="TeX Gyre Bonum Math" panose="02000503000000000000" charset="0"/>
               </a:rPr>
-              <a:t>ESM-1b</a:t>
+              <a:t>Pre-trained transformer</a:t>
             </a:r>
             <a:endParaRPr lang="es-ES_tradnl" altLang="en-US" sz="2000">
               <a:solidFill>
                 <a:srgbClr val="2E75B6"/>
               </a:solidFill>
-              <a:cs typeface="+mn-lt"/>
+              <a:latin typeface="TeX Gyre Bonum Math" panose="02000503000000000000" charset="0"/>
+              <a:cs typeface="TeX Gyre Bonum Math" panose="02000503000000000000" charset="0"/>
             </a:endParaRPr>
           </a:p>
         </p:txBody>
@@ -5138,15 +5145,17 @@
                 <a:solidFill>
                   <a:schemeClr val="tx1"/>
                 </a:solidFill>
-                <a:cs typeface="+mn-lt"/>
+                <a:latin typeface="TeX Gyre Bonum Math" panose="02000503000000000000" charset="0"/>
+                <a:cs typeface="TeX Gyre Bonum Math" panose="02000503000000000000" charset="0"/>
               </a:rPr>
-              <a:t>pMHC binding / presentation prediction</a:t>
+              <a:t>pMHC presentation prediction</a:t>
             </a:r>
             <a:endParaRPr lang="es-ES_tradnl" altLang="en-US" sz="2000">
               <a:solidFill>
                 <a:schemeClr val="tx1"/>
               </a:solidFill>
-              <a:cs typeface="+mn-lt"/>
+              <a:latin typeface="TeX Gyre Bonum Math" panose="02000503000000000000" charset="0"/>
+              <a:cs typeface="TeX Gyre Bonum Math" panose="02000503000000000000" charset="0"/>
             </a:endParaRPr>
           </a:p>
         </p:txBody>
@@ -5204,7 +5213,8 @@
                 <a:solidFill>
                   <a:srgbClr val="2E75B6"/>
                 </a:solidFill>
-                <a:cs typeface="+mn-lt"/>
+                <a:latin typeface="TeX Gyre Bonum Math" panose="02000503000000000000" charset="0"/>
+                <a:cs typeface="TeX Gyre Bonum Math" panose="02000503000000000000" charset="0"/>
               </a:rPr>
               <a:t>Concatenate - padding - tokenize</a:t>
             </a:r>
@@ -5212,7 +5222,8 @@
               <a:solidFill>
                 <a:srgbClr val="2E75B6"/>
               </a:solidFill>
-              <a:cs typeface="+mn-lt"/>
+              <a:latin typeface="TeX Gyre Bonum Math" panose="02000503000000000000" charset="0"/>
+              <a:cs typeface="TeX Gyre Bonum Math" panose="02000503000000000000" charset="0"/>
             </a:endParaRPr>
           </a:p>
         </p:txBody>
@@ -5259,7 +5270,8 @@
           <a:p>
             <a:pPr algn="ctr"/>
             <a:endParaRPr lang="en-US" sz="2000">
-              <a:cs typeface="+mn-lt"/>
+              <a:latin typeface="TeX Gyre Bonum Math" panose="02000503000000000000" charset="0"/>
+              <a:cs typeface="TeX Gyre Bonum Math" panose="02000503000000000000" charset="0"/>
             </a:endParaRPr>
           </a:p>
         </p:txBody>
@@ -5306,7 +5318,8 @@
           <a:p>
             <a:pPr algn="ctr"/>
             <a:endParaRPr lang="en-US" sz="2000">
-              <a:cs typeface="+mn-lt"/>
+              <a:latin typeface="TeX Gyre Bonum Math" panose="02000503000000000000" charset="0"/>
+              <a:cs typeface="TeX Gyre Bonum Math" panose="02000503000000000000" charset="0"/>
             </a:endParaRPr>
           </a:p>
         </p:txBody>
@@ -5364,7 +5377,8 @@
                 <a:solidFill>
                   <a:srgbClr val="2E75B6"/>
                 </a:solidFill>
-                <a:cs typeface="+mn-lt"/>
+                <a:latin typeface="TeX Gyre Bonum Math" panose="02000503000000000000" charset="0"/>
+                <a:cs typeface="TeX Gyre Bonum Math" panose="02000503000000000000" charset="0"/>
               </a:rPr>
               <a:t>BiLSTM</a:t>
             </a:r>
@@ -5372,7 +5386,8 @@
               <a:solidFill>
                 <a:srgbClr val="2E75B6"/>
               </a:solidFill>
-              <a:cs typeface="+mn-lt"/>
+              <a:latin typeface="TeX Gyre Bonum Math" panose="02000503000000000000" charset="0"/>
+              <a:cs typeface="TeX Gyre Bonum Math" panose="02000503000000000000" charset="0"/>
             </a:endParaRPr>
           </a:p>
         </p:txBody>
@@ -5419,7 +5434,8 @@
           <a:p>
             <a:pPr algn="ctr"/>
             <a:endParaRPr lang="en-US" sz="2000">
-              <a:cs typeface="+mn-lt"/>
+              <a:latin typeface="TeX Gyre Bonum Math" panose="02000503000000000000" charset="0"/>
+              <a:cs typeface="TeX Gyre Bonum Math" panose="02000503000000000000" charset="0"/>
             </a:endParaRPr>
           </a:p>
         </p:txBody>
@@ -5466,7 +5482,8 @@
           <a:p>
             <a:pPr algn="ctr"/>
             <a:endParaRPr lang="en-US" sz="2000">
-              <a:cs typeface="+mn-lt"/>
+              <a:latin typeface="TeX Gyre Bonum Math" panose="02000503000000000000" charset="0"/>
+              <a:cs typeface="TeX Gyre Bonum Math" panose="02000503000000000000" charset="0"/>
             </a:endParaRPr>
           </a:p>
         </p:txBody>
@@ -5513,21 +5530,22 @@
           <a:p>
             <a:pPr algn="ctr"/>
             <a:endParaRPr lang="en-US" sz="2000">
-              <a:cs typeface="+mn-lt"/>
+              <a:latin typeface="TeX Gyre Bonum Math" panose="02000503000000000000" charset="0"/>
+              <a:cs typeface="TeX Gyre Bonum Math" panose="02000503000000000000" charset="0"/>
             </a:endParaRPr>
           </a:p>
         </p:txBody>
       </p:sp>
       <p:sp>
         <p:nvSpPr>
-          <p:cNvPr id="20" name="Rounded Rectangle 19"/>
+          <p:cNvPr id="21" name="Rounded Rectangle 20"/>
           <p:cNvSpPr/>
           <p:nvPr/>
         </p:nvSpPr>
         <p:spPr>
           <a:xfrm>
-            <a:off x="1088390" y="2505075"/>
-            <a:ext cx="4471670" cy="779780"/>
+            <a:off x="1089025" y="1701165"/>
+            <a:ext cx="4472940" cy="451485"/>
           </a:xfrm>
           <a:prstGeom prst="roundRect">
             <a:avLst/>
@@ -5571,81 +5589,17 @@
                 <a:solidFill>
                   <a:srgbClr val="2E75B6"/>
                 </a:solidFill>
-                <a:cs typeface="+mn-lt"/>
+                <a:latin typeface="TeX Gyre Bonum Math" panose="02000503000000000000" charset="0"/>
+                <a:cs typeface="TeX Gyre Bonum Math" panose="02000503000000000000" charset="0"/>
               </a:rPr>
-              <a:t>ESM2</a:t>
+              <a:t>Concatenate</a:t>
             </a:r>
             <a:endParaRPr lang="es-ES_tradnl" altLang="en-US" sz="2000">
               <a:solidFill>
                 <a:srgbClr val="2E75B6"/>
               </a:solidFill>
-              <a:cs typeface="+mn-lt"/>
-            </a:endParaRPr>
-          </a:p>
-        </p:txBody>
-      </p:sp>
-      <p:sp>
-        <p:nvSpPr>
-          <p:cNvPr id="21" name="Rounded Rectangle 20"/>
-          <p:cNvSpPr/>
-          <p:nvPr/>
-        </p:nvSpPr>
-        <p:spPr>
-          <a:xfrm>
-            <a:off x="1089025" y="1701165"/>
-            <a:ext cx="4472940" cy="451485"/>
-          </a:xfrm>
-          <a:prstGeom prst="roundRect">
-            <a:avLst/>
-          </a:prstGeom>
-          <a:solidFill>
-            <a:schemeClr val="accent1">
-              <a:lumMod val="20000"/>
-              <a:lumOff val="80000"/>
-            </a:schemeClr>
-          </a:solidFill>
-          <a:ln>
-            <a:solidFill>
-              <a:schemeClr val="accent1">
-                <a:lumMod val="75000"/>
-              </a:schemeClr>
-            </a:solidFill>
-          </a:ln>
-        </p:spPr>
-        <p:style>
-          <a:lnRef idx="2">
-            <a:schemeClr val="accent1">
-              <a:shade val="50000"/>
-            </a:schemeClr>
-          </a:lnRef>
-          <a:fillRef idx="1">
-            <a:schemeClr val="accent1"/>
-          </a:fillRef>
-          <a:effectRef idx="0">
-            <a:schemeClr val="accent1"/>
-          </a:effectRef>
-          <a:fontRef idx="minor">
-            <a:schemeClr val="lt1"/>
-          </a:fontRef>
-        </p:style>
-        <p:txBody>
-          <a:bodyPr rtlCol="0" anchor="ctr"/>
-          <a:p>
-            <a:pPr algn="ctr"/>
-            <a:r>
-              <a:rPr lang="es-ES_tradnl" altLang="en-US" sz="2000">
-                <a:solidFill>
-                  <a:srgbClr val="2E75B6"/>
-                </a:solidFill>
-                <a:cs typeface="+mn-lt"/>
-              </a:rPr>
-              <a:t>Concatenate - padding - tokenize</a:t>
-            </a:r>
-            <a:endParaRPr lang="es-ES_tradnl" altLang="en-US" sz="2000">
-              <a:solidFill>
-                <a:srgbClr val="2E75B6"/>
-              </a:solidFill>
-              <a:cs typeface="+mn-lt"/>
+              <a:latin typeface="TeX Gyre Bonum Math" panose="02000503000000000000" charset="0"/>
+              <a:cs typeface="TeX Gyre Bonum Math" panose="02000503000000000000" charset="0"/>
             </a:endParaRPr>
           </a:p>
         </p:txBody>
@@ -5667,6 +5621,721 @@
         <p:cNvGrpSpPr/>
         <p:nvPr/>
       </p:nvGrpSpPr>
+      <p:grpSpPr/>
+      <p:sp>
+        <p:nvSpPr>
+          <p:cNvPr id="4" name="Rounded Rectangle 3"/>
+          <p:cNvSpPr/>
+          <p:nvPr/>
+        </p:nvSpPr>
+        <p:spPr>
+          <a:xfrm>
+            <a:off x="1089660" y="920115"/>
+            <a:ext cx="2011680" cy="422275"/>
+          </a:xfrm>
+          <a:prstGeom prst="roundRect">
+            <a:avLst/>
+          </a:prstGeom>
+          <a:noFill/>
+          <a:ln>
+            <a:solidFill>
+              <a:srgbClr val="202020"/>
+            </a:solidFill>
+          </a:ln>
+        </p:spPr>
+        <p:style>
+          <a:lnRef idx="2">
+            <a:schemeClr val="accent1">
+              <a:shade val="50000"/>
+            </a:schemeClr>
+          </a:lnRef>
+          <a:fillRef idx="1">
+            <a:schemeClr val="accent1"/>
+          </a:fillRef>
+          <a:effectRef idx="0">
+            <a:schemeClr val="accent1"/>
+          </a:effectRef>
+          <a:fontRef idx="minor">
+            <a:schemeClr val="lt1"/>
+          </a:fontRef>
+        </p:style>
+        <p:txBody>
+          <a:bodyPr rtlCol="0" anchor="ctr"/>
+          <a:p>
+            <a:pPr algn="ctr"/>
+            <a:r>
+              <a:rPr lang="es-ES_tradnl" altLang="en-US" sz="2000">
+                <a:solidFill>
+                  <a:schemeClr val="tx1"/>
+                </a:solidFill>
+                <a:latin typeface="TeX Gyre Bonum Math" panose="02000503000000000000" charset="0"/>
+                <a:cs typeface="TeX Gyre Bonum Math" panose="02000503000000000000" charset="0"/>
+                <a:sym typeface="+mn-ea"/>
+              </a:rPr>
+              <a:t>peptide</a:t>
+            </a:r>
+            <a:endParaRPr lang="es-ES_tradnl" altLang="en-US" sz="2000">
+              <a:solidFill>
+                <a:schemeClr val="tx1"/>
+              </a:solidFill>
+              <a:latin typeface="TeX Gyre Bonum Math" panose="02000503000000000000" charset="0"/>
+              <a:cs typeface="TeX Gyre Bonum Math" panose="02000503000000000000" charset="0"/>
+              <a:sym typeface="+mn-ea"/>
+            </a:endParaRPr>
+          </a:p>
+        </p:txBody>
+      </p:sp>
+      <p:sp>
+        <p:nvSpPr>
+          <p:cNvPr id="5" name="Rounded Rectangle 4"/>
+          <p:cNvSpPr/>
+          <p:nvPr/>
+        </p:nvSpPr>
+        <p:spPr>
+          <a:xfrm>
+            <a:off x="3550285" y="922020"/>
+            <a:ext cx="2011680" cy="419735"/>
+          </a:xfrm>
+          <a:prstGeom prst="roundRect">
+            <a:avLst/>
+          </a:prstGeom>
+          <a:noFill/>
+          <a:ln>
+            <a:solidFill>
+              <a:srgbClr val="202020"/>
+            </a:solidFill>
+          </a:ln>
+        </p:spPr>
+        <p:style>
+          <a:lnRef idx="2">
+            <a:schemeClr val="accent1">
+              <a:shade val="50000"/>
+            </a:schemeClr>
+          </a:lnRef>
+          <a:fillRef idx="1">
+            <a:schemeClr val="accent1"/>
+          </a:fillRef>
+          <a:effectRef idx="0">
+            <a:schemeClr val="accent1"/>
+          </a:effectRef>
+          <a:fontRef idx="minor">
+            <a:schemeClr val="lt1"/>
+          </a:fontRef>
+        </p:style>
+        <p:txBody>
+          <a:bodyPr rtlCol="0" anchor="ctr"/>
+          <a:p>
+            <a:pPr algn="ctr"/>
+            <a:r>
+              <a:rPr lang="es-ES_tradnl" sz="2000">
+                <a:solidFill>
+                  <a:schemeClr val="tx1"/>
+                </a:solidFill>
+                <a:latin typeface="TeX Gyre Bonum Math" panose="02000503000000000000" charset="0"/>
+                <a:cs typeface="TeX Gyre Bonum Math" panose="02000503000000000000" charset="0"/>
+              </a:rPr>
+              <a:t>MHC</a:t>
+            </a:r>
+            <a:endParaRPr lang="es-ES_tradnl" sz="2000">
+              <a:solidFill>
+                <a:schemeClr val="tx1"/>
+              </a:solidFill>
+              <a:latin typeface="TeX Gyre Bonum Math" panose="02000503000000000000" charset="0"/>
+              <a:cs typeface="TeX Gyre Bonum Math" panose="02000503000000000000" charset="0"/>
+            </a:endParaRPr>
+          </a:p>
+        </p:txBody>
+      </p:sp>
+      <p:sp>
+        <p:nvSpPr>
+          <p:cNvPr id="6" name="Rounded Rectangle 5"/>
+          <p:cNvSpPr/>
+          <p:nvPr/>
+        </p:nvSpPr>
+        <p:spPr>
+          <a:xfrm>
+            <a:off x="1089660" y="2505075"/>
+            <a:ext cx="4471670" cy="779780"/>
+          </a:xfrm>
+          <a:prstGeom prst="roundRect">
+            <a:avLst/>
+          </a:prstGeom>
+          <a:solidFill>
+            <a:schemeClr val="accent1">
+              <a:lumMod val="20000"/>
+              <a:lumOff val="80000"/>
+            </a:schemeClr>
+          </a:solidFill>
+          <a:ln>
+            <a:solidFill>
+              <a:schemeClr val="accent1">
+                <a:lumMod val="75000"/>
+              </a:schemeClr>
+            </a:solidFill>
+          </a:ln>
+        </p:spPr>
+        <p:style>
+          <a:lnRef idx="2">
+            <a:schemeClr val="accent1">
+              <a:shade val="50000"/>
+            </a:schemeClr>
+          </a:lnRef>
+          <a:fillRef idx="1">
+            <a:schemeClr val="accent1"/>
+          </a:fillRef>
+          <a:effectRef idx="0">
+            <a:schemeClr val="accent1"/>
+          </a:effectRef>
+          <a:fontRef idx="minor">
+            <a:schemeClr val="lt1"/>
+          </a:fontRef>
+        </p:style>
+        <p:txBody>
+          <a:bodyPr rtlCol="0" anchor="ctr"/>
+          <a:p>
+            <a:pPr algn="ctr"/>
+            <a:r>
+              <a:rPr lang="es-ES_tradnl" altLang="en-US" sz="2000">
+                <a:solidFill>
+                  <a:srgbClr val="2E75B6"/>
+                </a:solidFill>
+                <a:latin typeface="TeX Gyre Bonum Math" panose="02000503000000000000" charset="0"/>
+                <a:cs typeface="TeX Gyre Bonum Math" panose="02000503000000000000" charset="0"/>
+              </a:rPr>
+              <a:t>Pre-trained transformer</a:t>
+            </a:r>
+            <a:endParaRPr lang="es-ES_tradnl" altLang="en-US" sz="2000">
+              <a:solidFill>
+                <a:srgbClr val="2E75B6"/>
+              </a:solidFill>
+              <a:latin typeface="TeX Gyre Bonum Math" panose="02000503000000000000" charset="0"/>
+              <a:cs typeface="TeX Gyre Bonum Math" panose="02000503000000000000" charset="0"/>
+            </a:endParaRPr>
+          </a:p>
+        </p:txBody>
+      </p:sp>
+      <p:sp>
+        <p:nvSpPr>
+          <p:cNvPr id="15" name="Rounded Rectangle 14"/>
+          <p:cNvSpPr/>
+          <p:nvPr/>
+        </p:nvSpPr>
+        <p:spPr>
+          <a:xfrm>
+            <a:off x="1089025" y="4737100"/>
+            <a:ext cx="4471035" cy="654685"/>
+          </a:xfrm>
+          <a:prstGeom prst="roundRect">
+            <a:avLst/>
+          </a:prstGeom>
+          <a:noFill/>
+          <a:ln>
+            <a:solidFill>
+              <a:srgbClr val="202020"/>
+            </a:solidFill>
+          </a:ln>
+        </p:spPr>
+        <p:style>
+          <a:lnRef idx="2">
+            <a:schemeClr val="accent1">
+              <a:shade val="50000"/>
+            </a:schemeClr>
+          </a:lnRef>
+          <a:fillRef idx="1">
+            <a:schemeClr val="accent1"/>
+          </a:fillRef>
+          <a:effectRef idx="0">
+            <a:schemeClr val="accent1"/>
+          </a:effectRef>
+          <a:fontRef idx="minor">
+            <a:schemeClr val="lt1"/>
+          </a:fontRef>
+        </p:style>
+        <p:txBody>
+          <a:bodyPr rtlCol="0" anchor="ctr"/>
+          <a:p>
+            <a:pPr algn="ctr"/>
+            <a:r>
+              <a:rPr lang="es-ES_tradnl" altLang="en-US" sz="2000">
+                <a:solidFill>
+                  <a:schemeClr val="tx1"/>
+                </a:solidFill>
+                <a:latin typeface="TeX Gyre Bonum Math" panose="02000503000000000000" charset="0"/>
+                <a:cs typeface="TeX Gyre Bonum Math" panose="02000503000000000000" charset="0"/>
+              </a:rPr>
+              <a:t>pMHC binding prediction</a:t>
+            </a:r>
+            <a:endParaRPr lang="es-ES_tradnl" altLang="en-US" sz="2000">
+              <a:solidFill>
+                <a:schemeClr val="tx1"/>
+              </a:solidFill>
+              <a:latin typeface="TeX Gyre Bonum Math" panose="02000503000000000000" charset="0"/>
+              <a:cs typeface="TeX Gyre Bonum Math" panose="02000503000000000000" charset="0"/>
+            </a:endParaRPr>
+          </a:p>
+        </p:txBody>
+      </p:sp>
+      <p:sp>
+        <p:nvSpPr>
+          <p:cNvPr id="7" name="Rounded Rectangle 6"/>
+          <p:cNvSpPr/>
+          <p:nvPr/>
+        </p:nvSpPr>
+        <p:spPr>
+          <a:xfrm>
+            <a:off x="1089025" y="1703705"/>
+            <a:ext cx="4472940" cy="451485"/>
+          </a:xfrm>
+          <a:prstGeom prst="roundRect">
+            <a:avLst/>
+          </a:prstGeom>
+          <a:solidFill>
+            <a:schemeClr val="accent1">
+              <a:lumMod val="40000"/>
+              <a:lumOff val="60000"/>
+            </a:schemeClr>
+          </a:solidFill>
+          <a:ln>
+            <a:solidFill>
+              <a:schemeClr val="accent1">
+                <a:lumMod val="75000"/>
+              </a:schemeClr>
+            </a:solidFill>
+          </a:ln>
+        </p:spPr>
+        <p:style>
+          <a:lnRef idx="2">
+            <a:schemeClr val="accent1">
+              <a:shade val="50000"/>
+            </a:schemeClr>
+          </a:lnRef>
+          <a:fillRef idx="1">
+            <a:schemeClr val="accent1"/>
+          </a:fillRef>
+          <a:effectRef idx="0">
+            <a:schemeClr val="accent1"/>
+          </a:effectRef>
+          <a:fontRef idx="minor">
+            <a:schemeClr val="lt1"/>
+          </a:fontRef>
+        </p:style>
+        <p:txBody>
+          <a:bodyPr rtlCol="0" anchor="ctr"/>
+          <a:p>
+            <a:pPr algn="ctr"/>
+            <a:r>
+              <a:rPr lang="es-ES_tradnl" altLang="en-US" sz="2000">
+                <a:solidFill>
+                  <a:srgbClr val="2E75B6"/>
+                </a:solidFill>
+                <a:latin typeface="TeX Gyre Bonum Math" panose="02000503000000000000" charset="0"/>
+                <a:cs typeface="TeX Gyre Bonum Math" panose="02000503000000000000" charset="0"/>
+              </a:rPr>
+              <a:t>Concatenate - padding - tokenize</a:t>
+            </a:r>
+            <a:endParaRPr lang="es-ES_tradnl" altLang="en-US" sz="2000">
+              <a:solidFill>
+                <a:srgbClr val="2E75B6"/>
+              </a:solidFill>
+              <a:latin typeface="TeX Gyre Bonum Math" panose="02000503000000000000" charset="0"/>
+              <a:cs typeface="TeX Gyre Bonum Math" panose="02000503000000000000" charset="0"/>
+            </a:endParaRPr>
+          </a:p>
+        </p:txBody>
+      </p:sp>
+      <p:sp>
+        <p:nvSpPr>
+          <p:cNvPr id="9" name="Down Arrow 8"/>
+          <p:cNvSpPr/>
+          <p:nvPr/>
+        </p:nvSpPr>
+        <p:spPr>
+          <a:xfrm>
+            <a:off x="1917700" y="1422400"/>
+            <a:ext cx="271145" cy="198755"/>
+          </a:xfrm>
+          <a:prstGeom prst="downArrow">
+            <a:avLst/>
+          </a:prstGeom>
+          <a:solidFill>
+            <a:schemeClr val="accent1">
+              <a:lumMod val="40000"/>
+              <a:lumOff val="60000"/>
+            </a:schemeClr>
+          </a:solidFill>
+        </p:spPr>
+        <p:style>
+          <a:lnRef idx="2">
+            <a:schemeClr val="accent1">
+              <a:shade val="50000"/>
+            </a:schemeClr>
+          </a:lnRef>
+          <a:fillRef idx="1">
+            <a:schemeClr val="accent1"/>
+          </a:fillRef>
+          <a:effectRef idx="0">
+            <a:schemeClr val="accent1"/>
+          </a:effectRef>
+          <a:fontRef idx="minor">
+            <a:schemeClr val="lt1"/>
+          </a:fontRef>
+        </p:style>
+        <p:txBody>
+          <a:bodyPr rtlCol="0" anchor="ctr"/>
+          <a:p>
+            <a:pPr algn="ctr"/>
+            <a:endParaRPr lang="en-US" sz="2000">
+              <a:latin typeface="TeX Gyre Bonum Math" panose="02000503000000000000" charset="0"/>
+              <a:cs typeface="TeX Gyre Bonum Math" panose="02000503000000000000" charset="0"/>
+            </a:endParaRPr>
+          </a:p>
+        </p:txBody>
+      </p:sp>
+      <p:sp>
+        <p:nvSpPr>
+          <p:cNvPr id="10" name="Down Arrow 9"/>
+          <p:cNvSpPr/>
+          <p:nvPr/>
+        </p:nvSpPr>
+        <p:spPr>
+          <a:xfrm>
+            <a:off x="4291965" y="1421765"/>
+            <a:ext cx="271145" cy="199390"/>
+          </a:xfrm>
+          <a:prstGeom prst="downArrow">
+            <a:avLst/>
+          </a:prstGeom>
+          <a:solidFill>
+            <a:schemeClr val="accent1">
+              <a:lumMod val="40000"/>
+              <a:lumOff val="60000"/>
+            </a:schemeClr>
+          </a:solidFill>
+        </p:spPr>
+        <p:style>
+          <a:lnRef idx="2">
+            <a:schemeClr val="accent1">
+              <a:shade val="50000"/>
+            </a:schemeClr>
+          </a:lnRef>
+          <a:fillRef idx="1">
+            <a:schemeClr val="accent1"/>
+          </a:fillRef>
+          <a:effectRef idx="0">
+            <a:schemeClr val="accent1"/>
+          </a:effectRef>
+          <a:fontRef idx="minor">
+            <a:schemeClr val="lt1"/>
+          </a:fontRef>
+        </p:style>
+        <p:txBody>
+          <a:bodyPr rtlCol="0" anchor="ctr"/>
+          <a:p>
+            <a:pPr algn="ctr"/>
+            <a:endParaRPr lang="en-US" sz="2000">
+              <a:latin typeface="TeX Gyre Bonum Math" panose="02000503000000000000" charset="0"/>
+              <a:cs typeface="TeX Gyre Bonum Math" panose="02000503000000000000" charset="0"/>
+            </a:endParaRPr>
+          </a:p>
+        </p:txBody>
+      </p:sp>
+      <p:sp>
+        <p:nvSpPr>
+          <p:cNvPr id="11" name="Rounded Rectangle 10"/>
+          <p:cNvSpPr/>
+          <p:nvPr/>
+        </p:nvSpPr>
+        <p:spPr>
+          <a:xfrm>
+            <a:off x="1089025" y="3625215"/>
+            <a:ext cx="4471670" cy="787400"/>
+          </a:xfrm>
+          <a:prstGeom prst="roundRect">
+            <a:avLst/>
+          </a:prstGeom>
+          <a:solidFill>
+            <a:schemeClr val="accent1">
+              <a:lumMod val="20000"/>
+              <a:lumOff val="80000"/>
+            </a:schemeClr>
+          </a:solidFill>
+          <a:ln>
+            <a:solidFill>
+              <a:schemeClr val="accent1">
+                <a:lumMod val="75000"/>
+              </a:schemeClr>
+            </a:solidFill>
+          </a:ln>
+        </p:spPr>
+        <p:style>
+          <a:lnRef idx="2">
+            <a:schemeClr val="accent1">
+              <a:shade val="50000"/>
+            </a:schemeClr>
+          </a:lnRef>
+          <a:fillRef idx="1">
+            <a:schemeClr val="accent1"/>
+          </a:fillRef>
+          <a:effectRef idx="0">
+            <a:schemeClr val="accent1"/>
+          </a:effectRef>
+          <a:fontRef idx="minor">
+            <a:schemeClr val="lt1"/>
+          </a:fontRef>
+        </p:style>
+        <p:txBody>
+          <a:bodyPr rtlCol="0" anchor="ctr"/>
+          <a:p>
+            <a:pPr algn="ctr"/>
+            <a:r>
+              <a:rPr lang="es-ES_tradnl" altLang="en-US" sz="2000">
+                <a:solidFill>
+                  <a:srgbClr val="2E75B6"/>
+                </a:solidFill>
+                <a:latin typeface="TeX Gyre Bonum Math" panose="02000503000000000000" charset="0"/>
+                <a:cs typeface="TeX Gyre Bonum Math" panose="02000503000000000000" charset="0"/>
+              </a:rPr>
+              <a:t>BiLSTM</a:t>
+            </a:r>
+            <a:endParaRPr lang="es-ES_tradnl" altLang="en-US" sz="2000">
+              <a:solidFill>
+                <a:srgbClr val="2E75B6"/>
+              </a:solidFill>
+              <a:latin typeface="TeX Gyre Bonum Math" panose="02000503000000000000" charset="0"/>
+              <a:cs typeface="TeX Gyre Bonum Math" panose="02000503000000000000" charset="0"/>
+            </a:endParaRPr>
+          </a:p>
+        </p:txBody>
+      </p:sp>
+      <p:sp>
+        <p:nvSpPr>
+          <p:cNvPr id="17" name="Down Arrow 16"/>
+          <p:cNvSpPr/>
+          <p:nvPr/>
+        </p:nvSpPr>
+        <p:spPr>
+          <a:xfrm>
+            <a:off x="3188970" y="2231390"/>
+            <a:ext cx="271145" cy="198755"/>
+          </a:xfrm>
+          <a:prstGeom prst="downArrow">
+            <a:avLst/>
+          </a:prstGeom>
+          <a:solidFill>
+            <a:schemeClr val="accent1">
+              <a:lumMod val="40000"/>
+              <a:lumOff val="60000"/>
+            </a:schemeClr>
+          </a:solidFill>
+        </p:spPr>
+        <p:style>
+          <a:lnRef idx="2">
+            <a:schemeClr val="accent1">
+              <a:shade val="50000"/>
+            </a:schemeClr>
+          </a:lnRef>
+          <a:fillRef idx="1">
+            <a:schemeClr val="accent1"/>
+          </a:fillRef>
+          <a:effectRef idx="0">
+            <a:schemeClr val="accent1"/>
+          </a:effectRef>
+          <a:fontRef idx="minor">
+            <a:schemeClr val="lt1"/>
+          </a:fontRef>
+        </p:style>
+        <p:txBody>
+          <a:bodyPr rtlCol="0" anchor="ctr"/>
+          <a:p>
+            <a:pPr algn="ctr"/>
+            <a:endParaRPr lang="en-US" sz="2000">
+              <a:latin typeface="TeX Gyre Bonum Math" panose="02000503000000000000" charset="0"/>
+              <a:cs typeface="TeX Gyre Bonum Math" panose="02000503000000000000" charset="0"/>
+            </a:endParaRPr>
+          </a:p>
+        </p:txBody>
+      </p:sp>
+      <p:sp>
+        <p:nvSpPr>
+          <p:cNvPr id="18" name="Down Arrow 17"/>
+          <p:cNvSpPr/>
+          <p:nvPr/>
+        </p:nvSpPr>
+        <p:spPr>
+          <a:xfrm>
+            <a:off x="3188970" y="3355975"/>
+            <a:ext cx="271145" cy="198755"/>
+          </a:xfrm>
+          <a:prstGeom prst="downArrow">
+            <a:avLst/>
+          </a:prstGeom>
+          <a:solidFill>
+            <a:schemeClr val="accent1">
+              <a:lumMod val="40000"/>
+              <a:lumOff val="60000"/>
+            </a:schemeClr>
+          </a:solidFill>
+        </p:spPr>
+        <p:style>
+          <a:lnRef idx="2">
+            <a:schemeClr val="accent1">
+              <a:shade val="50000"/>
+            </a:schemeClr>
+          </a:lnRef>
+          <a:fillRef idx="1">
+            <a:schemeClr val="accent1"/>
+          </a:fillRef>
+          <a:effectRef idx="0">
+            <a:schemeClr val="accent1"/>
+          </a:effectRef>
+          <a:fontRef idx="minor">
+            <a:schemeClr val="lt1"/>
+          </a:fontRef>
+        </p:style>
+        <p:txBody>
+          <a:bodyPr rtlCol="0" anchor="ctr"/>
+          <a:p>
+            <a:pPr algn="ctr"/>
+            <a:endParaRPr lang="en-US" sz="2000">
+              <a:latin typeface="TeX Gyre Bonum Math" panose="02000503000000000000" charset="0"/>
+              <a:cs typeface="TeX Gyre Bonum Math" panose="02000503000000000000" charset="0"/>
+            </a:endParaRPr>
+          </a:p>
+        </p:txBody>
+      </p:sp>
+      <p:sp>
+        <p:nvSpPr>
+          <p:cNvPr id="19" name="Down Arrow 18"/>
+          <p:cNvSpPr/>
+          <p:nvPr/>
+        </p:nvSpPr>
+        <p:spPr>
+          <a:xfrm>
+            <a:off x="3188970" y="4485640"/>
+            <a:ext cx="271145" cy="198755"/>
+          </a:xfrm>
+          <a:prstGeom prst="downArrow">
+            <a:avLst/>
+          </a:prstGeom>
+          <a:solidFill>
+            <a:schemeClr val="accent1">
+              <a:lumMod val="40000"/>
+              <a:lumOff val="60000"/>
+            </a:schemeClr>
+          </a:solidFill>
+        </p:spPr>
+        <p:style>
+          <a:lnRef idx="2">
+            <a:schemeClr val="accent1">
+              <a:shade val="50000"/>
+            </a:schemeClr>
+          </a:lnRef>
+          <a:fillRef idx="1">
+            <a:schemeClr val="accent1"/>
+          </a:fillRef>
+          <a:effectRef idx="0">
+            <a:schemeClr val="accent1"/>
+          </a:effectRef>
+          <a:fontRef idx="minor">
+            <a:schemeClr val="lt1"/>
+          </a:fontRef>
+        </p:style>
+        <p:txBody>
+          <a:bodyPr rtlCol="0" anchor="ctr"/>
+          <a:p>
+            <a:pPr algn="ctr"/>
+            <a:endParaRPr lang="en-US" sz="2000">
+              <a:latin typeface="TeX Gyre Bonum Math" panose="02000503000000000000" charset="0"/>
+              <a:cs typeface="TeX Gyre Bonum Math" panose="02000503000000000000" charset="0"/>
+            </a:endParaRPr>
+          </a:p>
+        </p:txBody>
+      </p:sp>
+      <p:sp>
+        <p:nvSpPr>
+          <p:cNvPr id="21" name="Rounded Rectangle 20"/>
+          <p:cNvSpPr/>
+          <p:nvPr/>
+        </p:nvSpPr>
+        <p:spPr>
+          <a:xfrm>
+            <a:off x="1089025" y="1701165"/>
+            <a:ext cx="4472940" cy="451485"/>
+          </a:xfrm>
+          <a:prstGeom prst="roundRect">
+            <a:avLst/>
+          </a:prstGeom>
+          <a:solidFill>
+            <a:schemeClr val="accent1">
+              <a:lumMod val="20000"/>
+              <a:lumOff val="80000"/>
+            </a:schemeClr>
+          </a:solidFill>
+          <a:ln>
+            <a:solidFill>
+              <a:schemeClr val="accent1">
+                <a:lumMod val="75000"/>
+              </a:schemeClr>
+            </a:solidFill>
+          </a:ln>
+        </p:spPr>
+        <p:style>
+          <a:lnRef idx="2">
+            <a:schemeClr val="accent1">
+              <a:shade val="50000"/>
+            </a:schemeClr>
+          </a:lnRef>
+          <a:fillRef idx="1">
+            <a:schemeClr val="accent1"/>
+          </a:fillRef>
+          <a:effectRef idx="0">
+            <a:schemeClr val="accent1"/>
+          </a:effectRef>
+          <a:fontRef idx="minor">
+            <a:schemeClr val="lt1"/>
+          </a:fontRef>
+        </p:style>
+        <p:txBody>
+          <a:bodyPr rtlCol="0" anchor="ctr"/>
+          <a:p>
+            <a:pPr algn="ctr"/>
+            <a:r>
+              <a:rPr lang="es-ES_tradnl" altLang="en-US" sz="2000">
+                <a:solidFill>
+                  <a:srgbClr val="2E75B6"/>
+                </a:solidFill>
+                <a:latin typeface="TeX Gyre Bonum Math" panose="02000503000000000000" charset="0"/>
+                <a:cs typeface="TeX Gyre Bonum Math" panose="02000503000000000000" charset="0"/>
+              </a:rPr>
+              <a:t>Concatenate</a:t>
+            </a:r>
+            <a:endParaRPr lang="es-ES_tradnl" altLang="en-US" sz="2000">
+              <a:solidFill>
+                <a:srgbClr val="2E75B6"/>
+              </a:solidFill>
+              <a:latin typeface="TeX Gyre Bonum Math" panose="02000503000000000000" charset="0"/>
+              <a:cs typeface="TeX Gyre Bonum Math" panose="02000503000000000000" charset="0"/>
+            </a:endParaRPr>
+          </a:p>
+        </p:txBody>
+      </p:sp>
+    </p:spTree>
+  </p:cSld>
+  <p:clrMapOvr>
+    <a:masterClrMapping/>
+  </p:clrMapOvr>
+</p:sld>
+</file>
+
+<file path=ppt/slides/slide13.xml><?xml version="1.0" encoding="utf-8"?>
+<p:sld xmlns:a="http://schemas.openxmlformats.org/drawingml/2006/main" xmlns:r="http://schemas.openxmlformats.org/officeDocument/2006/relationships" xmlns:p="http://schemas.openxmlformats.org/presentationml/2006/main">
+  <p:cSld>
+    <p:spTree>
+      <p:nvGrpSpPr>
+        <p:cNvPr id="1" name=""/>
+        <p:cNvGrpSpPr/>
+        <p:nvPr/>
+      </p:nvGrpSpPr>
       <p:grpSpPr>
         <a:xfrm>
           <a:off x="0" y="0"/>
@@ -6361,7 +7030,7 @@
 </p:sld>
 </file>
 
-<file path=ppt/slides/slide13.xml><?xml version="1.0" encoding="utf-8"?>
+<file path=ppt/slides/slide14.xml><?xml version="1.0" encoding="utf-8"?>
 <p:sld xmlns:a="http://schemas.openxmlformats.org/drawingml/2006/main" xmlns:r="http://schemas.openxmlformats.org/officeDocument/2006/relationships" xmlns:p="http://schemas.openxmlformats.org/presentationml/2006/main">
   <p:cSld>
     <p:spTree>

--- a/draws.pptx
+++ b/draws.pptx
@@ -18,7 +18,8 @@
     <p:sldId id="266" r:id="rId13"/>
     <p:sldId id="280" r:id="rId14"/>
     <p:sldId id="265" r:id="rId15"/>
-    <p:sldId id="268" r:id="rId16"/>
+    <p:sldId id="283" r:id="rId16"/>
+    <p:sldId id="268" r:id="rId17"/>
   </p:sldIdLst>
   <p:sldSz cx="12192000" cy="6858000"/>
   <p:notesSz cx="6858000" cy="9144000"/>
@@ -7047,6 +7048,732 @@
           <a:chExt cx="0" cy="0"/>
         </a:xfrm>
       </p:grpSpPr>
+      <p:sp>
+        <p:nvSpPr>
+          <p:cNvPr id="13" name="Rounded Rectangle 12"/>
+          <p:cNvSpPr/>
+          <p:nvPr/>
+        </p:nvSpPr>
+        <p:spPr>
+          <a:xfrm>
+            <a:off x="6931660" y="1961515"/>
+            <a:ext cx="1506220" cy="1154430"/>
+          </a:xfrm>
+          <a:prstGeom prst="roundRect">
+            <a:avLst/>
+          </a:prstGeom>
+          <a:solidFill>
+            <a:schemeClr val="accent1">
+              <a:lumMod val="20000"/>
+              <a:lumOff val="80000"/>
+            </a:schemeClr>
+          </a:solidFill>
+          <a:ln>
+            <a:solidFill>
+              <a:schemeClr val="accent1">
+                <a:lumMod val="75000"/>
+              </a:schemeClr>
+            </a:solidFill>
+          </a:ln>
+        </p:spPr>
+        <p:style>
+          <a:lnRef idx="2">
+            <a:schemeClr val="accent1">
+              <a:shade val="50000"/>
+            </a:schemeClr>
+          </a:lnRef>
+          <a:fillRef idx="1">
+            <a:schemeClr val="accent1"/>
+          </a:fillRef>
+          <a:effectRef idx="0">
+            <a:schemeClr val="accent1"/>
+          </a:effectRef>
+          <a:fontRef idx="minor">
+            <a:schemeClr val="lt1"/>
+          </a:fontRef>
+        </p:style>
+        <p:txBody>
+          <a:bodyPr rtlCol="0" anchor="ctr"/>
+          <a:p>
+            <a:pPr algn="ctr"/>
+            <a:r>
+              <a:rPr lang="es-ES_tradnl" altLang="en-US" sz="1200">
+                <a:solidFill>
+                  <a:srgbClr val="2E75B6"/>
+                </a:solidFill>
+                <a:cs typeface="+mn-lt"/>
+              </a:rPr>
+              <a:t>2. Detección de neoantígenos</a:t>
+            </a:r>
+            <a:endParaRPr lang="es-ES_tradnl" altLang="en-US" sz="1200">
+              <a:solidFill>
+                <a:srgbClr val="2E75B6"/>
+              </a:solidFill>
+              <a:cs typeface="+mn-lt"/>
+            </a:endParaRPr>
+          </a:p>
+        </p:txBody>
+      </p:sp>
+      <p:sp>
+        <p:nvSpPr>
+          <p:cNvPr id="14" name="Rounded Rectangle 13"/>
+          <p:cNvSpPr/>
+          <p:nvPr/>
+        </p:nvSpPr>
+        <p:spPr>
+          <a:xfrm>
+            <a:off x="6931025" y="3216910"/>
+            <a:ext cx="1520825" cy="1187450"/>
+          </a:xfrm>
+          <a:prstGeom prst="roundRect">
+            <a:avLst/>
+          </a:prstGeom>
+          <a:solidFill>
+            <a:schemeClr val="accent1">
+              <a:lumMod val="20000"/>
+              <a:lumOff val="80000"/>
+            </a:schemeClr>
+          </a:solidFill>
+          <a:ln>
+            <a:solidFill>
+              <a:schemeClr val="accent1">
+                <a:lumMod val="75000"/>
+              </a:schemeClr>
+            </a:solidFill>
+          </a:ln>
+        </p:spPr>
+        <p:style>
+          <a:lnRef idx="2">
+            <a:schemeClr val="accent1">
+              <a:shade val="50000"/>
+            </a:schemeClr>
+          </a:lnRef>
+          <a:fillRef idx="1">
+            <a:schemeClr val="accent1"/>
+          </a:fillRef>
+          <a:effectRef idx="0">
+            <a:schemeClr val="accent1"/>
+          </a:effectRef>
+          <a:fontRef idx="minor">
+            <a:schemeClr val="lt1"/>
+          </a:fontRef>
+        </p:style>
+        <p:txBody>
+          <a:bodyPr rtlCol="0" anchor="ctr"/>
+          <a:p>
+            <a:pPr algn="ctr"/>
+            <a:r>
+              <a:rPr lang="es-ES_tradnl" altLang="en-US" sz="1200">
+                <a:solidFill>
+                  <a:srgbClr val="2E75B6"/>
+                </a:solidFill>
+                <a:cs typeface="+mn-lt"/>
+              </a:rPr>
+              <a:t>3. Priorización de neoantígenos</a:t>
+            </a:r>
+            <a:endParaRPr lang="es-ES_tradnl" altLang="en-US" sz="1200">
+              <a:solidFill>
+                <a:srgbClr val="2E75B6"/>
+              </a:solidFill>
+              <a:cs typeface="+mn-lt"/>
+            </a:endParaRPr>
+          </a:p>
+        </p:txBody>
+      </p:sp>
+      <p:sp>
+        <p:nvSpPr>
+          <p:cNvPr id="16" name="Rounded Rectangle 15"/>
+          <p:cNvSpPr/>
+          <p:nvPr/>
+        </p:nvSpPr>
+        <p:spPr>
+          <a:xfrm>
+            <a:off x="6932295" y="5121275"/>
+            <a:ext cx="3940810" cy="427355"/>
+          </a:xfrm>
+          <a:prstGeom prst="roundRect">
+            <a:avLst/>
+          </a:prstGeom>
+          <a:solidFill>
+            <a:schemeClr val="accent2">
+              <a:lumMod val="20000"/>
+              <a:lumOff val="80000"/>
+            </a:schemeClr>
+          </a:solidFill>
+          <a:ln>
+            <a:solidFill>
+              <a:schemeClr val="accent2"/>
+            </a:solidFill>
+          </a:ln>
+        </p:spPr>
+        <p:style>
+          <a:lnRef idx="2">
+            <a:schemeClr val="accent1">
+              <a:shade val="50000"/>
+            </a:schemeClr>
+          </a:lnRef>
+          <a:fillRef idx="1">
+            <a:schemeClr val="accent1"/>
+          </a:fillRef>
+          <a:effectRef idx="0">
+            <a:schemeClr val="accent1"/>
+          </a:effectRef>
+          <a:fontRef idx="minor">
+            <a:schemeClr val="lt1"/>
+          </a:fontRef>
+        </p:style>
+        <p:txBody>
+          <a:bodyPr rtlCol="0" anchor="ctr"/>
+          <a:p>
+            <a:pPr algn="ctr"/>
+            <a:r>
+              <a:rPr lang="es-ES_tradnl" altLang="en-US" sz="1200">
+                <a:solidFill>
+                  <a:schemeClr val="accent2">
+                    <a:lumMod val="75000"/>
+                  </a:schemeClr>
+                </a:solidFill>
+                <a:cs typeface="+mn-lt"/>
+              </a:rPr>
+              <a:t>5. Aplicación clínica</a:t>
+            </a:r>
+            <a:endParaRPr lang="es-ES_tradnl" altLang="en-US" sz="1200">
+              <a:solidFill>
+                <a:schemeClr val="accent2">
+                  <a:lumMod val="75000"/>
+                </a:schemeClr>
+              </a:solidFill>
+              <a:cs typeface="+mn-lt"/>
+            </a:endParaRPr>
+          </a:p>
+        </p:txBody>
+      </p:sp>
+      <p:pic>
+        <p:nvPicPr>
+          <p:cNvPr id="2" name="Picture 1" descr="vaccine_pipeline"/>
+          <p:cNvPicPr>
+            <a:picLocks noChangeAspect="1"/>
+          </p:cNvPicPr>
+          <p:nvPr/>
+        </p:nvPicPr>
+        <p:blipFill>
+          <a:blip r:embed="rId1"/>
+          <a:stretch>
+            <a:fillRect/>
+          </a:stretch>
+        </p:blipFill>
+        <p:spPr>
+          <a:xfrm>
+            <a:off x="1141730" y="1370965"/>
+            <a:ext cx="5278120" cy="4177665"/>
+          </a:xfrm>
+          <a:prstGeom prst="rect">
+            <a:avLst/>
+          </a:prstGeom>
+        </p:spPr>
+      </p:pic>
+      <p:sp>
+        <p:nvSpPr>
+          <p:cNvPr id="4" name="Rounded Rectangle 3"/>
+          <p:cNvSpPr/>
+          <p:nvPr/>
+        </p:nvSpPr>
+        <p:spPr>
+          <a:xfrm>
+            <a:off x="8664575" y="2360295"/>
+            <a:ext cx="2221230" cy="299720"/>
+          </a:xfrm>
+          <a:prstGeom prst="roundRect">
+            <a:avLst/>
+          </a:prstGeom>
+          <a:solidFill>
+            <a:schemeClr val="accent1">
+              <a:lumMod val="20000"/>
+              <a:lumOff val="80000"/>
+            </a:schemeClr>
+          </a:solidFill>
+          <a:ln>
+            <a:solidFill>
+              <a:schemeClr val="accent1">
+                <a:lumMod val="75000"/>
+              </a:schemeClr>
+            </a:solidFill>
+          </a:ln>
+        </p:spPr>
+        <p:style>
+          <a:lnRef idx="2">
+            <a:schemeClr val="accent1">
+              <a:shade val="50000"/>
+            </a:schemeClr>
+          </a:lnRef>
+          <a:fillRef idx="1">
+            <a:schemeClr val="accent1"/>
+          </a:fillRef>
+          <a:effectRef idx="0">
+            <a:schemeClr val="accent1"/>
+          </a:effectRef>
+          <a:fontRef idx="minor">
+            <a:schemeClr val="lt1"/>
+          </a:fontRef>
+        </p:style>
+        <p:txBody>
+          <a:bodyPr rtlCol="0" anchor="ctr"/>
+          <a:p>
+            <a:pPr algn="l"/>
+            <a:r>
+              <a:rPr lang="es-ES_tradnl" altLang="en-US" sz="1200">
+                <a:solidFill>
+                  <a:srgbClr val="2E75B6"/>
+                </a:solidFill>
+                <a:cs typeface="+mn-lt"/>
+              </a:rPr>
+              <a:t>2.2 Llamado de variantes</a:t>
+            </a:r>
+            <a:endParaRPr lang="es-ES_tradnl" altLang="en-US" sz="1200">
+              <a:solidFill>
+                <a:srgbClr val="2E75B6"/>
+              </a:solidFill>
+              <a:cs typeface="+mn-lt"/>
+            </a:endParaRPr>
+          </a:p>
+        </p:txBody>
+      </p:sp>
+      <p:sp>
+        <p:nvSpPr>
+          <p:cNvPr id="5" name="Rounded Rectangle 4"/>
+          <p:cNvSpPr/>
+          <p:nvPr/>
+        </p:nvSpPr>
+        <p:spPr>
+          <a:xfrm>
+            <a:off x="8664575" y="2757805"/>
+            <a:ext cx="2221230" cy="338455"/>
+          </a:xfrm>
+          <a:prstGeom prst="roundRect">
+            <a:avLst/>
+          </a:prstGeom>
+          <a:solidFill>
+            <a:schemeClr val="accent1">
+              <a:lumMod val="20000"/>
+              <a:lumOff val="80000"/>
+            </a:schemeClr>
+          </a:solidFill>
+          <a:ln>
+            <a:solidFill>
+              <a:schemeClr val="accent1">
+                <a:lumMod val="75000"/>
+              </a:schemeClr>
+            </a:solidFill>
+          </a:ln>
+        </p:spPr>
+        <p:style>
+          <a:lnRef idx="2">
+            <a:schemeClr val="accent1">
+              <a:shade val="50000"/>
+            </a:schemeClr>
+          </a:lnRef>
+          <a:fillRef idx="1">
+            <a:schemeClr val="accent1"/>
+          </a:fillRef>
+          <a:effectRef idx="0">
+            <a:schemeClr val="accent1"/>
+          </a:effectRef>
+          <a:fontRef idx="minor">
+            <a:schemeClr val="lt1"/>
+          </a:fontRef>
+        </p:style>
+        <p:txBody>
+          <a:bodyPr rtlCol="0" anchor="ctr"/>
+          <a:p>
+            <a:pPr algn="l"/>
+            <a:r>
+              <a:rPr lang="es-ES_tradnl" altLang="en-US" sz="1200">
+                <a:solidFill>
+                  <a:srgbClr val="2E75B6"/>
+                </a:solidFill>
+                <a:cs typeface="+mn-lt"/>
+              </a:rPr>
+              <a:t>2.3 Anotación de variantes</a:t>
+            </a:r>
+            <a:endParaRPr lang="es-ES_tradnl" altLang="en-US" sz="1200">
+              <a:solidFill>
+                <a:srgbClr val="2E75B6"/>
+              </a:solidFill>
+              <a:cs typeface="+mn-lt"/>
+            </a:endParaRPr>
+          </a:p>
+        </p:txBody>
+      </p:sp>
+      <p:sp>
+        <p:nvSpPr>
+          <p:cNvPr id="6" name="Rounded Rectangle 5"/>
+          <p:cNvSpPr/>
+          <p:nvPr/>
+        </p:nvSpPr>
+        <p:spPr>
+          <a:xfrm>
+            <a:off x="8664575" y="1961515"/>
+            <a:ext cx="2221230" cy="299720"/>
+          </a:xfrm>
+          <a:prstGeom prst="roundRect">
+            <a:avLst/>
+          </a:prstGeom>
+          <a:solidFill>
+            <a:schemeClr val="accent1">
+              <a:lumMod val="20000"/>
+              <a:lumOff val="80000"/>
+            </a:schemeClr>
+          </a:solidFill>
+          <a:ln>
+            <a:solidFill>
+              <a:schemeClr val="accent1">
+                <a:lumMod val="75000"/>
+              </a:schemeClr>
+            </a:solidFill>
+          </a:ln>
+        </p:spPr>
+        <p:style>
+          <a:lnRef idx="2">
+            <a:schemeClr val="accent1">
+              <a:shade val="50000"/>
+            </a:schemeClr>
+          </a:lnRef>
+          <a:fillRef idx="1">
+            <a:schemeClr val="accent1"/>
+          </a:fillRef>
+          <a:effectRef idx="0">
+            <a:schemeClr val="accent1"/>
+          </a:effectRef>
+          <a:fontRef idx="minor">
+            <a:schemeClr val="lt1"/>
+          </a:fontRef>
+        </p:style>
+        <p:txBody>
+          <a:bodyPr rtlCol="0" anchor="ctr"/>
+          <a:p>
+            <a:pPr algn="l"/>
+            <a:r>
+              <a:rPr lang="es-ES_tradnl" altLang="en-US" sz="1200">
+                <a:solidFill>
+                  <a:srgbClr val="2E75B6"/>
+                </a:solidFill>
+                <a:cs typeface="+mn-lt"/>
+              </a:rPr>
+              <a:t>2.1 Alineamiento</a:t>
+            </a:r>
+            <a:endParaRPr lang="es-ES_tradnl" altLang="en-US" sz="1200">
+              <a:solidFill>
+                <a:srgbClr val="2E75B6"/>
+              </a:solidFill>
+              <a:cs typeface="+mn-lt"/>
+            </a:endParaRPr>
+          </a:p>
+        </p:txBody>
+      </p:sp>
+      <p:sp>
+        <p:nvSpPr>
+          <p:cNvPr id="7" name="Rounded Rectangle 6"/>
+          <p:cNvSpPr/>
+          <p:nvPr/>
+        </p:nvSpPr>
+        <p:spPr>
+          <a:xfrm>
+            <a:off x="8651875" y="3270250"/>
+            <a:ext cx="2221230" cy="541020"/>
+          </a:xfrm>
+          <a:prstGeom prst="roundRect">
+            <a:avLst/>
+          </a:prstGeom>
+          <a:solidFill>
+            <a:schemeClr val="accent1">
+              <a:lumMod val="20000"/>
+              <a:lumOff val="80000"/>
+            </a:schemeClr>
+          </a:solidFill>
+          <a:ln>
+            <a:solidFill>
+              <a:schemeClr val="accent1">
+                <a:lumMod val="75000"/>
+              </a:schemeClr>
+            </a:solidFill>
+          </a:ln>
+        </p:spPr>
+        <p:style>
+          <a:lnRef idx="2">
+            <a:schemeClr val="accent1">
+              <a:shade val="50000"/>
+            </a:schemeClr>
+          </a:lnRef>
+          <a:fillRef idx="1">
+            <a:schemeClr val="accent1"/>
+          </a:fillRef>
+          <a:effectRef idx="0">
+            <a:schemeClr val="accent1"/>
+          </a:effectRef>
+          <a:fontRef idx="minor">
+            <a:schemeClr val="lt1"/>
+          </a:fontRef>
+        </p:style>
+        <p:txBody>
+          <a:bodyPr rtlCol="0" anchor="ctr"/>
+          <a:p>
+            <a:pPr algn="l"/>
+            <a:r>
+              <a:rPr lang="es-ES_tradnl" altLang="en-US" sz="1200">
+                <a:solidFill>
+                  <a:srgbClr val="2E75B6"/>
+                </a:solidFill>
+                <a:cs typeface="+mn-lt"/>
+              </a:rPr>
+              <a:t>3.1 Predicción de la afinidad peptido y MHC </a:t>
+            </a:r>
+            <a:endParaRPr lang="es-ES_tradnl" altLang="en-US" sz="1200">
+              <a:solidFill>
+                <a:srgbClr val="2E75B6"/>
+              </a:solidFill>
+              <a:cs typeface="+mn-lt"/>
+            </a:endParaRPr>
+          </a:p>
+        </p:txBody>
+      </p:sp>
+      <p:sp>
+        <p:nvSpPr>
+          <p:cNvPr id="9" name="Rounded Rectangle 8"/>
+          <p:cNvSpPr/>
+          <p:nvPr/>
+        </p:nvSpPr>
+        <p:spPr>
+          <a:xfrm>
+            <a:off x="8651875" y="3929380"/>
+            <a:ext cx="2221230" cy="427990"/>
+          </a:xfrm>
+          <a:prstGeom prst="roundRect">
+            <a:avLst/>
+          </a:prstGeom>
+          <a:solidFill>
+            <a:schemeClr val="accent1">
+              <a:lumMod val="20000"/>
+              <a:lumOff val="80000"/>
+            </a:schemeClr>
+          </a:solidFill>
+          <a:ln>
+            <a:solidFill>
+              <a:schemeClr val="accent1">
+                <a:lumMod val="75000"/>
+              </a:schemeClr>
+            </a:solidFill>
+          </a:ln>
+        </p:spPr>
+        <p:style>
+          <a:lnRef idx="2">
+            <a:schemeClr val="accent1">
+              <a:shade val="50000"/>
+            </a:schemeClr>
+          </a:lnRef>
+          <a:fillRef idx="1">
+            <a:schemeClr val="accent1"/>
+          </a:fillRef>
+          <a:effectRef idx="0">
+            <a:schemeClr val="accent1"/>
+          </a:effectRef>
+          <a:fontRef idx="minor">
+            <a:schemeClr val="lt1"/>
+          </a:fontRef>
+        </p:style>
+        <p:txBody>
+          <a:bodyPr rtlCol="0" anchor="ctr"/>
+          <a:p>
+            <a:pPr algn="l"/>
+            <a:r>
+              <a:rPr lang="es-ES_tradnl" altLang="en-US" sz="1200">
+                <a:solidFill>
+                  <a:srgbClr val="2E75B6"/>
+                </a:solidFill>
+                <a:cs typeface="+mn-lt"/>
+              </a:rPr>
+              <a:t>3.2 Reconociminto por TCR</a:t>
+            </a:r>
+            <a:endParaRPr lang="es-ES_tradnl" altLang="en-US" sz="1200">
+              <a:solidFill>
+                <a:srgbClr val="2E75B6"/>
+              </a:solidFill>
+              <a:cs typeface="+mn-lt"/>
+            </a:endParaRPr>
+          </a:p>
+        </p:txBody>
+      </p:sp>
+      <p:sp>
+        <p:nvSpPr>
+          <p:cNvPr id="17" name="Rounded Rectangle 16"/>
+          <p:cNvSpPr/>
+          <p:nvPr/>
+        </p:nvSpPr>
+        <p:spPr>
+          <a:xfrm>
+            <a:off x="6944360" y="1374775"/>
+            <a:ext cx="3923030" cy="427355"/>
+          </a:xfrm>
+          <a:prstGeom prst="roundRect">
+            <a:avLst/>
+          </a:prstGeom>
+          <a:solidFill>
+            <a:schemeClr val="accent6">
+              <a:lumMod val="20000"/>
+              <a:lumOff val="80000"/>
+            </a:schemeClr>
+          </a:solidFill>
+          <a:ln>
+            <a:solidFill>
+              <a:schemeClr val="accent6"/>
+            </a:solidFill>
+          </a:ln>
+        </p:spPr>
+        <p:style>
+          <a:lnRef idx="2">
+            <a:schemeClr val="accent1">
+              <a:shade val="50000"/>
+            </a:schemeClr>
+          </a:lnRef>
+          <a:fillRef idx="1">
+            <a:schemeClr val="accent1"/>
+          </a:fillRef>
+          <a:effectRef idx="0">
+            <a:schemeClr val="accent1"/>
+          </a:effectRef>
+          <a:fontRef idx="minor">
+            <a:schemeClr val="lt1"/>
+          </a:fontRef>
+        </p:style>
+        <p:txBody>
+          <a:bodyPr rtlCol="0" anchor="ctr"/>
+          <a:p>
+            <a:pPr algn="ctr"/>
+            <a:r>
+              <a:rPr lang="es-ES_tradnl" altLang="en-US" sz="1200">
+                <a:solidFill>
+                  <a:schemeClr val="accent6">
+                    <a:lumMod val="75000"/>
+                  </a:schemeClr>
+                </a:solidFill>
+                <a:cs typeface="+mn-lt"/>
+              </a:rPr>
+              <a:t> 1. Muestreo y secuenciamiento</a:t>
+            </a:r>
+            <a:endParaRPr lang="es-ES_tradnl" altLang="en-US" sz="1200">
+              <a:solidFill>
+                <a:schemeClr val="accent6">
+                  <a:lumMod val="75000"/>
+                </a:schemeClr>
+              </a:solidFill>
+              <a:cs typeface="+mn-lt"/>
+            </a:endParaRPr>
+          </a:p>
+        </p:txBody>
+      </p:sp>
+      <p:sp>
+        <p:nvSpPr>
+          <p:cNvPr id="18" name="Rounded Rectangle 17"/>
+          <p:cNvSpPr/>
+          <p:nvPr/>
+        </p:nvSpPr>
+        <p:spPr>
+          <a:xfrm>
+            <a:off x="6929755" y="4549140"/>
+            <a:ext cx="3949700" cy="427355"/>
+          </a:xfrm>
+          <a:prstGeom prst="roundRect">
+            <a:avLst/>
+          </a:prstGeom>
+          <a:solidFill>
+            <a:schemeClr val="accent6">
+              <a:lumMod val="20000"/>
+              <a:lumOff val="80000"/>
+            </a:schemeClr>
+          </a:solidFill>
+          <a:ln>
+            <a:solidFill>
+              <a:schemeClr val="accent6"/>
+            </a:solidFill>
+          </a:ln>
+        </p:spPr>
+        <p:style>
+          <a:lnRef idx="2">
+            <a:schemeClr val="accent1">
+              <a:shade val="50000"/>
+            </a:schemeClr>
+          </a:lnRef>
+          <a:fillRef idx="1">
+            <a:schemeClr val="accent1"/>
+          </a:fillRef>
+          <a:effectRef idx="0">
+            <a:schemeClr val="accent1"/>
+          </a:effectRef>
+          <a:fontRef idx="minor">
+            <a:schemeClr val="lt1"/>
+          </a:fontRef>
+        </p:style>
+        <p:txBody>
+          <a:bodyPr rtlCol="0" anchor="ctr"/>
+          <a:p>
+            <a:pPr algn="ctr"/>
+            <a:r>
+              <a:rPr lang="es-ES_tradnl" altLang="en-US" sz="1200">
+                <a:solidFill>
+                  <a:schemeClr val="accent6">
+                    <a:lumMod val="75000"/>
+                  </a:schemeClr>
+                </a:solidFill>
+                <a:cs typeface="+mn-lt"/>
+              </a:rPr>
+              <a:t>4. Diseño de la vacuna </a:t>
+            </a:r>
+            <a:r>
+              <a:rPr lang="es-ES_tradnl" altLang="en-US" sz="1200" i="1">
+                <a:solidFill>
+                  <a:schemeClr val="accent6">
+                    <a:lumMod val="75000"/>
+                  </a:schemeClr>
+                </a:solidFill>
+                <a:cs typeface="+mn-lt"/>
+              </a:rPr>
+              <a:t>in vitro</a:t>
+            </a:r>
+            <a:endParaRPr lang="es-ES_tradnl" altLang="en-US" sz="1200" i="1">
+              <a:solidFill>
+                <a:schemeClr val="accent6">
+                  <a:lumMod val="75000"/>
+                </a:schemeClr>
+              </a:solidFill>
+              <a:cs typeface="+mn-lt"/>
+            </a:endParaRPr>
+          </a:p>
+        </p:txBody>
+      </p:sp>
+    </p:spTree>
+  </p:cSld>
+  <p:clrMapOvr>
+    <a:masterClrMapping/>
+  </p:clrMapOvr>
+</p:sld>
+</file>
+
+<file path=ppt/slides/slide15.xml><?xml version="1.0" encoding="utf-8"?>
+<p:sld xmlns:a="http://schemas.openxmlformats.org/drawingml/2006/main" xmlns:r="http://schemas.openxmlformats.org/officeDocument/2006/relationships" xmlns:p="http://schemas.openxmlformats.org/presentationml/2006/main">
+  <p:cSld>
+    <p:spTree>
+      <p:nvGrpSpPr>
+        <p:cNvPr id="1" name=""/>
+        <p:cNvGrpSpPr/>
+        <p:nvPr/>
+      </p:nvGrpSpPr>
+      <p:grpSpPr>
+        <a:xfrm>
+          <a:off x="0" y="0"/>
+          <a:ext cx="0" cy="0"/>
+          <a:chOff x="0" y="0"/>
+          <a:chExt cx="0" cy="0"/>
+        </a:xfrm>
+      </p:grpSpPr>
       <p:pic>
         <p:nvPicPr>
           <p:cNvPr id="2" name="Picture 1" descr="training_train_1train_2_train_3_"/>

--- a/draws.pptx
+++ b/draws.pptx
@@ -19,7 +19,8 @@
     <p:sldId id="280" r:id="rId14"/>
     <p:sldId id="265" r:id="rId15"/>
     <p:sldId id="283" r:id="rId16"/>
-    <p:sldId id="268" r:id="rId17"/>
+    <p:sldId id="285" r:id="rId17"/>
+    <p:sldId id="268" r:id="rId18"/>
   </p:sldIdLst>
   <p:sldSz cx="12192000" cy="6858000"/>
   <p:notesSz cx="6858000" cy="9144000"/>
@@ -7774,6 +7775,872 @@
           <a:chExt cx="0" cy="0"/>
         </a:xfrm>
       </p:grpSpPr>
+      <p:sp>
+        <p:nvSpPr>
+          <p:cNvPr id="13" name="Rounded Rectangle 12"/>
+          <p:cNvSpPr/>
+          <p:nvPr/>
+        </p:nvSpPr>
+        <p:spPr>
+          <a:xfrm>
+            <a:off x="2071370" y="1225550"/>
+            <a:ext cx="2422525" cy="1751965"/>
+          </a:xfrm>
+          <a:prstGeom prst="roundRect">
+            <a:avLst>
+              <a:gd name="adj" fmla="val 8712"/>
+            </a:avLst>
+          </a:prstGeom>
+          <a:solidFill>
+            <a:schemeClr val="accent1">
+              <a:lumMod val="20000"/>
+              <a:lumOff val="80000"/>
+            </a:schemeClr>
+          </a:solidFill>
+          <a:ln>
+            <a:solidFill>
+              <a:schemeClr val="accent1">
+                <a:lumMod val="75000"/>
+              </a:schemeClr>
+            </a:solidFill>
+          </a:ln>
+        </p:spPr>
+        <p:style>
+          <a:lnRef idx="2">
+            <a:schemeClr val="accent1">
+              <a:shade val="50000"/>
+            </a:schemeClr>
+          </a:lnRef>
+          <a:fillRef idx="1">
+            <a:schemeClr val="accent1"/>
+          </a:fillRef>
+          <a:effectRef idx="0">
+            <a:schemeClr val="accent1"/>
+          </a:effectRef>
+          <a:fontRef idx="minor">
+            <a:schemeClr val="lt1"/>
+          </a:fontRef>
+        </p:style>
+        <p:txBody>
+          <a:bodyPr rtlCol="0" anchor="ctr"/>
+          <a:p>
+            <a:pPr algn="ctr"/>
+            <a:endParaRPr lang="es-ES_tradnl" altLang="en-US" sz="1200">
+              <a:solidFill>
+                <a:srgbClr val="2E75B6"/>
+              </a:solidFill>
+              <a:cs typeface="+mn-lt"/>
+            </a:endParaRPr>
+          </a:p>
+        </p:txBody>
+      </p:sp>
+      <p:sp>
+        <p:nvSpPr>
+          <p:cNvPr id="14" name="Rounded Rectangle 13"/>
+          <p:cNvSpPr/>
+          <p:nvPr/>
+        </p:nvSpPr>
+        <p:spPr>
+          <a:xfrm>
+            <a:off x="5570855" y="1225550"/>
+            <a:ext cx="2429510" cy="1703705"/>
+          </a:xfrm>
+          <a:prstGeom prst="roundRect">
+            <a:avLst>
+              <a:gd name="adj" fmla="val 7654"/>
+            </a:avLst>
+          </a:prstGeom>
+          <a:solidFill>
+            <a:schemeClr val="accent6">
+              <a:lumMod val="20000"/>
+              <a:lumOff val="80000"/>
+            </a:schemeClr>
+          </a:solidFill>
+          <a:ln>
+            <a:solidFill>
+              <a:schemeClr val="accent6">
+                <a:lumMod val="75000"/>
+              </a:schemeClr>
+            </a:solidFill>
+          </a:ln>
+        </p:spPr>
+        <p:style>
+          <a:lnRef idx="2">
+            <a:schemeClr val="accent1">
+              <a:shade val="50000"/>
+            </a:schemeClr>
+          </a:lnRef>
+          <a:fillRef idx="1">
+            <a:schemeClr val="accent1"/>
+          </a:fillRef>
+          <a:effectRef idx="0">
+            <a:schemeClr val="accent1"/>
+          </a:effectRef>
+          <a:fontRef idx="minor">
+            <a:schemeClr val="lt1"/>
+          </a:fontRef>
+        </p:style>
+        <p:txBody>
+          <a:bodyPr rtlCol="0" anchor="ctr"/>
+          <a:p>
+            <a:pPr algn="ctr"/>
+            <a:endParaRPr lang="es-ES_tradnl" altLang="en-US" sz="1200">
+              <a:solidFill>
+                <a:schemeClr val="accent6">
+                  <a:lumMod val="75000"/>
+                </a:schemeClr>
+              </a:solidFill>
+              <a:cs typeface="+mn-lt"/>
+            </a:endParaRPr>
+          </a:p>
+        </p:txBody>
+      </p:sp>
+      <p:sp>
+        <p:nvSpPr>
+          <p:cNvPr id="4" name="Rounded Rectangle 3"/>
+          <p:cNvSpPr/>
+          <p:nvPr/>
+        </p:nvSpPr>
+        <p:spPr>
+          <a:xfrm>
+            <a:off x="2322195" y="2063750"/>
+            <a:ext cx="1910080" cy="299720"/>
+          </a:xfrm>
+          <a:prstGeom prst="roundRect">
+            <a:avLst/>
+          </a:prstGeom>
+          <a:solidFill>
+            <a:schemeClr val="accent1">
+              <a:lumMod val="20000"/>
+              <a:lumOff val="80000"/>
+            </a:schemeClr>
+          </a:solidFill>
+          <a:ln>
+            <a:solidFill>
+              <a:schemeClr val="accent1">
+                <a:lumMod val="75000"/>
+              </a:schemeClr>
+            </a:solidFill>
+          </a:ln>
+        </p:spPr>
+        <p:style>
+          <a:lnRef idx="2">
+            <a:schemeClr val="accent1">
+              <a:shade val="50000"/>
+            </a:schemeClr>
+          </a:lnRef>
+          <a:fillRef idx="1">
+            <a:schemeClr val="accent1"/>
+          </a:fillRef>
+          <a:effectRef idx="0">
+            <a:schemeClr val="accent1"/>
+          </a:effectRef>
+          <a:fontRef idx="minor">
+            <a:schemeClr val="lt1"/>
+          </a:fontRef>
+        </p:style>
+        <p:txBody>
+          <a:bodyPr rtlCol="0" anchor="ctr"/>
+          <a:p>
+            <a:pPr algn="ctr"/>
+            <a:r>
+              <a:rPr lang="es-ES_tradnl" altLang="en-US" sz="1200">
+                <a:solidFill>
+                  <a:srgbClr val="2E75B6"/>
+                </a:solidFill>
+                <a:cs typeface="+mn-lt"/>
+              </a:rPr>
+              <a:t>Llamado de variantes</a:t>
+            </a:r>
+            <a:endParaRPr lang="es-ES_tradnl" altLang="en-US" sz="1200">
+              <a:solidFill>
+                <a:srgbClr val="2E75B6"/>
+              </a:solidFill>
+              <a:cs typeface="+mn-lt"/>
+            </a:endParaRPr>
+          </a:p>
+        </p:txBody>
+      </p:sp>
+      <p:sp>
+        <p:nvSpPr>
+          <p:cNvPr id="5" name="Rounded Rectangle 4"/>
+          <p:cNvSpPr/>
+          <p:nvPr/>
+        </p:nvSpPr>
+        <p:spPr>
+          <a:xfrm>
+            <a:off x="2322195" y="2451100"/>
+            <a:ext cx="1904365" cy="338455"/>
+          </a:xfrm>
+          <a:prstGeom prst="roundRect">
+            <a:avLst/>
+          </a:prstGeom>
+          <a:solidFill>
+            <a:schemeClr val="accent1">
+              <a:lumMod val="20000"/>
+              <a:lumOff val="80000"/>
+            </a:schemeClr>
+          </a:solidFill>
+          <a:ln>
+            <a:solidFill>
+              <a:schemeClr val="accent1">
+                <a:lumMod val="75000"/>
+              </a:schemeClr>
+            </a:solidFill>
+          </a:ln>
+        </p:spPr>
+        <p:style>
+          <a:lnRef idx="2">
+            <a:schemeClr val="accent1">
+              <a:shade val="50000"/>
+            </a:schemeClr>
+          </a:lnRef>
+          <a:fillRef idx="1">
+            <a:schemeClr val="accent1"/>
+          </a:fillRef>
+          <a:effectRef idx="0">
+            <a:schemeClr val="accent1"/>
+          </a:effectRef>
+          <a:fontRef idx="minor">
+            <a:schemeClr val="lt1"/>
+          </a:fontRef>
+        </p:style>
+        <p:txBody>
+          <a:bodyPr rtlCol="0" anchor="ctr"/>
+          <a:p>
+            <a:pPr algn="ctr"/>
+            <a:r>
+              <a:rPr lang="es-ES_tradnl" altLang="en-US" sz="1200">
+                <a:solidFill>
+                  <a:srgbClr val="2E75B6"/>
+                </a:solidFill>
+                <a:cs typeface="+mn-lt"/>
+              </a:rPr>
+              <a:t>Anotación de variantes</a:t>
+            </a:r>
+            <a:endParaRPr lang="es-ES_tradnl" altLang="en-US" sz="1200">
+              <a:solidFill>
+                <a:srgbClr val="2E75B6"/>
+              </a:solidFill>
+              <a:cs typeface="+mn-lt"/>
+            </a:endParaRPr>
+          </a:p>
+        </p:txBody>
+      </p:sp>
+      <p:sp>
+        <p:nvSpPr>
+          <p:cNvPr id="6" name="Rounded Rectangle 5"/>
+          <p:cNvSpPr/>
+          <p:nvPr/>
+        </p:nvSpPr>
+        <p:spPr>
+          <a:xfrm>
+            <a:off x="2322195" y="1676400"/>
+            <a:ext cx="1910080" cy="299720"/>
+          </a:xfrm>
+          <a:prstGeom prst="roundRect">
+            <a:avLst/>
+          </a:prstGeom>
+          <a:solidFill>
+            <a:schemeClr val="accent1">
+              <a:lumMod val="20000"/>
+              <a:lumOff val="80000"/>
+            </a:schemeClr>
+          </a:solidFill>
+          <a:ln>
+            <a:solidFill>
+              <a:schemeClr val="accent1">
+                <a:lumMod val="75000"/>
+              </a:schemeClr>
+            </a:solidFill>
+          </a:ln>
+        </p:spPr>
+        <p:style>
+          <a:lnRef idx="2">
+            <a:schemeClr val="accent1">
+              <a:shade val="50000"/>
+            </a:schemeClr>
+          </a:lnRef>
+          <a:fillRef idx="1">
+            <a:schemeClr val="accent1"/>
+          </a:fillRef>
+          <a:effectRef idx="0">
+            <a:schemeClr val="accent1"/>
+          </a:effectRef>
+          <a:fontRef idx="minor">
+            <a:schemeClr val="lt1"/>
+          </a:fontRef>
+        </p:style>
+        <p:txBody>
+          <a:bodyPr rtlCol="0" anchor="ctr"/>
+          <a:p>
+            <a:pPr algn="ctr"/>
+            <a:r>
+              <a:rPr lang="es-ES_tradnl" altLang="en-US" sz="1200">
+                <a:solidFill>
+                  <a:srgbClr val="2E75B6"/>
+                </a:solidFill>
+                <a:cs typeface="+mn-lt"/>
+              </a:rPr>
+              <a:t>Alineamiento</a:t>
+            </a:r>
+            <a:endParaRPr lang="es-ES_tradnl" altLang="en-US" sz="1200">
+              <a:solidFill>
+                <a:srgbClr val="2E75B6"/>
+              </a:solidFill>
+              <a:cs typeface="+mn-lt"/>
+            </a:endParaRPr>
+          </a:p>
+        </p:txBody>
+      </p:sp>
+      <p:sp>
+        <p:nvSpPr>
+          <p:cNvPr id="7" name="Rounded Rectangle 6"/>
+          <p:cNvSpPr/>
+          <p:nvPr/>
+        </p:nvSpPr>
+        <p:spPr>
+          <a:xfrm>
+            <a:off x="5757545" y="1680210"/>
+            <a:ext cx="2080895" cy="541020"/>
+          </a:xfrm>
+          <a:prstGeom prst="roundRect">
+            <a:avLst/>
+          </a:prstGeom>
+          <a:solidFill>
+            <a:schemeClr val="accent6">
+              <a:lumMod val="20000"/>
+              <a:lumOff val="80000"/>
+            </a:schemeClr>
+          </a:solidFill>
+          <a:ln>
+            <a:solidFill>
+              <a:schemeClr val="accent6">
+                <a:lumMod val="75000"/>
+              </a:schemeClr>
+            </a:solidFill>
+          </a:ln>
+        </p:spPr>
+        <p:style>
+          <a:lnRef idx="2">
+            <a:schemeClr val="accent1">
+              <a:shade val="50000"/>
+            </a:schemeClr>
+          </a:lnRef>
+          <a:fillRef idx="1">
+            <a:schemeClr val="accent1"/>
+          </a:fillRef>
+          <a:effectRef idx="0">
+            <a:schemeClr val="accent1"/>
+          </a:effectRef>
+          <a:fontRef idx="minor">
+            <a:schemeClr val="lt1"/>
+          </a:fontRef>
+        </p:style>
+        <p:txBody>
+          <a:bodyPr rtlCol="0" anchor="ctr"/>
+          <a:p>
+            <a:pPr algn="ctr"/>
+            <a:r>
+              <a:rPr lang="es-ES_tradnl" altLang="en-US" sz="1200">
+                <a:solidFill>
+                  <a:schemeClr val="accent6">
+                    <a:lumMod val="75000"/>
+                  </a:schemeClr>
+                </a:solidFill>
+                <a:cs typeface="+mn-lt"/>
+              </a:rPr>
+              <a:t>Predicción del enlace peptido y MHC (pMHC)</a:t>
+            </a:r>
+            <a:endParaRPr lang="es-ES_tradnl" altLang="en-US" sz="1200">
+              <a:solidFill>
+                <a:schemeClr val="accent6">
+                  <a:lumMod val="75000"/>
+                </a:schemeClr>
+              </a:solidFill>
+              <a:cs typeface="+mn-lt"/>
+            </a:endParaRPr>
+          </a:p>
+        </p:txBody>
+      </p:sp>
+      <p:sp>
+        <p:nvSpPr>
+          <p:cNvPr id="9" name="Rounded Rectangle 8"/>
+          <p:cNvSpPr/>
+          <p:nvPr/>
+        </p:nvSpPr>
+        <p:spPr>
+          <a:xfrm>
+            <a:off x="5744845" y="2316480"/>
+            <a:ext cx="2081530" cy="427990"/>
+          </a:xfrm>
+          <a:prstGeom prst="roundRect">
+            <a:avLst/>
+          </a:prstGeom>
+          <a:solidFill>
+            <a:schemeClr val="accent6">
+              <a:lumMod val="20000"/>
+              <a:lumOff val="80000"/>
+            </a:schemeClr>
+          </a:solidFill>
+          <a:ln>
+            <a:solidFill>
+              <a:schemeClr val="accent6">
+                <a:lumMod val="75000"/>
+              </a:schemeClr>
+            </a:solidFill>
+          </a:ln>
+        </p:spPr>
+        <p:style>
+          <a:lnRef idx="2">
+            <a:schemeClr val="accent1">
+              <a:shade val="50000"/>
+            </a:schemeClr>
+          </a:lnRef>
+          <a:fillRef idx="1">
+            <a:schemeClr val="accent1"/>
+          </a:fillRef>
+          <a:effectRef idx="0">
+            <a:schemeClr val="accent1"/>
+          </a:effectRef>
+          <a:fontRef idx="minor">
+            <a:schemeClr val="lt1"/>
+          </a:fontRef>
+        </p:style>
+        <p:txBody>
+          <a:bodyPr rtlCol="0" anchor="ctr"/>
+          <a:p>
+            <a:pPr algn="ctr"/>
+            <a:r>
+              <a:rPr lang="es-ES_tradnl" altLang="en-US" sz="1200">
+                <a:solidFill>
+                  <a:schemeClr val="accent6">
+                    <a:lumMod val="75000"/>
+                  </a:schemeClr>
+                </a:solidFill>
+                <a:cs typeface="+mn-lt"/>
+              </a:rPr>
+              <a:t>Predicción del enlace pMHC-TCR</a:t>
+            </a:r>
+            <a:endParaRPr lang="es-ES_tradnl" altLang="en-US" sz="1200">
+              <a:solidFill>
+                <a:schemeClr val="accent6">
+                  <a:lumMod val="75000"/>
+                </a:schemeClr>
+              </a:solidFill>
+              <a:cs typeface="+mn-lt"/>
+            </a:endParaRPr>
+          </a:p>
+        </p:txBody>
+      </p:sp>
+      <p:sp>
+        <p:nvSpPr>
+          <p:cNvPr id="3" name="Text Box 2"/>
+          <p:cNvSpPr txBox="1"/>
+          <p:nvPr/>
+        </p:nvSpPr>
+        <p:spPr>
+          <a:xfrm>
+            <a:off x="2731770" y="1271270"/>
+            <a:ext cx="1102360" cy="275590"/>
+          </a:xfrm>
+          <a:prstGeom prst="rect">
+            <a:avLst/>
+          </a:prstGeom>
+          <a:noFill/>
+        </p:spPr>
+        <p:txBody>
+          <a:bodyPr wrap="none" rtlCol="0" anchor="t">
+            <a:spAutoFit/>
+          </a:bodyPr>
+          <a:p>
+            <a:r>
+              <a:rPr lang="es-ES_tradnl" altLang="en-US" sz="1200">
+                <a:solidFill>
+                  <a:srgbClr val="2E75B6"/>
+                </a:solidFill>
+                <a:cs typeface="+mn-lt"/>
+                <a:sym typeface="+mn-ea"/>
+              </a:rPr>
+              <a:t>NeoArgosMut</a:t>
+            </a:r>
+            <a:endParaRPr lang="es-ES_tradnl" altLang="en-US" sz="1200">
+              <a:solidFill>
+                <a:srgbClr val="2E75B6"/>
+              </a:solidFill>
+              <a:cs typeface="+mn-lt"/>
+              <a:sym typeface="+mn-ea"/>
+            </a:endParaRPr>
+          </a:p>
+        </p:txBody>
+      </p:sp>
+      <p:sp>
+        <p:nvSpPr>
+          <p:cNvPr id="8" name="Text Box 7"/>
+          <p:cNvSpPr txBox="1"/>
+          <p:nvPr/>
+        </p:nvSpPr>
+        <p:spPr>
+          <a:xfrm>
+            <a:off x="6097905" y="1271270"/>
+            <a:ext cx="1374775" cy="275590"/>
+          </a:xfrm>
+          <a:prstGeom prst="rect">
+            <a:avLst/>
+          </a:prstGeom>
+          <a:noFill/>
+        </p:spPr>
+        <p:txBody>
+          <a:bodyPr wrap="none" rtlCol="0" anchor="t">
+            <a:spAutoFit/>
+          </a:bodyPr>
+          <a:p>
+            <a:r>
+              <a:rPr lang="es-ES_tradnl" altLang="en-US" sz="1200">
+                <a:solidFill>
+                  <a:schemeClr val="accent6">
+                    <a:lumMod val="75000"/>
+                  </a:schemeClr>
+                </a:solidFill>
+                <a:cs typeface="+mn-lt"/>
+                <a:sym typeface="+mn-ea"/>
+              </a:rPr>
+              <a:t>NeoArgosAntigen</a:t>
+            </a:r>
+            <a:endParaRPr lang="es-ES_tradnl" altLang="en-US" sz="1200">
+              <a:solidFill>
+                <a:schemeClr val="accent6">
+                  <a:lumMod val="75000"/>
+                </a:schemeClr>
+              </a:solidFill>
+              <a:cs typeface="+mn-lt"/>
+              <a:sym typeface="+mn-ea"/>
+            </a:endParaRPr>
+          </a:p>
+        </p:txBody>
+      </p:sp>
+      <p:sp>
+        <p:nvSpPr>
+          <p:cNvPr id="10" name="Text Box 9"/>
+          <p:cNvSpPr txBox="1"/>
+          <p:nvPr/>
+        </p:nvSpPr>
+        <p:spPr>
+          <a:xfrm>
+            <a:off x="843915" y="1746250"/>
+            <a:ext cx="812165" cy="645160"/>
+          </a:xfrm>
+          <a:prstGeom prst="rect">
+            <a:avLst/>
+          </a:prstGeom>
+          <a:noFill/>
+        </p:spPr>
+        <p:txBody>
+          <a:bodyPr wrap="none" rtlCol="0" anchor="t">
+            <a:spAutoFit/>
+          </a:bodyPr>
+          <a:p>
+            <a:pPr algn="ctr"/>
+            <a:r>
+              <a:rPr lang="es-ES_tradnl" altLang="en-US" sz="1200">
+                <a:solidFill>
+                  <a:schemeClr val="tx1"/>
+                </a:solidFill>
+                <a:cs typeface="+mn-lt"/>
+                <a:sym typeface="+mn-ea"/>
+              </a:rPr>
+              <a:t>DNA-seq</a:t>
+            </a:r>
+            <a:endParaRPr lang="es-ES_tradnl" altLang="en-US" sz="1200">
+              <a:solidFill>
+                <a:schemeClr val="tx1"/>
+              </a:solidFill>
+              <a:cs typeface="+mn-lt"/>
+              <a:sym typeface="+mn-ea"/>
+            </a:endParaRPr>
+          </a:p>
+          <a:p>
+            <a:pPr algn="ctr"/>
+            <a:r>
+              <a:rPr lang="es-ES_tradnl" altLang="en-US" sz="1200">
+                <a:solidFill>
+                  <a:schemeClr val="tx1"/>
+                </a:solidFill>
+                <a:cs typeface="+mn-lt"/>
+                <a:sym typeface="+mn-ea"/>
+              </a:rPr>
+              <a:t>RNA-seq</a:t>
+            </a:r>
+            <a:endParaRPr lang="es-ES_tradnl" altLang="en-US" sz="1200">
+              <a:solidFill>
+                <a:schemeClr val="tx1"/>
+              </a:solidFill>
+              <a:cs typeface="+mn-lt"/>
+              <a:sym typeface="+mn-ea"/>
+            </a:endParaRPr>
+          </a:p>
+          <a:p>
+            <a:pPr algn="ctr"/>
+            <a:r>
+              <a:rPr lang="es-ES_tradnl" altLang="en-US" sz="1200">
+                <a:solidFill>
+                  <a:schemeClr val="tx1"/>
+                </a:solidFill>
+                <a:cs typeface="+mn-lt"/>
+                <a:sym typeface="+mn-ea"/>
+              </a:rPr>
+              <a:t>datos MS</a:t>
+            </a:r>
+            <a:endParaRPr lang="es-ES_tradnl" altLang="en-US" sz="1200">
+              <a:solidFill>
+                <a:schemeClr val="tx1"/>
+              </a:solidFill>
+              <a:cs typeface="+mn-lt"/>
+              <a:sym typeface="+mn-ea"/>
+            </a:endParaRPr>
+          </a:p>
+        </p:txBody>
+      </p:sp>
+      <p:cxnSp>
+        <p:nvCxnSpPr>
+          <p:cNvPr id="11" name="Straight Arrow Connector 10"/>
+          <p:cNvCxnSpPr/>
+          <p:nvPr/>
+        </p:nvCxnSpPr>
+        <p:spPr>
+          <a:xfrm>
+            <a:off x="1607185" y="2065655"/>
+            <a:ext cx="371475" cy="3175"/>
+          </a:xfrm>
+          <a:prstGeom prst="straightConnector1">
+            <a:avLst/>
+          </a:prstGeom>
+          <a:ln w="12700" cmpd="sng">
+            <a:solidFill>
+              <a:schemeClr val="tx1"/>
+            </a:solidFill>
+            <a:prstDash val="solid"/>
+            <a:tailEnd type="arrow"/>
+          </a:ln>
+        </p:spPr>
+        <p:style>
+          <a:lnRef idx="1">
+            <a:schemeClr val="accent1"/>
+          </a:lnRef>
+          <a:fillRef idx="0">
+            <a:schemeClr val="accent1"/>
+          </a:fillRef>
+          <a:effectRef idx="0">
+            <a:schemeClr val="accent1"/>
+          </a:effectRef>
+          <a:fontRef idx="minor">
+            <a:schemeClr val="tx1"/>
+          </a:fontRef>
+        </p:style>
+      </p:cxnSp>
+      <p:cxnSp>
+        <p:nvCxnSpPr>
+          <p:cNvPr id="12" name="Straight Arrow Connector 11"/>
+          <p:cNvCxnSpPr/>
+          <p:nvPr/>
+        </p:nvCxnSpPr>
+        <p:spPr>
+          <a:xfrm>
+            <a:off x="4611370" y="2112010"/>
+            <a:ext cx="842645" cy="6350"/>
+          </a:xfrm>
+          <a:prstGeom prst="straightConnector1">
+            <a:avLst/>
+          </a:prstGeom>
+          <a:ln w="12700" cmpd="sng">
+            <a:solidFill>
+              <a:schemeClr val="tx1"/>
+            </a:solidFill>
+            <a:prstDash val="solid"/>
+            <a:tailEnd type="arrow"/>
+          </a:ln>
+        </p:spPr>
+        <p:style>
+          <a:lnRef idx="1">
+            <a:schemeClr val="accent1"/>
+          </a:lnRef>
+          <a:fillRef idx="0">
+            <a:schemeClr val="accent1"/>
+          </a:fillRef>
+          <a:effectRef idx="0">
+            <a:schemeClr val="accent1"/>
+          </a:effectRef>
+          <a:fontRef idx="minor">
+            <a:schemeClr val="tx1"/>
+          </a:fontRef>
+        </p:style>
+      </p:cxnSp>
+      <p:sp>
+        <p:nvSpPr>
+          <p:cNvPr id="15" name="Text Box 14"/>
+          <p:cNvSpPr txBox="1"/>
+          <p:nvPr/>
+        </p:nvSpPr>
+        <p:spPr>
+          <a:xfrm>
+            <a:off x="4476750" y="1608455"/>
+            <a:ext cx="1130300" cy="460375"/>
+          </a:xfrm>
+          <a:prstGeom prst="rect">
+            <a:avLst/>
+          </a:prstGeom>
+          <a:noFill/>
+        </p:spPr>
+        <p:txBody>
+          <a:bodyPr wrap="none" rtlCol="0" anchor="t">
+            <a:spAutoFit/>
+          </a:bodyPr>
+          <a:p>
+            <a:pPr algn="ctr"/>
+            <a:r>
+              <a:rPr lang="es-ES_tradnl" altLang="en-US" sz="1200">
+                <a:solidFill>
+                  <a:schemeClr val="tx1"/>
+                </a:solidFill>
+                <a:cs typeface="+mn-lt"/>
+                <a:sym typeface="+mn-ea"/>
+              </a:rPr>
+              <a:t>Neoantígenos</a:t>
+            </a:r>
+            <a:endParaRPr lang="es-ES_tradnl" altLang="en-US" sz="1200">
+              <a:solidFill>
+                <a:schemeClr val="tx1"/>
+              </a:solidFill>
+              <a:cs typeface="+mn-lt"/>
+              <a:sym typeface="+mn-ea"/>
+            </a:endParaRPr>
+          </a:p>
+          <a:p>
+            <a:pPr algn="ctr"/>
+            <a:r>
+              <a:rPr lang="es-ES_tradnl" altLang="en-US" sz="1200">
+                <a:solidFill>
+                  <a:schemeClr val="tx1"/>
+                </a:solidFill>
+                <a:cs typeface="+mn-lt"/>
+                <a:sym typeface="+mn-ea"/>
+              </a:rPr>
+              <a:t>candidatos</a:t>
+            </a:r>
+            <a:endParaRPr lang="es-ES_tradnl" altLang="en-US" sz="1200">
+              <a:solidFill>
+                <a:schemeClr val="tx1"/>
+              </a:solidFill>
+              <a:cs typeface="+mn-lt"/>
+              <a:sym typeface="+mn-ea"/>
+            </a:endParaRPr>
+          </a:p>
+        </p:txBody>
+      </p:sp>
+      <p:sp>
+        <p:nvSpPr>
+          <p:cNvPr id="19" name="Text Box 18"/>
+          <p:cNvSpPr txBox="1"/>
+          <p:nvPr/>
+        </p:nvSpPr>
+        <p:spPr>
+          <a:xfrm>
+            <a:off x="8388350" y="1945640"/>
+            <a:ext cx="1130300" cy="275590"/>
+          </a:xfrm>
+          <a:prstGeom prst="rect">
+            <a:avLst/>
+          </a:prstGeom>
+          <a:noFill/>
+        </p:spPr>
+        <p:txBody>
+          <a:bodyPr wrap="none" rtlCol="0" anchor="t">
+            <a:spAutoFit/>
+          </a:bodyPr>
+          <a:p>
+            <a:pPr algn="ctr"/>
+            <a:r>
+              <a:rPr lang="es-ES_tradnl" altLang="en-US" sz="1200">
+                <a:solidFill>
+                  <a:schemeClr val="tx1"/>
+                </a:solidFill>
+                <a:cs typeface="+mn-lt"/>
+                <a:sym typeface="+mn-ea"/>
+              </a:rPr>
+              <a:t>Neoantígenos</a:t>
+            </a:r>
+            <a:endParaRPr lang="es-ES_tradnl" altLang="en-US" sz="1200">
+              <a:solidFill>
+                <a:schemeClr val="tx1"/>
+              </a:solidFill>
+              <a:cs typeface="+mn-lt"/>
+              <a:sym typeface="+mn-ea"/>
+            </a:endParaRPr>
+          </a:p>
+        </p:txBody>
+      </p:sp>
+      <p:cxnSp>
+        <p:nvCxnSpPr>
+          <p:cNvPr id="20" name="Straight Arrow Connector 19"/>
+          <p:cNvCxnSpPr/>
+          <p:nvPr/>
+        </p:nvCxnSpPr>
+        <p:spPr>
+          <a:xfrm>
+            <a:off x="8084185" y="2105660"/>
+            <a:ext cx="336550" cy="5715"/>
+          </a:xfrm>
+          <a:prstGeom prst="straightConnector1">
+            <a:avLst/>
+          </a:prstGeom>
+          <a:ln w="12700" cmpd="sng">
+            <a:solidFill>
+              <a:schemeClr val="tx1"/>
+            </a:solidFill>
+            <a:prstDash val="solid"/>
+            <a:tailEnd type="arrow"/>
+          </a:ln>
+        </p:spPr>
+        <p:style>
+          <a:lnRef idx="1">
+            <a:schemeClr val="accent1"/>
+          </a:lnRef>
+          <a:fillRef idx="0">
+            <a:schemeClr val="accent1"/>
+          </a:fillRef>
+          <a:effectRef idx="0">
+            <a:schemeClr val="accent1"/>
+          </a:effectRef>
+          <a:fontRef idx="minor">
+            <a:schemeClr val="tx1"/>
+          </a:fontRef>
+        </p:style>
+      </p:cxnSp>
+    </p:spTree>
+  </p:cSld>
+  <p:clrMapOvr>
+    <a:masterClrMapping/>
+  </p:clrMapOvr>
+</p:sld>
+</file>
+
+<file path=ppt/slides/slide16.xml><?xml version="1.0" encoding="utf-8"?>
+<p:sld xmlns:a="http://schemas.openxmlformats.org/drawingml/2006/main" xmlns:r="http://schemas.openxmlformats.org/officeDocument/2006/relationships" xmlns:p="http://schemas.openxmlformats.org/presentationml/2006/main">
+  <p:cSld>
+    <p:spTree>
+      <p:nvGrpSpPr>
+        <p:cNvPr id="1" name=""/>
+        <p:cNvGrpSpPr/>
+        <p:nvPr/>
+      </p:nvGrpSpPr>
+      <p:grpSpPr>
+        <a:xfrm>
+          <a:off x="0" y="0"/>
+          <a:ext cx="0" cy="0"/>
+          <a:chOff x="0" y="0"/>
+          <a:chExt cx="0" cy="0"/>
+        </a:xfrm>
+      </p:grpSpPr>
       <p:pic>
         <p:nvPicPr>
           <p:cNvPr id="2" name="Picture 1" descr="training_train_1train_2_train_3_"/>

--- a/draws.pptx
+++ b/draws.pptx
@@ -19,8 +19,13 @@
     <p:sldId id="280" r:id="rId14"/>
     <p:sldId id="265" r:id="rId15"/>
     <p:sldId id="283" r:id="rId16"/>
-    <p:sldId id="285" r:id="rId17"/>
-    <p:sldId id="268" r:id="rId18"/>
+    <p:sldId id="287" r:id="rId17"/>
+    <p:sldId id="285" r:id="rId18"/>
+    <p:sldId id="268" r:id="rId19"/>
+    <p:sldId id="290" r:id="rId20"/>
+    <p:sldId id="292" r:id="rId21"/>
+    <p:sldId id="293" r:id="rId22"/>
+    <p:sldId id="294" r:id="rId23"/>
   </p:sldIdLst>
   <p:sldSz cx="12192000" cy="6858000"/>
   <p:notesSz cx="6858000" cy="9144000"/>
@@ -5633,7 +5638,7 @@
         <p:spPr>
           <a:xfrm>
             <a:off x="1089660" y="920115"/>
-            <a:ext cx="2011680" cy="422275"/>
+            <a:ext cx="2000250" cy="422275"/>
           </a:xfrm>
           <a:prstGeom prst="roundRect">
             <a:avLst/>
@@ -5696,7 +5701,7 @@
         <p:spPr>
           <a:xfrm>
             <a:off x="3550285" y="922020"/>
-            <a:ext cx="2011680" cy="419735"/>
+            <a:ext cx="2000250" cy="419735"/>
           </a:xfrm>
           <a:prstGeom prst="roundRect">
             <a:avLst/>
@@ -5757,7 +5762,7 @@
         <p:spPr>
           <a:xfrm>
             <a:off x="1089660" y="2505075"/>
-            <a:ext cx="4471670" cy="779780"/>
+            <a:ext cx="4445635" cy="779780"/>
           </a:xfrm>
           <a:prstGeom prst="roundRect">
             <a:avLst/>
@@ -5825,7 +5830,7 @@
         <p:spPr>
           <a:xfrm>
             <a:off x="1089025" y="4737100"/>
-            <a:ext cx="4471035" cy="654685"/>
+            <a:ext cx="4445635" cy="654685"/>
           </a:xfrm>
           <a:prstGeom prst="roundRect">
             <a:avLst/>
@@ -5886,7 +5891,7 @@
         <p:spPr>
           <a:xfrm>
             <a:off x="1089025" y="1703705"/>
-            <a:ext cx="4472940" cy="451485"/>
+            <a:ext cx="4446905" cy="451485"/>
           </a:xfrm>
           <a:prstGeom prst="roundRect">
             <a:avLst/>
@@ -5954,7 +5959,7 @@
         <p:spPr>
           <a:xfrm>
             <a:off x="1917700" y="1422400"/>
-            <a:ext cx="271145" cy="198755"/>
+            <a:ext cx="269875" cy="198755"/>
           </a:xfrm>
           <a:prstGeom prst="downArrow">
             <a:avLst/>
@@ -6002,7 +6007,7 @@
         <p:spPr>
           <a:xfrm>
             <a:off x="4291965" y="1421765"/>
-            <a:ext cx="271145" cy="199390"/>
+            <a:ext cx="269875" cy="199390"/>
           </a:xfrm>
           <a:prstGeom prst="downArrow">
             <a:avLst/>
@@ -6050,7 +6055,7 @@
         <p:spPr>
           <a:xfrm>
             <a:off x="1089025" y="3625215"/>
-            <a:ext cx="4471670" cy="787400"/>
+            <a:ext cx="4445635" cy="787400"/>
           </a:xfrm>
           <a:prstGeom prst="roundRect">
             <a:avLst/>
@@ -6118,7 +6123,7 @@
         <p:spPr>
           <a:xfrm>
             <a:off x="3188970" y="2231390"/>
-            <a:ext cx="271145" cy="198755"/>
+            <a:ext cx="269875" cy="198755"/>
           </a:xfrm>
           <a:prstGeom prst="downArrow">
             <a:avLst/>
@@ -6166,7 +6171,7 @@
         <p:spPr>
           <a:xfrm>
             <a:off x="3188970" y="3355975"/>
-            <a:ext cx="271145" cy="198755"/>
+            <a:ext cx="269875" cy="198755"/>
           </a:xfrm>
           <a:prstGeom prst="downArrow">
             <a:avLst/>
@@ -6214,7 +6219,7 @@
         <p:spPr>
           <a:xfrm>
             <a:off x="3188970" y="4485640"/>
-            <a:ext cx="271145" cy="198755"/>
+            <a:ext cx="269875" cy="198755"/>
           </a:xfrm>
           <a:prstGeom prst="downArrow">
             <a:avLst/>
@@ -6262,7 +6267,7 @@
         <p:spPr>
           <a:xfrm>
             <a:off x="1089025" y="1701165"/>
-            <a:ext cx="4472940" cy="451485"/>
+            <a:ext cx="4446905" cy="451485"/>
           </a:xfrm>
           <a:prstGeom prst="roundRect">
             <a:avLst/>
@@ -7783,13 +7788,11 @@
         </p:nvSpPr>
         <p:spPr>
           <a:xfrm>
-            <a:off x="2071370" y="1225550"/>
-            <a:ext cx="2422525" cy="1751965"/>
+            <a:off x="6931660" y="1961515"/>
+            <a:ext cx="1506220" cy="1154430"/>
           </a:xfrm>
           <a:prstGeom prst="roundRect">
-            <a:avLst>
-              <a:gd name="adj" fmla="val 8712"/>
-            </a:avLst>
+            <a:avLst/>
           </a:prstGeom>
           <a:solidFill>
             <a:schemeClr val="accent1">
@@ -7825,6 +7828,15 @@
           <a:bodyPr rtlCol="0" anchor="ctr"/>
           <a:p>
             <a:pPr algn="ctr"/>
+            <a:r>
+              <a:rPr lang="es-ES_tradnl" altLang="en-US" sz="1200">
+                <a:solidFill>
+                  <a:srgbClr val="2E75B6"/>
+                </a:solidFill>
+                <a:cs typeface="+mn-lt"/>
+              </a:rPr>
+              <a:t>2. Neoantigen candidates detection</a:t>
+            </a:r>
             <a:endParaRPr lang="es-ES_tradnl" altLang="en-US" sz="1200">
               <a:solidFill>
                 <a:srgbClr val="2E75B6"/>
@@ -7842,13 +7854,499 @@
         </p:nvSpPr>
         <p:spPr>
           <a:xfrm>
-            <a:off x="5570855" y="1225550"/>
-            <a:ext cx="2429510" cy="1703705"/>
+            <a:off x="6931025" y="3216910"/>
+            <a:ext cx="1520825" cy="1187450"/>
           </a:xfrm>
           <a:prstGeom prst="roundRect">
-            <a:avLst>
-              <a:gd name="adj" fmla="val 7654"/>
-            </a:avLst>
+            <a:avLst/>
+          </a:prstGeom>
+          <a:solidFill>
+            <a:schemeClr val="accent1">
+              <a:lumMod val="20000"/>
+              <a:lumOff val="80000"/>
+            </a:schemeClr>
+          </a:solidFill>
+          <a:ln>
+            <a:solidFill>
+              <a:schemeClr val="accent1">
+                <a:lumMod val="75000"/>
+              </a:schemeClr>
+            </a:solidFill>
+          </a:ln>
+        </p:spPr>
+        <p:style>
+          <a:lnRef idx="2">
+            <a:schemeClr val="accent1">
+              <a:shade val="50000"/>
+            </a:schemeClr>
+          </a:lnRef>
+          <a:fillRef idx="1">
+            <a:schemeClr val="accent1"/>
+          </a:fillRef>
+          <a:effectRef idx="0">
+            <a:schemeClr val="accent1"/>
+          </a:effectRef>
+          <a:fontRef idx="minor">
+            <a:schemeClr val="lt1"/>
+          </a:fontRef>
+        </p:style>
+        <p:txBody>
+          <a:bodyPr rtlCol="0" anchor="ctr"/>
+          <a:p>
+            <a:pPr algn="ctr"/>
+            <a:r>
+              <a:rPr lang="es-ES_tradnl" altLang="en-US" sz="1200">
+                <a:solidFill>
+                  <a:srgbClr val="2E75B6"/>
+                </a:solidFill>
+                <a:cs typeface="+mn-lt"/>
+              </a:rPr>
+              <a:t>3. Neoantigen prioritization</a:t>
+            </a:r>
+            <a:endParaRPr lang="es-ES_tradnl" altLang="en-US" sz="1200">
+              <a:solidFill>
+                <a:srgbClr val="2E75B6"/>
+              </a:solidFill>
+              <a:cs typeface="+mn-lt"/>
+            </a:endParaRPr>
+          </a:p>
+        </p:txBody>
+      </p:sp>
+      <p:sp>
+        <p:nvSpPr>
+          <p:cNvPr id="16" name="Rounded Rectangle 15"/>
+          <p:cNvSpPr/>
+          <p:nvPr/>
+        </p:nvSpPr>
+        <p:spPr>
+          <a:xfrm>
+            <a:off x="6932295" y="5121275"/>
+            <a:ext cx="3940810" cy="427355"/>
+          </a:xfrm>
+          <a:prstGeom prst="roundRect">
+            <a:avLst/>
+          </a:prstGeom>
+          <a:solidFill>
+            <a:schemeClr val="accent2">
+              <a:lumMod val="20000"/>
+              <a:lumOff val="80000"/>
+            </a:schemeClr>
+          </a:solidFill>
+          <a:ln>
+            <a:solidFill>
+              <a:schemeClr val="accent2"/>
+            </a:solidFill>
+          </a:ln>
+        </p:spPr>
+        <p:style>
+          <a:lnRef idx="2">
+            <a:schemeClr val="accent1">
+              <a:shade val="50000"/>
+            </a:schemeClr>
+          </a:lnRef>
+          <a:fillRef idx="1">
+            <a:schemeClr val="accent1"/>
+          </a:fillRef>
+          <a:effectRef idx="0">
+            <a:schemeClr val="accent1"/>
+          </a:effectRef>
+          <a:fontRef idx="minor">
+            <a:schemeClr val="lt1"/>
+          </a:fontRef>
+        </p:style>
+        <p:txBody>
+          <a:bodyPr rtlCol="0" anchor="ctr"/>
+          <a:p>
+            <a:pPr algn="ctr"/>
+            <a:r>
+              <a:rPr lang="es-ES_tradnl" altLang="en-US" sz="1200">
+                <a:solidFill>
+                  <a:schemeClr val="accent2">
+                    <a:lumMod val="75000"/>
+                  </a:schemeClr>
+                </a:solidFill>
+                <a:cs typeface="+mn-lt"/>
+              </a:rPr>
+              <a:t>5. Clinical trials</a:t>
+            </a:r>
+            <a:endParaRPr lang="es-ES_tradnl" altLang="en-US" sz="1200">
+              <a:solidFill>
+                <a:schemeClr val="accent2">
+                  <a:lumMod val="75000"/>
+                </a:schemeClr>
+              </a:solidFill>
+              <a:cs typeface="+mn-lt"/>
+            </a:endParaRPr>
+          </a:p>
+        </p:txBody>
+      </p:sp>
+      <p:pic>
+        <p:nvPicPr>
+          <p:cNvPr id="2" name="Picture 1" descr="vaccine_pipeline"/>
+          <p:cNvPicPr>
+            <a:picLocks noChangeAspect="1"/>
+          </p:cNvPicPr>
+          <p:nvPr/>
+        </p:nvPicPr>
+        <p:blipFill>
+          <a:blip r:embed="rId1"/>
+          <a:stretch>
+            <a:fillRect/>
+          </a:stretch>
+        </p:blipFill>
+        <p:spPr>
+          <a:xfrm>
+            <a:off x="1141730" y="1370965"/>
+            <a:ext cx="5278120" cy="4177665"/>
+          </a:xfrm>
+          <a:prstGeom prst="rect">
+            <a:avLst/>
+          </a:prstGeom>
+        </p:spPr>
+      </p:pic>
+      <p:sp>
+        <p:nvSpPr>
+          <p:cNvPr id="4" name="Rounded Rectangle 3"/>
+          <p:cNvSpPr/>
+          <p:nvPr/>
+        </p:nvSpPr>
+        <p:spPr>
+          <a:xfrm>
+            <a:off x="8664575" y="2360295"/>
+            <a:ext cx="2221230" cy="299720"/>
+          </a:xfrm>
+          <a:prstGeom prst="roundRect">
+            <a:avLst/>
+          </a:prstGeom>
+          <a:solidFill>
+            <a:schemeClr val="accent1">
+              <a:lumMod val="20000"/>
+              <a:lumOff val="80000"/>
+            </a:schemeClr>
+          </a:solidFill>
+          <a:ln>
+            <a:solidFill>
+              <a:schemeClr val="accent1">
+                <a:lumMod val="75000"/>
+              </a:schemeClr>
+            </a:solidFill>
+          </a:ln>
+        </p:spPr>
+        <p:style>
+          <a:lnRef idx="2">
+            <a:schemeClr val="accent1">
+              <a:shade val="50000"/>
+            </a:schemeClr>
+          </a:lnRef>
+          <a:fillRef idx="1">
+            <a:schemeClr val="accent1"/>
+          </a:fillRef>
+          <a:effectRef idx="0">
+            <a:schemeClr val="accent1"/>
+          </a:effectRef>
+          <a:fontRef idx="minor">
+            <a:schemeClr val="lt1"/>
+          </a:fontRef>
+        </p:style>
+        <p:txBody>
+          <a:bodyPr rtlCol="0" anchor="ctr"/>
+          <a:p>
+            <a:pPr algn="l"/>
+            <a:r>
+              <a:rPr lang="es-ES_tradnl" altLang="en-US" sz="1200">
+                <a:solidFill>
+                  <a:srgbClr val="2E75B6"/>
+                </a:solidFill>
+                <a:cs typeface="+mn-lt"/>
+              </a:rPr>
+              <a:t>2.2 Variant calling</a:t>
+            </a:r>
+            <a:endParaRPr lang="es-ES_tradnl" altLang="en-US" sz="1200">
+              <a:solidFill>
+                <a:srgbClr val="2E75B6"/>
+              </a:solidFill>
+              <a:cs typeface="+mn-lt"/>
+            </a:endParaRPr>
+          </a:p>
+        </p:txBody>
+      </p:sp>
+      <p:sp>
+        <p:nvSpPr>
+          <p:cNvPr id="5" name="Rounded Rectangle 4"/>
+          <p:cNvSpPr/>
+          <p:nvPr/>
+        </p:nvSpPr>
+        <p:spPr>
+          <a:xfrm>
+            <a:off x="8664575" y="2757805"/>
+            <a:ext cx="2221230" cy="338455"/>
+          </a:xfrm>
+          <a:prstGeom prst="roundRect">
+            <a:avLst/>
+          </a:prstGeom>
+          <a:solidFill>
+            <a:schemeClr val="accent1">
+              <a:lumMod val="20000"/>
+              <a:lumOff val="80000"/>
+            </a:schemeClr>
+          </a:solidFill>
+          <a:ln>
+            <a:solidFill>
+              <a:schemeClr val="accent1">
+                <a:lumMod val="75000"/>
+              </a:schemeClr>
+            </a:solidFill>
+          </a:ln>
+        </p:spPr>
+        <p:style>
+          <a:lnRef idx="2">
+            <a:schemeClr val="accent1">
+              <a:shade val="50000"/>
+            </a:schemeClr>
+          </a:lnRef>
+          <a:fillRef idx="1">
+            <a:schemeClr val="accent1"/>
+          </a:fillRef>
+          <a:effectRef idx="0">
+            <a:schemeClr val="accent1"/>
+          </a:effectRef>
+          <a:fontRef idx="minor">
+            <a:schemeClr val="lt1"/>
+          </a:fontRef>
+        </p:style>
+        <p:txBody>
+          <a:bodyPr rtlCol="0" anchor="ctr"/>
+          <a:p>
+            <a:pPr algn="l"/>
+            <a:r>
+              <a:rPr lang="es-ES_tradnl" altLang="en-US" sz="1200">
+                <a:solidFill>
+                  <a:srgbClr val="2E75B6"/>
+                </a:solidFill>
+                <a:cs typeface="+mn-lt"/>
+              </a:rPr>
+              <a:t>2.3 Variant annotation</a:t>
+            </a:r>
+            <a:endParaRPr lang="es-ES_tradnl" altLang="en-US" sz="1200">
+              <a:solidFill>
+                <a:srgbClr val="2E75B6"/>
+              </a:solidFill>
+              <a:cs typeface="+mn-lt"/>
+            </a:endParaRPr>
+          </a:p>
+        </p:txBody>
+      </p:sp>
+      <p:sp>
+        <p:nvSpPr>
+          <p:cNvPr id="6" name="Rounded Rectangle 5"/>
+          <p:cNvSpPr/>
+          <p:nvPr/>
+        </p:nvSpPr>
+        <p:spPr>
+          <a:xfrm>
+            <a:off x="8664575" y="1961515"/>
+            <a:ext cx="2221230" cy="299720"/>
+          </a:xfrm>
+          <a:prstGeom prst="roundRect">
+            <a:avLst/>
+          </a:prstGeom>
+          <a:solidFill>
+            <a:schemeClr val="accent1">
+              <a:lumMod val="20000"/>
+              <a:lumOff val="80000"/>
+            </a:schemeClr>
+          </a:solidFill>
+          <a:ln>
+            <a:solidFill>
+              <a:schemeClr val="accent1">
+                <a:lumMod val="75000"/>
+              </a:schemeClr>
+            </a:solidFill>
+          </a:ln>
+        </p:spPr>
+        <p:style>
+          <a:lnRef idx="2">
+            <a:schemeClr val="accent1">
+              <a:shade val="50000"/>
+            </a:schemeClr>
+          </a:lnRef>
+          <a:fillRef idx="1">
+            <a:schemeClr val="accent1"/>
+          </a:fillRef>
+          <a:effectRef idx="0">
+            <a:schemeClr val="accent1"/>
+          </a:effectRef>
+          <a:fontRef idx="minor">
+            <a:schemeClr val="lt1"/>
+          </a:fontRef>
+        </p:style>
+        <p:txBody>
+          <a:bodyPr rtlCol="0" anchor="ctr"/>
+          <a:p>
+            <a:pPr algn="l"/>
+            <a:r>
+              <a:rPr lang="es-ES_tradnl" altLang="en-US" sz="1200">
+                <a:solidFill>
+                  <a:srgbClr val="2E75B6"/>
+                </a:solidFill>
+                <a:cs typeface="+mn-lt"/>
+              </a:rPr>
+              <a:t>2.1 Alignment</a:t>
+            </a:r>
+            <a:endParaRPr lang="es-ES_tradnl" altLang="en-US" sz="1200">
+              <a:solidFill>
+                <a:srgbClr val="2E75B6"/>
+              </a:solidFill>
+              <a:cs typeface="+mn-lt"/>
+            </a:endParaRPr>
+          </a:p>
+        </p:txBody>
+      </p:sp>
+      <p:sp>
+        <p:nvSpPr>
+          <p:cNvPr id="7" name="Rounded Rectangle 6"/>
+          <p:cNvSpPr/>
+          <p:nvPr/>
+        </p:nvSpPr>
+        <p:spPr>
+          <a:xfrm>
+            <a:off x="8651875" y="3270250"/>
+            <a:ext cx="2221230" cy="541020"/>
+          </a:xfrm>
+          <a:prstGeom prst="roundRect">
+            <a:avLst/>
+          </a:prstGeom>
+          <a:solidFill>
+            <a:schemeClr val="accent1">
+              <a:lumMod val="20000"/>
+              <a:lumOff val="80000"/>
+            </a:schemeClr>
+          </a:solidFill>
+          <a:ln>
+            <a:solidFill>
+              <a:schemeClr val="accent1">
+                <a:lumMod val="75000"/>
+              </a:schemeClr>
+            </a:solidFill>
+          </a:ln>
+        </p:spPr>
+        <p:style>
+          <a:lnRef idx="2">
+            <a:schemeClr val="accent1">
+              <a:shade val="50000"/>
+            </a:schemeClr>
+          </a:lnRef>
+          <a:fillRef idx="1">
+            <a:schemeClr val="accent1"/>
+          </a:fillRef>
+          <a:effectRef idx="0">
+            <a:schemeClr val="accent1"/>
+          </a:effectRef>
+          <a:fontRef idx="minor">
+            <a:schemeClr val="lt1"/>
+          </a:fontRef>
+        </p:style>
+        <p:txBody>
+          <a:bodyPr rtlCol="0" anchor="ctr"/>
+          <a:p>
+            <a:pPr algn="l"/>
+            <a:r>
+              <a:rPr lang="es-ES_tradnl" altLang="en-US" sz="1200">
+                <a:solidFill>
+                  <a:srgbClr val="2E75B6"/>
+                </a:solidFill>
+                <a:cs typeface="+mn-lt"/>
+              </a:rPr>
+              <a:t>3.1 Peptide-MHC binding prediction</a:t>
+            </a:r>
+            <a:endParaRPr lang="es-ES_tradnl" altLang="en-US" sz="1200">
+              <a:solidFill>
+                <a:srgbClr val="2E75B6"/>
+              </a:solidFill>
+              <a:cs typeface="+mn-lt"/>
+            </a:endParaRPr>
+          </a:p>
+        </p:txBody>
+      </p:sp>
+      <p:sp>
+        <p:nvSpPr>
+          <p:cNvPr id="9" name="Rounded Rectangle 8"/>
+          <p:cNvSpPr/>
+          <p:nvPr/>
+        </p:nvSpPr>
+        <p:spPr>
+          <a:xfrm>
+            <a:off x="8651875" y="3929380"/>
+            <a:ext cx="2221230" cy="427990"/>
+          </a:xfrm>
+          <a:prstGeom prst="roundRect">
+            <a:avLst/>
+          </a:prstGeom>
+          <a:solidFill>
+            <a:schemeClr val="accent1">
+              <a:lumMod val="20000"/>
+              <a:lumOff val="80000"/>
+            </a:schemeClr>
+          </a:solidFill>
+          <a:ln>
+            <a:solidFill>
+              <a:schemeClr val="accent1">
+                <a:lumMod val="75000"/>
+              </a:schemeClr>
+            </a:solidFill>
+          </a:ln>
+        </p:spPr>
+        <p:style>
+          <a:lnRef idx="2">
+            <a:schemeClr val="accent1">
+              <a:shade val="50000"/>
+            </a:schemeClr>
+          </a:lnRef>
+          <a:fillRef idx="1">
+            <a:schemeClr val="accent1"/>
+          </a:fillRef>
+          <a:effectRef idx="0">
+            <a:schemeClr val="accent1"/>
+          </a:effectRef>
+          <a:fontRef idx="minor">
+            <a:schemeClr val="lt1"/>
+          </a:fontRef>
+        </p:style>
+        <p:txBody>
+          <a:bodyPr rtlCol="0" anchor="ctr"/>
+          <a:p>
+            <a:pPr algn="l"/>
+            <a:r>
+              <a:rPr lang="es-ES_tradnl" altLang="en-US" sz="1200">
+                <a:solidFill>
+                  <a:srgbClr val="2E75B6"/>
+                </a:solidFill>
+                <a:cs typeface="+mn-lt"/>
+              </a:rPr>
+              <a:t>3.2 pMHC-TCR binding prediction</a:t>
+            </a:r>
+            <a:endParaRPr lang="es-ES_tradnl" altLang="en-US" sz="1200">
+              <a:solidFill>
+                <a:srgbClr val="2E75B6"/>
+              </a:solidFill>
+              <a:cs typeface="+mn-lt"/>
+            </a:endParaRPr>
+          </a:p>
+        </p:txBody>
+      </p:sp>
+      <p:sp>
+        <p:nvSpPr>
+          <p:cNvPr id="17" name="Rounded Rectangle 16"/>
+          <p:cNvSpPr/>
+          <p:nvPr/>
+        </p:nvSpPr>
+        <p:spPr>
+          <a:xfrm>
+            <a:off x="6944360" y="1374775"/>
+            <a:ext cx="3923030" cy="427355"/>
+          </a:xfrm>
+          <a:prstGeom prst="roundRect">
+            <a:avLst/>
           </a:prstGeom>
           <a:solidFill>
             <a:schemeClr val="accent6">
@@ -7858,9 +8356,7 @@
           </a:solidFill>
           <a:ln>
             <a:solidFill>
-              <a:schemeClr val="accent6">
-                <a:lumMod val="75000"/>
-              </a:schemeClr>
+              <a:schemeClr val="accent6"/>
             </a:solidFill>
           </a:ln>
         </p:spPr>
@@ -7884,6 +8380,17 @@
           <a:bodyPr rtlCol="0" anchor="ctr"/>
           <a:p>
             <a:pPr algn="ctr"/>
+            <a:r>
+              <a:rPr lang="es-ES_tradnl" altLang="en-US" sz="1200">
+                <a:solidFill>
+                  <a:schemeClr val="accent6">
+                    <a:lumMod val="75000"/>
+                  </a:schemeClr>
+                </a:solidFill>
+                <a:cs typeface="+mn-lt"/>
+              </a:rPr>
+              <a:t> 1. Sampling and sequencing</a:t>
+            </a:r>
             <a:endParaRPr lang="es-ES_tradnl" altLang="en-US" sz="1200">
               <a:solidFill>
                 <a:schemeClr val="accent6">
@@ -7897,212 +8404,14 @@
       </p:sp>
       <p:sp>
         <p:nvSpPr>
-          <p:cNvPr id="4" name="Rounded Rectangle 3"/>
+          <p:cNvPr id="18" name="Rounded Rectangle 17"/>
           <p:cNvSpPr/>
           <p:nvPr/>
         </p:nvSpPr>
         <p:spPr>
           <a:xfrm>
-            <a:off x="2322195" y="2063750"/>
-            <a:ext cx="1910080" cy="299720"/>
-          </a:xfrm>
-          <a:prstGeom prst="roundRect">
-            <a:avLst/>
-          </a:prstGeom>
-          <a:solidFill>
-            <a:schemeClr val="accent1">
-              <a:lumMod val="20000"/>
-              <a:lumOff val="80000"/>
-            </a:schemeClr>
-          </a:solidFill>
-          <a:ln>
-            <a:solidFill>
-              <a:schemeClr val="accent1">
-                <a:lumMod val="75000"/>
-              </a:schemeClr>
-            </a:solidFill>
-          </a:ln>
-        </p:spPr>
-        <p:style>
-          <a:lnRef idx="2">
-            <a:schemeClr val="accent1">
-              <a:shade val="50000"/>
-            </a:schemeClr>
-          </a:lnRef>
-          <a:fillRef idx="1">
-            <a:schemeClr val="accent1"/>
-          </a:fillRef>
-          <a:effectRef idx="0">
-            <a:schemeClr val="accent1"/>
-          </a:effectRef>
-          <a:fontRef idx="minor">
-            <a:schemeClr val="lt1"/>
-          </a:fontRef>
-        </p:style>
-        <p:txBody>
-          <a:bodyPr rtlCol="0" anchor="ctr"/>
-          <a:p>
-            <a:pPr algn="ctr"/>
-            <a:r>
-              <a:rPr lang="es-ES_tradnl" altLang="en-US" sz="1200">
-                <a:solidFill>
-                  <a:srgbClr val="2E75B6"/>
-                </a:solidFill>
-                <a:cs typeface="+mn-lt"/>
-              </a:rPr>
-              <a:t>Llamado de variantes</a:t>
-            </a:r>
-            <a:endParaRPr lang="es-ES_tradnl" altLang="en-US" sz="1200">
-              <a:solidFill>
-                <a:srgbClr val="2E75B6"/>
-              </a:solidFill>
-              <a:cs typeface="+mn-lt"/>
-            </a:endParaRPr>
-          </a:p>
-        </p:txBody>
-      </p:sp>
-      <p:sp>
-        <p:nvSpPr>
-          <p:cNvPr id="5" name="Rounded Rectangle 4"/>
-          <p:cNvSpPr/>
-          <p:nvPr/>
-        </p:nvSpPr>
-        <p:spPr>
-          <a:xfrm>
-            <a:off x="2322195" y="2451100"/>
-            <a:ext cx="1904365" cy="338455"/>
-          </a:xfrm>
-          <a:prstGeom prst="roundRect">
-            <a:avLst/>
-          </a:prstGeom>
-          <a:solidFill>
-            <a:schemeClr val="accent1">
-              <a:lumMod val="20000"/>
-              <a:lumOff val="80000"/>
-            </a:schemeClr>
-          </a:solidFill>
-          <a:ln>
-            <a:solidFill>
-              <a:schemeClr val="accent1">
-                <a:lumMod val="75000"/>
-              </a:schemeClr>
-            </a:solidFill>
-          </a:ln>
-        </p:spPr>
-        <p:style>
-          <a:lnRef idx="2">
-            <a:schemeClr val="accent1">
-              <a:shade val="50000"/>
-            </a:schemeClr>
-          </a:lnRef>
-          <a:fillRef idx="1">
-            <a:schemeClr val="accent1"/>
-          </a:fillRef>
-          <a:effectRef idx="0">
-            <a:schemeClr val="accent1"/>
-          </a:effectRef>
-          <a:fontRef idx="minor">
-            <a:schemeClr val="lt1"/>
-          </a:fontRef>
-        </p:style>
-        <p:txBody>
-          <a:bodyPr rtlCol="0" anchor="ctr"/>
-          <a:p>
-            <a:pPr algn="ctr"/>
-            <a:r>
-              <a:rPr lang="es-ES_tradnl" altLang="en-US" sz="1200">
-                <a:solidFill>
-                  <a:srgbClr val="2E75B6"/>
-                </a:solidFill>
-                <a:cs typeface="+mn-lt"/>
-              </a:rPr>
-              <a:t>Anotación de variantes</a:t>
-            </a:r>
-            <a:endParaRPr lang="es-ES_tradnl" altLang="en-US" sz="1200">
-              <a:solidFill>
-                <a:srgbClr val="2E75B6"/>
-              </a:solidFill>
-              <a:cs typeface="+mn-lt"/>
-            </a:endParaRPr>
-          </a:p>
-        </p:txBody>
-      </p:sp>
-      <p:sp>
-        <p:nvSpPr>
-          <p:cNvPr id="6" name="Rounded Rectangle 5"/>
-          <p:cNvSpPr/>
-          <p:nvPr/>
-        </p:nvSpPr>
-        <p:spPr>
-          <a:xfrm>
-            <a:off x="2322195" y="1676400"/>
-            <a:ext cx="1910080" cy="299720"/>
-          </a:xfrm>
-          <a:prstGeom prst="roundRect">
-            <a:avLst/>
-          </a:prstGeom>
-          <a:solidFill>
-            <a:schemeClr val="accent1">
-              <a:lumMod val="20000"/>
-              <a:lumOff val="80000"/>
-            </a:schemeClr>
-          </a:solidFill>
-          <a:ln>
-            <a:solidFill>
-              <a:schemeClr val="accent1">
-                <a:lumMod val="75000"/>
-              </a:schemeClr>
-            </a:solidFill>
-          </a:ln>
-        </p:spPr>
-        <p:style>
-          <a:lnRef idx="2">
-            <a:schemeClr val="accent1">
-              <a:shade val="50000"/>
-            </a:schemeClr>
-          </a:lnRef>
-          <a:fillRef idx="1">
-            <a:schemeClr val="accent1"/>
-          </a:fillRef>
-          <a:effectRef idx="0">
-            <a:schemeClr val="accent1"/>
-          </a:effectRef>
-          <a:fontRef idx="minor">
-            <a:schemeClr val="lt1"/>
-          </a:fontRef>
-        </p:style>
-        <p:txBody>
-          <a:bodyPr rtlCol="0" anchor="ctr"/>
-          <a:p>
-            <a:pPr algn="ctr"/>
-            <a:r>
-              <a:rPr lang="es-ES_tradnl" altLang="en-US" sz="1200">
-                <a:solidFill>
-                  <a:srgbClr val="2E75B6"/>
-                </a:solidFill>
-                <a:cs typeface="+mn-lt"/>
-              </a:rPr>
-              <a:t>Alineamiento</a:t>
-            </a:r>
-            <a:endParaRPr lang="es-ES_tradnl" altLang="en-US" sz="1200">
-              <a:solidFill>
-                <a:srgbClr val="2E75B6"/>
-              </a:solidFill>
-              <a:cs typeface="+mn-lt"/>
-            </a:endParaRPr>
-          </a:p>
-        </p:txBody>
-      </p:sp>
-      <p:sp>
-        <p:nvSpPr>
-          <p:cNvPr id="7" name="Rounded Rectangle 6"/>
-          <p:cNvSpPr/>
-          <p:nvPr/>
-        </p:nvSpPr>
-        <p:spPr>
-          <a:xfrm>
-            <a:off x="5757545" y="1680210"/>
-            <a:ext cx="2080895" cy="541020"/>
+            <a:off x="6929755" y="4549140"/>
+            <a:ext cx="3949700" cy="427355"/>
           </a:xfrm>
           <a:prstGeom prst="roundRect">
             <a:avLst/>
@@ -8115,9 +8424,7 @@
           </a:solidFill>
           <a:ln>
             <a:solidFill>
-              <a:schemeClr val="accent6">
-                <a:lumMod val="75000"/>
-              </a:schemeClr>
+              <a:schemeClr val="accent6"/>
             </a:solidFill>
           </a:ln>
         </p:spPr>
@@ -8150,9 +8457,9 @@
                 </a:solidFill>
                 <a:cs typeface="+mn-lt"/>
               </a:rPr>
-              <a:t>Predicción del enlace peptido y MHC (pMHC)</a:t>
-            </a:r>
-            <a:endParaRPr lang="es-ES_tradnl" altLang="en-US" sz="1200">
+              <a:t>4. Vaccine development in-vitro</a:t>
+            </a:r>
+            <a:endParaRPr lang="es-ES_tradnl" altLang="en-US" sz="1200" i="1">
               <a:solidFill>
                 <a:schemeClr val="accent6">
                   <a:lumMod val="75000"/>
@@ -8163,459 +8470,6 @@
           </a:p>
         </p:txBody>
       </p:sp>
-      <p:sp>
-        <p:nvSpPr>
-          <p:cNvPr id="9" name="Rounded Rectangle 8"/>
-          <p:cNvSpPr/>
-          <p:nvPr/>
-        </p:nvSpPr>
-        <p:spPr>
-          <a:xfrm>
-            <a:off x="5744845" y="2316480"/>
-            <a:ext cx="2081530" cy="427990"/>
-          </a:xfrm>
-          <a:prstGeom prst="roundRect">
-            <a:avLst/>
-          </a:prstGeom>
-          <a:solidFill>
-            <a:schemeClr val="accent6">
-              <a:lumMod val="20000"/>
-              <a:lumOff val="80000"/>
-            </a:schemeClr>
-          </a:solidFill>
-          <a:ln>
-            <a:solidFill>
-              <a:schemeClr val="accent6">
-                <a:lumMod val="75000"/>
-              </a:schemeClr>
-            </a:solidFill>
-          </a:ln>
-        </p:spPr>
-        <p:style>
-          <a:lnRef idx="2">
-            <a:schemeClr val="accent1">
-              <a:shade val="50000"/>
-            </a:schemeClr>
-          </a:lnRef>
-          <a:fillRef idx="1">
-            <a:schemeClr val="accent1"/>
-          </a:fillRef>
-          <a:effectRef idx="0">
-            <a:schemeClr val="accent1"/>
-          </a:effectRef>
-          <a:fontRef idx="minor">
-            <a:schemeClr val="lt1"/>
-          </a:fontRef>
-        </p:style>
-        <p:txBody>
-          <a:bodyPr rtlCol="0" anchor="ctr"/>
-          <a:p>
-            <a:pPr algn="ctr"/>
-            <a:r>
-              <a:rPr lang="es-ES_tradnl" altLang="en-US" sz="1200">
-                <a:solidFill>
-                  <a:schemeClr val="accent6">
-                    <a:lumMod val="75000"/>
-                  </a:schemeClr>
-                </a:solidFill>
-                <a:cs typeface="+mn-lt"/>
-              </a:rPr>
-              <a:t>Predicción del enlace pMHC-TCR</a:t>
-            </a:r>
-            <a:endParaRPr lang="es-ES_tradnl" altLang="en-US" sz="1200">
-              <a:solidFill>
-                <a:schemeClr val="accent6">
-                  <a:lumMod val="75000"/>
-                </a:schemeClr>
-              </a:solidFill>
-              <a:cs typeface="+mn-lt"/>
-            </a:endParaRPr>
-          </a:p>
-        </p:txBody>
-      </p:sp>
-      <p:sp>
-        <p:nvSpPr>
-          <p:cNvPr id="3" name="Text Box 2"/>
-          <p:cNvSpPr txBox="1"/>
-          <p:nvPr/>
-        </p:nvSpPr>
-        <p:spPr>
-          <a:xfrm>
-            <a:off x="2731770" y="1271270"/>
-            <a:ext cx="1102360" cy="275590"/>
-          </a:xfrm>
-          <a:prstGeom prst="rect">
-            <a:avLst/>
-          </a:prstGeom>
-          <a:noFill/>
-        </p:spPr>
-        <p:txBody>
-          <a:bodyPr wrap="none" rtlCol="0" anchor="t">
-            <a:spAutoFit/>
-          </a:bodyPr>
-          <a:p>
-            <a:r>
-              <a:rPr lang="es-ES_tradnl" altLang="en-US" sz="1200">
-                <a:solidFill>
-                  <a:srgbClr val="2E75B6"/>
-                </a:solidFill>
-                <a:cs typeface="+mn-lt"/>
-                <a:sym typeface="+mn-ea"/>
-              </a:rPr>
-              <a:t>NeoArgosMut</a:t>
-            </a:r>
-            <a:endParaRPr lang="es-ES_tradnl" altLang="en-US" sz="1200">
-              <a:solidFill>
-                <a:srgbClr val="2E75B6"/>
-              </a:solidFill>
-              <a:cs typeface="+mn-lt"/>
-              <a:sym typeface="+mn-ea"/>
-            </a:endParaRPr>
-          </a:p>
-        </p:txBody>
-      </p:sp>
-      <p:sp>
-        <p:nvSpPr>
-          <p:cNvPr id="8" name="Text Box 7"/>
-          <p:cNvSpPr txBox="1"/>
-          <p:nvPr/>
-        </p:nvSpPr>
-        <p:spPr>
-          <a:xfrm>
-            <a:off x="6097905" y="1271270"/>
-            <a:ext cx="1374775" cy="275590"/>
-          </a:xfrm>
-          <a:prstGeom prst="rect">
-            <a:avLst/>
-          </a:prstGeom>
-          <a:noFill/>
-        </p:spPr>
-        <p:txBody>
-          <a:bodyPr wrap="none" rtlCol="0" anchor="t">
-            <a:spAutoFit/>
-          </a:bodyPr>
-          <a:p>
-            <a:r>
-              <a:rPr lang="es-ES_tradnl" altLang="en-US" sz="1200">
-                <a:solidFill>
-                  <a:schemeClr val="accent6">
-                    <a:lumMod val="75000"/>
-                  </a:schemeClr>
-                </a:solidFill>
-                <a:cs typeface="+mn-lt"/>
-                <a:sym typeface="+mn-ea"/>
-              </a:rPr>
-              <a:t>NeoArgosAntigen</a:t>
-            </a:r>
-            <a:endParaRPr lang="es-ES_tradnl" altLang="en-US" sz="1200">
-              <a:solidFill>
-                <a:schemeClr val="accent6">
-                  <a:lumMod val="75000"/>
-                </a:schemeClr>
-              </a:solidFill>
-              <a:cs typeface="+mn-lt"/>
-              <a:sym typeface="+mn-ea"/>
-            </a:endParaRPr>
-          </a:p>
-        </p:txBody>
-      </p:sp>
-      <p:sp>
-        <p:nvSpPr>
-          <p:cNvPr id="10" name="Text Box 9"/>
-          <p:cNvSpPr txBox="1"/>
-          <p:nvPr/>
-        </p:nvSpPr>
-        <p:spPr>
-          <a:xfrm>
-            <a:off x="843915" y="1746250"/>
-            <a:ext cx="812165" cy="645160"/>
-          </a:xfrm>
-          <a:prstGeom prst="rect">
-            <a:avLst/>
-          </a:prstGeom>
-          <a:noFill/>
-        </p:spPr>
-        <p:txBody>
-          <a:bodyPr wrap="none" rtlCol="0" anchor="t">
-            <a:spAutoFit/>
-          </a:bodyPr>
-          <a:p>
-            <a:pPr algn="ctr"/>
-            <a:r>
-              <a:rPr lang="es-ES_tradnl" altLang="en-US" sz="1200">
-                <a:solidFill>
-                  <a:schemeClr val="tx1"/>
-                </a:solidFill>
-                <a:cs typeface="+mn-lt"/>
-                <a:sym typeface="+mn-ea"/>
-              </a:rPr>
-              <a:t>DNA-seq</a:t>
-            </a:r>
-            <a:endParaRPr lang="es-ES_tradnl" altLang="en-US" sz="1200">
-              <a:solidFill>
-                <a:schemeClr val="tx1"/>
-              </a:solidFill>
-              <a:cs typeface="+mn-lt"/>
-              <a:sym typeface="+mn-ea"/>
-            </a:endParaRPr>
-          </a:p>
-          <a:p>
-            <a:pPr algn="ctr"/>
-            <a:r>
-              <a:rPr lang="es-ES_tradnl" altLang="en-US" sz="1200">
-                <a:solidFill>
-                  <a:schemeClr val="tx1"/>
-                </a:solidFill>
-                <a:cs typeface="+mn-lt"/>
-                <a:sym typeface="+mn-ea"/>
-              </a:rPr>
-              <a:t>RNA-seq</a:t>
-            </a:r>
-            <a:endParaRPr lang="es-ES_tradnl" altLang="en-US" sz="1200">
-              <a:solidFill>
-                <a:schemeClr val="tx1"/>
-              </a:solidFill>
-              <a:cs typeface="+mn-lt"/>
-              <a:sym typeface="+mn-ea"/>
-            </a:endParaRPr>
-          </a:p>
-          <a:p>
-            <a:pPr algn="ctr"/>
-            <a:r>
-              <a:rPr lang="es-ES_tradnl" altLang="en-US" sz="1200">
-                <a:solidFill>
-                  <a:schemeClr val="tx1"/>
-                </a:solidFill>
-                <a:cs typeface="+mn-lt"/>
-                <a:sym typeface="+mn-ea"/>
-              </a:rPr>
-              <a:t>datos MS</a:t>
-            </a:r>
-            <a:endParaRPr lang="es-ES_tradnl" altLang="en-US" sz="1200">
-              <a:solidFill>
-                <a:schemeClr val="tx1"/>
-              </a:solidFill>
-              <a:cs typeface="+mn-lt"/>
-              <a:sym typeface="+mn-ea"/>
-            </a:endParaRPr>
-          </a:p>
-        </p:txBody>
-      </p:sp>
-      <p:cxnSp>
-        <p:nvCxnSpPr>
-          <p:cNvPr id="11" name="Straight Arrow Connector 10"/>
-          <p:cNvCxnSpPr/>
-          <p:nvPr/>
-        </p:nvCxnSpPr>
-        <p:spPr>
-          <a:xfrm>
-            <a:off x="1607185" y="2065655"/>
-            <a:ext cx="371475" cy="3175"/>
-          </a:xfrm>
-          <a:prstGeom prst="straightConnector1">
-            <a:avLst/>
-          </a:prstGeom>
-          <a:ln w="12700" cmpd="sng">
-            <a:solidFill>
-              <a:schemeClr val="tx1"/>
-            </a:solidFill>
-            <a:prstDash val="solid"/>
-            <a:tailEnd type="arrow"/>
-          </a:ln>
-        </p:spPr>
-        <p:style>
-          <a:lnRef idx="1">
-            <a:schemeClr val="accent1"/>
-          </a:lnRef>
-          <a:fillRef idx="0">
-            <a:schemeClr val="accent1"/>
-          </a:fillRef>
-          <a:effectRef idx="0">
-            <a:schemeClr val="accent1"/>
-          </a:effectRef>
-          <a:fontRef idx="minor">
-            <a:schemeClr val="tx1"/>
-          </a:fontRef>
-        </p:style>
-      </p:cxnSp>
-      <p:cxnSp>
-        <p:nvCxnSpPr>
-          <p:cNvPr id="12" name="Straight Arrow Connector 11"/>
-          <p:cNvCxnSpPr/>
-          <p:nvPr/>
-        </p:nvCxnSpPr>
-        <p:spPr>
-          <a:xfrm>
-            <a:off x="4611370" y="2112010"/>
-            <a:ext cx="842645" cy="6350"/>
-          </a:xfrm>
-          <a:prstGeom prst="straightConnector1">
-            <a:avLst/>
-          </a:prstGeom>
-          <a:ln w="12700" cmpd="sng">
-            <a:solidFill>
-              <a:schemeClr val="tx1"/>
-            </a:solidFill>
-            <a:prstDash val="solid"/>
-            <a:tailEnd type="arrow"/>
-          </a:ln>
-        </p:spPr>
-        <p:style>
-          <a:lnRef idx="1">
-            <a:schemeClr val="accent1"/>
-          </a:lnRef>
-          <a:fillRef idx="0">
-            <a:schemeClr val="accent1"/>
-          </a:fillRef>
-          <a:effectRef idx="0">
-            <a:schemeClr val="accent1"/>
-          </a:effectRef>
-          <a:fontRef idx="minor">
-            <a:schemeClr val="tx1"/>
-          </a:fontRef>
-        </p:style>
-      </p:cxnSp>
-      <p:sp>
-        <p:nvSpPr>
-          <p:cNvPr id="15" name="Text Box 14"/>
-          <p:cNvSpPr txBox="1"/>
-          <p:nvPr/>
-        </p:nvSpPr>
-        <p:spPr>
-          <a:xfrm>
-            <a:off x="4476750" y="1608455"/>
-            <a:ext cx="1130300" cy="460375"/>
-          </a:xfrm>
-          <a:prstGeom prst="rect">
-            <a:avLst/>
-          </a:prstGeom>
-          <a:noFill/>
-        </p:spPr>
-        <p:txBody>
-          <a:bodyPr wrap="none" rtlCol="0" anchor="t">
-            <a:spAutoFit/>
-          </a:bodyPr>
-          <a:p>
-            <a:pPr algn="ctr"/>
-            <a:r>
-              <a:rPr lang="es-ES_tradnl" altLang="en-US" sz="1200">
-                <a:solidFill>
-                  <a:schemeClr val="tx1"/>
-                </a:solidFill>
-                <a:cs typeface="+mn-lt"/>
-                <a:sym typeface="+mn-ea"/>
-              </a:rPr>
-              <a:t>Neoantígenos</a:t>
-            </a:r>
-            <a:endParaRPr lang="es-ES_tradnl" altLang="en-US" sz="1200">
-              <a:solidFill>
-                <a:schemeClr val="tx1"/>
-              </a:solidFill>
-              <a:cs typeface="+mn-lt"/>
-              <a:sym typeface="+mn-ea"/>
-            </a:endParaRPr>
-          </a:p>
-          <a:p>
-            <a:pPr algn="ctr"/>
-            <a:r>
-              <a:rPr lang="es-ES_tradnl" altLang="en-US" sz="1200">
-                <a:solidFill>
-                  <a:schemeClr val="tx1"/>
-                </a:solidFill>
-                <a:cs typeface="+mn-lt"/>
-                <a:sym typeface="+mn-ea"/>
-              </a:rPr>
-              <a:t>candidatos</a:t>
-            </a:r>
-            <a:endParaRPr lang="es-ES_tradnl" altLang="en-US" sz="1200">
-              <a:solidFill>
-                <a:schemeClr val="tx1"/>
-              </a:solidFill>
-              <a:cs typeface="+mn-lt"/>
-              <a:sym typeface="+mn-ea"/>
-            </a:endParaRPr>
-          </a:p>
-        </p:txBody>
-      </p:sp>
-      <p:sp>
-        <p:nvSpPr>
-          <p:cNvPr id="19" name="Text Box 18"/>
-          <p:cNvSpPr txBox="1"/>
-          <p:nvPr/>
-        </p:nvSpPr>
-        <p:spPr>
-          <a:xfrm>
-            <a:off x="8388350" y="1945640"/>
-            <a:ext cx="1130300" cy="275590"/>
-          </a:xfrm>
-          <a:prstGeom prst="rect">
-            <a:avLst/>
-          </a:prstGeom>
-          <a:noFill/>
-        </p:spPr>
-        <p:txBody>
-          <a:bodyPr wrap="none" rtlCol="0" anchor="t">
-            <a:spAutoFit/>
-          </a:bodyPr>
-          <a:p>
-            <a:pPr algn="ctr"/>
-            <a:r>
-              <a:rPr lang="es-ES_tradnl" altLang="en-US" sz="1200">
-                <a:solidFill>
-                  <a:schemeClr val="tx1"/>
-                </a:solidFill>
-                <a:cs typeface="+mn-lt"/>
-                <a:sym typeface="+mn-ea"/>
-              </a:rPr>
-              <a:t>Neoantígenos</a:t>
-            </a:r>
-            <a:endParaRPr lang="es-ES_tradnl" altLang="en-US" sz="1200">
-              <a:solidFill>
-                <a:schemeClr val="tx1"/>
-              </a:solidFill>
-              <a:cs typeface="+mn-lt"/>
-              <a:sym typeface="+mn-ea"/>
-            </a:endParaRPr>
-          </a:p>
-        </p:txBody>
-      </p:sp>
-      <p:cxnSp>
-        <p:nvCxnSpPr>
-          <p:cNvPr id="20" name="Straight Arrow Connector 19"/>
-          <p:cNvCxnSpPr/>
-          <p:nvPr/>
-        </p:nvCxnSpPr>
-        <p:spPr>
-          <a:xfrm>
-            <a:off x="8084185" y="2105660"/>
-            <a:ext cx="336550" cy="5715"/>
-          </a:xfrm>
-          <a:prstGeom prst="straightConnector1">
-            <a:avLst/>
-          </a:prstGeom>
-          <a:ln w="12700" cmpd="sng">
-            <a:solidFill>
-              <a:schemeClr val="tx1"/>
-            </a:solidFill>
-            <a:prstDash val="solid"/>
-            <a:tailEnd type="arrow"/>
-          </a:ln>
-        </p:spPr>
-        <p:style>
-          <a:lnRef idx="1">
-            <a:schemeClr val="accent1"/>
-          </a:lnRef>
-          <a:fillRef idx="0">
-            <a:schemeClr val="accent1"/>
-          </a:fillRef>
-          <a:effectRef idx="0">
-            <a:schemeClr val="accent1"/>
-          </a:effectRef>
-          <a:fontRef idx="minor">
-            <a:schemeClr val="tx1"/>
-          </a:fontRef>
-        </p:style>
-      </p:cxnSp>
     </p:spTree>
   </p:cSld>
   <p:clrMapOvr>
@@ -8641,6 +8495,872 @@
           <a:chExt cx="0" cy="0"/>
         </a:xfrm>
       </p:grpSpPr>
+      <p:sp>
+        <p:nvSpPr>
+          <p:cNvPr id="13" name="Rounded Rectangle 12"/>
+          <p:cNvSpPr/>
+          <p:nvPr/>
+        </p:nvSpPr>
+        <p:spPr>
+          <a:xfrm>
+            <a:off x="2071370" y="1225550"/>
+            <a:ext cx="2422525" cy="1751965"/>
+          </a:xfrm>
+          <a:prstGeom prst="roundRect">
+            <a:avLst>
+              <a:gd name="adj" fmla="val 8712"/>
+            </a:avLst>
+          </a:prstGeom>
+          <a:solidFill>
+            <a:schemeClr val="accent1">
+              <a:lumMod val="20000"/>
+              <a:lumOff val="80000"/>
+            </a:schemeClr>
+          </a:solidFill>
+          <a:ln>
+            <a:solidFill>
+              <a:schemeClr val="accent1">
+                <a:lumMod val="75000"/>
+              </a:schemeClr>
+            </a:solidFill>
+          </a:ln>
+        </p:spPr>
+        <p:style>
+          <a:lnRef idx="2">
+            <a:schemeClr val="accent1">
+              <a:shade val="50000"/>
+            </a:schemeClr>
+          </a:lnRef>
+          <a:fillRef idx="1">
+            <a:schemeClr val="accent1"/>
+          </a:fillRef>
+          <a:effectRef idx="0">
+            <a:schemeClr val="accent1"/>
+          </a:effectRef>
+          <a:fontRef idx="minor">
+            <a:schemeClr val="lt1"/>
+          </a:fontRef>
+        </p:style>
+        <p:txBody>
+          <a:bodyPr rtlCol="0" anchor="ctr"/>
+          <a:p>
+            <a:pPr algn="ctr"/>
+            <a:endParaRPr lang="es-ES_tradnl" altLang="en-US" sz="1200">
+              <a:solidFill>
+                <a:srgbClr val="2E75B6"/>
+              </a:solidFill>
+              <a:cs typeface="+mn-lt"/>
+            </a:endParaRPr>
+          </a:p>
+        </p:txBody>
+      </p:sp>
+      <p:sp>
+        <p:nvSpPr>
+          <p:cNvPr id="14" name="Rounded Rectangle 13"/>
+          <p:cNvSpPr/>
+          <p:nvPr/>
+        </p:nvSpPr>
+        <p:spPr>
+          <a:xfrm>
+            <a:off x="5570855" y="1225550"/>
+            <a:ext cx="2429510" cy="1703705"/>
+          </a:xfrm>
+          <a:prstGeom prst="roundRect">
+            <a:avLst>
+              <a:gd name="adj" fmla="val 7654"/>
+            </a:avLst>
+          </a:prstGeom>
+          <a:solidFill>
+            <a:schemeClr val="accent6">
+              <a:lumMod val="20000"/>
+              <a:lumOff val="80000"/>
+            </a:schemeClr>
+          </a:solidFill>
+          <a:ln>
+            <a:solidFill>
+              <a:schemeClr val="accent6">
+                <a:lumMod val="75000"/>
+              </a:schemeClr>
+            </a:solidFill>
+          </a:ln>
+        </p:spPr>
+        <p:style>
+          <a:lnRef idx="2">
+            <a:schemeClr val="accent1">
+              <a:shade val="50000"/>
+            </a:schemeClr>
+          </a:lnRef>
+          <a:fillRef idx="1">
+            <a:schemeClr val="accent1"/>
+          </a:fillRef>
+          <a:effectRef idx="0">
+            <a:schemeClr val="accent1"/>
+          </a:effectRef>
+          <a:fontRef idx="minor">
+            <a:schemeClr val="lt1"/>
+          </a:fontRef>
+        </p:style>
+        <p:txBody>
+          <a:bodyPr rtlCol="0" anchor="ctr"/>
+          <a:p>
+            <a:pPr algn="ctr"/>
+            <a:endParaRPr lang="es-ES_tradnl" altLang="en-US" sz="1200">
+              <a:solidFill>
+                <a:schemeClr val="accent6">
+                  <a:lumMod val="75000"/>
+                </a:schemeClr>
+              </a:solidFill>
+              <a:cs typeface="+mn-lt"/>
+            </a:endParaRPr>
+          </a:p>
+        </p:txBody>
+      </p:sp>
+      <p:sp>
+        <p:nvSpPr>
+          <p:cNvPr id="4" name="Rounded Rectangle 3"/>
+          <p:cNvSpPr/>
+          <p:nvPr/>
+        </p:nvSpPr>
+        <p:spPr>
+          <a:xfrm>
+            <a:off x="2322195" y="2063750"/>
+            <a:ext cx="1910080" cy="299720"/>
+          </a:xfrm>
+          <a:prstGeom prst="roundRect">
+            <a:avLst/>
+          </a:prstGeom>
+          <a:solidFill>
+            <a:schemeClr val="accent1">
+              <a:lumMod val="20000"/>
+              <a:lumOff val="80000"/>
+            </a:schemeClr>
+          </a:solidFill>
+          <a:ln>
+            <a:solidFill>
+              <a:schemeClr val="accent1">
+                <a:lumMod val="75000"/>
+              </a:schemeClr>
+            </a:solidFill>
+          </a:ln>
+        </p:spPr>
+        <p:style>
+          <a:lnRef idx="2">
+            <a:schemeClr val="accent1">
+              <a:shade val="50000"/>
+            </a:schemeClr>
+          </a:lnRef>
+          <a:fillRef idx="1">
+            <a:schemeClr val="accent1"/>
+          </a:fillRef>
+          <a:effectRef idx="0">
+            <a:schemeClr val="accent1"/>
+          </a:effectRef>
+          <a:fontRef idx="minor">
+            <a:schemeClr val="lt1"/>
+          </a:fontRef>
+        </p:style>
+        <p:txBody>
+          <a:bodyPr rtlCol="0" anchor="ctr"/>
+          <a:p>
+            <a:pPr algn="ctr"/>
+            <a:r>
+              <a:rPr lang="es-ES_tradnl" altLang="en-US" sz="1200">
+                <a:solidFill>
+                  <a:srgbClr val="2E75B6"/>
+                </a:solidFill>
+                <a:cs typeface="+mn-lt"/>
+              </a:rPr>
+              <a:t>Llamado de variantes</a:t>
+            </a:r>
+            <a:endParaRPr lang="es-ES_tradnl" altLang="en-US" sz="1200">
+              <a:solidFill>
+                <a:srgbClr val="2E75B6"/>
+              </a:solidFill>
+              <a:cs typeface="+mn-lt"/>
+            </a:endParaRPr>
+          </a:p>
+        </p:txBody>
+      </p:sp>
+      <p:sp>
+        <p:nvSpPr>
+          <p:cNvPr id="5" name="Rounded Rectangle 4"/>
+          <p:cNvSpPr/>
+          <p:nvPr/>
+        </p:nvSpPr>
+        <p:spPr>
+          <a:xfrm>
+            <a:off x="2322195" y="2451100"/>
+            <a:ext cx="1904365" cy="338455"/>
+          </a:xfrm>
+          <a:prstGeom prst="roundRect">
+            <a:avLst/>
+          </a:prstGeom>
+          <a:solidFill>
+            <a:schemeClr val="accent1">
+              <a:lumMod val="20000"/>
+              <a:lumOff val="80000"/>
+            </a:schemeClr>
+          </a:solidFill>
+          <a:ln>
+            <a:solidFill>
+              <a:schemeClr val="accent1">
+                <a:lumMod val="75000"/>
+              </a:schemeClr>
+            </a:solidFill>
+          </a:ln>
+        </p:spPr>
+        <p:style>
+          <a:lnRef idx="2">
+            <a:schemeClr val="accent1">
+              <a:shade val="50000"/>
+            </a:schemeClr>
+          </a:lnRef>
+          <a:fillRef idx="1">
+            <a:schemeClr val="accent1"/>
+          </a:fillRef>
+          <a:effectRef idx="0">
+            <a:schemeClr val="accent1"/>
+          </a:effectRef>
+          <a:fontRef idx="minor">
+            <a:schemeClr val="lt1"/>
+          </a:fontRef>
+        </p:style>
+        <p:txBody>
+          <a:bodyPr rtlCol="0" anchor="ctr"/>
+          <a:p>
+            <a:pPr algn="ctr"/>
+            <a:r>
+              <a:rPr lang="es-ES_tradnl" altLang="en-US" sz="1200">
+                <a:solidFill>
+                  <a:srgbClr val="2E75B6"/>
+                </a:solidFill>
+                <a:cs typeface="+mn-lt"/>
+              </a:rPr>
+              <a:t>Anotación de variantes</a:t>
+            </a:r>
+            <a:endParaRPr lang="es-ES_tradnl" altLang="en-US" sz="1200">
+              <a:solidFill>
+                <a:srgbClr val="2E75B6"/>
+              </a:solidFill>
+              <a:cs typeface="+mn-lt"/>
+            </a:endParaRPr>
+          </a:p>
+        </p:txBody>
+      </p:sp>
+      <p:sp>
+        <p:nvSpPr>
+          <p:cNvPr id="6" name="Rounded Rectangle 5"/>
+          <p:cNvSpPr/>
+          <p:nvPr/>
+        </p:nvSpPr>
+        <p:spPr>
+          <a:xfrm>
+            <a:off x="2322195" y="1676400"/>
+            <a:ext cx="1910080" cy="299720"/>
+          </a:xfrm>
+          <a:prstGeom prst="roundRect">
+            <a:avLst/>
+          </a:prstGeom>
+          <a:solidFill>
+            <a:schemeClr val="accent1">
+              <a:lumMod val="20000"/>
+              <a:lumOff val="80000"/>
+            </a:schemeClr>
+          </a:solidFill>
+          <a:ln>
+            <a:solidFill>
+              <a:schemeClr val="accent1">
+                <a:lumMod val="75000"/>
+              </a:schemeClr>
+            </a:solidFill>
+          </a:ln>
+        </p:spPr>
+        <p:style>
+          <a:lnRef idx="2">
+            <a:schemeClr val="accent1">
+              <a:shade val="50000"/>
+            </a:schemeClr>
+          </a:lnRef>
+          <a:fillRef idx="1">
+            <a:schemeClr val="accent1"/>
+          </a:fillRef>
+          <a:effectRef idx="0">
+            <a:schemeClr val="accent1"/>
+          </a:effectRef>
+          <a:fontRef idx="minor">
+            <a:schemeClr val="lt1"/>
+          </a:fontRef>
+        </p:style>
+        <p:txBody>
+          <a:bodyPr rtlCol="0" anchor="ctr"/>
+          <a:p>
+            <a:pPr algn="ctr"/>
+            <a:r>
+              <a:rPr lang="es-ES_tradnl" altLang="en-US" sz="1200">
+                <a:solidFill>
+                  <a:srgbClr val="2E75B6"/>
+                </a:solidFill>
+                <a:cs typeface="+mn-lt"/>
+              </a:rPr>
+              <a:t>Alineamiento</a:t>
+            </a:r>
+            <a:endParaRPr lang="es-ES_tradnl" altLang="en-US" sz="1200">
+              <a:solidFill>
+                <a:srgbClr val="2E75B6"/>
+              </a:solidFill>
+              <a:cs typeface="+mn-lt"/>
+            </a:endParaRPr>
+          </a:p>
+        </p:txBody>
+      </p:sp>
+      <p:sp>
+        <p:nvSpPr>
+          <p:cNvPr id="7" name="Rounded Rectangle 6"/>
+          <p:cNvSpPr/>
+          <p:nvPr/>
+        </p:nvSpPr>
+        <p:spPr>
+          <a:xfrm>
+            <a:off x="5757545" y="1680210"/>
+            <a:ext cx="2080895" cy="541020"/>
+          </a:xfrm>
+          <a:prstGeom prst="roundRect">
+            <a:avLst/>
+          </a:prstGeom>
+          <a:solidFill>
+            <a:schemeClr val="accent6">
+              <a:lumMod val="20000"/>
+              <a:lumOff val="80000"/>
+            </a:schemeClr>
+          </a:solidFill>
+          <a:ln>
+            <a:solidFill>
+              <a:schemeClr val="accent6">
+                <a:lumMod val="75000"/>
+              </a:schemeClr>
+            </a:solidFill>
+          </a:ln>
+        </p:spPr>
+        <p:style>
+          <a:lnRef idx="2">
+            <a:schemeClr val="accent1">
+              <a:shade val="50000"/>
+            </a:schemeClr>
+          </a:lnRef>
+          <a:fillRef idx="1">
+            <a:schemeClr val="accent1"/>
+          </a:fillRef>
+          <a:effectRef idx="0">
+            <a:schemeClr val="accent1"/>
+          </a:effectRef>
+          <a:fontRef idx="minor">
+            <a:schemeClr val="lt1"/>
+          </a:fontRef>
+        </p:style>
+        <p:txBody>
+          <a:bodyPr rtlCol="0" anchor="ctr"/>
+          <a:p>
+            <a:pPr algn="ctr"/>
+            <a:r>
+              <a:rPr lang="es-ES_tradnl" altLang="en-US" sz="1200">
+                <a:solidFill>
+                  <a:schemeClr val="accent6">
+                    <a:lumMod val="75000"/>
+                  </a:schemeClr>
+                </a:solidFill>
+                <a:cs typeface="+mn-lt"/>
+              </a:rPr>
+              <a:t>Predicción del enlace peptido y MHC (pMHC)</a:t>
+            </a:r>
+            <a:endParaRPr lang="es-ES_tradnl" altLang="en-US" sz="1200">
+              <a:solidFill>
+                <a:schemeClr val="accent6">
+                  <a:lumMod val="75000"/>
+                </a:schemeClr>
+              </a:solidFill>
+              <a:cs typeface="+mn-lt"/>
+            </a:endParaRPr>
+          </a:p>
+        </p:txBody>
+      </p:sp>
+      <p:sp>
+        <p:nvSpPr>
+          <p:cNvPr id="9" name="Rounded Rectangle 8"/>
+          <p:cNvSpPr/>
+          <p:nvPr/>
+        </p:nvSpPr>
+        <p:spPr>
+          <a:xfrm>
+            <a:off x="5744845" y="2316480"/>
+            <a:ext cx="2081530" cy="427990"/>
+          </a:xfrm>
+          <a:prstGeom prst="roundRect">
+            <a:avLst/>
+          </a:prstGeom>
+          <a:solidFill>
+            <a:schemeClr val="accent6">
+              <a:lumMod val="20000"/>
+              <a:lumOff val="80000"/>
+            </a:schemeClr>
+          </a:solidFill>
+          <a:ln>
+            <a:solidFill>
+              <a:schemeClr val="accent6">
+                <a:lumMod val="75000"/>
+              </a:schemeClr>
+            </a:solidFill>
+          </a:ln>
+        </p:spPr>
+        <p:style>
+          <a:lnRef idx="2">
+            <a:schemeClr val="accent1">
+              <a:shade val="50000"/>
+            </a:schemeClr>
+          </a:lnRef>
+          <a:fillRef idx="1">
+            <a:schemeClr val="accent1"/>
+          </a:fillRef>
+          <a:effectRef idx="0">
+            <a:schemeClr val="accent1"/>
+          </a:effectRef>
+          <a:fontRef idx="minor">
+            <a:schemeClr val="lt1"/>
+          </a:fontRef>
+        </p:style>
+        <p:txBody>
+          <a:bodyPr rtlCol="0" anchor="ctr"/>
+          <a:p>
+            <a:pPr algn="ctr"/>
+            <a:r>
+              <a:rPr lang="es-ES_tradnl" altLang="en-US" sz="1200">
+                <a:solidFill>
+                  <a:schemeClr val="accent6">
+                    <a:lumMod val="75000"/>
+                  </a:schemeClr>
+                </a:solidFill>
+                <a:cs typeface="+mn-lt"/>
+              </a:rPr>
+              <a:t>Predicción del enlace pMHC-TCR</a:t>
+            </a:r>
+            <a:endParaRPr lang="es-ES_tradnl" altLang="en-US" sz="1200">
+              <a:solidFill>
+                <a:schemeClr val="accent6">
+                  <a:lumMod val="75000"/>
+                </a:schemeClr>
+              </a:solidFill>
+              <a:cs typeface="+mn-lt"/>
+            </a:endParaRPr>
+          </a:p>
+        </p:txBody>
+      </p:sp>
+      <p:sp>
+        <p:nvSpPr>
+          <p:cNvPr id="3" name="Text Box 2"/>
+          <p:cNvSpPr txBox="1"/>
+          <p:nvPr/>
+        </p:nvSpPr>
+        <p:spPr>
+          <a:xfrm>
+            <a:off x="2731770" y="1271270"/>
+            <a:ext cx="1102360" cy="275590"/>
+          </a:xfrm>
+          <a:prstGeom prst="rect">
+            <a:avLst/>
+          </a:prstGeom>
+          <a:noFill/>
+        </p:spPr>
+        <p:txBody>
+          <a:bodyPr wrap="none" rtlCol="0" anchor="t">
+            <a:spAutoFit/>
+          </a:bodyPr>
+          <a:p>
+            <a:r>
+              <a:rPr lang="es-ES_tradnl" altLang="en-US" sz="1200">
+                <a:solidFill>
+                  <a:srgbClr val="2E75B6"/>
+                </a:solidFill>
+                <a:cs typeface="+mn-lt"/>
+                <a:sym typeface="+mn-ea"/>
+              </a:rPr>
+              <a:t>NeoArgosMut</a:t>
+            </a:r>
+            <a:endParaRPr lang="es-ES_tradnl" altLang="en-US" sz="1200">
+              <a:solidFill>
+                <a:srgbClr val="2E75B6"/>
+              </a:solidFill>
+              <a:cs typeface="+mn-lt"/>
+              <a:sym typeface="+mn-ea"/>
+            </a:endParaRPr>
+          </a:p>
+        </p:txBody>
+      </p:sp>
+      <p:sp>
+        <p:nvSpPr>
+          <p:cNvPr id="8" name="Text Box 7"/>
+          <p:cNvSpPr txBox="1"/>
+          <p:nvPr/>
+        </p:nvSpPr>
+        <p:spPr>
+          <a:xfrm>
+            <a:off x="6097905" y="1271270"/>
+            <a:ext cx="1374775" cy="275590"/>
+          </a:xfrm>
+          <a:prstGeom prst="rect">
+            <a:avLst/>
+          </a:prstGeom>
+          <a:noFill/>
+        </p:spPr>
+        <p:txBody>
+          <a:bodyPr wrap="none" rtlCol="0" anchor="t">
+            <a:spAutoFit/>
+          </a:bodyPr>
+          <a:p>
+            <a:r>
+              <a:rPr lang="es-ES_tradnl" altLang="en-US" sz="1200">
+                <a:solidFill>
+                  <a:schemeClr val="accent6">
+                    <a:lumMod val="75000"/>
+                  </a:schemeClr>
+                </a:solidFill>
+                <a:cs typeface="+mn-lt"/>
+                <a:sym typeface="+mn-ea"/>
+              </a:rPr>
+              <a:t>NeoArgosAntigen</a:t>
+            </a:r>
+            <a:endParaRPr lang="es-ES_tradnl" altLang="en-US" sz="1200">
+              <a:solidFill>
+                <a:schemeClr val="accent6">
+                  <a:lumMod val="75000"/>
+                </a:schemeClr>
+              </a:solidFill>
+              <a:cs typeface="+mn-lt"/>
+              <a:sym typeface="+mn-ea"/>
+            </a:endParaRPr>
+          </a:p>
+        </p:txBody>
+      </p:sp>
+      <p:sp>
+        <p:nvSpPr>
+          <p:cNvPr id="10" name="Text Box 9"/>
+          <p:cNvSpPr txBox="1"/>
+          <p:nvPr/>
+        </p:nvSpPr>
+        <p:spPr>
+          <a:xfrm>
+            <a:off x="843915" y="1746250"/>
+            <a:ext cx="812165" cy="645160"/>
+          </a:xfrm>
+          <a:prstGeom prst="rect">
+            <a:avLst/>
+          </a:prstGeom>
+          <a:noFill/>
+        </p:spPr>
+        <p:txBody>
+          <a:bodyPr wrap="none" rtlCol="0" anchor="t">
+            <a:spAutoFit/>
+          </a:bodyPr>
+          <a:p>
+            <a:pPr algn="ctr"/>
+            <a:r>
+              <a:rPr lang="es-ES_tradnl" altLang="en-US" sz="1200">
+                <a:solidFill>
+                  <a:schemeClr val="tx1"/>
+                </a:solidFill>
+                <a:cs typeface="+mn-lt"/>
+                <a:sym typeface="+mn-ea"/>
+              </a:rPr>
+              <a:t>DNA-seq</a:t>
+            </a:r>
+            <a:endParaRPr lang="es-ES_tradnl" altLang="en-US" sz="1200">
+              <a:solidFill>
+                <a:schemeClr val="tx1"/>
+              </a:solidFill>
+              <a:cs typeface="+mn-lt"/>
+              <a:sym typeface="+mn-ea"/>
+            </a:endParaRPr>
+          </a:p>
+          <a:p>
+            <a:pPr algn="ctr"/>
+            <a:r>
+              <a:rPr lang="es-ES_tradnl" altLang="en-US" sz="1200">
+                <a:solidFill>
+                  <a:schemeClr val="tx1"/>
+                </a:solidFill>
+                <a:cs typeface="+mn-lt"/>
+                <a:sym typeface="+mn-ea"/>
+              </a:rPr>
+              <a:t>RNA-seq</a:t>
+            </a:r>
+            <a:endParaRPr lang="es-ES_tradnl" altLang="en-US" sz="1200">
+              <a:solidFill>
+                <a:schemeClr val="tx1"/>
+              </a:solidFill>
+              <a:cs typeface="+mn-lt"/>
+              <a:sym typeface="+mn-ea"/>
+            </a:endParaRPr>
+          </a:p>
+          <a:p>
+            <a:pPr algn="ctr"/>
+            <a:r>
+              <a:rPr lang="es-ES_tradnl" altLang="en-US" sz="1200">
+                <a:solidFill>
+                  <a:schemeClr val="tx1"/>
+                </a:solidFill>
+                <a:cs typeface="+mn-lt"/>
+                <a:sym typeface="+mn-ea"/>
+              </a:rPr>
+              <a:t>datos MS</a:t>
+            </a:r>
+            <a:endParaRPr lang="es-ES_tradnl" altLang="en-US" sz="1200">
+              <a:solidFill>
+                <a:schemeClr val="tx1"/>
+              </a:solidFill>
+              <a:cs typeface="+mn-lt"/>
+              <a:sym typeface="+mn-ea"/>
+            </a:endParaRPr>
+          </a:p>
+        </p:txBody>
+      </p:sp>
+      <p:cxnSp>
+        <p:nvCxnSpPr>
+          <p:cNvPr id="11" name="Straight Arrow Connector 10"/>
+          <p:cNvCxnSpPr/>
+          <p:nvPr/>
+        </p:nvCxnSpPr>
+        <p:spPr>
+          <a:xfrm>
+            <a:off x="1607185" y="2065655"/>
+            <a:ext cx="371475" cy="3175"/>
+          </a:xfrm>
+          <a:prstGeom prst="straightConnector1">
+            <a:avLst/>
+          </a:prstGeom>
+          <a:ln w="12700" cmpd="sng">
+            <a:solidFill>
+              <a:schemeClr val="tx1"/>
+            </a:solidFill>
+            <a:prstDash val="solid"/>
+            <a:tailEnd type="arrow"/>
+          </a:ln>
+        </p:spPr>
+        <p:style>
+          <a:lnRef idx="1">
+            <a:schemeClr val="accent1"/>
+          </a:lnRef>
+          <a:fillRef idx="0">
+            <a:schemeClr val="accent1"/>
+          </a:fillRef>
+          <a:effectRef idx="0">
+            <a:schemeClr val="accent1"/>
+          </a:effectRef>
+          <a:fontRef idx="minor">
+            <a:schemeClr val="tx1"/>
+          </a:fontRef>
+        </p:style>
+      </p:cxnSp>
+      <p:cxnSp>
+        <p:nvCxnSpPr>
+          <p:cNvPr id="12" name="Straight Arrow Connector 11"/>
+          <p:cNvCxnSpPr/>
+          <p:nvPr/>
+        </p:nvCxnSpPr>
+        <p:spPr>
+          <a:xfrm>
+            <a:off x="4611370" y="2112010"/>
+            <a:ext cx="842645" cy="6350"/>
+          </a:xfrm>
+          <a:prstGeom prst="straightConnector1">
+            <a:avLst/>
+          </a:prstGeom>
+          <a:ln w="12700" cmpd="sng">
+            <a:solidFill>
+              <a:schemeClr val="tx1"/>
+            </a:solidFill>
+            <a:prstDash val="solid"/>
+            <a:tailEnd type="arrow"/>
+          </a:ln>
+        </p:spPr>
+        <p:style>
+          <a:lnRef idx="1">
+            <a:schemeClr val="accent1"/>
+          </a:lnRef>
+          <a:fillRef idx="0">
+            <a:schemeClr val="accent1"/>
+          </a:fillRef>
+          <a:effectRef idx="0">
+            <a:schemeClr val="accent1"/>
+          </a:effectRef>
+          <a:fontRef idx="minor">
+            <a:schemeClr val="tx1"/>
+          </a:fontRef>
+        </p:style>
+      </p:cxnSp>
+      <p:sp>
+        <p:nvSpPr>
+          <p:cNvPr id="15" name="Text Box 14"/>
+          <p:cNvSpPr txBox="1"/>
+          <p:nvPr/>
+        </p:nvSpPr>
+        <p:spPr>
+          <a:xfrm>
+            <a:off x="4476750" y="1608455"/>
+            <a:ext cx="1130300" cy="460375"/>
+          </a:xfrm>
+          <a:prstGeom prst="rect">
+            <a:avLst/>
+          </a:prstGeom>
+          <a:noFill/>
+        </p:spPr>
+        <p:txBody>
+          <a:bodyPr wrap="none" rtlCol="0" anchor="t">
+            <a:spAutoFit/>
+          </a:bodyPr>
+          <a:p>
+            <a:pPr algn="ctr"/>
+            <a:r>
+              <a:rPr lang="es-ES_tradnl" altLang="en-US" sz="1200">
+                <a:solidFill>
+                  <a:schemeClr val="tx1"/>
+                </a:solidFill>
+                <a:cs typeface="+mn-lt"/>
+                <a:sym typeface="+mn-ea"/>
+              </a:rPr>
+              <a:t>Neoantígenos</a:t>
+            </a:r>
+            <a:endParaRPr lang="es-ES_tradnl" altLang="en-US" sz="1200">
+              <a:solidFill>
+                <a:schemeClr val="tx1"/>
+              </a:solidFill>
+              <a:cs typeface="+mn-lt"/>
+              <a:sym typeface="+mn-ea"/>
+            </a:endParaRPr>
+          </a:p>
+          <a:p>
+            <a:pPr algn="ctr"/>
+            <a:r>
+              <a:rPr lang="es-ES_tradnl" altLang="en-US" sz="1200">
+                <a:solidFill>
+                  <a:schemeClr val="tx1"/>
+                </a:solidFill>
+                <a:cs typeface="+mn-lt"/>
+                <a:sym typeface="+mn-ea"/>
+              </a:rPr>
+              <a:t>candidatos</a:t>
+            </a:r>
+            <a:endParaRPr lang="es-ES_tradnl" altLang="en-US" sz="1200">
+              <a:solidFill>
+                <a:schemeClr val="tx1"/>
+              </a:solidFill>
+              <a:cs typeface="+mn-lt"/>
+              <a:sym typeface="+mn-ea"/>
+            </a:endParaRPr>
+          </a:p>
+        </p:txBody>
+      </p:sp>
+      <p:sp>
+        <p:nvSpPr>
+          <p:cNvPr id="19" name="Text Box 18"/>
+          <p:cNvSpPr txBox="1"/>
+          <p:nvPr/>
+        </p:nvSpPr>
+        <p:spPr>
+          <a:xfrm>
+            <a:off x="8388350" y="1945640"/>
+            <a:ext cx="1130300" cy="275590"/>
+          </a:xfrm>
+          <a:prstGeom prst="rect">
+            <a:avLst/>
+          </a:prstGeom>
+          <a:noFill/>
+        </p:spPr>
+        <p:txBody>
+          <a:bodyPr wrap="none" rtlCol="0" anchor="t">
+            <a:spAutoFit/>
+          </a:bodyPr>
+          <a:p>
+            <a:pPr algn="ctr"/>
+            <a:r>
+              <a:rPr lang="es-ES_tradnl" altLang="en-US" sz="1200">
+                <a:solidFill>
+                  <a:schemeClr val="tx1"/>
+                </a:solidFill>
+                <a:cs typeface="+mn-lt"/>
+                <a:sym typeface="+mn-ea"/>
+              </a:rPr>
+              <a:t>Neoantígenos</a:t>
+            </a:r>
+            <a:endParaRPr lang="es-ES_tradnl" altLang="en-US" sz="1200">
+              <a:solidFill>
+                <a:schemeClr val="tx1"/>
+              </a:solidFill>
+              <a:cs typeface="+mn-lt"/>
+              <a:sym typeface="+mn-ea"/>
+            </a:endParaRPr>
+          </a:p>
+        </p:txBody>
+      </p:sp>
+      <p:cxnSp>
+        <p:nvCxnSpPr>
+          <p:cNvPr id="20" name="Straight Arrow Connector 19"/>
+          <p:cNvCxnSpPr/>
+          <p:nvPr/>
+        </p:nvCxnSpPr>
+        <p:spPr>
+          <a:xfrm>
+            <a:off x="8084185" y="2105660"/>
+            <a:ext cx="336550" cy="5715"/>
+          </a:xfrm>
+          <a:prstGeom prst="straightConnector1">
+            <a:avLst/>
+          </a:prstGeom>
+          <a:ln w="12700" cmpd="sng">
+            <a:solidFill>
+              <a:schemeClr val="tx1"/>
+            </a:solidFill>
+            <a:prstDash val="solid"/>
+            <a:tailEnd type="arrow"/>
+          </a:ln>
+        </p:spPr>
+        <p:style>
+          <a:lnRef idx="1">
+            <a:schemeClr val="accent1"/>
+          </a:lnRef>
+          <a:fillRef idx="0">
+            <a:schemeClr val="accent1"/>
+          </a:fillRef>
+          <a:effectRef idx="0">
+            <a:schemeClr val="accent1"/>
+          </a:effectRef>
+          <a:fontRef idx="minor">
+            <a:schemeClr val="tx1"/>
+          </a:fontRef>
+        </p:style>
+      </p:cxnSp>
+    </p:spTree>
+  </p:cSld>
+  <p:clrMapOvr>
+    <a:masterClrMapping/>
+  </p:clrMapOvr>
+</p:sld>
+</file>
+
+<file path=ppt/slides/slide17.xml><?xml version="1.0" encoding="utf-8"?>
+<p:sld xmlns:a="http://schemas.openxmlformats.org/drawingml/2006/main" xmlns:r="http://schemas.openxmlformats.org/officeDocument/2006/relationships" xmlns:p="http://schemas.openxmlformats.org/presentationml/2006/main">
+  <p:cSld>
+    <p:spTree>
+      <p:nvGrpSpPr>
+        <p:cNvPr id="1" name=""/>
+        <p:cNvGrpSpPr/>
+        <p:nvPr/>
+      </p:nvGrpSpPr>
+      <p:grpSpPr>
+        <a:xfrm>
+          <a:off x="0" y="0"/>
+          <a:ext cx="0" cy="0"/>
+          <a:chOff x="0" y="0"/>
+          <a:chExt cx="0" cy="0"/>
+        </a:xfrm>
+      </p:grpSpPr>
       <p:pic>
         <p:nvPicPr>
           <p:cNvPr id="2" name="Picture 1" descr="training_train_1train_2_train_3_"/>
@@ -8689,6 +9409,872 @@
           </a:prstGeom>
         </p:spPr>
       </p:pic>
+    </p:spTree>
+  </p:cSld>
+  <p:clrMapOvr>
+    <a:masterClrMapping/>
+  </p:clrMapOvr>
+</p:sld>
+</file>
+
+<file path=ppt/slides/slide18.xml><?xml version="1.0" encoding="utf-8"?>
+<p:sld xmlns:a="http://schemas.openxmlformats.org/drawingml/2006/main" xmlns:r="http://schemas.openxmlformats.org/officeDocument/2006/relationships" xmlns:p="http://schemas.openxmlformats.org/presentationml/2006/main">
+  <p:cSld>
+    <p:spTree>
+      <p:nvGrpSpPr>
+        <p:cNvPr id="1" name=""/>
+        <p:cNvGrpSpPr/>
+        <p:nvPr/>
+      </p:nvGrpSpPr>
+      <p:grpSpPr>
+        <a:xfrm>
+          <a:off x="0" y="0"/>
+          <a:ext cx="0" cy="0"/>
+          <a:chOff x="0" y="0"/>
+          <a:chExt cx="0" cy="0"/>
+        </a:xfrm>
+      </p:grpSpPr>
+      <p:pic>
+        <p:nvPicPr>
+          <p:cNvPr id="3" name="Picture 2" descr="gradientst6-epoch0"/>
+          <p:cNvPicPr>
+            <a:picLocks noChangeAspect="1"/>
+          </p:cNvPicPr>
+          <p:nvPr/>
+        </p:nvPicPr>
+        <p:blipFill>
+          <a:blip r:embed="rId1"/>
+          <a:srcRect l="2000"/>
+          <a:stretch>
+            <a:fillRect/>
+          </a:stretch>
+        </p:blipFill>
+        <p:spPr>
+          <a:xfrm>
+            <a:off x="553085" y="1724660"/>
+            <a:ext cx="11649075" cy="3094990"/>
+          </a:xfrm>
+          <a:prstGeom prst="rect">
+            <a:avLst/>
+          </a:prstGeom>
+        </p:spPr>
+      </p:pic>
+      <p:pic>
+        <p:nvPicPr>
+          <p:cNvPr id="9" name="Picture 8"/>
+          <p:cNvPicPr>
+            <a:picLocks noChangeAspect="1"/>
+          </p:cNvPicPr>
+          <p:nvPr/>
+        </p:nvPicPr>
+        <p:blipFill>
+          <a:blip r:embed="rId2"/>
+          <a:stretch>
+            <a:fillRect/>
+          </a:stretch>
+        </p:blipFill>
+        <p:spPr>
+          <a:xfrm>
+            <a:off x="286385" y="4035425"/>
+            <a:ext cx="251460" cy="138430"/>
+          </a:xfrm>
+          <a:prstGeom prst="rect">
+            <a:avLst/>
+          </a:prstGeom>
+        </p:spPr>
+      </p:pic>
+      <p:pic>
+        <p:nvPicPr>
+          <p:cNvPr id="10" name="Picture 9"/>
+          <p:cNvPicPr>
+            <a:picLocks noChangeAspect="1"/>
+          </p:cNvPicPr>
+          <p:nvPr/>
+        </p:nvPicPr>
+        <p:blipFill>
+          <a:blip r:embed="rId3"/>
+          <a:stretch>
+            <a:fillRect/>
+          </a:stretch>
+        </p:blipFill>
+        <p:spPr>
+          <a:xfrm>
+            <a:off x="275590" y="4626610"/>
+            <a:ext cx="273685" cy="150495"/>
+          </a:xfrm>
+          <a:prstGeom prst="rect">
+            <a:avLst/>
+          </a:prstGeom>
+        </p:spPr>
+      </p:pic>
+      <p:pic>
+        <p:nvPicPr>
+          <p:cNvPr id="12" name="Picture 11"/>
+          <p:cNvPicPr>
+            <a:picLocks noChangeAspect="1"/>
+          </p:cNvPicPr>
+          <p:nvPr/>
+        </p:nvPicPr>
+        <p:blipFill>
+          <a:blip r:embed="rId4"/>
+          <a:stretch>
+            <a:fillRect/>
+          </a:stretch>
+        </p:blipFill>
+        <p:spPr>
+          <a:xfrm>
+            <a:off x="372110" y="2085975"/>
+            <a:ext cx="186690" cy="140335"/>
+          </a:xfrm>
+          <a:prstGeom prst="rect">
+            <a:avLst/>
+          </a:prstGeom>
+        </p:spPr>
+      </p:pic>
+      <p:pic>
+        <p:nvPicPr>
+          <p:cNvPr id="13" name="Picture 12"/>
+          <p:cNvPicPr>
+            <a:picLocks noChangeAspect="1"/>
+          </p:cNvPicPr>
+          <p:nvPr/>
+        </p:nvPicPr>
+        <p:blipFill>
+          <a:blip r:embed="rId5"/>
+          <a:stretch>
+            <a:fillRect/>
+          </a:stretch>
+        </p:blipFill>
+        <p:spPr>
+          <a:xfrm>
+            <a:off x="292100" y="2731770"/>
+            <a:ext cx="267970" cy="147320"/>
+          </a:xfrm>
+          <a:prstGeom prst="rect">
+            <a:avLst/>
+          </a:prstGeom>
+        </p:spPr>
+      </p:pic>
+      <p:pic>
+        <p:nvPicPr>
+          <p:cNvPr id="14" name="Picture 13"/>
+          <p:cNvPicPr>
+            <a:picLocks noChangeAspect="1"/>
+          </p:cNvPicPr>
+          <p:nvPr/>
+        </p:nvPicPr>
+        <p:blipFill>
+          <a:blip r:embed="rId6"/>
+          <a:stretch>
+            <a:fillRect/>
+          </a:stretch>
+        </p:blipFill>
+        <p:spPr>
+          <a:xfrm>
+            <a:off x="292100" y="3394075"/>
+            <a:ext cx="266700" cy="146685"/>
+          </a:xfrm>
+          <a:prstGeom prst="rect">
+            <a:avLst/>
+          </a:prstGeom>
+        </p:spPr>
+      </p:pic>
+      <p:sp>
+        <p:nvSpPr>
+          <p:cNvPr id="17" name="Text Box 16"/>
+          <p:cNvSpPr txBox="1"/>
+          <p:nvPr/>
+        </p:nvSpPr>
+        <p:spPr>
+          <a:xfrm rot="16200000">
+            <a:off x="-495935" y="3382645"/>
+            <a:ext cx="1315720" cy="275590"/>
+          </a:xfrm>
+          <a:prstGeom prst="rect">
+            <a:avLst/>
+          </a:prstGeom>
+          <a:noFill/>
+        </p:spPr>
+        <p:txBody>
+          <a:bodyPr wrap="square" rtlCol="0">
+            <a:spAutoFit/>
+          </a:bodyPr>
+          <a:p>
+            <a:pPr lvl="1"/>
+            <a:r>
+              <a:rPr lang="es-ES_tradnl" altLang="en-US" sz="1200"/>
+              <a:t>Gradient</a:t>
+            </a:r>
+            <a:endParaRPr lang="es-ES_tradnl" altLang="en-US" sz="1200"/>
+          </a:p>
+        </p:txBody>
+      </p:sp>
+      <p:sp>
+        <p:nvSpPr>
+          <p:cNvPr id="18" name="Rectangles 17"/>
+          <p:cNvSpPr/>
+          <p:nvPr/>
+        </p:nvSpPr>
+        <p:spPr>
+          <a:xfrm>
+            <a:off x="10514330" y="1765300"/>
+            <a:ext cx="1615440" cy="558165"/>
+          </a:xfrm>
+          <a:prstGeom prst="rect">
+            <a:avLst/>
+          </a:prstGeom>
+          <a:solidFill>
+            <a:schemeClr val="bg1"/>
+          </a:solidFill>
+          <a:ln>
+            <a:noFill/>
+          </a:ln>
+        </p:spPr>
+        <p:style>
+          <a:lnRef idx="2">
+            <a:schemeClr val="accent1">
+              <a:shade val="50000"/>
+            </a:schemeClr>
+          </a:lnRef>
+          <a:fillRef idx="1">
+            <a:schemeClr val="accent1"/>
+          </a:fillRef>
+          <a:effectRef idx="0">
+            <a:schemeClr val="accent1"/>
+          </a:effectRef>
+          <a:fontRef idx="minor">
+            <a:schemeClr val="lt1"/>
+          </a:fontRef>
+        </p:style>
+        <p:txBody>
+          <a:bodyPr rtlCol="0" anchor="ctr"/>
+          <a:p>
+            <a:pPr algn="ctr"/>
+            <a:endParaRPr lang="en-US"/>
+          </a:p>
+        </p:txBody>
+      </p:sp>
+      <p:sp>
+        <p:nvSpPr>
+          <p:cNvPr id="19" name="Text Box 18"/>
+          <p:cNvSpPr txBox="1"/>
+          <p:nvPr/>
+        </p:nvSpPr>
+        <p:spPr>
+          <a:xfrm>
+            <a:off x="10563225" y="1788795"/>
+            <a:ext cx="1583690" cy="429895"/>
+          </a:xfrm>
+          <a:prstGeom prst="rect">
+            <a:avLst/>
+          </a:prstGeom>
+          <a:noFill/>
+        </p:spPr>
+        <p:txBody>
+          <a:bodyPr wrap="square" rtlCol="0">
+            <a:spAutoFit/>
+          </a:bodyPr>
+          <a:p>
+            <a:pPr lvl="1"/>
+            <a:r>
+              <a:rPr lang="es-ES_tradnl" altLang="en-US" sz="1100"/>
+              <a:t>max-gradient</a:t>
+            </a:r>
+            <a:endParaRPr lang="es-ES_tradnl" altLang="en-US" sz="1100"/>
+          </a:p>
+          <a:p>
+            <a:pPr lvl="1"/>
+            <a:r>
+              <a:rPr lang="es-ES_tradnl" altLang="en-US" sz="1100"/>
+              <a:t>mean-gradient</a:t>
+            </a:r>
+            <a:endParaRPr lang="es-ES_tradnl" altLang="en-US" sz="1100"/>
+          </a:p>
+        </p:txBody>
+      </p:sp>
+      <p:sp>
+        <p:nvSpPr>
+          <p:cNvPr id="21" name="Rectangles 20"/>
+          <p:cNvSpPr/>
+          <p:nvPr/>
+        </p:nvSpPr>
+        <p:spPr>
+          <a:xfrm>
+            <a:off x="10514330" y="1861820"/>
+            <a:ext cx="558800" cy="121920"/>
+          </a:xfrm>
+          <a:prstGeom prst="rect">
+            <a:avLst/>
+          </a:prstGeom>
+          <a:solidFill>
+            <a:srgbClr val="B0D3D3"/>
+          </a:solidFill>
+          <a:ln>
+            <a:noFill/>
+          </a:ln>
+        </p:spPr>
+        <p:style>
+          <a:lnRef idx="2">
+            <a:schemeClr val="accent1">
+              <a:shade val="50000"/>
+            </a:schemeClr>
+          </a:lnRef>
+          <a:fillRef idx="1">
+            <a:schemeClr val="accent1"/>
+          </a:fillRef>
+          <a:effectRef idx="0">
+            <a:schemeClr val="accent1"/>
+          </a:effectRef>
+          <a:fontRef idx="minor">
+            <a:schemeClr val="lt1"/>
+          </a:fontRef>
+        </p:style>
+        <p:txBody>
+          <a:bodyPr rtlCol="0" anchor="ctr"/>
+          <a:p>
+            <a:pPr algn="ctr"/>
+            <a:endParaRPr lang="en-US"/>
+          </a:p>
+        </p:txBody>
+      </p:sp>
+      <p:sp>
+        <p:nvSpPr>
+          <p:cNvPr id="22" name="Rectangles 21"/>
+          <p:cNvSpPr/>
+          <p:nvPr/>
+        </p:nvSpPr>
+        <p:spPr>
+          <a:xfrm>
+            <a:off x="10514330" y="2014220"/>
+            <a:ext cx="558165" cy="121920"/>
+          </a:xfrm>
+          <a:prstGeom prst="rect">
+            <a:avLst/>
+          </a:prstGeom>
+          <a:solidFill>
+            <a:srgbClr val="85A5E2"/>
+          </a:solidFill>
+          <a:ln>
+            <a:noFill/>
+          </a:ln>
+        </p:spPr>
+        <p:style>
+          <a:lnRef idx="2">
+            <a:schemeClr val="accent1">
+              <a:shade val="50000"/>
+            </a:schemeClr>
+          </a:lnRef>
+          <a:fillRef idx="1">
+            <a:schemeClr val="accent1"/>
+          </a:fillRef>
+          <a:effectRef idx="0">
+            <a:schemeClr val="accent1"/>
+          </a:effectRef>
+          <a:fontRef idx="minor">
+            <a:schemeClr val="lt1"/>
+          </a:fontRef>
+        </p:style>
+        <p:txBody>
+          <a:bodyPr rtlCol="0" anchor="ctr"/>
+          <a:p>
+            <a:pPr algn="ctr"/>
+            <a:endParaRPr lang="en-US"/>
+          </a:p>
+        </p:txBody>
+      </p:sp>
+      <p:sp>
+        <p:nvSpPr>
+          <p:cNvPr id="25" name="Text Box 24"/>
+          <p:cNvSpPr txBox="1"/>
+          <p:nvPr/>
+        </p:nvSpPr>
+        <p:spPr>
+          <a:xfrm>
+            <a:off x="5346065" y="4743450"/>
+            <a:ext cx="1315720" cy="275590"/>
+          </a:xfrm>
+          <a:prstGeom prst="rect">
+            <a:avLst/>
+          </a:prstGeom>
+          <a:noFill/>
+        </p:spPr>
+        <p:txBody>
+          <a:bodyPr wrap="square" rtlCol="0">
+            <a:spAutoFit/>
+          </a:bodyPr>
+          <a:p>
+            <a:pPr lvl="1"/>
+            <a:r>
+              <a:rPr lang="es-ES_tradnl" altLang="en-US" sz="1200"/>
+              <a:t>Layers</a:t>
+            </a:r>
+            <a:endParaRPr lang="es-ES_tradnl" altLang="en-US" sz="1200"/>
+          </a:p>
+        </p:txBody>
+      </p:sp>
+      <p:sp>
+        <p:nvSpPr>
+          <p:cNvPr id="26" name="Text Box 25"/>
+          <p:cNvSpPr txBox="1"/>
+          <p:nvPr/>
+        </p:nvSpPr>
+        <p:spPr>
+          <a:xfrm>
+            <a:off x="5295265" y="1040130"/>
+            <a:ext cx="1315720" cy="275590"/>
+          </a:xfrm>
+          <a:prstGeom prst="rect">
+            <a:avLst/>
+          </a:prstGeom>
+          <a:noFill/>
+        </p:spPr>
+        <p:txBody>
+          <a:bodyPr wrap="square" rtlCol="0">
+            <a:spAutoFit/>
+          </a:bodyPr>
+          <a:p>
+            <a:pPr lvl="1"/>
+            <a:r>
+              <a:rPr lang="es-ES_tradnl" altLang="en-US" sz="1200"/>
+              <a:t>Epoch0</a:t>
+            </a:r>
+            <a:endParaRPr lang="es-ES_tradnl" altLang="en-US" sz="1200"/>
+          </a:p>
+        </p:txBody>
+      </p:sp>
+    </p:spTree>
+  </p:cSld>
+  <p:clrMapOvr>
+    <a:masterClrMapping/>
+  </p:clrMapOvr>
+</p:sld>
+</file>
+
+<file path=ppt/slides/slide19.xml><?xml version="1.0" encoding="utf-8"?>
+<p:sld xmlns:a="http://schemas.openxmlformats.org/drawingml/2006/main" xmlns:r="http://schemas.openxmlformats.org/officeDocument/2006/relationships" xmlns:p="http://schemas.openxmlformats.org/presentationml/2006/main">
+  <p:cSld>
+    <p:spTree>
+      <p:nvGrpSpPr>
+        <p:cNvPr id="1" name=""/>
+        <p:cNvGrpSpPr/>
+        <p:nvPr/>
+      </p:nvGrpSpPr>
+      <p:grpSpPr>
+        <a:xfrm>
+          <a:off x="0" y="0"/>
+          <a:ext cx="0" cy="0"/>
+          <a:chOff x="0" y="0"/>
+          <a:chExt cx="0" cy="0"/>
+        </a:xfrm>
+      </p:grpSpPr>
+      <p:pic>
+        <p:nvPicPr>
+          <p:cNvPr id="4" name="Picture 3" descr="gradientst6-epoch3"/>
+          <p:cNvPicPr>
+            <a:picLocks noChangeAspect="1"/>
+          </p:cNvPicPr>
+          <p:nvPr/>
+        </p:nvPicPr>
+        <p:blipFill>
+          <a:blip r:embed="rId1"/>
+          <a:srcRect l="2016"/>
+          <a:stretch>
+            <a:fillRect/>
+          </a:stretch>
+        </p:blipFill>
+        <p:spPr>
+          <a:xfrm>
+            <a:off x="589280" y="1715770"/>
+            <a:ext cx="11610340" cy="3079115"/>
+          </a:xfrm>
+          <a:prstGeom prst="rect">
+            <a:avLst/>
+          </a:prstGeom>
+        </p:spPr>
+      </p:pic>
+      <p:pic>
+        <p:nvPicPr>
+          <p:cNvPr id="9" name="Picture 8"/>
+          <p:cNvPicPr>
+            <a:picLocks noChangeAspect="1"/>
+          </p:cNvPicPr>
+          <p:nvPr/>
+        </p:nvPicPr>
+        <p:blipFill>
+          <a:blip r:embed="rId2"/>
+          <a:stretch>
+            <a:fillRect/>
+          </a:stretch>
+        </p:blipFill>
+        <p:spPr>
+          <a:xfrm>
+            <a:off x="286385" y="4035425"/>
+            <a:ext cx="251460" cy="138430"/>
+          </a:xfrm>
+          <a:prstGeom prst="rect">
+            <a:avLst/>
+          </a:prstGeom>
+        </p:spPr>
+      </p:pic>
+      <p:pic>
+        <p:nvPicPr>
+          <p:cNvPr id="10" name="Picture 9"/>
+          <p:cNvPicPr>
+            <a:picLocks noChangeAspect="1"/>
+          </p:cNvPicPr>
+          <p:nvPr/>
+        </p:nvPicPr>
+        <p:blipFill>
+          <a:blip r:embed="rId3"/>
+          <a:stretch>
+            <a:fillRect/>
+          </a:stretch>
+        </p:blipFill>
+        <p:spPr>
+          <a:xfrm>
+            <a:off x="275590" y="4626610"/>
+            <a:ext cx="273685" cy="150495"/>
+          </a:xfrm>
+          <a:prstGeom prst="rect">
+            <a:avLst/>
+          </a:prstGeom>
+        </p:spPr>
+      </p:pic>
+      <p:pic>
+        <p:nvPicPr>
+          <p:cNvPr id="12" name="Picture 11"/>
+          <p:cNvPicPr>
+            <a:picLocks noChangeAspect="1"/>
+          </p:cNvPicPr>
+          <p:nvPr/>
+        </p:nvPicPr>
+        <p:blipFill>
+          <a:blip r:embed="rId4"/>
+          <a:stretch>
+            <a:fillRect/>
+          </a:stretch>
+        </p:blipFill>
+        <p:spPr>
+          <a:xfrm>
+            <a:off x="372110" y="2085975"/>
+            <a:ext cx="186690" cy="140335"/>
+          </a:xfrm>
+          <a:prstGeom prst="rect">
+            <a:avLst/>
+          </a:prstGeom>
+        </p:spPr>
+      </p:pic>
+      <p:pic>
+        <p:nvPicPr>
+          <p:cNvPr id="13" name="Picture 12"/>
+          <p:cNvPicPr>
+            <a:picLocks noChangeAspect="1"/>
+          </p:cNvPicPr>
+          <p:nvPr/>
+        </p:nvPicPr>
+        <p:blipFill>
+          <a:blip r:embed="rId5"/>
+          <a:stretch>
+            <a:fillRect/>
+          </a:stretch>
+        </p:blipFill>
+        <p:spPr>
+          <a:xfrm>
+            <a:off x="292100" y="2731770"/>
+            <a:ext cx="267970" cy="147320"/>
+          </a:xfrm>
+          <a:prstGeom prst="rect">
+            <a:avLst/>
+          </a:prstGeom>
+        </p:spPr>
+      </p:pic>
+      <p:pic>
+        <p:nvPicPr>
+          <p:cNvPr id="14" name="Picture 13"/>
+          <p:cNvPicPr>
+            <a:picLocks noChangeAspect="1"/>
+          </p:cNvPicPr>
+          <p:nvPr/>
+        </p:nvPicPr>
+        <p:blipFill>
+          <a:blip r:embed="rId6"/>
+          <a:stretch>
+            <a:fillRect/>
+          </a:stretch>
+        </p:blipFill>
+        <p:spPr>
+          <a:xfrm>
+            <a:off x="292100" y="3394075"/>
+            <a:ext cx="266700" cy="146685"/>
+          </a:xfrm>
+          <a:prstGeom prst="rect">
+            <a:avLst/>
+          </a:prstGeom>
+        </p:spPr>
+      </p:pic>
+      <p:sp>
+        <p:nvSpPr>
+          <p:cNvPr id="17" name="Text Box 16"/>
+          <p:cNvSpPr txBox="1"/>
+          <p:nvPr/>
+        </p:nvSpPr>
+        <p:spPr>
+          <a:xfrm rot="16200000">
+            <a:off x="-495935" y="3382645"/>
+            <a:ext cx="1315720" cy="275590"/>
+          </a:xfrm>
+          <a:prstGeom prst="rect">
+            <a:avLst/>
+          </a:prstGeom>
+          <a:noFill/>
+        </p:spPr>
+        <p:txBody>
+          <a:bodyPr wrap="square" rtlCol="0">
+            <a:spAutoFit/>
+          </a:bodyPr>
+          <a:p>
+            <a:pPr lvl="1"/>
+            <a:r>
+              <a:rPr lang="es-ES_tradnl" altLang="en-US" sz="1200"/>
+              <a:t>Gradient</a:t>
+            </a:r>
+            <a:endParaRPr lang="es-ES_tradnl" altLang="en-US" sz="1200"/>
+          </a:p>
+        </p:txBody>
+      </p:sp>
+      <p:sp>
+        <p:nvSpPr>
+          <p:cNvPr id="18" name="Rectangles 17"/>
+          <p:cNvSpPr/>
+          <p:nvPr/>
+        </p:nvSpPr>
+        <p:spPr>
+          <a:xfrm>
+            <a:off x="10514330" y="1765300"/>
+            <a:ext cx="1615440" cy="558165"/>
+          </a:xfrm>
+          <a:prstGeom prst="rect">
+            <a:avLst/>
+          </a:prstGeom>
+          <a:solidFill>
+            <a:schemeClr val="bg1"/>
+          </a:solidFill>
+          <a:ln>
+            <a:noFill/>
+          </a:ln>
+        </p:spPr>
+        <p:style>
+          <a:lnRef idx="2">
+            <a:schemeClr val="accent1">
+              <a:shade val="50000"/>
+            </a:schemeClr>
+          </a:lnRef>
+          <a:fillRef idx="1">
+            <a:schemeClr val="accent1"/>
+          </a:fillRef>
+          <a:effectRef idx="0">
+            <a:schemeClr val="accent1"/>
+          </a:effectRef>
+          <a:fontRef idx="minor">
+            <a:schemeClr val="lt1"/>
+          </a:fontRef>
+        </p:style>
+        <p:txBody>
+          <a:bodyPr rtlCol="0" anchor="ctr"/>
+          <a:p>
+            <a:pPr algn="ctr"/>
+            <a:endParaRPr lang="en-US"/>
+          </a:p>
+        </p:txBody>
+      </p:sp>
+      <p:sp>
+        <p:nvSpPr>
+          <p:cNvPr id="19" name="Text Box 18"/>
+          <p:cNvSpPr txBox="1"/>
+          <p:nvPr/>
+        </p:nvSpPr>
+        <p:spPr>
+          <a:xfrm>
+            <a:off x="10563225" y="1788795"/>
+            <a:ext cx="1583690" cy="429895"/>
+          </a:xfrm>
+          <a:prstGeom prst="rect">
+            <a:avLst/>
+          </a:prstGeom>
+          <a:noFill/>
+        </p:spPr>
+        <p:txBody>
+          <a:bodyPr wrap="square" rtlCol="0">
+            <a:spAutoFit/>
+          </a:bodyPr>
+          <a:p>
+            <a:pPr lvl="1"/>
+            <a:r>
+              <a:rPr lang="es-ES_tradnl" altLang="en-US" sz="1100"/>
+              <a:t>max-gradient</a:t>
+            </a:r>
+            <a:endParaRPr lang="es-ES_tradnl" altLang="en-US" sz="1100"/>
+          </a:p>
+          <a:p>
+            <a:pPr lvl="1"/>
+            <a:r>
+              <a:rPr lang="es-ES_tradnl" altLang="en-US" sz="1100"/>
+              <a:t>mean-gradient</a:t>
+            </a:r>
+            <a:endParaRPr lang="es-ES_tradnl" altLang="en-US" sz="1100"/>
+          </a:p>
+        </p:txBody>
+      </p:sp>
+      <p:sp>
+        <p:nvSpPr>
+          <p:cNvPr id="21" name="Rectangles 20"/>
+          <p:cNvSpPr/>
+          <p:nvPr/>
+        </p:nvSpPr>
+        <p:spPr>
+          <a:xfrm>
+            <a:off x="10514330" y="1861820"/>
+            <a:ext cx="558800" cy="121920"/>
+          </a:xfrm>
+          <a:prstGeom prst="rect">
+            <a:avLst/>
+          </a:prstGeom>
+          <a:solidFill>
+            <a:srgbClr val="B0D3D3"/>
+          </a:solidFill>
+          <a:ln>
+            <a:noFill/>
+          </a:ln>
+        </p:spPr>
+        <p:style>
+          <a:lnRef idx="2">
+            <a:schemeClr val="accent1">
+              <a:shade val="50000"/>
+            </a:schemeClr>
+          </a:lnRef>
+          <a:fillRef idx="1">
+            <a:schemeClr val="accent1"/>
+          </a:fillRef>
+          <a:effectRef idx="0">
+            <a:schemeClr val="accent1"/>
+          </a:effectRef>
+          <a:fontRef idx="minor">
+            <a:schemeClr val="lt1"/>
+          </a:fontRef>
+        </p:style>
+        <p:txBody>
+          <a:bodyPr rtlCol="0" anchor="ctr"/>
+          <a:p>
+            <a:pPr algn="ctr"/>
+            <a:endParaRPr lang="en-US"/>
+          </a:p>
+        </p:txBody>
+      </p:sp>
+      <p:sp>
+        <p:nvSpPr>
+          <p:cNvPr id="22" name="Rectangles 21"/>
+          <p:cNvSpPr/>
+          <p:nvPr/>
+        </p:nvSpPr>
+        <p:spPr>
+          <a:xfrm>
+            <a:off x="10514330" y="2014220"/>
+            <a:ext cx="558165" cy="121920"/>
+          </a:xfrm>
+          <a:prstGeom prst="rect">
+            <a:avLst/>
+          </a:prstGeom>
+          <a:solidFill>
+            <a:srgbClr val="85A5E2"/>
+          </a:solidFill>
+          <a:ln>
+            <a:noFill/>
+          </a:ln>
+        </p:spPr>
+        <p:style>
+          <a:lnRef idx="2">
+            <a:schemeClr val="accent1">
+              <a:shade val="50000"/>
+            </a:schemeClr>
+          </a:lnRef>
+          <a:fillRef idx="1">
+            <a:schemeClr val="accent1"/>
+          </a:fillRef>
+          <a:effectRef idx="0">
+            <a:schemeClr val="accent1"/>
+          </a:effectRef>
+          <a:fontRef idx="minor">
+            <a:schemeClr val="lt1"/>
+          </a:fontRef>
+        </p:style>
+        <p:txBody>
+          <a:bodyPr rtlCol="0" anchor="ctr"/>
+          <a:p>
+            <a:pPr algn="ctr"/>
+            <a:endParaRPr lang="en-US"/>
+          </a:p>
+        </p:txBody>
+      </p:sp>
+      <p:sp>
+        <p:nvSpPr>
+          <p:cNvPr id="25" name="Text Box 24"/>
+          <p:cNvSpPr txBox="1"/>
+          <p:nvPr/>
+        </p:nvSpPr>
+        <p:spPr>
+          <a:xfrm>
+            <a:off x="5346065" y="4743450"/>
+            <a:ext cx="1315720" cy="275590"/>
+          </a:xfrm>
+          <a:prstGeom prst="rect">
+            <a:avLst/>
+          </a:prstGeom>
+          <a:noFill/>
+        </p:spPr>
+        <p:txBody>
+          <a:bodyPr wrap="square" rtlCol="0">
+            <a:spAutoFit/>
+          </a:bodyPr>
+          <a:p>
+            <a:pPr lvl="1"/>
+            <a:r>
+              <a:rPr lang="es-ES_tradnl" altLang="en-US" sz="1200"/>
+              <a:t>Layers</a:t>
+            </a:r>
+            <a:endParaRPr lang="es-ES_tradnl" altLang="en-US" sz="1200"/>
+          </a:p>
+        </p:txBody>
+      </p:sp>
+      <p:sp>
+        <p:nvSpPr>
+          <p:cNvPr id="26" name="Text Box 25"/>
+          <p:cNvSpPr txBox="1"/>
+          <p:nvPr/>
+        </p:nvSpPr>
+        <p:spPr>
+          <a:xfrm>
+            <a:off x="5295265" y="1040130"/>
+            <a:ext cx="1315720" cy="275590"/>
+          </a:xfrm>
+          <a:prstGeom prst="rect">
+            <a:avLst/>
+          </a:prstGeom>
+          <a:noFill/>
+        </p:spPr>
+        <p:txBody>
+          <a:bodyPr wrap="square" rtlCol="0">
+            <a:spAutoFit/>
+          </a:bodyPr>
+          <a:p>
+            <a:pPr lvl="1"/>
+            <a:r>
+              <a:rPr lang="es-ES_tradnl" altLang="en-US" sz="1200"/>
+              <a:t>Epoch3</a:t>
+            </a:r>
+            <a:endParaRPr lang="es-ES_tradnl" altLang="en-US" sz="1200"/>
+          </a:p>
+        </p:txBody>
+      </p:sp>
     </p:spTree>
   </p:cSld>
   <p:clrMapOvr>
@@ -9277,6 +10863,872 @@
           <a:p>
             <a:pPr algn="ctr"/>
             <a:endParaRPr lang="en-US" sz="2200"/>
+          </a:p>
+        </p:txBody>
+      </p:sp>
+    </p:spTree>
+  </p:cSld>
+  <p:clrMapOvr>
+    <a:masterClrMapping/>
+  </p:clrMapOvr>
+</p:sld>
+</file>
+
+<file path=ppt/slides/slide20.xml><?xml version="1.0" encoding="utf-8"?>
+<p:sld xmlns:a="http://schemas.openxmlformats.org/drawingml/2006/main" xmlns:r="http://schemas.openxmlformats.org/officeDocument/2006/relationships" xmlns:p="http://schemas.openxmlformats.org/presentationml/2006/main">
+  <p:cSld>
+    <p:spTree>
+      <p:nvGrpSpPr>
+        <p:cNvPr id="1" name=""/>
+        <p:cNvGrpSpPr/>
+        <p:nvPr/>
+      </p:nvGrpSpPr>
+      <p:grpSpPr>
+        <a:xfrm>
+          <a:off x="0" y="0"/>
+          <a:ext cx="0" cy="0"/>
+          <a:chOff x="0" y="0"/>
+          <a:chExt cx="0" cy="0"/>
+        </a:xfrm>
+      </p:grpSpPr>
+      <p:pic>
+        <p:nvPicPr>
+          <p:cNvPr id="2" name="Picture 1" descr="gradientst30-epoch0"/>
+          <p:cNvPicPr>
+            <a:picLocks noChangeAspect="1"/>
+          </p:cNvPicPr>
+          <p:nvPr/>
+        </p:nvPicPr>
+        <p:blipFill>
+          <a:blip r:embed="rId1"/>
+          <a:srcRect l="2000"/>
+          <a:stretch>
+            <a:fillRect/>
+          </a:stretch>
+        </p:blipFill>
+        <p:spPr>
+          <a:xfrm>
+            <a:off x="560070" y="1699260"/>
+            <a:ext cx="11631930" cy="3077845"/>
+          </a:xfrm>
+          <a:prstGeom prst="rect">
+            <a:avLst/>
+          </a:prstGeom>
+        </p:spPr>
+      </p:pic>
+      <p:pic>
+        <p:nvPicPr>
+          <p:cNvPr id="9" name="Picture 8"/>
+          <p:cNvPicPr>
+            <a:picLocks noChangeAspect="1"/>
+          </p:cNvPicPr>
+          <p:nvPr/>
+        </p:nvPicPr>
+        <p:blipFill>
+          <a:blip r:embed="rId2"/>
+          <a:stretch>
+            <a:fillRect/>
+          </a:stretch>
+        </p:blipFill>
+        <p:spPr>
+          <a:xfrm>
+            <a:off x="286385" y="4035425"/>
+            <a:ext cx="251460" cy="138430"/>
+          </a:xfrm>
+          <a:prstGeom prst="rect">
+            <a:avLst/>
+          </a:prstGeom>
+        </p:spPr>
+      </p:pic>
+      <p:pic>
+        <p:nvPicPr>
+          <p:cNvPr id="10" name="Picture 9"/>
+          <p:cNvPicPr>
+            <a:picLocks noChangeAspect="1"/>
+          </p:cNvPicPr>
+          <p:nvPr/>
+        </p:nvPicPr>
+        <p:blipFill>
+          <a:blip r:embed="rId3"/>
+          <a:stretch>
+            <a:fillRect/>
+          </a:stretch>
+        </p:blipFill>
+        <p:spPr>
+          <a:xfrm>
+            <a:off x="275590" y="4626610"/>
+            <a:ext cx="273685" cy="150495"/>
+          </a:xfrm>
+          <a:prstGeom prst="rect">
+            <a:avLst/>
+          </a:prstGeom>
+        </p:spPr>
+      </p:pic>
+      <p:pic>
+        <p:nvPicPr>
+          <p:cNvPr id="12" name="Picture 11"/>
+          <p:cNvPicPr>
+            <a:picLocks noChangeAspect="1"/>
+          </p:cNvPicPr>
+          <p:nvPr/>
+        </p:nvPicPr>
+        <p:blipFill>
+          <a:blip r:embed="rId4"/>
+          <a:stretch>
+            <a:fillRect/>
+          </a:stretch>
+        </p:blipFill>
+        <p:spPr>
+          <a:xfrm>
+            <a:off x="372110" y="2085975"/>
+            <a:ext cx="186690" cy="140335"/>
+          </a:xfrm>
+          <a:prstGeom prst="rect">
+            <a:avLst/>
+          </a:prstGeom>
+        </p:spPr>
+      </p:pic>
+      <p:pic>
+        <p:nvPicPr>
+          <p:cNvPr id="13" name="Picture 12"/>
+          <p:cNvPicPr>
+            <a:picLocks noChangeAspect="1"/>
+          </p:cNvPicPr>
+          <p:nvPr/>
+        </p:nvPicPr>
+        <p:blipFill>
+          <a:blip r:embed="rId5"/>
+          <a:stretch>
+            <a:fillRect/>
+          </a:stretch>
+        </p:blipFill>
+        <p:spPr>
+          <a:xfrm>
+            <a:off x="292100" y="2731770"/>
+            <a:ext cx="267970" cy="147320"/>
+          </a:xfrm>
+          <a:prstGeom prst="rect">
+            <a:avLst/>
+          </a:prstGeom>
+        </p:spPr>
+      </p:pic>
+      <p:pic>
+        <p:nvPicPr>
+          <p:cNvPr id="14" name="Picture 13"/>
+          <p:cNvPicPr>
+            <a:picLocks noChangeAspect="1"/>
+          </p:cNvPicPr>
+          <p:nvPr/>
+        </p:nvPicPr>
+        <p:blipFill>
+          <a:blip r:embed="rId6"/>
+          <a:stretch>
+            <a:fillRect/>
+          </a:stretch>
+        </p:blipFill>
+        <p:spPr>
+          <a:xfrm>
+            <a:off x="292100" y="3394075"/>
+            <a:ext cx="266700" cy="146685"/>
+          </a:xfrm>
+          <a:prstGeom prst="rect">
+            <a:avLst/>
+          </a:prstGeom>
+        </p:spPr>
+      </p:pic>
+      <p:sp>
+        <p:nvSpPr>
+          <p:cNvPr id="17" name="Text Box 16"/>
+          <p:cNvSpPr txBox="1"/>
+          <p:nvPr/>
+        </p:nvSpPr>
+        <p:spPr>
+          <a:xfrm rot="16200000">
+            <a:off x="-495935" y="3382645"/>
+            <a:ext cx="1315720" cy="275590"/>
+          </a:xfrm>
+          <a:prstGeom prst="rect">
+            <a:avLst/>
+          </a:prstGeom>
+          <a:noFill/>
+        </p:spPr>
+        <p:txBody>
+          <a:bodyPr wrap="square" rtlCol="0">
+            <a:spAutoFit/>
+          </a:bodyPr>
+          <a:p>
+            <a:pPr lvl="1"/>
+            <a:r>
+              <a:rPr lang="es-ES_tradnl" altLang="en-US" sz="1200"/>
+              <a:t>Gradient</a:t>
+            </a:r>
+            <a:endParaRPr lang="es-ES_tradnl" altLang="en-US" sz="1200"/>
+          </a:p>
+        </p:txBody>
+      </p:sp>
+      <p:sp>
+        <p:nvSpPr>
+          <p:cNvPr id="18" name="Rectangles 17"/>
+          <p:cNvSpPr/>
+          <p:nvPr/>
+        </p:nvSpPr>
+        <p:spPr>
+          <a:xfrm>
+            <a:off x="10514330" y="1765300"/>
+            <a:ext cx="1615440" cy="558165"/>
+          </a:xfrm>
+          <a:prstGeom prst="rect">
+            <a:avLst/>
+          </a:prstGeom>
+          <a:solidFill>
+            <a:schemeClr val="bg1"/>
+          </a:solidFill>
+          <a:ln>
+            <a:noFill/>
+          </a:ln>
+        </p:spPr>
+        <p:style>
+          <a:lnRef idx="2">
+            <a:schemeClr val="accent1">
+              <a:shade val="50000"/>
+            </a:schemeClr>
+          </a:lnRef>
+          <a:fillRef idx="1">
+            <a:schemeClr val="accent1"/>
+          </a:fillRef>
+          <a:effectRef idx="0">
+            <a:schemeClr val="accent1"/>
+          </a:effectRef>
+          <a:fontRef idx="minor">
+            <a:schemeClr val="lt1"/>
+          </a:fontRef>
+        </p:style>
+        <p:txBody>
+          <a:bodyPr rtlCol="0" anchor="ctr"/>
+          <a:p>
+            <a:pPr algn="ctr"/>
+            <a:endParaRPr lang="en-US"/>
+          </a:p>
+        </p:txBody>
+      </p:sp>
+      <p:sp>
+        <p:nvSpPr>
+          <p:cNvPr id="19" name="Text Box 18"/>
+          <p:cNvSpPr txBox="1"/>
+          <p:nvPr/>
+        </p:nvSpPr>
+        <p:spPr>
+          <a:xfrm>
+            <a:off x="10563225" y="1788795"/>
+            <a:ext cx="1583690" cy="429895"/>
+          </a:xfrm>
+          <a:prstGeom prst="rect">
+            <a:avLst/>
+          </a:prstGeom>
+          <a:noFill/>
+        </p:spPr>
+        <p:txBody>
+          <a:bodyPr wrap="square" rtlCol="0">
+            <a:spAutoFit/>
+          </a:bodyPr>
+          <a:p>
+            <a:pPr lvl="1"/>
+            <a:r>
+              <a:rPr lang="es-ES_tradnl" altLang="en-US" sz="1100"/>
+              <a:t>max-gradient</a:t>
+            </a:r>
+            <a:endParaRPr lang="es-ES_tradnl" altLang="en-US" sz="1100"/>
+          </a:p>
+          <a:p>
+            <a:pPr lvl="1"/>
+            <a:r>
+              <a:rPr lang="es-ES_tradnl" altLang="en-US" sz="1100"/>
+              <a:t>mean-gradient</a:t>
+            </a:r>
+            <a:endParaRPr lang="es-ES_tradnl" altLang="en-US" sz="1100"/>
+          </a:p>
+        </p:txBody>
+      </p:sp>
+      <p:sp>
+        <p:nvSpPr>
+          <p:cNvPr id="21" name="Rectangles 20"/>
+          <p:cNvSpPr/>
+          <p:nvPr/>
+        </p:nvSpPr>
+        <p:spPr>
+          <a:xfrm>
+            <a:off x="10514330" y="1861820"/>
+            <a:ext cx="558800" cy="121920"/>
+          </a:xfrm>
+          <a:prstGeom prst="rect">
+            <a:avLst/>
+          </a:prstGeom>
+          <a:solidFill>
+            <a:srgbClr val="B0D3D3"/>
+          </a:solidFill>
+          <a:ln>
+            <a:noFill/>
+          </a:ln>
+        </p:spPr>
+        <p:style>
+          <a:lnRef idx="2">
+            <a:schemeClr val="accent1">
+              <a:shade val="50000"/>
+            </a:schemeClr>
+          </a:lnRef>
+          <a:fillRef idx="1">
+            <a:schemeClr val="accent1"/>
+          </a:fillRef>
+          <a:effectRef idx="0">
+            <a:schemeClr val="accent1"/>
+          </a:effectRef>
+          <a:fontRef idx="minor">
+            <a:schemeClr val="lt1"/>
+          </a:fontRef>
+        </p:style>
+        <p:txBody>
+          <a:bodyPr rtlCol="0" anchor="ctr"/>
+          <a:p>
+            <a:pPr algn="ctr"/>
+            <a:endParaRPr lang="en-US"/>
+          </a:p>
+        </p:txBody>
+      </p:sp>
+      <p:sp>
+        <p:nvSpPr>
+          <p:cNvPr id="22" name="Rectangles 21"/>
+          <p:cNvSpPr/>
+          <p:nvPr/>
+        </p:nvSpPr>
+        <p:spPr>
+          <a:xfrm>
+            <a:off x="10514330" y="2014220"/>
+            <a:ext cx="558165" cy="121920"/>
+          </a:xfrm>
+          <a:prstGeom prst="rect">
+            <a:avLst/>
+          </a:prstGeom>
+          <a:solidFill>
+            <a:srgbClr val="85A5E2"/>
+          </a:solidFill>
+          <a:ln>
+            <a:noFill/>
+          </a:ln>
+        </p:spPr>
+        <p:style>
+          <a:lnRef idx="2">
+            <a:schemeClr val="accent1">
+              <a:shade val="50000"/>
+            </a:schemeClr>
+          </a:lnRef>
+          <a:fillRef idx="1">
+            <a:schemeClr val="accent1"/>
+          </a:fillRef>
+          <a:effectRef idx="0">
+            <a:schemeClr val="accent1"/>
+          </a:effectRef>
+          <a:fontRef idx="minor">
+            <a:schemeClr val="lt1"/>
+          </a:fontRef>
+        </p:style>
+        <p:txBody>
+          <a:bodyPr rtlCol="0" anchor="ctr"/>
+          <a:p>
+            <a:pPr algn="ctr"/>
+            <a:endParaRPr lang="en-US"/>
+          </a:p>
+        </p:txBody>
+      </p:sp>
+      <p:sp>
+        <p:nvSpPr>
+          <p:cNvPr id="25" name="Text Box 24"/>
+          <p:cNvSpPr txBox="1"/>
+          <p:nvPr/>
+        </p:nvSpPr>
+        <p:spPr>
+          <a:xfrm>
+            <a:off x="5346065" y="4743450"/>
+            <a:ext cx="1315720" cy="275590"/>
+          </a:xfrm>
+          <a:prstGeom prst="rect">
+            <a:avLst/>
+          </a:prstGeom>
+          <a:noFill/>
+        </p:spPr>
+        <p:txBody>
+          <a:bodyPr wrap="square" rtlCol="0">
+            <a:spAutoFit/>
+          </a:bodyPr>
+          <a:p>
+            <a:pPr lvl="1"/>
+            <a:r>
+              <a:rPr lang="es-ES_tradnl" altLang="en-US" sz="1200"/>
+              <a:t>Layers</a:t>
+            </a:r>
+            <a:endParaRPr lang="es-ES_tradnl" altLang="en-US" sz="1200"/>
+          </a:p>
+        </p:txBody>
+      </p:sp>
+      <p:sp>
+        <p:nvSpPr>
+          <p:cNvPr id="26" name="Text Box 25"/>
+          <p:cNvSpPr txBox="1"/>
+          <p:nvPr/>
+        </p:nvSpPr>
+        <p:spPr>
+          <a:xfrm>
+            <a:off x="5295265" y="1040130"/>
+            <a:ext cx="1315720" cy="275590"/>
+          </a:xfrm>
+          <a:prstGeom prst="rect">
+            <a:avLst/>
+          </a:prstGeom>
+          <a:noFill/>
+        </p:spPr>
+        <p:txBody>
+          <a:bodyPr wrap="square" rtlCol="0">
+            <a:spAutoFit/>
+          </a:bodyPr>
+          <a:p>
+            <a:pPr lvl="1"/>
+            <a:r>
+              <a:rPr lang="es-ES_tradnl" altLang="en-US" sz="1200"/>
+              <a:t>Epoch0</a:t>
+            </a:r>
+            <a:endParaRPr lang="es-ES_tradnl" altLang="en-US" sz="1200"/>
+          </a:p>
+        </p:txBody>
+      </p:sp>
+    </p:spTree>
+  </p:cSld>
+  <p:clrMapOvr>
+    <a:masterClrMapping/>
+  </p:clrMapOvr>
+</p:sld>
+</file>
+
+<file path=ppt/slides/slide21.xml><?xml version="1.0" encoding="utf-8"?>
+<p:sld xmlns:a="http://schemas.openxmlformats.org/drawingml/2006/main" xmlns:r="http://schemas.openxmlformats.org/officeDocument/2006/relationships" xmlns:p="http://schemas.openxmlformats.org/presentationml/2006/main">
+  <p:cSld>
+    <p:spTree>
+      <p:nvGrpSpPr>
+        <p:cNvPr id="1" name=""/>
+        <p:cNvGrpSpPr/>
+        <p:nvPr/>
+      </p:nvGrpSpPr>
+      <p:grpSpPr>
+        <a:xfrm>
+          <a:off x="0" y="0"/>
+          <a:ext cx="0" cy="0"/>
+          <a:chOff x="0" y="0"/>
+          <a:chExt cx="0" cy="0"/>
+        </a:xfrm>
+      </p:grpSpPr>
+      <p:pic>
+        <p:nvPicPr>
+          <p:cNvPr id="3" name="Picture 2" descr="gradientst30-epoch3"/>
+          <p:cNvPicPr>
+            <a:picLocks noChangeAspect="1"/>
+          </p:cNvPicPr>
+          <p:nvPr/>
+        </p:nvPicPr>
+        <p:blipFill>
+          <a:blip r:embed="rId1"/>
+          <a:srcRect l="2042"/>
+          <a:stretch>
+            <a:fillRect/>
+          </a:stretch>
+        </p:blipFill>
+        <p:spPr>
+          <a:xfrm>
+            <a:off x="566420" y="1729105"/>
+            <a:ext cx="11622405" cy="3065145"/>
+          </a:xfrm>
+          <a:prstGeom prst="rect">
+            <a:avLst/>
+          </a:prstGeom>
+        </p:spPr>
+      </p:pic>
+      <p:pic>
+        <p:nvPicPr>
+          <p:cNvPr id="9" name="Picture 8"/>
+          <p:cNvPicPr>
+            <a:picLocks noChangeAspect="1"/>
+          </p:cNvPicPr>
+          <p:nvPr/>
+        </p:nvPicPr>
+        <p:blipFill>
+          <a:blip r:embed="rId2"/>
+          <a:stretch>
+            <a:fillRect/>
+          </a:stretch>
+        </p:blipFill>
+        <p:spPr>
+          <a:xfrm>
+            <a:off x="286385" y="4035425"/>
+            <a:ext cx="251460" cy="138430"/>
+          </a:xfrm>
+          <a:prstGeom prst="rect">
+            <a:avLst/>
+          </a:prstGeom>
+        </p:spPr>
+      </p:pic>
+      <p:pic>
+        <p:nvPicPr>
+          <p:cNvPr id="10" name="Picture 9"/>
+          <p:cNvPicPr>
+            <a:picLocks noChangeAspect="1"/>
+          </p:cNvPicPr>
+          <p:nvPr/>
+        </p:nvPicPr>
+        <p:blipFill>
+          <a:blip r:embed="rId3"/>
+          <a:stretch>
+            <a:fillRect/>
+          </a:stretch>
+        </p:blipFill>
+        <p:spPr>
+          <a:xfrm>
+            <a:off x="275590" y="4626610"/>
+            <a:ext cx="273685" cy="150495"/>
+          </a:xfrm>
+          <a:prstGeom prst="rect">
+            <a:avLst/>
+          </a:prstGeom>
+        </p:spPr>
+      </p:pic>
+      <p:pic>
+        <p:nvPicPr>
+          <p:cNvPr id="12" name="Picture 11"/>
+          <p:cNvPicPr>
+            <a:picLocks noChangeAspect="1"/>
+          </p:cNvPicPr>
+          <p:nvPr/>
+        </p:nvPicPr>
+        <p:blipFill>
+          <a:blip r:embed="rId4"/>
+          <a:stretch>
+            <a:fillRect/>
+          </a:stretch>
+        </p:blipFill>
+        <p:spPr>
+          <a:xfrm>
+            <a:off x="372110" y="2085975"/>
+            <a:ext cx="186690" cy="140335"/>
+          </a:xfrm>
+          <a:prstGeom prst="rect">
+            <a:avLst/>
+          </a:prstGeom>
+        </p:spPr>
+      </p:pic>
+      <p:pic>
+        <p:nvPicPr>
+          <p:cNvPr id="13" name="Picture 12"/>
+          <p:cNvPicPr>
+            <a:picLocks noChangeAspect="1"/>
+          </p:cNvPicPr>
+          <p:nvPr/>
+        </p:nvPicPr>
+        <p:blipFill>
+          <a:blip r:embed="rId5"/>
+          <a:stretch>
+            <a:fillRect/>
+          </a:stretch>
+        </p:blipFill>
+        <p:spPr>
+          <a:xfrm>
+            <a:off x="292100" y="2731770"/>
+            <a:ext cx="267970" cy="147320"/>
+          </a:xfrm>
+          <a:prstGeom prst="rect">
+            <a:avLst/>
+          </a:prstGeom>
+        </p:spPr>
+      </p:pic>
+      <p:pic>
+        <p:nvPicPr>
+          <p:cNvPr id="14" name="Picture 13"/>
+          <p:cNvPicPr>
+            <a:picLocks noChangeAspect="1"/>
+          </p:cNvPicPr>
+          <p:nvPr/>
+        </p:nvPicPr>
+        <p:blipFill>
+          <a:blip r:embed="rId6"/>
+          <a:stretch>
+            <a:fillRect/>
+          </a:stretch>
+        </p:blipFill>
+        <p:spPr>
+          <a:xfrm>
+            <a:off x="292100" y="3394075"/>
+            <a:ext cx="266700" cy="146685"/>
+          </a:xfrm>
+          <a:prstGeom prst="rect">
+            <a:avLst/>
+          </a:prstGeom>
+        </p:spPr>
+      </p:pic>
+      <p:sp>
+        <p:nvSpPr>
+          <p:cNvPr id="17" name="Text Box 16"/>
+          <p:cNvSpPr txBox="1"/>
+          <p:nvPr/>
+        </p:nvSpPr>
+        <p:spPr>
+          <a:xfrm rot="16200000">
+            <a:off x="-495935" y="3382645"/>
+            <a:ext cx="1315720" cy="275590"/>
+          </a:xfrm>
+          <a:prstGeom prst="rect">
+            <a:avLst/>
+          </a:prstGeom>
+          <a:noFill/>
+        </p:spPr>
+        <p:txBody>
+          <a:bodyPr wrap="square" rtlCol="0">
+            <a:spAutoFit/>
+          </a:bodyPr>
+          <a:p>
+            <a:pPr lvl="1"/>
+            <a:r>
+              <a:rPr lang="es-ES_tradnl" altLang="en-US" sz="1200"/>
+              <a:t>Gradient</a:t>
+            </a:r>
+            <a:endParaRPr lang="es-ES_tradnl" altLang="en-US" sz="1200"/>
+          </a:p>
+        </p:txBody>
+      </p:sp>
+      <p:sp>
+        <p:nvSpPr>
+          <p:cNvPr id="18" name="Rectangles 17"/>
+          <p:cNvSpPr/>
+          <p:nvPr/>
+        </p:nvSpPr>
+        <p:spPr>
+          <a:xfrm>
+            <a:off x="10514330" y="1765300"/>
+            <a:ext cx="1615440" cy="558165"/>
+          </a:xfrm>
+          <a:prstGeom prst="rect">
+            <a:avLst/>
+          </a:prstGeom>
+          <a:solidFill>
+            <a:schemeClr val="bg1"/>
+          </a:solidFill>
+          <a:ln>
+            <a:noFill/>
+          </a:ln>
+        </p:spPr>
+        <p:style>
+          <a:lnRef idx="2">
+            <a:schemeClr val="accent1">
+              <a:shade val="50000"/>
+            </a:schemeClr>
+          </a:lnRef>
+          <a:fillRef idx="1">
+            <a:schemeClr val="accent1"/>
+          </a:fillRef>
+          <a:effectRef idx="0">
+            <a:schemeClr val="accent1"/>
+          </a:effectRef>
+          <a:fontRef idx="minor">
+            <a:schemeClr val="lt1"/>
+          </a:fontRef>
+        </p:style>
+        <p:txBody>
+          <a:bodyPr rtlCol="0" anchor="ctr"/>
+          <a:p>
+            <a:pPr algn="ctr"/>
+            <a:endParaRPr lang="en-US"/>
+          </a:p>
+        </p:txBody>
+      </p:sp>
+      <p:sp>
+        <p:nvSpPr>
+          <p:cNvPr id="19" name="Text Box 18"/>
+          <p:cNvSpPr txBox="1"/>
+          <p:nvPr/>
+        </p:nvSpPr>
+        <p:spPr>
+          <a:xfrm>
+            <a:off x="10563225" y="1788795"/>
+            <a:ext cx="1583690" cy="429895"/>
+          </a:xfrm>
+          <a:prstGeom prst="rect">
+            <a:avLst/>
+          </a:prstGeom>
+          <a:noFill/>
+        </p:spPr>
+        <p:txBody>
+          <a:bodyPr wrap="square" rtlCol="0">
+            <a:spAutoFit/>
+          </a:bodyPr>
+          <a:p>
+            <a:pPr lvl="1"/>
+            <a:r>
+              <a:rPr lang="es-ES_tradnl" altLang="en-US" sz="1100"/>
+              <a:t>max-gradient</a:t>
+            </a:r>
+            <a:endParaRPr lang="es-ES_tradnl" altLang="en-US" sz="1100"/>
+          </a:p>
+          <a:p>
+            <a:pPr lvl="1"/>
+            <a:r>
+              <a:rPr lang="es-ES_tradnl" altLang="en-US" sz="1100"/>
+              <a:t>mean-gradient</a:t>
+            </a:r>
+            <a:endParaRPr lang="es-ES_tradnl" altLang="en-US" sz="1100"/>
+          </a:p>
+        </p:txBody>
+      </p:sp>
+      <p:sp>
+        <p:nvSpPr>
+          <p:cNvPr id="21" name="Rectangles 20"/>
+          <p:cNvSpPr/>
+          <p:nvPr/>
+        </p:nvSpPr>
+        <p:spPr>
+          <a:xfrm>
+            <a:off x="10514330" y="1861820"/>
+            <a:ext cx="558800" cy="121920"/>
+          </a:xfrm>
+          <a:prstGeom prst="rect">
+            <a:avLst/>
+          </a:prstGeom>
+          <a:solidFill>
+            <a:srgbClr val="B0D3D3"/>
+          </a:solidFill>
+          <a:ln>
+            <a:noFill/>
+          </a:ln>
+        </p:spPr>
+        <p:style>
+          <a:lnRef idx="2">
+            <a:schemeClr val="accent1">
+              <a:shade val="50000"/>
+            </a:schemeClr>
+          </a:lnRef>
+          <a:fillRef idx="1">
+            <a:schemeClr val="accent1"/>
+          </a:fillRef>
+          <a:effectRef idx="0">
+            <a:schemeClr val="accent1"/>
+          </a:effectRef>
+          <a:fontRef idx="minor">
+            <a:schemeClr val="lt1"/>
+          </a:fontRef>
+        </p:style>
+        <p:txBody>
+          <a:bodyPr rtlCol="0" anchor="ctr"/>
+          <a:p>
+            <a:pPr algn="ctr"/>
+            <a:endParaRPr lang="en-US"/>
+          </a:p>
+        </p:txBody>
+      </p:sp>
+      <p:sp>
+        <p:nvSpPr>
+          <p:cNvPr id="22" name="Rectangles 21"/>
+          <p:cNvSpPr/>
+          <p:nvPr/>
+        </p:nvSpPr>
+        <p:spPr>
+          <a:xfrm>
+            <a:off x="10514330" y="2014220"/>
+            <a:ext cx="558165" cy="121920"/>
+          </a:xfrm>
+          <a:prstGeom prst="rect">
+            <a:avLst/>
+          </a:prstGeom>
+          <a:solidFill>
+            <a:srgbClr val="85A5E2"/>
+          </a:solidFill>
+          <a:ln>
+            <a:noFill/>
+          </a:ln>
+        </p:spPr>
+        <p:style>
+          <a:lnRef idx="2">
+            <a:schemeClr val="accent1">
+              <a:shade val="50000"/>
+            </a:schemeClr>
+          </a:lnRef>
+          <a:fillRef idx="1">
+            <a:schemeClr val="accent1"/>
+          </a:fillRef>
+          <a:effectRef idx="0">
+            <a:schemeClr val="accent1"/>
+          </a:effectRef>
+          <a:fontRef idx="minor">
+            <a:schemeClr val="lt1"/>
+          </a:fontRef>
+        </p:style>
+        <p:txBody>
+          <a:bodyPr rtlCol="0" anchor="ctr"/>
+          <a:p>
+            <a:pPr algn="ctr"/>
+            <a:endParaRPr lang="en-US"/>
+          </a:p>
+        </p:txBody>
+      </p:sp>
+      <p:sp>
+        <p:nvSpPr>
+          <p:cNvPr id="25" name="Text Box 24"/>
+          <p:cNvSpPr txBox="1"/>
+          <p:nvPr/>
+        </p:nvSpPr>
+        <p:spPr>
+          <a:xfrm>
+            <a:off x="5346065" y="4743450"/>
+            <a:ext cx="1315720" cy="275590"/>
+          </a:xfrm>
+          <a:prstGeom prst="rect">
+            <a:avLst/>
+          </a:prstGeom>
+          <a:noFill/>
+        </p:spPr>
+        <p:txBody>
+          <a:bodyPr wrap="square" rtlCol="0">
+            <a:spAutoFit/>
+          </a:bodyPr>
+          <a:p>
+            <a:pPr lvl="1"/>
+            <a:r>
+              <a:rPr lang="es-ES_tradnl" altLang="en-US" sz="1200"/>
+              <a:t>Layers</a:t>
+            </a:r>
+            <a:endParaRPr lang="es-ES_tradnl" altLang="en-US" sz="1200"/>
+          </a:p>
+        </p:txBody>
+      </p:sp>
+      <p:sp>
+        <p:nvSpPr>
+          <p:cNvPr id="26" name="Text Box 25"/>
+          <p:cNvSpPr txBox="1"/>
+          <p:nvPr/>
+        </p:nvSpPr>
+        <p:spPr>
+          <a:xfrm>
+            <a:off x="5295265" y="1040130"/>
+            <a:ext cx="1315720" cy="275590"/>
+          </a:xfrm>
+          <a:prstGeom prst="rect">
+            <a:avLst/>
+          </a:prstGeom>
+          <a:noFill/>
+        </p:spPr>
+        <p:txBody>
+          <a:bodyPr wrap="square" rtlCol="0">
+            <a:spAutoFit/>
+          </a:bodyPr>
+          <a:p>
+            <a:pPr lvl="1"/>
+            <a:r>
+              <a:rPr lang="es-ES_tradnl" altLang="en-US" sz="1200"/>
+              <a:t>Epoch3</a:t>
+            </a:r>
+            <a:endParaRPr lang="es-ES_tradnl" altLang="en-US" sz="1200"/>
           </a:p>
         </p:txBody>
       </p:sp>

--- a/draws.pptx
+++ b/draws.pptx
@@ -7597,7 +7597,7 @@
                 </a:solidFill>
                 <a:cs typeface="+mn-lt"/>
               </a:rPr>
-              <a:t>3.2 Reconociminto por TCR</a:t>
+              <a:t>3.2 Predicción de la afinidad pMHC y TCR</a:t>
             </a:r>
             <a:endParaRPr lang="es-ES_tradnl" altLang="en-US" sz="1200">
               <a:solidFill>

--- a/draws.pptx
+++ b/draws.pptx
@@ -19,13 +19,14 @@
     <p:sldId id="280" r:id="rId14"/>
     <p:sldId id="265" r:id="rId15"/>
     <p:sldId id="283" r:id="rId16"/>
-    <p:sldId id="287" r:id="rId17"/>
-    <p:sldId id="285" r:id="rId18"/>
-    <p:sldId id="268" r:id="rId19"/>
-    <p:sldId id="290" r:id="rId20"/>
-    <p:sldId id="292" r:id="rId21"/>
-    <p:sldId id="293" r:id="rId22"/>
-    <p:sldId id="294" r:id="rId23"/>
+    <p:sldId id="295" r:id="rId17"/>
+    <p:sldId id="287" r:id="rId18"/>
+    <p:sldId id="285" r:id="rId19"/>
+    <p:sldId id="268" r:id="rId20"/>
+    <p:sldId id="290" r:id="rId21"/>
+    <p:sldId id="292" r:id="rId22"/>
+    <p:sldId id="293" r:id="rId23"/>
+    <p:sldId id="294" r:id="rId24"/>
   </p:sldIdLst>
   <p:sldSz cx="12192000" cy="6858000"/>
   <p:notesSz cx="6858000" cy="9144000"/>
@@ -7788,7 +7789,7 @@
         </p:nvSpPr>
         <p:spPr>
           <a:xfrm>
-            <a:off x="6931660" y="1961515"/>
+            <a:off x="1227455" y="1828165"/>
             <a:ext cx="1506220" cy="1154430"/>
           </a:xfrm>
           <a:prstGeom prst="roundRect">
@@ -7835,7 +7836,7 @@
                 </a:solidFill>
                 <a:cs typeface="+mn-lt"/>
               </a:rPr>
-              <a:t>2. Neoantigen candidates detection</a:t>
+              <a:t>2. Detección de neoantígenos</a:t>
             </a:r>
             <a:endParaRPr lang="es-ES_tradnl" altLang="en-US" sz="1200">
               <a:solidFill>
@@ -7854,7 +7855,7 @@
         </p:nvSpPr>
         <p:spPr>
           <a:xfrm>
-            <a:off x="6931025" y="3216910"/>
+            <a:off x="1226820" y="3083560"/>
             <a:ext cx="1520825" cy="1187450"/>
           </a:xfrm>
           <a:prstGeom prst="roundRect">
@@ -7901,7 +7902,7 @@
                 </a:solidFill>
                 <a:cs typeface="+mn-lt"/>
               </a:rPr>
-              <a:t>3. Neoantigen prioritization</a:t>
+              <a:t>3. Priorización de neoantígenos</a:t>
             </a:r>
             <a:endParaRPr lang="es-ES_tradnl" altLang="en-US" sz="1200">
               <a:solidFill>
@@ -7920,7 +7921,7 @@
         </p:nvSpPr>
         <p:spPr>
           <a:xfrm>
-            <a:off x="6932295" y="5121275"/>
+            <a:off x="1228090" y="4987925"/>
             <a:ext cx="3940810" cy="427355"/>
           </a:xfrm>
           <a:prstGeom prst="roundRect">
@@ -7967,7 +7968,7 @@
                 </a:solidFill>
                 <a:cs typeface="+mn-lt"/>
               </a:rPr>
-              <a:t>5. Clinical trials</a:t>
+              <a:t>5. Aplicación clínica</a:t>
             </a:r>
             <a:endParaRPr lang="es-ES_tradnl" altLang="en-US" sz="1200">
               <a:solidFill>
@@ -7980,30 +7981,6 @@
           </a:p>
         </p:txBody>
       </p:sp>
-      <p:pic>
-        <p:nvPicPr>
-          <p:cNvPr id="2" name="Picture 1" descr="vaccine_pipeline"/>
-          <p:cNvPicPr>
-            <a:picLocks noChangeAspect="1"/>
-          </p:cNvPicPr>
-          <p:nvPr/>
-        </p:nvPicPr>
-        <p:blipFill>
-          <a:blip r:embed="rId1"/>
-          <a:stretch>
-            <a:fillRect/>
-          </a:stretch>
-        </p:blipFill>
-        <p:spPr>
-          <a:xfrm>
-            <a:off x="1141730" y="1370965"/>
-            <a:ext cx="5278120" cy="4177665"/>
-          </a:xfrm>
-          <a:prstGeom prst="rect">
-            <a:avLst/>
-          </a:prstGeom>
-        </p:spPr>
-      </p:pic>
       <p:sp>
         <p:nvSpPr>
           <p:cNvPr id="4" name="Rounded Rectangle 3"/>
@@ -8012,7 +7989,7 @@
         </p:nvSpPr>
         <p:spPr>
           <a:xfrm>
-            <a:off x="8664575" y="2360295"/>
+            <a:off x="2960370" y="2226945"/>
             <a:ext cx="2221230" cy="299720"/>
           </a:xfrm>
           <a:prstGeom prst="roundRect">
@@ -8059,7 +8036,7 @@
                 </a:solidFill>
                 <a:cs typeface="+mn-lt"/>
               </a:rPr>
-              <a:t>2.2 Variant calling</a:t>
+              <a:t>2.2 Llamado de variantes</a:t>
             </a:r>
             <a:endParaRPr lang="es-ES_tradnl" altLang="en-US" sz="1200">
               <a:solidFill>
@@ -8078,7 +8055,7 @@
         </p:nvSpPr>
         <p:spPr>
           <a:xfrm>
-            <a:off x="8664575" y="2757805"/>
+            <a:off x="2960370" y="2624455"/>
             <a:ext cx="2221230" cy="338455"/>
           </a:xfrm>
           <a:prstGeom prst="roundRect">
@@ -8125,7 +8102,7 @@
                 </a:solidFill>
                 <a:cs typeface="+mn-lt"/>
               </a:rPr>
-              <a:t>2.3 Variant annotation</a:t>
+              <a:t>2.3 Anotación de variantes</a:t>
             </a:r>
             <a:endParaRPr lang="es-ES_tradnl" altLang="en-US" sz="1200">
               <a:solidFill>
@@ -8144,8 +8121,72 @@
         </p:nvSpPr>
         <p:spPr>
           <a:xfrm>
-            <a:off x="8664575" y="1961515"/>
+            <a:off x="2960370" y="1829435"/>
             <a:ext cx="2221230" cy="299720"/>
+          </a:xfrm>
+          <a:prstGeom prst="roundRect">
+            <a:avLst/>
+          </a:prstGeom>
+          <a:solidFill>
+            <a:schemeClr val="accent1">
+              <a:lumMod val="20000"/>
+              <a:lumOff val="80000"/>
+            </a:schemeClr>
+          </a:solidFill>
+          <a:ln>
+            <a:solidFill>
+              <a:srgbClr val="2E75B6"/>
+            </a:solidFill>
+          </a:ln>
+        </p:spPr>
+        <p:style>
+          <a:lnRef idx="2">
+            <a:schemeClr val="accent1">
+              <a:shade val="50000"/>
+            </a:schemeClr>
+          </a:lnRef>
+          <a:fillRef idx="1">
+            <a:schemeClr val="accent1"/>
+          </a:fillRef>
+          <a:effectRef idx="0">
+            <a:schemeClr val="accent1"/>
+          </a:effectRef>
+          <a:fontRef idx="minor">
+            <a:schemeClr val="lt1"/>
+          </a:fontRef>
+        </p:style>
+        <p:txBody>
+          <a:bodyPr rtlCol="0" anchor="ctr"/>
+          <a:p>
+            <a:pPr algn="l"/>
+            <a:r>
+              <a:rPr lang="es-ES_tradnl" altLang="en-US" sz="1200">
+                <a:solidFill>
+                  <a:srgbClr val="2E75B6"/>
+                </a:solidFill>
+                <a:cs typeface="+mn-lt"/>
+              </a:rPr>
+              <a:t>2.1 Alineamiento</a:t>
+            </a:r>
+            <a:endParaRPr lang="es-ES_tradnl" altLang="en-US" sz="1200">
+              <a:solidFill>
+                <a:srgbClr val="2E75B6"/>
+              </a:solidFill>
+              <a:cs typeface="+mn-lt"/>
+            </a:endParaRPr>
+          </a:p>
+        </p:txBody>
+      </p:sp>
+      <p:sp>
+        <p:nvSpPr>
+          <p:cNvPr id="7" name="Rounded Rectangle 6"/>
+          <p:cNvSpPr/>
+          <p:nvPr/>
+        </p:nvSpPr>
+        <p:spPr>
+          <a:xfrm>
+            <a:off x="2947670" y="3136900"/>
+            <a:ext cx="2221230" cy="541020"/>
           </a:xfrm>
           <a:prstGeom prst="roundRect">
             <a:avLst/>
@@ -8191,7 +8232,7 @@
                 </a:solidFill>
                 <a:cs typeface="+mn-lt"/>
               </a:rPr>
-              <a:t>2.1 Alignment</a:t>
+              <a:t>3.1 Predicción de la unión pMHC </a:t>
             </a:r>
             <a:endParaRPr lang="es-ES_tradnl" altLang="en-US" sz="1200">
               <a:solidFill>
@@ -8204,14 +8245,14 @@
       </p:sp>
       <p:sp>
         <p:nvSpPr>
-          <p:cNvPr id="7" name="Rounded Rectangle 6"/>
-          <p:cNvSpPr/>
-          <p:nvPr/>
-        </p:nvSpPr>
-        <p:spPr>
-          <a:xfrm>
-            <a:off x="8651875" y="3270250"/>
-            <a:ext cx="2221230" cy="541020"/>
+          <p:cNvPr id="9" name="Rounded Rectangle 8"/>
+          <p:cNvSpPr/>
+          <p:nvPr/>
+        </p:nvSpPr>
+        <p:spPr>
+          <a:xfrm>
+            <a:off x="2947670" y="3796030"/>
+            <a:ext cx="2221230" cy="427990"/>
           </a:xfrm>
           <a:prstGeom prst="roundRect">
             <a:avLst/>
@@ -8257,7 +8298,7 @@
                 </a:solidFill>
                 <a:cs typeface="+mn-lt"/>
               </a:rPr>
-              <a:t>3.1 Peptide-MHC binding prediction</a:t>
+              <a:t>3.2 Predicción de la unión pMHC-TCR</a:t>
             </a:r>
             <a:endParaRPr lang="es-ES_tradnl" altLang="en-US" sz="1200">
               <a:solidFill>
@@ -8270,14 +8311,287 @@
       </p:sp>
       <p:sp>
         <p:nvSpPr>
-          <p:cNvPr id="9" name="Rounded Rectangle 8"/>
-          <p:cNvSpPr/>
-          <p:nvPr/>
-        </p:nvSpPr>
-        <p:spPr>
-          <a:xfrm>
-            <a:off x="8651875" y="3929380"/>
-            <a:ext cx="2221230" cy="427990"/>
+          <p:cNvPr id="17" name="Rounded Rectangle 16"/>
+          <p:cNvSpPr/>
+          <p:nvPr/>
+        </p:nvSpPr>
+        <p:spPr>
+          <a:xfrm>
+            <a:off x="1240155" y="1241425"/>
+            <a:ext cx="3923030" cy="427355"/>
+          </a:xfrm>
+          <a:prstGeom prst="roundRect">
+            <a:avLst/>
+          </a:prstGeom>
+          <a:solidFill>
+            <a:schemeClr val="accent6">
+              <a:lumMod val="20000"/>
+              <a:lumOff val="80000"/>
+            </a:schemeClr>
+          </a:solidFill>
+          <a:ln>
+            <a:solidFill>
+              <a:schemeClr val="accent6"/>
+            </a:solidFill>
+          </a:ln>
+        </p:spPr>
+        <p:style>
+          <a:lnRef idx="2">
+            <a:schemeClr val="accent1">
+              <a:shade val="50000"/>
+            </a:schemeClr>
+          </a:lnRef>
+          <a:fillRef idx="1">
+            <a:schemeClr val="accent1"/>
+          </a:fillRef>
+          <a:effectRef idx="0">
+            <a:schemeClr val="accent1"/>
+          </a:effectRef>
+          <a:fontRef idx="minor">
+            <a:schemeClr val="lt1"/>
+          </a:fontRef>
+        </p:style>
+        <p:txBody>
+          <a:bodyPr rtlCol="0" anchor="ctr"/>
+          <a:p>
+            <a:pPr algn="ctr"/>
+            <a:r>
+              <a:rPr lang="es-ES_tradnl" altLang="en-US" sz="1200">
+                <a:solidFill>
+                  <a:schemeClr val="accent6">
+                    <a:lumMod val="75000"/>
+                  </a:schemeClr>
+                </a:solidFill>
+                <a:cs typeface="+mn-lt"/>
+              </a:rPr>
+              <a:t> 1. Muestreo y secuenciamiento</a:t>
+            </a:r>
+            <a:endParaRPr lang="es-ES_tradnl" altLang="en-US" sz="1200">
+              <a:solidFill>
+                <a:schemeClr val="accent6">
+                  <a:lumMod val="75000"/>
+                </a:schemeClr>
+              </a:solidFill>
+              <a:cs typeface="+mn-lt"/>
+            </a:endParaRPr>
+          </a:p>
+        </p:txBody>
+      </p:sp>
+      <p:sp>
+        <p:nvSpPr>
+          <p:cNvPr id="18" name="Rounded Rectangle 17"/>
+          <p:cNvSpPr/>
+          <p:nvPr/>
+        </p:nvSpPr>
+        <p:spPr>
+          <a:xfrm>
+            <a:off x="1225550" y="4415790"/>
+            <a:ext cx="3949700" cy="427355"/>
+          </a:xfrm>
+          <a:prstGeom prst="roundRect">
+            <a:avLst/>
+          </a:prstGeom>
+          <a:solidFill>
+            <a:schemeClr val="accent6">
+              <a:lumMod val="20000"/>
+              <a:lumOff val="80000"/>
+            </a:schemeClr>
+          </a:solidFill>
+          <a:ln>
+            <a:solidFill>
+              <a:schemeClr val="accent6"/>
+            </a:solidFill>
+          </a:ln>
+        </p:spPr>
+        <p:style>
+          <a:lnRef idx="2">
+            <a:schemeClr val="accent1">
+              <a:shade val="50000"/>
+            </a:schemeClr>
+          </a:lnRef>
+          <a:fillRef idx="1">
+            <a:schemeClr val="accent1"/>
+          </a:fillRef>
+          <a:effectRef idx="0">
+            <a:schemeClr val="accent1"/>
+          </a:effectRef>
+          <a:fontRef idx="minor">
+            <a:schemeClr val="lt1"/>
+          </a:fontRef>
+        </p:style>
+        <p:txBody>
+          <a:bodyPr rtlCol="0" anchor="ctr"/>
+          <a:p>
+            <a:pPr algn="ctr"/>
+            <a:r>
+              <a:rPr lang="es-ES_tradnl" altLang="en-US" sz="1200">
+                <a:solidFill>
+                  <a:schemeClr val="accent6">
+                    <a:lumMod val="75000"/>
+                  </a:schemeClr>
+                </a:solidFill>
+                <a:cs typeface="+mn-lt"/>
+              </a:rPr>
+              <a:t>4. Diseño de la vacuna </a:t>
+            </a:r>
+            <a:r>
+              <a:rPr lang="es-ES_tradnl" altLang="en-US" sz="1200" i="1">
+                <a:solidFill>
+                  <a:schemeClr val="accent6">
+                    <a:lumMod val="75000"/>
+                  </a:schemeClr>
+                </a:solidFill>
+                <a:cs typeface="+mn-lt"/>
+              </a:rPr>
+              <a:t>in vitro</a:t>
+            </a:r>
+            <a:endParaRPr lang="es-ES_tradnl" altLang="en-US" sz="1200" i="1">
+              <a:solidFill>
+                <a:schemeClr val="accent6">
+                  <a:lumMod val="75000"/>
+                </a:schemeClr>
+              </a:solidFill>
+              <a:cs typeface="+mn-lt"/>
+            </a:endParaRPr>
+          </a:p>
+        </p:txBody>
+      </p:sp>
+      <p:sp>
+        <p:nvSpPr>
+          <p:cNvPr id="3" name="Rounded Rectangle 2"/>
+          <p:cNvSpPr/>
+          <p:nvPr/>
+        </p:nvSpPr>
+        <p:spPr>
+          <a:xfrm>
+            <a:off x="5923915" y="1241425"/>
+            <a:ext cx="2000250" cy="408940"/>
+          </a:xfrm>
+          <a:prstGeom prst="roundRect">
+            <a:avLst/>
+          </a:prstGeom>
+          <a:noFill/>
+          <a:ln>
+            <a:solidFill>
+              <a:schemeClr val="accent1">
+                <a:lumMod val="50000"/>
+              </a:schemeClr>
+            </a:solidFill>
+          </a:ln>
+        </p:spPr>
+        <p:style>
+          <a:lnRef idx="2">
+            <a:schemeClr val="accent1">
+              <a:shade val="50000"/>
+            </a:schemeClr>
+          </a:lnRef>
+          <a:fillRef idx="1">
+            <a:schemeClr val="accent1"/>
+          </a:fillRef>
+          <a:effectRef idx="0">
+            <a:schemeClr val="accent1"/>
+          </a:effectRef>
+          <a:fontRef idx="minor">
+            <a:schemeClr val="lt1"/>
+          </a:fontRef>
+        </p:style>
+        <p:txBody>
+          <a:bodyPr rtlCol="0" anchor="ctr"/>
+          <a:p>
+            <a:pPr algn="ctr"/>
+            <a:r>
+              <a:rPr lang="es-ES_tradnl" altLang="en-US" sz="1200">
+                <a:solidFill>
+                  <a:srgbClr val="2E75B6"/>
+                </a:solidFill>
+                <a:cs typeface="+mn-lt"/>
+                <a:sym typeface="+mn-ea"/>
+              </a:rPr>
+              <a:t>Péptido</a:t>
+            </a:r>
+            <a:endParaRPr lang="es-ES_tradnl" altLang="en-US" sz="1200">
+              <a:solidFill>
+                <a:schemeClr val="accent1">
+                  <a:lumMod val="50000"/>
+                </a:schemeClr>
+              </a:solidFill>
+              <a:latin typeface="TeX Gyre Bonum Math" panose="02000503000000000000" charset="0"/>
+              <a:cs typeface="TeX Gyre Bonum Math" panose="02000503000000000000" charset="0"/>
+              <a:sym typeface="+mn-ea"/>
+            </a:endParaRPr>
+          </a:p>
+        </p:txBody>
+      </p:sp>
+      <p:sp>
+        <p:nvSpPr>
+          <p:cNvPr id="8" name="Rounded Rectangle 7"/>
+          <p:cNvSpPr/>
+          <p:nvPr/>
+        </p:nvSpPr>
+        <p:spPr>
+          <a:xfrm>
+            <a:off x="8369935" y="1241425"/>
+            <a:ext cx="2000250" cy="408305"/>
+          </a:xfrm>
+          <a:prstGeom prst="roundRect">
+            <a:avLst/>
+          </a:prstGeom>
+          <a:noFill/>
+          <a:ln>
+            <a:solidFill>
+              <a:srgbClr val="41719C"/>
+            </a:solidFill>
+          </a:ln>
+        </p:spPr>
+        <p:style>
+          <a:lnRef idx="2">
+            <a:schemeClr val="accent1">
+              <a:shade val="50000"/>
+            </a:schemeClr>
+          </a:lnRef>
+          <a:fillRef idx="1">
+            <a:schemeClr val="accent1"/>
+          </a:fillRef>
+          <a:effectRef idx="0">
+            <a:schemeClr val="accent1"/>
+          </a:effectRef>
+          <a:fontRef idx="minor">
+            <a:schemeClr val="lt1"/>
+          </a:fontRef>
+        </p:style>
+        <p:txBody>
+          <a:bodyPr rtlCol="0" anchor="ctr"/>
+          <a:p>
+            <a:pPr algn="ctr"/>
+            <a:r>
+              <a:rPr lang="es-ES_tradnl" altLang="en-US" sz="1200">
+                <a:solidFill>
+                  <a:srgbClr val="2E75B6"/>
+                </a:solidFill>
+                <a:cs typeface="+mn-lt"/>
+              </a:rPr>
+              <a:t>MHC</a:t>
+            </a:r>
+            <a:endParaRPr lang="es-ES_tradnl" sz="1400">
+              <a:solidFill>
+                <a:schemeClr val="tx1"/>
+              </a:solidFill>
+              <a:latin typeface="TeX Gyre Bonum Math" panose="02000503000000000000" charset="0"/>
+              <a:cs typeface="TeX Gyre Bonum Math" panose="02000503000000000000" charset="0"/>
+            </a:endParaRPr>
+          </a:p>
+        </p:txBody>
+      </p:sp>
+      <p:sp>
+        <p:nvSpPr>
+          <p:cNvPr id="10" name="Rounded Rectangle 9"/>
+          <p:cNvSpPr/>
+          <p:nvPr/>
+        </p:nvSpPr>
+        <p:spPr>
+          <a:xfrm>
+            <a:off x="5923915" y="2571750"/>
+            <a:ext cx="4445635" cy="1171575"/>
           </a:xfrm>
           <a:prstGeom prst="roundRect">
             <a:avLst/>
@@ -8315,7 +8629,34 @@
         <p:txBody>
           <a:bodyPr rtlCol="0" anchor="ctr"/>
           <a:p>
-            <a:pPr algn="l"/>
+            <a:pPr algn="ctr"/>
+            <a:r>
+              <a:rPr lang="es-ES_tradnl" altLang="en-US" sz="1200" b="1">
+                <a:solidFill>
+                  <a:srgbClr val="2E75B6"/>
+                </a:solidFill>
+                <a:cs typeface="+mn-lt"/>
+              </a:rPr>
+              <a:t>Transformer pre-entrenado</a:t>
+            </a:r>
+            <a:endParaRPr lang="es-ES_tradnl" altLang="en-US" sz="1200" b="1">
+              <a:solidFill>
+                <a:srgbClr val="2E75B6"/>
+              </a:solidFill>
+              <a:cs typeface="+mn-lt"/>
+            </a:endParaRPr>
+          </a:p>
+          <a:p>
+            <a:pPr algn="ctr"/>
+            <a:endParaRPr lang="es-ES_tradnl" altLang="en-US" sz="1200">
+              <a:solidFill>
+                <a:srgbClr val="2E75B6"/>
+              </a:solidFill>
+              <a:cs typeface="+mn-lt"/>
+            </a:endParaRPr>
+          </a:p>
+          <a:p>
+            <a:pPr algn="ctr"/>
             <a:r>
               <a:rPr lang="es-ES_tradnl" altLang="en-US" sz="1200">
                 <a:solidFill>
@@ -8323,40 +8664,163 @@
                 </a:solidFill>
                 <a:cs typeface="+mn-lt"/>
               </a:rPr>
-              <a:t>3.2 pMHC-TCR binding prediction</a:t>
+              <a:t>TAPE, ProtBert-BFD, ESM2(t6)</a:t>
+            </a:r>
+            <a:r>
+              <a:rPr lang="es-ES_tradnl" altLang="en-US" sz="1200">
+                <a:solidFill>
+                  <a:srgbClr val="2E75B6"/>
+                </a:solidFill>
+                <a:cs typeface="+mn-lt"/>
+                <a:sym typeface="+mn-ea"/>
+              </a:rPr>
+              <a:t>, ESM2(t12), ESM2(t30) y ESM2(t33)</a:t>
             </a:r>
             <a:endParaRPr lang="es-ES_tradnl" altLang="en-US" sz="1200">
               <a:solidFill>
                 <a:srgbClr val="2E75B6"/>
               </a:solidFill>
               <a:cs typeface="+mn-lt"/>
-            </a:endParaRPr>
-          </a:p>
-        </p:txBody>
-      </p:sp>
-      <p:sp>
-        <p:nvSpPr>
-          <p:cNvPr id="17" name="Rounded Rectangle 16"/>
-          <p:cNvSpPr/>
-          <p:nvPr/>
-        </p:nvSpPr>
-        <p:spPr>
-          <a:xfrm>
-            <a:off x="6944360" y="1374775"/>
-            <a:ext cx="3923030" cy="427355"/>
+              <a:sym typeface="+mn-ea"/>
+            </a:endParaRPr>
+          </a:p>
+        </p:txBody>
+      </p:sp>
+      <p:sp>
+        <p:nvSpPr>
+          <p:cNvPr id="15" name="Rounded Rectangle 14"/>
+          <p:cNvSpPr/>
+          <p:nvPr/>
+        </p:nvSpPr>
+        <p:spPr>
+          <a:xfrm>
+            <a:off x="5922010" y="4987925"/>
+            <a:ext cx="4445635" cy="427355"/>
           </a:xfrm>
           <a:prstGeom prst="roundRect">
             <a:avLst/>
           </a:prstGeom>
+          <a:noFill/>
+          <a:ln>
+            <a:solidFill>
+              <a:srgbClr val="41719C"/>
+            </a:solidFill>
+          </a:ln>
+        </p:spPr>
+        <p:style>
+          <a:lnRef idx="2">
+            <a:schemeClr val="accent1">
+              <a:shade val="50000"/>
+            </a:schemeClr>
+          </a:lnRef>
+          <a:fillRef idx="1">
+            <a:schemeClr val="accent1"/>
+          </a:fillRef>
+          <a:effectRef idx="0">
+            <a:schemeClr val="accent1"/>
+          </a:effectRef>
+          <a:fontRef idx="minor">
+            <a:schemeClr val="lt1"/>
+          </a:fontRef>
+        </p:style>
+        <p:txBody>
+          <a:bodyPr rtlCol="0" anchor="ctr"/>
+          <a:p>
+            <a:pPr algn="ctr"/>
+            <a:r>
+              <a:rPr lang="es-ES_tradnl" altLang="en-US" sz="1200">
+                <a:solidFill>
+                  <a:srgbClr val="2E75B6"/>
+                </a:solidFill>
+                <a:cs typeface="+mn-lt"/>
+              </a:rPr>
+              <a:t>Predicción de la unión pMHC</a:t>
+            </a:r>
+            <a:endParaRPr lang="es-ES_tradnl" altLang="en-US" sz="1200">
+              <a:solidFill>
+                <a:srgbClr val="2E75B6"/>
+              </a:solidFill>
+              <a:cs typeface="+mn-lt"/>
+            </a:endParaRPr>
+          </a:p>
+        </p:txBody>
+      </p:sp>
+      <p:sp>
+        <p:nvSpPr>
+          <p:cNvPr id="12" name="Down Arrow 11"/>
+          <p:cNvSpPr/>
+          <p:nvPr/>
+        </p:nvSpPr>
+        <p:spPr>
+          <a:xfrm>
+            <a:off x="6788785" y="1724660"/>
+            <a:ext cx="269875" cy="117475"/>
+          </a:xfrm>
+          <a:prstGeom prst="downArrow">
+            <a:avLst/>
+          </a:prstGeom>
           <a:solidFill>
-            <a:schemeClr val="accent6">
+            <a:schemeClr val="accent1">
+              <a:lumMod val="40000"/>
+              <a:lumOff val="60000"/>
+            </a:schemeClr>
+          </a:solidFill>
+          <a:ln>
+            <a:noFill/>
+          </a:ln>
+        </p:spPr>
+        <p:style>
+          <a:lnRef idx="2">
+            <a:schemeClr val="accent1">
+              <a:shade val="50000"/>
+            </a:schemeClr>
+          </a:lnRef>
+          <a:fillRef idx="1">
+            <a:schemeClr val="accent1"/>
+          </a:fillRef>
+          <a:effectRef idx="0">
+            <a:schemeClr val="accent1"/>
+          </a:effectRef>
+          <a:fontRef idx="minor">
+            <a:schemeClr val="lt1"/>
+          </a:fontRef>
+        </p:style>
+        <p:txBody>
+          <a:bodyPr rtlCol="0" anchor="ctr"/>
+          <a:p>
+            <a:pPr algn="ctr"/>
+            <a:endParaRPr lang="en-US" sz="1400">
+              <a:latin typeface="TeX Gyre Bonum Math" panose="02000503000000000000" charset="0"/>
+              <a:cs typeface="TeX Gyre Bonum Math" panose="02000503000000000000" charset="0"/>
+            </a:endParaRPr>
+          </a:p>
+        </p:txBody>
+      </p:sp>
+      <p:sp>
+        <p:nvSpPr>
+          <p:cNvPr id="20" name="Rounded Rectangle 19"/>
+          <p:cNvSpPr/>
+          <p:nvPr/>
+        </p:nvSpPr>
+        <p:spPr>
+          <a:xfrm>
+            <a:off x="5923280" y="4002405"/>
+            <a:ext cx="4445635" cy="714375"/>
+          </a:xfrm>
+          <a:prstGeom prst="roundRect">
+            <a:avLst/>
+          </a:prstGeom>
+          <a:solidFill>
+            <a:schemeClr val="accent1">
               <a:lumMod val="20000"/>
               <a:lumOff val="80000"/>
             </a:schemeClr>
           </a:solidFill>
           <a:ln>
             <a:solidFill>
-              <a:schemeClr val="accent6"/>
+              <a:schemeClr val="accent1">
+                <a:lumMod val="75000"/>
+              </a:schemeClr>
             </a:solidFill>
           </a:ln>
         </p:spPr>
@@ -8381,50 +8845,100 @@
           <a:p>
             <a:pPr algn="ctr"/>
             <a:r>
-              <a:rPr lang="es-ES_tradnl" altLang="en-US" sz="1200">
+              <a:rPr lang="es-ES_tradnl" altLang="en-US" sz="1200" b="1">
                 <a:solidFill>
-                  <a:schemeClr val="accent6">
-                    <a:lumMod val="75000"/>
-                  </a:schemeClr>
+                  <a:srgbClr val="2E75B6"/>
                 </a:solidFill>
                 <a:cs typeface="+mn-lt"/>
               </a:rPr>
-              <a:t> 1. Sampling and sequencing</a:t>
-            </a:r>
-            <a:endParaRPr lang="es-ES_tradnl" altLang="en-US" sz="1200">
+              <a:t>BiLSTM</a:t>
+            </a:r>
+            <a:endParaRPr lang="es-ES_tradnl" altLang="en-US" sz="1200" b="1">
               <a:solidFill>
-                <a:schemeClr val="accent6">
-                  <a:lumMod val="75000"/>
-                </a:schemeClr>
+                <a:srgbClr val="2E75B6"/>
               </a:solidFill>
-              <a:cs typeface="+mn-lt"/>
-            </a:endParaRPr>
-          </a:p>
-        </p:txBody>
-      </p:sp>
-      <p:sp>
-        <p:nvSpPr>
-          <p:cNvPr id="18" name="Rounded Rectangle 17"/>
-          <p:cNvSpPr/>
-          <p:nvPr/>
-        </p:nvSpPr>
-        <p:spPr>
-          <a:xfrm>
-            <a:off x="6929755" y="4549140"/>
-            <a:ext cx="3949700" cy="427355"/>
+              <a:latin typeface="TeX Gyre Bonum Math" panose="02000503000000000000" charset="0"/>
+              <a:cs typeface="TeX Gyre Bonum Math" panose="02000503000000000000" charset="0"/>
+            </a:endParaRPr>
+          </a:p>
+        </p:txBody>
+      </p:sp>
+      <p:sp>
+        <p:nvSpPr>
+          <p:cNvPr id="23" name="Down Arrow 22"/>
+          <p:cNvSpPr/>
+          <p:nvPr/>
+        </p:nvSpPr>
+        <p:spPr>
+          <a:xfrm>
+            <a:off x="8009890" y="4803775"/>
+            <a:ext cx="269875" cy="117475"/>
+          </a:xfrm>
+          <a:prstGeom prst="downArrow">
+            <a:avLst/>
+          </a:prstGeom>
+          <a:solidFill>
+            <a:schemeClr val="accent1">
+              <a:lumMod val="40000"/>
+              <a:lumOff val="60000"/>
+            </a:schemeClr>
+          </a:solidFill>
+          <a:ln>
+            <a:noFill/>
+          </a:ln>
+        </p:spPr>
+        <p:style>
+          <a:lnRef idx="2">
+            <a:schemeClr val="accent1">
+              <a:shade val="50000"/>
+            </a:schemeClr>
+          </a:lnRef>
+          <a:fillRef idx="1">
+            <a:schemeClr val="accent1"/>
+          </a:fillRef>
+          <a:effectRef idx="0">
+            <a:schemeClr val="accent1"/>
+          </a:effectRef>
+          <a:fontRef idx="minor">
+            <a:schemeClr val="lt1"/>
+          </a:fontRef>
+        </p:style>
+        <p:txBody>
+          <a:bodyPr rtlCol="0" anchor="ctr"/>
+          <a:p>
+            <a:pPr algn="ctr"/>
+            <a:endParaRPr lang="en-US" sz="1400">
+              <a:latin typeface="TeX Gyre Bonum Math" panose="02000503000000000000" charset="0"/>
+              <a:cs typeface="TeX Gyre Bonum Math" panose="02000503000000000000" charset="0"/>
+            </a:endParaRPr>
+          </a:p>
+        </p:txBody>
+      </p:sp>
+      <p:sp>
+        <p:nvSpPr>
+          <p:cNvPr id="24" name="Rounded Rectangle 23"/>
+          <p:cNvSpPr/>
+          <p:nvPr/>
+        </p:nvSpPr>
+        <p:spPr>
+          <a:xfrm>
+            <a:off x="5920740" y="1909445"/>
+            <a:ext cx="4446905" cy="408305"/>
           </a:xfrm>
           <a:prstGeom prst="roundRect">
             <a:avLst/>
           </a:prstGeom>
           <a:solidFill>
-            <a:schemeClr val="accent6">
+            <a:schemeClr val="accent1">
               <a:lumMod val="20000"/>
               <a:lumOff val="80000"/>
             </a:schemeClr>
           </a:solidFill>
           <a:ln>
             <a:solidFill>
-              <a:schemeClr val="accent6"/>
+              <a:schemeClr val="accent1">
+                <a:lumMod val="75000"/>
+              </a:schemeClr>
             </a:solidFill>
           </a:ln>
         </p:spPr>
@@ -8451,22 +8965,225 @@
             <a:r>
               <a:rPr lang="es-ES_tradnl" altLang="en-US" sz="1200">
                 <a:solidFill>
-                  <a:schemeClr val="accent6">
-                    <a:lumMod val="75000"/>
-                  </a:schemeClr>
+                  <a:srgbClr val="2E75B6"/>
                 </a:solidFill>
                 <a:cs typeface="+mn-lt"/>
               </a:rPr>
-              <a:t>4. Vaccine development in-vitro</a:t>
+              <a:t>Concatenación y </a:t>
+            </a:r>
+            <a:r>
+              <a:rPr lang="es-ES_tradnl" altLang="en-US" sz="1200" i="1">
+                <a:solidFill>
+                  <a:srgbClr val="2E75B6"/>
+                </a:solidFill>
+                <a:cs typeface="+mn-lt"/>
+              </a:rPr>
+              <a:t>padding</a:t>
             </a:r>
             <a:endParaRPr lang="es-ES_tradnl" altLang="en-US" sz="1200" i="1">
               <a:solidFill>
-                <a:schemeClr val="accent6">
-                  <a:lumMod val="75000"/>
-                </a:schemeClr>
+                <a:srgbClr val="2E75B6"/>
               </a:solidFill>
               <a:cs typeface="+mn-lt"/>
             </a:endParaRPr>
+          </a:p>
+        </p:txBody>
+      </p:sp>
+      <p:sp>
+        <p:nvSpPr>
+          <p:cNvPr id="25" name="Down Arrow 24"/>
+          <p:cNvSpPr/>
+          <p:nvPr/>
+        </p:nvSpPr>
+        <p:spPr>
+          <a:xfrm>
+            <a:off x="9235440" y="1725295"/>
+            <a:ext cx="269875" cy="117475"/>
+          </a:xfrm>
+          <a:prstGeom prst="downArrow">
+            <a:avLst/>
+          </a:prstGeom>
+          <a:solidFill>
+            <a:schemeClr val="accent1">
+              <a:lumMod val="40000"/>
+              <a:lumOff val="60000"/>
+            </a:schemeClr>
+          </a:solidFill>
+          <a:ln>
+            <a:noFill/>
+          </a:ln>
+        </p:spPr>
+        <p:style>
+          <a:lnRef idx="2">
+            <a:schemeClr val="accent1">
+              <a:shade val="50000"/>
+            </a:schemeClr>
+          </a:lnRef>
+          <a:fillRef idx="1">
+            <a:schemeClr val="accent1"/>
+          </a:fillRef>
+          <a:effectRef idx="0">
+            <a:schemeClr val="accent1"/>
+          </a:effectRef>
+          <a:fontRef idx="minor">
+            <a:schemeClr val="lt1"/>
+          </a:fontRef>
+        </p:style>
+        <p:txBody>
+          <a:bodyPr rtlCol="0" anchor="ctr"/>
+          <a:p>
+            <a:pPr algn="ctr"/>
+            <a:endParaRPr lang="en-US" sz="1400">
+              <a:latin typeface="TeX Gyre Bonum Math" panose="02000503000000000000" charset="0"/>
+              <a:cs typeface="TeX Gyre Bonum Math" panose="02000503000000000000" charset="0"/>
+            </a:endParaRPr>
+          </a:p>
+        </p:txBody>
+      </p:sp>
+      <p:sp>
+        <p:nvSpPr>
+          <p:cNvPr id="26" name="Down Arrow 25"/>
+          <p:cNvSpPr/>
+          <p:nvPr/>
+        </p:nvSpPr>
+        <p:spPr>
+          <a:xfrm>
+            <a:off x="8011160" y="2396490"/>
+            <a:ext cx="269875" cy="117475"/>
+          </a:xfrm>
+          <a:prstGeom prst="downArrow">
+            <a:avLst/>
+          </a:prstGeom>
+          <a:solidFill>
+            <a:schemeClr val="accent1">
+              <a:lumMod val="40000"/>
+              <a:lumOff val="60000"/>
+            </a:schemeClr>
+          </a:solidFill>
+          <a:ln>
+            <a:noFill/>
+          </a:ln>
+        </p:spPr>
+        <p:style>
+          <a:lnRef idx="2">
+            <a:schemeClr val="accent1">
+              <a:shade val="50000"/>
+            </a:schemeClr>
+          </a:lnRef>
+          <a:fillRef idx="1">
+            <a:schemeClr val="accent1"/>
+          </a:fillRef>
+          <a:effectRef idx="0">
+            <a:schemeClr val="accent1"/>
+          </a:effectRef>
+          <a:fontRef idx="minor">
+            <a:schemeClr val="lt1"/>
+          </a:fontRef>
+        </p:style>
+        <p:txBody>
+          <a:bodyPr rtlCol="0" anchor="ctr"/>
+          <a:p>
+            <a:pPr algn="ctr"/>
+            <a:endParaRPr lang="en-US" sz="1400">
+              <a:latin typeface="TeX Gyre Bonum Math" panose="02000503000000000000" charset="0"/>
+              <a:cs typeface="TeX Gyre Bonum Math" panose="02000503000000000000" charset="0"/>
+            </a:endParaRPr>
+          </a:p>
+        </p:txBody>
+      </p:sp>
+      <p:sp>
+        <p:nvSpPr>
+          <p:cNvPr id="27" name="Down Arrow 26"/>
+          <p:cNvSpPr/>
+          <p:nvPr/>
+        </p:nvSpPr>
+        <p:spPr>
+          <a:xfrm>
+            <a:off x="8009890" y="3815080"/>
+            <a:ext cx="269875" cy="117475"/>
+          </a:xfrm>
+          <a:prstGeom prst="downArrow">
+            <a:avLst/>
+          </a:prstGeom>
+          <a:solidFill>
+            <a:schemeClr val="accent1">
+              <a:lumMod val="40000"/>
+              <a:lumOff val="60000"/>
+            </a:schemeClr>
+          </a:solidFill>
+          <a:ln>
+            <a:noFill/>
+          </a:ln>
+        </p:spPr>
+        <p:style>
+          <a:lnRef idx="2">
+            <a:schemeClr val="accent1">
+              <a:shade val="50000"/>
+            </a:schemeClr>
+          </a:lnRef>
+          <a:fillRef idx="1">
+            <a:schemeClr val="accent1"/>
+          </a:fillRef>
+          <a:effectRef idx="0">
+            <a:schemeClr val="accent1"/>
+          </a:effectRef>
+          <a:fontRef idx="minor">
+            <a:schemeClr val="lt1"/>
+          </a:fontRef>
+        </p:style>
+        <p:txBody>
+          <a:bodyPr rtlCol="0" anchor="ctr"/>
+          <a:p>
+            <a:pPr algn="ctr"/>
+            <a:endParaRPr lang="en-US" sz="1400">
+              <a:latin typeface="TeX Gyre Bonum Math" panose="02000503000000000000" charset="0"/>
+              <a:cs typeface="TeX Gyre Bonum Math" panose="02000503000000000000" charset="0"/>
+            </a:endParaRPr>
+          </a:p>
+        </p:txBody>
+      </p:sp>
+      <p:sp>
+        <p:nvSpPr>
+          <p:cNvPr id="28" name="Left Brace 27"/>
+          <p:cNvSpPr/>
+          <p:nvPr/>
+        </p:nvSpPr>
+        <p:spPr>
+          <a:xfrm>
+            <a:off x="5368925" y="1240790"/>
+            <a:ext cx="377825" cy="4174490"/>
+          </a:xfrm>
+          <a:prstGeom prst="leftBrace">
+            <a:avLst>
+              <a:gd name="adj1" fmla="val 8333"/>
+              <a:gd name="adj2" fmla="val 51323"/>
+            </a:avLst>
+          </a:prstGeom>
+          <a:ln w="9525">
+            <a:solidFill>
+              <a:srgbClr val="41719C"/>
+            </a:solidFill>
+          </a:ln>
+        </p:spPr>
+        <p:style>
+          <a:lnRef idx="1">
+            <a:schemeClr val="accent1"/>
+          </a:lnRef>
+          <a:fillRef idx="0">
+            <a:schemeClr val="accent1"/>
+          </a:fillRef>
+          <a:effectRef idx="0">
+            <a:schemeClr val="accent1"/>
+          </a:effectRef>
+          <a:fontRef idx="minor">
+            <a:schemeClr val="tx1"/>
+          </a:fontRef>
+        </p:style>
+        <p:txBody>
+          <a:bodyPr rtlCol="0" anchor="ctr"/>
+          <a:p>
+            <a:pPr algn="ctr"/>
+            <a:endParaRPr lang="en-US"/>
           </a:p>
         </p:txBody>
       </p:sp>
@@ -8503,13 +9220,11 @@
         </p:nvSpPr>
         <p:spPr>
           <a:xfrm>
-            <a:off x="2071370" y="1225550"/>
-            <a:ext cx="2422525" cy="1751965"/>
+            <a:off x="6931660" y="1961515"/>
+            <a:ext cx="1506220" cy="1154430"/>
           </a:xfrm>
           <a:prstGeom prst="roundRect">
-            <a:avLst>
-              <a:gd name="adj" fmla="val 8712"/>
-            </a:avLst>
+            <a:avLst/>
           </a:prstGeom>
           <a:solidFill>
             <a:schemeClr val="accent1">
@@ -8545,6 +9260,15 @@
           <a:bodyPr rtlCol="0" anchor="ctr"/>
           <a:p>
             <a:pPr algn="ctr"/>
+            <a:r>
+              <a:rPr lang="es-ES_tradnl" altLang="en-US" sz="1200">
+                <a:solidFill>
+                  <a:srgbClr val="2E75B6"/>
+                </a:solidFill>
+                <a:cs typeface="+mn-lt"/>
+              </a:rPr>
+              <a:t>2. Neoantigen candidates detection</a:t>
+            </a:r>
             <a:endParaRPr lang="es-ES_tradnl" altLang="en-US" sz="1200">
               <a:solidFill>
                 <a:srgbClr val="2E75B6"/>
@@ -8562,69 +9286,8 @@
         </p:nvSpPr>
         <p:spPr>
           <a:xfrm>
-            <a:off x="5570855" y="1225550"/>
-            <a:ext cx="2429510" cy="1703705"/>
-          </a:xfrm>
-          <a:prstGeom prst="roundRect">
-            <a:avLst>
-              <a:gd name="adj" fmla="val 7654"/>
-            </a:avLst>
-          </a:prstGeom>
-          <a:solidFill>
-            <a:schemeClr val="accent6">
-              <a:lumMod val="20000"/>
-              <a:lumOff val="80000"/>
-            </a:schemeClr>
-          </a:solidFill>
-          <a:ln>
-            <a:solidFill>
-              <a:schemeClr val="accent6">
-                <a:lumMod val="75000"/>
-              </a:schemeClr>
-            </a:solidFill>
-          </a:ln>
-        </p:spPr>
-        <p:style>
-          <a:lnRef idx="2">
-            <a:schemeClr val="accent1">
-              <a:shade val="50000"/>
-            </a:schemeClr>
-          </a:lnRef>
-          <a:fillRef idx="1">
-            <a:schemeClr val="accent1"/>
-          </a:fillRef>
-          <a:effectRef idx="0">
-            <a:schemeClr val="accent1"/>
-          </a:effectRef>
-          <a:fontRef idx="minor">
-            <a:schemeClr val="lt1"/>
-          </a:fontRef>
-        </p:style>
-        <p:txBody>
-          <a:bodyPr rtlCol="0" anchor="ctr"/>
-          <a:p>
-            <a:pPr algn="ctr"/>
-            <a:endParaRPr lang="es-ES_tradnl" altLang="en-US" sz="1200">
-              <a:solidFill>
-                <a:schemeClr val="accent6">
-                  <a:lumMod val="75000"/>
-                </a:schemeClr>
-              </a:solidFill>
-              <a:cs typeface="+mn-lt"/>
-            </a:endParaRPr>
-          </a:p>
-        </p:txBody>
-      </p:sp>
-      <p:sp>
-        <p:nvSpPr>
-          <p:cNvPr id="4" name="Rounded Rectangle 3"/>
-          <p:cNvSpPr/>
-          <p:nvPr/>
-        </p:nvSpPr>
-        <p:spPr>
-          <a:xfrm>
-            <a:off x="2322195" y="2063750"/>
-            <a:ext cx="1910080" cy="299720"/>
+            <a:off x="6931025" y="3216910"/>
+            <a:ext cx="1520825" cy="1187450"/>
           </a:xfrm>
           <a:prstGeom prst="roundRect">
             <a:avLst/>
@@ -8670,7 +9333,7 @@
                 </a:solidFill>
                 <a:cs typeface="+mn-lt"/>
               </a:rPr>
-              <a:t>Llamado de variantes</a:t>
+              <a:t>3. Neoantigen prioritization</a:t>
             </a:r>
             <a:endParaRPr lang="es-ES_tradnl" altLang="en-US" sz="1200">
               <a:solidFill>
@@ -8683,14 +9346,106 @@
       </p:sp>
       <p:sp>
         <p:nvSpPr>
-          <p:cNvPr id="5" name="Rounded Rectangle 4"/>
-          <p:cNvSpPr/>
-          <p:nvPr/>
-        </p:nvSpPr>
-        <p:spPr>
-          <a:xfrm>
-            <a:off x="2322195" y="2451100"/>
-            <a:ext cx="1904365" cy="338455"/>
+          <p:cNvPr id="16" name="Rounded Rectangle 15"/>
+          <p:cNvSpPr/>
+          <p:nvPr/>
+        </p:nvSpPr>
+        <p:spPr>
+          <a:xfrm>
+            <a:off x="6932295" y="5121275"/>
+            <a:ext cx="3940810" cy="427355"/>
+          </a:xfrm>
+          <a:prstGeom prst="roundRect">
+            <a:avLst/>
+          </a:prstGeom>
+          <a:solidFill>
+            <a:schemeClr val="accent2">
+              <a:lumMod val="20000"/>
+              <a:lumOff val="80000"/>
+            </a:schemeClr>
+          </a:solidFill>
+          <a:ln>
+            <a:solidFill>
+              <a:schemeClr val="accent2"/>
+            </a:solidFill>
+          </a:ln>
+        </p:spPr>
+        <p:style>
+          <a:lnRef idx="2">
+            <a:schemeClr val="accent1">
+              <a:shade val="50000"/>
+            </a:schemeClr>
+          </a:lnRef>
+          <a:fillRef idx="1">
+            <a:schemeClr val="accent1"/>
+          </a:fillRef>
+          <a:effectRef idx="0">
+            <a:schemeClr val="accent1"/>
+          </a:effectRef>
+          <a:fontRef idx="minor">
+            <a:schemeClr val="lt1"/>
+          </a:fontRef>
+        </p:style>
+        <p:txBody>
+          <a:bodyPr rtlCol="0" anchor="ctr"/>
+          <a:p>
+            <a:pPr algn="ctr"/>
+            <a:r>
+              <a:rPr lang="es-ES_tradnl" altLang="en-US" sz="1200">
+                <a:solidFill>
+                  <a:schemeClr val="accent2">
+                    <a:lumMod val="75000"/>
+                  </a:schemeClr>
+                </a:solidFill>
+                <a:cs typeface="+mn-lt"/>
+              </a:rPr>
+              <a:t>5. Clinical trials</a:t>
+            </a:r>
+            <a:endParaRPr lang="es-ES_tradnl" altLang="en-US" sz="1200">
+              <a:solidFill>
+                <a:schemeClr val="accent2">
+                  <a:lumMod val="75000"/>
+                </a:schemeClr>
+              </a:solidFill>
+              <a:cs typeface="+mn-lt"/>
+            </a:endParaRPr>
+          </a:p>
+        </p:txBody>
+      </p:sp>
+      <p:pic>
+        <p:nvPicPr>
+          <p:cNvPr id="2" name="Picture 1" descr="vaccine_pipeline"/>
+          <p:cNvPicPr>
+            <a:picLocks noChangeAspect="1"/>
+          </p:cNvPicPr>
+          <p:nvPr/>
+        </p:nvPicPr>
+        <p:blipFill>
+          <a:blip r:embed="rId1"/>
+          <a:stretch>
+            <a:fillRect/>
+          </a:stretch>
+        </p:blipFill>
+        <p:spPr>
+          <a:xfrm>
+            <a:off x="1141730" y="1370965"/>
+            <a:ext cx="5278120" cy="4177665"/>
+          </a:xfrm>
+          <a:prstGeom prst="rect">
+            <a:avLst/>
+          </a:prstGeom>
+        </p:spPr>
+      </p:pic>
+      <p:sp>
+        <p:nvSpPr>
+          <p:cNvPr id="4" name="Rounded Rectangle 3"/>
+          <p:cNvSpPr/>
+          <p:nvPr/>
+        </p:nvSpPr>
+        <p:spPr>
+          <a:xfrm>
+            <a:off x="8664575" y="2360295"/>
+            <a:ext cx="2221230" cy="299720"/>
           </a:xfrm>
           <a:prstGeom prst="roundRect">
             <a:avLst/>
@@ -8728,7 +9483,7 @@
         <p:txBody>
           <a:bodyPr rtlCol="0" anchor="ctr"/>
           <a:p>
-            <a:pPr algn="ctr"/>
+            <a:pPr algn="l"/>
             <a:r>
               <a:rPr lang="es-ES_tradnl" altLang="en-US" sz="1200">
                 <a:solidFill>
@@ -8736,7 +9491,7 @@
                 </a:solidFill>
                 <a:cs typeface="+mn-lt"/>
               </a:rPr>
-              <a:t>Anotación de variantes</a:t>
+              <a:t>2.2 Variant calling</a:t>
             </a:r>
             <a:endParaRPr lang="es-ES_tradnl" altLang="en-US" sz="1200">
               <a:solidFill>
@@ -8749,14 +9504,14 @@
       </p:sp>
       <p:sp>
         <p:nvSpPr>
-          <p:cNvPr id="6" name="Rounded Rectangle 5"/>
-          <p:cNvSpPr/>
-          <p:nvPr/>
-        </p:nvSpPr>
-        <p:spPr>
-          <a:xfrm>
-            <a:off x="2322195" y="1676400"/>
-            <a:ext cx="1910080" cy="299720"/>
+          <p:cNvPr id="5" name="Rounded Rectangle 4"/>
+          <p:cNvSpPr/>
+          <p:nvPr/>
+        </p:nvSpPr>
+        <p:spPr>
+          <a:xfrm>
+            <a:off x="8664575" y="2757805"/>
+            <a:ext cx="2221230" cy="338455"/>
           </a:xfrm>
           <a:prstGeom prst="roundRect">
             <a:avLst/>
@@ -8794,7 +9549,7 @@
         <p:txBody>
           <a:bodyPr rtlCol="0" anchor="ctr"/>
           <a:p>
-            <a:pPr algn="ctr"/>
+            <a:pPr algn="l"/>
             <a:r>
               <a:rPr lang="es-ES_tradnl" altLang="en-US" sz="1200">
                 <a:solidFill>
@@ -8802,7 +9557,7 @@
                 </a:solidFill>
                 <a:cs typeface="+mn-lt"/>
               </a:rPr>
-              <a:t>Alineamiento</a:t>
+              <a:t>2.3 Variant annotation</a:t>
             </a:r>
             <a:endParaRPr lang="es-ES_tradnl" altLang="en-US" sz="1200">
               <a:solidFill>
@@ -8815,14 +9570,212 @@
       </p:sp>
       <p:sp>
         <p:nvSpPr>
+          <p:cNvPr id="6" name="Rounded Rectangle 5"/>
+          <p:cNvSpPr/>
+          <p:nvPr/>
+        </p:nvSpPr>
+        <p:spPr>
+          <a:xfrm>
+            <a:off x="8664575" y="1961515"/>
+            <a:ext cx="2221230" cy="299720"/>
+          </a:xfrm>
+          <a:prstGeom prst="roundRect">
+            <a:avLst/>
+          </a:prstGeom>
+          <a:solidFill>
+            <a:schemeClr val="accent1">
+              <a:lumMod val="20000"/>
+              <a:lumOff val="80000"/>
+            </a:schemeClr>
+          </a:solidFill>
+          <a:ln>
+            <a:solidFill>
+              <a:schemeClr val="accent1">
+                <a:lumMod val="75000"/>
+              </a:schemeClr>
+            </a:solidFill>
+          </a:ln>
+        </p:spPr>
+        <p:style>
+          <a:lnRef idx="2">
+            <a:schemeClr val="accent1">
+              <a:shade val="50000"/>
+            </a:schemeClr>
+          </a:lnRef>
+          <a:fillRef idx="1">
+            <a:schemeClr val="accent1"/>
+          </a:fillRef>
+          <a:effectRef idx="0">
+            <a:schemeClr val="accent1"/>
+          </a:effectRef>
+          <a:fontRef idx="minor">
+            <a:schemeClr val="lt1"/>
+          </a:fontRef>
+        </p:style>
+        <p:txBody>
+          <a:bodyPr rtlCol="0" anchor="ctr"/>
+          <a:p>
+            <a:pPr algn="l"/>
+            <a:r>
+              <a:rPr lang="es-ES_tradnl" altLang="en-US" sz="1200">
+                <a:solidFill>
+                  <a:srgbClr val="2E75B6"/>
+                </a:solidFill>
+                <a:cs typeface="+mn-lt"/>
+              </a:rPr>
+              <a:t>2.1 Alignment</a:t>
+            </a:r>
+            <a:endParaRPr lang="es-ES_tradnl" altLang="en-US" sz="1200">
+              <a:solidFill>
+                <a:srgbClr val="2E75B6"/>
+              </a:solidFill>
+              <a:cs typeface="+mn-lt"/>
+            </a:endParaRPr>
+          </a:p>
+        </p:txBody>
+      </p:sp>
+      <p:sp>
+        <p:nvSpPr>
           <p:cNvPr id="7" name="Rounded Rectangle 6"/>
           <p:cNvSpPr/>
           <p:nvPr/>
         </p:nvSpPr>
         <p:spPr>
           <a:xfrm>
-            <a:off x="5757545" y="1680210"/>
-            <a:ext cx="2080895" cy="541020"/>
+            <a:off x="8651875" y="3270250"/>
+            <a:ext cx="2221230" cy="541020"/>
+          </a:xfrm>
+          <a:prstGeom prst="roundRect">
+            <a:avLst/>
+          </a:prstGeom>
+          <a:solidFill>
+            <a:schemeClr val="accent1">
+              <a:lumMod val="20000"/>
+              <a:lumOff val="80000"/>
+            </a:schemeClr>
+          </a:solidFill>
+          <a:ln>
+            <a:solidFill>
+              <a:schemeClr val="accent1">
+                <a:lumMod val="75000"/>
+              </a:schemeClr>
+            </a:solidFill>
+          </a:ln>
+        </p:spPr>
+        <p:style>
+          <a:lnRef idx="2">
+            <a:schemeClr val="accent1">
+              <a:shade val="50000"/>
+            </a:schemeClr>
+          </a:lnRef>
+          <a:fillRef idx="1">
+            <a:schemeClr val="accent1"/>
+          </a:fillRef>
+          <a:effectRef idx="0">
+            <a:schemeClr val="accent1"/>
+          </a:effectRef>
+          <a:fontRef idx="minor">
+            <a:schemeClr val="lt1"/>
+          </a:fontRef>
+        </p:style>
+        <p:txBody>
+          <a:bodyPr rtlCol="0" anchor="ctr"/>
+          <a:p>
+            <a:pPr algn="l"/>
+            <a:r>
+              <a:rPr lang="es-ES_tradnl" altLang="en-US" sz="1200">
+                <a:solidFill>
+                  <a:srgbClr val="2E75B6"/>
+                </a:solidFill>
+                <a:cs typeface="+mn-lt"/>
+              </a:rPr>
+              <a:t>3.1 Peptide-MHC binding prediction</a:t>
+            </a:r>
+            <a:endParaRPr lang="es-ES_tradnl" altLang="en-US" sz="1200">
+              <a:solidFill>
+                <a:srgbClr val="2E75B6"/>
+              </a:solidFill>
+              <a:cs typeface="+mn-lt"/>
+            </a:endParaRPr>
+          </a:p>
+        </p:txBody>
+      </p:sp>
+      <p:sp>
+        <p:nvSpPr>
+          <p:cNvPr id="9" name="Rounded Rectangle 8"/>
+          <p:cNvSpPr/>
+          <p:nvPr/>
+        </p:nvSpPr>
+        <p:spPr>
+          <a:xfrm>
+            <a:off x="8651875" y="3929380"/>
+            <a:ext cx="2221230" cy="427990"/>
+          </a:xfrm>
+          <a:prstGeom prst="roundRect">
+            <a:avLst/>
+          </a:prstGeom>
+          <a:solidFill>
+            <a:schemeClr val="accent1">
+              <a:lumMod val="20000"/>
+              <a:lumOff val="80000"/>
+            </a:schemeClr>
+          </a:solidFill>
+          <a:ln>
+            <a:solidFill>
+              <a:schemeClr val="accent1">
+                <a:lumMod val="75000"/>
+              </a:schemeClr>
+            </a:solidFill>
+          </a:ln>
+        </p:spPr>
+        <p:style>
+          <a:lnRef idx="2">
+            <a:schemeClr val="accent1">
+              <a:shade val="50000"/>
+            </a:schemeClr>
+          </a:lnRef>
+          <a:fillRef idx="1">
+            <a:schemeClr val="accent1"/>
+          </a:fillRef>
+          <a:effectRef idx="0">
+            <a:schemeClr val="accent1"/>
+          </a:effectRef>
+          <a:fontRef idx="minor">
+            <a:schemeClr val="lt1"/>
+          </a:fontRef>
+        </p:style>
+        <p:txBody>
+          <a:bodyPr rtlCol="0" anchor="ctr"/>
+          <a:p>
+            <a:pPr algn="l"/>
+            <a:r>
+              <a:rPr lang="es-ES_tradnl" altLang="en-US" sz="1200">
+                <a:solidFill>
+                  <a:srgbClr val="2E75B6"/>
+                </a:solidFill>
+                <a:cs typeface="+mn-lt"/>
+              </a:rPr>
+              <a:t>3.2 pMHC-TCR binding prediction</a:t>
+            </a:r>
+            <a:endParaRPr lang="es-ES_tradnl" altLang="en-US" sz="1200">
+              <a:solidFill>
+                <a:srgbClr val="2E75B6"/>
+              </a:solidFill>
+              <a:cs typeface="+mn-lt"/>
+            </a:endParaRPr>
+          </a:p>
+        </p:txBody>
+      </p:sp>
+      <p:sp>
+        <p:nvSpPr>
+          <p:cNvPr id="17" name="Rounded Rectangle 16"/>
+          <p:cNvSpPr/>
+          <p:nvPr/>
+        </p:nvSpPr>
+        <p:spPr>
+          <a:xfrm>
+            <a:off x="6944360" y="1374775"/>
+            <a:ext cx="3923030" cy="427355"/>
           </a:xfrm>
           <a:prstGeom prst="roundRect">
             <a:avLst/>
@@ -8835,9 +9788,7 @@
           </a:solidFill>
           <a:ln>
             <a:solidFill>
-              <a:schemeClr val="accent6">
-                <a:lumMod val="75000"/>
-              </a:schemeClr>
+              <a:schemeClr val="accent6"/>
             </a:solidFill>
           </a:ln>
         </p:spPr>
@@ -8870,7 +9821,7 @@
                 </a:solidFill>
                 <a:cs typeface="+mn-lt"/>
               </a:rPr>
-              <a:t>Predicción del enlace peptido y MHC (pMHC)</a:t>
+              <a:t> 1. Sampling and sequencing</a:t>
             </a:r>
             <a:endParaRPr lang="es-ES_tradnl" altLang="en-US" sz="1200">
               <a:solidFill>
@@ -8885,14 +9836,14 @@
       </p:sp>
       <p:sp>
         <p:nvSpPr>
-          <p:cNvPr id="9" name="Rounded Rectangle 8"/>
-          <p:cNvSpPr/>
-          <p:nvPr/>
-        </p:nvSpPr>
-        <p:spPr>
-          <a:xfrm>
-            <a:off x="5744845" y="2316480"/>
-            <a:ext cx="2081530" cy="427990"/>
+          <p:cNvPr id="18" name="Rounded Rectangle 17"/>
+          <p:cNvSpPr/>
+          <p:nvPr/>
+        </p:nvSpPr>
+        <p:spPr>
+          <a:xfrm>
+            <a:off x="6929755" y="4549140"/>
+            <a:ext cx="3949700" cy="427355"/>
           </a:xfrm>
           <a:prstGeom prst="roundRect">
             <a:avLst/>
@@ -8905,9 +9856,7 @@
           </a:solidFill>
           <a:ln>
             <a:solidFill>
-              <a:schemeClr val="accent6">
-                <a:lumMod val="75000"/>
-              </a:schemeClr>
+              <a:schemeClr val="accent6"/>
             </a:solidFill>
           </a:ln>
         </p:spPr>
@@ -8940,9 +9889,9 @@
                 </a:solidFill>
                 <a:cs typeface="+mn-lt"/>
               </a:rPr>
-              <a:t>Predicción del enlace pMHC-TCR</a:t>
-            </a:r>
-            <a:endParaRPr lang="es-ES_tradnl" altLang="en-US" sz="1200">
+              <a:t>4. Vaccine development in-vitro</a:t>
+            </a:r>
+            <a:endParaRPr lang="es-ES_tradnl" altLang="en-US" sz="1200" i="1">
               <a:solidFill>
                 <a:schemeClr val="accent6">
                   <a:lumMod val="75000"/>
@@ -8953,389 +9902,6 @@
           </a:p>
         </p:txBody>
       </p:sp>
-      <p:sp>
-        <p:nvSpPr>
-          <p:cNvPr id="3" name="Text Box 2"/>
-          <p:cNvSpPr txBox="1"/>
-          <p:nvPr/>
-        </p:nvSpPr>
-        <p:spPr>
-          <a:xfrm>
-            <a:off x="2731770" y="1271270"/>
-            <a:ext cx="1102360" cy="275590"/>
-          </a:xfrm>
-          <a:prstGeom prst="rect">
-            <a:avLst/>
-          </a:prstGeom>
-          <a:noFill/>
-        </p:spPr>
-        <p:txBody>
-          <a:bodyPr wrap="none" rtlCol="0" anchor="t">
-            <a:spAutoFit/>
-          </a:bodyPr>
-          <a:p>
-            <a:r>
-              <a:rPr lang="es-ES_tradnl" altLang="en-US" sz="1200">
-                <a:solidFill>
-                  <a:srgbClr val="2E75B6"/>
-                </a:solidFill>
-                <a:cs typeface="+mn-lt"/>
-                <a:sym typeface="+mn-ea"/>
-              </a:rPr>
-              <a:t>NeoArgosMut</a:t>
-            </a:r>
-            <a:endParaRPr lang="es-ES_tradnl" altLang="en-US" sz="1200">
-              <a:solidFill>
-                <a:srgbClr val="2E75B6"/>
-              </a:solidFill>
-              <a:cs typeface="+mn-lt"/>
-              <a:sym typeface="+mn-ea"/>
-            </a:endParaRPr>
-          </a:p>
-        </p:txBody>
-      </p:sp>
-      <p:sp>
-        <p:nvSpPr>
-          <p:cNvPr id="8" name="Text Box 7"/>
-          <p:cNvSpPr txBox="1"/>
-          <p:nvPr/>
-        </p:nvSpPr>
-        <p:spPr>
-          <a:xfrm>
-            <a:off x="6097905" y="1271270"/>
-            <a:ext cx="1374775" cy="275590"/>
-          </a:xfrm>
-          <a:prstGeom prst="rect">
-            <a:avLst/>
-          </a:prstGeom>
-          <a:noFill/>
-        </p:spPr>
-        <p:txBody>
-          <a:bodyPr wrap="none" rtlCol="0" anchor="t">
-            <a:spAutoFit/>
-          </a:bodyPr>
-          <a:p>
-            <a:r>
-              <a:rPr lang="es-ES_tradnl" altLang="en-US" sz="1200">
-                <a:solidFill>
-                  <a:schemeClr val="accent6">
-                    <a:lumMod val="75000"/>
-                  </a:schemeClr>
-                </a:solidFill>
-                <a:cs typeface="+mn-lt"/>
-                <a:sym typeface="+mn-ea"/>
-              </a:rPr>
-              <a:t>NeoArgosAntigen</a:t>
-            </a:r>
-            <a:endParaRPr lang="es-ES_tradnl" altLang="en-US" sz="1200">
-              <a:solidFill>
-                <a:schemeClr val="accent6">
-                  <a:lumMod val="75000"/>
-                </a:schemeClr>
-              </a:solidFill>
-              <a:cs typeface="+mn-lt"/>
-              <a:sym typeface="+mn-ea"/>
-            </a:endParaRPr>
-          </a:p>
-        </p:txBody>
-      </p:sp>
-      <p:sp>
-        <p:nvSpPr>
-          <p:cNvPr id="10" name="Text Box 9"/>
-          <p:cNvSpPr txBox="1"/>
-          <p:nvPr/>
-        </p:nvSpPr>
-        <p:spPr>
-          <a:xfrm>
-            <a:off x="843915" y="1746250"/>
-            <a:ext cx="812165" cy="645160"/>
-          </a:xfrm>
-          <a:prstGeom prst="rect">
-            <a:avLst/>
-          </a:prstGeom>
-          <a:noFill/>
-        </p:spPr>
-        <p:txBody>
-          <a:bodyPr wrap="none" rtlCol="0" anchor="t">
-            <a:spAutoFit/>
-          </a:bodyPr>
-          <a:p>
-            <a:pPr algn="ctr"/>
-            <a:r>
-              <a:rPr lang="es-ES_tradnl" altLang="en-US" sz="1200">
-                <a:solidFill>
-                  <a:schemeClr val="tx1"/>
-                </a:solidFill>
-                <a:cs typeface="+mn-lt"/>
-                <a:sym typeface="+mn-ea"/>
-              </a:rPr>
-              <a:t>DNA-seq</a:t>
-            </a:r>
-            <a:endParaRPr lang="es-ES_tradnl" altLang="en-US" sz="1200">
-              <a:solidFill>
-                <a:schemeClr val="tx1"/>
-              </a:solidFill>
-              <a:cs typeface="+mn-lt"/>
-              <a:sym typeface="+mn-ea"/>
-            </a:endParaRPr>
-          </a:p>
-          <a:p>
-            <a:pPr algn="ctr"/>
-            <a:r>
-              <a:rPr lang="es-ES_tradnl" altLang="en-US" sz="1200">
-                <a:solidFill>
-                  <a:schemeClr val="tx1"/>
-                </a:solidFill>
-                <a:cs typeface="+mn-lt"/>
-                <a:sym typeface="+mn-ea"/>
-              </a:rPr>
-              <a:t>RNA-seq</a:t>
-            </a:r>
-            <a:endParaRPr lang="es-ES_tradnl" altLang="en-US" sz="1200">
-              <a:solidFill>
-                <a:schemeClr val="tx1"/>
-              </a:solidFill>
-              <a:cs typeface="+mn-lt"/>
-              <a:sym typeface="+mn-ea"/>
-            </a:endParaRPr>
-          </a:p>
-          <a:p>
-            <a:pPr algn="ctr"/>
-            <a:r>
-              <a:rPr lang="es-ES_tradnl" altLang="en-US" sz="1200">
-                <a:solidFill>
-                  <a:schemeClr val="tx1"/>
-                </a:solidFill>
-                <a:cs typeface="+mn-lt"/>
-                <a:sym typeface="+mn-ea"/>
-              </a:rPr>
-              <a:t>datos MS</a:t>
-            </a:r>
-            <a:endParaRPr lang="es-ES_tradnl" altLang="en-US" sz="1200">
-              <a:solidFill>
-                <a:schemeClr val="tx1"/>
-              </a:solidFill>
-              <a:cs typeface="+mn-lt"/>
-              <a:sym typeface="+mn-ea"/>
-            </a:endParaRPr>
-          </a:p>
-        </p:txBody>
-      </p:sp>
-      <p:cxnSp>
-        <p:nvCxnSpPr>
-          <p:cNvPr id="11" name="Straight Arrow Connector 10"/>
-          <p:cNvCxnSpPr/>
-          <p:nvPr/>
-        </p:nvCxnSpPr>
-        <p:spPr>
-          <a:xfrm>
-            <a:off x="1607185" y="2065655"/>
-            <a:ext cx="371475" cy="3175"/>
-          </a:xfrm>
-          <a:prstGeom prst="straightConnector1">
-            <a:avLst/>
-          </a:prstGeom>
-          <a:ln w="12700" cmpd="sng">
-            <a:solidFill>
-              <a:schemeClr val="tx1"/>
-            </a:solidFill>
-            <a:prstDash val="solid"/>
-            <a:tailEnd type="arrow"/>
-          </a:ln>
-        </p:spPr>
-        <p:style>
-          <a:lnRef idx="1">
-            <a:schemeClr val="accent1"/>
-          </a:lnRef>
-          <a:fillRef idx="0">
-            <a:schemeClr val="accent1"/>
-          </a:fillRef>
-          <a:effectRef idx="0">
-            <a:schemeClr val="accent1"/>
-          </a:effectRef>
-          <a:fontRef idx="minor">
-            <a:schemeClr val="tx1"/>
-          </a:fontRef>
-        </p:style>
-      </p:cxnSp>
-      <p:cxnSp>
-        <p:nvCxnSpPr>
-          <p:cNvPr id="12" name="Straight Arrow Connector 11"/>
-          <p:cNvCxnSpPr/>
-          <p:nvPr/>
-        </p:nvCxnSpPr>
-        <p:spPr>
-          <a:xfrm>
-            <a:off x="4611370" y="2112010"/>
-            <a:ext cx="842645" cy="6350"/>
-          </a:xfrm>
-          <a:prstGeom prst="straightConnector1">
-            <a:avLst/>
-          </a:prstGeom>
-          <a:ln w="12700" cmpd="sng">
-            <a:solidFill>
-              <a:schemeClr val="tx1"/>
-            </a:solidFill>
-            <a:prstDash val="solid"/>
-            <a:tailEnd type="arrow"/>
-          </a:ln>
-        </p:spPr>
-        <p:style>
-          <a:lnRef idx="1">
-            <a:schemeClr val="accent1"/>
-          </a:lnRef>
-          <a:fillRef idx="0">
-            <a:schemeClr val="accent1"/>
-          </a:fillRef>
-          <a:effectRef idx="0">
-            <a:schemeClr val="accent1"/>
-          </a:effectRef>
-          <a:fontRef idx="minor">
-            <a:schemeClr val="tx1"/>
-          </a:fontRef>
-        </p:style>
-      </p:cxnSp>
-      <p:sp>
-        <p:nvSpPr>
-          <p:cNvPr id="15" name="Text Box 14"/>
-          <p:cNvSpPr txBox="1"/>
-          <p:nvPr/>
-        </p:nvSpPr>
-        <p:spPr>
-          <a:xfrm>
-            <a:off x="4476750" y="1608455"/>
-            <a:ext cx="1130300" cy="460375"/>
-          </a:xfrm>
-          <a:prstGeom prst="rect">
-            <a:avLst/>
-          </a:prstGeom>
-          <a:noFill/>
-        </p:spPr>
-        <p:txBody>
-          <a:bodyPr wrap="none" rtlCol="0" anchor="t">
-            <a:spAutoFit/>
-          </a:bodyPr>
-          <a:p>
-            <a:pPr algn="ctr"/>
-            <a:r>
-              <a:rPr lang="es-ES_tradnl" altLang="en-US" sz="1200">
-                <a:solidFill>
-                  <a:schemeClr val="tx1"/>
-                </a:solidFill>
-                <a:cs typeface="+mn-lt"/>
-                <a:sym typeface="+mn-ea"/>
-              </a:rPr>
-              <a:t>Neoantígenos</a:t>
-            </a:r>
-            <a:endParaRPr lang="es-ES_tradnl" altLang="en-US" sz="1200">
-              <a:solidFill>
-                <a:schemeClr val="tx1"/>
-              </a:solidFill>
-              <a:cs typeface="+mn-lt"/>
-              <a:sym typeface="+mn-ea"/>
-            </a:endParaRPr>
-          </a:p>
-          <a:p>
-            <a:pPr algn="ctr"/>
-            <a:r>
-              <a:rPr lang="es-ES_tradnl" altLang="en-US" sz="1200">
-                <a:solidFill>
-                  <a:schemeClr val="tx1"/>
-                </a:solidFill>
-                <a:cs typeface="+mn-lt"/>
-                <a:sym typeface="+mn-ea"/>
-              </a:rPr>
-              <a:t>candidatos</a:t>
-            </a:r>
-            <a:endParaRPr lang="es-ES_tradnl" altLang="en-US" sz="1200">
-              <a:solidFill>
-                <a:schemeClr val="tx1"/>
-              </a:solidFill>
-              <a:cs typeface="+mn-lt"/>
-              <a:sym typeface="+mn-ea"/>
-            </a:endParaRPr>
-          </a:p>
-        </p:txBody>
-      </p:sp>
-      <p:sp>
-        <p:nvSpPr>
-          <p:cNvPr id="19" name="Text Box 18"/>
-          <p:cNvSpPr txBox="1"/>
-          <p:nvPr/>
-        </p:nvSpPr>
-        <p:spPr>
-          <a:xfrm>
-            <a:off x="8388350" y="1945640"/>
-            <a:ext cx="1130300" cy="275590"/>
-          </a:xfrm>
-          <a:prstGeom prst="rect">
-            <a:avLst/>
-          </a:prstGeom>
-          <a:noFill/>
-        </p:spPr>
-        <p:txBody>
-          <a:bodyPr wrap="none" rtlCol="0" anchor="t">
-            <a:spAutoFit/>
-          </a:bodyPr>
-          <a:p>
-            <a:pPr algn="ctr"/>
-            <a:r>
-              <a:rPr lang="es-ES_tradnl" altLang="en-US" sz="1200">
-                <a:solidFill>
-                  <a:schemeClr val="tx1"/>
-                </a:solidFill>
-                <a:cs typeface="+mn-lt"/>
-                <a:sym typeface="+mn-ea"/>
-              </a:rPr>
-              <a:t>Neoantígenos</a:t>
-            </a:r>
-            <a:endParaRPr lang="es-ES_tradnl" altLang="en-US" sz="1200">
-              <a:solidFill>
-                <a:schemeClr val="tx1"/>
-              </a:solidFill>
-              <a:cs typeface="+mn-lt"/>
-              <a:sym typeface="+mn-ea"/>
-            </a:endParaRPr>
-          </a:p>
-        </p:txBody>
-      </p:sp>
-      <p:cxnSp>
-        <p:nvCxnSpPr>
-          <p:cNvPr id="20" name="Straight Arrow Connector 19"/>
-          <p:cNvCxnSpPr/>
-          <p:nvPr/>
-        </p:nvCxnSpPr>
-        <p:spPr>
-          <a:xfrm>
-            <a:off x="8084185" y="2105660"/>
-            <a:ext cx="336550" cy="5715"/>
-          </a:xfrm>
-          <a:prstGeom prst="straightConnector1">
-            <a:avLst/>
-          </a:prstGeom>
-          <a:ln w="12700" cmpd="sng">
-            <a:solidFill>
-              <a:schemeClr val="tx1"/>
-            </a:solidFill>
-            <a:prstDash val="solid"/>
-            <a:tailEnd type="arrow"/>
-          </a:ln>
-        </p:spPr>
-        <p:style>
-          <a:lnRef idx="1">
-            <a:schemeClr val="accent1"/>
-          </a:lnRef>
-          <a:fillRef idx="0">
-            <a:schemeClr val="accent1"/>
-          </a:fillRef>
-          <a:effectRef idx="0">
-            <a:schemeClr val="accent1"/>
-          </a:effectRef>
-          <a:fontRef idx="minor">
-            <a:schemeClr val="tx1"/>
-          </a:fontRef>
-        </p:style>
-      </p:cxnSp>
     </p:spTree>
   </p:cSld>
   <p:clrMapOvr>
@@ -9361,54 +9927,847 @@
           <a:chExt cx="0" cy="0"/>
         </a:xfrm>
       </p:grpSpPr>
-      <p:pic>
-        <p:nvPicPr>
-          <p:cNvPr id="2" name="Picture 1" descr="training_train_1train_2_train_3_"/>
-          <p:cNvPicPr>
-            <a:picLocks noChangeAspect="1"/>
-          </p:cNvPicPr>
-          <p:nvPr/>
-        </p:nvPicPr>
-        <p:blipFill>
-          <a:blip r:embed="rId1"/>
-          <a:stretch>
-            <a:fillRect/>
-          </a:stretch>
-        </p:blipFill>
-        <p:spPr>
-          <a:xfrm>
-            <a:off x="379730" y="882015"/>
-            <a:ext cx="5486400" cy="3657600"/>
+      <p:sp>
+        <p:nvSpPr>
+          <p:cNvPr id="13" name="Rounded Rectangle 12"/>
+          <p:cNvSpPr/>
+          <p:nvPr/>
+        </p:nvSpPr>
+        <p:spPr>
+          <a:xfrm>
+            <a:off x="2071370" y="1225550"/>
+            <a:ext cx="2422525" cy="1751965"/>
+          </a:xfrm>
+          <a:prstGeom prst="roundRect">
+            <a:avLst>
+              <a:gd name="adj" fmla="val 8712"/>
+            </a:avLst>
+          </a:prstGeom>
+          <a:solidFill>
+            <a:schemeClr val="accent1">
+              <a:lumMod val="20000"/>
+              <a:lumOff val="80000"/>
+            </a:schemeClr>
+          </a:solidFill>
+          <a:ln>
+            <a:solidFill>
+              <a:schemeClr val="accent1">
+                <a:lumMod val="75000"/>
+              </a:schemeClr>
+            </a:solidFill>
+          </a:ln>
+        </p:spPr>
+        <p:style>
+          <a:lnRef idx="2">
+            <a:schemeClr val="accent1">
+              <a:shade val="50000"/>
+            </a:schemeClr>
+          </a:lnRef>
+          <a:fillRef idx="1">
+            <a:schemeClr val="accent1"/>
+          </a:fillRef>
+          <a:effectRef idx="0">
+            <a:schemeClr val="accent1"/>
+          </a:effectRef>
+          <a:fontRef idx="minor">
+            <a:schemeClr val="lt1"/>
+          </a:fontRef>
+        </p:style>
+        <p:txBody>
+          <a:bodyPr rtlCol="0" anchor="ctr"/>
+          <a:p>
+            <a:pPr algn="ctr"/>
+            <a:endParaRPr lang="es-ES_tradnl" altLang="en-US" sz="1200">
+              <a:solidFill>
+                <a:srgbClr val="2E75B6"/>
+              </a:solidFill>
+              <a:cs typeface="+mn-lt"/>
+            </a:endParaRPr>
+          </a:p>
+        </p:txBody>
+      </p:sp>
+      <p:sp>
+        <p:nvSpPr>
+          <p:cNvPr id="14" name="Rounded Rectangle 13"/>
+          <p:cNvSpPr/>
+          <p:nvPr/>
+        </p:nvSpPr>
+        <p:spPr>
+          <a:xfrm>
+            <a:off x="5570855" y="1225550"/>
+            <a:ext cx="2429510" cy="1703705"/>
+          </a:xfrm>
+          <a:prstGeom prst="roundRect">
+            <a:avLst>
+              <a:gd name="adj" fmla="val 7654"/>
+            </a:avLst>
+          </a:prstGeom>
+          <a:solidFill>
+            <a:schemeClr val="accent6">
+              <a:lumMod val="20000"/>
+              <a:lumOff val="80000"/>
+            </a:schemeClr>
+          </a:solidFill>
+          <a:ln>
+            <a:solidFill>
+              <a:schemeClr val="accent6">
+                <a:lumMod val="75000"/>
+              </a:schemeClr>
+            </a:solidFill>
+          </a:ln>
+        </p:spPr>
+        <p:style>
+          <a:lnRef idx="2">
+            <a:schemeClr val="accent1">
+              <a:shade val="50000"/>
+            </a:schemeClr>
+          </a:lnRef>
+          <a:fillRef idx="1">
+            <a:schemeClr val="accent1"/>
+          </a:fillRef>
+          <a:effectRef idx="0">
+            <a:schemeClr val="accent1"/>
+          </a:effectRef>
+          <a:fontRef idx="minor">
+            <a:schemeClr val="lt1"/>
+          </a:fontRef>
+        </p:style>
+        <p:txBody>
+          <a:bodyPr rtlCol="0" anchor="ctr"/>
+          <a:p>
+            <a:pPr algn="ctr"/>
+            <a:endParaRPr lang="es-ES_tradnl" altLang="en-US" sz="1200">
+              <a:solidFill>
+                <a:schemeClr val="accent6">
+                  <a:lumMod val="75000"/>
+                </a:schemeClr>
+              </a:solidFill>
+              <a:cs typeface="+mn-lt"/>
+            </a:endParaRPr>
+          </a:p>
+        </p:txBody>
+      </p:sp>
+      <p:sp>
+        <p:nvSpPr>
+          <p:cNvPr id="4" name="Rounded Rectangle 3"/>
+          <p:cNvSpPr/>
+          <p:nvPr/>
+        </p:nvSpPr>
+        <p:spPr>
+          <a:xfrm>
+            <a:off x="2322195" y="2063750"/>
+            <a:ext cx="1910080" cy="299720"/>
+          </a:xfrm>
+          <a:prstGeom prst="roundRect">
+            <a:avLst/>
+          </a:prstGeom>
+          <a:solidFill>
+            <a:schemeClr val="accent1">
+              <a:lumMod val="20000"/>
+              <a:lumOff val="80000"/>
+            </a:schemeClr>
+          </a:solidFill>
+          <a:ln>
+            <a:solidFill>
+              <a:schemeClr val="accent1">
+                <a:lumMod val="75000"/>
+              </a:schemeClr>
+            </a:solidFill>
+          </a:ln>
+        </p:spPr>
+        <p:style>
+          <a:lnRef idx="2">
+            <a:schemeClr val="accent1">
+              <a:shade val="50000"/>
+            </a:schemeClr>
+          </a:lnRef>
+          <a:fillRef idx="1">
+            <a:schemeClr val="accent1"/>
+          </a:fillRef>
+          <a:effectRef idx="0">
+            <a:schemeClr val="accent1"/>
+          </a:effectRef>
+          <a:fontRef idx="minor">
+            <a:schemeClr val="lt1"/>
+          </a:fontRef>
+        </p:style>
+        <p:txBody>
+          <a:bodyPr rtlCol="0" anchor="ctr"/>
+          <a:p>
+            <a:pPr algn="ctr"/>
+            <a:r>
+              <a:rPr lang="es-ES_tradnl" altLang="en-US" sz="1200">
+                <a:solidFill>
+                  <a:srgbClr val="2E75B6"/>
+                </a:solidFill>
+                <a:cs typeface="+mn-lt"/>
+              </a:rPr>
+              <a:t>Llamado de variantes</a:t>
+            </a:r>
+            <a:endParaRPr lang="es-ES_tradnl" altLang="en-US" sz="1200">
+              <a:solidFill>
+                <a:srgbClr val="2E75B6"/>
+              </a:solidFill>
+              <a:cs typeface="+mn-lt"/>
+            </a:endParaRPr>
+          </a:p>
+        </p:txBody>
+      </p:sp>
+      <p:sp>
+        <p:nvSpPr>
+          <p:cNvPr id="5" name="Rounded Rectangle 4"/>
+          <p:cNvSpPr/>
+          <p:nvPr/>
+        </p:nvSpPr>
+        <p:spPr>
+          <a:xfrm>
+            <a:off x="2322195" y="2451100"/>
+            <a:ext cx="1904365" cy="338455"/>
+          </a:xfrm>
+          <a:prstGeom prst="roundRect">
+            <a:avLst/>
+          </a:prstGeom>
+          <a:solidFill>
+            <a:schemeClr val="accent1">
+              <a:lumMod val="20000"/>
+              <a:lumOff val="80000"/>
+            </a:schemeClr>
+          </a:solidFill>
+          <a:ln>
+            <a:solidFill>
+              <a:schemeClr val="accent1">
+                <a:lumMod val="75000"/>
+              </a:schemeClr>
+            </a:solidFill>
+          </a:ln>
+        </p:spPr>
+        <p:style>
+          <a:lnRef idx="2">
+            <a:schemeClr val="accent1">
+              <a:shade val="50000"/>
+            </a:schemeClr>
+          </a:lnRef>
+          <a:fillRef idx="1">
+            <a:schemeClr val="accent1"/>
+          </a:fillRef>
+          <a:effectRef idx="0">
+            <a:schemeClr val="accent1"/>
+          </a:effectRef>
+          <a:fontRef idx="minor">
+            <a:schemeClr val="lt1"/>
+          </a:fontRef>
+        </p:style>
+        <p:txBody>
+          <a:bodyPr rtlCol="0" anchor="ctr"/>
+          <a:p>
+            <a:pPr algn="ctr"/>
+            <a:r>
+              <a:rPr lang="es-ES_tradnl" altLang="en-US" sz="1200">
+                <a:solidFill>
+                  <a:srgbClr val="2E75B6"/>
+                </a:solidFill>
+                <a:cs typeface="+mn-lt"/>
+              </a:rPr>
+              <a:t>Anotación de variantes</a:t>
+            </a:r>
+            <a:endParaRPr lang="es-ES_tradnl" altLang="en-US" sz="1200">
+              <a:solidFill>
+                <a:srgbClr val="2E75B6"/>
+              </a:solidFill>
+              <a:cs typeface="+mn-lt"/>
+            </a:endParaRPr>
+          </a:p>
+        </p:txBody>
+      </p:sp>
+      <p:sp>
+        <p:nvSpPr>
+          <p:cNvPr id="6" name="Rounded Rectangle 5"/>
+          <p:cNvSpPr/>
+          <p:nvPr/>
+        </p:nvSpPr>
+        <p:spPr>
+          <a:xfrm>
+            <a:off x="2322195" y="1676400"/>
+            <a:ext cx="1910080" cy="299720"/>
+          </a:xfrm>
+          <a:prstGeom prst="roundRect">
+            <a:avLst/>
+          </a:prstGeom>
+          <a:solidFill>
+            <a:schemeClr val="accent1">
+              <a:lumMod val="20000"/>
+              <a:lumOff val="80000"/>
+            </a:schemeClr>
+          </a:solidFill>
+          <a:ln>
+            <a:solidFill>
+              <a:schemeClr val="accent1">
+                <a:lumMod val="75000"/>
+              </a:schemeClr>
+            </a:solidFill>
+          </a:ln>
+        </p:spPr>
+        <p:style>
+          <a:lnRef idx="2">
+            <a:schemeClr val="accent1">
+              <a:shade val="50000"/>
+            </a:schemeClr>
+          </a:lnRef>
+          <a:fillRef idx="1">
+            <a:schemeClr val="accent1"/>
+          </a:fillRef>
+          <a:effectRef idx="0">
+            <a:schemeClr val="accent1"/>
+          </a:effectRef>
+          <a:fontRef idx="minor">
+            <a:schemeClr val="lt1"/>
+          </a:fontRef>
+        </p:style>
+        <p:txBody>
+          <a:bodyPr rtlCol="0" anchor="ctr"/>
+          <a:p>
+            <a:pPr algn="ctr"/>
+            <a:r>
+              <a:rPr lang="es-ES_tradnl" altLang="en-US" sz="1200">
+                <a:solidFill>
+                  <a:srgbClr val="2E75B6"/>
+                </a:solidFill>
+                <a:cs typeface="+mn-lt"/>
+              </a:rPr>
+              <a:t>Alineamiento</a:t>
+            </a:r>
+            <a:endParaRPr lang="es-ES_tradnl" altLang="en-US" sz="1200">
+              <a:solidFill>
+                <a:srgbClr val="2E75B6"/>
+              </a:solidFill>
+              <a:cs typeface="+mn-lt"/>
+            </a:endParaRPr>
+          </a:p>
+        </p:txBody>
+      </p:sp>
+      <p:sp>
+        <p:nvSpPr>
+          <p:cNvPr id="7" name="Rounded Rectangle 6"/>
+          <p:cNvSpPr/>
+          <p:nvPr/>
+        </p:nvSpPr>
+        <p:spPr>
+          <a:xfrm>
+            <a:off x="5757545" y="1680210"/>
+            <a:ext cx="2080895" cy="541020"/>
+          </a:xfrm>
+          <a:prstGeom prst="roundRect">
+            <a:avLst/>
+          </a:prstGeom>
+          <a:solidFill>
+            <a:schemeClr val="accent6">
+              <a:lumMod val="20000"/>
+              <a:lumOff val="80000"/>
+            </a:schemeClr>
+          </a:solidFill>
+          <a:ln>
+            <a:solidFill>
+              <a:schemeClr val="accent6">
+                <a:lumMod val="75000"/>
+              </a:schemeClr>
+            </a:solidFill>
+          </a:ln>
+        </p:spPr>
+        <p:style>
+          <a:lnRef idx="2">
+            <a:schemeClr val="accent1">
+              <a:shade val="50000"/>
+            </a:schemeClr>
+          </a:lnRef>
+          <a:fillRef idx="1">
+            <a:schemeClr val="accent1"/>
+          </a:fillRef>
+          <a:effectRef idx="0">
+            <a:schemeClr val="accent1"/>
+          </a:effectRef>
+          <a:fontRef idx="minor">
+            <a:schemeClr val="lt1"/>
+          </a:fontRef>
+        </p:style>
+        <p:txBody>
+          <a:bodyPr rtlCol="0" anchor="ctr"/>
+          <a:p>
+            <a:pPr algn="ctr"/>
+            <a:r>
+              <a:rPr lang="es-ES_tradnl" altLang="en-US" sz="1200">
+                <a:solidFill>
+                  <a:schemeClr val="accent6">
+                    <a:lumMod val="75000"/>
+                  </a:schemeClr>
+                </a:solidFill>
+                <a:cs typeface="+mn-lt"/>
+              </a:rPr>
+              <a:t>Predicción del enlace peptido y MHC (pMHC)</a:t>
+            </a:r>
+            <a:endParaRPr lang="es-ES_tradnl" altLang="en-US" sz="1200">
+              <a:solidFill>
+                <a:schemeClr val="accent6">
+                  <a:lumMod val="75000"/>
+                </a:schemeClr>
+              </a:solidFill>
+              <a:cs typeface="+mn-lt"/>
+            </a:endParaRPr>
+          </a:p>
+        </p:txBody>
+      </p:sp>
+      <p:sp>
+        <p:nvSpPr>
+          <p:cNvPr id="9" name="Rounded Rectangle 8"/>
+          <p:cNvSpPr/>
+          <p:nvPr/>
+        </p:nvSpPr>
+        <p:spPr>
+          <a:xfrm>
+            <a:off x="5744845" y="2316480"/>
+            <a:ext cx="2081530" cy="427990"/>
+          </a:xfrm>
+          <a:prstGeom prst="roundRect">
+            <a:avLst/>
+          </a:prstGeom>
+          <a:solidFill>
+            <a:schemeClr val="accent6">
+              <a:lumMod val="20000"/>
+              <a:lumOff val="80000"/>
+            </a:schemeClr>
+          </a:solidFill>
+          <a:ln>
+            <a:solidFill>
+              <a:schemeClr val="accent6">
+                <a:lumMod val="75000"/>
+              </a:schemeClr>
+            </a:solidFill>
+          </a:ln>
+        </p:spPr>
+        <p:style>
+          <a:lnRef idx="2">
+            <a:schemeClr val="accent1">
+              <a:shade val="50000"/>
+            </a:schemeClr>
+          </a:lnRef>
+          <a:fillRef idx="1">
+            <a:schemeClr val="accent1"/>
+          </a:fillRef>
+          <a:effectRef idx="0">
+            <a:schemeClr val="accent1"/>
+          </a:effectRef>
+          <a:fontRef idx="minor">
+            <a:schemeClr val="lt1"/>
+          </a:fontRef>
+        </p:style>
+        <p:txBody>
+          <a:bodyPr rtlCol="0" anchor="ctr"/>
+          <a:p>
+            <a:pPr algn="ctr"/>
+            <a:r>
+              <a:rPr lang="es-ES_tradnl" altLang="en-US" sz="1200">
+                <a:solidFill>
+                  <a:schemeClr val="accent6">
+                    <a:lumMod val="75000"/>
+                  </a:schemeClr>
+                </a:solidFill>
+                <a:cs typeface="+mn-lt"/>
+              </a:rPr>
+              <a:t>Predicción del enlace pMHC-TCR</a:t>
+            </a:r>
+            <a:endParaRPr lang="es-ES_tradnl" altLang="en-US" sz="1200">
+              <a:solidFill>
+                <a:schemeClr val="accent6">
+                  <a:lumMod val="75000"/>
+                </a:schemeClr>
+              </a:solidFill>
+              <a:cs typeface="+mn-lt"/>
+            </a:endParaRPr>
+          </a:p>
+        </p:txBody>
+      </p:sp>
+      <p:sp>
+        <p:nvSpPr>
+          <p:cNvPr id="3" name="Text Box 2"/>
+          <p:cNvSpPr txBox="1"/>
+          <p:nvPr/>
+        </p:nvSpPr>
+        <p:spPr>
+          <a:xfrm>
+            <a:off x="2731770" y="1271270"/>
+            <a:ext cx="1102360" cy="275590"/>
           </a:xfrm>
           <a:prstGeom prst="rect">
             <a:avLst/>
           </a:prstGeom>
-        </p:spPr>
-      </p:pic>
-      <p:pic>
-        <p:nvPicPr>
-          <p:cNvPr id="4" name="Picture 3" descr="training_train_7train_8_train_9_"/>
-          <p:cNvPicPr>
-            <a:picLocks noChangeAspect="1"/>
-          </p:cNvPicPr>
-          <p:nvPr/>
-        </p:nvPicPr>
-        <p:blipFill>
-          <a:blip r:embed="rId2"/>
-          <a:stretch>
-            <a:fillRect/>
-          </a:stretch>
-        </p:blipFill>
-        <p:spPr>
-          <a:xfrm>
-            <a:off x="5794375" y="882015"/>
-            <a:ext cx="5486400" cy="3657600"/>
+          <a:noFill/>
+        </p:spPr>
+        <p:txBody>
+          <a:bodyPr wrap="none" rtlCol="0" anchor="t">
+            <a:spAutoFit/>
+          </a:bodyPr>
+          <a:p>
+            <a:r>
+              <a:rPr lang="es-ES_tradnl" altLang="en-US" sz="1200">
+                <a:solidFill>
+                  <a:srgbClr val="2E75B6"/>
+                </a:solidFill>
+                <a:cs typeface="+mn-lt"/>
+                <a:sym typeface="+mn-ea"/>
+              </a:rPr>
+              <a:t>NeoArgosMut</a:t>
+            </a:r>
+            <a:endParaRPr lang="es-ES_tradnl" altLang="en-US" sz="1200">
+              <a:solidFill>
+                <a:srgbClr val="2E75B6"/>
+              </a:solidFill>
+              <a:cs typeface="+mn-lt"/>
+              <a:sym typeface="+mn-ea"/>
+            </a:endParaRPr>
+          </a:p>
+        </p:txBody>
+      </p:sp>
+      <p:sp>
+        <p:nvSpPr>
+          <p:cNvPr id="8" name="Text Box 7"/>
+          <p:cNvSpPr txBox="1"/>
+          <p:nvPr/>
+        </p:nvSpPr>
+        <p:spPr>
+          <a:xfrm>
+            <a:off x="6097905" y="1271270"/>
+            <a:ext cx="1374775" cy="275590"/>
           </a:xfrm>
           <a:prstGeom prst="rect">
             <a:avLst/>
           </a:prstGeom>
-        </p:spPr>
-      </p:pic>
+          <a:noFill/>
+        </p:spPr>
+        <p:txBody>
+          <a:bodyPr wrap="none" rtlCol="0" anchor="t">
+            <a:spAutoFit/>
+          </a:bodyPr>
+          <a:p>
+            <a:r>
+              <a:rPr lang="es-ES_tradnl" altLang="en-US" sz="1200">
+                <a:solidFill>
+                  <a:schemeClr val="accent6">
+                    <a:lumMod val="75000"/>
+                  </a:schemeClr>
+                </a:solidFill>
+                <a:cs typeface="+mn-lt"/>
+                <a:sym typeface="+mn-ea"/>
+              </a:rPr>
+              <a:t>NeoArgosAntigen</a:t>
+            </a:r>
+            <a:endParaRPr lang="es-ES_tradnl" altLang="en-US" sz="1200">
+              <a:solidFill>
+                <a:schemeClr val="accent6">
+                  <a:lumMod val="75000"/>
+                </a:schemeClr>
+              </a:solidFill>
+              <a:cs typeface="+mn-lt"/>
+              <a:sym typeface="+mn-ea"/>
+            </a:endParaRPr>
+          </a:p>
+        </p:txBody>
+      </p:sp>
+      <p:sp>
+        <p:nvSpPr>
+          <p:cNvPr id="10" name="Text Box 9"/>
+          <p:cNvSpPr txBox="1"/>
+          <p:nvPr/>
+        </p:nvSpPr>
+        <p:spPr>
+          <a:xfrm>
+            <a:off x="843915" y="1746250"/>
+            <a:ext cx="812165" cy="645160"/>
+          </a:xfrm>
+          <a:prstGeom prst="rect">
+            <a:avLst/>
+          </a:prstGeom>
+          <a:noFill/>
+        </p:spPr>
+        <p:txBody>
+          <a:bodyPr wrap="none" rtlCol="0" anchor="t">
+            <a:spAutoFit/>
+          </a:bodyPr>
+          <a:p>
+            <a:pPr algn="ctr"/>
+            <a:r>
+              <a:rPr lang="es-ES_tradnl" altLang="en-US" sz="1200">
+                <a:solidFill>
+                  <a:schemeClr val="tx1"/>
+                </a:solidFill>
+                <a:cs typeface="+mn-lt"/>
+                <a:sym typeface="+mn-ea"/>
+              </a:rPr>
+              <a:t>DNA-seq</a:t>
+            </a:r>
+            <a:endParaRPr lang="es-ES_tradnl" altLang="en-US" sz="1200">
+              <a:solidFill>
+                <a:schemeClr val="tx1"/>
+              </a:solidFill>
+              <a:cs typeface="+mn-lt"/>
+              <a:sym typeface="+mn-ea"/>
+            </a:endParaRPr>
+          </a:p>
+          <a:p>
+            <a:pPr algn="ctr"/>
+            <a:r>
+              <a:rPr lang="es-ES_tradnl" altLang="en-US" sz="1200">
+                <a:solidFill>
+                  <a:schemeClr val="tx1"/>
+                </a:solidFill>
+                <a:cs typeface="+mn-lt"/>
+                <a:sym typeface="+mn-ea"/>
+              </a:rPr>
+              <a:t>RNA-seq</a:t>
+            </a:r>
+            <a:endParaRPr lang="es-ES_tradnl" altLang="en-US" sz="1200">
+              <a:solidFill>
+                <a:schemeClr val="tx1"/>
+              </a:solidFill>
+              <a:cs typeface="+mn-lt"/>
+              <a:sym typeface="+mn-ea"/>
+            </a:endParaRPr>
+          </a:p>
+          <a:p>
+            <a:pPr algn="ctr"/>
+            <a:r>
+              <a:rPr lang="es-ES_tradnl" altLang="en-US" sz="1200">
+                <a:solidFill>
+                  <a:schemeClr val="tx1"/>
+                </a:solidFill>
+                <a:cs typeface="+mn-lt"/>
+                <a:sym typeface="+mn-ea"/>
+              </a:rPr>
+              <a:t>datos MS</a:t>
+            </a:r>
+            <a:endParaRPr lang="es-ES_tradnl" altLang="en-US" sz="1200">
+              <a:solidFill>
+                <a:schemeClr val="tx1"/>
+              </a:solidFill>
+              <a:cs typeface="+mn-lt"/>
+              <a:sym typeface="+mn-ea"/>
+            </a:endParaRPr>
+          </a:p>
+        </p:txBody>
+      </p:sp>
+      <p:cxnSp>
+        <p:nvCxnSpPr>
+          <p:cNvPr id="11" name="Straight Arrow Connector 10"/>
+          <p:cNvCxnSpPr/>
+          <p:nvPr/>
+        </p:nvCxnSpPr>
+        <p:spPr>
+          <a:xfrm>
+            <a:off x="1607185" y="2065655"/>
+            <a:ext cx="371475" cy="3175"/>
+          </a:xfrm>
+          <a:prstGeom prst="straightConnector1">
+            <a:avLst/>
+          </a:prstGeom>
+          <a:ln w="12700" cmpd="sng">
+            <a:solidFill>
+              <a:schemeClr val="tx1"/>
+            </a:solidFill>
+            <a:prstDash val="solid"/>
+            <a:tailEnd type="arrow"/>
+          </a:ln>
+        </p:spPr>
+        <p:style>
+          <a:lnRef idx="1">
+            <a:schemeClr val="accent1"/>
+          </a:lnRef>
+          <a:fillRef idx="0">
+            <a:schemeClr val="accent1"/>
+          </a:fillRef>
+          <a:effectRef idx="0">
+            <a:schemeClr val="accent1"/>
+          </a:effectRef>
+          <a:fontRef idx="minor">
+            <a:schemeClr val="tx1"/>
+          </a:fontRef>
+        </p:style>
+      </p:cxnSp>
+      <p:cxnSp>
+        <p:nvCxnSpPr>
+          <p:cNvPr id="12" name="Straight Arrow Connector 11"/>
+          <p:cNvCxnSpPr/>
+          <p:nvPr/>
+        </p:nvCxnSpPr>
+        <p:spPr>
+          <a:xfrm>
+            <a:off x="4611370" y="2112010"/>
+            <a:ext cx="842645" cy="6350"/>
+          </a:xfrm>
+          <a:prstGeom prst="straightConnector1">
+            <a:avLst/>
+          </a:prstGeom>
+          <a:ln w="12700" cmpd="sng">
+            <a:solidFill>
+              <a:schemeClr val="tx1"/>
+            </a:solidFill>
+            <a:prstDash val="solid"/>
+            <a:tailEnd type="arrow"/>
+          </a:ln>
+        </p:spPr>
+        <p:style>
+          <a:lnRef idx="1">
+            <a:schemeClr val="accent1"/>
+          </a:lnRef>
+          <a:fillRef idx="0">
+            <a:schemeClr val="accent1"/>
+          </a:fillRef>
+          <a:effectRef idx="0">
+            <a:schemeClr val="accent1"/>
+          </a:effectRef>
+          <a:fontRef idx="minor">
+            <a:schemeClr val="tx1"/>
+          </a:fontRef>
+        </p:style>
+      </p:cxnSp>
+      <p:sp>
+        <p:nvSpPr>
+          <p:cNvPr id="15" name="Text Box 14"/>
+          <p:cNvSpPr txBox="1"/>
+          <p:nvPr/>
+        </p:nvSpPr>
+        <p:spPr>
+          <a:xfrm>
+            <a:off x="4476750" y="1608455"/>
+            <a:ext cx="1130300" cy="460375"/>
+          </a:xfrm>
+          <a:prstGeom prst="rect">
+            <a:avLst/>
+          </a:prstGeom>
+          <a:noFill/>
+        </p:spPr>
+        <p:txBody>
+          <a:bodyPr wrap="none" rtlCol="0" anchor="t">
+            <a:spAutoFit/>
+          </a:bodyPr>
+          <a:p>
+            <a:pPr algn="ctr"/>
+            <a:r>
+              <a:rPr lang="es-ES_tradnl" altLang="en-US" sz="1200">
+                <a:solidFill>
+                  <a:schemeClr val="tx1"/>
+                </a:solidFill>
+                <a:cs typeface="+mn-lt"/>
+                <a:sym typeface="+mn-ea"/>
+              </a:rPr>
+              <a:t>Neoantígenos</a:t>
+            </a:r>
+            <a:endParaRPr lang="es-ES_tradnl" altLang="en-US" sz="1200">
+              <a:solidFill>
+                <a:schemeClr val="tx1"/>
+              </a:solidFill>
+              <a:cs typeface="+mn-lt"/>
+              <a:sym typeface="+mn-ea"/>
+            </a:endParaRPr>
+          </a:p>
+          <a:p>
+            <a:pPr algn="ctr"/>
+            <a:r>
+              <a:rPr lang="es-ES_tradnl" altLang="en-US" sz="1200">
+                <a:solidFill>
+                  <a:schemeClr val="tx1"/>
+                </a:solidFill>
+                <a:cs typeface="+mn-lt"/>
+                <a:sym typeface="+mn-ea"/>
+              </a:rPr>
+              <a:t>candidatos</a:t>
+            </a:r>
+            <a:endParaRPr lang="es-ES_tradnl" altLang="en-US" sz="1200">
+              <a:solidFill>
+                <a:schemeClr val="tx1"/>
+              </a:solidFill>
+              <a:cs typeface="+mn-lt"/>
+              <a:sym typeface="+mn-ea"/>
+            </a:endParaRPr>
+          </a:p>
+        </p:txBody>
+      </p:sp>
+      <p:sp>
+        <p:nvSpPr>
+          <p:cNvPr id="19" name="Text Box 18"/>
+          <p:cNvSpPr txBox="1"/>
+          <p:nvPr/>
+        </p:nvSpPr>
+        <p:spPr>
+          <a:xfrm>
+            <a:off x="8388350" y="1945640"/>
+            <a:ext cx="1130300" cy="275590"/>
+          </a:xfrm>
+          <a:prstGeom prst="rect">
+            <a:avLst/>
+          </a:prstGeom>
+          <a:noFill/>
+        </p:spPr>
+        <p:txBody>
+          <a:bodyPr wrap="none" rtlCol="0" anchor="t">
+            <a:spAutoFit/>
+          </a:bodyPr>
+          <a:p>
+            <a:pPr algn="ctr"/>
+            <a:r>
+              <a:rPr lang="es-ES_tradnl" altLang="en-US" sz="1200">
+                <a:solidFill>
+                  <a:schemeClr val="tx1"/>
+                </a:solidFill>
+                <a:cs typeface="+mn-lt"/>
+                <a:sym typeface="+mn-ea"/>
+              </a:rPr>
+              <a:t>Neoantígenos</a:t>
+            </a:r>
+            <a:endParaRPr lang="es-ES_tradnl" altLang="en-US" sz="1200">
+              <a:solidFill>
+                <a:schemeClr val="tx1"/>
+              </a:solidFill>
+              <a:cs typeface="+mn-lt"/>
+              <a:sym typeface="+mn-ea"/>
+            </a:endParaRPr>
+          </a:p>
+        </p:txBody>
+      </p:sp>
+      <p:cxnSp>
+        <p:nvCxnSpPr>
+          <p:cNvPr id="20" name="Straight Arrow Connector 19"/>
+          <p:cNvCxnSpPr/>
+          <p:nvPr/>
+        </p:nvCxnSpPr>
+        <p:spPr>
+          <a:xfrm>
+            <a:off x="8084185" y="2105660"/>
+            <a:ext cx="336550" cy="5715"/>
+          </a:xfrm>
+          <a:prstGeom prst="straightConnector1">
+            <a:avLst/>
+          </a:prstGeom>
+          <a:ln w="12700" cmpd="sng">
+            <a:solidFill>
+              <a:schemeClr val="tx1"/>
+            </a:solidFill>
+            <a:prstDash val="solid"/>
+            <a:tailEnd type="arrow"/>
+          </a:ln>
+        </p:spPr>
+        <p:style>
+          <a:lnRef idx="1">
+            <a:schemeClr val="accent1"/>
+          </a:lnRef>
+          <a:fillRef idx="0">
+            <a:schemeClr val="accent1"/>
+          </a:fillRef>
+          <a:effectRef idx="0">
+            <a:schemeClr val="accent1"/>
+          </a:effectRef>
+          <a:fontRef idx="minor">
+            <a:schemeClr val="tx1"/>
+          </a:fontRef>
+        </p:style>
+      </p:cxnSp>
     </p:spTree>
   </p:cSld>
   <p:clrMapOvr>
@@ -9436,7 +10795,7 @@
       </p:grpSpPr>
       <p:pic>
         <p:nvPicPr>
-          <p:cNvPr id="3" name="Picture 2" descr="gradientst6-epoch0"/>
+          <p:cNvPr id="2" name="Picture 1" descr="training_train_1train_2_train_3_"/>
           <p:cNvPicPr>
             <a:picLocks noChangeAspect="1"/>
           </p:cNvPicPr>
@@ -9444,15 +10803,14 @@
         </p:nvPicPr>
         <p:blipFill>
           <a:blip r:embed="rId1"/>
-          <a:srcRect l="2000"/>
           <a:stretch>
             <a:fillRect/>
           </a:stretch>
         </p:blipFill>
         <p:spPr>
           <a:xfrm>
-            <a:off x="553085" y="1724660"/>
-            <a:ext cx="11649075" cy="3094990"/>
+            <a:off x="379730" y="882015"/>
+            <a:ext cx="5486400" cy="3657600"/>
           </a:xfrm>
           <a:prstGeom prst="rect">
             <a:avLst/>
@@ -9461,7 +10819,7 @@
       </p:pic>
       <p:pic>
         <p:nvPicPr>
-          <p:cNvPr id="9" name="Picture 8"/>
+          <p:cNvPr id="4" name="Picture 3" descr="training_train_7train_8_train_9_"/>
           <p:cNvPicPr>
             <a:picLocks noChangeAspect="1"/>
           </p:cNvPicPr>
@@ -9475,373 +10833,14 @@
         </p:blipFill>
         <p:spPr>
           <a:xfrm>
-            <a:off x="286385" y="4035425"/>
-            <a:ext cx="251460" cy="138430"/>
+            <a:off x="5794375" y="882015"/>
+            <a:ext cx="5486400" cy="3657600"/>
           </a:xfrm>
           <a:prstGeom prst="rect">
             <a:avLst/>
           </a:prstGeom>
         </p:spPr>
       </p:pic>
-      <p:pic>
-        <p:nvPicPr>
-          <p:cNvPr id="10" name="Picture 9"/>
-          <p:cNvPicPr>
-            <a:picLocks noChangeAspect="1"/>
-          </p:cNvPicPr>
-          <p:nvPr/>
-        </p:nvPicPr>
-        <p:blipFill>
-          <a:blip r:embed="rId3"/>
-          <a:stretch>
-            <a:fillRect/>
-          </a:stretch>
-        </p:blipFill>
-        <p:spPr>
-          <a:xfrm>
-            <a:off x="275590" y="4626610"/>
-            <a:ext cx="273685" cy="150495"/>
-          </a:xfrm>
-          <a:prstGeom prst="rect">
-            <a:avLst/>
-          </a:prstGeom>
-        </p:spPr>
-      </p:pic>
-      <p:pic>
-        <p:nvPicPr>
-          <p:cNvPr id="12" name="Picture 11"/>
-          <p:cNvPicPr>
-            <a:picLocks noChangeAspect="1"/>
-          </p:cNvPicPr>
-          <p:nvPr/>
-        </p:nvPicPr>
-        <p:blipFill>
-          <a:blip r:embed="rId4"/>
-          <a:stretch>
-            <a:fillRect/>
-          </a:stretch>
-        </p:blipFill>
-        <p:spPr>
-          <a:xfrm>
-            <a:off x="372110" y="2085975"/>
-            <a:ext cx="186690" cy="140335"/>
-          </a:xfrm>
-          <a:prstGeom prst="rect">
-            <a:avLst/>
-          </a:prstGeom>
-        </p:spPr>
-      </p:pic>
-      <p:pic>
-        <p:nvPicPr>
-          <p:cNvPr id="13" name="Picture 12"/>
-          <p:cNvPicPr>
-            <a:picLocks noChangeAspect="1"/>
-          </p:cNvPicPr>
-          <p:nvPr/>
-        </p:nvPicPr>
-        <p:blipFill>
-          <a:blip r:embed="rId5"/>
-          <a:stretch>
-            <a:fillRect/>
-          </a:stretch>
-        </p:blipFill>
-        <p:spPr>
-          <a:xfrm>
-            <a:off x="292100" y="2731770"/>
-            <a:ext cx="267970" cy="147320"/>
-          </a:xfrm>
-          <a:prstGeom prst="rect">
-            <a:avLst/>
-          </a:prstGeom>
-        </p:spPr>
-      </p:pic>
-      <p:pic>
-        <p:nvPicPr>
-          <p:cNvPr id="14" name="Picture 13"/>
-          <p:cNvPicPr>
-            <a:picLocks noChangeAspect="1"/>
-          </p:cNvPicPr>
-          <p:nvPr/>
-        </p:nvPicPr>
-        <p:blipFill>
-          <a:blip r:embed="rId6"/>
-          <a:stretch>
-            <a:fillRect/>
-          </a:stretch>
-        </p:blipFill>
-        <p:spPr>
-          <a:xfrm>
-            <a:off x="292100" y="3394075"/>
-            <a:ext cx="266700" cy="146685"/>
-          </a:xfrm>
-          <a:prstGeom prst="rect">
-            <a:avLst/>
-          </a:prstGeom>
-        </p:spPr>
-      </p:pic>
-      <p:sp>
-        <p:nvSpPr>
-          <p:cNvPr id="17" name="Text Box 16"/>
-          <p:cNvSpPr txBox="1"/>
-          <p:nvPr/>
-        </p:nvSpPr>
-        <p:spPr>
-          <a:xfrm rot="16200000">
-            <a:off x="-495935" y="3382645"/>
-            <a:ext cx="1315720" cy="275590"/>
-          </a:xfrm>
-          <a:prstGeom prst="rect">
-            <a:avLst/>
-          </a:prstGeom>
-          <a:noFill/>
-        </p:spPr>
-        <p:txBody>
-          <a:bodyPr wrap="square" rtlCol="0">
-            <a:spAutoFit/>
-          </a:bodyPr>
-          <a:p>
-            <a:pPr lvl="1"/>
-            <a:r>
-              <a:rPr lang="es-ES_tradnl" altLang="en-US" sz="1200"/>
-              <a:t>Gradient</a:t>
-            </a:r>
-            <a:endParaRPr lang="es-ES_tradnl" altLang="en-US" sz="1200"/>
-          </a:p>
-        </p:txBody>
-      </p:sp>
-      <p:sp>
-        <p:nvSpPr>
-          <p:cNvPr id="18" name="Rectangles 17"/>
-          <p:cNvSpPr/>
-          <p:nvPr/>
-        </p:nvSpPr>
-        <p:spPr>
-          <a:xfrm>
-            <a:off x="10514330" y="1765300"/>
-            <a:ext cx="1615440" cy="558165"/>
-          </a:xfrm>
-          <a:prstGeom prst="rect">
-            <a:avLst/>
-          </a:prstGeom>
-          <a:solidFill>
-            <a:schemeClr val="bg1"/>
-          </a:solidFill>
-          <a:ln>
-            <a:noFill/>
-          </a:ln>
-        </p:spPr>
-        <p:style>
-          <a:lnRef idx="2">
-            <a:schemeClr val="accent1">
-              <a:shade val="50000"/>
-            </a:schemeClr>
-          </a:lnRef>
-          <a:fillRef idx="1">
-            <a:schemeClr val="accent1"/>
-          </a:fillRef>
-          <a:effectRef idx="0">
-            <a:schemeClr val="accent1"/>
-          </a:effectRef>
-          <a:fontRef idx="minor">
-            <a:schemeClr val="lt1"/>
-          </a:fontRef>
-        </p:style>
-        <p:txBody>
-          <a:bodyPr rtlCol="0" anchor="ctr"/>
-          <a:p>
-            <a:pPr algn="ctr"/>
-            <a:endParaRPr lang="en-US"/>
-          </a:p>
-        </p:txBody>
-      </p:sp>
-      <p:sp>
-        <p:nvSpPr>
-          <p:cNvPr id="19" name="Text Box 18"/>
-          <p:cNvSpPr txBox="1"/>
-          <p:nvPr/>
-        </p:nvSpPr>
-        <p:spPr>
-          <a:xfrm>
-            <a:off x="10563225" y="1788795"/>
-            <a:ext cx="1583690" cy="429895"/>
-          </a:xfrm>
-          <a:prstGeom prst="rect">
-            <a:avLst/>
-          </a:prstGeom>
-          <a:noFill/>
-        </p:spPr>
-        <p:txBody>
-          <a:bodyPr wrap="square" rtlCol="0">
-            <a:spAutoFit/>
-          </a:bodyPr>
-          <a:p>
-            <a:pPr lvl="1"/>
-            <a:r>
-              <a:rPr lang="es-ES_tradnl" altLang="en-US" sz="1100"/>
-              <a:t>max-gradient</a:t>
-            </a:r>
-            <a:endParaRPr lang="es-ES_tradnl" altLang="en-US" sz="1100"/>
-          </a:p>
-          <a:p>
-            <a:pPr lvl="1"/>
-            <a:r>
-              <a:rPr lang="es-ES_tradnl" altLang="en-US" sz="1100"/>
-              <a:t>mean-gradient</a:t>
-            </a:r>
-            <a:endParaRPr lang="es-ES_tradnl" altLang="en-US" sz="1100"/>
-          </a:p>
-        </p:txBody>
-      </p:sp>
-      <p:sp>
-        <p:nvSpPr>
-          <p:cNvPr id="21" name="Rectangles 20"/>
-          <p:cNvSpPr/>
-          <p:nvPr/>
-        </p:nvSpPr>
-        <p:spPr>
-          <a:xfrm>
-            <a:off x="10514330" y="1861820"/>
-            <a:ext cx="558800" cy="121920"/>
-          </a:xfrm>
-          <a:prstGeom prst="rect">
-            <a:avLst/>
-          </a:prstGeom>
-          <a:solidFill>
-            <a:srgbClr val="B0D3D3"/>
-          </a:solidFill>
-          <a:ln>
-            <a:noFill/>
-          </a:ln>
-        </p:spPr>
-        <p:style>
-          <a:lnRef idx="2">
-            <a:schemeClr val="accent1">
-              <a:shade val="50000"/>
-            </a:schemeClr>
-          </a:lnRef>
-          <a:fillRef idx="1">
-            <a:schemeClr val="accent1"/>
-          </a:fillRef>
-          <a:effectRef idx="0">
-            <a:schemeClr val="accent1"/>
-          </a:effectRef>
-          <a:fontRef idx="minor">
-            <a:schemeClr val="lt1"/>
-          </a:fontRef>
-        </p:style>
-        <p:txBody>
-          <a:bodyPr rtlCol="0" anchor="ctr"/>
-          <a:p>
-            <a:pPr algn="ctr"/>
-            <a:endParaRPr lang="en-US"/>
-          </a:p>
-        </p:txBody>
-      </p:sp>
-      <p:sp>
-        <p:nvSpPr>
-          <p:cNvPr id="22" name="Rectangles 21"/>
-          <p:cNvSpPr/>
-          <p:nvPr/>
-        </p:nvSpPr>
-        <p:spPr>
-          <a:xfrm>
-            <a:off x="10514330" y="2014220"/>
-            <a:ext cx="558165" cy="121920"/>
-          </a:xfrm>
-          <a:prstGeom prst="rect">
-            <a:avLst/>
-          </a:prstGeom>
-          <a:solidFill>
-            <a:srgbClr val="85A5E2"/>
-          </a:solidFill>
-          <a:ln>
-            <a:noFill/>
-          </a:ln>
-        </p:spPr>
-        <p:style>
-          <a:lnRef idx="2">
-            <a:schemeClr val="accent1">
-              <a:shade val="50000"/>
-            </a:schemeClr>
-          </a:lnRef>
-          <a:fillRef idx="1">
-            <a:schemeClr val="accent1"/>
-          </a:fillRef>
-          <a:effectRef idx="0">
-            <a:schemeClr val="accent1"/>
-          </a:effectRef>
-          <a:fontRef idx="minor">
-            <a:schemeClr val="lt1"/>
-          </a:fontRef>
-        </p:style>
-        <p:txBody>
-          <a:bodyPr rtlCol="0" anchor="ctr"/>
-          <a:p>
-            <a:pPr algn="ctr"/>
-            <a:endParaRPr lang="en-US"/>
-          </a:p>
-        </p:txBody>
-      </p:sp>
-      <p:sp>
-        <p:nvSpPr>
-          <p:cNvPr id="25" name="Text Box 24"/>
-          <p:cNvSpPr txBox="1"/>
-          <p:nvPr/>
-        </p:nvSpPr>
-        <p:spPr>
-          <a:xfrm>
-            <a:off x="5346065" y="4743450"/>
-            <a:ext cx="1315720" cy="275590"/>
-          </a:xfrm>
-          <a:prstGeom prst="rect">
-            <a:avLst/>
-          </a:prstGeom>
-          <a:noFill/>
-        </p:spPr>
-        <p:txBody>
-          <a:bodyPr wrap="square" rtlCol="0">
-            <a:spAutoFit/>
-          </a:bodyPr>
-          <a:p>
-            <a:pPr lvl="1"/>
-            <a:r>
-              <a:rPr lang="es-ES_tradnl" altLang="en-US" sz="1200"/>
-              <a:t>Layers</a:t>
-            </a:r>
-            <a:endParaRPr lang="es-ES_tradnl" altLang="en-US" sz="1200"/>
-          </a:p>
-        </p:txBody>
-      </p:sp>
-      <p:sp>
-        <p:nvSpPr>
-          <p:cNvPr id="26" name="Text Box 25"/>
-          <p:cNvSpPr txBox="1"/>
-          <p:nvPr/>
-        </p:nvSpPr>
-        <p:spPr>
-          <a:xfrm>
-            <a:off x="5295265" y="1040130"/>
-            <a:ext cx="1315720" cy="275590"/>
-          </a:xfrm>
-          <a:prstGeom prst="rect">
-            <a:avLst/>
-          </a:prstGeom>
-          <a:noFill/>
-        </p:spPr>
-        <p:txBody>
-          <a:bodyPr wrap="square" rtlCol="0">
-            <a:spAutoFit/>
-          </a:bodyPr>
-          <a:p>
-            <a:pPr lvl="1"/>
-            <a:r>
-              <a:rPr lang="es-ES_tradnl" altLang="en-US" sz="1200"/>
-              <a:t>Epoch0</a:t>
-            </a:r>
-            <a:endParaRPr lang="es-ES_tradnl" altLang="en-US" sz="1200"/>
-          </a:p>
-        </p:txBody>
-      </p:sp>
     </p:spTree>
   </p:cSld>
   <p:clrMapOvr>
@@ -9869,7 +10868,7 @@
       </p:grpSpPr>
       <p:pic>
         <p:nvPicPr>
-          <p:cNvPr id="4" name="Picture 3" descr="gradientst6-epoch3"/>
+          <p:cNvPr id="3" name="Picture 2" descr="gradientst6-epoch0"/>
           <p:cNvPicPr>
             <a:picLocks noChangeAspect="1"/>
           </p:cNvPicPr>
@@ -9877,15 +10876,15 @@
         </p:nvPicPr>
         <p:blipFill>
           <a:blip r:embed="rId1"/>
-          <a:srcRect l="2016"/>
+          <a:srcRect l="2000"/>
           <a:stretch>
             <a:fillRect/>
           </a:stretch>
         </p:blipFill>
         <p:spPr>
           <a:xfrm>
-            <a:off x="589280" y="1715770"/>
-            <a:ext cx="11610340" cy="3079115"/>
+            <a:off x="553085" y="1724660"/>
+            <a:ext cx="11649075" cy="3094990"/>
           </a:xfrm>
           <a:prstGeom prst="rect">
             <a:avLst/>
@@ -10269,7 +11268,7 @@
             <a:pPr lvl="1"/>
             <a:r>
               <a:rPr lang="es-ES_tradnl" altLang="en-US" sz="1200"/>
-              <a:t>Epoch3</a:t>
+              <a:t>Epoch0</a:t>
             </a:r>
             <a:endParaRPr lang="es-ES_tradnl" altLang="en-US" sz="1200"/>
           </a:p>
@@ -10893,7 +11892,7 @@
       </p:grpSpPr>
       <p:pic>
         <p:nvPicPr>
-          <p:cNvPr id="2" name="Picture 1" descr="gradientst30-epoch0"/>
+          <p:cNvPr id="4" name="Picture 3" descr="gradientst6-epoch3"/>
           <p:cNvPicPr>
             <a:picLocks noChangeAspect="1"/>
           </p:cNvPicPr>
@@ -10901,15 +11900,15 @@
         </p:nvPicPr>
         <p:blipFill>
           <a:blip r:embed="rId1"/>
-          <a:srcRect l="2000"/>
+          <a:srcRect l="2016"/>
           <a:stretch>
             <a:fillRect/>
           </a:stretch>
         </p:blipFill>
         <p:spPr>
           <a:xfrm>
-            <a:off x="560070" y="1699260"/>
-            <a:ext cx="11631930" cy="3077845"/>
+            <a:off x="589280" y="1715770"/>
+            <a:ext cx="11610340" cy="3079115"/>
           </a:xfrm>
           <a:prstGeom prst="rect">
             <a:avLst/>
@@ -11293,7 +12292,7 @@
             <a:pPr lvl="1"/>
             <a:r>
               <a:rPr lang="es-ES_tradnl" altLang="en-US" sz="1200"/>
-              <a:t>Epoch0</a:t>
+              <a:t>Epoch3</a:t>
             </a:r>
             <a:endParaRPr lang="es-ES_tradnl" altLang="en-US" sz="1200"/>
           </a:p>
@@ -11308,6 +12307,439 @@
 </file>
 
 <file path=ppt/slides/slide21.xml><?xml version="1.0" encoding="utf-8"?>
+<p:sld xmlns:a="http://schemas.openxmlformats.org/drawingml/2006/main" xmlns:r="http://schemas.openxmlformats.org/officeDocument/2006/relationships" xmlns:p="http://schemas.openxmlformats.org/presentationml/2006/main">
+  <p:cSld>
+    <p:spTree>
+      <p:nvGrpSpPr>
+        <p:cNvPr id="1" name=""/>
+        <p:cNvGrpSpPr/>
+        <p:nvPr/>
+      </p:nvGrpSpPr>
+      <p:grpSpPr>
+        <a:xfrm>
+          <a:off x="0" y="0"/>
+          <a:ext cx="0" cy="0"/>
+          <a:chOff x="0" y="0"/>
+          <a:chExt cx="0" cy="0"/>
+        </a:xfrm>
+      </p:grpSpPr>
+      <p:pic>
+        <p:nvPicPr>
+          <p:cNvPr id="2" name="Picture 1" descr="gradientst30-epoch0"/>
+          <p:cNvPicPr>
+            <a:picLocks noChangeAspect="1"/>
+          </p:cNvPicPr>
+          <p:nvPr/>
+        </p:nvPicPr>
+        <p:blipFill>
+          <a:blip r:embed="rId1"/>
+          <a:srcRect l="2000"/>
+          <a:stretch>
+            <a:fillRect/>
+          </a:stretch>
+        </p:blipFill>
+        <p:spPr>
+          <a:xfrm>
+            <a:off x="560070" y="1699260"/>
+            <a:ext cx="11631930" cy="3077845"/>
+          </a:xfrm>
+          <a:prstGeom prst="rect">
+            <a:avLst/>
+          </a:prstGeom>
+        </p:spPr>
+      </p:pic>
+      <p:pic>
+        <p:nvPicPr>
+          <p:cNvPr id="9" name="Picture 8"/>
+          <p:cNvPicPr>
+            <a:picLocks noChangeAspect="1"/>
+          </p:cNvPicPr>
+          <p:nvPr/>
+        </p:nvPicPr>
+        <p:blipFill>
+          <a:blip r:embed="rId2"/>
+          <a:stretch>
+            <a:fillRect/>
+          </a:stretch>
+        </p:blipFill>
+        <p:spPr>
+          <a:xfrm>
+            <a:off x="286385" y="4035425"/>
+            <a:ext cx="251460" cy="138430"/>
+          </a:xfrm>
+          <a:prstGeom prst="rect">
+            <a:avLst/>
+          </a:prstGeom>
+        </p:spPr>
+      </p:pic>
+      <p:pic>
+        <p:nvPicPr>
+          <p:cNvPr id="10" name="Picture 9"/>
+          <p:cNvPicPr>
+            <a:picLocks noChangeAspect="1"/>
+          </p:cNvPicPr>
+          <p:nvPr/>
+        </p:nvPicPr>
+        <p:blipFill>
+          <a:blip r:embed="rId3"/>
+          <a:stretch>
+            <a:fillRect/>
+          </a:stretch>
+        </p:blipFill>
+        <p:spPr>
+          <a:xfrm>
+            <a:off x="275590" y="4626610"/>
+            <a:ext cx="273685" cy="150495"/>
+          </a:xfrm>
+          <a:prstGeom prst="rect">
+            <a:avLst/>
+          </a:prstGeom>
+        </p:spPr>
+      </p:pic>
+      <p:pic>
+        <p:nvPicPr>
+          <p:cNvPr id="12" name="Picture 11"/>
+          <p:cNvPicPr>
+            <a:picLocks noChangeAspect="1"/>
+          </p:cNvPicPr>
+          <p:nvPr/>
+        </p:nvPicPr>
+        <p:blipFill>
+          <a:blip r:embed="rId4"/>
+          <a:stretch>
+            <a:fillRect/>
+          </a:stretch>
+        </p:blipFill>
+        <p:spPr>
+          <a:xfrm>
+            <a:off x="372110" y="2085975"/>
+            <a:ext cx="186690" cy="140335"/>
+          </a:xfrm>
+          <a:prstGeom prst="rect">
+            <a:avLst/>
+          </a:prstGeom>
+        </p:spPr>
+      </p:pic>
+      <p:pic>
+        <p:nvPicPr>
+          <p:cNvPr id="13" name="Picture 12"/>
+          <p:cNvPicPr>
+            <a:picLocks noChangeAspect="1"/>
+          </p:cNvPicPr>
+          <p:nvPr/>
+        </p:nvPicPr>
+        <p:blipFill>
+          <a:blip r:embed="rId5"/>
+          <a:stretch>
+            <a:fillRect/>
+          </a:stretch>
+        </p:blipFill>
+        <p:spPr>
+          <a:xfrm>
+            <a:off x="292100" y="2731770"/>
+            <a:ext cx="267970" cy="147320"/>
+          </a:xfrm>
+          <a:prstGeom prst="rect">
+            <a:avLst/>
+          </a:prstGeom>
+        </p:spPr>
+      </p:pic>
+      <p:pic>
+        <p:nvPicPr>
+          <p:cNvPr id="14" name="Picture 13"/>
+          <p:cNvPicPr>
+            <a:picLocks noChangeAspect="1"/>
+          </p:cNvPicPr>
+          <p:nvPr/>
+        </p:nvPicPr>
+        <p:blipFill>
+          <a:blip r:embed="rId6"/>
+          <a:stretch>
+            <a:fillRect/>
+          </a:stretch>
+        </p:blipFill>
+        <p:spPr>
+          <a:xfrm>
+            <a:off x="292100" y="3394075"/>
+            <a:ext cx="266700" cy="146685"/>
+          </a:xfrm>
+          <a:prstGeom prst="rect">
+            <a:avLst/>
+          </a:prstGeom>
+        </p:spPr>
+      </p:pic>
+      <p:sp>
+        <p:nvSpPr>
+          <p:cNvPr id="17" name="Text Box 16"/>
+          <p:cNvSpPr txBox="1"/>
+          <p:nvPr/>
+        </p:nvSpPr>
+        <p:spPr>
+          <a:xfrm rot="16200000">
+            <a:off x="-495935" y="3382645"/>
+            <a:ext cx="1315720" cy="275590"/>
+          </a:xfrm>
+          <a:prstGeom prst="rect">
+            <a:avLst/>
+          </a:prstGeom>
+          <a:noFill/>
+        </p:spPr>
+        <p:txBody>
+          <a:bodyPr wrap="square" rtlCol="0">
+            <a:spAutoFit/>
+          </a:bodyPr>
+          <a:p>
+            <a:pPr lvl="1"/>
+            <a:r>
+              <a:rPr lang="es-ES_tradnl" altLang="en-US" sz="1200"/>
+              <a:t>Gradient</a:t>
+            </a:r>
+            <a:endParaRPr lang="es-ES_tradnl" altLang="en-US" sz="1200"/>
+          </a:p>
+        </p:txBody>
+      </p:sp>
+      <p:sp>
+        <p:nvSpPr>
+          <p:cNvPr id="18" name="Rectangles 17"/>
+          <p:cNvSpPr/>
+          <p:nvPr/>
+        </p:nvSpPr>
+        <p:spPr>
+          <a:xfrm>
+            <a:off x="10514330" y="1765300"/>
+            <a:ext cx="1615440" cy="558165"/>
+          </a:xfrm>
+          <a:prstGeom prst="rect">
+            <a:avLst/>
+          </a:prstGeom>
+          <a:solidFill>
+            <a:schemeClr val="bg1"/>
+          </a:solidFill>
+          <a:ln>
+            <a:noFill/>
+          </a:ln>
+        </p:spPr>
+        <p:style>
+          <a:lnRef idx="2">
+            <a:schemeClr val="accent1">
+              <a:shade val="50000"/>
+            </a:schemeClr>
+          </a:lnRef>
+          <a:fillRef idx="1">
+            <a:schemeClr val="accent1"/>
+          </a:fillRef>
+          <a:effectRef idx="0">
+            <a:schemeClr val="accent1"/>
+          </a:effectRef>
+          <a:fontRef idx="minor">
+            <a:schemeClr val="lt1"/>
+          </a:fontRef>
+        </p:style>
+        <p:txBody>
+          <a:bodyPr rtlCol="0" anchor="ctr"/>
+          <a:p>
+            <a:pPr algn="ctr"/>
+            <a:endParaRPr lang="en-US"/>
+          </a:p>
+        </p:txBody>
+      </p:sp>
+      <p:sp>
+        <p:nvSpPr>
+          <p:cNvPr id="19" name="Text Box 18"/>
+          <p:cNvSpPr txBox="1"/>
+          <p:nvPr/>
+        </p:nvSpPr>
+        <p:spPr>
+          <a:xfrm>
+            <a:off x="10563225" y="1788795"/>
+            <a:ext cx="1583690" cy="429895"/>
+          </a:xfrm>
+          <a:prstGeom prst="rect">
+            <a:avLst/>
+          </a:prstGeom>
+          <a:noFill/>
+        </p:spPr>
+        <p:txBody>
+          <a:bodyPr wrap="square" rtlCol="0">
+            <a:spAutoFit/>
+          </a:bodyPr>
+          <a:p>
+            <a:pPr lvl="1"/>
+            <a:r>
+              <a:rPr lang="es-ES_tradnl" altLang="en-US" sz="1100"/>
+              <a:t>max-gradient</a:t>
+            </a:r>
+            <a:endParaRPr lang="es-ES_tradnl" altLang="en-US" sz="1100"/>
+          </a:p>
+          <a:p>
+            <a:pPr lvl="1"/>
+            <a:r>
+              <a:rPr lang="es-ES_tradnl" altLang="en-US" sz="1100"/>
+              <a:t>mean-gradient</a:t>
+            </a:r>
+            <a:endParaRPr lang="es-ES_tradnl" altLang="en-US" sz="1100"/>
+          </a:p>
+        </p:txBody>
+      </p:sp>
+      <p:sp>
+        <p:nvSpPr>
+          <p:cNvPr id="21" name="Rectangles 20"/>
+          <p:cNvSpPr/>
+          <p:nvPr/>
+        </p:nvSpPr>
+        <p:spPr>
+          <a:xfrm>
+            <a:off x="10514330" y="1861820"/>
+            <a:ext cx="558800" cy="121920"/>
+          </a:xfrm>
+          <a:prstGeom prst="rect">
+            <a:avLst/>
+          </a:prstGeom>
+          <a:solidFill>
+            <a:srgbClr val="B0D3D3"/>
+          </a:solidFill>
+          <a:ln>
+            <a:noFill/>
+          </a:ln>
+        </p:spPr>
+        <p:style>
+          <a:lnRef idx="2">
+            <a:schemeClr val="accent1">
+              <a:shade val="50000"/>
+            </a:schemeClr>
+          </a:lnRef>
+          <a:fillRef idx="1">
+            <a:schemeClr val="accent1"/>
+          </a:fillRef>
+          <a:effectRef idx="0">
+            <a:schemeClr val="accent1"/>
+          </a:effectRef>
+          <a:fontRef idx="minor">
+            <a:schemeClr val="lt1"/>
+          </a:fontRef>
+        </p:style>
+        <p:txBody>
+          <a:bodyPr rtlCol="0" anchor="ctr"/>
+          <a:p>
+            <a:pPr algn="ctr"/>
+            <a:endParaRPr lang="en-US"/>
+          </a:p>
+        </p:txBody>
+      </p:sp>
+      <p:sp>
+        <p:nvSpPr>
+          <p:cNvPr id="22" name="Rectangles 21"/>
+          <p:cNvSpPr/>
+          <p:nvPr/>
+        </p:nvSpPr>
+        <p:spPr>
+          <a:xfrm>
+            <a:off x="10514330" y="2014220"/>
+            <a:ext cx="558165" cy="121920"/>
+          </a:xfrm>
+          <a:prstGeom prst="rect">
+            <a:avLst/>
+          </a:prstGeom>
+          <a:solidFill>
+            <a:srgbClr val="85A5E2"/>
+          </a:solidFill>
+          <a:ln>
+            <a:noFill/>
+          </a:ln>
+        </p:spPr>
+        <p:style>
+          <a:lnRef idx="2">
+            <a:schemeClr val="accent1">
+              <a:shade val="50000"/>
+            </a:schemeClr>
+          </a:lnRef>
+          <a:fillRef idx="1">
+            <a:schemeClr val="accent1"/>
+          </a:fillRef>
+          <a:effectRef idx="0">
+            <a:schemeClr val="accent1"/>
+          </a:effectRef>
+          <a:fontRef idx="minor">
+            <a:schemeClr val="lt1"/>
+          </a:fontRef>
+        </p:style>
+        <p:txBody>
+          <a:bodyPr rtlCol="0" anchor="ctr"/>
+          <a:p>
+            <a:pPr algn="ctr"/>
+            <a:endParaRPr lang="en-US"/>
+          </a:p>
+        </p:txBody>
+      </p:sp>
+      <p:sp>
+        <p:nvSpPr>
+          <p:cNvPr id="25" name="Text Box 24"/>
+          <p:cNvSpPr txBox="1"/>
+          <p:nvPr/>
+        </p:nvSpPr>
+        <p:spPr>
+          <a:xfrm>
+            <a:off x="5346065" y="4743450"/>
+            <a:ext cx="1315720" cy="275590"/>
+          </a:xfrm>
+          <a:prstGeom prst="rect">
+            <a:avLst/>
+          </a:prstGeom>
+          <a:noFill/>
+        </p:spPr>
+        <p:txBody>
+          <a:bodyPr wrap="square" rtlCol="0">
+            <a:spAutoFit/>
+          </a:bodyPr>
+          <a:p>
+            <a:pPr lvl="1"/>
+            <a:r>
+              <a:rPr lang="es-ES_tradnl" altLang="en-US" sz="1200"/>
+              <a:t>Layers</a:t>
+            </a:r>
+            <a:endParaRPr lang="es-ES_tradnl" altLang="en-US" sz="1200"/>
+          </a:p>
+        </p:txBody>
+      </p:sp>
+      <p:sp>
+        <p:nvSpPr>
+          <p:cNvPr id="26" name="Text Box 25"/>
+          <p:cNvSpPr txBox="1"/>
+          <p:nvPr/>
+        </p:nvSpPr>
+        <p:spPr>
+          <a:xfrm>
+            <a:off x="5295265" y="1040130"/>
+            <a:ext cx="1315720" cy="275590"/>
+          </a:xfrm>
+          <a:prstGeom prst="rect">
+            <a:avLst/>
+          </a:prstGeom>
+          <a:noFill/>
+        </p:spPr>
+        <p:txBody>
+          <a:bodyPr wrap="square" rtlCol="0">
+            <a:spAutoFit/>
+          </a:bodyPr>
+          <a:p>
+            <a:pPr lvl="1"/>
+            <a:r>
+              <a:rPr lang="es-ES_tradnl" altLang="en-US" sz="1200"/>
+              <a:t>Epoch0</a:t>
+            </a:r>
+            <a:endParaRPr lang="es-ES_tradnl" altLang="en-US" sz="1200"/>
+          </a:p>
+        </p:txBody>
+      </p:sp>
+    </p:spTree>
+  </p:cSld>
+  <p:clrMapOvr>
+    <a:masterClrMapping/>
+  </p:clrMapOvr>
+</p:sld>
+</file>
+
+<file path=ppt/slides/slide22.xml><?xml version="1.0" encoding="utf-8"?>
 <p:sld xmlns:a="http://schemas.openxmlformats.org/drawingml/2006/main" xmlns:r="http://schemas.openxmlformats.org/officeDocument/2006/relationships" xmlns:p="http://schemas.openxmlformats.org/presentationml/2006/main">
   <p:cSld>
     <p:spTree>

--- a/draws.pptx
+++ b/draws.pptx
@@ -27,6 +27,9 @@
     <p:sldId id="292" r:id="rId22"/>
     <p:sldId id="293" r:id="rId23"/>
     <p:sldId id="294" r:id="rId24"/>
+    <p:sldId id="305" r:id="rId25"/>
+    <p:sldId id="303" r:id="rId26"/>
+    <p:sldId id="304" r:id="rId27"/>
   </p:sldIdLst>
   <p:sldSz cx="12192000" cy="6858000"/>
   <p:notesSz cx="6858000" cy="9144000"/>
@@ -13172,6 +13175,3064 @@
 </p:sld>
 </file>
 
+<file path=ppt/slides/slide23.xml><?xml version="1.0" encoding="utf-8"?>
+<p:sld xmlns:a="http://schemas.openxmlformats.org/drawingml/2006/main" xmlns:r="http://schemas.openxmlformats.org/officeDocument/2006/relationships" xmlns:p="http://schemas.openxmlformats.org/presentationml/2006/main">
+  <p:cSld>
+    <p:spTree>
+      <p:nvGrpSpPr>
+        <p:cNvPr id="1" name=""/>
+        <p:cNvGrpSpPr/>
+        <p:nvPr/>
+      </p:nvGrpSpPr>
+      <p:grpSpPr>
+        <a:xfrm>
+          <a:off x="0" y="0"/>
+          <a:ext cx="0" cy="0"/>
+          <a:chOff x="0" y="0"/>
+          <a:chExt cx="0" cy="0"/>
+        </a:xfrm>
+      </p:grpSpPr>
+      <p:sp>
+        <p:nvSpPr>
+          <p:cNvPr id="17" name="Text Box 16"/>
+          <p:cNvSpPr txBox="1"/>
+          <p:nvPr/>
+        </p:nvSpPr>
+        <p:spPr>
+          <a:xfrm rot="16200000">
+            <a:off x="-495935" y="3382645"/>
+            <a:ext cx="1315720" cy="275590"/>
+          </a:xfrm>
+          <a:prstGeom prst="rect">
+            <a:avLst/>
+          </a:prstGeom>
+          <a:noFill/>
+        </p:spPr>
+        <p:txBody>
+          <a:bodyPr wrap="square" rtlCol="0">
+            <a:spAutoFit/>
+          </a:bodyPr>
+          <a:p>
+            <a:pPr lvl="1"/>
+            <a:r>
+              <a:rPr lang="es-ES_tradnl" altLang="en-US" sz="1200"/>
+              <a:t>Gradient</a:t>
+            </a:r>
+            <a:endParaRPr lang="es-ES_tradnl" altLang="en-US" sz="1200"/>
+          </a:p>
+        </p:txBody>
+      </p:sp>
+      <p:pic>
+        <p:nvPicPr>
+          <p:cNvPr id="2" name="Picture 1" descr="Picture2-removebg-preview"/>
+          <p:cNvPicPr>
+            <a:picLocks noChangeAspect="1"/>
+          </p:cNvPicPr>
+          <p:nvPr/>
+        </p:nvPicPr>
+        <p:blipFill>
+          <a:blip r:embed="rId1"/>
+          <a:stretch>
+            <a:fillRect/>
+          </a:stretch>
+        </p:blipFill>
+        <p:spPr>
+          <a:xfrm>
+            <a:off x="2539365" y="1869440"/>
+            <a:ext cx="3121660" cy="2432685"/>
+          </a:xfrm>
+          <a:prstGeom prst="rect">
+            <a:avLst/>
+          </a:prstGeom>
+        </p:spPr>
+      </p:pic>
+    </p:spTree>
+  </p:cSld>
+  <p:clrMapOvr>
+    <a:masterClrMapping/>
+  </p:clrMapOvr>
+</p:sld>
+</file>
+
+<file path=ppt/slides/slide24.xml><?xml version="1.0" encoding="utf-8"?>
+<p:sld xmlns:a="http://schemas.openxmlformats.org/drawingml/2006/main" xmlns:r="http://schemas.openxmlformats.org/officeDocument/2006/relationships" xmlns:p="http://schemas.openxmlformats.org/presentationml/2006/main">
+  <p:cSld>
+    <p:spTree>
+      <p:nvGrpSpPr>
+        <p:cNvPr id="1" name=""/>
+        <p:cNvGrpSpPr/>
+        <p:nvPr/>
+      </p:nvGrpSpPr>
+      <p:grpSpPr>
+        <a:xfrm>
+          <a:off x="0" y="0"/>
+          <a:ext cx="0" cy="0"/>
+          <a:chOff x="0" y="0"/>
+          <a:chExt cx="0" cy="0"/>
+        </a:xfrm>
+      </p:grpSpPr>
+      <p:pic>
+        <p:nvPicPr>
+          <p:cNvPr id="7" name="Picture 6"/>
+          <p:cNvPicPr>
+            <a:picLocks noChangeAspect="1"/>
+          </p:cNvPicPr>
+          <p:nvPr/>
+        </p:nvPicPr>
+        <p:blipFill>
+          <a:blip r:embed="rId1"/>
+          <a:srcRect l="13873" t="16667" r="20809" b="31111"/>
+          <a:stretch>
+            <a:fillRect/>
+          </a:stretch>
+        </p:blipFill>
+        <p:spPr>
+          <a:xfrm flipH="1">
+            <a:off x="2190115" y="1270000"/>
+            <a:ext cx="901065" cy="1658620"/>
+          </a:xfrm>
+          <a:prstGeom prst="rect">
+            <a:avLst/>
+          </a:prstGeom>
+        </p:spPr>
+      </p:pic>
+      <p:pic>
+        <p:nvPicPr>
+          <p:cNvPr id="2" name="Picture 1"/>
+          <p:cNvPicPr>
+            <a:picLocks noChangeAspect="1"/>
+          </p:cNvPicPr>
+          <p:nvPr/>
+        </p:nvPicPr>
+        <p:blipFill>
+          <a:blip r:embed="rId2"/>
+          <a:srcRect l="21415" t="9476" r="17955" b="16459"/>
+          <a:stretch>
+            <a:fillRect/>
+          </a:stretch>
+        </p:blipFill>
+        <p:spPr>
+          <a:xfrm>
+            <a:off x="443230" y="1426845"/>
+            <a:ext cx="1235075" cy="1508760"/>
+          </a:xfrm>
+          <a:prstGeom prst="rect">
+            <a:avLst/>
+          </a:prstGeom>
+        </p:spPr>
+      </p:pic>
+      <p:pic>
+        <p:nvPicPr>
+          <p:cNvPr id="8" name="Picture 7"/>
+          <p:cNvPicPr>
+            <a:picLocks noChangeAspect="1"/>
+          </p:cNvPicPr>
+          <p:nvPr/>
+        </p:nvPicPr>
+        <p:blipFill>
+          <a:blip r:embed="rId1"/>
+          <a:srcRect l="13873" t="16667" r="20809" b="31111"/>
+          <a:stretch>
+            <a:fillRect/>
+          </a:stretch>
+        </p:blipFill>
+        <p:spPr>
+          <a:xfrm flipH="1">
+            <a:off x="3221355" y="1449705"/>
+            <a:ext cx="901700" cy="1299845"/>
+          </a:xfrm>
+          <a:prstGeom prst="rect">
+            <a:avLst/>
+          </a:prstGeom>
+        </p:spPr>
+      </p:pic>
+      <p:pic>
+        <p:nvPicPr>
+          <p:cNvPr id="11" name="Picture 10"/>
+          <p:cNvPicPr>
+            <a:picLocks noChangeAspect="1"/>
+          </p:cNvPicPr>
+          <p:nvPr/>
+        </p:nvPicPr>
+        <p:blipFill>
+          <a:blip r:embed="rId1"/>
+          <a:srcRect l="13873" t="16667" r="20809" b="31111"/>
+          <a:stretch>
+            <a:fillRect/>
+          </a:stretch>
+        </p:blipFill>
+        <p:spPr>
+          <a:xfrm flipH="1">
+            <a:off x="4253230" y="1682750"/>
+            <a:ext cx="901065" cy="833120"/>
+          </a:xfrm>
+          <a:prstGeom prst="rect">
+            <a:avLst/>
+          </a:prstGeom>
+        </p:spPr>
+      </p:pic>
+      <p:pic>
+        <p:nvPicPr>
+          <p:cNvPr id="15" name="Picture 14"/>
+          <p:cNvPicPr>
+            <a:picLocks noChangeAspect="1"/>
+          </p:cNvPicPr>
+          <p:nvPr/>
+        </p:nvPicPr>
+        <p:blipFill>
+          <a:blip r:embed="rId1"/>
+          <a:srcRect l="13873" t="16667" r="20809" b="31111"/>
+          <a:stretch>
+            <a:fillRect/>
+          </a:stretch>
+        </p:blipFill>
+        <p:spPr>
+          <a:xfrm flipH="1">
+            <a:off x="5238750" y="1682750"/>
+            <a:ext cx="2008505" cy="833120"/>
+          </a:xfrm>
+          <a:prstGeom prst="rect">
+            <a:avLst/>
+          </a:prstGeom>
+        </p:spPr>
+      </p:pic>
+      <p:sp>
+        <p:nvSpPr>
+          <p:cNvPr id="29" name="Rounded Rectangle 28"/>
+          <p:cNvSpPr/>
+          <p:nvPr/>
+        </p:nvSpPr>
+        <p:spPr>
+          <a:xfrm>
+            <a:off x="9648190" y="1147445"/>
+            <a:ext cx="304800" cy="1915160"/>
+          </a:xfrm>
+          <a:prstGeom prst="roundRect">
+            <a:avLst/>
+          </a:prstGeom>
+          <a:ln>
+            <a:noFill/>
+          </a:ln>
+        </p:spPr>
+        <p:style>
+          <a:lnRef idx="2">
+            <a:schemeClr val="accent1">
+              <a:shade val="50000"/>
+            </a:schemeClr>
+          </a:lnRef>
+          <a:fillRef idx="1">
+            <a:schemeClr val="accent1"/>
+          </a:fillRef>
+          <a:effectRef idx="0">
+            <a:schemeClr val="accent1"/>
+          </a:effectRef>
+          <a:fontRef idx="minor">
+            <a:schemeClr val="lt1"/>
+          </a:fontRef>
+        </p:style>
+        <p:txBody>
+          <a:bodyPr rtlCol="0" anchor="ctr"/>
+          <a:p>
+            <a:pPr algn="ctr"/>
+            <a:endParaRPr lang="en-US"/>
+          </a:p>
+        </p:txBody>
+      </p:sp>
+      <p:sp>
+        <p:nvSpPr>
+          <p:cNvPr id="30" name="Rounded Rectangle 29"/>
+          <p:cNvSpPr/>
+          <p:nvPr/>
+        </p:nvSpPr>
+        <p:spPr>
+          <a:xfrm>
+            <a:off x="2067560" y="1123950"/>
+            <a:ext cx="5160010" cy="1889125"/>
+          </a:xfrm>
+          <a:prstGeom prst="roundRect">
+            <a:avLst>
+              <a:gd name="adj" fmla="val 4168"/>
+            </a:avLst>
+          </a:prstGeom>
+          <a:noFill/>
+          <a:ln>
+            <a:solidFill>
+              <a:schemeClr val="tx1"/>
+            </a:solidFill>
+          </a:ln>
+        </p:spPr>
+        <p:style>
+          <a:lnRef idx="2">
+            <a:schemeClr val="accent1">
+              <a:shade val="50000"/>
+            </a:schemeClr>
+          </a:lnRef>
+          <a:fillRef idx="1">
+            <a:schemeClr val="accent1"/>
+          </a:fillRef>
+          <a:effectRef idx="0">
+            <a:schemeClr val="accent1"/>
+          </a:effectRef>
+          <a:fontRef idx="minor">
+            <a:schemeClr val="lt1"/>
+          </a:fontRef>
+        </p:style>
+        <p:txBody>
+          <a:bodyPr rtlCol="0" anchor="ctr"/>
+          <a:p>
+            <a:pPr algn="ctr"/>
+            <a:endParaRPr lang="en-US"/>
+          </a:p>
+        </p:txBody>
+      </p:sp>
+      <p:cxnSp>
+        <p:nvCxnSpPr>
+          <p:cNvPr id="31" name="Straight Arrow Connector 30"/>
+          <p:cNvCxnSpPr/>
+          <p:nvPr/>
+        </p:nvCxnSpPr>
+        <p:spPr>
+          <a:xfrm>
+            <a:off x="1598930" y="2179320"/>
+            <a:ext cx="396240" cy="0"/>
+          </a:xfrm>
+          <a:prstGeom prst="straightConnector1">
+            <a:avLst/>
+          </a:prstGeom>
+          <a:ln w="28575" cmpd="sng">
+            <a:solidFill>
+              <a:schemeClr val="tx1"/>
+            </a:solidFill>
+            <a:prstDash val="solid"/>
+            <a:tailEnd type="triangle"/>
+          </a:ln>
+        </p:spPr>
+        <p:style>
+          <a:lnRef idx="1">
+            <a:schemeClr val="accent1"/>
+          </a:lnRef>
+          <a:fillRef idx="0">
+            <a:schemeClr val="accent1"/>
+          </a:fillRef>
+          <a:effectRef idx="0">
+            <a:schemeClr val="accent1"/>
+          </a:effectRef>
+          <a:fontRef idx="minor">
+            <a:schemeClr val="tx1"/>
+          </a:fontRef>
+        </p:style>
+      </p:cxnSp>
+      <p:cxnSp>
+        <p:nvCxnSpPr>
+          <p:cNvPr id="32" name="Straight Arrow Connector 31"/>
+          <p:cNvCxnSpPr/>
+          <p:nvPr/>
+        </p:nvCxnSpPr>
+        <p:spPr>
+          <a:xfrm>
+            <a:off x="3045460" y="2179320"/>
+            <a:ext cx="223520" cy="3810"/>
+          </a:xfrm>
+          <a:prstGeom prst="straightConnector1">
+            <a:avLst/>
+          </a:prstGeom>
+          <a:ln w="28575" cmpd="sng">
+            <a:solidFill>
+              <a:schemeClr val="tx1"/>
+            </a:solidFill>
+            <a:prstDash val="solid"/>
+            <a:tailEnd type="triangle"/>
+          </a:ln>
+        </p:spPr>
+        <p:style>
+          <a:lnRef idx="1">
+            <a:schemeClr val="accent1"/>
+          </a:lnRef>
+          <a:fillRef idx="0">
+            <a:schemeClr val="accent1"/>
+          </a:fillRef>
+          <a:effectRef idx="0">
+            <a:schemeClr val="accent1"/>
+          </a:effectRef>
+          <a:fontRef idx="minor">
+            <a:schemeClr val="tx1"/>
+          </a:fontRef>
+        </p:style>
+      </p:cxnSp>
+      <p:cxnSp>
+        <p:nvCxnSpPr>
+          <p:cNvPr id="33" name="Straight Arrow Connector 32"/>
+          <p:cNvCxnSpPr/>
+          <p:nvPr/>
+        </p:nvCxnSpPr>
+        <p:spPr>
+          <a:xfrm>
+            <a:off x="4077335" y="2159000"/>
+            <a:ext cx="223520" cy="3810"/>
+          </a:xfrm>
+          <a:prstGeom prst="straightConnector1">
+            <a:avLst/>
+          </a:prstGeom>
+          <a:ln w="28575" cmpd="sng">
+            <a:solidFill>
+              <a:schemeClr val="tx1"/>
+            </a:solidFill>
+            <a:prstDash val="solid"/>
+            <a:tailEnd type="triangle"/>
+          </a:ln>
+        </p:spPr>
+        <p:style>
+          <a:lnRef idx="1">
+            <a:schemeClr val="accent1"/>
+          </a:lnRef>
+          <a:fillRef idx="0">
+            <a:schemeClr val="accent1"/>
+          </a:fillRef>
+          <a:effectRef idx="0">
+            <a:schemeClr val="accent1"/>
+          </a:effectRef>
+          <a:fontRef idx="minor">
+            <a:schemeClr val="tx1"/>
+          </a:fontRef>
+        </p:style>
+      </p:cxnSp>
+      <p:cxnSp>
+        <p:nvCxnSpPr>
+          <p:cNvPr id="34" name="Straight Arrow Connector 33"/>
+          <p:cNvCxnSpPr/>
+          <p:nvPr/>
+        </p:nvCxnSpPr>
+        <p:spPr>
+          <a:xfrm>
+            <a:off x="5100320" y="2155190"/>
+            <a:ext cx="223520" cy="3810"/>
+          </a:xfrm>
+          <a:prstGeom prst="straightConnector1">
+            <a:avLst/>
+          </a:prstGeom>
+          <a:ln w="28575" cmpd="sng">
+            <a:solidFill>
+              <a:schemeClr val="tx1"/>
+            </a:solidFill>
+            <a:prstDash val="solid"/>
+            <a:tailEnd type="triangle"/>
+          </a:ln>
+        </p:spPr>
+        <p:style>
+          <a:lnRef idx="1">
+            <a:schemeClr val="accent1"/>
+          </a:lnRef>
+          <a:fillRef idx="0">
+            <a:schemeClr val="accent1"/>
+          </a:fillRef>
+          <a:effectRef idx="0">
+            <a:schemeClr val="accent1"/>
+          </a:effectRef>
+          <a:fontRef idx="minor">
+            <a:schemeClr val="tx1"/>
+          </a:fontRef>
+        </p:style>
+      </p:cxnSp>
+      <p:cxnSp>
+        <p:nvCxnSpPr>
+          <p:cNvPr id="35" name="Straight Arrow Connector 34"/>
+          <p:cNvCxnSpPr/>
+          <p:nvPr/>
+        </p:nvCxnSpPr>
+        <p:spPr>
+          <a:xfrm>
+            <a:off x="7262495" y="2162810"/>
+            <a:ext cx="223520" cy="3810"/>
+          </a:xfrm>
+          <a:prstGeom prst="straightConnector1">
+            <a:avLst/>
+          </a:prstGeom>
+          <a:ln w="28575" cmpd="sng">
+            <a:solidFill>
+              <a:schemeClr val="tx1"/>
+            </a:solidFill>
+            <a:prstDash val="solid"/>
+            <a:tailEnd type="triangle"/>
+          </a:ln>
+        </p:spPr>
+        <p:style>
+          <a:lnRef idx="1">
+            <a:schemeClr val="accent1"/>
+          </a:lnRef>
+          <a:fillRef idx="0">
+            <a:schemeClr val="accent1"/>
+          </a:fillRef>
+          <a:effectRef idx="0">
+            <a:schemeClr val="accent1"/>
+          </a:effectRef>
+          <a:fontRef idx="minor">
+            <a:schemeClr val="tx1"/>
+          </a:fontRef>
+        </p:style>
+      </p:cxnSp>
+      <p:cxnSp>
+        <p:nvCxnSpPr>
+          <p:cNvPr id="36" name="Straight Arrow Connector 35"/>
+          <p:cNvCxnSpPr/>
+          <p:nvPr/>
+        </p:nvCxnSpPr>
+        <p:spPr>
+          <a:xfrm>
+            <a:off x="9355455" y="2159000"/>
+            <a:ext cx="223520" cy="3810"/>
+          </a:xfrm>
+          <a:prstGeom prst="straightConnector1">
+            <a:avLst/>
+          </a:prstGeom>
+          <a:ln w="28575" cmpd="sng">
+            <a:solidFill>
+              <a:schemeClr val="tx1"/>
+            </a:solidFill>
+            <a:prstDash val="solid"/>
+            <a:tailEnd type="triangle"/>
+          </a:ln>
+        </p:spPr>
+        <p:style>
+          <a:lnRef idx="1">
+            <a:schemeClr val="accent1"/>
+          </a:lnRef>
+          <a:fillRef idx="0">
+            <a:schemeClr val="accent1"/>
+          </a:fillRef>
+          <a:effectRef idx="0">
+            <a:schemeClr val="accent1"/>
+          </a:effectRef>
+          <a:fontRef idx="minor">
+            <a:schemeClr val="tx1"/>
+          </a:fontRef>
+        </p:style>
+      </p:cxnSp>
+      <p:sp>
+        <p:nvSpPr>
+          <p:cNvPr id="37" name="Text Box 36"/>
+          <p:cNvSpPr txBox="1"/>
+          <p:nvPr/>
+        </p:nvSpPr>
+        <p:spPr>
+          <a:xfrm>
+            <a:off x="3329305" y="786765"/>
+            <a:ext cx="2636520" cy="337185"/>
+          </a:xfrm>
+          <a:prstGeom prst="rect">
+            <a:avLst/>
+          </a:prstGeom>
+          <a:noFill/>
+        </p:spPr>
+        <p:txBody>
+          <a:bodyPr wrap="square" rtlCol="0">
+            <a:spAutoFit/>
+          </a:bodyPr>
+          <a:p>
+            <a:r>
+              <a:rPr lang="es-ES_tradnl" altLang="en-US" sz="1600">
+                <a:latin typeface="Tibetan Machine Uni" panose="01000503020000020002" charset="0"/>
+                <a:cs typeface="Tibetan Machine Uni" panose="01000503020000020002" charset="0"/>
+              </a:rPr>
+              <a:t>Deep learning model</a:t>
+            </a:r>
+            <a:endParaRPr lang="es-ES_tradnl" altLang="en-US" sz="1600">
+              <a:latin typeface="Tibetan Machine Uni" panose="01000503020000020002" charset="0"/>
+              <a:cs typeface="Tibetan Machine Uni" panose="01000503020000020002" charset="0"/>
+            </a:endParaRPr>
+          </a:p>
+        </p:txBody>
+      </p:sp>
+      <p:sp>
+        <p:nvSpPr>
+          <p:cNvPr id="38" name="Text Box 37"/>
+          <p:cNvSpPr txBox="1"/>
+          <p:nvPr/>
+        </p:nvSpPr>
+        <p:spPr>
+          <a:xfrm>
+            <a:off x="4559935" y="1270000"/>
+            <a:ext cx="1943100" cy="306705"/>
+          </a:xfrm>
+          <a:prstGeom prst="rect">
+            <a:avLst/>
+          </a:prstGeom>
+          <a:noFill/>
+        </p:spPr>
+        <p:txBody>
+          <a:bodyPr wrap="square" rtlCol="0">
+            <a:spAutoFit/>
+          </a:bodyPr>
+          <a:p>
+            <a:r>
+              <a:rPr lang="es-ES_tradnl" altLang="en-US" sz="1400">
+                <a:latin typeface="Tibetan Machine Uni" panose="01000503020000020002" charset="0"/>
+                <a:cs typeface="Tibetan Machine Uni" panose="01000503020000020002" charset="0"/>
+              </a:rPr>
+              <a:t>Pre-trained weights</a:t>
+            </a:r>
+            <a:endParaRPr lang="es-ES_tradnl" altLang="en-US" sz="1400">
+              <a:latin typeface="Tibetan Machine Uni" panose="01000503020000020002" charset="0"/>
+              <a:cs typeface="Tibetan Machine Uni" panose="01000503020000020002" charset="0"/>
+            </a:endParaRPr>
+          </a:p>
+        </p:txBody>
+      </p:sp>
+      <p:sp>
+        <p:nvSpPr>
+          <p:cNvPr id="40" name="Text Box 39"/>
+          <p:cNvSpPr txBox="1"/>
+          <p:nvPr/>
+        </p:nvSpPr>
+        <p:spPr>
+          <a:xfrm>
+            <a:off x="443230" y="2865755"/>
+            <a:ext cx="1235075" cy="306705"/>
+          </a:xfrm>
+          <a:prstGeom prst="rect">
+            <a:avLst/>
+          </a:prstGeom>
+          <a:noFill/>
+        </p:spPr>
+        <p:txBody>
+          <a:bodyPr wrap="square" rtlCol="0">
+            <a:spAutoFit/>
+          </a:bodyPr>
+          <a:p>
+            <a:r>
+              <a:rPr lang="es-ES_tradnl" altLang="en-US" sz="1400">
+                <a:latin typeface="Tibetan Machine Uni" panose="01000503020000020002" charset="0"/>
+                <a:cs typeface="Tibetan Machine Uni" panose="01000503020000020002" charset="0"/>
+              </a:rPr>
+              <a:t>Big dataset</a:t>
+            </a:r>
+            <a:endParaRPr lang="es-ES_tradnl" altLang="en-US" sz="1400">
+              <a:latin typeface="Tibetan Machine Uni" panose="01000503020000020002" charset="0"/>
+              <a:cs typeface="Tibetan Machine Uni" panose="01000503020000020002" charset="0"/>
+            </a:endParaRPr>
+          </a:p>
+        </p:txBody>
+      </p:sp>
+      <p:pic>
+        <p:nvPicPr>
+          <p:cNvPr id="41" name="Picture 40"/>
+          <p:cNvPicPr>
+            <a:picLocks noChangeAspect="1"/>
+          </p:cNvPicPr>
+          <p:nvPr/>
+        </p:nvPicPr>
+        <p:blipFill>
+          <a:blip r:embed="rId1"/>
+          <a:srcRect l="13873" t="16667" r="20809" b="31111"/>
+          <a:stretch>
+            <a:fillRect/>
+          </a:stretch>
+        </p:blipFill>
+        <p:spPr>
+          <a:xfrm flipH="1">
+            <a:off x="2190115" y="4292600"/>
+            <a:ext cx="901065" cy="1658620"/>
+          </a:xfrm>
+          <a:prstGeom prst="rect">
+            <a:avLst/>
+          </a:prstGeom>
+        </p:spPr>
+      </p:pic>
+      <p:pic>
+        <p:nvPicPr>
+          <p:cNvPr id="42" name="Picture 41"/>
+          <p:cNvPicPr>
+            <a:picLocks noChangeAspect="1"/>
+          </p:cNvPicPr>
+          <p:nvPr/>
+        </p:nvPicPr>
+        <p:blipFill>
+          <a:blip r:embed="rId2"/>
+          <a:srcRect l="21415" t="9476" r="17955" b="16459"/>
+          <a:stretch>
+            <a:fillRect/>
+          </a:stretch>
+        </p:blipFill>
+        <p:spPr>
+          <a:xfrm>
+            <a:off x="788035" y="4599940"/>
+            <a:ext cx="890270" cy="1088390"/>
+          </a:xfrm>
+          <a:prstGeom prst="rect">
+            <a:avLst/>
+          </a:prstGeom>
+        </p:spPr>
+      </p:pic>
+      <p:pic>
+        <p:nvPicPr>
+          <p:cNvPr id="43" name="Picture 42"/>
+          <p:cNvPicPr>
+            <a:picLocks noChangeAspect="1"/>
+          </p:cNvPicPr>
+          <p:nvPr/>
+        </p:nvPicPr>
+        <p:blipFill>
+          <a:blip r:embed="rId1"/>
+          <a:srcRect l="13873" t="16667" r="20809" b="31111"/>
+          <a:stretch>
+            <a:fillRect/>
+          </a:stretch>
+        </p:blipFill>
+        <p:spPr>
+          <a:xfrm flipH="1">
+            <a:off x="3221355" y="4472305"/>
+            <a:ext cx="901700" cy="1299845"/>
+          </a:xfrm>
+          <a:prstGeom prst="rect">
+            <a:avLst/>
+          </a:prstGeom>
+        </p:spPr>
+      </p:pic>
+      <p:pic>
+        <p:nvPicPr>
+          <p:cNvPr id="44" name="Picture 43"/>
+          <p:cNvPicPr>
+            <a:picLocks noChangeAspect="1"/>
+          </p:cNvPicPr>
+          <p:nvPr/>
+        </p:nvPicPr>
+        <p:blipFill>
+          <a:blip r:embed="rId1"/>
+          <a:srcRect l="13873" t="16667" r="20809" b="31111"/>
+          <a:stretch>
+            <a:fillRect/>
+          </a:stretch>
+        </p:blipFill>
+        <p:spPr>
+          <a:xfrm flipH="1">
+            <a:off x="4253230" y="4705350"/>
+            <a:ext cx="901065" cy="833120"/>
+          </a:xfrm>
+          <a:prstGeom prst="rect">
+            <a:avLst/>
+          </a:prstGeom>
+        </p:spPr>
+      </p:pic>
+      <p:pic>
+        <p:nvPicPr>
+          <p:cNvPr id="45" name="Picture 44"/>
+          <p:cNvPicPr>
+            <a:picLocks noChangeAspect="1"/>
+          </p:cNvPicPr>
+          <p:nvPr/>
+        </p:nvPicPr>
+        <p:blipFill>
+          <a:blip r:embed="rId1"/>
+          <a:srcRect l="13873" t="16667" r="20809" b="31111"/>
+          <a:stretch>
+            <a:fillRect/>
+          </a:stretch>
+        </p:blipFill>
+        <p:spPr>
+          <a:xfrm flipH="1">
+            <a:off x="5238750" y="4705350"/>
+            <a:ext cx="2008505" cy="833120"/>
+          </a:xfrm>
+          <a:prstGeom prst="rect">
+            <a:avLst/>
+          </a:prstGeom>
+        </p:spPr>
+      </p:pic>
+      <p:sp>
+        <p:nvSpPr>
+          <p:cNvPr id="47" name="Rounded Rectangle 46"/>
+          <p:cNvSpPr/>
+          <p:nvPr/>
+        </p:nvSpPr>
+        <p:spPr>
+          <a:xfrm>
+            <a:off x="9648190" y="4170045"/>
+            <a:ext cx="304800" cy="1915160"/>
+          </a:xfrm>
+          <a:prstGeom prst="roundRect">
+            <a:avLst/>
+          </a:prstGeom>
+          <a:ln>
+            <a:noFill/>
+          </a:ln>
+        </p:spPr>
+        <p:style>
+          <a:lnRef idx="2">
+            <a:schemeClr val="accent1">
+              <a:shade val="50000"/>
+            </a:schemeClr>
+          </a:lnRef>
+          <a:fillRef idx="1">
+            <a:schemeClr val="accent1"/>
+          </a:fillRef>
+          <a:effectRef idx="0">
+            <a:schemeClr val="accent1"/>
+          </a:effectRef>
+          <a:fontRef idx="minor">
+            <a:schemeClr val="lt1"/>
+          </a:fontRef>
+        </p:style>
+        <p:txBody>
+          <a:bodyPr rtlCol="0" anchor="ctr"/>
+          <a:p>
+            <a:pPr algn="ctr"/>
+            <a:endParaRPr lang="en-US"/>
+          </a:p>
+        </p:txBody>
+      </p:sp>
+      <p:sp>
+        <p:nvSpPr>
+          <p:cNvPr id="48" name="Rounded Rectangle 47"/>
+          <p:cNvSpPr/>
+          <p:nvPr/>
+        </p:nvSpPr>
+        <p:spPr>
+          <a:xfrm>
+            <a:off x="2067560" y="3961130"/>
+            <a:ext cx="7247255" cy="2366645"/>
+          </a:xfrm>
+          <a:prstGeom prst="roundRect">
+            <a:avLst>
+              <a:gd name="adj" fmla="val 5517"/>
+            </a:avLst>
+          </a:prstGeom>
+          <a:noFill/>
+          <a:ln>
+            <a:solidFill>
+              <a:schemeClr val="tx1"/>
+            </a:solidFill>
+          </a:ln>
+        </p:spPr>
+        <p:style>
+          <a:lnRef idx="2">
+            <a:schemeClr val="accent1">
+              <a:shade val="50000"/>
+            </a:schemeClr>
+          </a:lnRef>
+          <a:fillRef idx="1">
+            <a:schemeClr val="accent1"/>
+          </a:fillRef>
+          <a:effectRef idx="0">
+            <a:schemeClr val="accent1"/>
+          </a:effectRef>
+          <a:fontRef idx="minor">
+            <a:schemeClr val="lt1"/>
+          </a:fontRef>
+        </p:style>
+        <p:txBody>
+          <a:bodyPr rtlCol="0" anchor="ctr"/>
+          <a:p>
+            <a:pPr algn="ctr"/>
+            <a:endParaRPr lang="en-US"/>
+          </a:p>
+        </p:txBody>
+      </p:sp>
+      <p:cxnSp>
+        <p:nvCxnSpPr>
+          <p:cNvPr id="49" name="Straight Arrow Connector 48"/>
+          <p:cNvCxnSpPr/>
+          <p:nvPr/>
+        </p:nvCxnSpPr>
+        <p:spPr>
+          <a:xfrm>
+            <a:off x="1598930" y="5201920"/>
+            <a:ext cx="396240" cy="0"/>
+          </a:xfrm>
+          <a:prstGeom prst="straightConnector1">
+            <a:avLst/>
+          </a:prstGeom>
+          <a:ln w="28575" cmpd="sng">
+            <a:solidFill>
+              <a:schemeClr val="tx1"/>
+            </a:solidFill>
+            <a:prstDash val="solid"/>
+            <a:tailEnd type="triangle"/>
+          </a:ln>
+        </p:spPr>
+        <p:style>
+          <a:lnRef idx="1">
+            <a:schemeClr val="accent1"/>
+          </a:lnRef>
+          <a:fillRef idx="0">
+            <a:schemeClr val="accent1"/>
+          </a:fillRef>
+          <a:effectRef idx="0">
+            <a:schemeClr val="accent1"/>
+          </a:effectRef>
+          <a:fontRef idx="minor">
+            <a:schemeClr val="tx1"/>
+          </a:fontRef>
+        </p:style>
+      </p:cxnSp>
+      <p:cxnSp>
+        <p:nvCxnSpPr>
+          <p:cNvPr id="50" name="Straight Arrow Connector 49"/>
+          <p:cNvCxnSpPr/>
+          <p:nvPr/>
+        </p:nvCxnSpPr>
+        <p:spPr>
+          <a:xfrm>
+            <a:off x="3045460" y="5201920"/>
+            <a:ext cx="223520" cy="3810"/>
+          </a:xfrm>
+          <a:prstGeom prst="straightConnector1">
+            <a:avLst/>
+          </a:prstGeom>
+          <a:ln w="28575" cmpd="sng">
+            <a:solidFill>
+              <a:schemeClr val="tx1"/>
+            </a:solidFill>
+            <a:prstDash val="solid"/>
+            <a:tailEnd type="triangle"/>
+          </a:ln>
+        </p:spPr>
+        <p:style>
+          <a:lnRef idx="1">
+            <a:schemeClr val="accent1"/>
+          </a:lnRef>
+          <a:fillRef idx="0">
+            <a:schemeClr val="accent1"/>
+          </a:fillRef>
+          <a:effectRef idx="0">
+            <a:schemeClr val="accent1"/>
+          </a:effectRef>
+          <a:fontRef idx="minor">
+            <a:schemeClr val="tx1"/>
+          </a:fontRef>
+        </p:style>
+      </p:cxnSp>
+      <p:cxnSp>
+        <p:nvCxnSpPr>
+          <p:cNvPr id="51" name="Straight Arrow Connector 50"/>
+          <p:cNvCxnSpPr/>
+          <p:nvPr/>
+        </p:nvCxnSpPr>
+        <p:spPr>
+          <a:xfrm>
+            <a:off x="4077335" y="5181600"/>
+            <a:ext cx="223520" cy="3810"/>
+          </a:xfrm>
+          <a:prstGeom prst="straightConnector1">
+            <a:avLst/>
+          </a:prstGeom>
+          <a:ln w="28575" cmpd="sng">
+            <a:solidFill>
+              <a:schemeClr val="tx1"/>
+            </a:solidFill>
+            <a:prstDash val="solid"/>
+            <a:tailEnd type="triangle"/>
+          </a:ln>
+        </p:spPr>
+        <p:style>
+          <a:lnRef idx="1">
+            <a:schemeClr val="accent1"/>
+          </a:lnRef>
+          <a:fillRef idx="0">
+            <a:schemeClr val="accent1"/>
+          </a:fillRef>
+          <a:effectRef idx="0">
+            <a:schemeClr val="accent1"/>
+          </a:effectRef>
+          <a:fontRef idx="minor">
+            <a:schemeClr val="tx1"/>
+          </a:fontRef>
+        </p:style>
+      </p:cxnSp>
+      <p:cxnSp>
+        <p:nvCxnSpPr>
+          <p:cNvPr id="52" name="Straight Arrow Connector 51"/>
+          <p:cNvCxnSpPr/>
+          <p:nvPr/>
+        </p:nvCxnSpPr>
+        <p:spPr>
+          <a:xfrm>
+            <a:off x="5100320" y="5177790"/>
+            <a:ext cx="223520" cy="3810"/>
+          </a:xfrm>
+          <a:prstGeom prst="straightConnector1">
+            <a:avLst/>
+          </a:prstGeom>
+          <a:ln w="28575" cmpd="sng">
+            <a:solidFill>
+              <a:schemeClr val="tx1"/>
+            </a:solidFill>
+            <a:prstDash val="solid"/>
+            <a:tailEnd type="triangle"/>
+          </a:ln>
+        </p:spPr>
+        <p:style>
+          <a:lnRef idx="1">
+            <a:schemeClr val="accent1"/>
+          </a:lnRef>
+          <a:fillRef idx="0">
+            <a:schemeClr val="accent1"/>
+          </a:fillRef>
+          <a:effectRef idx="0">
+            <a:schemeClr val="accent1"/>
+          </a:effectRef>
+          <a:fontRef idx="minor">
+            <a:schemeClr val="tx1"/>
+          </a:fontRef>
+        </p:style>
+      </p:cxnSp>
+      <p:cxnSp>
+        <p:nvCxnSpPr>
+          <p:cNvPr id="53" name="Straight Arrow Connector 52"/>
+          <p:cNvCxnSpPr/>
+          <p:nvPr/>
+        </p:nvCxnSpPr>
+        <p:spPr>
+          <a:xfrm>
+            <a:off x="7275830" y="5173980"/>
+            <a:ext cx="223520" cy="3810"/>
+          </a:xfrm>
+          <a:prstGeom prst="straightConnector1">
+            <a:avLst/>
+          </a:prstGeom>
+          <a:ln w="28575" cmpd="sng">
+            <a:solidFill>
+              <a:schemeClr val="tx1"/>
+            </a:solidFill>
+            <a:prstDash val="solid"/>
+            <a:tailEnd type="triangle"/>
+          </a:ln>
+        </p:spPr>
+        <p:style>
+          <a:lnRef idx="1">
+            <a:schemeClr val="accent1"/>
+          </a:lnRef>
+          <a:fillRef idx="0">
+            <a:schemeClr val="accent1"/>
+          </a:fillRef>
+          <a:effectRef idx="0">
+            <a:schemeClr val="accent1"/>
+          </a:effectRef>
+          <a:fontRef idx="minor">
+            <a:schemeClr val="tx1"/>
+          </a:fontRef>
+        </p:style>
+      </p:cxnSp>
+      <p:cxnSp>
+        <p:nvCxnSpPr>
+          <p:cNvPr id="54" name="Straight Arrow Connector 53"/>
+          <p:cNvCxnSpPr/>
+          <p:nvPr/>
+        </p:nvCxnSpPr>
+        <p:spPr>
+          <a:xfrm>
+            <a:off x="9370060" y="5170170"/>
+            <a:ext cx="223520" cy="3810"/>
+          </a:xfrm>
+          <a:prstGeom prst="straightConnector1">
+            <a:avLst/>
+          </a:prstGeom>
+          <a:ln w="28575" cmpd="sng">
+            <a:solidFill>
+              <a:schemeClr val="tx1"/>
+            </a:solidFill>
+            <a:prstDash val="solid"/>
+            <a:tailEnd type="triangle"/>
+          </a:ln>
+        </p:spPr>
+        <p:style>
+          <a:lnRef idx="1">
+            <a:schemeClr val="accent1"/>
+          </a:lnRef>
+          <a:fillRef idx="0">
+            <a:schemeClr val="accent1"/>
+          </a:fillRef>
+          <a:effectRef idx="0">
+            <a:schemeClr val="accent1"/>
+          </a:effectRef>
+          <a:fontRef idx="minor">
+            <a:schemeClr val="tx1"/>
+          </a:fontRef>
+        </p:style>
+      </p:cxnSp>
+      <p:sp>
+        <p:nvSpPr>
+          <p:cNvPr id="55" name="Text Box 54"/>
+          <p:cNvSpPr txBox="1"/>
+          <p:nvPr/>
+        </p:nvSpPr>
+        <p:spPr>
+          <a:xfrm>
+            <a:off x="3385820" y="3358515"/>
+            <a:ext cx="2636520" cy="337185"/>
+          </a:xfrm>
+          <a:prstGeom prst="rect">
+            <a:avLst/>
+          </a:prstGeom>
+          <a:noFill/>
+        </p:spPr>
+        <p:txBody>
+          <a:bodyPr wrap="square" rtlCol="0">
+            <a:spAutoFit/>
+          </a:bodyPr>
+          <a:p>
+            <a:r>
+              <a:rPr lang="es-ES_tradnl" altLang="en-US" sz="1600">
+                <a:latin typeface="Tibetan Machine Uni" panose="01000503020000020002" charset="0"/>
+                <a:cs typeface="Tibetan Machine Uni" panose="01000503020000020002" charset="0"/>
+              </a:rPr>
+              <a:t>Transfer learning</a:t>
+            </a:r>
+            <a:endParaRPr lang="es-ES_tradnl" altLang="en-US" sz="1600">
+              <a:latin typeface="Tibetan Machine Uni" panose="01000503020000020002" charset="0"/>
+              <a:cs typeface="Tibetan Machine Uni" panose="01000503020000020002" charset="0"/>
+            </a:endParaRPr>
+          </a:p>
+        </p:txBody>
+      </p:sp>
+      <p:sp>
+        <p:nvSpPr>
+          <p:cNvPr id="56" name="Text Box 55"/>
+          <p:cNvSpPr txBox="1"/>
+          <p:nvPr/>
+        </p:nvSpPr>
+        <p:spPr>
+          <a:xfrm>
+            <a:off x="4559935" y="4292600"/>
+            <a:ext cx="1943100" cy="306705"/>
+          </a:xfrm>
+          <a:prstGeom prst="rect">
+            <a:avLst/>
+          </a:prstGeom>
+          <a:noFill/>
+        </p:spPr>
+        <p:txBody>
+          <a:bodyPr wrap="square" rtlCol="0">
+            <a:spAutoFit/>
+          </a:bodyPr>
+          <a:p>
+            <a:r>
+              <a:rPr lang="es-ES_tradnl" altLang="en-US" sz="1400">
+                <a:latin typeface="Tibetan Machine Uni" panose="01000503020000020002" charset="0"/>
+                <a:cs typeface="Tibetan Machine Uni" panose="01000503020000020002" charset="0"/>
+              </a:rPr>
+              <a:t>Pre-trained weights</a:t>
+            </a:r>
+            <a:endParaRPr lang="es-ES_tradnl" altLang="en-US" sz="1400">
+              <a:latin typeface="Tibetan Machine Uni" panose="01000503020000020002" charset="0"/>
+              <a:cs typeface="Tibetan Machine Uni" panose="01000503020000020002" charset="0"/>
+            </a:endParaRPr>
+          </a:p>
+        </p:txBody>
+      </p:sp>
+      <p:sp>
+        <p:nvSpPr>
+          <p:cNvPr id="57" name="Text Box 56"/>
+          <p:cNvSpPr txBox="1"/>
+          <p:nvPr/>
+        </p:nvSpPr>
+        <p:spPr>
+          <a:xfrm>
+            <a:off x="523240" y="5680710"/>
+            <a:ext cx="1498600" cy="306705"/>
+          </a:xfrm>
+          <a:prstGeom prst="rect">
+            <a:avLst/>
+          </a:prstGeom>
+          <a:noFill/>
+        </p:spPr>
+        <p:txBody>
+          <a:bodyPr wrap="square" rtlCol="0">
+            <a:spAutoFit/>
+          </a:bodyPr>
+          <a:p>
+            <a:r>
+              <a:rPr lang="es-ES_tradnl" altLang="en-US" sz="1400">
+                <a:latin typeface="Tibetan Machine Uni" panose="01000503020000020002" charset="0"/>
+                <a:cs typeface="Tibetan Machine Uni" panose="01000503020000020002" charset="0"/>
+              </a:rPr>
+              <a:t>Small dataset</a:t>
+            </a:r>
+            <a:endParaRPr lang="es-ES_tradnl" altLang="en-US" sz="1400">
+              <a:latin typeface="Tibetan Machine Uni" panose="01000503020000020002" charset="0"/>
+              <a:cs typeface="Tibetan Machine Uni" panose="01000503020000020002" charset="0"/>
+            </a:endParaRPr>
+          </a:p>
+        </p:txBody>
+      </p:sp>
+      <p:sp>
+        <p:nvSpPr>
+          <p:cNvPr id="58" name="Text Box 57"/>
+          <p:cNvSpPr txBox="1"/>
+          <p:nvPr/>
+        </p:nvSpPr>
+        <p:spPr>
+          <a:xfrm>
+            <a:off x="7780020" y="5806440"/>
+            <a:ext cx="1264920" cy="306705"/>
+          </a:xfrm>
+          <a:prstGeom prst="rect">
+            <a:avLst/>
+          </a:prstGeom>
+          <a:noFill/>
+        </p:spPr>
+        <p:txBody>
+          <a:bodyPr wrap="square" rtlCol="0">
+            <a:spAutoFit/>
+          </a:bodyPr>
+          <a:p>
+            <a:r>
+              <a:rPr lang="es-ES_tradnl" altLang="en-US" sz="1400">
+                <a:latin typeface="Tibetan Machine Uni" panose="01000503020000020002" charset="0"/>
+                <a:cs typeface="Tibetan Machine Uni" panose="01000503020000020002" charset="0"/>
+              </a:rPr>
+              <a:t>Fine tuning</a:t>
+            </a:r>
+            <a:endParaRPr lang="es-ES_tradnl" altLang="en-US" sz="1400">
+              <a:latin typeface="Tibetan Machine Uni" panose="01000503020000020002" charset="0"/>
+              <a:cs typeface="Tibetan Machine Uni" panose="01000503020000020002" charset="0"/>
+            </a:endParaRPr>
+          </a:p>
+        </p:txBody>
+      </p:sp>
+      <p:sp>
+        <p:nvSpPr>
+          <p:cNvPr id="59" name="Rounded Rectangle 58"/>
+          <p:cNvSpPr/>
+          <p:nvPr/>
+        </p:nvSpPr>
+        <p:spPr>
+          <a:xfrm>
+            <a:off x="2159000" y="4241800"/>
+            <a:ext cx="5017770" cy="1767205"/>
+          </a:xfrm>
+          <a:prstGeom prst="roundRect">
+            <a:avLst>
+              <a:gd name="adj" fmla="val 4599"/>
+            </a:avLst>
+          </a:prstGeom>
+          <a:noFill/>
+          <a:ln>
+            <a:solidFill>
+              <a:schemeClr val="tx1"/>
+            </a:solidFill>
+          </a:ln>
+        </p:spPr>
+        <p:style>
+          <a:lnRef idx="2">
+            <a:schemeClr val="accent1">
+              <a:shade val="50000"/>
+            </a:schemeClr>
+          </a:lnRef>
+          <a:fillRef idx="1">
+            <a:schemeClr val="accent1"/>
+          </a:fillRef>
+          <a:effectRef idx="0">
+            <a:schemeClr val="accent1"/>
+          </a:effectRef>
+          <a:fontRef idx="minor">
+            <a:schemeClr val="lt1"/>
+          </a:fontRef>
+        </p:style>
+        <p:txBody>
+          <a:bodyPr rtlCol="0" anchor="ctr"/>
+          <a:p>
+            <a:pPr algn="ctr"/>
+            <a:endParaRPr lang="en-US"/>
+          </a:p>
+        </p:txBody>
+      </p:sp>
+      <p:sp>
+        <p:nvSpPr>
+          <p:cNvPr id="60" name="Rounded Rectangle 59"/>
+          <p:cNvSpPr/>
+          <p:nvPr/>
+        </p:nvSpPr>
+        <p:spPr>
+          <a:xfrm>
+            <a:off x="2772410" y="3319145"/>
+            <a:ext cx="3193415" cy="392430"/>
+          </a:xfrm>
+          <a:prstGeom prst="roundRect">
+            <a:avLst>
+              <a:gd name="adj" fmla="val 4168"/>
+            </a:avLst>
+          </a:prstGeom>
+          <a:noFill/>
+          <a:ln>
+            <a:solidFill>
+              <a:schemeClr val="tx1"/>
+            </a:solidFill>
+          </a:ln>
+        </p:spPr>
+        <p:style>
+          <a:lnRef idx="2">
+            <a:schemeClr val="accent1">
+              <a:shade val="50000"/>
+            </a:schemeClr>
+          </a:lnRef>
+          <a:fillRef idx="1">
+            <a:schemeClr val="accent1"/>
+          </a:fillRef>
+          <a:effectRef idx="0">
+            <a:schemeClr val="accent1"/>
+          </a:effectRef>
+          <a:fontRef idx="minor">
+            <a:schemeClr val="lt1"/>
+          </a:fontRef>
+        </p:style>
+        <p:txBody>
+          <a:bodyPr rtlCol="0" anchor="ctr"/>
+          <a:p>
+            <a:pPr algn="ctr"/>
+            <a:endParaRPr lang="en-US"/>
+          </a:p>
+        </p:txBody>
+      </p:sp>
+      <p:cxnSp>
+        <p:nvCxnSpPr>
+          <p:cNvPr id="61" name="Straight Arrow Connector 60"/>
+          <p:cNvCxnSpPr/>
+          <p:nvPr/>
+        </p:nvCxnSpPr>
+        <p:spPr>
+          <a:xfrm>
+            <a:off x="4366895" y="3055620"/>
+            <a:ext cx="5080" cy="220980"/>
+          </a:xfrm>
+          <a:prstGeom prst="straightConnector1">
+            <a:avLst/>
+          </a:prstGeom>
+          <a:ln w="28575" cmpd="sng">
+            <a:solidFill>
+              <a:schemeClr val="tx1"/>
+            </a:solidFill>
+            <a:prstDash val="solid"/>
+            <a:tailEnd type="triangle"/>
+          </a:ln>
+        </p:spPr>
+        <p:style>
+          <a:lnRef idx="1">
+            <a:schemeClr val="accent1"/>
+          </a:lnRef>
+          <a:fillRef idx="0">
+            <a:schemeClr val="accent1"/>
+          </a:fillRef>
+          <a:effectRef idx="0">
+            <a:schemeClr val="accent1"/>
+          </a:effectRef>
+          <a:fontRef idx="minor">
+            <a:schemeClr val="tx1"/>
+          </a:fontRef>
+        </p:style>
+      </p:cxnSp>
+      <p:cxnSp>
+        <p:nvCxnSpPr>
+          <p:cNvPr id="62" name="Straight Arrow Connector 61"/>
+          <p:cNvCxnSpPr/>
+          <p:nvPr/>
+        </p:nvCxnSpPr>
+        <p:spPr>
+          <a:xfrm>
+            <a:off x="4361815" y="3777615"/>
+            <a:ext cx="4445" cy="409575"/>
+          </a:xfrm>
+          <a:prstGeom prst="straightConnector1">
+            <a:avLst/>
+          </a:prstGeom>
+          <a:ln w="28575" cmpd="sng">
+            <a:solidFill>
+              <a:schemeClr val="tx1"/>
+            </a:solidFill>
+            <a:prstDash val="solid"/>
+            <a:tailEnd type="triangle"/>
+          </a:ln>
+        </p:spPr>
+        <p:style>
+          <a:lnRef idx="1">
+            <a:schemeClr val="accent1"/>
+          </a:lnRef>
+          <a:fillRef idx="0">
+            <a:schemeClr val="accent1"/>
+          </a:fillRef>
+          <a:effectRef idx="0">
+            <a:schemeClr val="accent1"/>
+          </a:effectRef>
+          <a:fontRef idx="minor">
+            <a:schemeClr val="tx1"/>
+          </a:fontRef>
+        </p:style>
+      </p:cxnSp>
+      <p:sp>
+        <p:nvSpPr>
+          <p:cNvPr id="63" name="Text Box 62"/>
+          <p:cNvSpPr txBox="1"/>
+          <p:nvPr/>
+        </p:nvSpPr>
+        <p:spPr>
+          <a:xfrm>
+            <a:off x="9385300" y="3060700"/>
+            <a:ext cx="830580" cy="306705"/>
+          </a:xfrm>
+          <a:prstGeom prst="rect">
+            <a:avLst/>
+          </a:prstGeom>
+          <a:noFill/>
+        </p:spPr>
+        <p:txBody>
+          <a:bodyPr wrap="square" rtlCol="0">
+            <a:spAutoFit/>
+          </a:bodyPr>
+          <a:p>
+            <a:r>
+              <a:rPr lang="es-ES_tradnl" altLang="en-US" sz="1400">
+                <a:latin typeface="Tibetan Machine Uni" panose="01000503020000020002" charset="0"/>
+                <a:cs typeface="Tibetan Machine Uni" panose="01000503020000020002" charset="0"/>
+              </a:rPr>
+              <a:t>Output</a:t>
+            </a:r>
+            <a:endParaRPr lang="es-ES_tradnl" altLang="en-US" sz="1400">
+              <a:latin typeface="Tibetan Machine Uni" panose="01000503020000020002" charset="0"/>
+              <a:cs typeface="Tibetan Machine Uni" panose="01000503020000020002" charset="0"/>
+            </a:endParaRPr>
+          </a:p>
+        </p:txBody>
+      </p:sp>
+      <p:sp>
+        <p:nvSpPr>
+          <p:cNvPr id="64" name="Text Box 63"/>
+          <p:cNvSpPr txBox="1"/>
+          <p:nvPr/>
+        </p:nvSpPr>
+        <p:spPr>
+          <a:xfrm>
+            <a:off x="9387205" y="6085205"/>
+            <a:ext cx="830580" cy="306705"/>
+          </a:xfrm>
+          <a:prstGeom prst="rect">
+            <a:avLst/>
+          </a:prstGeom>
+          <a:noFill/>
+        </p:spPr>
+        <p:txBody>
+          <a:bodyPr wrap="square" rtlCol="0">
+            <a:spAutoFit/>
+          </a:bodyPr>
+          <a:p>
+            <a:r>
+              <a:rPr lang="es-ES_tradnl" altLang="en-US" sz="1400">
+                <a:latin typeface="Tibetan Machine Uni" panose="01000503020000020002" charset="0"/>
+                <a:cs typeface="Tibetan Machine Uni" panose="01000503020000020002" charset="0"/>
+              </a:rPr>
+              <a:t>Output</a:t>
+            </a:r>
+            <a:endParaRPr lang="es-ES_tradnl" altLang="en-US" sz="1400">
+              <a:latin typeface="Tibetan Machine Uni" panose="01000503020000020002" charset="0"/>
+              <a:cs typeface="Tibetan Machine Uni" panose="01000503020000020002" charset="0"/>
+            </a:endParaRPr>
+          </a:p>
+        </p:txBody>
+      </p:sp>
+      <p:pic>
+        <p:nvPicPr>
+          <p:cNvPr id="67" name="Picture 66" descr="Picture2-removebg-preview"/>
+          <p:cNvPicPr>
+            <a:picLocks noChangeAspect="1"/>
+          </p:cNvPicPr>
+          <p:nvPr/>
+        </p:nvPicPr>
+        <p:blipFill>
+          <a:blip r:embed="rId3"/>
+          <a:stretch>
+            <a:fillRect/>
+          </a:stretch>
+        </p:blipFill>
+        <p:spPr>
+          <a:xfrm>
+            <a:off x="7581900" y="1565910"/>
+            <a:ext cx="1579245" cy="1231265"/>
+          </a:xfrm>
+          <a:prstGeom prst="rect">
+            <a:avLst/>
+          </a:prstGeom>
+        </p:spPr>
+      </p:pic>
+      <p:pic>
+        <p:nvPicPr>
+          <p:cNvPr id="68" name="Picture 67" descr="Picture2-removebg-preview"/>
+          <p:cNvPicPr>
+            <a:picLocks noChangeAspect="1"/>
+          </p:cNvPicPr>
+          <p:nvPr/>
+        </p:nvPicPr>
+        <p:blipFill>
+          <a:blip r:embed="rId3"/>
+          <a:stretch>
+            <a:fillRect/>
+          </a:stretch>
+        </p:blipFill>
+        <p:spPr>
+          <a:xfrm>
+            <a:off x="7585075" y="4575175"/>
+            <a:ext cx="1579245" cy="1231265"/>
+          </a:xfrm>
+          <a:prstGeom prst="rect">
+            <a:avLst/>
+          </a:prstGeom>
+        </p:spPr>
+      </p:pic>
+    </p:spTree>
+  </p:cSld>
+  <p:clrMapOvr>
+    <a:masterClrMapping/>
+  </p:clrMapOvr>
+</p:sld>
+</file>
+
+<file path=ppt/slides/slide25.xml><?xml version="1.0" encoding="utf-8"?>
+<p:sld xmlns:a="http://schemas.openxmlformats.org/drawingml/2006/main" xmlns:r="http://schemas.openxmlformats.org/officeDocument/2006/relationships" xmlns:p="http://schemas.openxmlformats.org/presentationml/2006/main">
+  <p:cSld>
+    <p:spTree>
+      <p:nvGrpSpPr>
+        <p:cNvPr id="1" name=""/>
+        <p:cNvGrpSpPr/>
+        <p:nvPr/>
+      </p:nvGrpSpPr>
+      <p:grpSpPr>
+        <a:xfrm>
+          <a:off x="0" y="0"/>
+          <a:ext cx="0" cy="0"/>
+          <a:chOff x="0" y="0"/>
+          <a:chExt cx="0" cy="0"/>
+        </a:xfrm>
+      </p:grpSpPr>
+      <p:pic>
+        <p:nvPicPr>
+          <p:cNvPr id="7" name="Picture 6"/>
+          <p:cNvPicPr>
+            <a:picLocks noChangeAspect="1"/>
+          </p:cNvPicPr>
+          <p:nvPr/>
+        </p:nvPicPr>
+        <p:blipFill>
+          <a:blip r:embed="rId1"/>
+          <a:srcRect l="13873" t="16667" r="20809" b="31111"/>
+          <a:stretch>
+            <a:fillRect/>
+          </a:stretch>
+        </p:blipFill>
+        <p:spPr>
+          <a:xfrm flipH="1">
+            <a:off x="2190115" y="1270000"/>
+            <a:ext cx="901065" cy="1658620"/>
+          </a:xfrm>
+          <a:prstGeom prst="rect">
+            <a:avLst/>
+          </a:prstGeom>
+        </p:spPr>
+      </p:pic>
+      <p:pic>
+        <p:nvPicPr>
+          <p:cNvPr id="2" name="Picture 1"/>
+          <p:cNvPicPr>
+            <a:picLocks noChangeAspect="1"/>
+          </p:cNvPicPr>
+          <p:nvPr/>
+        </p:nvPicPr>
+        <p:blipFill>
+          <a:blip r:embed="rId2"/>
+          <a:srcRect l="21415" t="9476" r="17955" b="16459"/>
+          <a:stretch>
+            <a:fillRect/>
+          </a:stretch>
+        </p:blipFill>
+        <p:spPr>
+          <a:xfrm>
+            <a:off x="443230" y="1426845"/>
+            <a:ext cx="1235075" cy="1508760"/>
+          </a:xfrm>
+          <a:prstGeom prst="rect">
+            <a:avLst/>
+          </a:prstGeom>
+        </p:spPr>
+      </p:pic>
+      <p:pic>
+        <p:nvPicPr>
+          <p:cNvPr id="8" name="Picture 7"/>
+          <p:cNvPicPr>
+            <a:picLocks noChangeAspect="1"/>
+          </p:cNvPicPr>
+          <p:nvPr/>
+        </p:nvPicPr>
+        <p:blipFill>
+          <a:blip r:embed="rId1"/>
+          <a:srcRect l="13873" t="16667" r="20809" b="31111"/>
+          <a:stretch>
+            <a:fillRect/>
+          </a:stretch>
+        </p:blipFill>
+        <p:spPr>
+          <a:xfrm flipH="1">
+            <a:off x="3221355" y="1449705"/>
+            <a:ext cx="901700" cy="1299845"/>
+          </a:xfrm>
+          <a:prstGeom prst="rect">
+            <a:avLst/>
+          </a:prstGeom>
+        </p:spPr>
+      </p:pic>
+      <p:pic>
+        <p:nvPicPr>
+          <p:cNvPr id="11" name="Picture 10"/>
+          <p:cNvPicPr>
+            <a:picLocks noChangeAspect="1"/>
+          </p:cNvPicPr>
+          <p:nvPr/>
+        </p:nvPicPr>
+        <p:blipFill>
+          <a:blip r:embed="rId1"/>
+          <a:srcRect l="13873" t="16667" r="20809" b="31111"/>
+          <a:stretch>
+            <a:fillRect/>
+          </a:stretch>
+        </p:blipFill>
+        <p:spPr>
+          <a:xfrm flipH="1">
+            <a:off x="4253230" y="1682750"/>
+            <a:ext cx="901065" cy="833120"/>
+          </a:xfrm>
+          <a:prstGeom prst="rect">
+            <a:avLst/>
+          </a:prstGeom>
+        </p:spPr>
+      </p:pic>
+      <p:pic>
+        <p:nvPicPr>
+          <p:cNvPr id="15" name="Picture 14"/>
+          <p:cNvPicPr>
+            <a:picLocks noChangeAspect="1"/>
+          </p:cNvPicPr>
+          <p:nvPr/>
+        </p:nvPicPr>
+        <p:blipFill>
+          <a:blip r:embed="rId1"/>
+          <a:srcRect l="13873" t="16667" r="20809" b="31111"/>
+          <a:stretch>
+            <a:fillRect/>
+          </a:stretch>
+        </p:blipFill>
+        <p:spPr>
+          <a:xfrm flipH="1">
+            <a:off x="5238750" y="1682750"/>
+            <a:ext cx="2008505" cy="833120"/>
+          </a:xfrm>
+          <a:prstGeom prst="rect">
+            <a:avLst/>
+          </a:prstGeom>
+        </p:spPr>
+      </p:pic>
+      <p:sp>
+        <p:nvSpPr>
+          <p:cNvPr id="29" name="Rounded Rectangle 28"/>
+          <p:cNvSpPr/>
+          <p:nvPr/>
+        </p:nvSpPr>
+        <p:spPr>
+          <a:xfrm>
+            <a:off x="9648190" y="1147445"/>
+            <a:ext cx="304800" cy="1915160"/>
+          </a:xfrm>
+          <a:prstGeom prst="roundRect">
+            <a:avLst/>
+          </a:prstGeom>
+          <a:ln>
+            <a:noFill/>
+          </a:ln>
+        </p:spPr>
+        <p:style>
+          <a:lnRef idx="2">
+            <a:schemeClr val="accent1">
+              <a:shade val="50000"/>
+            </a:schemeClr>
+          </a:lnRef>
+          <a:fillRef idx="1">
+            <a:schemeClr val="accent1"/>
+          </a:fillRef>
+          <a:effectRef idx="0">
+            <a:schemeClr val="accent1"/>
+          </a:effectRef>
+          <a:fontRef idx="minor">
+            <a:schemeClr val="lt1"/>
+          </a:fontRef>
+        </p:style>
+        <p:txBody>
+          <a:bodyPr rtlCol="0" anchor="ctr"/>
+          <a:p>
+            <a:pPr algn="ctr"/>
+            <a:endParaRPr lang="en-US"/>
+          </a:p>
+        </p:txBody>
+      </p:sp>
+      <p:sp>
+        <p:nvSpPr>
+          <p:cNvPr id="30" name="Rounded Rectangle 29"/>
+          <p:cNvSpPr/>
+          <p:nvPr/>
+        </p:nvSpPr>
+        <p:spPr>
+          <a:xfrm>
+            <a:off x="2067560" y="1123950"/>
+            <a:ext cx="5160010" cy="1889125"/>
+          </a:xfrm>
+          <a:prstGeom prst="roundRect">
+            <a:avLst>
+              <a:gd name="adj" fmla="val 4168"/>
+            </a:avLst>
+          </a:prstGeom>
+          <a:noFill/>
+          <a:ln>
+            <a:solidFill>
+              <a:schemeClr val="tx1"/>
+            </a:solidFill>
+          </a:ln>
+        </p:spPr>
+        <p:style>
+          <a:lnRef idx="2">
+            <a:schemeClr val="accent1">
+              <a:shade val="50000"/>
+            </a:schemeClr>
+          </a:lnRef>
+          <a:fillRef idx="1">
+            <a:schemeClr val="accent1"/>
+          </a:fillRef>
+          <a:effectRef idx="0">
+            <a:schemeClr val="accent1"/>
+          </a:effectRef>
+          <a:fontRef idx="minor">
+            <a:schemeClr val="lt1"/>
+          </a:fontRef>
+        </p:style>
+        <p:txBody>
+          <a:bodyPr rtlCol="0" anchor="ctr"/>
+          <a:p>
+            <a:pPr algn="ctr"/>
+            <a:endParaRPr lang="en-US"/>
+          </a:p>
+        </p:txBody>
+      </p:sp>
+      <p:cxnSp>
+        <p:nvCxnSpPr>
+          <p:cNvPr id="31" name="Straight Arrow Connector 30"/>
+          <p:cNvCxnSpPr/>
+          <p:nvPr/>
+        </p:nvCxnSpPr>
+        <p:spPr>
+          <a:xfrm>
+            <a:off x="1598930" y="2179320"/>
+            <a:ext cx="396240" cy="0"/>
+          </a:xfrm>
+          <a:prstGeom prst="straightConnector1">
+            <a:avLst/>
+          </a:prstGeom>
+          <a:ln w="28575" cmpd="sng">
+            <a:solidFill>
+              <a:schemeClr val="tx1"/>
+            </a:solidFill>
+            <a:prstDash val="solid"/>
+            <a:tailEnd type="triangle"/>
+          </a:ln>
+        </p:spPr>
+        <p:style>
+          <a:lnRef idx="1">
+            <a:schemeClr val="accent1"/>
+          </a:lnRef>
+          <a:fillRef idx="0">
+            <a:schemeClr val="accent1"/>
+          </a:fillRef>
+          <a:effectRef idx="0">
+            <a:schemeClr val="accent1"/>
+          </a:effectRef>
+          <a:fontRef idx="minor">
+            <a:schemeClr val="tx1"/>
+          </a:fontRef>
+        </p:style>
+      </p:cxnSp>
+      <p:cxnSp>
+        <p:nvCxnSpPr>
+          <p:cNvPr id="32" name="Straight Arrow Connector 31"/>
+          <p:cNvCxnSpPr/>
+          <p:nvPr/>
+        </p:nvCxnSpPr>
+        <p:spPr>
+          <a:xfrm>
+            <a:off x="3045460" y="2179320"/>
+            <a:ext cx="223520" cy="3810"/>
+          </a:xfrm>
+          <a:prstGeom prst="straightConnector1">
+            <a:avLst/>
+          </a:prstGeom>
+          <a:ln w="28575" cmpd="sng">
+            <a:solidFill>
+              <a:schemeClr val="tx1"/>
+            </a:solidFill>
+            <a:prstDash val="solid"/>
+            <a:tailEnd type="triangle"/>
+          </a:ln>
+        </p:spPr>
+        <p:style>
+          <a:lnRef idx="1">
+            <a:schemeClr val="accent1"/>
+          </a:lnRef>
+          <a:fillRef idx="0">
+            <a:schemeClr val="accent1"/>
+          </a:fillRef>
+          <a:effectRef idx="0">
+            <a:schemeClr val="accent1"/>
+          </a:effectRef>
+          <a:fontRef idx="minor">
+            <a:schemeClr val="tx1"/>
+          </a:fontRef>
+        </p:style>
+      </p:cxnSp>
+      <p:cxnSp>
+        <p:nvCxnSpPr>
+          <p:cNvPr id="33" name="Straight Arrow Connector 32"/>
+          <p:cNvCxnSpPr/>
+          <p:nvPr/>
+        </p:nvCxnSpPr>
+        <p:spPr>
+          <a:xfrm>
+            <a:off x="4077335" y="2159000"/>
+            <a:ext cx="223520" cy="3810"/>
+          </a:xfrm>
+          <a:prstGeom prst="straightConnector1">
+            <a:avLst/>
+          </a:prstGeom>
+          <a:ln w="28575" cmpd="sng">
+            <a:solidFill>
+              <a:schemeClr val="tx1"/>
+            </a:solidFill>
+            <a:prstDash val="solid"/>
+            <a:tailEnd type="triangle"/>
+          </a:ln>
+        </p:spPr>
+        <p:style>
+          <a:lnRef idx="1">
+            <a:schemeClr val="accent1"/>
+          </a:lnRef>
+          <a:fillRef idx="0">
+            <a:schemeClr val="accent1"/>
+          </a:fillRef>
+          <a:effectRef idx="0">
+            <a:schemeClr val="accent1"/>
+          </a:effectRef>
+          <a:fontRef idx="minor">
+            <a:schemeClr val="tx1"/>
+          </a:fontRef>
+        </p:style>
+      </p:cxnSp>
+      <p:cxnSp>
+        <p:nvCxnSpPr>
+          <p:cNvPr id="34" name="Straight Arrow Connector 33"/>
+          <p:cNvCxnSpPr/>
+          <p:nvPr/>
+        </p:nvCxnSpPr>
+        <p:spPr>
+          <a:xfrm>
+            <a:off x="5100320" y="2155190"/>
+            <a:ext cx="223520" cy="3810"/>
+          </a:xfrm>
+          <a:prstGeom prst="straightConnector1">
+            <a:avLst/>
+          </a:prstGeom>
+          <a:ln w="28575" cmpd="sng">
+            <a:solidFill>
+              <a:schemeClr val="tx1"/>
+            </a:solidFill>
+            <a:prstDash val="solid"/>
+            <a:tailEnd type="triangle"/>
+          </a:ln>
+        </p:spPr>
+        <p:style>
+          <a:lnRef idx="1">
+            <a:schemeClr val="accent1"/>
+          </a:lnRef>
+          <a:fillRef idx="0">
+            <a:schemeClr val="accent1"/>
+          </a:fillRef>
+          <a:effectRef idx="0">
+            <a:schemeClr val="accent1"/>
+          </a:effectRef>
+          <a:fontRef idx="minor">
+            <a:schemeClr val="tx1"/>
+          </a:fontRef>
+        </p:style>
+      </p:cxnSp>
+      <p:cxnSp>
+        <p:nvCxnSpPr>
+          <p:cNvPr id="35" name="Straight Arrow Connector 34"/>
+          <p:cNvCxnSpPr/>
+          <p:nvPr/>
+        </p:nvCxnSpPr>
+        <p:spPr>
+          <a:xfrm>
+            <a:off x="7262495" y="2162810"/>
+            <a:ext cx="223520" cy="3810"/>
+          </a:xfrm>
+          <a:prstGeom prst="straightConnector1">
+            <a:avLst/>
+          </a:prstGeom>
+          <a:ln w="28575" cmpd="sng">
+            <a:solidFill>
+              <a:schemeClr val="tx1"/>
+            </a:solidFill>
+            <a:prstDash val="solid"/>
+            <a:tailEnd type="triangle"/>
+          </a:ln>
+        </p:spPr>
+        <p:style>
+          <a:lnRef idx="1">
+            <a:schemeClr val="accent1"/>
+          </a:lnRef>
+          <a:fillRef idx="0">
+            <a:schemeClr val="accent1"/>
+          </a:fillRef>
+          <a:effectRef idx="0">
+            <a:schemeClr val="accent1"/>
+          </a:effectRef>
+          <a:fontRef idx="minor">
+            <a:schemeClr val="tx1"/>
+          </a:fontRef>
+        </p:style>
+      </p:cxnSp>
+      <p:cxnSp>
+        <p:nvCxnSpPr>
+          <p:cNvPr id="36" name="Straight Arrow Connector 35"/>
+          <p:cNvCxnSpPr/>
+          <p:nvPr/>
+        </p:nvCxnSpPr>
+        <p:spPr>
+          <a:xfrm>
+            <a:off x="9355455" y="2159000"/>
+            <a:ext cx="223520" cy="3810"/>
+          </a:xfrm>
+          <a:prstGeom prst="straightConnector1">
+            <a:avLst/>
+          </a:prstGeom>
+          <a:ln w="28575" cmpd="sng">
+            <a:solidFill>
+              <a:schemeClr val="tx1"/>
+            </a:solidFill>
+            <a:prstDash val="solid"/>
+            <a:tailEnd type="triangle"/>
+          </a:ln>
+        </p:spPr>
+        <p:style>
+          <a:lnRef idx="1">
+            <a:schemeClr val="accent1"/>
+          </a:lnRef>
+          <a:fillRef idx="0">
+            <a:schemeClr val="accent1"/>
+          </a:fillRef>
+          <a:effectRef idx="0">
+            <a:schemeClr val="accent1"/>
+          </a:effectRef>
+          <a:fontRef idx="minor">
+            <a:schemeClr val="tx1"/>
+          </a:fontRef>
+        </p:style>
+      </p:cxnSp>
+      <p:sp>
+        <p:nvSpPr>
+          <p:cNvPr id="37" name="Text Box 36"/>
+          <p:cNvSpPr txBox="1"/>
+          <p:nvPr/>
+        </p:nvSpPr>
+        <p:spPr>
+          <a:xfrm>
+            <a:off x="3832860" y="771525"/>
+            <a:ext cx="1669415" cy="337185"/>
+          </a:xfrm>
+          <a:prstGeom prst="rect">
+            <a:avLst/>
+          </a:prstGeom>
+          <a:noFill/>
+        </p:spPr>
+        <p:txBody>
+          <a:bodyPr wrap="square" rtlCol="0">
+            <a:spAutoFit/>
+          </a:bodyPr>
+          <a:p>
+            <a:r>
+              <a:rPr lang="es-ES_tradnl" altLang="en-US" sz="1600">
+                <a:latin typeface="Tibetan Machine Uni" panose="01000503020000020002" charset="0"/>
+                <a:cs typeface="Tibetan Machine Uni" panose="01000503020000020002" charset="0"/>
+              </a:rPr>
+              <a:t>BERT model</a:t>
+            </a:r>
+            <a:endParaRPr lang="es-ES_tradnl" altLang="en-US" sz="1600">
+              <a:latin typeface="Tibetan Machine Uni" panose="01000503020000020002" charset="0"/>
+              <a:cs typeface="Tibetan Machine Uni" panose="01000503020000020002" charset="0"/>
+            </a:endParaRPr>
+          </a:p>
+        </p:txBody>
+      </p:sp>
+      <p:sp>
+        <p:nvSpPr>
+          <p:cNvPr id="38" name="Text Box 37"/>
+          <p:cNvSpPr txBox="1"/>
+          <p:nvPr/>
+        </p:nvSpPr>
+        <p:spPr>
+          <a:xfrm>
+            <a:off x="4559935" y="1270000"/>
+            <a:ext cx="1943100" cy="306705"/>
+          </a:xfrm>
+          <a:prstGeom prst="rect">
+            <a:avLst/>
+          </a:prstGeom>
+          <a:noFill/>
+        </p:spPr>
+        <p:txBody>
+          <a:bodyPr wrap="square" rtlCol="0">
+            <a:spAutoFit/>
+          </a:bodyPr>
+          <a:p>
+            <a:r>
+              <a:rPr lang="es-ES_tradnl" altLang="en-US" sz="1400">
+                <a:latin typeface="Tibetan Machine Uni" panose="01000503020000020002" charset="0"/>
+                <a:cs typeface="Tibetan Machine Uni" panose="01000503020000020002" charset="0"/>
+              </a:rPr>
+              <a:t>Pre-trained weights</a:t>
+            </a:r>
+            <a:endParaRPr lang="es-ES_tradnl" altLang="en-US" sz="1400">
+              <a:latin typeface="Tibetan Machine Uni" panose="01000503020000020002" charset="0"/>
+              <a:cs typeface="Tibetan Machine Uni" panose="01000503020000020002" charset="0"/>
+            </a:endParaRPr>
+          </a:p>
+        </p:txBody>
+      </p:sp>
+      <p:sp>
+        <p:nvSpPr>
+          <p:cNvPr id="40" name="Text Box 39"/>
+          <p:cNvSpPr txBox="1"/>
+          <p:nvPr/>
+        </p:nvSpPr>
+        <p:spPr>
+          <a:xfrm>
+            <a:off x="485140" y="2845435"/>
+            <a:ext cx="1235075" cy="521970"/>
+          </a:xfrm>
+          <a:prstGeom prst="rect">
+            <a:avLst/>
+          </a:prstGeom>
+          <a:noFill/>
+        </p:spPr>
+        <p:txBody>
+          <a:bodyPr wrap="square" rtlCol="0">
+            <a:spAutoFit/>
+          </a:bodyPr>
+          <a:p>
+            <a:pPr algn="ctr"/>
+            <a:r>
+              <a:rPr lang="es-ES_tradnl" altLang="en-US" sz="1400">
+                <a:latin typeface="Tibetan Machine Uni" panose="01000503020000020002" charset="0"/>
+                <a:cs typeface="Tibetan Machine Uni" panose="01000503020000020002" charset="0"/>
+              </a:rPr>
+              <a:t>Protein sequences</a:t>
+            </a:r>
+            <a:endParaRPr lang="es-ES_tradnl" altLang="en-US" sz="1400">
+              <a:latin typeface="Tibetan Machine Uni" panose="01000503020000020002" charset="0"/>
+              <a:cs typeface="Tibetan Machine Uni" panose="01000503020000020002" charset="0"/>
+            </a:endParaRPr>
+          </a:p>
+        </p:txBody>
+      </p:sp>
+      <p:pic>
+        <p:nvPicPr>
+          <p:cNvPr id="41" name="Picture 40"/>
+          <p:cNvPicPr>
+            <a:picLocks noChangeAspect="1"/>
+          </p:cNvPicPr>
+          <p:nvPr/>
+        </p:nvPicPr>
+        <p:blipFill>
+          <a:blip r:embed="rId1"/>
+          <a:srcRect l="13873" t="16667" r="20809" b="31111"/>
+          <a:stretch>
+            <a:fillRect/>
+          </a:stretch>
+        </p:blipFill>
+        <p:spPr>
+          <a:xfrm flipH="1">
+            <a:off x="2190115" y="4292600"/>
+            <a:ext cx="901065" cy="1658620"/>
+          </a:xfrm>
+          <a:prstGeom prst="rect">
+            <a:avLst/>
+          </a:prstGeom>
+        </p:spPr>
+      </p:pic>
+      <p:pic>
+        <p:nvPicPr>
+          <p:cNvPr id="42" name="Picture 41"/>
+          <p:cNvPicPr>
+            <a:picLocks noChangeAspect="1"/>
+          </p:cNvPicPr>
+          <p:nvPr/>
+        </p:nvPicPr>
+        <p:blipFill>
+          <a:blip r:embed="rId2"/>
+          <a:srcRect l="21415" t="9476" r="17955" b="16459"/>
+          <a:stretch>
+            <a:fillRect/>
+          </a:stretch>
+        </p:blipFill>
+        <p:spPr>
+          <a:xfrm>
+            <a:off x="788035" y="4599940"/>
+            <a:ext cx="890270" cy="1088390"/>
+          </a:xfrm>
+          <a:prstGeom prst="rect">
+            <a:avLst/>
+          </a:prstGeom>
+        </p:spPr>
+      </p:pic>
+      <p:pic>
+        <p:nvPicPr>
+          <p:cNvPr id="43" name="Picture 42"/>
+          <p:cNvPicPr>
+            <a:picLocks noChangeAspect="1"/>
+          </p:cNvPicPr>
+          <p:nvPr/>
+        </p:nvPicPr>
+        <p:blipFill>
+          <a:blip r:embed="rId1"/>
+          <a:srcRect l="13873" t="16667" r="20809" b="31111"/>
+          <a:stretch>
+            <a:fillRect/>
+          </a:stretch>
+        </p:blipFill>
+        <p:spPr>
+          <a:xfrm flipH="1">
+            <a:off x="3221355" y="4472305"/>
+            <a:ext cx="901700" cy="1299845"/>
+          </a:xfrm>
+          <a:prstGeom prst="rect">
+            <a:avLst/>
+          </a:prstGeom>
+        </p:spPr>
+      </p:pic>
+      <p:pic>
+        <p:nvPicPr>
+          <p:cNvPr id="44" name="Picture 43"/>
+          <p:cNvPicPr>
+            <a:picLocks noChangeAspect="1"/>
+          </p:cNvPicPr>
+          <p:nvPr/>
+        </p:nvPicPr>
+        <p:blipFill>
+          <a:blip r:embed="rId1"/>
+          <a:srcRect l="13873" t="16667" r="20809" b="31111"/>
+          <a:stretch>
+            <a:fillRect/>
+          </a:stretch>
+        </p:blipFill>
+        <p:spPr>
+          <a:xfrm flipH="1">
+            <a:off x="4253230" y="4705350"/>
+            <a:ext cx="901065" cy="833120"/>
+          </a:xfrm>
+          <a:prstGeom prst="rect">
+            <a:avLst/>
+          </a:prstGeom>
+        </p:spPr>
+      </p:pic>
+      <p:pic>
+        <p:nvPicPr>
+          <p:cNvPr id="45" name="Picture 44"/>
+          <p:cNvPicPr>
+            <a:picLocks noChangeAspect="1"/>
+          </p:cNvPicPr>
+          <p:nvPr/>
+        </p:nvPicPr>
+        <p:blipFill>
+          <a:blip r:embed="rId1"/>
+          <a:srcRect l="13873" t="16667" r="20809" b="31111"/>
+          <a:stretch>
+            <a:fillRect/>
+          </a:stretch>
+        </p:blipFill>
+        <p:spPr>
+          <a:xfrm flipH="1">
+            <a:off x="5238750" y="4705350"/>
+            <a:ext cx="2008505" cy="833120"/>
+          </a:xfrm>
+          <a:prstGeom prst="rect">
+            <a:avLst/>
+          </a:prstGeom>
+        </p:spPr>
+      </p:pic>
+      <p:sp>
+        <p:nvSpPr>
+          <p:cNvPr id="48" name="Rounded Rectangle 47"/>
+          <p:cNvSpPr/>
+          <p:nvPr/>
+        </p:nvSpPr>
+        <p:spPr>
+          <a:xfrm>
+            <a:off x="2067560" y="3961130"/>
+            <a:ext cx="7247255" cy="2366645"/>
+          </a:xfrm>
+          <a:prstGeom prst="roundRect">
+            <a:avLst>
+              <a:gd name="adj" fmla="val 5517"/>
+            </a:avLst>
+          </a:prstGeom>
+          <a:noFill/>
+          <a:ln>
+            <a:solidFill>
+              <a:schemeClr val="tx1"/>
+            </a:solidFill>
+          </a:ln>
+        </p:spPr>
+        <p:style>
+          <a:lnRef idx="2">
+            <a:schemeClr val="accent1">
+              <a:shade val="50000"/>
+            </a:schemeClr>
+          </a:lnRef>
+          <a:fillRef idx="1">
+            <a:schemeClr val="accent1"/>
+          </a:fillRef>
+          <a:effectRef idx="0">
+            <a:schemeClr val="accent1"/>
+          </a:effectRef>
+          <a:fontRef idx="minor">
+            <a:schemeClr val="lt1"/>
+          </a:fontRef>
+        </p:style>
+        <p:txBody>
+          <a:bodyPr rtlCol="0" anchor="ctr"/>
+          <a:p>
+            <a:pPr algn="ctr"/>
+            <a:endParaRPr lang="en-US"/>
+          </a:p>
+        </p:txBody>
+      </p:sp>
+      <p:cxnSp>
+        <p:nvCxnSpPr>
+          <p:cNvPr id="49" name="Straight Arrow Connector 48"/>
+          <p:cNvCxnSpPr/>
+          <p:nvPr/>
+        </p:nvCxnSpPr>
+        <p:spPr>
+          <a:xfrm>
+            <a:off x="1598930" y="5201920"/>
+            <a:ext cx="396240" cy="0"/>
+          </a:xfrm>
+          <a:prstGeom prst="straightConnector1">
+            <a:avLst/>
+          </a:prstGeom>
+          <a:ln w="28575" cmpd="sng">
+            <a:solidFill>
+              <a:schemeClr val="tx1"/>
+            </a:solidFill>
+            <a:prstDash val="solid"/>
+            <a:tailEnd type="triangle"/>
+          </a:ln>
+        </p:spPr>
+        <p:style>
+          <a:lnRef idx="1">
+            <a:schemeClr val="accent1"/>
+          </a:lnRef>
+          <a:fillRef idx="0">
+            <a:schemeClr val="accent1"/>
+          </a:fillRef>
+          <a:effectRef idx="0">
+            <a:schemeClr val="accent1"/>
+          </a:effectRef>
+          <a:fontRef idx="minor">
+            <a:schemeClr val="tx1"/>
+          </a:fontRef>
+        </p:style>
+      </p:cxnSp>
+      <p:cxnSp>
+        <p:nvCxnSpPr>
+          <p:cNvPr id="50" name="Straight Arrow Connector 49"/>
+          <p:cNvCxnSpPr/>
+          <p:nvPr/>
+        </p:nvCxnSpPr>
+        <p:spPr>
+          <a:xfrm>
+            <a:off x="3045460" y="5201920"/>
+            <a:ext cx="223520" cy="3810"/>
+          </a:xfrm>
+          <a:prstGeom prst="straightConnector1">
+            <a:avLst/>
+          </a:prstGeom>
+          <a:ln w="28575" cmpd="sng">
+            <a:solidFill>
+              <a:schemeClr val="tx1"/>
+            </a:solidFill>
+            <a:prstDash val="solid"/>
+            <a:tailEnd type="triangle"/>
+          </a:ln>
+        </p:spPr>
+        <p:style>
+          <a:lnRef idx="1">
+            <a:schemeClr val="accent1"/>
+          </a:lnRef>
+          <a:fillRef idx="0">
+            <a:schemeClr val="accent1"/>
+          </a:fillRef>
+          <a:effectRef idx="0">
+            <a:schemeClr val="accent1"/>
+          </a:effectRef>
+          <a:fontRef idx="minor">
+            <a:schemeClr val="tx1"/>
+          </a:fontRef>
+        </p:style>
+      </p:cxnSp>
+      <p:cxnSp>
+        <p:nvCxnSpPr>
+          <p:cNvPr id="51" name="Straight Arrow Connector 50"/>
+          <p:cNvCxnSpPr/>
+          <p:nvPr/>
+        </p:nvCxnSpPr>
+        <p:spPr>
+          <a:xfrm>
+            <a:off x="4077335" y="5181600"/>
+            <a:ext cx="223520" cy="3810"/>
+          </a:xfrm>
+          <a:prstGeom prst="straightConnector1">
+            <a:avLst/>
+          </a:prstGeom>
+          <a:ln w="28575" cmpd="sng">
+            <a:solidFill>
+              <a:schemeClr val="tx1"/>
+            </a:solidFill>
+            <a:prstDash val="solid"/>
+            <a:tailEnd type="triangle"/>
+          </a:ln>
+        </p:spPr>
+        <p:style>
+          <a:lnRef idx="1">
+            <a:schemeClr val="accent1"/>
+          </a:lnRef>
+          <a:fillRef idx="0">
+            <a:schemeClr val="accent1"/>
+          </a:fillRef>
+          <a:effectRef idx="0">
+            <a:schemeClr val="accent1"/>
+          </a:effectRef>
+          <a:fontRef idx="minor">
+            <a:schemeClr val="tx1"/>
+          </a:fontRef>
+        </p:style>
+      </p:cxnSp>
+      <p:cxnSp>
+        <p:nvCxnSpPr>
+          <p:cNvPr id="52" name="Straight Arrow Connector 51"/>
+          <p:cNvCxnSpPr/>
+          <p:nvPr/>
+        </p:nvCxnSpPr>
+        <p:spPr>
+          <a:xfrm>
+            <a:off x="5100320" y="5177790"/>
+            <a:ext cx="223520" cy="3810"/>
+          </a:xfrm>
+          <a:prstGeom prst="straightConnector1">
+            <a:avLst/>
+          </a:prstGeom>
+          <a:ln w="28575" cmpd="sng">
+            <a:solidFill>
+              <a:schemeClr val="tx1"/>
+            </a:solidFill>
+            <a:prstDash val="solid"/>
+            <a:tailEnd type="triangle"/>
+          </a:ln>
+        </p:spPr>
+        <p:style>
+          <a:lnRef idx="1">
+            <a:schemeClr val="accent1"/>
+          </a:lnRef>
+          <a:fillRef idx="0">
+            <a:schemeClr val="accent1"/>
+          </a:fillRef>
+          <a:effectRef idx="0">
+            <a:schemeClr val="accent1"/>
+          </a:effectRef>
+          <a:fontRef idx="minor">
+            <a:schemeClr val="tx1"/>
+          </a:fontRef>
+        </p:style>
+      </p:cxnSp>
+      <p:cxnSp>
+        <p:nvCxnSpPr>
+          <p:cNvPr id="53" name="Straight Arrow Connector 52"/>
+          <p:cNvCxnSpPr/>
+          <p:nvPr/>
+        </p:nvCxnSpPr>
+        <p:spPr>
+          <a:xfrm>
+            <a:off x="7275830" y="5173980"/>
+            <a:ext cx="223520" cy="3810"/>
+          </a:xfrm>
+          <a:prstGeom prst="straightConnector1">
+            <a:avLst/>
+          </a:prstGeom>
+          <a:ln w="28575" cmpd="sng">
+            <a:solidFill>
+              <a:schemeClr val="tx1"/>
+            </a:solidFill>
+            <a:prstDash val="solid"/>
+            <a:tailEnd type="triangle"/>
+          </a:ln>
+        </p:spPr>
+        <p:style>
+          <a:lnRef idx="1">
+            <a:schemeClr val="accent1"/>
+          </a:lnRef>
+          <a:fillRef idx="0">
+            <a:schemeClr val="accent1"/>
+          </a:fillRef>
+          <a:effectRef idx="0">
+            <a:schemeClr val="accent1"/>
+          </a:effectRef>
+          <a:fontRef idx="minor">
+            <a:schemeClr val="tx1"/>
+          </a:fontRef>
+        </p:style>
+      </p:cxnSp>
+      <p:cxnSp>
+        <p:nvCxnSpPr>
+          <p:cNvPr id="54" name="Straight Arrow Connector 53"/>
+          <p:cNvCxnSpPr/>
+          <p:nvPr/>
+        </p:nvCxnSpPr>
+        <p:spPr>
+          <a:xfrm>
+            <a:off x="9387205" y="4989195"/>
+            <a:ext cx="223520" cy="3810"/>
+          </a:xfrm>
+          <a:prstGeom prst="straightConnector1">
+            <a:avLst/>
+          </a:prstGeom>
+          <a:ln w="28575" cmpd="sng">
+            <a:solidFill>
+              <a:schemeClr val="tx1"/>
+            </a:solidFill>
+            <a:prstDash val="solid"/>
+            <a:tailEnd type="triangle"/>
+          </a:ln>
+        </p:spPr>
+        <p:style>
+          <a:lnRef idx="1">
+            <a:schemeClr val="accent1"/>
+          </a:lnRef>
+          <a:fillRef idx="0">
+            <a:schemeClr val="accent1"/>
+          </a:fillRef>
+          <a:effectRef idx="0">
+            <a:schemeClr val="accent1"/>
+          </a:effectRef>
+          <a:fontRef idx="minor">
+            <a:schemeClr val="tx1"/>
+          </a:fontRef>
+        </p:style>
+      </p:cxnSp>
+      <p:sp>
+        <p:nvSpPr>
+          <p:cNvPr id="55" name="Text Box 54"/>
+          <p:cNvSpPr txBox="1"/>
+          <p:nvPr/>
+        </p:nvSpPr>
+        <p:spPr>
+          <a:xfrm>
+            <a:off x="3385820" y="3358515"/>
+            <a:ext cx="2636520" cy="337185"/>
+          </a:xfrm>
+          <a:prstGeom prst="rect">
+            <a:avLst/>
+          </a:prstGeom>
+          <a:noFill/>
+        </p:spPr>
+        <p:txBody>
+          <a:bodyPr wrap="square" rtlCol="0">
+            <a:spAutoFit/>
+          </a:bodyPr>
+          <a:p>
+            <a:r>
+              <a:rPr lang="es-ES_tradnl" altLang="en-US" sz="1600">
+                <a:latin typeface="Tibetan Machine Uni" panose="01000503020000020002" charset="0"/>
+                <a:cs typeface="Tibetan Machine Uni" panose="01000503020000020002" charset="0"/>
+              </a:rPr>
+              <a:t>Transfer learning</a:t>
+            </a:r>
+            <a:endParaRPr lang="es-ES_tradnl" altLang="en-US" sz="1600">
+              <a:latin typeface="Tibetan Machine Uni" panose="01000503020000020002" charset="0"/>
+              <a:cs typeface="Tibetan Machine Uni" panose="01000503020000020002" charset="0"/>
+            </a:endParaRPr>
+          </a:p>
+        </p:txBody>
+      </p:sp>
+      <p:sp>
+        <p:nvSpPr>
+          <p:cNvPr id="56" name="Text Box 55"/>
+          <p:cNvSpPr txBox="1"/>
+          <p:nvPr/>
+        </p:nvSpPr>
+        <p:spPr>
+          <a:xfrm>
+            <a:off x="4559935" y="4292600"/>
+            <a:ext cx="1943100" cy="306705"/>
+          </a:xfrm>
+          <a:prstGeom prst="rect">
+            <a:avLst/>
+          </a:prstGeom>
+          <a:noFill/>
+        </p:spPr>
+        <p:txBody>
+          <a:bodyPr wrap="square" rtlCol="0">
+            <a:spAutoFit/>
+          </a:bodyPr>
+          <a:p>
+            <a:r>
+              <a:rPr lang="es-ES_tradnl" altLang="en-US" sz="1400">
+                <a:latin typeface="Tibetan Machine Uni" panose="01000503020000020002" charset="0"/>
+                <a:cs typeface="Tibetan Machine Uni" panose="01000503020000020002" charset="0"/>
+              </a:rPr>
+              <a:t>Pre-trained weights</a:t>
+            </a:r>
+            <a:endParaRPr lang="es-ES_tradnl" altLang="en-US" sz="1400">
+              <a:latin typeface="Tibetan Machine Uni" panose="01000503020000020002" charset="0"/>
+              <a:cs typeface="Tibetan Machine Uni" panose="01000503020000020002" charset="0"/>
+            </a:endParaRPr>
+          </a:p>
+        </p:txBody>
+      </p:sp>
+      <p:sp>
+        <p:nvSpPr>
+          <p:cNvPr id="57" name="Text Box 56"/>
+          <p:cNvSpPr txBox="1"/>
+          <p:nvPr/>
+        </p:nvSpPr>
+        <p:spPr>
+          <a:xfrm>
+            <a:off x="617220" y="5688330"/>
+            <a:ext cx="1194435" cy="521970"/>
+          </a:xfrm>
+          <a:prstGeom prst="rect">
+            <a:avLst/>
+          </a:prstGeom>
+          <a:noFill/>
+        </p:spPr>
+        <p:txBody>
+          <a:bodyPr wrap="square" rtlCol="0">
+            <a:spAutoFit/>
+          </a:bodyPr>
+          <a:p>
+            <a:pPr algn="ctr"/>
+            <a:r>
+              <a:rPr lang="es-ES_tradnl" altLang="en-US" sz="1400">
+                <a:latin typeface="Tibetan Machine Uni" panose="01000503020000020002" charset="0"/>
+                <a:cs typeface="Tibetan Machine Uni" panose="01000503020000020002" charset="0"/>
+              </a:rPr>
+              <a:t>pMHC samples</a:t>
+            </a:r>
+            <a:endParaRPr lang="es-ES_tradnl" altLang="en-US" sz="1400">
+              <a:latin typeface="Tibetan Machine Uni" panose="01000503020000020002" charset="0"/>
+              <a:cs typeface="Tibetan Machine Uni" panose="01000503020000020002" charset="0"/>
+            </a:endParaRPr>
+          </a:p>
+        </p:txBody>
+      </p:sp>
+      <p:sp>
+        <p:nvSpPr>
+          <p:cNvPr id="58" name="Text Box 57"/>
+          <p:cNvSpPr txBox="1"/>
+          <p:nvPr/>
+        </p:nvSpPr>
+        <p:spPr>
+          <a:xfrm>
+            <a:off x="7780020" y="5852160"/>
+            <a:ext cx="1264920" cy="306705"/>
+          </a:xfrm>
+          <a:prstGeom prst="rect">
+            <a:avLst/>
+          </a:prstGeom>
+          <a:noFill/>
+        </p:spPr>
+        <p:txBody>
+          <a:bodyPr wrap="square" rtlCol="0">
+            <a:spAutoFit/>
+          </a:bodyPr>
+          <a:p>
+            <a:r>
+              <a:rPr lang="es-ES_tradnl" altLang="en-US" sz="1400">
+                <a:latin typeface="Tibetan Machine Uni" panose="01000503020000020002" charset="0"/>
+                <a:cs typeface="Tibetan Machine Uni" panose="01000503020000020002" charset="0"/>
+              </a:rPr>
+              <a:t>Fine tuning</a:t>
+            </a:r>
+            <a:endParaRPr lang="es-ES_tradnl" altLang="en-US" sz="1400">
+              <a:latin typeface="Tibetan Machine Uni" panose="01000503020000020002" charset="0"/>
+              <a:cs typeface="Tibetan Machine Uni" panose="01000503020000020002" charset="0"/>
+            </a:endParaRPr>
+          </a:p>
+        </p:txBody>
+      </p:sp>
+      <p:sp>
+        <p:nvSpPr>
+          <p:cNvPr id="59" name="Rounded Rectangle 58"/>
+          <p:cNvSpPr/>
+          <p:nvPr/>
+        </p:nvSpPr>
+        <p:spPr>
+          <a:xfrm>
+            <a:off x="2159000" y="4241800"/>
+            <a:ext cx="5017770" cy="1767205"/>
+          </a:xfrm>
+          <a:prstGeom prst="roundRect">
+            <a:avLst>
+              <a:gd name="adj" fmla="val 4599"/>
+            </a:avLst>
+          </a:prstGeom>
+          <a:noFill/>
+          <a:ln>
+            <a:solidFill>
+              <a:schemeClr val="tx1"/>
+            </a:solidFill>
+          </a:ln>
+        </p:spPr>
+        <p:style>
+          <a:lnRef idx="2">
+            <a:schemeClr val="accent1">
+              <a:shade val="50000"/>
+            </a:schemeClr>
+          </a:lnRef>
+          <a:fillRef idx="1">
+            <a:schemeClr val="accent1"/>
+          </a:fillRef>
+          <a:effectRef idx="0">
+            <a:schemeClr val="accent1"/>
+          </a:effectRef>
+          <a:fontRef idx="minor">
+            <a:schemeClr val="lt1"/>
+          </a:fontRef>
+        </p:style>
+        <p:txBody>
+          <a:bodyPr rtlCol="0" anchor="ctr"/>
+          <a:p>
+            <a:pPr algn="ctr"/>
+            <a:endParaRPr lang="en-US"/>
+          </a:p>
+        </p:txBody>
+      </p:sp>
+      <p:sp>
+        <p:nvSpPr>
+          <p:cNvPr id="60" name="Rounded Rectangle 59"/>
+          <p:cNvSpPr/>
+          <p:nvPr/>
+        </p:nvSpPr>
+        <p:spPr>
+          <a:xfrm>
+            <a:off x="2772410" y="3319145"/>
+            <a:ext cx="3193415" cy="392430"/>
+          </a:xfrm>
+          <a:prstGeom prst="roundRect">
+            <a:avLst>
+              <a:gd name="adj" fmla="val 4168"/>
+            </a:avLst>
+          </a:prstGeom>
+          <a:noFill/>
+          <a:ln>
+            <a:solidFill>
+              <a:schemeClr val="tx1"/>
+            </a:solidFill>
+          </a:ln>
+        </p:spPr>
+        <p:style>
+          <a:lnRef idx="2">
+            <a:schemeClr val="accent1">
+              <a:shade val="50000"/>
+            </a:schemeClr>
+          </a:lnRef>
+          <a:fillRef idx="1">
+            <a:schemeClr val="accent1"/>
+          </a:fillRef>
+          <a:effectRef idx="0">
+            <a:schemeClr val="accent1"/>
+          </a:effectRef>
+          <a:fontRef idx="minor">
+            <a:schemeClr val="lt1"/>
+          </a:fontRef>
+        </p:style>
+        <p:txBody>
+          <a:bodyPr rtlCol="0" anchor="ctr"/>
+          <a:p>
+            <a:pPr algn="ctr"/>
+            <a:endParaRPr lang="en-US"/>
+          </a:p>
+        </p:txBody>
+      </p:sp>
+      <p:cxnSp>
+        <p:nvCxnSpPr>
+          <p:cNvPr id="61" name="Straight Arrow Connector 60"/>
+          <p:cNvCxnSpPr/>
+          <p:nvPr/>
+        </p:nvCxnSpPr>
+        <p:spPr>
+          <a:xfrm>
+            <a:off x="4366895" y="3055620"/>
+            <a:ext cx="5080" cy="220980"/>
+          </a:xfrm>
+          <a:prstGeom prst="straightConnector1">
+            <a:avLst/>
+          </a:prstGeom>
+          <a:ln w="28575" cmpd="sng">
+            <a:solidFill>
+              <a:schemeClr val="tx1"/>
+            </a:solidFill>
+            <a:prstDash val="solid"/>
+            <a:tailEnd type="triangle"/>
+          </a:ln>
+        </p:spPr>
+        <p:style>
+          <a:lnRef idx="1">
+            <a:schemeClr val="accent1"/>
+          </a:lnRef>
+          <a:fillRef idx="0">
+            <a:schemeClr val="accent1"/>
+          </a:fillRef>
+          <a:effectRef idx="0">
+            <a:schemeClr val="accent1"/>
+          </a:effectRef>
+          <a:fontRef idx="minor">
+            <a:schemeClr val="tx1"/>
+          </a:fontRef>
+        </p:style>
+      </p:cxnSp>
+      <p:cxnSp>
+        <p:nvCxnSpPr>
+          <p:cNvPr id="62" name="Straight Arrow Connector 61"/>
+          <p:cNvCxnSpPr/>
+          <p:nvPr/>
+        </p:nvCxnSpPr>
+        <p:spPr>
+          <a:xfrm>
+            <a:off x="4361815" y="3777615"/>
+            <a:ext cx="4445" cy="409575"/>
+          </a:xfrm>
+          <a:prstGeom prst="straightConnector1">
+            <a:avLst/>
+          </a:prstGeom>
+          <a:ln w="28575" cmpd="sng">
+            <a:solidFill>
+              <a:schemeClr val="tx1"/>
+            </a:solidFill>
+            <a:prstDash val="solid"/>
+            <a:tailEnd type="triangle"/>
+          </a:ln>
+        </p:spPr>
+        <p:style>
+          <a:lnRef idx="1">
+            <a:schemeClr val="accent1"/>
+          </a:lnRef>
+          <a:fillRef idx="0">
+            <a:schemeClr val="accent1"/>
+          </a:fillRef>
+          <a:effectRef idx="0">
+            <a:schemeClr val="accent1"/>
+          </a:effectRef>
+          <a:fontRef idx="minor">
+            <a:schemeClr val="tx1"/>
+          </a:fontRef>
+        </p:style>
+      </p:cxnSp>
+      <p:sp>
+        <p:nvSpPr>
+          <p:cNvPr id="63" name="Text Box 62"/>
+          <p:cNvSpPr txBox="1"/>
+          <p:nvPr/>
+        </p:nvSpPr>
+        <p:spPr>
+          <a:xfrm>
+            <a:off x="9385300" y="3060700"/>
+            <a:ext cx="830580" cy="306705"/>
+          </a:xfrm>
+          <a:prstGeom prst="rect">
+            <a:avLst/>
+          </a:prstGeom>
+          <a:noFill/>
+        </p:spPr>
+        <p:txBody>
+          <a:bodyPr wrap="square" rtlCol="0">
+            <a:spAutoFit/>
+          </a:bodyPr>
+          <a:p>
+            <a:r>
+              <a:rPr lang="es-ES_tradnl" altLang="en-US" sz="1400">
+                <a:latin typeface="Tibetan Machine Uni" panose="01000503020000020002" charset="0"/>
+                <a:cs typeface="Tibetan Machine Uni" panose="01000503020000020002" charset="0"/>
+              </a:rPr>
+              <a:t>Output</a:t>
+            </a:r>
+            <a:endParaRPr lang="es-ES_tradnl" altLang="en-US" sz="1400">
+              <a:latin typeface="Tibetan Machine Uni" panose="01000503020000020002" charset="0"/>
+              <a:cs typeface="Tibetan Machine Uni" panose="01000503020000020002" charset="0"/>
+            </a:endParaRPr>
+          </a:p>
+        </p:txBody>
+      </p:sp>
+      <p:sp>
+        <p:nvSpPr>
+          <p:cNvPr id="64" name="Text Box 63"/>
+          <p:cNvSpPr txBox="1"/>
+          <p:nvPr/>
+        </p:nvSpPr>
+        <p:spPr>
+          <a:xfrm>
+            <a:off x="9442450" y="5499735"/>
+            <a:ext cx="830580" cy="306705"/>
+          </a:xfrm>
+          <a:prstGeom prst="rect">
+            <a:avLst/>
+          </a:prstGeom>
+          <a:noFill/>
+        </p:spPr>
+        <p:txBody>
+          <a:bodyPr wrap="square" rtlCol="0">
+            <a:spAutoFit/>
+          </a:bodyPr>
+          <a:p>
+            <a:r>
+              <a:rPr lang="es-ES_tradnl" altLang="en-US" sz="1400">
+                <a:latin typeface="Tibetan Machine Uni" panose="01000503020000020002" charset="0"/>
+                <a:cs typeface="Tibetan Machine Uni" panose="01000503020000020002" charset="0"/>
+              </a:rPr>
+              <a:t>Output</a:t>
+            </a:r>
+            <a:endParaRPr lang="es-ES_tradnl" altLang="en-US" sz="1400">
+              <a:latin typeface="Tibetan Machine Uni" panose="01000503020000020002" charset="0"/>
+              <a:cs typeface="Tibetan Machine Uni" panose="01000503020000020002" charset="0"/>
+            </a:endParaRPr>
+          </a:p>
+        </p:txBody>
+      </p:sp>
+      <p:pic>
+        <p:nvPicPr>
+          <p:cNvPr id="5" name="Picture 4" descr="1_mYa9pIxWqmdo3VU2E3_zWA-removebg-preview"/>
+          <p:cNvPicPr>
+            <a:picLocks noChangeAspect="1"/>
+          </p:cNvPicPr>
+          <p:nvPr/>
+        </p:nvPicPr>
+        <p:blipFill>
+          <a:blip r:embed="rId3"/>
+          <a:srcRect l="11735" t="19898" r="25994" b="3858"/>
+          <a:stretch>
+            <a:fillRect/>
+          </a:stretch>
+        </p:blipFill>
+        <p:spPr>
+          <a:xfrm>
+            <a:off x="7575550" y="4520565"/>
+            <a:ext cx="1638300" cy="1246505"/>
+          </a:xfrm>
+          <a:prstGeom prst="rect">
+            <a:avLst/>
+          </a:prstGeom>
+        </p:spPr>
+      </p:pic>
+      <p:sp>
+        <p:nvSpPr>
+          <p:cNvPr id="6" name="Text Box 5"/>
+          <p:cNvSpPr txBox="1"/>
+          <p:nvPr/>
+        </p:nvSpPr>
+        <p:spPr>
+          <a:xfrm>
+            <a:off x="7917180" y="4254500"/>
+            <a:ext cx="1021715" cy="306705"/>
+          </a:xfrm>
+          <a:prstGeom prst="rect">
+            <a:avLst/>
+          </a:prstGeom>
+          <a:noFill/>
+        </p:spPr>
+        <p:txBody>
+          <a:bodyPr wrap="square" rtlCol="0">
+            <a:spAutoFit/>
+          </a:bodyPr>
+          <a:p>
+            <a:r>
+              <a:rPr lang="es-ES_tradnl" altLang="en-US" sz="1400">
+                <a:latin typeface="Tibetan Machine Uni" panose="01000503020000020002" charset="0"/>
+                <a:cs typeface="Tibetan Machine Uni" panose="01000503020000020002" charset="0"/>
+              </a:rPr>
+              <a:t>BiLSTM</a:t>
+            </a:r>
+            <a:endParaRPr lang="es-ES_tradnl" altLang="en-US" sz="1400">
+              <a:latin typeface="Tibetan Machine Uni" panose="01000503020000020002" charset="0"/>
+              <a:cs typeface="Tibetan Machine Uni" panose="01000503020000020002" charset="0"/>
+            </a:endParaRPr>
+          </a:p>
+        </p:txBody>
+      </p:sp>
+      <p:pic>
+        <p:nvPicPr>
+          <p:cNvPr id="67" name="Picture 66" descr="Picture2-removebg-preview"/>
+          <p:cNvPicPr>
+            <a:picLocks noChangeAspect="1"/>
+          </p:cNvPicPr>
+          <p:nvPr/>
+        </p:nvPicPr>
+        <p:blipFill>
+          <a:blip r:embed="rId4"/>
+          <a:stretch>
+            <a:fillRect/>
+          </a:stretch>
+        </p:blipFill>
+        <p:spPr>
+          <a:xfrm>
+            <a:off x="7581900" y="1565910"/>
+            <a:ext cx="1579245" cy="1231265"/>
+          </a:xfrm>
+          <a:prstGeom prst="rect">
+            <a:avLst/>
+          </a:prstGeom>
+        </p:spPr>
+      </p:pic>
+      <p:sp>
+        <p:nvSpPr>
+          <p:cNvPr id="9" name="Oval 8"/>
+          <p:cNvSpPr/>
+          <p:nvPr/>
+        </p:nvSpPr>
+        <p:spPr>
+          <a:xfrm>
+            <a:off x="9686290" y="4865370"/>
+            <a:ext cx="266700" cy="251460"/>
+          </a:xfrm>
+          <a:prstGeom prst="ellipse">
+            <a:avLst/>
+          </a:prstGeom>
+          <a:solidFill>
+            <a:srgbClr val="9B9A9A"/>
+          </a:solidFill>
+          <a:ln>
+            <a:noFill/>
+          </a:ln>
+        </p:spPr>
+        <p:style>
+          <a:lnRef idx="2">
+            <a:schemeClr val="accent1">
+              <a:shade val="50000"/>
+            </a:schemeClr>
+          </a:lnRef>
+          <a:fillRef idx="1">
+            <a:schemeClr val="accent1"/>
+          </a:fillRef>
+          <a:effectRef idx="0">
+            <a:schemeClr val="accent1"/>
+          </a:effectRef>
+          <a:fontRef idx="minor">
+            <a:schemeClr val="lt1"/>
+          </a:fontRef>
+        </p:style>
+        <p:txBody>
+          <a:bodyPr rtlCol="0" anchor="ctr"/>
+          <a:p>
+            <a:pPr algn="ctr"/>
+            <a:endParaRPr lang="en-US"/>
+          </a:p>
+        </p:txBody>
+      </p:sp>
+      <p:sp>
+        <p:nvSpPr>
+          <p:cNvPr id="10" name="Oval 9"/>
+          <p:cNvSpPr/>
+          <p:nvPr/>
+        </p:nvSpPr>
+        <p:spPr>
+          <a:xfrm>
+            <a:off x="9686290" y="5203190"/>
+            <a:ext cx="266700" cy="251460"/>
+          </a:xfrm>
+          <a:prstGeom prst="ellipse">
+            <a:avLst/>
+          </a:prstGeom>
+          <a:solidFill>
+            <a:srgbClr val="9B9A9A"/>
+          </a:solidFill>
+          <a:ln>
+            <a:noFill/>
+          </a:ln>
+        </p:spPr>
+        <p:style>
+          <a:lnRef idx="2">
+            <a:schemeClr val="accent1">
+              <a:shade val="50000"/>
+            </a:schemeClr>
+          </a:lnRef>
+          <a:fillRef idx="1">
+            <a:schemeClr val="accent1"/>
+          </a:fillRef>
+          <a:effectRef idx="0">
+            <a:schemeClr val="accent1"/>
+          </a:effectRef>
+          <a:fontRef idx="minor">
+            <a:schemeClr val="lt1"/>
+          </a:fontRef>
+        </p:style>
+        <p:txBody>
+          <a:bodyPr rtlCol="0" anchor="ctr"/>
+          <a:p>
+            <a:pPr algn="ctr"/>
+            <a:endParaRPr lang="en-US"/>
+          </a:p>
+        </p:txBody>
+      </p:sp>
+      <p:cxnSp>
+        <p:nvCxnSpPr>
+          <p:cNvPr id="12" name="Straight Arrow Connector 11"/>
+          <p:cNvCxnSpPr/>
+          <p:nvPr/>
+        </p:nvCxnSpPr>
+        <p:spPr>
+          <a:xfrm>
+            <a:off x="9394825" y="5327015"/>
+            <a:ext cx="223520" cy="3810"/>
+          </a:xfrm>
+          <a:prstGeom prst="straightConnector1">
+            <a:avLst/>
+          </a:prstGeom>
+          <a:ln w="28575" cmpd="sng">
+            <a:solidFill>
+              <a:schemeClr val="tx1"/>
+            </a:solidFill>
+            <a:prstDash val="solid"/>
+            <a:tailEnd type="triangle"/>
+          </a:ln>
+        </p:spPr>
+        <p:style>
+          <a:lnRef idx="1">
+            <a:schemeClr val="accent1"/>
+          </a:lnRef>
+          <a:fillRef idx="0">
+            <a:schemeClr val="accent1"/>
+          </a:fillRef>
+          <a:effectRef idx="0">
+            <a:schemeClr val="accent1"/>
+          </a:effectRef>
+          <a:fontRef idx="minor">
+            <a:schemeClr val="tx1"/>
+          </a:fontRef>
+        </p:style>
+      </p:cxnSp>
+    </p:spTree>
+  </p:cSld>
+  <p:clrMapOvr>
+    <a:masterClrMapping/>
+  </p:clrMapOvr>
+</p:sld>
+</file>
+
 <file path=ppt/slides/slide3.xml><?xml version="1.0" encoding="utf-8"?>
 <p:sld xmlns:a="http://schemas.openxmlformats.org/drawingml/2006/main" xmlns:r="http://schemas.openxmlformats.org/officeDocument/2006/relationships" xmlns:p="http://schemas.openxmlformats.org/presentationml/2006/main">
   <p:cSld>

--- a/draws.pptx
+++ b/draws.pptx
@@ -19,17 +19,18 @@
     <p:sldId id="280" r:id="rId14"/>
     <p:sldId id="265" r:id="rId15"/>
     <p:sldId id="283" r:id="rId16"/>
-    <p:sldId id="295" r:id="rId17"/>
-    <p:sldId id="287" r:id="rId18"/>
-    <p:sldId id="285" r:id="rId19"/>
-    <p:sldId id="268" r:id="rId20"/>
-    <p:sldId id="290" r:id="rId21"/>
-    <p:sldId id="292" r:id="rId22"/>
-    <p:sldId id="293" r:id="rId23"/>
-    <p:sldId id="294" r:id="rId24"/>
-    <p:sldId id="305" r:id="rId25"/>
-    <p:sldId id="303" r:id="rId26"/>
-    <p:sldId id="304" r:id="rId27"/>
+    <p:sldId id="308" r:id="rId17"/>
+    <p:sldId id="295" r:id="rId18"/>
+    <p:sldId id="287" r:id="rId19"/>
+    <p:sldId id="285" r:id="rId20"/>
+    <p:sldId id="268" r:id="rId21"/>
+    <p:sldId id="290" r:id="rId22"/>
+    <p:sldId id="292" r:id="rId23"/>
+    <p:sldId id="293" r:id="rId24"/>
+    <p:sldId id="294" r:id="rId25"/>
+    <p:sldId id="305" r:id="rId26"/>
+    <p:sldId id="303" r:id="rId27"/>
+    <p:sldId id="304" r:id="rId28"/>
   </p:sldIdLst>
   <p:sldSz cx="12192000" cy="6858000"/>
   <p:notesSz cx="6858000" cy="9144000"/>
@@ -7792,7 +7793,7 @@
         </p:nvSpPr>
         <p:spPr>
           <a:xfrm>
-            <a:off x="1227455" y="1828165"/>
+            <a:off x="3464560" y="1356995"/>
             <a:ext cx="1506220" cy="1154430"/>
           </a:xfrm>
           <a:prstGeom prst="roundRect">
@@ -7833,13 +7834,22 @@
           <a:p>
             <a:pPr algn="ctr"/>
             <a:r>
+              <a:rPr lang="es-ES_tradnl" altLang="en-US" sz="1200" b="1">
+                <a:solidFill>
+                  <a:srgbClr val="2E75B6"/>
+                </a:solidFill>
+                <a:cs typeface="+mn-lt"/>
+              </a:rPr>
+              <a:t>ETAPA II</a:t>
+            </a:r>
+            <a:r>
               <a:rPr lang="es-ES_tradnl" altLang="en-US" sz="1200">
                 <a:solidFill>
                   <a:srgbClr val="2E75B6"/>
                 </a:solidFill>
                 <a:cs typeface="+mn-lt"/>
               </a:rPr>
-              <a:t>2. Detección de neoantígenos</a:t>
+              <a:t> Detección de neoantígenos</a:t>
             </a:r>
             <a:endParaRPr lang="es-ES_tradnl" altLang="en-US" sz="1200">
               <a:solidFill>
@@ -7858,7 +7868,7 @@
         </p:nvSpPr>
         <p:spPr>
           <a:xfrm>
-            <a:off x="1226820" y="3083560"/>
+            <a:off x="3463925" y="2612390"/>
             <a:ext cx="1520825" cy="1187450"/>
           </a:xfrm>
           <a:prstGeom prst="roundRect">
@@ -7899,13 +7909,22 @@
           <a:p>
             <a:pPr algn="ctr"/>
             <a:r>
+              <a:rPr lang="es-ES_tradnl" altLang="en-US" sz="1200" b="1">
+                <a:solidFill>
+                  <a:srgbClr val="2E75B6"/>
+                </a:solidFill>
+                <a:cs typeface="+mn-lt"/>
+              </a:rPr>
+              <a:t>ETAPA III</a:t>
+            </a:r>
+            <a:r>
               <a:rPr lang="es-ES_tradnl" altLang="en-US" sz="1200">
                 <a:solidFill>
                   <a:srgbClr val="2E75B6"/>
                 </a:solidFill>
                 <a:cs typeface="+mn-lt"/>
               </a:rPr>
-              <a:t>3. Priorización de neoantígenos</a:t>
+              <a:t> Priorización de neoantígenos</a:t>
             </a:r>
             <a:endParaRPr lang="es-ES_tradnl" altLang="en-US" sz="1200">
               <a:solidFill>
@@ -7924,7 +7943,7 @@
         </p:nvSpPr>
         <p:spPr>
           <a:xfrm>
-            <a:off x="1228090" y="4987925"/>
+            <a:off x="3465195" y="4516755"/>
             <a:ext cx="3940810" cy="427355"/>
           </a:xfrm>
           <a:prstGeom prst="roundRect">
@@ -7962,6 +7981,17 @@
           <a:bodyPr rtlCol="0" anchor="ctr"/>
           <a:p>
             <a:pPr algn="ctr"/>
+            <a:r>
+              <a:rPr lang="es-ES_tradnl" altLang="en-US" sz="1200" b="1">
+                <a:solidFill>
+                  <a:schemeClr val="accent2">
+                    <a:lumMod val="75000"/>
+                  </a:schemeClr>
+                </a:solidFill>
+                <a:cs typeface="+mn-lt"/>
+              </a:rPr>
+              <a:t>ETAPA V</a:t>
+            </a:r>
             <a:r>
               <a:rPr lang="es-ES_tradnl" altLang="en-US" sz="1200">
                 <a:solidFill>
@@ -7971,7 +8001,7 @@
                 </a:solidFill>
                 <a:cs typeface="+mn-lt"/>
               </a:rPr>
-              <a:t>5. Aplicación clínica</a:t>
+              <a:t>. Aplicación clínica</a:t>
             </a:r>
             <a:endParaRPr lang="es-ES_tradnl" altLang="en-US" sz="1200">
               <a:solidFill>
@@ -7992,7 +8022,7 @@
         </p:nvSpPr>
         <p:spPr>
           <a:xfrm>
-            <a:off x="2960370" y="2226945"/>
+            <a:off x="5197475" y="1755775"/>
             <a:ext cx="2221230" cy="299720"/>
           </a:xfrm>
           <a:prstGeom prst="roundRect">
@@ -8033,13 +8063,22 @@
           <a:p>
             <a:pPr algn="l"/>
             <a:r>
+              <a:rPr lang="es-ES_tradnl" altLang="en-US" sz="1200" b="1">
+                <a:solidFill>
+                  <a:srgbClr val="2E75B6"/>
+                </a:solidFill>
+                <a:cs typeface="+mn-lt"/>
+              </a:rPr>
+              <a:t>II.2</a:t>
+            </a:r>
+            <a:r>
               <a:rPr lang="es-ES_tradnl" altLang="en-US" sz="1200">
                 <a:solidFill>
                   <a:srgbClr val="2E75B6"/>
                 </a:solidFill>
                 <a:cs typeface="+mn-lt"/>
               </a:rPr>
-              <a:t>2.2 Llamado de variantes</a:t>
+              <a:t> Llamado de variantes</a:t>
             </a:r>
             <a:endParaRPr lang="es-ES_tradnl" altLang="en-US" sz="1200">
               <a:solidFill>
@@ -8058,7 +8097,7 @@
         </p:nvSpPr>
         <p:spPr>
           <a:xfrm>
-            <a:off x="2960370" y="2624455"/>
+            <a:off x="5197475" y="2153285"/>
             <a:ext cx="2221230" cy="338455"/>
           </a:xfrm>
           <a:prstGeom prst="roundRect">
@@ -8099,13 +8138,22 @@
           <a:p>
             <a:pPr algn="l"/>
             <a:r>
+              <a:rPr lang="es-ES_tradnl" altLang="en-US" sz="1200" b="1">
+                <a:solidFill>
+                  <a:srgbClr val="2E75B6"/>
+                </a:solidFill>
+                <a:cs typeface="+mn-lt"/>
+              </a:rPr>
+              <a:t>II.3</a:t>
+            </a:r>
+            <a:r>
               <a:rPr lang="es-ES_tradnl" altLang="en-US" sz="1200">
                 <a:solidFill>
                   <a:srgbClr val="2E75B6"/>
                 </a:solidFill>
                 <a:cs typeface="+mn-lt"/>
               </a:rPr>
-              <a:t>2.3 Anotación de variantes</a:t>
+              <a:t> Anotación de variantes</a:t>
             </a:r>
             <a:endParaRPr lang="es-ES_tradnl" altLang="en-US" sz="1200">
               <a:solidFill>
@@ -8124,72 +8172,8 @@
         </p:nvSpPr>
         <p:spPr>
           <a:xfrm>
-            <a:off x="2960370" y="1829435"/>
+            <a:off x="5197475" y="1356995"/>
             <a:ext cx="2221230" cy="299720"/>
-          </a:xfrm>
-          <a:prstGeom prst="roundRect">
-            <a:avLst/>
-          </a:prstGeom>
-          <a:solidFill>
-            <a:schemeClr val="accent1">
-              <a:lumMod val="20000"/>
-              <a:lumOff val="80000"/>
-            </a:schemeClr>
-          </a:solidFill>
-          <a:ln>
-            <a:solidFill>
-              <a:srgbClr val="2E75B6"/>
-            </a:solidFill>
-          </a:ln>
-        </p:spPr>
-        <p:style>
-          <a:lnRef idx="2">
-            <a:schemeClr val="accent1">
-              <a:shade val="50000"/>
-            </a:schemeClr>
-          </a:lnRef>
-          <a:fillRef idx="1">
-            <a:schemeClr val="accent1"/>
-          </a:fillRef>
-          <a:effectRef idx="0">
-            <a:schemeClr val="accent1"/>
-          </a:effectRef>
-          <a:fontRef idx="minor">
-            <a:schemeClr val="lt1"/>
-          </a:fontRef>
-        </p:style>
-        <p:txBody>
-          <a:bodyPr rtlCol="0" anchor="ctr"/>
-          <a:p>
-            <a:pPr algn="l"/>
-            <a:r>
-              <a:rPr lang="es-ES_tradnl" altLang="en-US" sz="1200">
-                <a:solidFill>
-                  <a:srgbClr val="2E75B6"/>
-                </a:solidFill>
-                <a:cs typeface="+mn-lt"/>
-              </a:rPr>
-              <a:t>2.1 Alineamiento</a:t>
-            </a:r>
-            <a:endParaRPr lang="es-ES_tradnl" altLang="en-US" sz="1200">
-              <a:solidFill>
-                <a:srgbClr val="2E75B6"/>
-              </a:solidFill>
-              <a:cs typeface="+mn-lt"/>
-            </a:endParaRPr>
-          </a:p>
-        </p:txBody>
-      </p:sp>
-      <p:sp>
-        <p:nvSpPr>
-          <p:cNvPr id="7" name="Rounded Rectangle 6"/>
-          <p:cNvSpPr/>
-          <p:nvPr/>
-        </p:nvSpPr>
-        <p:spPr>
-          <a:xfrm>
-            <a:off x="2947670" y="3136900"/>
-            <a:ext cx="2221230" cy="541020"/>
           </a:xfrm>
           <a:prstGeom prst="roundRect">
             <a:avLst/>
@@ -8229,13 +8213,22 @@
           <a:p>
             <a:pPr algn="l"/>
             <a:r>
+              <a:rPr lang="es-ES_tradnl" altLang="en-US" sz="1200" b="1">
+                <a:solidFill>
+                  <a:srgbClr val="2E75B6"/>
+                </a:solidFill>
+                <a:cs typeface="+mn-lt"/>
+              </a:rPr>
+              <a:t>II.1</a:t>
+            </a:r>
+            <a:r>
               <a:rPr lang="es-ES_tradnl" altLang="en-US" sz="1200">
                 <a:solidFill>
                   <a:srgbClr val="2E75B6"/>
                 </a:solidFill>
                 <a:cs typeface="+mn-lt"/>
               </a:rPr>
-              <a:t>3.1 Predicción de la unión pMHC </a:t>
+              <a:t> Alineamiento</a:t>
             </a:r>
             <a:endParaRPr lang="es-ES_tradnl" altLang="en-US" sz="1200">
               <a:solidFill>
@@ -8248,14 +8241,14 @@
       </p:sp>
       <p:sp>
         <p:nvSpPr>
-          <p:cNvPr id="9" name="Rounded Rectangle 8"/>
+          <p:cNvPr id="7" name="Rounded Rectangle 6"/>
           <p:cNvSpPr/>
           <p:nvPr/>
         </p:nvSpPr>
         <p:spPr>
           <a:xfrm>
-            <a:off x="2947670" y="3796030"/>
-            <a:ext cx="2221230" cy="427990"/>
+            <a:off x="5184775" y="2665730"/>
+            <a:ext cx="2221230" cy="541020"/>
           </a:xfrm>
           <a:prstGeom prst="roundRect">
             <a:avLst/>
@@ -8295,13 +8288,22 @@
           <a:p>
             <a:pPr algn="l"/>
             <a:r>
+              <a:rPr lang="es-ES_tradnl" altLang="en-US" sz="1200" b="1">
+                <a:solidFill>
+                  <a:srgbClr val="2E75B6"/>
+                </a:solidFill>
+                <a:cs typeface="+mn-lt"/>
+              </a:rPr>
+              <a:t>III.1</a:t>
+            </a:r>
+            <a:r>
               <a:rPr lang="es-ES_tradnl" altLang="en-US" sz="1200">
                 <a:solidFill>
                   <a:srgbClr val="2E75B6"/>
                 </a:solidFill>
                 <a:cs typeface="+mn-lt"/>
               </a:rPr>
-              <a:t>3.2 Predicción de la unión pMHC-TCR</a:t>
+              <a:t> Predicción del enlace peptido y MHC (pMHC)</a:t>
             </a:r>
             <a:endParaRPr lang="es-ES_tradnl" altLang="en-US" sz="1200">
               <a:solidFill>
@@ -8314,13 +8316,88 @@
       </p:sp>
       <p:sp>
         <p:nvSpPr>
+          <p:cNvPr id="9" name="Rounded Rectangle 8"/>
+          <p:cNvSpPr/>
+          <p:nvPr/>
+        </p:nvSpPr>
+        <p:spPr>
+          <a:xfrm>
+            <a:off x="5184775" y="3324860"/>
+            <a:ext cx="2221230" cy="427990"/>
+          </a:xfrm>
+          <a:prstGeom prst="roundRect">
+            <a:avLst/>
+          </a:prstGeom>
+          <a:solidFill>
+            <a:schemeClr val="accent1">
+              <a:lumMod val="20000"/>
+              <a:lumOff val="80000"/>
+            </a:schemeClr>
+          </a:solidFill>
+          <a:ln>
+            <a:solidFill>
+              <a:schemeClr val="accent1">
+                <a:lumMod val="75000"/>
+              </a:schemeClr>
+            </a:solidFill>
+          </a:ln>
+        </p:spPr>
+        <p:style>
+          <a:lnRef idx="2">
+            <a:schemeClr val="accent1">
+              <a:shade val="50000"/>
+            </a:schemeClr>
+          </a:lnRef>
+          <a:fillRef idx="1">
+            <a:schemeClr val="accent1"/>
+          </a:fillRef>
+          <a:effectRef idx="0">
+            <a:schemeClr val="accent1"/>
+          </a:effectRef>
+          <a:fontRef idx="minor">
+            <a:schemeClr val="lt1"/>
+          </a:fontRef>
+        </p:style>
+        <p:txBody>
+          <a:bodyPr rtlCol="0" anchor="ctr"/>
+          <a:p>
+            <a:pPr algn="l"/>
+            <a:r>
+              <a:rPr lang="es-ES_tradnl" altLang="en-US" sz="1200" b="1">
+                <a:solidFill>
+                  <a:srgbClr val="2E75B6"/>
+                </a:solidFill>
+                <a:cs typeface="+mn-lt"/>
+              </a:rPr>
+              <a:t>III.2</a:t>
+            </a:r>
+            <a:r>
+              <a:rPr lang="es-ES_tradnl" altLang="en-US" sz="1200">
+                <a:solidFill>
+                  <a:srgbClr val="2E75B6"/>
+                </a:solidFill>
+                <a:cs typeface="+mn-lt"/>
+              </a:rPr>
+              <a:t> Predicción de la afinidad pMHC y TCR</a:t>
+            </a:r>
+            <a:endParaRPr lang="es-ES_tradnl" altLang="en-US" sz="1200">
+              <a:solidFill>
+                <a:srgbClr val="2E75B6"/>
+              </a:solidFill>
+              <a:cs typeface="+mn-lt"/>
+            </a:endParaRPr>
+          </a:p>
+        </p:txBody>
+      </p:sp>
+      <p:sp>
+        <p:nvSpPr>
           <p:cNvPr id="17" name="Rounded Rectangle 16"/>
           <p:cNvSpPr/>
           <p:nvPr/>
         </p:nvSpPr>
         <p:spPr>
           <a:xfrm>
-            <a:off x="1240155" y="1241425"/>
+            <a:off x="3477260" y="770255"/>
             <a:ext cx="3923030" cy="427355"/>
           </a:xfrm>
           <a:prstGeom prst="roundRect">
@@ -8367,7 +8444,29 @@
                 </a:solidFill>
                 <a:cs typeface="+mn-lt"/>
               </a:rPr>
-              <a:t> 1. Muestreo y secuenciamiento</a:t>
+              <a:t> </a:t>
+            </a:r>
+            <a:r>
+              <a:rPr lang="es-ES_tradnl" altLang="en-US" sz="1200" b="1">
+                <a:solidFill>
+                  <a:schemeClr val="accent6">
+                    <a:lumMod val="75000"/>
+                  </a:schemeClr>
+                </a:solidFill>
+                <a:cs typeface="+mn-lt"/>
+              </a:rPr>
+              <a:t>ETAPA I</a:t>
+            </a:r>
+            <a:r>
+              <a:rPr lang="es-ES_tradnl" altLang="en-US" sz="1200">
+                <a:solidFill>
+                  <a:schemeClr val="accent6">
+                    <a:lumMod val="75000"/>
+                  </a:schemeClr>
+                </a:solidFill>
+                <a:cs typeface="+mn-lt"/>
+              </a:rPr>
+              <a:t>. Muestreo y secuenciamiento</a:t>
             </a:r>
             <a:endParaRPr lang="es-ES_tradnl" altLang="en-US" sz="1200">
               <a:solidFill>
@@ -8388,7 +8487,7 @@
         </p:nvSpPr>
         <p:spPr>
           <a:xfrm>
-            <a:off x="1225550" y="4415790"/>
+            <a:off x="3462655" y="3944620"/>
             <a:ext cx="3949700" cy="427355"/>
           </a:xfrm>
           <a:prstGeom prst="roundRect">
@@ -8426,6 +8525,17 @@
           <a:bodyPr rtlCol="0" anchor="ctr"/>
           <a:p>
             <a:pPr algn="ctr"/>
+            <a:r>
+              <a:rPr lang="es-ES_tradnl" altLang="en-US" sz="1200" b="1">
+                <a:solidFill>
+                  <a:schemeClr val="accent6">
+                    <a:lumMod val="75000"/>
+                  </a:schemeClr>
+                </a:solidFill>
+                <a:cs typeface="+mn-lt"/>
+              </a:rPr>
+              <a:t>ETAPA IV</a:t>
+            </a:r>
             <a:r>
               <a:rPr lang="es-ES_tradnl" altLang="en-US" sz="1200">
                 <a:solidFill>
@@ -8435,7 +8545,7 @@
                 </a:solidFill>
                 <a:cs typeface="+mn-lt"/>
               </a:rPr>
-              <a:t>4. Diseño de la vacuna </a:t>
+              <a:t>. Diseño de la vacuna </a:t>
             </a:r>
             <a:r>
               <a:rPr lang="es-ES_tradnl" altLang="en-US" sz="1200" i="1">
@@ -8456,737 +8566,6 @@
               </a:solidFill>
               <a:cs typeface="+mn-lt"/>
             </a:endParaRPr>
-          </a:p>
-        </p:txBody>
-      </p:sp>
-      <p:sp>
-        <p:nvSpPr>
-          <p:cNvPr id="3" name="Rounded Rectangle 2"/>
-          <p:cNvSpPr/>
-          <p:nvPr/>
-        </p:nvSpPr>
-        <p:spPr>
-          <a:xfrm>
-            <a:off x="5923915" y="1241425"/>
-            <a:ext cx="2000250" cy="408940"/>
-          </a:xfrm>
-          <a:prstGeom prst="roundRect">
-            <a:avLst/>
-          </a:prstGeom>
-          <a:noFill/>
-          <a:ln>
-            <a:solidFill>
-              <a:schemeClr val="accent1">
-                <a:lumMod val="50000"/>
-              </a:schemeClr>
-            </a:solidFill>
-          </a:ln>
-        </p:spPr>
-        <p:style>
-          <a:lnRef idx="2">
-            <a:schemeClr val="accent1">
-              <a:shade val="50000"/>
-            </a:schemeClr>
-          </a:lnRef>
-          <a:fillRef idx="1">
-            <a:schemeClr val="accent1"/>
-          </a:fillRef>
-          <a:effectRef idx="0">
-            <a:schemeClr val="accent1"/>
-          </a:effectRef>
-          <a:fontRef idx="minor">
-            <a:schemeClr val="lt1"/>
-          </a:fontRef>
-        </p:style>
-        <p:txBody>
-          <a:bodyPr rtlCol="0" anchor="ctr"/>
-          <a:p>
-            <a:pPr algn="ctr"/>
-            <a:r>
-              <a:rPr lang="es-ES_tradnl" altLang="en-US" sz="1200">
-                <a:solidFill>
-                  <a:srgbClr val="2E75B6"/>
-                </a:solidFill>
-                <a:cs typeface="+mn-lt"/>
-                <a:sym typeface="+mn-ea"/>
-              </a:rPr>
-              <a:t>Péptido</a:t>
-            </a:r>
-            <a:endParaRPr lang="es-ES_tradnl" altLang="en-US" sz="1200">
-              <a:solidFill>
-                <a:schemeClr val="accent1">
-                  <a:lumMod val="50000"/>
-                </a:schemeClr>
-              </a:solidFill>
-              <a:latin typeface="TeX Gyre Bonum Math" panose="02000503000000000000" charset="0"/>
-              <a:cs typeface="TeX Gyre Bonum Math" panose="02000503000000000000" charset="0"/>
-              <a:sym typeface="+mn-ea"/>
-            </a:endParaRPr>
-          </a:p>
-        </p:txBody>
-      </p:sp>
-      <p:sp>
-        <p:nvSpPr>
-          <p:cNvPr id="8" name="Rounded Rectangle 7"/>
-          <p:cNvSpPr/>
-          <p:nvPr/>
-        </p:nvSpPr>
-        <p:spPr>
-          <a:xfrm>
-            <a:off x="8369935" y="1241425"/>
-            <a:ext cx="2000250" cy="408305"/>
-          </a:xfrm>
-          <a:prstGeom prst="roundRect">
-            <a:avLst/>
-          </a:prstGeom>
-          <a:noFill/>
-          <a:ln>
-            <a:solidFill>
-              <a:srgbClr val="41719C"/>
-            </a:solidFill>
-          </a:ln>
-        </p:spPr>
-        <p:style>
-          <a:lnRef idx="2">
-            <a:schemeClr val="accent1">
-              <a:shade val="50000"/>
-            </a:schemeClr>
-          </a:lnRef>
-          <a:fillRef idx="1">
-            <a:schemeClr val="accent1"/>
-          </a:fillRef>
-          <a:effectRef idx="0">
-            <a:schemeClr val="accent1"/>
-          </a:effectRef>
-          <a:fontRef idx="minor">
-            <a:schemeClr val="lt1"/>
-          </a:fontRef>
-        </p:style>
-        <p:txBody>
-          <a:bodyPr rtlCol="0" anchor="ctr"/>
-          <a:p>
-            <a:pPr algn="ctr"/>
-            <a:r>
-              <a:rPr lang="es-ES_tradnl" altLang="en-US" sz="1200">
-                <a:solidFill>
-                  <a:srgbClr val="2E75B6"/>
-                </a:solidFill>
-                <a:cs typeface="+mn-lt"/>
-              </a:rPr>
-              <a:t>MHC</a:t>
-            </a:r>
-            <a:endParaRPr lang="es-ES_tradnl" sz="1400">
-              <a:solidFill>
-                <a:schemeClr val="tx1"/>
-              </a:solidFill>
-              <a:latin typeface="TeX Gyre Bonum Math" panose="02000503000000000000" charset="0"/>
-              <a:cs typeface="TeX Gyre Bonum Math" panose="02000503000000000000" charset="0"/>
-            </a:endParaRPr>
-          </a:p>
-        </p:txBody>
-      </p:sp>
-      <p:sp>
-        <p:nvSpPr>
-          <p:cNvPr id="10" name="Rounded Rectangle 9"/>
-          <p:cNvSpPr/>
-          <p:nvPr/>
-        </p:nvSpPr>
-        <p:spPr>
-          <a:xfrm>
-            <a:off x="5923915" y="2571750"/>
-            <a:ext cx="4445635" cy="1171575"/>
-          </a:xfrm>
-          <a:prstGeom prst="roundRect">
-            <a:avLst/>
-          </a:prstGeom>
-          <a:solidFill>
-            <a:schemeClr val="accent1">
-              <a:lumMod val="20000"/>
-              <a:lumOff val="80000"/>
-            </a:schemeClr>
-          </a:solidFill>
-          <a:ln>
-            <a:solidFill>
-              <a:schemeClr val="accent1">
-                <a:lumMod val="75000"/>
-              </a:schemeClr>
-            </a:solidFill>
-          </a:ln>
-        </p:spPr>
-        <p:style>
-          <a:lnRef idx="2">
-            <a:schemeClr val="accent1">
-              <a:shade val="50000"/>
-            </a:schemeClr>
-          </a:lnRef>
-          <a:fillRef idx="1">
-            <a:schemeClr val="accent1"/>
-          </a:fillRef>
-          <a:effectRef idx="0">
-            <a:schemeClr val="accent1"/>
-          </a:effectRef>
-          <a:fontRef idx="minor">
-            <a:schemeClr val="lt1"/>
-          </a:fontRef>
-        </p:style>
-        <p:txBody>
-          <a:bodyPr rtlCol="0" anchor="ctr"/>
-          <a:p>
-            <a:pPr algn="ctr"/>
-            <a:r>
-              <a:rPr lang="es-ES_tradnl" altLang="en-US" sz="1200" b="1">
-                <a:solidFill>
-                  <a:srgbClr val="2E75B6"/>
-                </a:solidFill>
-                <a:cs typeface="+mn-lt"/>
-              </a:rPr>
-              <a:t>Transformer pre-entrenado</a:t>
-            </a:r>
-            <a:endParaRPr lang="es-ES_tradnl" altLang="en-US" sz="1200" b="1">
-              <a:solidFill>
-                <a:srgbClr val="2E75B6"/>
-              </a:solidFill>
-              <a:cs typeface="+mn-lt"/>
-            </a:endParaRPr>
-          </a:p>
-          <a:p>
-            <a:pPr algn="ctr"/>
-            <a:endParaRPr lang="es-ES_tradnl" altLang="en-US" sz="1200">
-              <a:solidFill>
-                <a:srgbClr val="2E75B6"/>
-              </a:solidFill>
-              <a:cs typeface="+mn-lt"/>
-            </a:endParaRPr>
-          </a:p>
-          <a:p>
-            <a:pPr algn="ctr"/>
-            <a:r>
-              <a:rPr lang="es-ES_tradnl" altLang="en-US" sz="1200">
-                <a:solidFill>
-                  <a:srgbClr val="2E75B6"/>
-                </a:solidFill>
-                <a:cs typeface="+mn-lt"/>
-              </a:rPr>
-              <a:t>TAPE, ProtBert-BFD, ESM2(t6)</a:t>
-            </a:r>
-            <a:r>
-              <a:rPr lang="es-ES_tradnl" altLang="en-US" sz="1200">
-                <a:solidFill>
-                  <a:srgbClr val="2E75B6"/>
-                </a:solidFill>
-                <a:cs typeface="+mn-lt"/>
-                <a:sym typeface="+mn-ea"/>
-              </a:rPr>
-              <a:t>, ESM2(t12), ESM2(t30) y ESM2(t33)</a:t>
-            </a:r>
-            <a:endParaRPr lang="es-ES_tradnl" altLang="en-US" sz="1200">
-              <a:solidFill>
-                <a:srgbClr val="2E75B6"/>
-              </a:solidFill>
-              <a:cs typeface="+mn-lt"/>
-              <a:sym typeface="+mn-ea"/>
-            </a:endParaRPr>
-          </a:p>
-        </p:txBody>
-      </p:sp>
-      <p:sp>
-        <p:nvSpPr>
-          <p:cNvPr id="15" name="Rounded Rectangle 14"/>
-          <p:cNvSpPr/>
-          <p:nvPr/>
-        </p:nvSpPr>
-        <p:spPr>
-          <a:xfrm>
-            <a:off x="5922010" y="4987925"/>
-            <a:ext cx="4445635" cy="427355"/>
-          </a:xfrm>
-          <a:prstGeom prst="roundRect">
-            <a:avLst/>
-          </a:prstGeom>
-          <a:noFill/>
-          <a:ln>
-            <a:solidFill>
-              <a:srgbClr val="41719C"/>
-            </a:solidFill>
-          </a:ln>
-        </p:spPr>
-        <p:style>
-          <a:lnRef idx="2">
-            <a:schemeClr val="accent1">
-              <a:shade val="50000"/>
-            </a:schemeClr>
-          </a:lnRef>
-          <a:fillRef idx="1">
-            <a:schemeClr val="accent1"/>
-          </a:fillRef>
-          <a:effectRef idx="0">
-            <a:schemeClr val="accent1"/>
-          </a:effectRef>
-          <a:fontRef idx="minor">
-            <a:schemeClr val="lt1"/>
-          </a:fontRef>
-        </p:style>
-        <p:txBody>
-          <a:bodyPr rtlCol="0" anchor="ctr"/>
-          <a:p>
-            <a:pPr algn="ctr"/>
-            <a:r>
-              <a:rPr lang="es-ES_tradnl" altLang="en-US" sz="1200">
-                <a:solidFill>
-                  <a:srgbClr val="2E75B6"/>
-                </a:solidFill>
-                <a:cs typeface="+mn-lt"/>
-              </a:rPr>
-              <a:t>Predicción de la unión pMHC</a:t>
-            </a:r>
-            <a:endParaRPr lang="es-ES_tradnl" altLang="en-US" sz="1200">
-              <a:solidFill>
-                <a:srgbClr val="2E75B6"/>
-              </a:solidFill>
-              <a:cs typeface="+mn-lt"/>
-            </a:endParaRPr>
-          </a:p>
-        </p:txBody>
-      </p:sp>
-      <p:sp>
-        <p:nvSpPr>
-          <p:cNvPr id="12" name="Down Arrow 11"/>
-          <p:cNvSpPr/>
-          <p:nvPr/>
-        </p:nvSpPr>
-        <p:spPr>
-          <a:xfrm>
-            <a:off x="6788785" y="1724660"/>
-            <a:ext cx="269875" cy="117475"/>
-          </a:xfrm>
-          <a:prstGeom prst="downArrow">
-            <a:avLst/>
-          </a:prstGeom>
-          <a:solidFill>
-            <a:schemeClr val="accent1">
-              <a:lumMod val="40000"/>
-              <a:lumOff val="60000"/>
-            </a:schemeClr>
-          </a:solidFill>
-          <a:ln>
-            <a:noFill/>
-          </a:ln>
-        </p:spPr>
-        <p:style>
-          <a:lnRef idx="2">
-            <a:schemeClr val="accent1">
-              <a:shade val="50000"/>
-            </a:schemeClr>
-          </a:lnRef>
-          <a:fillRef idx="1">
-            <a:schemeClr val="accent1"/>
-          </a:fillRef>
-          <a:effectRef idx="0">
-            <a:schemeClr val="accent1"/>
-          </a:effectRef>
-          <a:fontRef idx="minor">
-            <a:schemeClr val="lt1"/>
-          </a:fontRef>
-        </p:style>
-        <p:txBody>
-          <a:bodyPr rtlCol="0" anchor="ctr"/>
-          <a:p>
-            <a:pPr algn="ctr"/>
-            <a:endParaRPr lang="en-US" sz="1400">
-              <a:latin typeface="TeX Gyre Bonum Math" panose="02000503000000000000" charset="0"/>
-              <a:cs typeface="TeX Gyre Bonum Math" panose="02000503000000000000" charset="0"/>
-            </a:endParaRPr>
-          </a:p>
-        </p:txBody>
-      </p:sp>
-      <p:sp>
-        <p:nvSpPr>
-          <p:cNvPr id="20" name="Rounded Rectangle 19"/>
-          <p:cNvSpPr/>
-          <p:nvPr/>
-        </p:nvSpPr>
-        <p:spPr>
-          <a:xfrm>
-            <a:off x="5923280" y="4002405"/>
-            <a:ext cx="4445635" cy="714375"/>
-          </a:xfrm>
-          <a:prstGeom prst="roundRect">
-            <a:avLst/>
-          </a:prstGeom>
-          <a:solidFill>
-            <a:schemeClr val="accent1">
-              <a:lumMod val="20000"/>
-              <a:lumOff val="80000"/>
-            </a:schemeClr>
-          </a:solidFill>
-          <a:ln>
-            <a:solidFill>
-              <a:schemeClr val="accent1">
-                <a:lumMod val="75000"/>
-              </a:schemeClr>
-            </a:solidFill>
-          </a:ln>
-        </p:spPr>
-        <p:style>
-          <a:lnRef idx="2">
-            <a:schemeClr val="accent1">
-              <a:shade val="50000"/>
-            </a:schemeClr>
-          </a:lnRef>
-          <a:fillRef idx="1">
-            <a:schemeClr val="accent1"/>
-          </a:fillRef>
-          <a:effectRef idx="0">
-            <a:schemeClr val="accent1"/>
-          </a:effectRef>
-          <a:fontRef idx="minor">
-            <a:schemeClr val="lt1"/>
-          </a:fontRef>
-        </p:style>
-        <p:txBody>
-          <a:bodyPr rtlCol="0" anchor="ctr"/>
-          <a:p>
-            <a:pPr algn="ctr"/>
-            <a:r>
-              <a:rPr lang="es-ES_tradnl" altLang="en-US" sz="1200" b="1">
-                <a:solidFill>
-                  <a:srgbClr val="2E75B6"/>
-                </a:solidFill>
-                <a:cs typeface="+mn-lt"/>
-              </a:rPr>
-              <a:t>BiLSTM</a:t>
-            </a:r>
-            <a:endParaRPr lang="es-ES_tradnl" altLang="en-US" sz="1200" b="1">
-              <a:solidFill>
-                <a:srgbClr val="2E75B6"/>
-              </a:solidFill>
-              <a:latin typeface="TeX Gyre Bonum Math" panose="02000503000000000000" charset="0"/>
-              <a:cs typeface="TeX Gyre Bonum Math" panose="02000503000000000000" charset="0"/>
-            </a:endParaRPr>
-          </a:p>
-        </p:txBody>
-      </p:sp>
-      <p:sp>
-        <p:nvSpPr>
-          <p:cNvPr id="23" name="Down Arrow 22"/>
-          <p:cNvSpPr/>
-          <p:nvPr/>
-        </p:nvSpPr>
-        <p:spPr>
-          <a:xfrm>
-            <a:off x="8009890" y="4803775"/>
-            <a:ext cx="269875" cy="117475"/>
-          </a:xfrm>
-          <a:prstGeom prst="downArrow">
-            <a:avLst/>
-          </a:prstGeom>
-          <a:solidFill>
-            <a:schemeClr val="accent1">
-              <a:lumMod val="40000"/>
-              <a:lumOff val="60000"/>
-            </a:schemeClr>
-          </a:solidFill>
-          <a:ln>
-            <a:noFill/>
-          </a:ln>
-        </p:spPr>
-        <p:style>
-          <a:lnRef idx="2">
-            <a:schemeClr val="accent1">
-              <a:shade val="50000"/>
-            </a:schemeClr>
-          </a:lnRef>
-          <a:fillRef idx="1">
-            <a:schemeClr val="accent1"/>
-          </a:fillRef>
-          <a:effectRef idx="0">
-            <a:schemeClr val="accent1"/>
-          </a:effectRef>
-          <a:fontRef idx="minor">
-            <a:schemeClr val="lt1"/>
-          </a:fontRef>
-        </p:style>
-        <p:txBody>
-          <a:bodyPr rtlCol="0" anchor="ctr"/>
-          <a:p>
-            <a:pPr algn="ctr"/>
-            <a:endParaRPr lang="en-US" sz="1400">
-              <a:latin typeface="TeX Gyre Bonum Math" panose="02000503000000000000" charset="0"/>
-              <a:cs typeface="TeX Gyre Bonum Math" panose="02000503000000000000" charset="0"/>
-            </a:endParaRPr>
-          </a:p>
-        </p:txBody>
-      </p:sp>
-      <p:sp>
-        <p:nvSpPr>
-          <p:cNvPr id="24" name="Rounded Rectangle 23"/>
-          <p:cNvSpPr/>
-          <p:nvPr/>
-        </p:nvSpPr>
-        <p:spPr>
-          <a:xfrm>
-            <a:off x="5920740" y="1909445"/>
-            <a:ext cx="4446905" cy="408305"/>
-          </a:xfrm>
-          <a:prstGeom prst="roundRect">
-            <a:avLst/>
-          </a:prstGeom>
-          <a:solidFill>
-            <a:schemeClr val="accent1">
-              <a:lumMod val="20000"/>
-              <a:lumOff val="80000"/>
-            </a:schemeClr>
-          </a:solidFill>
-          <a:ln>
-            <a:solidFill>
-              <a:schemeClr val="accent1">
-                <a:lumMod val="75000"/>
-              </a:schemeClr>
-            </a:solidFill>
-          </a:ln>
-        </p:spPr>
-        <p:style>
-          <a:lnRef idx="2">
-            <a:schemeClr val="accent1">
-              <a:shade val="50000"/>
-            </a:schemeClr>
-          </a:lnRef>
-          <a:fillRef idx="1">
-            <a:schemeClr val="accent1"/>
-          </a:fillRef>
-          <a:effectRef idx="0">
-            <a:schemeClr val="accent1"/>
-          </a:effectRef>
-          <a:fontRef idx="minor">
-            <a:schemeClr val="lt1"/>
-          </a:fontRef>
-        </p:style>
-        <p:txBody>
-          <a:bodyPr rtlCol="0" anchor="ctr"/>
-          <a:p>
-            <a:pPr algn="ctr"/>
-            <a:r>
-              <a:rPr lang="es-ES_tradnl" altLang="en-US" sz="1200">
-                <a:solidFill>
-                  <a:srgbClr val="2E75B6"/>
-                </a:solidFill>
-                <a:cs typeface="+mn-lt"/>
-              </a:rPr>
-              <a:t>Concatenación y </a:t>
-            </a:r>
-            <a:r>
-              <a:rPr lang="es-ES_tradnl" altLang="en-US" sz="1200" i="1">
-                <a:solidFill>
-                  <a:srgbClr val="2E75B6"/>
-                </a:solidFill>
-                <a:cs typeface="+mn-lt"/>
-              </a:rPr>
-              <a:t>padding</a:t>
-            </a:r>
-            <a:endParaRPr lang="es-ES_tradnl" altLang="en-US" sz="1200" i="1">
-              <a:solidFill>
-                <a:srgbClr val="2E75B6"/>
-              </a:solidFill>
-              <a:cs typeface="+mn-lt"/>
-            </a:endParaRPr>
-          </a:p>
-        </p:txBody>
-      </p:sp>
-      <p:sp>
-        <p:nvSpPr>
-          <p:cNvPr id="25" name="Down Arrow 24"/>
-          <p:cNvSpPr/>
-          <p:nvPr/>
-        </p:nvSpPr>
-        <p:spPr>
-          <a:xfrm>
-            <a:off x="9235440" y="1725295"/>
-            <a:ext cx="269875" cy="117475"/>
-          </a:xfrm>
-          <a:prstGeom prst="downArrow">
-            <a:avLst/>
-          </a:prstGeom>
-          <a:solidFill>
-            <a:schemeClr val="accent1">
-              <a:lumMod val="40000"/>
-              <a:lumOff val="60000"/>
-            </a:schemeClr>
-          </a:solidFill>
-          <a:ln>
-            <a:noFill/>
-          </a:ln>
-        </p:spPr>
-        <p:style>
-          <a:lnRef idx="2">
-            <a:schemeClr val="accent1">
-              <a:shade val="50000"/>
-            </a:schemeClr>
-          </a:lnRef>
-          <a:fillRef idx="1">
-            <a:schemeClr val="accent1"/>
-          </a:fillRef>
-          <a:effectRef idx="0">
-            <a:schemeClr val="accent1"/>
-          </a:effectRef>
-          <a:fontRef idx="minor">
-            <a:schemeClr val="lt1"/>
-          </a:fontRef>
-        </p:style>
-        <p:txBody>
-          <a:bodyPr rtlCol="0" anchor="ctr"/>
-          <a:p>
-            <a:pPr algn="ctr"/>
-            <a:endParaRPr lang="en-US" sz="1400">
-              <a:latin typeface="TeX Gyre Bonum Math" panose="02000503000000000000" charset="0"/>
-              <a:cs typeface="TeX Gyre Bonum Math" panose="02000503000000000000" charset="0"/>
-            </a:endParaRPr>
-          </a:p>
-        </p:txBody>
-      </p:sp>
-      <p:sp>
-        <p:nvSpPr>
-          <p:cNvPr id="26" name="Down Arrow 25"/>
-          <p:cNvSpPr/>
-          <p:nvPr/>
-        </p:nvSpPr>
-        <p:spPr>
-          <a:xfrm>
-            <a:off x="8011160" y="2396490"/>
-            <a:ext cx="269875" cy="117475"/>
-          </a:xfrm>
-          <a:prstGeom prst="downArrow">
-            <a:avLst/>
-          </a:prstGeom>
-          <a:solidFill>
-            <a:schemeClr val="accent1">
-              <a:lumMod val="40000"/>
-              <a:lumOff val="60000"/>
-            </a:schemeClr>
-          </a:solidFill>
-          <a:ln>
-            <a:noFill/>
-          </a:ln>
-        </p:spPr>
-        <p:style>
-          <a:lnRef idx="2">
-            <a:schemeClr val="accent1">
-              <a:shade val="50000"/>
-            </a:schemeClr>
-          </a:lnRef>
-          <a:fillRef idx="1">
-            <a:schemeClr val="accent1"/>
-          </a:fillRef>
-          <a:effectRef idx="0">
-            <a:schemeClr val="accent1"/>
-          </a:effectRef>
-          <a:fontRef idx="minor">
-            <a:schemeClr val="lt1"/>
-          </a:fontRef>
-        </p:style>
-        <p:txBody>
-          <a:bodyPr rtlCol="0" anchor="ctr"/>
-          <a:p>
-            <a:pPr algn="ctr"/>
-            <a:endParaRPr lang="en-US" sz="1400">
-              <a:latin typeface="TeX Gyre Bonum Math" panose="02000503000000000000" charset="0"/>
-              <a:cs typeface="TeX Gyre Bonum Math" panose="02000503000000000000" charset="0"/>
-            </a:endParaRPr>
-          </a:p>
-        </p:txBody>
-      </p:sp>
-      <p:sp>
-        <p:nvSpPr>
-          <p:cNvPr id="27" name="Down Arrow 26"/>
-          <p:cNvSpPr/>
-          <p:nvPr/>
-        </p:nvSpPr>
-        <p:spPr>
-          <a:xfrm>
-            <a:off x="8009890" y="3815080"/>
-            <a:ext cx="269875" cy="117475"/>
-          </a:xfrm>
-          <a:prstGeom prst="downArrow">
-            <a:avLst/>
-          </a:prstGeom>
-          <a:solidFill>
-            <a:schemeClr val="accent1">
-              <a:lumMod val="40000"/>
-              <a:lumOff val="60000"/>
-            </a:schemeClr>
-          </a:solidFill>
-          <a:ln>
-            <a:noFill/>
-          </a:ln>
-        </p:spPr>
-        <p:style>
-          <a:lnRef idx="2">
-            <a:schemeClr val="accent1">
-              <a:shade val="50000"/>
-            </a:schemeClr>
-          </a:lnRef>
-          <a:fillRef idx="1">
-            <a:schemeClr val="accent1"/>
-          </a:fillRef>
-          <a:effectRef idx="0">
-            <a:schemeClr val="accent1"/>
-          </a:effectRef>
-          <a:fontRef idx="minor">
-            <a:schemeClr val="lt1"/>
-          </a:fontRef>
-        </p:style>
-        <p:txBody>
-          <a:bodyPr rtlCol="0" anchor="ctr"/>
-          <a:p>
-            <a:pPr algn="ctr"/>
-            <a:endParaRPr lang="en-US" sz="1400">
-              <a:latin typeface="TeX Gyre Bonum Math" panose="02000503000000000000" charset="0"/>
-              <a:cs typeface="TeX Gyre Bonum Math" panose="02000503000000000000" charset="0"/>
-            </a:endParaRPr>
-          </a:p>
-        </p:txBody>
-      </p:sp>
-      <p:sp>
-        <p:nvSpPr>
-          <p:cNvPr id="28" name="Left Brace 27"/>
-          <p:cNvSpPr/>
-          <p:nvPr/>
-        </p:nvSpPr>
-        <p:spPr>
-          <a:xfrm>
-            <a:off x="5368925" y="1240790"/>
-            <a:ext cx="377825" cy="4174490"/>
-          </a:xfrm>
-          <a:prstGeom prst="leftBrace">
-            <a:avLst>
-              <a:gd name="adj1" fmla="val 8333"/>
-              <a:gd name="adj2" fmla="val 51323"/>
-            </a:avLst>
-          </a:prstGeom>
-          <a:ln w="9525">
-            <a:solidFill>
-              <a:srgbClr val="41719C"/>
-            </a:solidFill>
-          </a:ln>
-        </p:spPr>
-        <p:style>
-          <a:lnRef idx="1">
-            <a:schemeClr val="accent1"/>
-          </a:lnRef>
-          <a:fillRef idx="0">
-            <a:schemeClr val="accent1"/>
-          </a:fillRef>
-          <a:effectRef idx="0">
-            <a:schemeClr val="accent1"/>
-          </a:effectRef>
-          <a:fontRef idx="minor">
-            <a:schemeClr val="tx1"/>
-          </a:fontRef>
-        </p:style>
-        <p:txBody>
-          <a:bodyPr rtlCol="0" anchor="ctr"/>
-          <a:p>
-            <a:pPr algn="ctr"/>
-            <a:endParaRPr lang="en-US"/>
           </a:p>
         </p:txBody>
       </p:sp>
@@ -9223,7 +8602,7 @@
         </p:nvSpPr>
         <p:spPr>
           <a:xfrm>
-            <a:off x="6931660" y="1961515"/>
+            <a:off x="1227455" y="1828165"/>
             <a:ext cx="1506220" cy="1154430"/>
           </a:xfrm>
           <a:prstGeom prst="roundRect">
@@ -9270,7 +8649,7 @@
                 </a:solidFill>
                 <a:cs typeface="+mn-lt"/>
               </a:rPr>
-              <a:t>2. Neoantigen candidates detection</a:t>
+              <a:t>2. Detección de neoantígenos</a:t>
             </a:r>
             <a:endParaRPr lang="es-ES_tradnl" altLang="en-US" sz="1200">
               <a:solidFill>
@@ -9289,7 +8668,7 @@
         </p:nvSpPr>
         <p:spPr>
           <a:xfrm>
-            <a:off x="6931025" y="3216910"/>
+            <a:off x="1226820" y="3083560"/>
             <a:ext cx="1520825" cy="1187450"/>
           </a:xfrm>
           <a:prstGeom prst="roundRect">
@@ -9336,7 +8715,7 @@
                 </a:solidFill>
                 <a:cs typeface="+mn-lt"/>
               </a:rPr>
-              <a:t>3. Neoantigen prioritization</a:t>
+              <a:t>3. Priorización de neoantígenos</a:t>
             </a:r>
             <a:endParaRPr lang="es-ES_tradnl" altLang="en-US" sz="1200">
               <a:solidFill>
@@ -9355,7 +8734,7 @@
         </p:nvSpPr>
         <p:spPr>
           <a:xfrm>
-            <a:off x="6932295" y="5121275"/>
+            <a:off x="1228090" y="4987925"/>
             <a:ext cx="3940810" cy="427355"/>
           </a:xfrm>
           <a:prstGeom prst="roundRect">
@@ -9402,7 +8781,7 @@
                 </a:solidFill>
                 <a:cs typeface="+mn-lt"/>
               </a:rPr>
-              <a:t>5. Clinical trials</a:t>
+              <a:t>5. Aplicación clínica</a:t>
             </a:r>
             <a:endParaRPr lang="es-ES_tradnl" altLang="en-US" sz="1200">
               <a:solidFill>
@@ -9415,30 +8794,6 @@
           </a:p>
         </p:txBody>
       </p:sp>
-      <p:pic>
-        <p:nvPicPr>
-          <p:cNvPr id="2" name="Picture 1" descr="vaccine_pipeline"/>
-          <p:cNvPicPr>
-            <a:picLocks noChangeAspect="1"/>
-          </p:cNvPicPr>
-          <p:nvPr/>
-        </p:nvPicPr>
-        <p:blipFill>
-          <a:blip r:embed="rId1"/>
-          <a:stretch>
-            <a:fillRect/>
-          </a:stretch>
-        </p:blipFill>
-        <p:spPr>
-          <a:xfrm>
-            <a:off x="1141730" y="1370965"/>
-            <a:ext cx="5278120" cy="4177665"/>
-          </a:xfrm>
-          <a:prstGeom prst="rect">
-            <a:avLst/>
-          </a:prstGeom>
-        </p:spPr>
-      </p:pic>
       <p:sp>
         <p:nvSpPr>
           <p:cNvPr id="4" name="Rounded Rectangle 3"/>
@@ -9447,7 +8802,7 @@
         </p:nvSpPr>
         <p:spPr>
           <a:xfrm>
-            <a:off x="8664575" y="2360295"/>
+            <a:off x="2960370" y="2226945"/>
             <a:ext cx="2221230" cy="299720"/>
           </a:xfrm>
           <a:prstGeom prst="roundRect">
@@ -9494,7 +8849,7 @@
                 </a:solidFill>
                 <a:cs typeface="+mn-lt"/>
               </a:rPr>
-              <a:t>2.2 Variant calling</a:t>
+              <a:t>2.2 Llamado de variantes</a:t>
             </a:r>
             <a:endParaRPr lang="es-ES_tradnl" altLang="en-US" sz="1200">
               <a:solidFill>
@@ -9513,7 +8868,7 @@
         </p:nvSpPr>
         <p:spPr>
           <a:xfrm>
-            <a:off x="8664575" y="2757805"/>
+            <a:off x="2960370" y="2624455"/>
             <a:ext cx="2221230" cy="338455"/>
           </a:xfrm>
           <a:prstGeom prst="roundRect">
@@ -9560,7 +8915,7 @@
                 </a:solidFill>
                 <a:cs typeface="+mn-lt"/>
               </a:rPr>
-              <a:t>2.3 Variant annotation</a:t>
+              <a:t>2.3 Anotación de variantes</a:t>
             </a:r>
             <a:endParaRPr lang="es-ES_tradnl" altLang="en-US" sz="1200">
               <a:solidFill>
@@ -9579,8 +8934,72 @@
         </p:nvSpPr>
         <p:spPr>
           <a:xfrm>
-            <a:off x="8664575" y="1961515"/>
+            <a:off x="2960370" y="1829435"/>
             <a:ext cx="2221230" cy="299720"/>
+          </a:xfrm>
+          <a:prstGeom prst="roundRect">
+            <a:avLst/>
+          </a:prstGeom>
+          <a:solidFill>
+            <a:schemeClr val="accent1">
+              <a:lumMod val="20000"/>
+              <a:lumOff val="80000"/>
+            </a:schemeClr>
+          </a:solidFill>
+          <a:ln>
+            <a:solidFill>
+              <a:srgbClr val="2E75B6"/>
+            </a:solidFill>
+          </a:ln>
+        </p:spPr>
+        <p:style>
+          <a:lnRef idx="2">
+            <a:schemeClr val="accent1">
+              <a:shade val="50000"/>
+            </a:schemeClr>
+          </a:lnRef>
+          <a:fillRef idx="1">
+            <a:schemeClr val="accent1"/>
+          </a:fillRef>
+          <a:effectRef idx="0">
+            <a:schemeClr val="accent1"/>
+          </a:effectRef>
+          <a:fontRef idx="minor">
+            <a:schemeClr val="lt1"/>
+          </a:fontRef>
+        </p:style>
+        <p:txBody>
+          <a:bodyPr rtlCol="0" anchor="ctr"/>
+          <a:p>
+            <a:pPr algn="l"/>
+            <a:r>
+              <a:rPr lang="es-ES_tradnl" altLang="en-US" sz="1200">
+                <a:solidFill>
+                  <a:srgbClr val="2E75B6"/>
+                </a:solidFill>
+                <a:cs typeface="+mn-lt"/>
+              </a:rPr>
+              <a:t>2.1 Alineamiento</a:t>
+            </a:r>
+            <a:endParaRPr lang="es-ES_tradnl" altLang="en-US" sz="1200">
+              <a:solidFill>
+                <a:srgbClr val="2E75B6"/>
+              </a:solidFill>
+              <a:cs typeface="+mn-lt"/>
+            </a:endParaRPr>
+          </a:p>
+        </p:txBody>
+      </p:sp>
+      <p:sp>
+        <p:nvSpPr>
+          <p:cNvPr id="7" name="Rounded Rectangle 6"/>
+          <p:cNvSpPr/>
+          <p:nvPr/>
+        </p:nvSpPr>
+        <p:spPr>
+          <a:xfrm>
+            <a:off x="2947670" y="3136900"/>
+            <a:ext cx="2221230" cy="541020"/>
           </a:xfrm>
           <a:prstGeom prst="roundRect">
             <a:avLst/>
@@ -9626,7 +9045,7 @@
                 </a:solidFill>
                 <a:cs typeface="+mn-lt"/>
               </a:rPr>
-              <a:t>2.1 Alignment</a:t>
+              <a:t>3.1 Predicción de la unión pMHC </a:t>
             </a:r>
             <a:endParaRPr lang="es-ES_tradnl" altLang="en-US" sz="1200">
               <a:solidFill>
@@ -9639,14 +9058,14 @@
       </p:sp>
       <p:sp>
         <p:nvSpPr>
-          <p:cNvPr id="7" name="Rounded Rectangle 6"/>
+          <p:cNvPr id="9" name="Rounded Rectangle 8"/>
           <p:cNvSpPr/>
           <p:nvPr/>
         </p:nvSpPr>
         <p:spPr>
           <a:xfrm>
-            <a:off x="8651875" y="3270250"/>
-            <a:ext cx="2221230" cy="541020"/>
+            <a:off x="2947670" y="3796030"/>
+            <a:ext cx="2221230" cy="427990"/>
           </a:xfrm>
           <a:prstGeom prst="roundRect">
             <a:avLst/>
@@ -9692,7 +9111,7 @@
                 </a:solidFill>
                 <a:cs typeface="+mn-lt"/>
               </a:rPr>
-              <a:t>3.1 Peptide-MHC binding prediction</a:t>
+              <a:t>3.2 Predicción de la unión pMHC-TCR</a:t>
             </a:r>
             <a:endParaRPr lang="es-ES_tradnl" altLang="en-US" sz="1200">
               <a:solidFill>
@@ -9705,14 +9124,287 @@
       </p:sp>
       <p:sp>
         <p:nvSpPr>
-          <p:cNvPr id="9" name="Rounded Rectangle 8"/>
+          <p:cNvPr id="17" name="Rounded Rectangle 16"/>
           <p:cNvSpPr/>
           <p:nvPr/>
         </p:nvSpPr>
         <p:spPr>
           <a:xfrm>
-            <a:off x="8651875" y="3929380"/>
-            <a:ext cx="2221230" cy="427990"/>
+            <a:off x="1240155" y="1241425"/>
+            <a:ext cx="3923030" cy="427355"/>
+          </a:xfrm>
+          <a:prstGeom prst="roundRect">
+            <a:avLst/>
+          </a:prstGeom>
+          <a:solidFill>
+            <a:schemeClr val="accent6">
+              <a:lumMod val="20000"/>
+              <a:lumOff val="80000"/>
+            </a:schemeClr>
+          </a:solidFill>
+          <a:ln>
+            <a:solidFill>
+              <a:schemeClr val="accent6"/>
+            </a:solidFill>
+          </a:ln>
+        </p:spPr>
+        <p:style>
+          <a:lnRef idx="2">
+            <a:schemeClr val="accent1">
+              <a:shade val="50000"/>
+            </a:schemeClr>
+          </a:lnRef>
+          <a:fillRef idx="1">
+            <a:schemeClr val="accent1"/>
+          </a:fillRef>
+          <a:effectRef idx="0">
+            <a:schemeClr val="accent1"/>
+          </a:effectRef>
+          <a:fontRef idx="minor">
+            <a:schemeClr val="lt1"/>
+          </a:fontRef>
+        </p:style>
+        <p:txBody>
+          <a:bodyPr rtlCol="0" anchor="ctr"/>
+          <a:p>
+            <a:pPr algn="ctr"/>
+            <a:r>
+              <a:rPr lang="es-ES_tradnl" altLang="en-US" sz="1200">
+                <a:solidFill>
+                  <a:schemeClr val="accent6">
+                    <a:lumMod val="75000"/>
+                  </a:schemeClr>
+                </a:solidFill>
+                <a:cs typeface="+mn-lt"/>
+              </a:rPr>
+              <a:t> 1. Muestreo y secuenciamiento</a:t>
+            </a:r>
+            <a:endParaRPr lang="es-ES_tradnl" altLang="en-US" sz="1200">
+              <a:solidFill>
+                <a:schemeClr val="accent6">
+                  <a:lumMod val="75000"/>
+                </a:schemeClr>
+              </a:solidFill>
+              <a:cs typeface="+mn-lt"/>
+            </a:endParaRPr>
+          </a:p>
+        </p:txBody>
+      </p:sp>
+      <p:sp>
+        <p:nvSpPr>
+          <p:cNvPr id="18" name="Rounded Rectangle 17"/>
+          <p:cNvSpPr/>
+          <p:nvPr/>
+        </p:nvSpPr>
+        <p:spPr>
+          <a:xfrm>
+            <a:off x="1225550" y="4415790"/>
+            <a:ext cx="3949700" cy="427355"/>
+          </a:xfrm>
+          <a:prstGeom prst="roundRect">
+            <a:avLst/>
+          </a:prstGeom>
+          <a:solidFill>
+            <a:schemeClr val="accent6">
+              <a:lumMod val="20000"/>
+              <a:lumOff val="80000"/>
+            </a:schemeClr>
+          </a:solidFill>
+          <a:ln>
+            <a:solidFill>
+              <a:schemeClr val="accent6"/>
+            </a:solidFill>
+          </a:ln>
+        </p:spPr>
+        <p:style>
+          <a:lnRef idx="2">
+            <a:schemeClr val="accent1">
+              <a:shade val="50000"/>
+            </a:schemeClr>
+          </a:lnRef>
+          <a:fillRef idx="1">
+            <a:schemeClr val="accent1"/>
+          </a:fillRef>
+          <a:effectRef idx="0">
+            <a:schemeClr val="accent1"/>
+          </a:effectRef>
+          <a:fontRef idx="minor">
+            <a:schemeClr val="lt1"/>
+          </a:fontRef>
+        </p:style>
+        <p:txBody>
+          <a:bodyPr rtlCol="0" anchor="ctr"/>
+          <a:p>
+            <a:pPr algn="ctr"/>
+            <a:r>
+              <a:rPr lang="es-ES_tradnl" altLang="en-US" sz="1200">
+                <a:solidFill>
+                  <a:schemeClr val="accent6">
+                    <a:lumMod val="75000"/>
+                  </a:schemeClr>
+                </a:solidFill>
+                <a:cs typeface="+mn-lt"/>
+              </a:rPr>
+              <a:t>4. Diseño de la vacuna </a:t>
+            </a:r>
+            <a:r>
+              <a:rPr lang="es-ES_tradnl" altLang="en-US" sz="1200" i="1">
+                <a:solidFill>
+                  <a:schemeClr val="accent6">
+                    <a:lumMod val="75000"/>
+                  </a:schemeClr>
+                </a:solidFill>
+                <a:cs typeface="+mn-lt"/>
+              </a:rPr>
+              <a:t>in vitro</a:t>
+            </a:r>
+            <a:endParaRPr lang="es-ES_tradnl" altLang="en-US" sz="1200" i="1">
+              <a:solidFill>
+                <a:schemeClr val="accent6">
+                  <a:lumMod val="75000"/>
+                </a:schemeClr>
+              </a:solidFill>
+              <a:cs typeface="+mn-lt"/>
+            </a:endParaRPr>
+          </a:p>
+        </p:txBody>
+      </p:sp>
+      <p:sp>
+        <p:nvSpPr>
+          <p:cNvPr id="3" name="Rounded Rectangle 2"/>
+          <p:cNvSpPr/>
+          <p:nvPr/>
+        </p:nvSpPr>
+        <p:spPr>
+          <a:xfrm>
+            <a:off x="5923915" y="1241425"/>
+            <a:ext cx="2000250" cy="408940"/>
+          </a:xfrm>
+          <a:prstGeom prst="roundRect">
+            <a:avLst/>
+          </a:prstGeom>
+          <a:noFill/>
+          <a:ln>
+            <a:solidFill>
+              <a:schemeClr val="accent1">
+                <a:lumMod val="50000"/>
+              </a:schemeClr>
+            </a:solidFill>
+          </a:ln>
+        </p:spPr>
+        <p:style>
+          <a:lnRef idx="2">
+            <a:schemeClr val="accent1">
+              <a:shade val="50000"/>
+            </a:schemeClr>
+          </a:lnRef>
+          <a:fillRef idx="1">
+            <a:schemeClr val="accent1"/>
+          </a:fillRef>
+          <a:effectRef idx="0">
+            <a:schemeClr val="accent1"/>
+          </a:effectRef>
+          <a:fontRef idx="minor">
+            <a:schemeClr val="lt1"/>
+          </a:fontRef>
+        </p:style>
+        <p:txBody>
+          <a:bodyPr rtlCol="0" anchor="ctr"/>
+          <a:p>
+            <a:pPr algn="ctr"/>
+            <a:r>
+              <a:rPr lang="es-ES_tradnl" altLang="en-US" sz="1200">
+                <a:solidFill>
+                  <a:srgbClr val="2E75B6"/>
+                </a:solidFill>
+                <a:cs typeface="+mn-lt"/>
+                <a:sym typeface="+mn-ea"/>
+              </a:rPr>
+              <a:t>Péptido</a:t>
+            </a:r>
+            <a:endParaRPr lang="es-ES_tradnl" altLang="en-US" sz="1200">
+              <a:solidFill>
+                <a:schemeClr val="accent1">
+                  <a:lumMod val="50000"/>
+                </a:schemeClr>
+              </a:solidFill>
+              <a:latin typeface="TeX Gyre Bonum Math" panose="02000503000000000000" charset="0"/>
+              <a:cs typeface="TeX Gyre Bonum Math" panose="02000503000000000000" charset="0"/>
+              <a:sym typeface="+mn-ea"/>
+            </a:endParaRPr>
+          </a:p>
+        </p:txBody>
+      </p:sp>
+      <p:sp>
+        <p:nvSpPr>
+          <p:cNvPr id="8" name="Rounded Rectangle 7"/>
+          <p:cNvSpPr/>
+          <p:nvPr/>
+        </p:nvSpPr>
+        <p:spPr>
+          <a:xfrm>
+            <a:off x="8369935" y="1241425"/>
+            <a:ext cx="2000250" cy="408305"/>
+          </a:xfrm>
+          <a:prstGeom prst="roundRect">
+            <a:avLst/>
+          </a:prstGeom>
+          <a:noFill/>
+          <a:ln>
+            <a:solidFill>
+              <a:srgbClr val="41719C"/>
+            </a:solidFill>
+          </a:ln>
+        </p:spPr>
+        <p:style>
+          <a:lnRef idx="2">
+            <a:schemeClr val="accent1">
+              <a:shade val="50000"/>
+            </a:schemeClr>
+          </a:lnRef>
+          <a:fillRef idx="1">
+            <a:schemeClr val="accent1"/>
+          </a:fillRef>
+          <a:effectRef idx="0">
+            <a:schemeClr val="accent1"/>
+          </a:effectRef>
+          <a:fontRef idx="minor">
+            <a:schemeClr val="lt1"/>
+          </a:fontRef>
+        </p:style>
+        <p:txBody>
+          <a:bodyPr rtlCol="0" anchor="ctr"/>
+          <a:p>
+            <a:pPr algn="ctr"/>
+            <a:r>
+              <a:rPr lang="es-ES_tradnl" altLang="en-US" sz="1200">
+                <a:solidFill>
+                  <a:srgbClr val="2E75B6"/>
+                </a:solidFill>
+                <a:cs typeface="+mn-lt"/>
+              </a:rPr>
+              <a:t>MHC</a:t>
+            </a:r>
+            <a:endParaRPr lang="es-ES_tradnl" sz="1400">
+              <a:solidFill>
+                <a:schemeClr val="tx1"/>
+              </a:solidFill>
+              <a:latin typeface="TeX Gyre Bonum Math" panose="02000503000000000000" charset="0"/>
+              <a:cs typeface="TeX Gyre Bonum Math" panose="02000503000000000000" charset="0"/>
+            </a:endParaRPr>
+          </a:p>
+        </p:txBody>
+      </p:sp>
+      <p:sp>
+        <p:nvSpPr>
+          <p:cNvPr id="10" name="Rounded Rectangle 9"/>
+          <p:cNvSpPr/>
+          <p:nvPr/>
+        </p:nvSpPr>
+        <p:spPr>
+          <a:xfrm>
+            <a:off x="5923915" y="2571750"/>
+            <a:ext cx="4445635" cy="1171575"/>
           </a:xfrm>
           <a:prstGeom prst="roundRect">
             <a:avLst/>
@@ -9750,7 +9442,34 @@
         <p:txBody>
           <a:bodyPr rtlCol="0" anchor="ctr"/>
           <a:p>
-            <a:pPr algn="l"/>
+            <a:pPr algn="ctr"/>
+            <a:r>
+              <a:rPr lang="es-ES_tradnl" altLang="en-US" sz="1200" b="1">
+                <a:solidFill>
+                  <a:srgbClr val="2E75B6"/>
+                </a:solidFill>
+                <a:cs typeface="+mn-lt"/>
+              </a:rPr>
+              <a:t>Transformer pre-entrenado</a:t>
+            </a:r>
+            <a:endParaRPr lang="es-ES_tradnl" altLang="en-US" sz="1200" b="1">
+              <a:solidFill>
+                <a:srgbClr val="2E75B6"/>
+              </a:solidFill>
+              <a:cs typeface="+mn-lt"/>
+            </a:endParaRPr>
+          </a:p>
+          <a:p>
+            <a:pPr algn="ctr"/>
+            <a:endParaRPr lang="es-ES_tradnl" altLang="en-US" sz="1200">
+              <a:solidFill>
+                <a:srgbClr val="2E75B6"/>
+              </a:solidFill>
+              <a:cs typeface="+mn-lt"/>
+            </a:endParaRPr>
+          </a:p>
+          <a:p>
+            <a:pPr algn="ctr"/>
             <a:r>
               <a:rPr lang="es-ES_tradnl" altLang="en-US" sz="1200">
                 <a:solidFill>
@@ -9758,7 +9477,77 @@
                 </a:solidFill>
                 <a:cs typeface="+mn-lt"/>
               </a:rPr>
-              <a:t>3.2 pMHC-TCR binding prediction</a:t>
+              <a:t>TAPE, ProtBert-BFD, ESM2(t6)</a:t>
+            </a:r>
+            <a:r>
+              <a:rPr lang="es-ES_tradnl" altLang="en-US" sz="1200">
+                <a:solidFill>
+                  <a:srgbClr val="2E75B6"/>
+                </a:solidFill>
+                <a:cs typeface="+mn-lt"/>
+                <a:sym typeface="+mn-ea"/>
+              </a:rPr>
+              <a:t>, ESM2(t12), ESM2(t30) y ESM2(t33)</a:t>
+            </a:r>
+            <a:endParaRPr lang="es-ES_tradnl" altLang="en-US" sz="1200">
+              <a:solidFill>
+                <a:srgbClr val="2E75B6"/>
+              </a:solidFill>
+              <a:cs typeface="+mn-lt"/>
+              <a:sym typeface="+mn-ea"/>
+            </a:endParaRPr>
+          </a:p>
+        </p:txBody>
+      </p:sp>
+      <p:sp>
+        <p:nvSpPr>
+          <p:cNvPr id="15" name="Rounded Rectangle 14"/>
+          <p:cNvSpPr/>
+          <p:nvPr/>
+        </p:nvSpPr>
+        <p:spPr>
+          <a:xfrm>
+            <a:off x="5922010" y="4987925"/>
+            <a:ext cx="4445635" cy="427355"/>
+          </a:xfrm>
+          <a:prstGeom prst="roundRect">
+            <a:avLst/>
+          </a:prstGeom>
+          <a:noFill/>
+          <a:ln>
+            <a:solidFill>
+              <a:srgbClr val="41719C"/>
+            </a:solidFill>
+          </a:ln>
+        </p:spPr>
+        <p:style>
+          <a:lnRef idx="2">
+            <a:schemeClr val="accent1">
+              <a:shade val="50000"/>
+            </a:schemeClr>
+          </a:lnRef>
+          <a:fillRef idx="1">
+            <a:schemeClr val="accent1"/>
+          </a:fillRef>
+          <a:effectRef idx="0">
+            <a:schemeClr val="accent1"/>
+          </a:effectRef>
+          <a:fontRef idx="minor">
+            <a:schemeClr val="lt1"/>
+          </a:fontRef>
+        </p:style>
+        <p:txBody>
+          <a:bodyPr rtlCol="0" anchor="ctr"/>
+          <a:p>
+            <a:pPr algn="ctr"/>
+            <a:r>
+              <a:rPr lang="es-ES_tradnl" altLang="en-US" sz="1200">
+                <a:solidFill>
+                  <a:srgbClr val="2E75B6"/>
+                </a:solidFill>
+                <a:cs typeface="+mn-lt"/>
+              </a:rPr>
+              <a:t>Predicción de la unión pMHC</a:t>
             </a:r>
             <a:endParaRPr lang="es-ES_tradnl" altLang="en-US" sz="1200">
               <a:solidFill>
@@ -9771,27 +9560,80 @@
       </p:sp>
       <p:sp>
         <p:nvSpPr>
-          <p:cNvPr id="17" name="Rounded Rectangle 16"/>
+          <p:cNvPr id="12" name="Down Arrow 11"/>
           <p:cNvSpPr/>
           <p:nvPr/>
         </p:nvSpPr>
         <p:spPr>
           <a:xfrm>
-            <a:off x="6944360" y="1374775"/>
-            <a:ext cx="3923030" cy="427355"/>
+            <a:off x="6788785" y="1724660"/>
+            <a:ext cx="269875" cy="117475"/>
+          </a:xfrm>
+          <a:prstGeom prst="downArrow">
+            <a:avLst/>
+          </a:prstGeom>
+          <a:solidFill>
+            <a:schemeClr val="accent1">
+              <a:lumMod val="40000"/>
+              <a:lumOff val="60000"/>
+            </a:schemeClr>
+          </a:solidFill>
+          <a:ln>
+            <a:noFill/>
+          </a:ln>
+        </p:spPr>
+        <p:style>
+          <a:lnRef idx="2">
+            <a:schemeClr val="accent1">
+              <a:shade val="50000"/>
+            </a:schemeClr>
+          </a:lnRef>
+          <a:fillRef idx="1">
+            <a:schemeClr val="accent1"/>
+          </a:fillRef>
+          <a:effectRef idx="0">
+            <a:schemeClr val="accent1"/>
+          </a:effectRef>
+          <a:fontRef idx="minor">
+            <a:schemeClr val="lt1"/>
+          </a:fontRef>
+        </p:style>
+        <p:txBody>
+          <a:bodyPr rtlCol="0" anchor="ctr"/>
+          <a:p>
+            <a:pPr algn="ctr"/>
+            <a:endParaRPr lang="en-US" sz="1400">
+              <a:latin typeface="TeX Gyre Bonum Math" panose="02000503000000000000" charset="0"/>
+              <a:cs typeface="TeX Gyre Bonum Math" panose="02000503000000000000" charset="0"/>
+            </a:endParaRPr>
+          </a:p>
+        </p:txBody>
+      </p:sp>
+      <p:sp>
+        <p:nvSpPr>
+          <p:cNvPr id="20" name="Rounded Rectangle 19"/>
+          <p:cNvSpPr/>
+          <p:nvPr/>
+        </p:nvSpPr>
+        <p:spPr>
+          <a:xfrm>
+            <a:off x="5923280" y="4002405"/>
+            <a:ext cx="4445635" cy="714375"/>
           </a:xfrm>
           <a:prstGeom prst="roundRect">
             <a:avLst/>
           </a:prstGeom>
           <a:solidFill>
-            <a:schemeClr val="accent6">
+            <a:schemeClr val="accent1">
               <a:lumMod val="20000"/>
               <a:lumOff val="80000"/>
             </a:schemeClr>
           </a:solidFill>
           <a:ln>
             <a:solidFill>
-              <a:schemeClr val="accent6"/>
+              <a:schemeClr val="accent1">
+                <a:lumMod val="75000"/>
+              </a:schemeClr>
             </a:solidFill>
           </a:ln>
         </p:spPr>
@@ -9816,21 +9658,144 @@
           <a:p>
             <a:pPr algn="ctr"/>
             <a:r>
-              <a:rPr lang="es-ES_tradnl" altLang="en-US" sz="1200">
+              <a:rPr lang="es-ES_tradnl" altLang="en-US" sz="1200" b="1">
                 <a:solidFill>
-                  <a:schemeClr val="accent6">
-                    <a:lumMod val="75000"/>
-                  </a:schemeClr>
+                  <a:srgbClr val="2E75B6"/>
                 </a:solidFill>
                 <a:cs typeface="+mn-lt"/>
               </a:rPr>
-              <a:t> 1. Sampling and sequencing</a:t>
-            </a:r>
-            <a:endParaRPr lang="es-ES_tradnl" altLang="en-US" sz="1200">
+              <a:t>BiLSTM</a:t>
+            </a:r>
+            <a:endParaRPr lang="es-ES_tradnl" altLang="en-US" sz="1200" b="1">
               <a:solidFill>
-                <a:schemeClr val="accent6">
-                  <a:lumMod val="75000"/>
-                </a:schemeClr>
+                <a:srgbClr val="2E75B6"/>
+              </a:solidFill>
+              <a:latin typeface="TeX Gyre Bonum Math" panose="02000503000000000000" charset="0"/>
+              <a:cs typeface="TeX Gyre Bonum Math" panose="02000503000000000000" charset="0"/>
+            </a:endParaRPr>
+          </a:p>
+        </p:txBody>
+      </p:sp>
+      <p:sp>
+        <p:nvSpPr>
+          <p:cNvPr id="23" name="Down Arrow 22"/>
+          <p:cNvSpPr/>
+          <p:nvPr/>
+        </p:nvSpPr>
+        <p:spPr>
+          <a:xfrm>
+            <a:off x="8009890" y="4803775"/>
+            <a:ext cx="269875" cy="117475"/>
+          </a:xfrm>
+          <a:prstGeom prst="downArrow">
+            <a:avLst/>
+          </a:prstGeom>
+          <a:solidFill>
+            <a:schemeClr val="accent1">
+              <a:lumMod val="40000"/>
+              <a:lumOff val="60000"/>
+            </a:schemeClr>
+          </a:solidFill>
+          <a:ln>
+            <a:noFill/>
+          </a:ln>
+        </p:spPr>
+        <p:style>
+          <a:lnRef idx="2">
+            <a:schemeClr val="accent1">
+              <a:shade val="50000"/>
+            </a:schemeClr>
+          </a:lnRef>
+          <a:fillRef idx="1">
+            <a:schemeClr val="accent1"/>
+          </a:fillRef>
+          <a:effectRef idx="0">
+            <a:schemeClr val="accent1"/>
+          </a:effectRef>
+          <a:fontRef idx="minor">
+            <a:schemeClr val="lt1"/>
+          </a:fontRef>
+        </p:style>
+        <p:txBody>
+          <a:bodyPr rtlCol="0" anchor="ctr"/>
+          <a:p>
+            <a:pPr algn="ctr"/>
+            <a:endParaRPr lang="en-US" sz="1400">
+              <a:latin typeface="TeX Gyre Bonum Math" panose="02000503000000000000" charset="0"/>
+              <a:cs typeface="TeX Gyre Bonum Math" panose="02000503000000000000" charset="0"/>
+            </a:endParaRPr>
+          </a:p>
+        </p:txBody>
+      </p:sp>
+      <p:sp>
+        <p:nvSpPr>
+          <p:cNvPr id="24" name="Rounded Rectangle 23"/>
+          <p:cNvSpPr/>
+          <p:nvPr/>
+        </p:nvSpPr>
+        <p:spPr>
+          <a:xfrm>
+            <a:off x="5920740" y="1909445"/>
+            <a:ext cx="4446905" cy="408305"/>
+          </a:xfrm>
+          <a:prstGeom prst="roundRect">
+            <a:avLst/>
+          </a:prstGeom>
+          <a:solidFill>
+            <a:schemeClr val="accent1">
+              <a:lumMod val="20000"/>
+              <a:lumOff val="80000"/>
+            </a:schemeClr>
+          </a:solidFill>
+          <a:ln>
+            <a:solidFill>
+              <a:schemeClr val="accent1">
+                <a:lumMod val="75000"/>
+              </a:schemeClr>
+            </a:solidFill>
+          </a:ln>
+        </p:spPr>
+        <p:style>
+          <a:lnRef idx="2">
+            <a:schemeClr val="accent1">
+              <a:shade val="50000"/>
+            </a:schemeClr>
+          </a:lnRef>
+          <a:fillRef idx="1">
+            <a:schemeClr val="accent1"/>
+          </a:fillRef>
+          <a:effectRef idx="0">
+            <a:schemeClr val="accent1"/>
+          </a:effectRef>
+          <a:fontRef idx="minor">
+            <a:schemeClr val="lt1"/>
+          </a:fontRef>
+        </p:style>
+        <p:txBody>
+          <a:bodyPr rtlCol="0" anchor="ctr"/>
+          <a:p>
+            <a:pPr algn="ctr"/>
+            <a:r>
+              <a:rPr lang="es-ES_tradnl" altLang="en-US" sz="1200">
+                <a:solidFill>
+                  <a:srgbClr val="2E75B6"/>
+                </a:solidFill>
+                <a:cs typeface="+mn-lt"/>
+              </a:rPr>
+              <a:t>Concatenación y </a:t>
+            </a:r>
+            <a:r>
+              <a:rPr lang="es-ES_tradnl" altLang="en-US" sz="1200" i="1">
+                <a:solidFill>
+                  <a:srgbClr val="2E75B6"/>
+                </a:solidFill>
+                <a:cs typeface="+mn-lt"/>
+              </a:rPr>
+              <a:t>padding</a:t>
+            </a:r>
+            <a:endParaRPr lang="es-ES_tradnl" altLang="en-US" sz="1200" i="1">
+              <a:solidFill>
+                <a:srgbClr val="2E75B6"/>
               </a:solidFill>
               <a:cs typeface="+mn-lt"/>
             </a:endParaRPr>
@@ -9839,69 +9804,199 @@
       </p:sp>
       <p:sp>
         <p:nvSpPr>
-          <p:cNvPr id="18" name="Rounded Rectangle 17"/>
+          <p:cNvPr id="25" name="Down Arrow 24"/>
           <p:cNvSpPr/>
           <p:nvPr/>
         </p:nvSpPr>
         <p:spPr>
           <a:xfrm>
-            <a:off x="6929755" y="4549140"/>
-            <a:ext cx="3949700" cy="427355"/>
-          </a:xfrm>
-          <a:prstGeom prst="roundRect">
+            <a:off x="9235440" y="1725295"/>
+            <a:ext cx="269875" cy="117475"/>
+          </a:xfrm>
+          <a:prstGeom prst="downArrow">
             <a:avLst/>
           </a:prstGeom>
           <a:solidFill>
-            <a:schemeClr val="accent6">
-              <a:lumMod val="20000"/>
-              <a:lumOff val="80000"/>
+            <a:schemeClr val="accent1">
+              <a:lumMod val="40000"/>
+              <a:lumOff val="60000"/>
             </a:schemeClr>
           </a:solidFill>
           <a:ln>
+            <a:noFill/>
+          </a:ln>
+        </p:spPr>
+        <p:style>
+          <a:lnRef idx="2">
+            <a:schemeClr val="accent1">
+              <a:shade val="50000"/>
+            </a:schemeClr>
+          </a:lnRef>
+          <a:fillRef idx="1">
+            <a:schemeClr val="accent1"/>
+          </a:fillRef>
+          <a:effectRef idx="0">
+            <a:schemeClr val="accent1"/>
+          </a:effectRef>
+          <a:fontRef idx="minor">
+            <a:schemeClr val="lt1"/>
+          </a:fontRef>
+        </p:style>
+        <p:txBody>
+          <a:bodyPr rtlCol="0" anchor="ctr"/>
+          <a:p>
+            <a:pPr algn="ctr"/>
+            <a:endParaRPr lang="en-US" sz="1400">
+              <a:latin typeface="TeX Gyre Bonum Math" panose="02000503000000000000" charset="0"/>
+              <a:cs typeface="TeX Gyre Bonum Math" panose="02000503000000000000" charset="0"/>
+            </a:endParaRPr>
+          </a:p>
+        </p:txBody>
+      </p:sp>
+      <p:sp>
+        <p:nvSpPr>
+          <p:cNvPr id="26" name="Down Arrow 25"/>
+          <p:cNvSpPr/>
+          <p:nvPr/>
+        </p:nvSpPr>
+        <p:spPr>
+          <a:xfrm>
+            <a:off x="8011160" y="2396490"/>
+            <a:ext cx="269875" cy="117475"/>
+          </a:xfrm>
+          <a:prstGeom prst="downArrow">
+            <a:avLst/>
+          </a:prstGeom>
+          <a:solidFill>
+            <a:schemeClr val="accent1">
+              <a:lumMod val="40000"/>
+              <a:lumOff val="60000"/>
+            </a:schemeClr>
+          </a:solidFill>
+          <a:ln>
+            <a:noFill/>
+          </a:ln>
+        </p:spPr>
+        <p:style>
+          <a:lnRef idx="2">
+            <a:schemeClr val="accent1">
+              <a:shade val="50000"/>
+            </a:schemeClr>
+          </a:lnRef>
+          <a:fillRef idx="1">
+            <a:schemeClr val="accent1"/>
+          </a:fillRef>
+          <a:effectRef idx="0">
+            <a:schemeClr val="accent1"/>
+          </a:effectRef>
+          <a:fontRef idx="minor">
+            <a:schemeClr val="lt1"/>
+          </a:fontRef>
+        </p:style>
+        <p:txBody>
+          <a:bodyPr rtlCol="0" anchor="ctr"/>
+          <a:p>
+            <a:pPr algn="ctr"/>
+            <a:endParaRPr lang="en-US" sz="1400">
+              <a:latin typeface="TeX Gyre Bonum Math" panose="02000503000000000000" charset="0"/>
+              <a:cs typeface="TeX Gyre Bonum Math" panose="02000503000000000000" charset="0"/>
+            </a:endParaRPr>
+          </a:p>
+        </p:txBody>
+      </p:sp>
+      <p:sp>
+        <p:nvSpPr>
+          <p:cNvPr id="27" name="Down Arrow 26"/>
+          <p:cNvSpPr/>
+          <p:nvPr/>
+        </p:nvSpPr>
+        <p:spPr>
+          <a:xfrm>
+            <a:off x="8009890" y="3815080"/>
+            <a:ext cx="269875" cy="117475"/>
+          </a:xfrm>
+          <a:prstGeom prst="downArrow">
+            <a:avLst/>
+          </a:prstGeom>
+          <a:solidFill>
+            <a:schemeClr val="accent1">
+              <a:lumMod val="40000"/>
+              <a:lumOff val="60000"/>
+            </a:schemeClr>
+          </a:solidFill>
+          <a:ln>
+            <a:noFill/>
+          </a:ln>
+        </p:spPr>
+        <p:style>
+          <a:lnRef idx="2">
+            <a:schemeClr val="accent1">
+              <a:shade val="50000"/>
+            </a:schemeClr>
+          </a:lnRef>
+          <a:fillRef idx="1">
+            <a:schemeClr val="accent1"/>
+          </a:fillRef>
+          <a:effectRef idx="0">
+            <a:schemeClr val="accent1"/>
+          </a:effectRef>
+          <a:fontRef idx="minor">
+            <a:schemeClr val="lt1"/>
+          </a:fontRef>
+        </p:style>
+        <p:txBody>
+          <a:bodyPr rtlCol="0" anchor="ctr"/>
+          <a:p>
+            <a:pPr algn="ctr"/>
+            <a:endParaRPr lang="en-US" sz="1400">
+              <a:latin typeface="TeX Gyre Bonum Math" panose="02000503000000000000" charset="0"/>
+              <a:cs typeface="TeX Gyre Bonum Math" panose="02000503000000000000" charset="0"/>
+            </a:endParaRPr>
+          </a:p>
+        </p:txBody>
+      </p:sp>
+      <p:sp>
+        <p:nvSpPr>
+          <p:cNvPr id="28" name="Left Brace 27"/>
+          <p:cNvSpPr/>
+          <p:nvPr/>
+        </p:nvSpPr>
+        <p:spPr>
+          <a:xfrm>
+            <a:off x="5368925" y="1240790"/>
+            <a:ext cx="377825" cy="4174490"/>
+          </a:xfrm>
+          <a:prstGeom prst="leftBrace">
+            <a:avLst>
+              <a:gd name="adj1" fmla="val 8333"/>
+              <a:gd name="adj2" fmla="val 51323"/>
+            </a:avLst>
+          </a:prstGeom>
+          <a:ln w="9525">
             <a:solidFill>
-              <a:schemeClr val="accent6"/>
+              <a:srgbClr val="41719C"/>
             </a:solidFill>
           </a:ln>
         </p:spPr>
         <p:style>
-          <a:lnRef idx="2">
-            <a:schemeClr val="accent1">
-              <a:shade val="50000"/>
-            </a:schemeClr>
-          </a:lnRef>
-          <a:fillRef idx="1">
-            <a:schemeClr val="accent1"/>
-          </a:fillRef>
-          <a:effectRef idx="0">
-            <a:schemeClr val="accent1"/>
-          </a:effectRef>
-          <a:fontRef idx="minor">
-            <a:schemeClr val="lt1"/>
+          <a:lnRef idx="1">
+            <a:schemeClr val="accent1"/>
+          </a:lnRef>
+          <a:fillRef idx="0">
+            <a:schemeClr val="accent1"/>
+          </a:fillRef>
+          <a:effectRef idx="0">
+            <a:schemeClr val="accent1"/>
+          </a:effectRef>
+          <a:fontRef idx="minor">
+            <a:schemeClr val="tx1"/>
           </a:fontRef>
         </p:style>
         <p:txBody>
           <a:bodyPr rtlCol="0" anchor="ctr"/>
           <a:p>
             <a:pPr algn="ctr"/>
-            <a:r>
-              <a:rPr lang="es-ES_tradnl" altLang="en-US" sz="1200">
-                <a:solidFill>
-                  <a:schemeClr val="accent6">
-                    <a:lumMod val="75000"/>
-                  </a:schemeClr>
-                </a:solidFill>
-                <a:cs typeface="+mn-lt"/>
-              </a:rPr>
-              <a:t>4. Vaccine development in-vitro</a:t>
-            </a:r>
-            <a:endParaRPr lang="es-ES_tradnl" altLang="en-US" sz="1200" i="1">
-              <a:solidFill>
-                <a:schemeClr val="accent6">
-                  <a:lumMod val="75000"/>
-                </a:schemeClr>
-              </a:solidFill>
-              <a:cs typeface="+mn-lt"/>
-            </a:endParaRPr>
+            <a:endParaRPr lang="en-US"/>
           </a:p>
         </p:txBody>
       </p:sp>
@@ -9938,13 +10033,11 @@
         </p:nvSpPr>
         <p:spPr>
           <a:xfrm>
-            <a:off x="2071370" y="1225550"/>
-            <a:ext cx="2422525" cy="1751965"/>
+            <a:off x="6931660" y="1961515"/>
+            <a:ext cx="1506220" cy="1154430"/>
           </a:xfrm>
           <a:prstGeom prst="roundRect">
-            <a:avLst>
-              <a:gd name="adj" fmla="val 8712"/>
-            </a:avLst>
+            <a:avLst/>
           </a:prstGeom>
           <a:solidFill>
             <a:schemeClr val="accent1">
@@ -9980,6 +10073,15 @@
           <a:bodyPr rtlCol="0" anchor="ctr"/>
           <a:p>
             <a:pPr algn="ctr"/>
+            <a:r>
+              <a:rPr lang="es-ES_tradnl" altLang="en-US" sz="1200">
+                <a:solidFill>
+                  <a:srgbClr val="2E75B6"/>
+                </a:solidFill>
+                <a:cs typeface="+mn-lt"/>
+              </a:rPr>
+              <a:t>2. Neoantigen candidates detection</a:t>
+            </a:r>
             <a:endParaRPr lang="es-ES_tradnl" altLang="en-US" sz="1200">
               <a:solidFill>
                 <a:srgbClr val="2E75B6"/>
@@ -9997,13 +10099,499 @@
         </p:nvSpPr>
         <p:spPr>
           <a:xfrm>
-            <a:off x="5570855" y="1225550"/>
-            <a:ext cx="2429510" cy="1703705"/>
+            <a:off x="6931025" y="3216910"/>
+            <a:ext cx="1520825" cy="1187450"/>
           </a:xfrm>
           <a:prstGeom prst="roundRect">
-            <a:avLst>
-              <a:gd name="adj" fmla="val 7654"/>
-            </a:avLst>
+            <a:avLst/>
+          </a:prstGeom>
+          <a:solidFill>
+            <a:schemeClr val="accent1">
+              <a:lumMod val="20000"/>
+              <a:lumOff val="80000"/>
+            </a:schemeClr>
+          </a:solidFill>
+          <a:ln>
+            <a:solidFill>
+              <a:schemeClr val="accent1">
+                <a:lumMod val="75000"/>
+              </a:schemeClr>
+            </a:solidFill>
+          </a:ln>
+        </p:spPr>
+        <p:style>
+          <a:lnRef idx="2">
+            <a:schemeClr val="accent1">
+              <a:shade val="50000"/>
+            </a:schemeClr>
+          </a:lnRef>
+          <a:fillRef idx="1">
+            <a:schemeClr val="accent1"/>
+          </a:fillRef>
+          <a:effectRef idx="0">
+            <a:schemeClr val="accent1"/>
+          </a:effectRef>
+          <a:fontRef idx="minor">
+            <a:schemeClr val="lt1"/>
+          </a:fontRef>
+        </p:style>
+        <p:txBody>
+          <a:bodyPr rtlCol="0" anchor="ctr"/>
+          <a:p>
+            <a:pPr algn="ctr"/>
+            <a:r>
+              <a:rPr lang="es-ES_tradnl" altLang="en-US" sz="1200">
+                <a:solidFill>
+                  <a:srgbClr val="2E75B6"/>
+                </a:solidFill>
+                <a:cs typeface="+mn-lt"/>
+              </a:rPr>
+              <a:t>3. Neoantigen prioritization</a:t>
+            </a:r>
+            <a:endParaRPr lang="es-ES_tradnl" altLang="en-US" sz="1200">
+              <a:solidFill>
+                <a:srgbClr val="2E75B6"/>
+              </a:solidFill>
+              <a:cs typeface="+mn-lt"/>
+            </a:endParaRPr>
+          </a:p>
+        </p:txBody>
+      </p:sp>
+      <p:sp>
+        <p:nvSpPr>
+          <p:cNvPr id="16" name="Rounded Rectangle 15"/>
+          <p:cNvSpPr/>
+          <p:nvPr/>
+        </p:nvSpPr>
+        <p:spPr>
+          <a:xfrm>
+            <a:off x="6932295" y="5121275"/>
+            <a:ext cx="3940810" cy="427355"/>
+          </a:xfrm>
+          <a:prstGeom prst="roundRect">
+            <a:avLst/>
+          </a:prstGeom>
+          <a:solidFill>
+            <a:schemeClr val="accent2">
+              <a:lumMod val="20000"/>
+              <a:lumOff val="80000"/>
+            </a:schemeClr>
+          </a:solidFill>
+          <a:ln>
+            <a:solidFill>
+              <a:schemeClr val="accent2"/>
+            </a:solidFill>
+          </a:ln>
+        </p:spPr>
+        <p:style>
+          <a:lnRef idx="2">
+            <a:schemeClr val="accent1">
+              <a:shade val="50000"/>
+            </a:schemeClr>
+          </a:lnRef>
+          <a:fillRef idx="1">
+            <a:schemeClr val="accent1"/>
+          </a:fillRef>
+          <a:effectRef idx="0">
+            <a:schemeClr val="accent1"/>
+          </a:effectRef>
+          <a:fontRef idx="minor">
+            <a:schemeClr val="lt1"/>
+          </a:fontRef>
+        </p:style>
+        <p:txBody>
+          <a:bodyPr rtlCol="0" anchor="ctr"/>
+          <a:p>
+            <a:pPr algn="ctr"/>
+            <a:r>
+              <a:rPr lang="es-ES_tradnl" altLang="en-US" sz="1200">
+                <a:solidFill>
+                  <a:schemeClr val="accent2">
+                    <a:lumMod val="75000"/>
+                  </a:schemeClr>
+                </a:solidFill>
+                <a:cs typeface="+mn-lt"/>
+              </a:rPr>
+              <a:t>5. Clinical trials</a:t>
+            </a:r>
+            <a:endParaRPr lang="es-ES_tradnl" altLang="en-US" sz="1200">
+              <a:solidFill>
+                <a:schemeClr val="accent2">
+                  <a:lumMod val="75000"/>
+                </a:schemeClr>
+              </a:solidFill>
+              <a:cs typeface="+mn-lt"/>
+            </a:endParaRPr>
+          </a:p>
+        </p:txBody>
+      </p:sp>
+      <p:pic>
+        <p:nvPicPr>
+          <p:cNvPr id="2" name="Picture 1" descr="vaccine_pipeline"/>
+          <p:cNvPicPr>
+            <a:picLocks noChangeAspect="1"/>
+          </p:cNvPicPr>
+          <p:nvPr/>
+        </p:nvPicPr>
+        <p:blipFill>
+          <a:blip r:embed="rId1"/>
+          <a:stretch>
+            <a:fillRect/>
+          </a:stretch>
+        </p:blipFill>
+        <p:spPr>
+          <a:xfrm>
+            <a:off x="1141730" y="1370965"/>
+            <a:ext cx="5278120" cy="4177665"/>
+          </a:xfrm>
+          <a:prstGeom prst="rect">
+            <a:avLst/>
+          </a:prstGeom>
+        </p:spPr>
+      </p:pic>
+      <p:sp>
+        <p:nvSpPr>
+          <p:cNvPr id="4" name="Rounded Rectangle 3"/>
+          <p:cNvSpPr/>
+          <p:nvPr/>
+        </p:nvSpPr>
+        <p:spPr>
+          <a:xfrm>
+            <a:off x="8664575" y="2360295"/>
+            <a:ext cx="2221230" cy="299720"/>
+          </a:xfrm>
+          <a:prstGeom prst="roundRect">
+            <a:avLst/>
+          </a:prstGeom>
+          <a:solidFill>
+            <a:schemeClr val="accent1">
+              <a:lumMod val="20000"/>
+              <a:lumOff val="80000"/>
+            </a:schemeClr>
+          </a:solidFill>
+          <a:ln>
+            <a:solidFill>
+              <a:schemeClr val="accent1">
+                <a:lumMod val="75000"/>
+              </a:schemeClr>
+            </a:solidFill>
+          </a:ln>
+        </p:spPr>
+        <p:style>
+          <a:lnRef idx="2">
+            <a:schemeClr val="accent1">
+              <a:shade val="50000"/>
+            </a:schemeClr>
+          </a:lnRef>
+          <a:fillRef idx="1">
+            <a:schemeClr val="accent1"/>
+          </a:fillRef>
+          <a:effectRef idx="0">
+            <a:schemeClr val="accent1"/>
+          </a:effectRef>
+          <a:fontRef idx="minor">
+            <a:schemeClr val="lt1"/>
+          </a:fontRef>
+        </p:style>
+        <p:txBody>
+          <a:bodyPr rtlCol="0" anchor="ctr"/>
+          <a:p>
+            <a:pPr algn="l"/>
+            <a:r>
+              <a:rPr lang="es-ES_tradnl" altLang="en-US" sz="1200">
+                <a:solidFill>
+                  <a:srgbClr val="2E75B6"/>
+                </a:solidFill>
+                <a:cs typeface="+mn-lt"/>
+              </a:rPr>
+              <a:t>2.2 Variant calling</a:t>
+            </a:r>
+            <a:endParaRPr lang="es-ES_tradnl" altLang="en-US" sz="1200">
+              <a:solidFill>
+                <a:srgbClr val="2E75B6"/>
+              </a:solidFill>
+              <a:cs typeface="+mn-lt"/>
+            </a:endParaRPr>
+          </a:p>
+        </p:txBody>
+      </p:sp>
+      <p:sp>
+        <p:nvSpPr>
+          <p:cNvPr id="5" name="Rounded Rectangle 4"/>
+          <p:cNvSpPr/>
+          <p:nvPr/>
+        </p:nvSpPr>
+        <p:spPr>
+          <a:xfrm>
+            <a:off x="8664575" y="2757805"/>
+            <a:ext cx="2221230" cy="338455"/>
+          </a:xfrm>
+          <a:prstGeom prst="roundRect">
+            <a:avLst/>
+          </a:prstGeom>
+          <a:solidFill>
+            <a:schemeClr val="accent1">
+              <a:lumMod val="20000"/>
+              <a:lumOff val="80000"/>
+            </a:schemeClr>
+          </a:solidFill>
+          <a:ln>
+            <a:solidFill>
+              <a:schemeClr val="accent1">
+                <a:lumMod val="75000"/>
+              </a:schemeClr>
+            </a:solidFill>
+          </a:ln>
+        </p:spPr>
+        <p:style>
+          <a:lnRef idx="2">
+            <a:schemeClr val="accent1">
+              <a:shade val="50000"/>
+            </a:schemeClr>
+          </a:lnRef>
+          <a:fillRef idx="1">
+            <a:schemeClr val="accent1"/>
+          </a:fillRef>
+          <a:effectRef idx="0">
+            <a:schemeClr val="accent1"/>
+          </a:effectRef>
+          <a:fontRef idx="minor">
+            <a:schemeClr val="lt1"/>
+          </a:fontRef>
+        </p:style>
+        <p:txBody>
+          <a:bodyPr rtlCol="0" anchor="ctr"/>
+          <a:p>
+            <a:pPr algn="l"/>
+            <a:r>
+              <a:rPr lang="es-ES_tradnl" altLang="en-US" sz="1200">
+                <a:solidFill>
+                  <a:srgbClr val="2E75B6"/>
+                </a:solidFill>
+                <a:cs typeface="+mn-lt"/>
+              </a:rPr>
+              <a:t>2.3 Variant annotation</a:t>
+            </a:r>
+            <a:endParaRPr lang="es-ES_tradnl" altLang="en-US" sz="1200">
+              <a:solidFill>
+                <a:srgbClr val="2E75B6"/>
+              </a:solidFill>
+              <a:cs typeface="+mn-lt"/>
+            </a:endParaRPr>
+          </a:p>
+        </p:txBody>
+      </p:sp>
+      <p:sp>
+        <p:nvSpPr>
+          <p:cNvPr id="6" name="Rounded Rectangle 5"/>
+          <p:cNvSpPr/>
+          <p:nvPr/>
+        </p:nvSpPr>
+        <p:spPr>
+          <a:xfrm>
+            <a:off x="8664575" y="1961515"/>
+            <a:ext cx="2221230" cy="299720"/>
+          </a:xfrm>
+          <a:prstGeom prst="roundRect">
+            <a:avLst/>
+          </a:prstGeom>
+          <a:solidFill>
+            <a:schemeClr val="accent1">
+              <a:lumMod val="20000"/>
+              <a:lumOff val="80000"/>
+            </a:schemeClr>
+          </a:solidFill>
+          <a:ln>
+            <a:solidFill>
+              <a:schemeClr val="accent1">
+                <a:lumMod val="75000"/>
+              </a:schemeClr>
+            </a:solidFill>
+          </a:ln>
+        </p:spPr>
+        <p:style>
+          <a:lnRef idx="2">
+            <a:schemeClr val="accent1">
+              <a:shade val="50000"/>
+            </a:schemeClr>
+          </a:lnRef>
+          <a:fillRef idx="1">
+            <a:schemeClr val="accent1"/>
+          </a:fillRef>
+          <a:effectRef idx="0">
+            <a:schemeClr val="accent1"/>
+          </a:effectRef>
+          <a:fontRef idx="minor">
+            <a:schemeClr val="lt1"/>
+          </a:fontRef>
+        </p:style>
+        <p:txBody>
+          <a:bodyPr rtlCol="0" anchor="ctr"/>
+          <a:p>
+            <a:pPr algn="l"/>
+            <a:r>
+              <a:rPr lang="es-ES_tradnl" altLang="en-US" sz="1200">
+                <a:solidFill>
+                  <a:srgbClr val="2E75B6"/>
+                </a:solidFill>
+                <a:cs typeface="+mn-lt"/>
+              </a:rPr>
+              <a:t>2.1 Alignment</a:t>
+            </a:r>
+            <a:endParaRPr lang="es-ES_tradnl" altLang="en-US" sz="1200">
+              <a:solidFill>
+                <a:srgbClr val="2E75B6"/>
+              </a:solidFill>
+              <a:cs typeface="+mn-lt"/>
+            </a:endParaRPr>
+          </a:p>
+        </p:txBody>
+      </p:sp>
+      <p:sp>
+        <p:nvSpPr>
+          <p:cNvPr id="7" name="Rounded Rectangle 6"/>
+          <p:cNvSpPr/>
+          <p:nvPr/>
+        </p:nvSpPr>
+        <p:spPr>
+          <a:xfrm>
+            <a:off x="8651875" y="3270250"/>
+            <a:ext cx="2221230" cy="541020"/>
+          </a:xfrm>
+          <a:prstGeom prst="roundRect">
+            <a:avLst/>
+          </a:prstGeom>
+          <a:solidFill>
+            <a:schemeClr val="accent1">
+              <a:lumMod val="20000"/>
+              <a:lumOff val="80000"/>
+            </a:schemeClr>
+          </a:solidFill>
+          <a:ln>
+            <a:solidFill>
+              <a:schemeClr val="accent1">
+                <a:lumMod val="75000"/>
+              </a:schemeClr>
+            </a:solidFill>
+          </a:ln>
+        </p:spPr>
+        <p:style>
+          <a:lnRef idx="2">
+            <a:schemeClr val="accent1">
+              <a:shade val="50000"/>
+            </a:schemeClr>
+          </a:lnRef>
+          <a:fillRef idx="1">
+            <a:schemeClr val="accent1"/>
+          </a:fillRef>
+          <a:effectRef idx="0">
+            <a:schemeClr val="accent1"/>
+          </a:effectRef>
+          <a:fontRef idx="minor">
+            <a:schemeClr val="lt1"/>
+          </a:fontRef>
+        </p:style>
+        <p:txBody>
+          <a:bodyPr rtlCol="0" anchor="ctr"/>
+          <a:p>
+            <a:pPr algn="l"/>
+            <a:r>
+              <a:rPr lang="es-ES_tradnl" altLang="en-US" sz="1200">
+                <a:solidFill>
+                  <a:srgbClr val="2E75B6"/>
+                </a:solidFill>
+                <a:cs typeface="+mn-lt"/>
+              </a:rPr>
+              <a:t>3.1 Peptide-MHC binding prediction</a:t>
+            </a:r>
+            <a:endParaRPr lang="es-ES_tradnl" altLang="en-US" sz="1200">
+              <a:solidFill>
+                <a:srgbClr val="2E75B6"/>
+              </a:solidFill>
+              <a:cs typeface="+mn-lt"/>
+            </a:endParaRPr>
+          </a:p>
+        </p:txBody>
+      </p:sp>
+      <p:sp>
+        <p:nvSpPr>
+          <p:cNvPr id="9" name="Rounded Rectangle 8"/>
+          <p:cNvSpPr/>
+          <p:nvPr/>
+        </p:nvSpPr>
+        <p:spPr>
+          <a:xfrm>
+            <a:off x="8651875" y="3929380"/>
+            <a:ext cx="2221230" cy="427990"/>
+          </a:xfrm>
+          <a:prstGeom prst="roundRect">
+            <a:avLst/>
+          </a:prstGeom>
+          <a:solidFill>
+            <a:schemeClr val="accent1">
+              <a:lumMod val="20000"/>
+              <a:lumOff val="80000"/>
+            </a:schemeClr>
+          </a:solidFill>
+          <a:ln>
+            <a:solidFill>
+              <a:schemeClr val="accent1">
+                <a:lumMod val="75000"/>
+              </a:schemeClr>
+            </a:solidFill>
+          </a:ln>
+        </p:spPr>
+        <p:style>
+          <a:lnRef idx="2">
+            <a:schemeClr val="accent1">
+              <a:shade val="50000"/>
+            </a:schemeClr>
+          </a:lnRef>
+          <a:fillRef idx="1">
+            <a:schemeClr val="accent1"/>
+          </a:fillRef>
+          <a:effectRef idx="0">
+            <a:schemeClr val="accent1"/>
+          </a:effectRef>
+          <a:fontRef idx="minor">
+            <a:schemeClr val="lt1"/>
+          </a:fontRef>
+        </p:style>
+        <p:txBody>
+          <a:bodyPr rtlCol="0" anchor="ctr"/>
+          <a:p>
+            <a:pPr algn="l"/>
+            <a:r>
+              <a:rPr lang="es-ES_tradnl" altLang="en-US" sz="1200">
+                <a:solidFill>
+                  <a:srgbClr val="2E75B6"/>
+                </a:solidFill>
+                <a:cs typeface="+mn-lt"/>
+              </a:rPr>
+              <a:t>3.2 pMHC-TCR binding prediction</a:t>
+            </a:r>
+            <a:endParaRPr lang="es-ES_tradnl" altLang="en-US" sz="1200">
+              <a:solidFill>
+                <a:srgbClr val="2E75B6"/>
+              </a:solidFill>
+              <a:cs typeface="+mn-lt"/>
+            </a:endParaRPr>
+          </a:p>
+        </p:txBody>
+      </p:sp>
+      <p:sp>
+        <p:nvSpPr>
+          <p:cNvPr id="17" name="Rounded Rectangle 16"/>
+          <p:cNvSpPr/>
+          <p:nvPr/>
+        </p:nvSpPr>
+        <p:spPr>
+          <a:xfrm>
+            <a:off x="6944360" y="1374775"/>
+            <a:ext cx="3923030" cy="427355"/>
+          </a:xfrm>
+          <a:prstGeom prst="roundRect">
+            <a:avLst/>
           </a:prstGeom>
           <a:solidFill>
             <a:schemeClr val="accent6">
@@ -10013,9 +10601,7 @@
           </a:solidFill>
           <a:ln>
             <a:solidFill>
-              <a:schemeClr val="accent6">
-                <a:lumMod val="75000"/>
-              </a:schemeClr>
+              <a:schemeClr val="accent6"/>
             </a:solidFill>
           </a:ln>
         </p:spPr>
@@ -10039,6 +10625,17 @@
           <a:bodyPr rtlCol="0" anchor="ctr"/>
           <a:p>
             <a:pPr algn="ctr"/>
+            <a:r>
+              <a:rPr lang="es-ES_tradnl" altLang="en-US" sz="1200">
+                <a:solidFill>
+                  <a:schemeClr val="accent6">
+                    <a:lumMod val="75000"/>
+                  </a:schemeClr>
+                </a:solidFill>
+                <a:cs typeface="+mn-lt"/>
+              </a:rPr>
+              <a:t> 1. Sampling and sequencing</a:t>
+            </a:r>
             <a:endParaRPr lang="es-ES_tradnl" altLang="en-US" sz="1200">
               <a:solidFill>
                 <a:schemeClr val="accent6">
@@ -10052,212 +10649,14 @@
       </p:sp>
       <p:sp>
         <p:nvSpPr>
-          <p:cNvPr id="4" name="Rounded Rectangle 3"/>
+          <p:cNvPr id="18" name="Rounded Rectangle 17"/>
           <p:cNvSpPr/>
           <p:nvPr/>
         </p:nvSpPr>
         <p:spPr>
           <a:xfrm>
-            <a:off x="2322195" y="2063750"/>
-            <a:ext cx="1910080" cy="299720"/>
-          </a:xfrm>
-          <a:prstGeom prst="roundRect">
-            <a:avLst/>
-          </a:prstGeom>
-          <a:solidFill>
-            <a:schemeClr val="accent1">
-              <a:lumMod val="20000"/>
-              <a:lumOff val="80000"/>
-            </a:schemeClr>
-          </a:solidFill>
-          <a:ln>
-            <a:solidFill>
-              <a:schemeClr val="accent1">
-                <a:lumMod val="75000"/>
-              </a:schemeClr>
-            </a:solidFill>
-          </a:ln>
-        </p:spPr>
-        <p:style>
-          <a:lnRef idx="2">
-            <a:schemeClr val="accent1">
-              <a:shade val="50000"/>
-            </a:schemeClr>
-          </a:lnRef>
-          <a:fillRef idx="1">
-            <a:schemeClr val="accent1"/>
-          </a:fillRef>
-          <a:effectRef idx="0">
-            <a:schemeClr val="accent1"/>
-          </a:effectRef>
-          <a:fontRef idx="minor">
-            <a:schemeClr val="lt1"/>
-          </a:fontRef>
-        </p:style>
-        <p:txBody>
-          <a:bodyPr rtlCol="0" anchor="ctr"/>
-          <a:p>
-            <a:pPr algn="ctr"/>
-            <a:r>
-              <a:rPr lang="es-ES_tradnl" altLang="en-US" sz="1200">
-                <a:solidFill>
-                  <a:srgbClr val="2E75B6"/>
-                </a:solidFill>
-                <a:cs typeface="+mn-lt"/>
-              </a:rPr>
-              <a:t>Llamado de variantes</a:t>
-            </a:r>
-            <a:endParaRPr lang="es-ES_tradnl" altLang="en-US" sz="1200">
-              <a:solidFill>
-                <a:srgbClr val="2E75B6"/>
-              </a:solidFill>
-              <a:cs typeface="+mn-lt"/>
-            </a:endParaRPr>
-          </a:p>
-        </p:txBody>
-      </p:sp>
-      <p:sp>
-        <p:nvSpPr>
-          <p:cNvPr id="5" name="Rounded Rectangle 4"/>
-          <p:cNvSpPr/>
-          <p:nvPr/>
-        </p:nvSpPr>
-        <p:spPr>
-          <a:xfrm>
-            <a:off x="2322195" y="2451100"/>
-            <a:ext cx="1904365" cy="338455"/>
-          </a:xfrm>
-          <a:prstGeom prst="roundRect">
-            <a:avLst/>
-          </a:prstGeom>
-          <a:solidFill>
-            <a:schemeClr val="accent1">
-              <a:lumMod val="20000"/>
-              <a:lumOff val="80000"/>
-            </a:schemeClr>
-          </a:solidFill>
-          <a:ln>
-            <a:solidFill>
-              <a:schemeClr val="accent1">
-                <a:lumMod val="75000"/>
-              </a:schemeClr>
-            </a:solidFill>
-          </a:ln>
-        </p:spPr>
-        <p:style>
-          <a:lnRef idx="2">
-            <a:schemeClr val="accent1">
-              <a:shade val="50000"/>
-            </a:schemeClr>
-          </a:lnRef>
-          <a:fillRef idx="1">
-            <a:schemeClr val="accent1"/>
-          </a:fillRef>
-          <a:effectRef idx="0">
-            <a:schemeClr val="accent1"/>
-          </a:effectRef>
-          <a:fontRef idx="minor">
-            <a:schemeClr val="lt1"/>
-          </a:fontRef>
-        </p:style>
-        <p:txBody>
-          <a:bodyPr rtlCol="0" anchor="ctr"/>
-          <a:p>
-            <a:pPr algn="ctr"/>
-            <a:r>
-              <a:rPr lang="es-ES_tradnl" altLang="en-US" sz="1200">
-                <a:solidFill>
-                  <a:srgbClr val="2E75B6"/>
-                </a:solidFill>
-                <a:cs typeface="+mn-lt"/>
-              </a:rPr>
-              <a:t>Anotación de variantes</a:t>
-            </a:r>
-            <a:endParaRPr lang="es-ES_tradnl" altLang="en-US" sz="1200">
-              <a:solidFill>
-                <a:srgbClr val="2E75B6"/>
-              </a:solidFill>
-              <a:cs typeface="+mn-lt"/>
-            </a:endParaRPr>
-          </a:p>
-        </p:txBody>
-      </p:sp>
-      <p:sp>
-        <p:nvSpPr>
-          <p:cNvPr id="6" name="Rounded Rectangle 5"/>
-          <p:cNvSpPr/>
-          <p:nvPr/>
-        </p:nvSpPr>
-        <p:spPr>
-          <a:xfrm>
-            <a:off x="2322195" y="1676400"/>
-            <a:ext cx="1910080" cy="299720"/>
-          </a:xfrm>
-          <a:prstGeom prst="roundRect">
-            <a:avLst/>
-          </a:prstGeom>
-          <a:solidFill>
-            <a:schemeClr val="accent1">
-              <a:lumMod val="20000"/>
-              <a:lumOff val="80000"/>
-            </a:schemeClr>
-          </a:solidFill>
-          <a:ln>
-            <a:solidFill>
-              <a:schemeClr val="accent1">
-                <a:lumMod val="75000"/>
-              </a:schemeClr>
-            </a:solidFill>
-          </a:ln>
-        </p:spPr>
-        <p:style>
-          <a:lnRef idx="2">
-            <a:schemeClr val="accent1">
-              <a:shade val="50000"/>
-            </a:schemeClr>
-          </a:lnRef>
-          <a:fillRef idx="1">
-            <a:schemeClr val="accent1"/>
-          </a:fillRef>
-          <a:effectRef idx="0">
-            <a:schemeClr val="accent1"/>
-          </a:effectRef>
-          <a:fontRef idx="minor">
-            <a:schemeClr val="lt1"/>
-          </a:fontRef>
-        </p:style>
-        <p:txBody>
-          <a:bodyPr rtlCol="0" anchor="ctr"/>
-          <a:p>
-            <a:pPr algn="ctr"/>
-            <a:r>
-              <a:rPr lang="es-ES_tradnl" altLang="en-US" sz="1200">
-                <a:solidFill>
-                  <a:srgbClr val="2E75B6"/>
-                </a:solidFill>
-                <a:cs typeface="+mn-lt"/>
-              </a:rPr>
-              <a:t>Alineamiento</a:t>
-            </a:r>
-            <a:endParaRPr lang="es-ES_tradnl" altLang="en-US" sz="1200">
-              <a:solidFill>
-                <a:srgbClr val="2E75B6"/>
-              </a:solidFill>
-              <a:cs typeface="+mn-lt"/>
-            </a:endParaRPr>
-          </a:p>
-        </p:txBody>
-      </p:sp>
-      <p:sp>
-        <p:nvSpPr>
-          <p:cNvPr id="7" name="Rounded Rectangle 6"/>
-          <p:cNvSpPr/>
-          <p:nvPr/>
-        </p:nvSpPr>
-        <p:spPr>
-          <a:xfrm>
-            <a:off x="5757545" y="1680210"/>
-            <a:ext cx="2080895" cy="541020"/>
+            <a:off x="6929755" y="4549140"/>
+            <a:ext cx="3949700" cy="427355"/>
           </a:xfrm>
           <a:prstGeom prst="roundRect">
             <a:avLst/>
@@ -10270,9 +10669,7 @@
           </a:solidFill>
           <a:ln>
             <a:solidFill>
-              <a:schemeClr val="accent6">
-                <a:lumMod val="75000"/>
-              </a:schemeClr>
+              <a:schemeClr val="accent6"/>
             </a:solidFill>
           </a:ln>
         </p:spPr>
@@ -10305,9 +10702,9 @@
                 </a:solidFill>
                 <a:cs typeface="+mn-lt"/>
               </a:rPr>
-              <a:t>Predicción del enlace peptido y MHC (pMHC)</a:t>
-            </a:r>
-            <a:endParaRPr lang="es-ES_tradnl" altLang="en-US" sz="1200">
+              <a:t>4. Vaccine development in-vitro</a:t>
+            </a:r>
+            <a:endParaRPr lang="es-ES_tradnl" altLang="en-US" sz="1200" i="1">
               <a:solidFill>
                 <a:schemeClr val="accent6">
                   <a:lumMod val="75000"/>
@@ -10318,459 +10715,6 @@
           </a:p>
         </p:txBody>
       </p:sp>
-      <p:sp>
-        <p:nvSpPr>
-          <p:cNvPr id="9" name="Rounded Rectangle 8"/>
-          <p:cNvSpPr/>
-          <p:nvPr/>
-        </p:nvSpPr>
-        <p:spPr>
-          <a:xfrm>
-            <a:off x="5744845" y="2316480"/>
-            <a:ext cx="2081530" cy="427990"/>
-          </a:xfrm>
-          <a:prstGeom prst="roundRect">
-            <a:avLst/>
-          </a:prstGeom>
-          <a:solidFill>
-            <a:schemeClr val="accent6">
-              <a:lumMod val="20000"/>
-              <a:lumOff val="80000"/>
-            </a:schemeClr>
-          </a:solidFill>
-          <a:ln>
-            <a:solidFill>
-              <a:schemeClr val="accent6">
-                <a:lumMod val="75000"/>
-              </a:schemeClr>
-            </a:solidFill>
-          </a:ln>
-        </p:spPr>
-        <p:style>
-          <a:lnRef idx="2">
-            <a:schemeClr val="accent1">
-              <a:shade val="50000"/>
-            </a:schemeClr>
-          </a:lnRef>
-          <a:fillRef idx="1">
-            <a:schemeClr val="accent1"/>
-          </a:fillRef>
-          <a:effectRef idx="0">
-            <a:schemeClr val="accent1"/>
-          </a:effectRef>
-          <a:fontRef idx="minor">
-            <a:schemeClr val="lt1"/>
-          </a:fontRef>
-        </p:style>
-        <p:txBody>
-          <a:bodyPr rtlCol="0" anchor="ctr"/>
-          <a:p>
-            <a:pPr algn="ctr"/>
-            <a:r>
-              <a:rPr lang="es-ES_tradnl" altLang="en-US" sz="1200">
-                <a:solidFill>
-                  <a:schemeClr val="accent6">
-                    <a:lumMod val="75000"/>
-                  </a:schemeClr>
-                </a:solidFill>
-                <a:cs typeface="+mn-lt"/>
-              </a:rPr>
-              <a:t>Predicción del enlace pMHC-TCR</a:t>
-            </a:r>
-            <a:endParaRPr lang="es-ES_tradnl" altLang="en-US" sz="1200">
-              <a:solidFill>
-                <a:schemeClr val="accent6">
-                  <a:lumMod val="75000"/>
-                </a:schemeClr>
-              </a:solidFill>
-              <a:cs typeface="+mn-lt"/>
-            </a:endParaRPr>
-          </a:p>
-        </p:txBody>
-      </p:sp>
-      <p:sp>
-        <p:nvSpPr>
-          <p:cNvPr id="3" name="Text Box 2"/>
-          <p:cNvSpPr txBox="1"/>
-          <p:nvPr/>
-        </p:nvSpPr>
-        <p:spPr>
-          <a:xfrm>
-            <a:off x="2731770" y="1271270"/>
-            <a:ext cx="1102360" cy="275590"/>
-          </a:xfrm>
-          <a:prstGeom prst="rect">
-            <a:avLst/>
-          </a:prstGeom>
-          <a:noFill/>
-        </p:spPr>
-        <p:txBody>
-          <a:bodyPr wrap="none" rtlCol="0" anchor="t">
-            <a:spAutoFit/>
-          </a:bodyPr>
-          <a:p>
-            <a:r>
-              <a:rPr lang="es-ES_tradnl" altLang="en-US" sz="1200">
-                <a:solidFill>
-                  <a:srgbClr val="2E75B6"/>
-                </a:solidFill>
-                <a:cs typeface="+mn-lt"/>
-                <a:sym typeface="+mn-ea"/>
-              </a:rPr>
-              <a:t>NeoArgosMut</a:t>
-            </a:r>
-            <a:endParaRPr lang="es-ES_tradnl" altLang="en-US" sz="1200">
-              <a:solidFill>
-                <a:srgbClr val="2E75B6"/>
-              </a:solidFill>
-              <a:cs typeface="+mn-lt"/>
-              <a:sym typeface="+mn-ea"/>
-            </a:endParaRPr>
-          </a:p>
-        </p:txBody>
-      </p:sp>
-      <p:sp>
-        <p:nvSpPr>
-          <p:cNvPr id="8" name="Text Box 7"/>
-          <p:cNvSpPr txBox="1"/>
-          <p:nvPr/>
-        </p:nvSpPr>
-        <p:spPr>
-          <a:xfrm>
-            <a:off x="6097905" y="1271270"/>
-            <a:ext cx="1374775" cy="275590"/>
-          </a:xfrm>
-          <a:prstGeom prst="rect">
-            <a:avLst/>
-          </a:prstGeom>
-          <a:noFill/>
-        </p:spPr>
-        <p:txBody>
-          <a:bodyPr wrap="none" rtlCol="0" anchor="t">
-            <a:spAutoFit/>
-          </a:bodyPr>
-          <a:p>
-            <a:r>
-              <a:rPr lang="es-ES_tradnl" altLang="en-US" sz="1200">
-                <a:solidFill>
-                  <a:schemeClr val="accent6">
-                    <a:lumMod val="75000"/>
-                  </a:schemeClr>
-                </a:solidFill>
-                <a:cs typeface="+mn-lt"/>
-                <a:sym typeface="+mn-ea"/>
-              </a:rPr>
-              <a:t>NeoArgosAntigen</a:t>
-            </a:r>
-            <a:endParaRPr lang="es-ES_tradnl" altLang="en-US" sz="1200">
-              <a:solidFill>
-                <a:schemeClr val="accent6">
-                  <a:lumMod val="75000"/>
-                </a:schemeClr>
-              </a:solidFill>
-              <a:cs typeface="+mn-lt"/>
-              <a:sym typeface="+mn-ea"/>
-            </a:endParaRPr>
-          </a:p>
-        </p:txBody>
-      </p:sp>
-      <p:sp>
-        <p:nvSpPr>
-          <p:cNvPr id="10" name="Text Box 9"/>
-          <p:cNvSpPr txBox="1"/>
-          <p:nvPr/>
-        </p:nvSpPr>
-        <p:spPr>
-          <a:xfrm>
-            <a:off x="843915" y="1746250"/>
-            <a:ext cx="812165" cy="645160"/>
-          </a:xfrm>
-          <a:prstGeom prst="rect">
-            <a:avLst/>
-          </a:prstGeom>
-          <a:noFill/>
-        </p:spPr>
-        <p:txBody>
-          <a:bodyPr wrap="none" rtlCol="0" anchor="t">
-            <a:spAutoFit/>
-          </a:bodyPr>
-          <a:p>
-            <a:pPr algn="ctr"/>
-            <a:r>
-              <a:rPr lang="es-ES_tradnl" altLang="en-US" sz="1200">
-                <a:solidFill>
-                  <a:schemeClr val="tx1"/>
-                </a:solidFill>
-                <a:cs typeface="+mn-lt"/>
-                <a:sym typeface="+mn-ea"/>
-              </a:rPr>
-              <a:t>DNA-seq</a:t>
-            </a:r>
-            <a:endParaRPr lang="es-ES_tradnl" altLang="en-US" sz="1200">
-              <a:solidFill>
-                <a:schemeClr val="tx1"/>
-              </a:solidFill>
-              <a:cs typeface="+mn-lt"/>
-              <a:sym typeface="+mn-ea"/>
-            </a:endParaRPr>
-          </a:p>
-          <a:p>
-            <a:pPr algn="ctr"/>
-            <a:r>
-              <a:rPr lang="es-ES_tradnl" altLang="en-US" sz="1200">
-                <a:solidFill>
-                  <a:schemeClr val="tx1"/>
-                </a:solidFill>
-                <a:cs typeface="+mn-lt"/>
-                <a:sym typeface="+mn-ea"/>
-              </a:rPr>
-              <a:t>RNA-seq</a:t>
-            </a:r>
-            <a:endParaRPr lang="es-ES_tradnl" altLang="en-US" sz="1200">
-              <a:solidFill>
-                <a:schemeClr val="tx1"/>
-              </a:solidFill>
-              <a:cs typeface="+mn-lt"/>
-              <a:sym typeface="+mn-ea"/>
-            </a:endParaRPr>
-          </a:p>
-          <a:p>
-            <a:pPr algn="ctr"/>
-            <a:r>
-              <a:rPr lang="es-ES_tradnl" altLang="en-US" sz="1200">
-                <a:solidFill>
-                  <a:schemeClr val="tx1"/>
-                </a:solidFill>
-                <a:cs typeface="+mn-lt"/>
-                <a:sym typeface="+mn-ea"/>
-              </a:rPr>
-              <a:t>datos MS</a:t>
-            </a:r>
-            <a:endParaRPr lang="es-ES_tradnl" altLang="en-US" sz="1200">
-              <a:solidFill>
-                <a:schemeClr val="tx1"/>
-              </a:solidFill>
-              <a:cs typeface="+mn-lt"/>
-              <a:sym typeface="+mn-ea"/>
-            </a:endParaRPr>
-          </a:p>
-        </p:txBody>
-      </p:sp>
-      <p:cxnSp>
-        <p:nvCxnSpPr>
-          <p:cNvPr id="11" name="Straight Arrow Connector 10"/>
-          <p:cNvCxnSpPr/>
-          <p:nvPr/>
-        </p:nvCxnSpPr>
-        <p:spPr>
-          <a:xfrm>
-            <a:off x="1607185" y="2065655"/>
-            <a:ext cx="371475" cy="3175"/>
-          </a:xfrm>
-          <a:prstGeom prst="straightConnector1">
-            <a:avLst/>
-          </a:prstGeom>
-          <a:ln w="12700" cmpd="sng">
-            <a:solidFill>
-              <a:schemeClr val="tx1"/>
-            </a:solidFill>
-            <a:prstDash val="solid"/>
-            <a:tailEnd type="arrow"/>
-          </a:ln>
-        </p:spPr>
-        <p:style>
-          <a:lnRef idx="1">
-            <a:schemeClr val="accent1"/>
-          </a:lnRef>
-          <a:fillRef idx="0">
-            <a:schemeClr val="accent1"/>
-          </a:fillRef>
-          <a:effectRef idx="0">
-            <a:schemeClr val="accent1"/>
-          </a:effectRef>
-          <a:fontRef idx="minor">
-            <a:schemeClr val="tx1"/>
-          </a:fontRef>
-        </p:style>
-      </p:cxnSp>
-      <p:cxnSp>
-        <p:nvCxnSpPr>
-          <p:cNvPr id="12" name="Straight Arrow Connector 11"/>
-          <p:cNvCxnSpPr/>
-          <p:nvPr/>
-        </p:nvCxnSpPr>
-        <p:spPr>
-          <a:xfrm>
-            <a:off x="4611370" y="2112010"/>
-            <a:ext cx="842645" cy="6350"/>
-          </a:xfrm>
-          <a:prstGeom prst="straightConnector1">
-            <a:avLst/>
-          </a:prstGeom>
-          <a:ln w="12700" cmpd="sng">
-            <a:solidFill>
-              <a:schemeClr val="tx1"/>
-            </a:solidFill>
-            <a:prstDash val="solid"/>
-            <a:tailEnd type="arrow"/>
-          </a:ln>
-        </p:spPr>
-        <p:style>
-          <a:lnRef idx="1">
-            <a:schemeClr val="accent1"/>
-          </a:lnRef>
-          <a:fillRef idx="0">
-            <a:schemeClr val="accent1"/>
-          </a:fillRef>
-          <a:effectRef idx="0">
-            <a:schemeClr val="accent1"/>
-          </a:effectRef>
-          <a:fontRef idx="minor">
-            <a:schemeClr val="tx1"/>
-          </a:fontRef>
-        </p:style>
-      </p:cxnSp>
-      <p:sp>
-        <p:nvSpPr>
-          <p:cNvPr id="15" name="Text Box 14"/>
-          <p:cNvSpPr txBox="1"/>
-          <p:nvPr/>
-        </p:nvSpPr>
-        <p:spPr>
-          <a:xfrm>
-            <a:off x="4476750" y="1608455"/>
-            <a:ext cx="1130300" cy="460375"/>
-          </a:xfrm>
-          <a:prstGeom prst="rect">
-            <a:avLst/>
-          </a:prstGeom>
-          <a:noFill/>
-        </p:spPr>
-        <p:txBody>
-          <a:bodyPr wrap="none" rtlCol="0" anchor="t">
-            <a:spAutoFit/>
-          </a:bodyPr>
-          <a:p>
-            <a:pPr algn="ctr"/>
-            <a:r>
-              <a:rPr lang="es-ES_tradnl" altLang="en-US" sz="1200">
-                <a:solidFill>
-                  <a:schemeClr val="tx1"/>
-                </a:solidFill>
-                <a:cs typeface="+mn-lt"/>
-                <a:sym typeface="+mn-ea"/>
-              </a:rPr>
-              <a:t>Neoantígenos</a:t>
-            </a:r>
-            <a:endParaRPr lang="es-ES_tradnl" altLang="en-US" sz="1200">
-              <a:solidFill>
-                <a:schemeClr val="tx1"/>
-              </a:solidFill>
-              <a:cs typeface="+mn-lt"/>
-              <a:sym typeface="+mn-ea"/>
-            </a:endParaRPr>
-          </a:p>
-          <a:p>
-            <a:pPr algn="ctr"/>
-            <a:r>
-              <a:rPr lang="es-ES_tradnl" altLang="en-US" sz="1200">
-                <a:solidFill>
-                  <a:schemeClr val="tx1"/>
-                </a:solidFill>
-                <a:cs typeface="+mn-lt"/>
-                <a:sym typeface="+mn-ea"/>
-              </a:rPr>
-              <a:t>candidatos</a:t>
-            </a:r>
-            <a:endParaRPr lang="es-ES_tradnl" altLang="en-US" sz="1200">
-              <a:solidFill>
-                <a:schemeClr val="tx1"/>
-              </a:solidFill>
-              <a:cs typeface="+mn-lt"/>
-              <a:sym typeface="+mn-ea"/>
-            </a:endParaRPr>
-          </a:p>
-        </p:txBody>
-      </p:sp>
-      <p:sp>
-        <p:nvSpPr>
-          <p:cNvPr id="19" name="Text Box 18"/>
-          <p:cNvSpPr txBox="1"/>
-          <p:nvPr/>
-        </p:nvSpPr>
-        <p:spPr>
-          <a:xfrm>
-            <a:off x="8388350" y="1945640"/>
-            <a:ext cx="1130300" cy="275590"/>
-          </a:xfrm>
-          <a:prstGeom prst="rect">
-            <a:avLst/>
-          </a:prstGeom>
-          <a:noFill/>
-        </p:spPr>
-        <p:txBody>
-          <a:bodyPr wrap="none" rtlCol="0" anchor="t">
-            <a:spAutoFit/>
-          </a:bodyPr>
-          <a:p>
-            <a:pPr algn="ctr"/>
-            <a:r>
-              <a:rPr lang="es-ES_tradnl" altLang="en-US" sz="1200">
-                <a:solidFill>
-                  <a:schemeClr val="tx1"/>
-                </a:solidFill>
-                <a:cs typeface="+mn-lt"/>
-                <a:sym typeface="+mn-ea"/>
-              </a:rPr>
-              <a:t>Neoantígenos</a:t>
-            </a:r>
-            <a:endParaRPr lang="es-ES_tradnl" altLang="en-US" sz="1200">
-              <a:solidFill>
-                <a:schemeClr val="tx1"/>
-              </a:solidFill>
-              <a:cs typeface="+mn-lt"/>
-              <a:sym typeface="+mn-ea"/>
-            </a:endParaRPr>
-          </a:p>
-        </p:txBody>
-      </p:sp>
-      <p:cxnSp>
-        <p:nvCxnSpPr>
-          <p:cNvPr id="20" name="Straight Arrow Connector 19"/>
-          <p:cNvCxnSpPr/>
-          <p:nvPr/>
-        </p:nvCxnSpPr>
-        <p:spPr>
-          <a:xfrm>
-            <a:off x="8084185" y="2105660"/>
-            <a:ext cx="336550" cy="5715"/>
-          </a:xfrm>
-          <a:prstGeom prst="straightConnector1">
-            <a:avLst/>
-          </a:prstGeom>
-          <a:ln w="12700" cmpd="sng">
-            <a:solidFill>
-              <a:schemeClr val="tx1"/>
-            </a:solidFill>
-            <a:prstDash val="solid"/>
-            <a:tailEnd type="arrow"/>
-          </a:ln>
-        </p:spPr>
-        <p:style>
-          <a:lnRef idx="1">
-            <a:schemeClr val="accent1"/>
-          </a:lnRef>
-          <a:fillRef idx="0">
-            <a:schemeClr val="accent1"/>
-          </a:fillRef>
-          <a:effectRef idx="0">
-            <a:schemeClr val="accent1"/>
-          </a:effectRef>
-          <a:fontRef idx="minor">
-            <a:schemeClr val="tx1"/>
-          </a:fontRef>
-        </p:style>
-      </p:cxnSp>
     </p:spTree>
   </p:cSld>
   <p:clrMapOvr>
@@ -10796,54 +10740,847 @@
           <a:chExt cx="0" cy="0"/>
         </a:xfrm>
       </p:grpSpPr>
-      <p:pic>
-        <p:nvPicPr>
-          <p:cNvPr id="2" name="Picture 1" descr="training_train_1train_2_train_3_"/>
-          <p:cNvPicPr>
-            <a:picLocks noChangeAspect="1"/>
-          </p:cNvPicPr>
-          <p:nvPr/>
-        </p:nvPicPr>
-        <p:blipFill>
-          <a:blip r:embed="rId1"/>
-          <a:stretch>
-            <a:fillRect/>
-          </a:stretch>
-        </p:blipFill>
-        <p:spPr>
-          <a:xfrm>
-            <a:off x="379730" y="882015"/>
-            <a:ext cx="5486400" cy="3657600"/>
+      <p:sp>
+        <p:nvSpPr>
+          <p:cNvPr id="13" name="Rounded Rectangle 12"/>
+          <p:cNvSpPr/>
+          <p:nvPr/>
+        </p:nvSpPr>
+        <p:spPr>
+          <a:xfrm>
+            <a:off x="2071370" y="1225550"/>
+            <a:ext cx="2422525" cy="1751965"/>
+          </a:xfrm>
+          <a:prstGeom prst="roundRect">
+            <a:avLst>
+              <a:gd name="adj" fmla="val 8712"/>
+            </a:avLst>
+          </a:prstGeom>
+          <a:solidFill>
+            <a:schemeClr val="accent1">
+              <a:lumMod val="20000"/>
+              <a:lumOff val="80000"/>
+            </a:schemeClr>
+          </a:solidFill>
+          <a:ln>
+            <a:solidFill>
+              <a:schemeClr val="accent1">
+                <a:lumMod val="75000"/>
+              </a:schemeClr>
+            </a:solidFill>
+          </a:ln>
+        </p:spPr>
+        <p:style>
+          <a:lnRef idx="2">
+            <a:schemeClr val="accent1">
+              <a:shade val="50000"/>
+            </a:schemeClr>
+          </a:lnRef>
+          <a:fillRef idx="1">
+            <a:schemeClr val="accent1"/>
+          </a:fillRef>
+          <a:effectRef idx="0">
+            <a:schemeClr val="accent1"/>
+          </a:effectRef>
+          <a:fontRef idx="minor">
+            <a:schemeClr val="lt1"/>
+          </a:fontRef>
+        </p:style>
+        <p:txBody>
+          <a:bodyPr rtlCol="0" anchor="ctr"/>
+          <a:p>
+            <a:pPr algn="ctr"/>
+            <a:endParaRPr lang="es-ES_tradnl" altLang="en-US" sz="1200">
+              <a:solidFill>
+                <a:srgbClr val="2E75B6"/>
+              </a:solidFill>
+              <a:cs typeface="+mn-lt"/>
+            </a:endParaRPr>
+          </a:p>
+        </p:txBody>
+      </p:sp>
+      <p:sp>
+        <p:nvSpPr>
+          <p:cNvPr id="14" name="Rounded Rectangle 13"/>
+          <p:cNvSpPr/>
+          <p:nvPr/>
+        </p:nvSpPr>
+        <p:spPr>
+          <a:xfrm>
+            <a:off x="5570855" y="1225550"/>
+            <a:ext cx="2429510" cy="1703705"/>
+          </a:xfrm>
+          <a:prstGeom prst="roundRect">
+            <a:avLst>
+              <a:gd name="adj" fmla="val 7654"/>
+            </a:avLst>
+          </a:prstGeom>
+          <a:solidFill>
+            <a:schemeClr val="accent6">
+              <a:lumMod val="20000"/>
+              <a:lumOff val="80000"/>
+            </a:schemeClr>
+          </a:solidFill>
+          <a:ln>
+            <a:solidFill>
+              <a:schemeClr val="accent6">
+                <a:lumMod val="75000"/>
+              </a:schemeClr>
+            </a:solidFill>
+          </a:ln>
+        </p:spPr>
+        <p:style>
+          <a:lnRef idx="2">
+            <a:schemeClr val="accent1">
+              <a:shade val="50000"/>
+            </a:schemeClr>
+          </a:lnRef>
+          <a:fillRef idx="1">
+            <a:schemeClr val="accent1"/>
+          </a:fillRef>
+          <a:effectRef idx="0">
+            <a:schemeClr val="accent1"/>
+          </a:effectRef>
+          <a:fontRef idx="minor">
+            <a:schemeClr val="lt1"/>
+          </a:fontRef>
+        </p:style>
+        <p:txBody>
+          <a:bodyPr rtlCol="0" anchor="ctr"/>
+          <a:p>
+            <a:pPr algn="ctr"/>
+            <a:endParaRPr lang="es-ES_tradnl" altLang="en-US" sz="1200">
+              <a:solidFill>
+                <a:schemeClr val="accent6">
+                  <a:lumMod val="75000"/>
+                </a:schemeClr>
+              </a:solidFill>
+              <a:cs typeface="+mn-lt"/>
+            </a:endParaRPr>
+          </a:p>
+        </p:txBody>
+      </p:sp>
+      <p:sp>
+        <p:nvSpPr>
+          <p:cNvPr id="4" name="Rounded Rectangle 3"/>
+          <p:cNvSpPr/>
+          <p:nvPr/>
+        </p:nvSpPr>
+        <p:spPr>
+          <a:xfrm>
+            <a:off x="2322195" y="2063750"/>
+            <a:ext cx="1910080" cy="299720"/>
+          </a:xfrm>
+          <a:prstGeom prst="roundRect">
+            <a:avLst/>
+          </a:prstGeom>
+          <a:solidFill>
+            <a:schemeClr val="accent1">
+              <a:lumMod val="20000"/>
+              <a:lumOff val="80000"/>
+            </a:schemeClr>
+          </a:solidFill>
+          <a:ln>
+            <a:solidFill>
+              <a:schemeClr val="accent1">
+                <a:lumMod val="75000"/>
+              </a:schemeClr>
+            </a:solidFill>
+          </a:ln>
+        </p:spPr>
+        <p:style>
+          <a:lnRef idx="2">
+            <a:schemeClr val="accent1">
+              <a:shade val="50000"/>
+            </a:schemeClr>
+          </a:lnRef>
+          <a:fillRef idx="1">
+            <a:schemeClr val="accent1"/>
+          </a:fillRef>
+          <a:effectRef idx="0">
+            <a:schemeClr val="accent1"/>
+          </a:effectRef>
+          <a:fontRef idx="minor">
+            <a:schemeClr val="lt1"/>
+          </a:fontRef>
+        </p:style>
+        <p:txBody>
+          <a:bodyPr rtlCol="0" anchor="ctr"/>
+          <a:p>
+            <a:pPr algn="ctr"/>
+            <a:r>
+              <a:rPr lang="es-ES_tradnl" altLang="en-US" sz="1200">
+                <a:solidFill>
+                  <a:srgbClr val="2E75B6"/>
+                </a:solidFill>
+                <a:cs typeface="+mn-lt"/>
+              </a:rPr>
+              <a:t>Llamado de variantes</a:t>
+            </a:r>
+            <a:endParaRPr lang="es-ES_tradnl" altLang="en-US" sz="1200">
+              <a:solidFill>
+                <a:srgbClr val="2E75B6"/>
+              </a:solidFill>
+              <a:cs typeface="+mn-lt"/>
+            </a:endParaRPr>
+          </a:p>
+        </p:txBody>
+      </p:sp>
+      <p:sp>
+        <p:nvSpPr>
+          <p:cNvPr id="5" name="Rounded Rectangle 4"/>
+          <p:cNvSpPr/>
+          <p:nvPr/>
+        </p:nvSpPr>
+        <p:spPr>
+          <a:xfrm>
+            <a:off x="2322195" y="2451100"/>
+            <a:ext cx="1904365" cy="338455"/>
+          </a:xfrm>
+          <a:prstGeom prst="roundRect">
+            <a:avLst/>
+          </a:prstGeom>
+          <a:solidFill>
+            <a:schemeClr val="accent1">
+              <a:lumMod val="20000"/>
+              <a:lumOff val="80000"/>
+            </a:schemeClr>
+          </a:solidFill>
+          <a:ln>
+            <a:solidFill>
+              <a:schemeClr val="accent1">
+                <a:lumMod val="75000"/>
+              </a:schemeClr>
+            </a:solidFill>
+          </a:ln>
+        </p:spPr>
+        <p:style>
+          <a:lnRef idx="2">
+            <a:schemeClr val="accent1">
+              <a:shade val="50000"/>
+            </a:schemeClr>
+          </a:lnRef>
+          <a:fillRef idx="1">
+            <a:schemeClr val="accent1"/>
+          </a:fillRef>
+          <a:effectRef idx="0">
+            <a:schemeClr val="accent1"/>
+          </a:effectRef>
+          <a:fontRef idx="minor">
+            <a:schemeClr val="lt1"/>
+          </a:fontRef>
+        </p:style>
+        <p:txBody>
+          <a:bodyPr rtlCol="0" anchor="ctr"/>
+          <a:p>
+            <a:pPr algn="ctr"/>
+            <a:r>
+              <a:rPr lang="es-ES_tradnl" altLang="en-US" sz="1200">
+                <a:solidFill>
+                  <a:srgbClr val="2E75B6"/>
+                </a:solidFill>
+                <a:cs typeface="+mn-lt"/>
+              </a:rPr>
+              <a:t>Anotación de variantes</a:t>
+            </a:r>
+            <a:endParaRPr lang="es-ES_tradnl" altLang="en-US" sz="1200">
+              <a:solidFill>
+                <a:srgbClr val="2E75B6"/>
+              </a:solidFill>
+              <a:cs typeface="+mn-lt"/>
+            </a:endParaRPr>
+          </a:p>
+        </p:txBody>
+      </p:sp>
+      <p:sp>
+        <p:nvSpPr>
+          <p:cNvPr id="6" name="Rounded Rectangle 5"/>
+          <p:cNvSpPr/>
+          <p:nvPr/>
+        </p:nvSpPr>
+        <p:spPr>
+          <a:xfrm>
+            <a:off x="2322195" y="1676400"/>
+            <a:ext cx="1910080" cy="299720"/>
+          </a:xfrm>
+          <a:prstGeom prst="roundRect">
+            <a:avLst/>
+          </a:prstGeom>
+          <a:solidFill>
+            <a:schemeClr val="accent1">
+              <a:lumMod val="20000"/>
+              <a:lumOff val="80000"/>
+            </a:schemeClr>
+          </a:solidFill>
+          <a:ln>
+            <a:solidFill>
+              <a:schemeClr val="accent1">
+                <a:lumMod val="75000"/>
+              </a:schemeClr>
+            </a:solidFill>
+          </a:ln>
+        </p:spPr>
+        <p:style>
+          <a:lnRef idx="2">
+            <a:schemeClr val="accent1">
+              <a:shade val="50000"/>
+            </a:schemeClr>
+          </a:lnRef>
+          <a:fillRef idx="1">
+            <a:schemeClr val="accent1"/>
+          </a:fillRef>
+          <a:effectRef idx="0">
+            <a:schemeClr val="accent1"/>
+          </a:effectRef>
+          <a:fontRef idx="minor">
+            <a:schemeClr val="lt1"/>
+          </a:fontRef>
+        </p:style>
+        <p:txBody>
+          <a:bodyPr rtlCol="0" anchor="ctr"/>
+          <a:p>
+            <a:pPr algn="ctr"/>
+            <a:r>
+              <a:rPr lang="es-ES_tradnl" altLang="en-US" sz="1200">
+                <a:solidFill>
+                  <a:srgbClr val="2E75B6"/>
+                </a:solidFill>
+                <a:cs typeface="+mn-lt"/>
+              </a:rPr>
+              <a:t>Alineamiento</a:t>
+            </a:r>
+            <a:endParaRPr lang="es-ES_tradnl" altLang="en-US" sz="1200">
+              <a:solidFill>
+                <a:srgbClr val="2E75B6"/>
+              </a:solidFill>
+              <a:cs typeface="+mn-lt"/>
+            </a:endParaRPr>
+          </a:p>
+        </p:txBody>
+      </p:sp>
+      <p:sp>
+        <p:nvSpPr>
+          <p:cNvPr id="7" name="Rounded Rectangle 6"/>
+          <p:cNvSpPr/>
+          <p:nvPr/>
+        </p:nvSpPr>
+        <p:spPr>
+          <a:xfrm>
+            <a:off x="5757545" y="1680210"/>
+            <a:ext cx="2080895" cy="541020"/>
+          </a:xfrm>
+          <a:prstGeom prst="roundRect">
+            <a:avLst/>
+          </a:prstGeom>
+          <a:solidFill>
+            <a:schemeClr val="accent6">
+              <a:lumMod val="20000"/>
+              <a:lumOff val="80000"/>
+            </a:schemeClr>
+          </a:solidFill>
+          <a:ln>
+            <a:solidFill>
+              <a:schemeClr val="accent6">
+                <a:lumMod val="75000"/>
+              </a:schemeClr>
+            </a:solidFill>
+          </a:ln>
+        </p:spPr>
+        <p:style>
+          <a:lnRef idx="2">
+            <a:schemeClr val="accent1">
+              <a:shade val="50000"/>
+            </a:schemeClr>
+          </a:lnRef>
+          <a:fillRef idx="1">
+            <a:schemeClr val="accent1"/>
+          </a:fillRef>
+          <a:effectRef idx="0">
+            <a:schemeClr val="accent1"/>
+          </a:effectRef>
+          <a:fontRef idx="minor">
+            <a:schemeClr val="lt1"/>
+          </a:fontRef>
+        </p:style>
+        <p:txBody>
+          <a:bodyPr rtlCol="0" anchor="ctr"/>
+          <a:p>
+            <a:pPr algn="ctr"/>
+            <a:r>
+              <a:rPr lang="es-ES_tradnl" altLang="en-US" sz="1200">
+                <a:solidFill>
+                  <a:schemeClr val="accent6">
+                    <a:lumMod val="75000"/>
+                  </a:schemeClr>
+                </a:solidFill>
+                <a:cs typeface="+mn-lt"/>
+              </a:rPr>
+              <a:t>Predicción del enlace peptido y MHC (pMHC)</a:t>
+            </a:r>
+            <a:endParaRPr lang="es-ES_tradnl" altLang="en-US" sz="1200">
+              <a:solidFill>
+                <a:schemeClr val="accent6">
+                  <a:lumMod val="75000"/>
+                </a:schemeClr>
+              </a:solidFill>
+              <a:cs typeface="+mn-lt"/>
+            </a:endParaRPr>
+          </a:p>
+        </p:txBody>
+      </p:sp>
+      <p:sp>
+        <p:nvSpPr>
+          <p:cNvPr id="9" name="Rounded Rectangle 8"/>
+          <p:cNvSpPr/>
+          <p:nvPr/>
+        </p:nvSpPr>
+        <p:spPr>
+          <a:xfrm>
+            <a:off x="5744845" y="2316480"/>
+            <a:ext cx="2081530" cy="427990"/>
+          </a:xfrm>
+          <a:prstGeom prst="roundRect">
+            <a:avLst/>
+          </a:prstGeom>
+          <a:solidFill>
+            <a:schemeClr val="accent6">
+              <a:lumMod val="20000"/>
+              <a:lumOff val="80000"/>
+            </a:schemeClr>
+          </a:solidFill>
+          <a:ln>
+            <a:solidFill>
+              <a:schemeClr val="accent6">
+                <a:lumMod val="75000"/>
+              </a:schemeClr>
+            </a:solidFill>
+          </a:ln>
+        </p:spPr>
+        <p:style>
+          <a:lnRef idx="2">
+            <a:schemeClr val="accent1">
+              <a:shade val="50000"/>
+            </a:schemeClr>
+          </a:lnRef>
+          <a:fillRef idx="1">
+            <a:schemeClr val="accent1"/>
+          </a:fillRef>
+          <a:effectRef idx="0">
+            <a:schemeClr val="accent1"/>
+          </a:effectRef>
+          <a:fontRef idx="minor">
+            <a:schemeClr val="lt1"/>
+          </a:fontRef>
+        </p:style>
+        <p:txBody>
+          <a:bodyPr rtlCol="0" anchor="ctr"/>
+          <a:p>
+            <a:pPr algn="ctr"/>
+            <a:r>
+              <a:rPr lang="es-ES_tradnl" altLang="en-US" sz="1200">
+                <a:solidFill>
+                  <a:schemeClr val="accent6">
+                    <a:lumMod val="75000"/>
+                  </a:schemeClr>
+                </a:solidFill>
+                <a:cs typeface="+mn-lt"/>
+              </a:rPr>
+              <a:t>Predicción del enlace pMHC-TCR</a:t>
+            </a:r>
+            <a:endParaRPr lang="es-ES_tradnl" altLang="en-US" sz="1200">
+              <a:solidFill>
+                <a:schemeClr val="accent6">
+                  <a:lumMod val="75000"/>
+                </a:schemeClr>
+              </a:solidFill>
+              <a:cs typeface="+mn-lt"/>
+            </a:endParaRPr>
+          </a:p>
+        </p:txBody>
+      </p:sp>
+      <p:sp>
+        <p:nvSpPr>
+          <p:cNvPr id="3" name="Text Box 2"/>
+          <p:cNvSpPr txBox="1"/>
+          <p:nvPr/>
+        </p:nvSpPr>
+        <p:spPr>
+          <a:xfrm>
+            <a:off x="2731770" y="1271270"/>
+            <a:ext cx="1102360" cy="275590"/>
           </a:xfrm>
           <a:prstGeom prst="rect">
             <a:avLst/>
           </a:prstGeom>
-        </p:spPr>
-      </p:pic>
-      <p:pic>
-        <p:nvPicPr>
-          <p:cNvPr id="4" name="Picture 3" descr="training_train_7train_8_train_9_"/>
-          <p:cNvPicPr>
-            <a:picLocks noChangeAspect="1"/>
-          </p:cNvPicPr>
-          <p:nvPr/>
-        </p:nvPicPr>
-        <p:blipFill>
-          <a:blip r:embed="rId2"/>
-          <a:stretch>
-            <a:fillRect/>
-          </a:stretch>
-        </p:blipFill>
-        <p:spPr>
-          <a:xfrm>
-            <a:off x="5794375" y="882015"/>
-            <a:ext cx="5486400" cy="3657600"/>
+          <a:noFill/>
+        </p:spPr>
+        <p:txBody>
+          <a:bodyPr wrap="none" rtlCol="0" anchor="t">
+            <a:spAutoFit/>
+          </a:bodyPr>
+          <a:p>
+            <a:r>
+              <a:rPr lang="es-ES_tradnl" altLang="en-US" sz="1200">
+                <a:solidFill>
+                  <a:srgbClr val="2E75B6"/>
+                </a:solidFill>
+                <a:cs typeface="+mn-lt"/>
+                <a:sym typeface="+mn-ea"/>
+              </a:rPr>
+              <a:t>NeoArgosMut</a:t>
+            </a:r>
+            <a:endParaRPr lang="es-ES_tradnl" altLang="en-US" sz="1200">
+              <a:solidFill>
+                <a:srgbClr val="2E75B6"/>
+              </a:solidFill>
+              <a:cs typeface="+mn-lt"/>
+              <a:sym typeface="+mn-ea"/>
+            </a:endParaRPr>
+          </a:p>
+        </p:txBody>
+      </p:sp>
+      <p:sp>
+        <p:nvSpPr>
+          <p:cNvPr id="8" name="Text Box 7"/>
+          <p:cNvSpPr txBox="1"/>
+          <p:nvPr/>
+        </p:nvSpPr>
+        <p:spPr>
+          <a:xfrm>
+            <a:off x="6097905" y="1271270"/>
+            <a:ext cx="1374775" cy="275590"/>
           </a:xfrm>
           <a:prstGeom prst="rect">
             <a:avLst/>
           </a:prstGeom>
-        </p:spPr>
-      </p:pic>
+          <a:noFill/>
+        </p:spPr>
+        <p:txBody>
+          <a:bodyPr wrap="none" rtlCol="0" anchor="t">
+            <a:spAutoFit/>
+          </a:bodyPr>
+          <a:p>
+            <a:r>
+              <a:rPr lang="es-ES_tradnl" altLang="en-US" sz="1200">
+                <a:solidFill>
+                  <a:schemeClr val="accent6">
+                    <a:lumMod val="75000"/>
+                  </a:schemeClr>
+                </a:solidFill>
+                <a:cs typeface="+mn-lt"/>
+                <a:sym typeface="+mn-ea"/>
+              </a:rPr>
+              <a:t>NeoArgosAntigen</a:t>
+            </a:r>
+            <a:endParaRPr lang="es-ES_tradnl" altLang="en-US" sz="1200">
+              <a:solidFill>
+                <a:schemeClr val="accent6">
+                  <a:lumMod val="75000"/>
+                </a:schemeClr>
+              </a:solidFill>
+              <a:cs typeface="+mn-lt"/>
+              <a:sym typeface="+mn-ea"/>
+            </a:endParaRPr>
+          </a:p>
+        </p:txBody>
+      </p:sp>
+      <p:sp>
+        <p:nvSpPr>
+          <p:cNvPr id="10" name="Text Box 9"/>
+          <p:cNvSpPr txBox="1"/>
+          <p:nvPr/>
+        </p:nvSpPr>
+        <p:spPr>
+          <a:xfrm>
+            <a:off x="843915" y="1746250"/>
+            <a:ext cx="812165" cy="645160"/>
+          </a:xfrm>
+          <a:prstGeom prst="rect">
+            <a:avLst/>
+          </a:prstGeom>
+          <a:noFill/>
+        </p:spPr>
+        <p:txBody>
+          <a:bodyPr wrap="none" rtlCol="0" anchor="t">
+            <a:spAutoFit/>
+          </a:bodyPr>
+          <a:p>
+            <a:pPr algn="ctr"/>
+            <a:r>
+              <a:rPr lang="es-ES_tradnl" altLang="en-US" sz="1200">
+                <a:solidFill>
+                  <a:schemeClr val="tx1"/>
+                </a:solidFill>
+                <a:cs typeface="+mn-lt"/>
+                <a:sym typeface="+mn-ea"/>
+              </a:rPr>
+              <a:t>DNA-seq</a:t>
+            </a:r>
+            <a:endParaRPr lang="es-ES_tradnl" altLang="en-US" sz="1200">
+              <a:solidFill>
+                <a:schemeClr val="tx1"/>
+              </a:solidFill>
+              <a:cs typeface="+mn-lt"/>
+              <a:sym typeface="+mn-ea"/>
+            </a:endParaRPr>
+          </a:p>
+          <a:p>
+            <a:pPr algn="ctr"/>
+            <a:r>
+              <a:rPr lang="es-ES_tradnl" altLang="en-US" sz="1200">
+                <a:solidFill>
+                  <a:schemeClr val="tx1"/>
+                </a:solidFill>
+                <a:cs typeface="+mn-lt"/>
+                <a:sym typeface="+mn-ea"/>
+              </a:rPr>
+              <a:t>RNA-seq</a:t>
+            </a:r>
+            <a:endParaRPr lang="es-ES_tradnl" altLang="en-US" sz="1200">
+              <a:solidFill>
+                <a:schemeClr val="tx1"/>
+              </a:solidFill>
+              <a:cs typeface="+mn-lt"/>
+              <a:sym typeface="+mn-ea"/>
+            </a:endParaRPr>
+          </a:p>
+          <a:p>
+            <a:pPr algn="ctr"/>
+            <a:r>
+              <a:rPr lang="es-ES_tradnl" altLang="en-US" sz="1200">
+                <a:solidFill>
+                  <a:schemeClr val="tx1"/>
+                </a:solidFill>
+                <a:cs typeface="+mn-lt"/>
+                <a:sym typeface="+mn-ea"/>
+              </a:rPr>
+              <a:t>datos MS</a:t>
+            </a:r>
+            <a:endParaRPr lang="es-ES_tradnl" altLang="en-US" sz="1200">
+              <a:solidFill>
+                <a:schemeClr val="tx1"/>
+              </a:solidFill>
+              <a:cs typeface="+mn-lt"/>
+              <a:sym typeface="+mn-ea"/>
+            </a:endParaRPr>
+          </a:p>
+        </p:txBody>
+      </p:sp>
+      <p:cxnSp>
+        <p:nvCxnSpPr>
+          <p:cNvPr id="11" name="Straight Arrow Connector 10"/>
+          <p:cNvCxnSpPr/>
+          <p:nvPr/>
+        </p:nvCxnSpPr>
+        <p:spPr>
+          <a:xfrm>
+            <a:off x="1607185" y="2065655"/>
+            <a:ext cx="371475" cy="3175"/>
+          </a:xfrm>
+          <a:prstGeom prst="straightConnector1">
+            <a:avLst/>
+          </a:prstGeom>
+          <a:ln w="12700" cmpd="sng">
+            <a:solidFill>
+              <a:schemeClr val="tx1"/>
+            </a:solidFill>
+            <a:prstDash val="solid"/>
+            <a:tailEnd type="arrow"/>
+          </a:ln>
+        </p:spPr>
+        <p:style>
+          <a:lnRef idx="1">
+            <a:schemeClr val="accent1"/>
+          </a:lnRef>
+          <a:fillRef idx="0">
+            <a:schemeClr val="accent1"/>
+          </a:fillRef>
+          <a:effectRef idx="0">
+            <a:schemeClr val="accent1"/>
+          </a:effectRef>
+          <a:fontRef idx="minor">
+            <a:schemeClr val="tx1"/>
+          </a:fontRef>
+        </p:style>
+      </p:cxnSp>
+      <p:cxnSp>
+        <p:nvCxnSpPr>
+          <p:cNvPr id="12" name="Straight Arrow Connector 11"/>
+          <p:cNvCxnSpPr/>
+          <p:nvPr/>
+        </p:nvCxnSpPr>
+        <p:spPr>
+          <a:xfrm>
+            <a:off x="4611370" y="2112010"/>
+            <a:ext cx="842645" cy="6350"/>
+          </a:xfrm>
+          <a:prstGeom prst="straightConnector1">
+            <a:avLst/>
+          </a:prstGeom>
+          <a:ln w="12700" cmpd="sng">
+            <a:solidFill>
+              <a:schemeClr val="tx1"/>
+            </a:solidFill>
+            <a:prstDash val="solid"/>
+            <a:tailEnd type="arrow"/>
+          </a:ln>
+        </p:spPr>
+        <p:style>
+          <a:lnRef idx="1">
+            <a:schemeClr val="accent1"/>
+          </a:lnRef>
+          <a:fillRef idx="0">
+            <a:schemeClr val="accent1"/>
+          </a:fillRef>
+          <a:effectRef idx="0">
+            <a:schemeClr val="accent1"/>
+          </a:effectRef>
+          <a:fontRef idx="minor">
+            <a:schemeClr val="tx1"/>
+          </a:fontRef>
+        </p:style>
+      </p:cxnSp>
+      <p:sp>
+        <p:nvSpPr>
+          <p:cNvPr id="15" name="Text Box 14"/>
+          <p:cNvSpPr txBox="1"/>
+          <p:nvPr/>
+        </p:nvSpPr>
+        <p:spPr>
+          <a:xfrm>
+            <a:off x="4476750" y="1608455"/>
+            <a:ext cx="1130300" cy="460375"/>
+          </a:xfrm>
+          <a:prstGeom prst="rect">
+            <a:avLst/>
+          </a:prstGeom>
+          <a:noFill/>
+        </p:spPr>
+        <p:txBody>
+          <a:bodyPr wrap="none" rtlCol="0" anchor="t">
+            <a:spAutoFit/>
+          </a:bodyPr>
+          <a:p>
+            <a:pPr algn="ctr"/>
+            <a:r>
+              <a:rPr lang="es-ES_tradnl" altLang="en-US" sz="1200">
+                <a:solidFill>
+                  <a:schemeClr val="tx1"/>
+                </a:solidFill>
+                <a:cs typeface="+mn-lt"/>
+                <a:sym typeface="+mn-ea"/>
+              </a:rPr>
+              <a:t>Neoantígenos</a:t>
+            </a:r>
+            <a:endParaRPr lang="es-ES_tradnl" altLang="en-US" sz="1200">
+              <a:solidFill>
+                <a:schemeClr val="tx1"/>
+              </a:solidFill>
+              <a:cs typeface="+mn-lt"/>
+              <a:sym typeface="+mn-ea"/>
+            </a:endParaRPr>
+          </a:p>
+          <a:p>
+            <a:pPr algn="ctr"/>
+            <a:r>
+              <a:rPr lang="es-ES_tradnl" altLang="en-US" sz="1200">
+                <a:solidFill>
+                  <a:schemeClr val="tx1"/>
+                </a:solidFill>
+                <a:cs typeface="+mn-lt"/>
+                <a:sym typeface="+mn-ea"/>
+              </a:rPr>
+              <a:t>candidatos</a:t>
+            </a:r>
+            <a:endParaRPr lang="es-ES_tradnl" altLang="en-US" sz="1200">
+              <a:solidFill>
+                <a:schemeClr val="tx1"/>
+              </a:solidFill>
+              <a:cs typeface="+mn-lt"/>
+              <a:sym typeface="+mn-ea"/>
+            </a:endParaRPr>
+          </a:p>
+        </p:txBody>
+      </p:sp>
+      <p:sp>
+        <p:nvSpPr>
+          <p:cNvPr id="19" name="Text Box 18"/>
+          <p:cNvSpPr txBox="1"/>
+          <p:nvPr/>
+        </p:nvSpPr>
+        <p:spPr>
+          <a:xfrm>
+            <a:off x="8388350" y="1945640"/>
+            <a:ext cx="1130300" cy="275590"/>
+          </a:xfrm>
+          <a:prstGeom prst="rect">
+            <a:avLst/>
+          </a:prstGeom>
+          <a:noFill/>
+        </p:spPr>
+        <p:txBody>
+          <a:bodyPr wrap="none" rtlCol="0" anchor="t">
+            <a:spAutoFit/>
+          </a:bodyPr>
+          <a:p>
+            <a:pPr algn="ctr"/>
+            <a:r>
+              <a:rPr lang="es-ES_tradnl" altLang="en-US" sz="1200">
+                <a:solidFill>
+                  <a:schemeClr val="tx1"/>
+                </a:solidFill>
+                <a:cs typeface="+mn-lt"/>
+                <a:sym typeface="+mn-ea"/>
+              </a:rPr>
+              <a:t>Neoantígenos</a:t>
+            </a:r>
+            <a:endParaRPr lang="es-ES_tradnl" altLang="en-US" sz="1200">
+              <a:solidFill>
+                <a:schemeClr val="tx1"/>
+              </a:solidFill>
+              <a:cs typeface="+mn-lt"/>
+              <a:sym typeface="+mn-ea"/>
+            </a:endParaRPr>
+          </a:p>
+        </p:txBody>
+      </p:sp>
+      <p:cxnSp>
+        <p:nvCxnSpPr>
+          <p:cNvPr id="20" name="Straight Arrow Connector 19"/>
+          <p:cNvCxnSpPr/>
+          <p:nvPr/>
+        </p:nvCxnSpPr>
+        <p:spPr>
+          <a:xfrm>
+            <a:off x="8084185" y="2105660"/>
+            <a:ext cx="336550" cy="5715"/>
+          </a:xfrm>
+          <a:prstGeom prst="straightConnector1">
+            <a:avLst/>
+          </a:prstGeom>
+          <a:ln w="12700" cmpd="sng">
+            <a:solidFill>
+              <a:schemeClr val="tx1"/>
+            </a:solidFill>
+            <a:prstDash val="solid"/>
+            <a:tailEnd type="arrow"/>
+          </a:ln>
+        </p:spPr>
+        <p:style>
+          <a:lnRef idx="1">
+            <a:schemeClr val="accent1"/>
+          </a:lnRef>
+          <a:fillRef idx="0">
+            <a:schemeClr val="accent1"/>
+          </a:fillRef>
+          <a:effectRef idx="0">
+            <a:schemeClr val="accent1"/>
+          </a:effectRef>
+          <a:fontRef idx="minor">
+            <a:schemeClr val="tx1"/>
+          </a:fontRef>
+        </p:style>
+      </p:cxnSp>
     </p:spTree>
   </p:cSld>
   <p:clrMapOvr>
@@ -10871,7 +11608,7 @@
       </p:grpSpPr>
       <p:pic>
         <p:nvPicPr>
-          <p:cNvPr id="3" name="Picture 2" descr="gradientst6-epoch0"/>
+          <p:cNvPr id="2" name="Picture 1" descr="training_train_1train_2_train_3_"/>
           <p:cNvPicPr>
             <a:picLocks noChangeAspect="1"/>
           </p:cNvPicPr>
@@ -10879,15 +11616,14 @@
         </p:nvPicPr>
         <p:blipFill>
           <a:blip r:embed="rId1"/>
-          <a:srcRect l="2000"/>
           <a:stretch>
             <a:fillRect/>
           </a:stretch>
         </p:blipFill>
         <p:spPr>
           <a:xfrm>
-            <a:off x="553085" y="1724660"/>
-            <a:ext cx="11649075" cy="3094990"/>
+            <a:off x="379730" y="882015"/>
+            <a:ext cx="5486400" cy="3657600"/>
           </a:xfrm>
           <a:prstGeom prst="rect">
             <a:avLst/>
@@ -10896,7 +11632,7 @@
       </p:pic>
       <p:pic>
         <p:nvPicPr>
-          <p:cNvPr id="9" name="Picture 8"/>
+          <p:cNvPr id="4" name="Picture 3" descr="training_train_7train_8_train_9_"/>
           <p:cNvPicPr>
             <a:picLocks noChangeAspect="1"/>
           </p:cNvPicPr>
@@ -10910,373 +11646,14 @@
         </p:blipFill>
         <p:spPr>
           <a:xfrm>
-            <a:off x="286385" y="4035425"/>
-            <a:ext cx="251460" cy="138430"/>
+            <a:off x="5794375" y="882015"/>
+            <a:ext cx="5486400" cy="3657600"/>
           </a:xfrm>
           <a:prstGeom prst="rect">
             <a:avLst/>
           </a:prstGeom>
         </p:spPr>
       </p:pic>
-      <p:pic>
-        <p:nvPicPr>
-          <p:cNvPr id="10" name="Picture 9"/>
-          <p:cNvPicPr>
-            <a:picLocks noChangeAspect="1"/>
-          </p:cNvPicPr>
-          <p:nvPr/>
-        </p:nvPicPr>
-        <p:blipFill>
-          <a:blip r:embed="rId3"/>
-          <a:stretch>
-            <a:fillRect/>
-          </a:stretch>
-        </p:blipFill>
-        <p:spPr>
-          <a:xfrm>
-            <a:off x="275590" y="4626610"/>
-            <a:ext cx="273685" cy="150495"/>
-          </a:xfrm>
-          <a:prstGeom prst="rect">
-            <a:avLst/>
-          </a:prstGeom>
-        </p:spPr>
-      </p:pic>
-      <p:pic>
-        <p:nvPicPr>
-          <p:cNvPr id="12" name="Picture 11"/>
-          <p:cNvPicPr>
-            <a:picLocks noChangeAspect="1"/>
-          </p:cNvPicPr>
-          <p:nvPr/>
-        </p:nvPicPr>
-        <p:blipFill>
-          <a:blip r:embed="rId4"/>
-          <a:stretch>
-            <a:fillRect/>
-          </a:stretch>
-        </p:blipFill>
-        <p:spPr>
-          <a:xfrm>
-            <a:off x="372110" y="2085975"/>
-            <a:ext cx="186690" cy="140335"/>
-          </a:xfrm>
-          <a:prstGeom prst="rect">
-            <a:avLst/>
-          </a:prstGeom>
-        </p:spPr>
-      </p:pic>
-      <p:pic>
-        <p:nvPicPr>
-          <p:cNvPr id="13" name="Picture 12"/>
-          <p:cNvPicPr>
-            <a:picLocks noChangeAspect="1"/>
-          </p:cNvPicPr>
-          <p:nvPr/>
-        </p:nvPicPr>
-        <p:blipFill>
-          <a:blip r:embed="rId5"/>
-          <a:stretch>
-            <a:fillRect/>
-          </a:stretch>
-        </p:blipFill>
-        <p:spPr>
-          <a:xfrm>
-            <a:off x="292100" y="2731770"/>
-            <a:ext cx="267970" cy="147320"/>
-          </a:xfrm>
-          <a:prstGeom prst="rect">
-            <a:avLst/>
-          </a:prstGeom>
-        </p:spPr>
-      </p:pic>
-      <p:pic>
-        <p:nvPicPr>
-          <p:cNvPr id="14" name="Picture 13"/>
-          <p:cNvPicPr>
-            <a:picLocks noChangeAspect="1"/>
-          </p:cNvPicPr>
-          <p:nvPr/>
-        </p:nvPicPr>
-        <p:blipFill>
-          <a:blip r:embed="rId6"/>
-          <a:stretch>
-            <a:fillRect/>
-          </a:stretch>
-        </p:blipFill>
-        <p:spPr>
-          <a:xfrm>
-            <a:off x="292100" y="3394075"/>
-            <a:ext cx="266700" cy="146685"/>
-          </a:xfrm>
-          <a:prstGeom prst="rect">
-            <a:avLst/>
-          </a:prstGeom>
-        </p:spPr>
-      </p:pic>
-      <p:sp>
-        <p:nvSpPr>
-          <p:cNvPr id="17" name="Text Box 16"/>
-          <p:cNvSpPr txBox="1"/>
-          <p:nvPr/>
-        </p:nvSpPr>
-        <p:spPr>
-          <a:xfrm rot="16200000">
-            <a:off x="-495935" y="3382645"/>
-            <a:ext cx="1315720" cy="275590"/>
-          </a:xfrm>
-          <a:prstGeom prst="rect">
-            <a:avLst/>
-          </a:prstGeom>
-          <a:noFill/>
-        </p:spPr>
-        <p:txBody>
-          <a:bodyPr wrap="square" rtlCol="0">
-            <a:spAutoFit/>
-          </a:bodyPr>
-          <a:p>
-            <a:pPr lvl="1"/>
-            <a:r>
-              <a:rPr lang="es-ES_tradnl" altLang="en-US" sz="1200"/>
-              <a:t>Gradient</a:t>
-            </a:r>
-            <a:endParaRPr lang="es-ES_tradnl" altLang="en-US" sz="1200"/>
-          </a:p>
-        </p:txBody>
-      </p:sp>
-      <p:sp>
-        <p:nvSpPr>
-          <p:cNvPr id="18" name="Rectangles 17"/>
-          <p:cNvSpPr/>
-          <p:nvPr/>
-        </p:nvSpPr>
-        <p:spPr>
-          <a:xfrm>
-            <a:off x="10514330" y="1765300"/>
-            <a:ext cx="1615440" cy="558165"/>
-          </a:xfrm>
-          <a:prstGeom prst="rect">
-            <a:avLst/>
-          </a:prstGeom>
-          <a:solidFill>
-            <a:schemeClr val="bg1"/>
-          </a:solidFill>
-          <a:ln>
-            <a:noFill/>
-          </a:ln>
-        </p:spPr>
-        <p:style>
-          <a:lnRef idx="2">
-            <a:schemeClr val="accent1">
-              <a:shade val="50000"/>
-            </a:schemeClr>
-          </a:lnRef>
-          <a:fillRef idx="1">
-            <a:schemeClr val="accent1"/>
-          </a:fillRef>
-          <a:effectRef idx="0">
-            <a:schemeClr val="accent1"/>
-          </a:effectRef>
-          <a:fontRef idx="minor">
-            <a:schemeClr val="lt1"/>
-          </a:fontRef>
-        </p:style>
-        <p:txBody>
-          <a:bodyPr rtlCol="0" anchor="ctr"/>
-          <a:p>
-            <a:pPr algn="ctr"/>
-            <a:endParaRPr lang="en-US"/>
-          </a:p>
-        </p:txBody>
-      </p:sp>
-      <p:sp>
-        <p:nvSpPr>
-          <p:cNvPr id="19" name="Text Box 18"/>
-          <p:cNvSpPr txBox="1"/>
-          <p:nvPr/>
-        </p:nvSpPr>
-        <p:spPr>
-          <a:xfrm>
-            <a:off x="10563225" y="1788795"/>
-            <a:ext cx="1583690" cy="429895"/>
-          </a:xfrm>
-          <a:prstGeom prst="rect">
-            <a:avLst/>
-          </a:prstGeom>
-          <a:noFill/>
-        </p:spPr>
-        <p:txBody>
-          <a:bodyPr wrap="square" rtlCol="0">
-            <a:spAutoFit/>
-          </a:bodyPr>
-          <a:p>
-            <a:pPr lvl="1"/>
-            <a:r>
-              <a:rPr lang="es-ES_tradnl" altLang="en-US" sz="1100"/>
-              <a:t>max-gradient</a:t>
-            </a:r>
-            <a:endParaRPr lang="es-ES_tradnl" altLang="en-US" sz="1100"/>
-          </a:p>
-          <a:p>
-            <a:pPr lvl="1"/>
-            <a:r>
-              <a:rPr lang="es-ES_tradnl" altLang="en-US" sz="1100"/>
-              <a:t>mean-gradient</a:t>
-            </a:r>
-            <a:endParaRPr lang="es-ES_tradnl" altLang="en-US" sz="1100"/>
-          </a:p>
-        </p:txBody>
-      </p:sp>
-      <p:sp>
-        <p:nvSpPr>
-          <p:cNvPr id="21" name="Rectangles 20"/>
-          <p:cNvSpPr/>
-          <p:nvPr/>
-        </p:nvSpPr>
-        <p:spPr>
-          <a:xfrm>
-            <a:off x="10514330" y="1861820"/>
-            <a:ext cx="558800" cy="121920"/>
-          </a:xfrm>
-          <a:prstGeom prst="rect">
-            <a:avLst/>
-          </a:prstGeom>
-          <a:solidFill>
-            <a:srgbClr val="B0D3D3"/>
-          </a:solidFill>
-          <a:ln>
-            <a:noFill/>
-          </a:ln>
-        </p:spPr>
-        <p:style>
-          <a:lnRef idx="2">
-            <a:schemeClr val="accent1">
-              <a:shade val="50000"/>
-            </a:schemeClr>
-          </a:lnRef>
-          <a:fillRef idx="1">
-            <a:schemeClr val="accent1"/>
-          </a:fillRef>
-          <a:effectRef idx="0">
-            <a:schemeClr val="accent1"/>
-          </a:effectRef>
-          <a:fontRef idx="minor">
-            <a:schemeClr val="lt1"/>
-          </a:fontRef>
-        </p:style>
-        <p:txBody>
-          <a:bodyPr rtlCol="0" anchor="ctr"/>
-          <a:p>
-            <a:pPr algn="ctr"/>
-            <a:endParaRPr lang="en-US"/>
-          </a:p>
-        </p:txBody>
-      </p:sp>
-      <p:sp>
-        <p:nvSpPr>
-          <p:cNvPr id="22" name="Rectangles 21"/>
-          <p:cNvSpPr/>
-          <p:nvPr/>
-        </p:nvSpPr>
-        <p:spPr>
-          <a:xfrm>
-            <a:off x="10514330" y="2014220"/>
-            <a:ext cx="558165" cy="121920"/>
-          </a:xfrm>
-          <a:prstGeom prst="rect">
-            <a:avLst/>
-          </a:prstGeom>
-          <a:solidFill>
-            <a:srgbClr val="85A5E2"/>
-          </a:solidFill>
-          <a:ln>
-            <a:noFill/>
-          </a:ln>
-        </p:spPr>
-        <p:style>
-          <a:lnRef idx="2">
-            <a:schemeClr val="accent1">
-              <a:shade val="50000"/>
-            </a:schemeClr>
-          </a:lnRef>
-          <a:fillRef idx="1">
-            <a:schemeClr val="accent1"/>
-          </a:fillRef>
-          <a:effectRef idx="0">
-            <a:schemeClr val="accent1"/>
-          </a:effectRef>
-          <a:fontRef idx="minor">
-            <a:schemeClr val="lt1"/>
-          </a:fontRef>
-        </p:style>
-        <p:txBody>
-          <a:bodyPr rtlCol="0" anchor="ctr"/>
-          <a:p>
-            <a:pPr algn="ctr"/>
-            <a:endParaRPr lang="en-US"/>
-          </a:p>
-        </p:txBody>
-      </p:sp>
-      <p:sp>
-        <p:nvSpPr>
-          <p:cNvPr id="25" name="Text Box 24"/>
-          <p:cNvSpPr txBox="1"/>
-          <p:nvPr/>
-        </p:nvSpPr>
-        <p:spPr>
-          <a:xfrm>
-            <a:off x="5346065" y="4743450"/>
-            <a:ext cx="1315720" cy="275590"/>
-          </a:xfrm>
-          <a:prstGeom prst="rect">
-            <a:avLst/>
-          </a:prstGeom>
-          <a:noFill/>
-        </p:spPr>
-        <p:txBody>
-          <a:bodyPr wrap="square" rtlCol="0">
-            <a:spAutoFit/>
-          </a:bodyPr>
-          <a:p>
-            <a:pPr lvl="1"/>
-            <a:r>
-              <a:rPr lang="es-ES_tradnl" altLang="en-US" sz="1200"/>
-              <a:t>Layers</a:t>
-            </a:r>
-            <a:endParaRPr lang="es-ES_tradnl" altLang="en-US" sz="1200"/>
-          </a:p>
-        </p:txBody>
-      </p:sp>
-      <p:sp>
-        <p:nvSpPr>
-          <p:cNvPr id="26" name="Text Box 25"/>
-          <p:cNvSpPr txBox="1"/>
-          <p:nvPr/>
-        </p:nvSpPr>
-        <p:spPr>
-          <a:xfrm>
-            <a:off x="5295265" y="1040130"/>
-            <a:ext cx="1315720" cy="275590"/>
-          </a:xfrm>
-          <a:prstGeom prst="rect">
-            <a:avLst/>
-          </a:prstGeom>
-          <a:noFill/>
-        </p:spPr>
-        <p:txBody>
-          <a:bodyPr wrap="square" rtlCol="0">
-            <a:spAutoFit/>
-          </a:bodyPr>
-          <a:p>
-            <a:pPr lvl="1"/>
-            <a:r>
-              <a:rPr lang="es-ES_tradnl" altLang="en-US" sz="1200"/>
-              <a:t>Epoch0</a:t>
-            </a:r>
-            <a:endParaRPr lang="es-ES_tradnl" altLang="en-US" sz="1200"/>
-          </a:p>
-        </p:txBody>
-      </p:sp>
     </p:spTree>
   </p:cSld>
   <p:clrMapOvr>
@@ -11895,7 +12272,7 @@
       </p:grpSpPr>
       <p:pic>
         <p:nvPicPr>
-          <p:cNvPr id="4" name="Picture 3" descr="gradientst6-epoch3"/>
+          <p:cNvPr id="3" name="Picture 2" descr="gradientst6-epoch0"/>
           <p:cNvPicPr>
             <a:picLocks noChangeAspect="1"/>
           </p:cNvPicPr>
@@ -11903,15 +12280,15 @@
         </p:nvPicPr>
         <p:blipFill>
           <a:blip r:embed="rId1"/>
-          <a:srcRect l="2016"/>
+          <a:srcRect l="2000"/>
           <a:stretch>
             <a:fillRect/>
           </a:stretch>
         </p:blipFill>
         <p:spPr>
           <a:xfrm>
-            <a:off x="589280" y="1715770"/>
-            <a:ext cx="11610340" cy="3079115"/>
+            <a:off x="553085" y="1724660"/>
+            <a:ext cx="11649075" cy="3094990"/>
           </a:xfrm>
           <a:prstGeom prst="rect">
             <a:avLst/>
@@ -12295,7 +12672,7 @@
             <a:pPr lvl="1"/>
             <a:r>
               <a:rPr lang="es-ES_tradnl" altLang="en-US" sz="1200"/>
-              <a:t>Epoch3</a:t>
+              <a:t>Epoch0</a:t>
             </a:r>
             <a:endParaRPr lang="es-ES_tradnl" altLang="en-US" sz="1200"/>
           </a:p>
@@ -12328,7 +12705,7 @@
       </p:grpSpPr>
       <p:pic>
         <p:nvPicPr>
-          <p:cNvPr id="2" name="Picture 1" descr="gradientst30-epoch0"/>
+          <p:cNvPr id="4" name="Picture 3" descr="gradientst6-epoch3"/>
           <p:cNvPicPr>
             <a:picLocks noChangeAspect="1"/>
           </p:cNvPicPr>
@@ -12336,15 +12713,15 @@
         </p:nvPicPr>
         <p:blipFill>
           <a:blip r:embed="rId1"/>
-          <a:srcRect l="2000"/>
+          <a:srcRect l="2016"/>
           <a:stretch>
             <a:fillRect/>
           </a:stretch>
         </p:blipFill>
         <p:spPr>
           <a:xfrm>
-            <a:off x="560070" y="1699260"/>
-            <a:ext cx="11631930" cy="3077845"/>
+            <a:off x="589280" y="1715770"/>
+            <a:ext cx="11610340" cy="3079115"/>
           </a:xfrm>
           <a:prstGeom prst="rect">
             <a:avLst/>
@@ -12728,7 +13105,7 @@
             <a:pPr lvl="1"/>
             <a:r>
               <a:rPr lang="es-ES_tradnl" altLang="en-US" sz="1200"/>
-              <a:t>Epoch0</a:t>
+              <a:t>Epoch3</a:t>
             </a:r>
             <a:endParaRPr lang="es-ES_tradnl" altLang="en-US" sz="1200"/>
           </a:p>
@@ -12761,7 +13138,7 @@
       </p:grpSpPr>
       <p:pic>
         <p:nvPicPr>
-          <p:cNvPr id="3" name="Picture 2" descr="gradientst30-epoch3"/>
+          <p:cNvPr id="2" name="Picture 1" descr="gradientst30-epoch0"/>
           <p:cNvPicPr>
             <a:picLocks noChangeAspect="1"/>
           </p:cNvPicPr>
@@ -12769,15 +13146,15 @@
         </p:nvPicPr>
         <p:blipFill>
           <a:blip r:embed="rId1"/>
-          <a:srcRect l="2042"/>
+          <a:srcRect l="2000"/>
           <a:stretch>
             <a:fillRect/>
           </a:stretch>
         </p:blipFill>
         <p:spPr>
           <a:xfrm>
-            <a:off x="566420" y="1729105"/>
-            <a:ext cx="11622405" cy="3065145"/>
+            <a:off x="560070" y="1699260"/>
+            <a:ext cx="11631930" cy="3077845"/>
           </a:xfrm>
           <a:prstGeom prst="rect">
             <a:avLst/>
@@ -13161,7 +13538,7 @@
             <a:pPr lvl="1"/>
             <a:r>
               <a:rPr lang="es-ES_tradnl" altLang="en-US" sz="1200"/>
-              <a:t>Epoch3</a:t>
+              <a:t>Epoch0</a:t>
             </a:r>
             <a:endParaRPr lang="es-ES_tradnl" altLang="en-US" sz="1200"/>
           </a:p>
@@ -13192,39 +13569,9 @@
           <a:chExt cx="0" cy="0"/>
         </a:xfrm>
       </p:grpSpPr>
-      <p:sp>
-        <p:nvSpPr>
-          <p:cNvPr id="17" name="Text Box 16"/>
-          <p:cNvSpPr txBox="1"/>
-          <p:nvPr/>
-        </p:nvSpPr>
-        <p:spPr>
-          <a:xfrm rot="16200000">
-            <a:off x="-495935" y="3382645"/>
-            <a:ext cx="1315720" cy="275590"/>
-          </a:xfrm>
-          <a:prstGeom prst="rect">
-            <a:avLst/>
-          </a:prstGeom>
-          <a:noFill/>
-        </p:spPr>
-        <p:txBody>
-          <a:bodyPr wrap="square" rtlCol="0">
-            <a:spAutoFit/>
-          </a:bodyPr>
-          <a:p>
-            <a:pPr lvl="1"/>
-            <a:r>
-              <a:rPr lang="es-ES_tradnl" altLang="en-US" sz="1200"/>
-              <a:t>Gradient</a:t>
-            </a:r>
-            <a:endParaRPr lang="es-ES_tradnl" altLang="en-US" sz="1200"/>
-          </a:p>
-        </p:txBody>
-      </p:sp>
       <p:pic>
         <p:nvPicPr>
-          <p:cNvPr id="2" name="Picture 1" descr="Picture2-removebg-preview"/>
+          <p:cNvPr id="3" name="Picture 2" descr="gradientst30-epoch3"/>
           <p:cNvPicPr>
             <a:picLocks noChangeAspect="1"/>
           </p:cNvPicPr>
@@ -13232,20 +13579,404 @@
         </p:nvPicPr>
         <p:blipFill>
           <a:blip r:embed="rId1"/>
+          <a:srcRect l="2042"/>
           <a:stretch>
             <a:fillRect/>
           </a:stretch>
         </p:blipFill>
         <p:spPr>
           <a:xfrm>
-            <a:off x="2539365" y="1869440"/>
-            <a:ext cx="3121660" cy="2432685"/>
+            <a:off x="566420" y="1729105"/>
+            <a:ext cx="11622405" cy="3065145"/>
           </a:xfrm>
           <a:prstGeom prst="rect">
             <a:avLst/>
           </a:prstGeom>
         </p:spPr>
       </p:pic>
+      <p:pic>
+        <p:nvPicPr>
+          <p:cNvPr id="9" name="Picture 8"/>
+          <p:cNvPicPr>
+            <a:picLocks noChangeAspect="1"/>
+          </p:cNvPicPr>
+          <p:nvPr/>
+        </p:nvPicPr>
+        <p:blipFill>
+          <a:blip r:embed="rId2"/>
+          <a:stretch>
+            <a:fillRect/>
+          </a:stretch>
+        </p:blipFill>
+        <p:spPr>
+          <a:xfrm>
+            <a:off x="286385" y="4035425"/>
+            <a:ext cx="251460" cy="138430"/>
+          </a:xfrm>
+          <a:prstGeom prst="rect">
+            <a:avLst/>
+          </a:prstGeom>
+        </p:spPr>
+      </p:pic>
+      <p:pic>
+        <p:nvPicPr>
+          <p:cNvPr id="10" name="Picture 9"/>
+          <p:cNvPicPr>
+            <a:picLocks noChangeAspect="1"/>
+          </p:cNvPicPr>
+          <p:nvPr/>
+        </p:nvPicPr>
+        <p:blipFill>
+          <a:blip r:embed="rId3"/>
+          <a:stretch>
+            <a:fillRect/>
+          </a:stretch>
+        </p:blipFill>
+        <p:spPr>
+          <a:xfrm>
+            <a:off x="275590" y="4626610"/>
+            <a:ext cx="273685" cy="150495"/>
+          </a:xfrm>
+          <a:prstGeom prst="rect">
+            <a:avLst/>
+          </a:prstGeom>
+        </p:spPr>
+      </p:pic>
+      <p:pic>
+        <p:nvPicPr>
+          <p:cNvPr id="12" name="Picture 11"/>
+          <p:cNvPicPr>
+            <a:picLocks noChangeAspect="1"/>
+          </p:cNvPicPr>
+          <p:nvPr/>
+        </p:nvPicPr>
+        <p:blipFill>
+          <a:blip r:embed="rId4"/>
+          <a:stretch>
+            <a:fillRect/>
+          </a:stretch>
+        </p:blipFill>
+        <p:spPr>
+          <a:xfrm>
+            <a:off x="372110" y="2085975"/>
+            <a:ext cx="186690" cy="140335"/>
+          </a:xfrm>
+          <a:prstGeom prst="rect">
+            <a:avLst/>
+          </a:prstGeom>
+        </p:spPr>
+      </p:pic>
+      <p:pic>
+        <p:nvPicPr>
+          <p:cNvPr id="13" name="Picture 12"/>
+          <p:cNvPicPr>
+            <a:picLocks noChangeAspect="1"/>
+          </p:cNvPicPr>
+          <p:nvPr/>
+        </p:nvPicPr>
+        <p:blipFill>
+          <a:blip r:embed="rId5"/>
+          <a:stretch>
+            <a:fillRect/>
+          </a:stretch>
+        </p:blipFill>
+        <p:spPr>
+          <a:xfrm>
+            <a:off x="292100" y="2731770"/>
+            <a:ext cx="267970" cy="147320"/>
+          </a:xfrm>
+          <a:prstGeom prst="rect">
+            <a:avLst/>
+          </a:prstGeom>
+        </p:spPr>
+      </p:pic>
+      <p:pic>
+        <p:nvPicPr>
+          <p:cNvPr id="14" name="Picture 13"/>
+          <p:cNvPicPr>
+            <a:picLocks noChangeAspect="1"/>
+          </p:cNvPicPr>
+          <p:nvPr/>
+        </p:nvPicPr>
+        <p:blipFill>
+          <a:blip r:embed="rId6"/>
+          <a:stretch>
+            <a:fillRect/>
+          </a:stretch>
+        </p:blipFill>
+        <p:spPr>
+          <a:xfrm>
+            <a:off x="292100" y="3394075"/>
+            <a:ext cx="266700" cy="146685"/>
+          </a:xfrm>
+          <a:prstGeom prst="rect">
+            <a:avLst/>
+          </a:prstGeom>
+        </p:spPr>
+      </p:pic>
+      <p:sp>
+        <p:nvSpPr>
+          <p:cNvPr id="17" name="Text Box 16"/>
+          <p:cNvSpPr txBox="1"/>
+          <p:nvPr/>
+        </p:nvSpPr>
+        <p:spPr>
+          <a:xfrm rot="16200000">
+            <a:off x="-495935" y="3382645"/>
+            <a:ext cx="1315720" cy="275590"/>
+          </a:xfrm>
+          <a:prstGeom prst="rect">
+            <a:avLst/>
+          </a:prstGeom>
+          <a:noFill/>
+        </p:spPr>
+        <p:txBody>
+          <a:bodyPr wrap="square" rtlCol="0">
+            <a:spAutoFit/>
+          </a:bodyPr>
+          <a:p>
+            <a:pPr lvl="1"/>
+            <a:r>
+              <a:rPr lang="es-ES_tradnl" altLang="en-US" sz="1200"/>
+              <a:t>Gradient</a:t>
+            </a:r>
+            <a:endParaRPr lang="es-ES_tradnl" altLang="en-US" sz="1200"/>
+          </a:p>
+        </p:txBody>
+      </p:sp>
+      <p:sp>
+        <p:nvSpPr>
+          <p:cNvPr id="18" name="Rectangles 17"/>
+          <p:cNvSpPr/>
+          <p:nvPr/>
+        </p:nvSpPr>
+        <p:spPr>
+          <a:xfrm>
+            <a:off x="10514330" y="1765300"/>
+            <a:ext cx="1615440" cy="558165"/>
+          </a:xfrm>
+          <a:prstGeom prst="rect">
+            <a:avLst/>
+          </a:prstGeom>
+          <a:solidFill>
+            <a:schemeClr val="bg1"/>
+          </a:solidFill>
+          <a:ln>
+            <a:noFill/>
+          </a:ln>
+        </p:spPr>
+        <p:style>
+          <a:lnRef idx="2">
+            <a:schemeClr val="accent1">
+              <a:shade val="50000"/>
+            </a:schemeClr>
+          </a:lnRef>
+          <a:fillRef idx="1">
+            <a:schemeClr val="accent1"/>
+          </a:fillRef>
+          <a:effectRef idx="0">
+            <a:schemeClr val="accent1"/>
+          </a:effectRef>
+          <a:fontRef idx="minor">
+            <a:schemeClr val="lt1"/>
+          </a:fontRef>
+        </p:style>
+        <p:txBody>
+          <a:bodyPr rtlCol="0" anchor="ctr"/>
+          <a:p>
+            <a:pPr algn="ctr"/>
+            <a:endParaRPr lang="en-US"/>
+          </a:p>
+        </p:txBody>
+      </p:sp>
+      <p:sp>
+        <p:nvSpPr>
+          <p:cNvPr id="19" name="Text Box 18"/>
+          <p:cNvSpPr txBox="1"/>
+          <p:nvPr/>
+        </p:nvSpPr>
+        <p:spPr>
+          <a:xfrm>
+            <a:off x="10563225" y="1788795"/>
+            <a:ext cx="1583690" cy="429895"/>
+          </a:xfrm>
+          <a:prstGeom prst="rect">
+            <a:avLst/>
+          </a:prstGeom>
+          <a:noFill/>
+        </p:spPr>
+        <p:txBody>
+          <a:bodyPr wrap="square" rtlCol="0">
+            <a:spAutoFit/>
+          </a:bodyPr>
+          <a:p>
+            <a:pPr lvl="1"/>
+            <a:r>
+              <a:rPr lang="es-ES_tradnl" altLang="en-US" sz="1100"/>
+              <a:t>max-gradient</a:t>
+            </a:r>
+            <a:endParaRPr lang="es-ES_tradnl" altLang="en-US" sz="1100"/>
+          </a:p>
+          <a:p>
+            <a:pPr lvl="1"/>
+            <a:r>
+              <a:rPr lang="es-ES_tradnl" altLang="en-US" sz="1100"/>
+              <a:t>mean-gradient</a:t>
+            </a:r>
+            <a:endParaRPr lang="es-ES_tradnl" altLang="en-US" sz="1100"/>
+          </a:p>
+        </p:txBody>
+      </p:sp>
+      <p:sp>
+        <p:nvSpPr>
+          <p:cNvPr id="21" name="Rectangles 20"/>
+          <p:cNvSpPr/>
+          <p:nvPr/>
+        </p:nvSpPr>
+        <p:spPr>
+          <a:xfrm>
+            <a:off x="10514330" y="1861820"/>
+            <a:ext cx="558800" cy="121920"/>
+          </a:xfrm>
+          <a:prstGeom prst="rect">
+            <a:avLst/>
+          </a:prstGeom>
+          <a:solidFill>
+            <a:srgbClr val="B0D3D3"/>
+          </a:solidFill>
+          <a:ln>
+            <a:noFill/>
+          </a:ln>
+        </p:spPr>
+        <p:style>
+          <a:lnRef idx="2">
+            <a:schemeClr val="accent1">
+              <a:shade val="50000"/>
+            </a:schemeClr>
+          </a:lnRef>
+          <a:fillRef idx="1">
+            <a:schemeClr val="accent1"/>
+          </a:fillRef>
+          <a:effectRef idx="0">
+            <a:schemeClr val="accent1"/>
+          </a:effectRef>
+          <a:fontRef idx="minor">
+            <a:schemeClr val="lt1"/>
+          </a:fontRef>
+        </p:style>
+        <p:txBody>
+          <a:bodyPr rtlCol="0" anchor="ctr"/>
+          <a:p>
+            <a:pPr algn="ctr"/>
+            <a:endParaRPr lang="en-US"/>
+          </a:p>
+        </p:txBody>
+      </p:sp>
+      <p:sp>
+        <p:nvSpPr>
+          <p:cNvPr id="22" name="Rectangles 21"/>
+          <p:cNvSpPr/>
+          <p:nvPr/>
+        </p:nvSpPr>
+        <p:spPr>
+          <a:xfrm>
+            <a:off x="10514330" y="2014220"/>
+            <a:ext cx="558165" cy="121920"/>
+          </a:xfrm>
+          <a:prstGeom prst="rect">
+            <a:avLst/>
+          </a:prstGeom>
+          <a:solidFill>
+            <a:srgbClr val="85A5E2"/>
+          </a:solidFill>
+          <a:ln>
+            <a:noFill/>
+          </a:ln>
+        </p:spPr>
+        <p:style>
+          <a:lnRef idx="2">
+            <a:schemeClr val="accent1">
+              <a:shade val="50000"/>
+            </a:schemeClr>
+          </a:lnRef>
+          <a:fillRef idx="1">
+            <a:schemeClr val="accent1"/>
+          </a:fillRef>
+          <a:effectRef idx="0">
+            <a:schemeClr val="accent1"/>
+          </a:effectRef>
+          <a:fontRef idx="minor">
+            <a:schemeClr val="lt1"/>
+          </a:fontRef>
+        </p:style>
+        <p:txBody>
+          <a:bodyPr rtlCol="0" anchor="ctr"/>
+          <a:p>
+            <a:pPr algn="ctr"/>
+            <a:endParaRPr lang="en-US"/>
+          </a:p>
+        </p:txBody>
+      </p:sp>
+      <p:sp>
+        <p:nvSpPr>
+          <p:cNvPr id="25" name="Text Box 24"/>
+          <p:cNvSpPr txBox="1"/>
+          <p:nvPr/>
+        </p:nvSpPr>
+        <p:spPr>
+          <a:xfrm>
+            <a:off x="5346065" y="4743450"/>
+            <a:ext cx="1315720" cy="275590"/>
+          </a:xfrm>
+          <a:prstGeom prst="rect">
+            <a:avLst/>
+          </a:prstGeom>
+          <a:noFill/>
+        </p:spPr>
+        <p:txBody>
+          <a:bodyPr wrap="square" rtlCol="0">
+            <a:spAutoFit/>
+          </a:bodyPr>
+          <a:p>
+            <a:pPr lvl="1"/>
+            <a:r>
+              <a:rPr lang="es-ES_tradnl" altLang="en-US" sz="1200"/>
+              <a:t>Layers</a:t>
+            </a:r>
+            <a:endParaRPr lang="es-ES_tradnl" altLang="en-US" sz="1200"/>
+          </a:p>
+        </p:txBody>
+      </p:sp>
+      <p:sp>
+        <p:nvSpPr>
+          <p:cNvPr id="26" name="Text Box 25"/>
+          <p:cNvSpPr txBox="1"/>
+          <p:nvPr/>
+        </p:nvSpPr>
+        <p:spPr>
+          <a:xfrm>
+            <a:off x="5295265" y="1040130"/>
+            <a:ext cx="1315720" cy="275590"/>
+          </a:xfrm>
+          <a:prstGeom prst="rect">
+            <a:avLst/>
+          </a:prstGeom>
+          <a:noFill/>
+        </p:spPr>
+        <p:txBody>
+          <a:bodyPr wrap="square" rtlCol="0">
+            <a:spAutoFit/>
+          </a:bodyPr>
+          <a:p>
+            <a:pPr lvl="1"/>
+            <a:r>
+              <a:rPr lang="es-ES_tradnl" altLang="en-US" sz="1200"/>
+              <a:t>Epoch3</a:t>
+            </a:r>
+            <a:endParaRPr lang="es-ES_tradnl" altLang="en-US" sz="1200"/>
+          </a:p>
+        </p:txBody>
+      </p:sp>
     </p:spTree>
   </p:cSld>
   <p:clrMapOvr>
@@ -13271,9 +14002,39 @@
           <a:chExt cx="0" cy="0"/>
         </a:xfrm>
       </p:grpSpPr>
+      <p:sp>
+        <p:nvSpPr>
+          <p:cNvPr id="17" name="Text Box 16"/>
+          <p:cNvSpPr txBox="1"/>
+          <p:nvPr/>
+        </p:nvSpPr>
+        <p:spPr>
+          <a:xfrm rot="16200000">
+            <a:off x="-495935" y="3382645"/>
+            <a:ext cx="1315720" cy="275590"/>
+          </a:xfrm>
+          <a:prstGeom prst="rect">
+            <a:avLst/>
+          </a:prstGeom>
+          <a:noFill/>
+        </p:spPr>
+        <p:txBody>
+          <a:bodyPr wrap="square" rtlCol="0">
+            <a:spAutoFit/>
+          </a:bodyPr>
+          <a:p>
+            <a:pPr lvl="1"/>
+            <a:r>
+              <a:rPr lang="es-ES_tradnl" altLang="en-US" sz="1200"/>
+              <a:t>Gradient</a:t>
+            </a:r>
+            <a:endParaRPr lang="es-ES_tradnl" altLang="en-US" sz="1200"/>
+          </a:p>
+        </p:txBody>
+      </p:sp>
       <p:pic>
         <p:nvPicPr>
-          <p:cNvPr id="7" name="Picture 6"/>
+          <p:cNvPr id="2" name="Picture 1" descr="Picture2-removebg-preview"/>
           <p:cNvPicPr>
             <a:picLocks noChangeAspect="1"/>
           </p:cNvPicPr>
@@ -13281,1393 +14042,14 @@
         </p:nvPicPr>
         <p:blipFill>
           <a:blip r:embed="rId1"/>
-          <a:srcRect l="13873" t="16667" r="20809" b="31111"/>
           <a:stretch>
             <a:fillRect/>
           </a:stretch>
         </p:blipFill>
         <p:spPr>
-          <a:xfrm flipH="1">
-            <a:off x="2190115" y="1270000"/>
-            <a:ext cx="901065" cy="1658620"/>
-          </a:xfrm>
-          <a:prstGeom prst="rect">
-            <a:avLst/>
-          </a:prstGeom>
-        </p:spPr>
-      </p:pic>
-      <p:pic>
-        <p:nvPicPr>
-          <p:cNvPr id="2" name="Picture 1"/>
-          <p:cNvPicPr>
-            <a:picLocks noChangeAspect="1"/>
-          </p:cNvPicPr>
-          <p:nvPr/>
-        </p:nvPicPr>
-        <p:blipFill>
-          <a:blip r:embed="rId2"/>
-          <a:srcRect l="21415" t="9476" r="17955" b="16459"/>
-          <a:stretch>
-            <a:fillRect/>
-          </a:stretch>
-        </p:blipFill>
-        <p:spPr>
-          <a:xfrm>
-            <a:off x="443230" y="1426845"/>
-            <a:ext cx="1235075" cy="1508760"/>
-          </a:xfrm>
-          <a:prstGeom prst="rect">
-            <a:avLst/>
-          </a:prstGeom>
-        </p:spPr>
-      </p:pic>
-      <p:pic>
-        <p:nvPicPr>
-          <p:cNvPr id="8" name="Picture 7"/>
-          <p:cNvPicPr>
-            <a:picLocks noChangeAspect="1"/>
-          </p:cNvPicPr>
-          <p:nvPr/>
-        </p:nvPicPr>
-        <p:blipFill>
-          <a:blip r:embed="rId1"/>
-          <a:srcRect l="13873" t="16667" r="20809" b="31111"/>
-          <a:stretch>
-            <a:fillRect/>
-          </a:stretch>
-        </p:blipFill>
-        <p:spPr>
-          <a:xfrm flipH="1">
-            <a:off x="3221355" y="1449705"/>
-            <a:ext cx="901700" cy="1299845"/>
-          </a:xfrm>
-          <a:prstGeom prst="rect">
-            <a:avLst/>
-          </a:prstGeom>
-        </p:spPr>
-      </p:pic>
-      <p:pic>
-        <p:nvPicPr>
-          <p:cNvPr id="11" name="Picture 10"/>
-          <p:cNvPicPr>
-            <a:picLocks noChangeAspect="1"/>
-          </p:cNvPicPr>
-          <p:nvPr/>
-        </p:nvPicPr>
-        <p:blipFill>
-          <a:blip r:embed="rId1"/>
-          <a:srcRect l="13873" t="16667" r="20809" b="31111"/>
-          <a:stretch>
-            <a:fillRect/>
-          </a:stretch>
-        </p:blipFill>
-        <p:spPr>
-          <a:xfrm flipH="1">
-            <a:off x="4253230" y="1682750"/>
-            <a:ext cx="901065" cy="833120"/>
-          </a:xfrm>
-          <a:prstGeom prst="rect">
-            <a:avLst/>
-          </a:prstGeom>
-        </p:spPr>
-      </p:pic>
-      <p:pic>
-        <p:nvPicPr>
-          <p:cNvPr id="15" name="Picture 14"/>
-          <p:cNvPicPr>
-            <a:picLocks noChangeAspect="1"/>
-          </p:cNvPicPr>
-          <p:nvPr/>
-        </p:nvPicPr>
-        <p:blipFill>
-          <a:blip r:embed="rId1"/>
-          <a:srcRect l="13873" t="16667" r="20809" b="31111"/>
-          <a:stretch>
-            <a:fillRect/>
-          </a:stretch>
-        </p:blipFill>
-        <p:spPr>
-          <a:xfrm flipH="1">
-            <a:off x="5238750" y="1682750"/>
-            <a:ext cx="2008505" cy="833120"/>
-          </a:xfrm>
-          <a:prstGeom prst="rect">
-            <a:avLst/>
-          </a:prstGeom>
-        </p:spPr>
-      </p:pic>
-      <p:sp>
-        <p:nvSpPr>
-          <p:cNvPr id="29" name="Rounded Rectangle 28"/>
-          <p:cNvSpPr/>
-          <p:nvPr/>
-        </p:nvSpPr>
-        <p:spPr>
-          <a:xfrm>
-            <a:off x="9648190" y="1147445"/>
-            <a:ext cx="304800" cy="1915160"/>
-          </a:xfrm>
-          <a:prstGeom prst="roundRect">
-            <a:avLst/>
-          </a:prstGeom>
-          <a:ln>
-            <a:noFill/>
-          </a:ln>
-        </p:spPr>
-        <p:style>
-          <a:lnRef idx="2">
-            <a:schemeClr val="accent1">
-              <a:shade val="50000"/>
-            </a:schemeClr>
-          </a:lnRef>
-          <a:fillRef idx="1">
-            <a:schemeClr val="accent1"/>
-          </a:fillRef>
-          <a:effectRef idx="0">
-            <a:schemeClr val="accent1"/>
-          </a:effectRef>
-          <a:fontRef idx="minor">
-            <a:schemeClr val="lt1"/>
-          </a:fontRef>
-        </p:style>
-        <p:txBody>
-          <a:bodyPr rtlCol="0" anchor="ctr"/>
-          <a:p>
-            <a:pPr algn="ctr"/>
-            <a:endParaRPr lang="en-US"/>
-          </a:p>
-        </p:txBody>
-      </p:sp>
-      <p:sp>
-        <p:nvSpPr>
-          <p:cNvPr id="30" name="Rounded Rectangle 29"/>
-          <p:cNvSpPr/>
-          <p:nvPr/>
-        </p:nvSpPr>
-        <p:spPr>
-          <a:xfrm>
-            <a:off x="2067560" y="1123950"/>
-            <a:ext cx="5160010" cy="1889125"/>
-          </a:xfrm>
-          <a:prstGeom prst="roundRect">
-            <a:avLst>
-              <a:gd name="adj" fmla="val 4168"/>
-            </a:avLst>
-          </a:prstGeom>
-          <a:noFill/>
-          <a:ln>
-            <a:solidFill>
-              <a:schemeClr val="tx1"/>
-            </a:solidFill>
-          </a:ln>
-        </p:spPr>
-        <p:style>
-          <a:lnRef idx="2">
-            <a:schemeClr val="accent1">
-              <a:shade val="50000"/>
-            </a:schemeClr>
-          </a:lnRef>
-          <a:fillRef idx="1">
-            <a:schemeClr val="accent1"/>
-          </a:fillRef>
-          <a:effectRef idx="0">
-            <a:schemeClr val="accent1"/>
-          </a:effectRef>
-          <a:fontRef idx="minor">
-            <a:schemeClr val="lt1"/>
-          </a:fontRef>
-        </p:style>
-        <p:txBody>
-          <a:bodyPr rtlCol="0" anchor="ctr"/>
-          <a:p>
-            <a:pPr algn="ctr"/>
-            <a:endParaRPr lang="en-US"/>
-          </a:p>
-        </p:txBody>
-      </p:sp>
-      <p:cxnSp>
-        <p:nvCxnSpPr>
-          <p:cNvPr id="31" name="Straight Arrow Connector 30"/>
-          <p:cNvCxnSpPr/>
-          <p:nvPr/>
-        </p:nvCxnSpPr>
-        <p:spPr>
-          <a:xfrm>
-            <a:off x="1598930" y="2179320"/>
-            <a:ext cx="396240" cy="0"/>
-          </a:xfrm>
-          <a:prstGeom prst="straightConnector1">
-            <a:avLst/>
-          </a:prstGeom>
-          <a:ln w="28575" cmpd="sng">
-            <a:solidFill>
-              <a:schemeClr val="tx1"/>
-            </a:solidFill>
-            <a:prstDash val="solid"/>
-            <a:tailEnd type="triangle"/>
-          </a:ln>
-        </p:spPr>
-        <p:style>
-          <a:lnRef idx="1">
-            <a:schemeClr val="accent1"/>
-          </a:lnRef>
-          <a:fillRef idx="0">
-            <a:schemeClr val="accent1"/>
-          </a:fillRef>
-          <a:effectRef idx="0">
-            <a:schemeClr val="accent1"/>
-          </a:effectRef>
-          <a:fontRef idx="minor">
-            <a:schemeClr val="tx1"/>
-          </a:fontRef>
-        </p:style>
-      </p:cxnSp>
-      <p:cxnSp>
-        <p:nvCxnSpPr>
-          <p:cNvPr id="32" name="Straight Arrow Connector 31"/>
-          <p:cNvCxnSpPr/>
-          <p:nvPr/>
-        </p:nvCxnSpPr>
-        <p:spPr>
-          <a:xfrm>
-            <a:off x="3045460" y="2179320"/>
-            <a:ext cx="223520" cy="3810"/>
-          </a:xfrm>
-          <a:prstGeom prst="straightConnector1">
-            <a:avLst/>
-          </a:prstGeom>
-          <a:ln w="28575" cmpd="sng">
-            <a:solidFill>
-              <a:schemeClr val="tx1"/>
-            </a:solidFill>
-            <a:prstDash val="solid"/>
-            <a:tailEnd type="triangle"/>
-          </a:ln>
-        </p:spPr>
-        <p:style>
-          <a:lnRef idx="1">
-            <a:schemeClr val="accent1"/>
-          </a:lnRef>
-          <a:fillRef idx="0">
-            <a:schemeClr val="accent1"/>
-          </a:fillRef>
-          <a:effectRef idx="0">
-            <a:schemeClr val="accent1"/>
-          </a:effectRef>
-          <a:fontRef idx="minor">
-            <a:schemeClr val="tx1"/>
-          </a:fontRef>
-        </p:style>
-      </p:cxnSp>
-      <p:cxnSp>
-        <p:nvCxnSpPr>
-          <p:cNvPr id="33" name="Straight Arrow Connector 32"/>
-          <p:cNvCxnSpPr/>
-          <p:nvPr/>
-        </p:nvCxnSpPr>
-        <p:spPr>
-          <a:xfrm>
-            <a:off x="4077335" y="2159000"/>
-            <a:ext cx="223520" cy="3810"/>
-          </a:xfrm>
-          <a:prstGeom prst="straightConnector1">
-            <a:avLst/>
-          </a:prstGeom>
-          <a:ln w="28575" cmpd="sng">
-            <a:solidFill>
-              <a:schemeClr val="tx1"/>
-            </a:solidFill>
-            <a:prstDash val="solid"/>
-            <a:tailEnd type="triangle"/>
-          </a:ln>
-        </p:spPr>
-        <p:style>
-          <a:lnRef idx="1">
-            <a:schemeClr val="accent1"/>
-          </a:lnRef>
-          <a:fillRef idx="0">
-            <a:schemeClr val="accent1"/>
-          </a:fillRef>
-          <a:effectRef idx="0">
-            <a:schemeClr val="accent1"/>
-          </a:effectRef>
-          <a:fontRef idx="minor">
-            <a:schemeClr val="tx1"/>
-          </a:fontRef>
-        </p:style>
-      </p:cxnSp>
-      <p:cxnSp>
-        <p:nvCxnSpPr>
-          <p:cNvPr id="34" name="Straight Arrow Connector 33"/>
-          <p:cNvCxnSpPr/>
-          <p:nvPr/>
-        </p:nvCxnSpPr>
-        <p:spPr>
-          <a:xfrm>
-            <a:off x="5100320" y="2155190"/>
-            <a:ext cx="223520" cy="3810"/>
-          </a:xfrm>
-          <a:prstGeom prst="straightConnector1">
-            <a:avLst/>
-          </a:prstGeom>
-          <a:ln w="28575" cmpd="sng">
-            <a:solidFill>
-              <a:schemeClr val="tx1"/>
-            </a:solidFill>
-            <a:prstDash val="solid"/>
-            <a:tailEnd type="triangle"/>
-          </a:ln>
-        </p:spPr>
-        <p:style>
-          <a:lnRef idx="1">
-            <a:schemeClr val="accent1"/>
-          </a:lnRef>
-          <a:fillRef idx="0">
-            <a:schemeClr val="accent1"/>
-          </a:fillRef>
-          <a:effectRef idx="0">
-            <a:schemeClr val="accent1"/>
-          </a:effectRef>
-          <a:fontRef idx="minor">
-            <a:schemeClr val="tx1"/>
-          </a:fontRef>
-        </p:style>
-      </p:cxnSp>
-      <p:cxnSp>
-        <p:nvCxnSpPr>
-          <p:cNvPr id="35" name="Straight Arrow Connector 34"/>
-          <p:cNvCxnSpPr/>
-          <p:nvPr/>
-        </p:nvCxnSpPr>
-        <p:spPr>
-          <a:xfrm>
-            <a:off x="7262495" y="2162810"/>
-            <a:ext cx="223520" cy="3810"/>
-          </a:xfrm>
-          <a:prstGeom prst="straightConnector1">
-            <a:avLst/>
-          </a:prstGeom>
-          <a:ln w="28575" cmpd="sng">
-            <a:solidFill>
-              <a:schemeClr val="tx1"/>
-            </a:solidFill>
-            <a:prstDash val="solid"/>
-            <a:tailEnd type="triangle"/>
-          </a:ln>
-        </p:spPr>
-        <p:style>
-          <a:lnRef idx="1">
-            <a:schemeClr val="accent1"/>
-          </a:lnRef>
-          <a:fillRef idx="0">
-            <a:schemeClr val="accent1"/>
-          </a:fillRef>
-          <a:effectRef idx="0">
-            <a:schemeClr val="accent1"/>
-          </a:effectRef>
-          <a:fontRef idx="minor">
-            <a:schemeClr val="tx1"/>
-          </a:fontRef>
-        </p:style>
-      </p:cxnSp>
-      <p:cxnSp>
-        <p:nvCxnSpPr>
-          <p:cNvPr id="36" name="Straight Arrow Connector 35"/>
-          <p:cNvCxnSpPr/>
-          <p:nvPr/>
-        </p:nvCxnSpPr>
-        <p:spPr>
-          <a:xfrm>
-            <a:off x="9355455" y="2159000"/>
-            <a:ext cx="223520" cy="3810"/>
-          </a:xfrm>
-          <a:prstGeom prst="straightConnector1">
-            <a:avLst/>
-          </a:prstGeom>
-          <a:ln w="28575" cmpd="sng">
-            <a:solidFill>
-              <a:schemeClr val="tx1"/>
-            </a:solidFill>
-            <a:prstDash val="solid"/>
-            <a:tailEnd type="triangle"/>
-          </a:ln>
-        </p:spPr>
-        <p:style>
-          <a:lnRef idx="1">
-            <a:schemeClr val="accent1"/>
-          </a:lnRef>
-          <a:fillRef idx="0">
-            <a:schemeClr val="accent1"/>
-          </a:fillRef>
-          <a:effectRef idx="0">
-            <a:schemeClr val="accent1"/>
-          </a:effectRef>
-          <a:fontRef idx="minor">
-            <a:schemeClr val="tx1"/>
-          </a:fontRef>
-        </p:style>
-      </p:cxnSp>
-      <p:sp>
-        <p:nvSpPr>
-          <p:cNvPr id="37" name="Text Box 36"/>
-          <p:cNvSpPr txBox="1"/>
-          <p:nvPr/>
-        </p:nvSpPr>
-        <p:spPr>
-          <a:xfrm>
-            <a:off x="3329305" y="786765"/>
-            <a:ext cx="2636520" cy="337185"/>
-          </a:xfrm>
-          <a:prstGeom prst="rect">
-            <a:avLst/>
-          </a:prstGeom>
-          <a:noFill/>
-        </p:spPr>
-        <p:txBody>
-          <a:bodyPr wrap="square" rtlCol="0">
-            <a:spAutoFit/>
-          </a:bodyPr>
-          <a:p>
-            <a:r>
-              <a:rPr lang="es-ES_tradnl" altLang="en-US" sz="1600">
-                <a:latin typeface="Tibetan Machine Uni" panose="01000503020000020002" charset="0"/>
-                <a:cs typeface="Tibetan Machine Uni" panose="01000503020000020002" charset="0"/>
-              </a:rPr>
-              <a:t>Deep learning model</a:t>
-            </a:r>
-            <a:endParaRPr lang="es-ES_tradnl" altLang="en-US" sz="1600">
-              <a:latin typeface="Tibetan Machine Uni" panose="01000503020000020002" charset="0"/>
-              <a:cs typeface="Tibetan Machine Uni" panose="01000503020000020002" charset="0"/>
-            </a:endParaRPr>
-          </a:p>
-        </p:txBody>
-      </p:sp>
-      <p:sp>
-        <p:nvSpPr>
-          <p:cNvPr id="38" name="Text Box 37"/>
-          <p:cNvSpPr txBox="1"/>
-          <p:nvPr/>
-        </p:nvSpPr>
-        <p:spPr>
-          <a:xfrm>
-            <a:off x="4559935" y="1270000"/>
-            <a:ext cx="1943100" cy="306705"/>
-          </a:xfrm>
-          <a:prstGeom prst="rect">
-            <a:avLst/>
-          </a:prstGeom>
-          <a:noFill/>
-        </p:spPr>
-        <p:txBody>
-          <a:bodyPr wrap="square" rtlCol="0">
-            <a:spAutoFit/>
-          </a:bodyPr>
-          <a:p>
-            <a:r>
-              <a:rPr lang="es-ES_tradnl" altLang="en-US" sz="1400">
-                <a:latin typeface="Tibetan Machine Uni" panose="01000503020000020002" charset="0"/>
-                <a:cs typeface="Tibetan Machine Uni" panose="01000503020000020002" charset="0"/>
-              </a:rPr>
-              <a:t>Pre-trained weights</a:t>
-            </a:r>
-            <a:endParaRPr lang="es-ES_tradnl" altLang="en-US" sz="1400">
-              <a:latin typeface="Tibetan Machine Uni" panose="01000503020000020002" charset="0"/>
-              <a:cs typeface="Tibetan Machine Uni" panose="01000503020000020002" charset="0"/>
-            </a:endParaRPr>
-          </a:p>
-        </p:txBody>
-      </p:sp>
-      <p:sp>
-        <p:nvSpPr>
-          <p:cNvPr id="40" name="Text Box 39"/>
-          <p:cNvSpPr txBox="1"/>
-          <p:nvPr/>
-        </p:nvSpPr>
-        <p:spPr>
-          <a:xfrm>
-            <a:off x="443230" y="2865755"/>
-            <a:ext cx="1235075" cy="306705"/>
-          </a:xfrm>
-          <a:prstGeom prst="rect">
-            <a:avLst/>
-          </a:prstGeom>
-          <a:noFill/>
-        </p:spPr>
-        <p:txBody>
-          <a:bodyPr wrap="square" rtlCol="0">
-            <a:spAutoFit/>
-          </a:bodyPr>
-          <a:p>
-            <a:r>
-              <a:rPr lang="es-ES_tradnl" altLang="en-US" sz="1400">
-                <a:latin typeface="Tibetan Machine Uni" panose="01000503020000020002" charset="0"/>
-                <a:cs typeface="Tibetan Machine Uni" panose="01000503020000020002" charset="0"/>
-              </a:rPr>
-              <a:t>Big dataset</a:t>
-            </a:r>
-            <a:endParaRPr lang="es-ES_tradnl" altLang="en-US" sz="1400">
-              <a:latin typeface="Tibetan Machine Uni" panose="01000503020000020002" charset="0"/>
-              <a:cs typeface="Tibetan Machine Uni" panose="01000503020000020002" charset="0"/>
-            </a:endParaRPr>
-          </a:p>
-        </p:txBody>
-      </p:sp>
-      <p:pic>
-        <p:nvPicPr>
-          <p:cNvPr id="41" name="Picture 40"/>
-          <p:cNvPicPr>
-            <a:picLocks noChangeAspect="1"/>
-          </p:cNvPicPr>
-          <p:nvPr/>
-        </p:nvPicPr>
-        <p:blipFill>
-          <a:blip r:embed="rId1"/>
-          <a:srcRect l="13873" t="16667" r="20809" b="31111"/>
-          <a:stretch>
-            <a:fillRect/>
-          </a:stretch>
-        </p:blipFill>
-        <p:spPr>
-          <a:xfrm flipH="1">
-            <a:off x="2190115" y="4292600"/>
-            <a:ext cx="901065" cy="1658620"/>
-          </a:xfrm>
-          <a:prstGeom prst="rect">
-            <a:avLst/>
-          </a:prstGeom>
-        </p:spPr>
-      </p:pic>
-      <p:pic>
-        <p:nvPicPr>
-          <p:cNvPr id="42" name="Picture 41"/>
-          <p:cNvPicPr>
-            <a:picLocks noChangeAspect="1"/>
-          </p:cNvPicPr>
-          <p:nvPr/>
-        </p:nvPicPr>
-        <p:blipFill>
-          <a:blip r:embed="rId2"/>
-          <a:srcRect l="21415" t="9476" r="17955" b="16459"/>
-          <a:stretch>
-            <a:fillRect/>
-          </a:stretch>
-        </p:blipFill>
-        <p:spPr>
-          <a:xfrm>
-            <a:off x="788035" y="4599940"/>
-            <a:ext cx="890270" cy="1088390"/>
-          </a:xfrm>
-          <a:prstGeom prst="rect">
-            <a:avLst/>
-          </a:prstGeom>
-        </p:spPr>
-      </p:pic>
-      <p:pic>
-        <p:nvPicPr>
-          <p:cNvPr id="43" name="Picture 42"/>
-          <p:cNvPicPr>
-            <a:picLocks noChangeAspect="1"/>
-          </p:cNvPicPr>
-          <p:nvPr/>
-        </p:nvPicPr>
-        <p:blipFill>
-          <a:blip r:embed="rId1"/>
-          <a:srcRect l="13873" t="16667" r="20809" b="31111"/>
-          <a:stretch>
-            <a:fillRect/>
-          </a:stretch>
-        </p:blipFill>
-        <p:spPr>
-          <a:xfrm flipH="1">
-            <a:off x="3221355" y="4472305"/>
-            <a:ext cx="901700" cy="1299845"/>
-          </a:xfrm>
-          <a:prstGeom prst="rect">
-            <a:avLst/>
-          </a:prstGeom>
-        </p:spPr>
-      </p:pic>
-      <p:pic>
-        <p:nvPicPr>
-          <p:cNvPr id="44" name="Picture 43"/>
-          <p:cNvPicPr>
-            <a:picLocks noChangeAspect="1"/>
-          </p:cNvPicPr>
-          <p:nvPr/>
-        </p:nvPicPr>
-        <p:blipFill>
-          <a:blip r:embed="rId1"/>
-          <a:srcRect l="13873" t="16667" r="20809" b="31111"/>
-          <a:stretch>
-            <a:fillRect/>
-          </a:stretch>
-        </p:blipFill>
-        <p:spPr>
-          <a:xfrm flipH="1">
-            <a:off x="4253230" y="4705350"/>
-            <a:ext cx="901065" cy="833120"/>
-          </a:xfrm>
-          <a:prstGeom prst="rect">
-            <a:avLst/>
-          </a:prstGeom>
-        </p:spPr>
-      </p:pic>
-      <p:pic>
-        <p:nvPicPr>
-          <p:cNvPr id="45" name="Picture 44"/>
-          <p:cNvPicPr>
-            <a:picLocks noChangeAspect="1"/>
-          </p:cNvPicPr>
-          <p:nvPr/>
-        </p:nvPicPr>
-        <p:blipFill>
-          <a:blip r:embed="rId1"/>
-          <a:srcRect l="13873" t="16667" r="20809" b="31111"/>
-          <a:stretch>
-            <a:fillRect/>
-          </a:stretch>
-        </p:blipFill>
-        <p:spPr>
-          <a:xfrm flipH="1">
-            <a:off x="5238750" y="4705350"/>
-            <a:ext cx="2008505" cy="833120"/>
-          </a:xfrm>
-          <a:prstGeom prst="rect">
-            <a:avLst/>
-          </a:prstGeom>
-        </p:spPr>
-      </p:pic>
-      <p:sp>
-        <p:nvSpPr>
-          <p:cNvPr id="47" name="Rounded Rectangle 46"/>
-          <p:cNvSpPr/>
-          <p:nvPr/>
-        </p:nvSpPr>
-        <p:spPr>
-          <a:xfrm>
-            <a:off x="9648190" y="4170045"/>
-            <a:ext cx="304800" cy="1915160"/>
-          </a:xfrm>
-          <a:prstGeom prst="roundRect">
-            <a:avLst/>
-          </a:prstGeom>
-          <a:ln>
-            <a:noFill/>
-          </a:ln>
-        </p:spPr>
-        <p:style>
-          <a:lnRef idx="2">
-            <a:schemeClr val="accent1">
-              <a:shade val="50000"/>
-            </a:schemeClr>
-          </a:lnRef>
-          <a:fillRef idx="1">
-            <a:schemeClr val="accent1"/>
-          </a:fillRef>
-          <a:effectRef idx="0">
-            <a:schemeClr val="accent1"/>
-          </a:effectRef>
-          <a:fontRef idx="minor">
-            <a:schemeClr val="lt1"/>
-          </a:fontRef>
-        </p:style>
-        <p:txBody>
-          <a:bodyPr rtlCol="0" anchor="ctr"/>
-          <a:p>
-            <a:pPr algn="ctr"/>
-            <a:endParaRPr lang="en-US"/>
-          </a:p>
-        </p:txBody>
-      </p:sp>
-      <p:sp>
-        <p:nvSpPr>
-          <p:cNvPr id="48" name="Rounded Rectangle 47"/>
-          <p:cNvSpPr/>
-          <p:nvPr/>
-        </p:nvSpPr>
-        <p:spPr>
-          <a:xfrm>
-            <a:off x="2067560" y="3961130"/>
-            <a:ext cx="7247255" cy="2366645"/>
-          </a:xfrm>
-          <a:prstGeom prst="roundRect">
-            <a:avLst>
-              <a:gd name="adj" fmla="val 5517"/>
-            </a:avLst>
-          </a:prstGeom>
-          <a:noFill/>
-          <a:ln>
-            <a:solidFill>
-              <a:schemeClr val="tx1"/>
-            </a:solidFill>
-          </a:ln>
-        </p:spPr>
-        <p:style>
-          <a:lnRef idx="2">
-            <a:schemeClr val="accent1">
-              <a:shade val="50000"/>
-            </a:schemeClr>
-          </a:lnRef>
-          <a:fillRef idx="1">
-            <a:schemeClr val="accent1"/>
-          </a:fillRef>
-          <a:effectRef idx="0">
-            <a:schemeClr val="accent1"/>
-          </a:effectRef>
-          <a:fontRef idx="minor">
-            <a:schemeClr val="lt1"/>
-          </a:fontRef>
-        </p:style>
-        <p:txBody>
-          <a:bodyPr rtlCol="0" anchor="ctr"/>
-          <a:p>
-            <a:pPr algn="ctr"/>
-            <a:endParaRPr lang="en-US"/>
-          </a:p>
-        </p:txBody>
-      </p:sp>
-      <p:cxnSp>
-        <p:nvCxnSpPr>
-          <p:cNvPr id="49" name="Straight Arrow Connector 48"/>
-          <p:cNvCxnSpPr/>
-          <p:nvPr/>
-        </p:nvCxnSpPr>
-        <p:spPr>
-          <a:xfrm>
-            <a:off x="1598930" y="5201920"/>
-            <a:ext cx="396240" cy="0"/>
-          </a:xfrm>
-          <a:prstGeom prst="straightConnector1">
-            <a:avLst/>
-          </a:prstGeom>
-          <a:ln w="28575" cmpd="sng">
-            <a:solidFill>
-              <a:schemeClr val="tx1"/>
-            </a:solidFill>
-            <a:prstDash val="solid"/>
-            <a:tailEnd type="triangle"/>
-          </a:ln>
-        </p:spPr>
-        <p:style>
-          <a:lnRef idx="1">
-            <a:schemeClr val="accent1"/>
-          </a:lnRef>
-          <a:fillRef idx="0">
-            <a:schemeClr val="accent1"/>
-          </a:fillRef>
-          <a:effectRef idx="0">
-            <a:schemeClr val="accent1"/>
-          </a:effectRef>
-          <a:fontRef idx="minor">
-            <a:schemeClr val="tx1"/>
-          </a:fontRef>
-        </p:style>
-      </p:cxnSp>
-      <p:cxnSp>
-        <p:nvCxnSpPr>
-          <p:cNvPr id="50" name="Straight Arrow Connector 49"/>
-          <p:cNvCxnSpPr/>
-          <p:nvPr/>
-        </p:nvCxnSpPr>
-        <p:spPr>
-          <a:xfrm>
-            <a:off x="3045460" y="5201920"/>
-            <a:ext cx="223520" cy="3810"/>
-          </a:xfrm>
-          <a:prstGeom prst="straightConnector1">
-            <a:avLst/>
-          </a:prstGeom>
-          <a:ln w="28575" cmpd="sng">
-            <a:solidFill>
-              <a:schemeClr val="tx1"/>
-            </a:solidFill>
-            <a:prstDash val="solid"/>
-            <a:tailEnd type="triangle"/>
-          </a:ln>
-        </p:spPr>
-        <p:style>
-          <a:lnRef idx="1">
-            <a:schemeClr val="accent1"/>
-          </a:lnRef>
-          <a:fillRef idx="0">
-            <a:schemeClr val="accent1"/>
-          </a:fillRef>
-          <a:effectRef idx="0">
-            <a:schemeClr val="accent1"/>
-          </a:effectRef>
-          <a:fontRef idx="minor">
-            <a:schemeClr val="tx1"/>
-          </a:fontRef>
-        </p:style>
-      </p:cxnSp>
-      <p:cxnSp>
-        <p:nvCxnSpPr>
-          <p:cNvPr id="51" name="Straight Arrow Connector 50"/>
-          <p:cNvCxnSpPr/>
-          <p:nvPr/>
-        </p:nvCxnSpPr>
-        <p:spPr>
-          <a:xfrm>
-            <a:off x="4077335" y="5181600"/>
-            <a:ext cx="223520" cy="3810"/>
-          </a:xfrm>
-          <a:prstGeom prst="straightConnector1">
-            <a:avLst/>
-          </a:prstGeom>
-          <a:ln w="28575" cmpd="sng">
-            <a:solidFill>
-              <a:schemeClr val="tx1"/>
-            </a:solidFill>
-            <a:prstDash val="solid"/>
-            <a:tailEnd type="triangle"/>
-          </a:ln>
-        </p:spPr>
-        <p:style>
-          <a:lnRef idx="1">
-            <a:schemeClr val="accent1"/>
-          </a:lnRef>
-          <a:fillRef idx="0">
-            <a:schemeClr val="accent1"/>
-          </a:fillRef>
-          <a:effectRef idx="0">
-            <a:schemeClr val="accent1"/>
-          </a:effectRef>
-          <a:fontRef idx="minor">
-            <a:schemeClr val="tx1"/>
-          </a:fontRef>
-        </p:style>
-      </p:cxnSp>
-      <p:cxnSp>
-        <p:nvCxnSpPr>
-          <p:cNvPr id="52" name="Straight Arrow Connector 51"/>
-          <p:cNvCxnSpPr/>
-          <p:nvPr/>
-        </p:nvCxnSpPr>
-        <p:spPr>
-          <a:xfrm>
-            <a:off x="5100320" y="5177790"/>
-            <a:ext cx="223520" cy="3810"/>
-          </a:xfrm>
-          <a:prstGeom prst="straightConnector1">
-            <a:avLst/>
-          </a:prstGeom>
-          <a:ln w="28575" cmpd="sng">
-            <a:solidFill>
-              <a:schemeClr val="tx1"/>
-            </a:solidFill>
-            <a:prstDash val="solid"/>
-            <a:tailEnd type="triangle"/>
-          </a:ln>
-        </p:spPr>
-        <p:style>
-          <a:lnRef idx="1">
-            <a:schemeClr val="accent1"/>
-          </a:lnRef>
-          <a:fillRef idx="0">
-            <a:schemeClr val="accent1"/>
-          </a:fillRef>
-          <a:effectRef idx="0">
-            <a:schemeClr val="accent1"/>
-          </a:effectRef>
-          <a:fontRef idx="minor">
-            <a:schemeClr val="tx1"/>
-          </a:fontRef>
-        </p:style>
-      </p:cxnSp>
-      <p:cxnSp>
-        <p:nvCxnSpPr>
-          <p:cNvPr id="53" name="Straight Arrow Connector 52"/>
-          <p:cNvCxnSpPr/>
-          <p:nvPr/>
-        </p:nvCxnSpPr>
-        <p:spPr>
-          <a:xfrm>
-            <a:off x="7275830" y="5173980"/>
-            <a:ext cx="223520" cy="3810"/>
-          </a:xfrm>
-          <a:prstGeom prst="straightConnector1">
-            <a:avLst/>
-          </a:prstGeom>
-          <a:ln w="28575" cmpd="sng">
-            <a:solidFill>
-              <a:schemeClr val="tx1"/>
-            </a:solidFill>
-            <a:prstDash val="solid"/>
-            <a:tailEnd type="triangle"/>
-          </a:ln>
-        </p:spPr>
-        <p:style>
-          <a:lnRef idx="1">
-            <a:schemeClr val="accent1"/>
-          </a:lnRef>
-          <a:fillRef idx="0">
-            <a:schemeClr val="accent1"/>
-          </a:fillRef>
-          <a:effectRef idx="0">
-            <a:schemeClr val="accent1"/>
-          </a:effectRef>
-          <a:fontRef idx="minor">
-            <a:schemeClr val="tx1"/>
-          </a:fontRef>
-        </p:style>
-      </p:cxnSp>
-      <p:cxnSp>
-        <p:nvCxnSpPr>
-          <p:cNvPr id="54" name="Straight Arrow Connector 53"/>
-          <p:cNvCxnSpPr/>
-          <p:nvPr/>
-        </p:nvCxnSpPr>
-        <p:spPr>
-          <a:xfrm>
-            <a:off x="9370060" y="5170170"/>
-            <a:ext cx="223520" cy="3810"/>
-          </a:xfrm>
-          <a:prstGeom prst="straightConnector1">
-            <a:avLst/>
-          </a:prstGeom>
-          <a:ln w="28575" cmpd="sng">
-            <a:solidFill>
-              <a:schemeClr val="tx1"/>
-            </a:solidFill>
-            <a:prstDash val="solid"/>
-            <a:tailEnd type="triangle"/>
-          </a:ln>
-        </p:spPr>
-        <p:style>
-          <a:lnRef idx="1">
-            <a:schemeClr val="accent1"/>
-          </a:lnRef>
-          <a:fillRef idx="0">
-            <a:schemeClr val="accent1"/>
-          </a:fillRef>
-          <a:effectRef idx="0">
-            <a:schemeClr val="accent1"/>
-          </a:effectRef>
-          <a:fontRef idx="minor">
-            <a:schemeClr val="tx1"/>
-          </a:fontRef>
-        </p:style>
-      </p:cxnSp>
-      <p:sp>
-        <p:nvSpPr>
-          <p:cNvPr id="55" name="Text Box 54"/>
-          <p:cNvSpPr txBox="1"/>
-          <p:nvPr/>
-        </p:nvSpPr>
-        <p:spPr>
-          <a:xfrm>
-            <a:off x="3385820" y="3358515"/>
-            <a:ext cx="2636520" cy="337185"/>
-          </a:xfrm>
-          <a:prstGeom prst="rect">
-            <a:avLst/>
-          </a:prstGeom>
-          <a:noFill/>
-        </p:spPr>
-        <p:txBody>
-          <a:bodyPr wrap="square" rtlCol="0">
-            <a:spAutoFit/>
-          </a:bodyPr>
-          <a:p>
-            <a:r>
-              <a:rPr lang="es-ES_tradnl" altLang="en-US" sz="1600">
-                <a:latin typeface="Tibetan Machine Uni" panose="01000503020000020002" charset="0"/>
-                <a:cs typeface="Tibetan Machine Uni" panose="01000503020000020002" charset="0"/>
-              </a:rPr>
-              <a:t>Transfer learning</a:t>
-            </a:r>
-            <a:endParaRPr lang="es-ES_tradnl" altLang="en-US" sz="1600">
-              <a:latin typeface="Tibetan Machine Uni" panose="01000503020000020002" charset="0"/>
-              <a:cs typeface="Tibetan Machine Uni" panose="01000503020000020002" charset="0"/>
-            </a:endParaRPr>
-          </a:p>
-        </p:txBody>
-      </p:sp>
-      <p:sp>
-        <p:nvSpPr>
-          <p:cNvPr id="56" name="Text Box 55"/>
-          <p:cNvSpPr txBox="1"/>
-          <p:nvPr/>
-        </p:nvSpPr>
-        <p:spPr>
-          <a:xfrm>
-            <a:off x="4559935" y="4292600"/>
-            <a:ext cx="1943100" cy="306705"/>
-          </a:xfrm>
-          <a:prstGeom prst="rect">
-            <a:avLst/>
-          </a:prstGeom>
-          <a:noFill/>
-        </p:spPr>
-        <p:txBody>
-          <a:bodyPr wrap="square" rtlCol="0">
-            <a:spAutoFit/>
-          </a:bodyPr>
-          <a:p>
-            <a:r>
-              <a:rPr lang="es-ES_tradnl" altLang="en-US" sz="1400">
-                <a:latin typeface="Tibetan Machine Uni" panose="01000503020000020002" charset="0"/>
-                <a:cs typeface="Tibetan Machine Uni" panose="01000503020000020002" charset="0"/>
-              </a:rPr>
-              <a:t>Pre-trained weights</a:t>
-            </a:r>
-            <a:endParaRPr lang="es-ES_tradnl" altLang="en-US" sz="1400">
-              <a:latin typeface="Tibetan Machine Uni" panose="01000503020000020002" charset="0"/>
-              <a:cs typeface="Tibetan Machine Uni" panose="01000503020000020002" charset="0"/>
-            </a:endParaRPr>
-          </a:p>
-        </p:txBody>
-      </p:sp>
-      <p:sp>
-        <p:nvSpPr>
-          <p:cNvPr id="57" name="Text Box 56"/>
-          <p:cNvSpPr txBox="1"/>
-          <p:nvPr/>
-        </p:nvSpPr>
-        <p:spPr>
-          <a:xfrm>
-            <a:off x="523240" y="5680710"/>
-            <a:ext cx="1498600" cy="306705"/>
-          </a:xfrm>
-          <a:prstGeom prst="rect">
-            <a:avLst/>
-          </a:prstGeom>
-          <a:noFill/>
-        </p:spPr>
-        <p:txBody>
-          <a:bodyPr wrap="square" rtlCol="0">
-            <a:spAutoFit/>
-          </a:bodyPr>
-          <a:p>
-            <a:r>
-              <a:rPr lang="es-ES_tradnl" altLang="en-US" sz="1400">
-                <a:latin typeface="Tibetan Machine Uni" panose="01000503020000020002" charset="0"/>
-                <a:cs typeface="Tibetan Machine Uni" panose="01000503020000020002" charset="0"/>
-              </a:rPr>
-              <a:t>Small dataset</a:t>
-            </a:r>
-            <a:endParaRPr lang="es-ES_tradnl" altLang="en-US" sz="1400">
-              <a:latin typeface="Tibetan Machine Uni" panose="01000503020000020002" charset="0"/>
-              <a:cs typeface="Tibetan Machine Uni" panose="01000503020000020002" charset="0"/>
-            </a:endParaRPr>
-          </a:p>
-        </p:txBody>
-      </p:sp>
-      <p:sp>
-        <p:nvSpPr>
-          <p:cNvPr id="58" name="Text Box 57"/>
-          <p:cNvSpPr txBox="1"/>
-          <p:nvPr/>
-        </p:nvSpPr>
-        <p:spPr>
-          <a:xfrm>
-            <a:off x="7780020" y="5806440"/>
-            <a:ext cx="1264920" cy="306705"/>
-          </a:xfrm>
-          <a:prstGeom prst="rect">
-            <a:avLst/>
-          </a:prstGeom>
-          <a:noFill/>
-        </p:spPr>
-        <p:txBody>
-          <a:bodyPr wrap="square" rtlCol="0">
-            <a:spAutoFit/>
-          </a:bodyPr>
-          <a:p>
-            <a:r>
-              <a:rPr lang="es-ES_tradnl" altLang="en-US" sz="1400">
-                <a:latin typeface="Tibetan Machine Uni" panose="01000503020000020002" charset="0"/>
-                <a:cs typeface="Tibetan Machine Uni" panose="01000503020000020002" charset="0"/>
-              </a:rPr>
-              <a:t>Fine tuning</a:t>
-            </a:r>
-            <a:endParaRPr lang="es-ES_tradnl" altLang="en-US" sz="1400">
-              <a:latin typeface="Tibetan Machine Uni" panose="01000503020000020002" charset="0"/>
-              <a:cs typeface="Tibetan Machine Uni" panose="01000503020000020002" charset="0"/>
-            </a:endParaRPr>
-          </a:p>
-        </p:txBody>
-      </p:sp>
-      <p:sp>
-        <p:nvSpPr>
-          <p:cNvPr id="59" name="Rounded Rectangle 58"/>
-          <p:cNvSpPr/>
-          <p:nvPr/>
-        </p:nvSpPr>
-        <p:spPr>
-          <a:xfrm>
-            <a:off x="2159000" y="4241800"/>
-            <a:ext cx="5017770" cy="1767205"/>
-          </a:xfrm>
-          <a:prstGeom prst="roundRect">
-            <a:avLst>
-              <a:gd name="adj" fmla="val 4599"/>
-            </a:avLst>
-          </a:prstGeom>
-          <a:noFill/>
-          <a:ln>
-            <a:solidFill>
-              <a:schemeClr val="tx1"/>
-            </a:solidFill>
-          </a:ln>
-        </p:spPr>
-        <p:style>
-          <a:lnRef idx="2">
-            <a:schemeClr val="accent1">
-              <a:shade val="50000"/>
-            </a:schemeClr>
-          </a:lnRef>
-          <a:fillRef idx="1">
-            <a:schemeClr val="accent1"/>
-          </a:fillRef>
-          <a:effectRef idx="0">
-            <a:schemeClr val="accent1"/>
-          </a:effectRef>
-          <a:fontRef idx="minor">
-            <a:schemeClr val="lt1"/>
-          </a:fontRef>
-        </p:style>
-        <p:txBody>
-          <a:bodyPr rtlCol="0" anchor="ctr"/>
-          <a:p>
-            <a:pPr algn="ctr"/>
-            <a:endParaRPr lang="en-US"/>
-          </a:p>
-        </p:txBody>
-      </p:sp>
-      <p:sp>
-        <p:nvSpPr>
-          <p:cNvPr id="60" name="Rounded Rectangle 59"/>
-          <p:cNvSpPr/>
-          <p:nvPr/>
-        </p:nvSpPr>
-        <p:spPr>
-          <a:xfrm>
-            <a:off x="2772410" y="3319145"/>
-            <a:ext cx="3193415" cy="392430"/>
-          </a:xfrm>
-          <a:prstGeom prst="roundRect">
-            <a:avLst>
-              <a:gd name="adj" fmla="val 4168"/>
-            </a:avLst>
-          </a:prstGeom>
-          <a:noFill/>
-          <a:ln>
-            <a:solidFill>
-              <a:schemeClr val="tx1"/>
-            </a:solidFill>
-          </a:ln>
-        </p:spPr>
-        <p:style>
-          <a:lnRef idx="2">
-            <a:schemeClr val="accent1">
-              <a:shade val="50000"/>
-            </a:schemeClr>
-          </a:lnRef>
-          <a:fillRef idx="1">
-            <a:schemeClr val="accent1"/>
-          </a:fillRef>
-          <a:effectRef idx="0">
-            <a:schemeClr val="accent1"/>
-          </a:effectRef>
-          <a:fontRef idx="minor">
-            <a:schemeClr val="lt1"/>
-          </a:fontRef>
-        </p:style>
-        <p:txBody>
-          <a:bodyPr rtlCol="0" anchor="ctr"/>
-          <a:p>
-            <a:pPr algn="ctr"/>
-            <a:endParaRPr lang="en-US"/>
-          </a:p>
-        </p:txBody>
-      </p:sp>
-      <p:cxnSp>
-        <p:nvCxnSpPr>
-          <p:cNvPr id="61" name="Straight Arrow Connector 60"/>
-          <p:cNvCxnSpPr/>
-          <p:nvPr/>
-        </p:nvCxnSpPr>
-        <p:spPr>
-          <a:xfrm>
-            <a:off x="4366895" y="3055620"/>
-            <a:ext cx="5080" cy="220980"/>
-          </a:xfrm>
-          <a:prstGeom prst="straightConnector1">
-            <a:avLst/>
-          </a:prstGeom>
-          <a:ln w="28575" cmpd="sng">
-            <a:solidFill>
-              <a:schemeClr val="tx1"/>
-            </a:solidFill>
-            <a:prstDash val="solid"/>
-            <a:tailEnd type="triangle"/>
-          </a:ln>
-        </p:spPr>
-        <p:style>
-          <a:lnRef idx="1">
-            <a:schemeClr val="accent1"/>
-          </a:lnRef>
-          <a:fillRef idx="0">
-            <a:schemeClr val="accent1"/>
-          </a:fillRef>
-          <a:effectRef idx="0">
-            <a:schemeClr val="accent1"/>
-          </a:effectRef>
-          <a:fontRef idx="minor">
-            <a:schemeClr val="tx1"/>
-          </a:fontRef>
-        </p:style>
-      </p:cxnSp>
-      <p:cxnSp>
-        <p:nvCxnSpPr>
-          <p:cNvPr id="62" name="Straight Arrow Connector 61"/>
-          <p:cNvCxnSpPr/>
-          <p:nvPr/>
-        </p:nvCxnSpPr>
-        <p:spPr>
-          <a:xfrm>
-            <a:off x="4361815" y="3777615"/>
-            <a:ext cx="4445" cy="409575"/>
-          </a:xfrm>
-          <a:prstGeom prst="straightConnector1">
-            <a:avLst/>
-          </a:prstGeom>
-          <a:ln w="28575" cmpd="sng">
-            <a:solidFill>
-              <a:schemeClr val="tx1"/>
-            </a:solidFill>
-            <a:prstDash val="solid"/>
-            <a:tailEnd type="triangle"/>
-          </a:ln>
-        </p:spPr>
-        <p:style>
-          <a:lnRef idx="1">
-            <a:schemeClr val="accent1"/>
-          </a:lnRef>
-          <a:fillRef idx="0">
-            <a:schemeClr val="accent1"/>
-          </a:fillRef>
-          <a:effectRef idx="0">
-            <a:schemeClr val="accent1"/>
-          </a:effectRef>
-          <a:fontRef idx="minor">
-            <a:schemeClr val="tx1"/>
-          </a:fontRef>
-        </p:style>
-      </p:cxnSp>
-      <p:sp>
-        <p:nvSpPr>
-          <p:cNvPr id="63" name="Text Box 62"/>
-          <p:cNvSpPr txBox="1"/>
-          <p:nvPr/>
-        </p:nvSpPr>
-        <p:spPr>
-          <a:xfrm>
-            <a:off x="9385300" y="3060700"/>
-            <a:ext cx="830580" cy="306705"/>
-          </a:xfrm>
-          <a:prstGeom prst="rect">
-            <a:avLst/>
-          </a:prstGeom>
-          <a:noFill/>
-        </p:spPr>
-        <p:txBody>
-          <a:bodyPr wrap="square" rtlCol="0">
-            <a:spAutoFit/>
-          </a:bodyPr>
-          <a:p>
-            <a:r>
-              <a:rPr lang="es-ES_tradnl" altLang="en-US" sz="1400">
-                <a:latin typeface="Tibetan Machine Uni" panose="01000503020000020002" charset="0"/>
-                <a:cs typeface="Tibetan Machine Uni" panose="01000503020000020002" charset="0"/>
-              </a:rPr>
-              <a:t>Output</a:t>
-            </a:r>
-            <a:endParaRPr lang="es-ES_tradnl" altLang="en-US" sz="1400">
-              <a:latin typeface="Tibetan Machine Uni" panose="01000503020000020002" charset="0"/>
-              <a:cs typeface="Tibetan Machine Uni" panose="01000503020000020002" charset="0"/>
-            </a:endParaRPr>
-          </a:p>
-        </p:txBody>
-      </p:sp>
-      <p:sp>
-        <p:nvSpPr>
-          <p:cNvPr id="64" name="Text Box 63"/>
-          <p:cNvSpPr txBox="1"/>
-          <p:nvPr/>
-        </p:nvSpPr>
-        <p:spPr>
-          <a:xfrm>
-            <a:off x="9387205" y="6085205"/>
-            <a:ext cx="830580" cy="306705"/>
-          </a:xfrm>
-          <a:prstGeom prst="rect">
-            <a:avLst/>
-          </a:prstGeom>
-          <a:noFill/>
-        </p:spPr>
-        <p:txBody>
-          <a:bodyPr wrap="square" rtlCol="0">
-            <a:spAutoFit/>
-          </a:bodyPr>
-          <a:p>
-            <a:r>
-              <a:rPr lang="es-ES_tradnl" altLang="en-US" sz="1400">
-                <a:latin typeface="Tibetan Machine Uni" panose="01000503020000020002" charset="0"/>
-                <a:cs typeface="Tibetan Machine Uni" panose="01000503020000020002" charset="0"/>
-              </a:rPr>
-              <a:t>Output</a:t>
-            </a:r>
-            <a:endParaRPr lang="es-ES_tradnl" altLang="en-US" sz="1400">
-              <a:latin typeface="Tibetan Machine Uni" panose="01000503020000020002" charset="0"/>
-              <a:cs typeface="Tibetan Machine Uni" panose="01000503020000020002" charset="0"/>
-            </a:endParaRPr>
-          </a:p>
-        </p:txBody>
-      </p:sp>
-      <p:pic>
-        <p:nvPicPr>
-          <p:cNvPr id="67" name="Picture 66" descr="Picture2-removebg-preview"/>
-          <p:cNvPicPr>
-            <a:picLocks noChangeAspect="1"/>
-          </p:cNvPicPr>
-          <p:nvPr/>
-        </p:nvPicPr>
-        <p:blipFill>
-          <a:blip r:embed="rId3"/>
-          <a:stretch>
-            <a:fillRect/>
-          </a:stretch>
-        </p:blipFill>
-        <p:spPr>
-          <a:xfrm>
-            <a:off x="7581900" y="1565910"/>
-            <a:ext cx="1579245" cy="1231265"/>
-          </a:xfrm>
-          <a:prstGeom prst="rect">
-            <a:avLst/>
-          </a:prstGeom>
-        </p:spPr>
-      </p:pic>
-      <p:pic>
-        <p:nvPicPr>
-          <p:cNvPr id="68" name="Picture 67" descr="Picture2-removebg-preview"/>
-          <p:cNvPicPr>
-            <a:picLocks noChangeAspect="1"/>
-          </p:cNvPicPr>
-          <p:nvPr/>
-        </p:nvPicPr>
-        <p:blipFill>
-          <a:blip r:embed="rId3"/>
-          <a:stretch>
-            <a:fillRect/>
-          </a:stretch>
-        </p:blipFill>
-        <p:spPr>
-          <a:xfrm>
-            <a:off x="7585075" y="4575175"/>
-            <a:ext cx="1579245" cy="1231265"/>
+          <a:xfrm>
+            <a:off x="2539365" y="1869440"/>
+            <a:ext cx="3121660" cy="2432685"/>
           </a:xfrm>
           <a:prstGeom prst="rect">
             <a:avLst/>
@@ -14683,6 +14065,1434 @@
 </file>
 
 <file path=ppt/slides/slide25.xml><?xml version="1.0" encoding="utf-8"?>
+<p:sld xmlns:a="http://schemas.openxmlformats.org/drawingml/2006/main" xmlns:r="http://schemas.openxmlformats.org/officeDocument/2006/relationships" xmlns:p="http://schemas.openxmlformats.org/presentationml/2006/main">
+  <p:cSld>
+    <p:spTree>
+      <p:nvGrpSpPr>
+        <p:cNvPr id="1" name=""/>
+        <p:cNvGrpSpPr/>
+        <p:nvPr/>
+      </p:nvGrpSpPr>
+      <p:grpSpPr>
+        <a:xfrm>
+          <a:off x="0" y="0"/>
+          <a:ext cx="0" cy="0"/>
+          <a:chOff x="0" y="0"/>
+          <a:chExt cx="0" cy="0"/>
+        </a:xfrm>
+      </p:grpSpPr>
+      <p:pic>
+        <p:nvPicPr>
+          <p:cNvPr id="7" name="Picture 6"/>
+          <p:cNvPicPr>
+            <a:picLocks noChangeAspect="1"/>
+          </p:cNvPicPr>
+          <p:nvPr/>
+        </p:nvPicPr>
+        <p:blipFill>
+          <a:blip r:embed="rId1"/>
+          <a:srcRect l="13873" t="16667" r="20809" b="31111"/>
+          <a:stretch>
+            <a:fillRect/>
+          </a:stretch>
+        </p:blipFill>
+        <p:spPr>
+          <a:xfrm flipH="1">
+            <a:off x="2190115" y="1270000"/>
+            <a:ext cx="901065" cy="1658620"/>
+          </a:xfrm>
+          <a:prstGeom prst="rect">
+            <a:avLst/>
+          </a:prstGeom>
+        </p:spPr>
+      </p:pic>
+      <p:pic>
+        <p:nvPicPr>
+          <p:cNvPr id="2" name="Picture 1"/>
+          <p:cNvPicPr>
+            <a:picLocks noChangeAspect="1"/>
+          </p:cNvPicPr>
+          <p:nvPr/>
+        </p:nvPicPr>
+        <p:blipFill>
+          <a:blip r:embed="rId2"/>
+          <a:srcRect l="21415" t="9476" r="17955" b="16459"/>
+          <a:stretch>
+            <a:fillRect/>
+          </a:stretch>
+        </p:blipFill>
+        <p:spPr>
+          <a:xfrm>
+            <a:off x="443230" y="1426845"/>
+            <a:ext cx="1235075" cy="1508760"/>
+          </a:xfrm>
+          <a:prstGeom prst="rect">
+            <a:avLst/>
+          </a:prstGeom>
+        </p:spPr>
+      </p:pic>
+      <p:pic>
+        <p:nvPicPr>
+          <p:cNvPr id="8" name="Picture 7"/>
+          <p:cNvPicPr>
+            <a:picLocks noChangeAspect="1"/>
+          </p:cNvPicPr>
+          <p:nvPr/>
+        </p:nvPicPr>
+        <p:blipFill>
+          <a:blip r:embed="rId1"/>
+          <a:srcRect l="13873" t="16667" r="20809" b="31111"/>
+          <a:stretch>
+            <a:fillRect/>
+          </a:stretch>
+        </p:blipFill>
+        <p:spPr>
+          <a:xfrm flipH="1">
+            <a:off x="3221355" y="1449705"/>
+            <a:ext cx="901700" cy="1299845"/>
+          </a:xfrm>
+          <a:prstGeom prst="rect">
+            <a:avLst/>
+          </a:prstGeom>
+        </p:spPr>
+      </p:pic>
+      <p:pic>
+        <p:nvPicPr>
+          <p:cNvPr id="11" name="Picture 10"/>
+          <p:cNvPicPr>
+            <a:picLocks noChangeAspect="1"/>
+          </p:cNvPicPr>
+          <p:nvPr/>
+        </p:nvPicPr>
+        <p:blipFill>
+          <a:blip r:embed="rId1"/>
+          <a:srcRect l="13873" t="16667" r="20809" b="31111"/>
+          <a:stretch>
+            <a:fillRect/>
+          </a:stretch>
+        </p:blipFill>
+        <p:spPr>
+          <a:xfrm flipH="1">
+            <a:off x="4253230" y="1682750"/>
+            <a:ext cx="901065" cy="833120"/>
+          </a:xfrm>
+          <a:prstGeom prst="rect">
+            <a:avLst/>
+          </a:prstGeom>
+        </p:spPr>
+      </p:pic>
+      <p:pic>
+        <p:nvPicPr>
+          <p:cNvPr id="15" name="Picture 14"/>
+          <p:cNvPicPr>
+            <a:picLocks noChangeAspect="1"/>
+          </p:cNvPicPr>
+          <p:nvPr/>
+        </p:nvPicPr>
+        <p:blipFill>
+          <a:blip r:embed="rId1"/>
+          <a:srcRect l="13873" t="16667" r="20809" b="31111"/>
+          <a:stretch>
+            <a:fillRect/>
+          </a:stretch>
+        </p:blipFill>
+        <p:spPr>
+          <a:xfrm flipH="1">
+            <a:off x="5238750" y="1682750"/>
+            <a:ext cx="2008505" cy="833120"/>
+          </a:xfrm>
+          <a:prstGeom prst="rect">
+            <a:avLst/>
+          </a:prstGeom>
+        </p:spPr>
+      </p:pic>
+      <p:sp>
+        <p:nvSpPr>
+          <p:cNvPr id="29" name="Rounded Rectangle 28"/>
+          <p:cNvSpPr/>
+          <p:nvPr/>
+        </p:nvSpPr>
+        <p:spPr>
+          <a:xfrm>
+            <a:off x="9648190" y="1147445"/>
+            <a:ext cx="304800" cy="1915160"/>
+          </a:xfrm>
+          <a:prstGeom prst="roundRect">
+            <a:avLst/>
+          </a:prstGeom>
+          <a:ln>
+            <a:noFill/>
+          </a:ln>
+        </p:spPr>
+        <p:style>
+          <a:lnRef idx="2">
+            <a:schemeClr val="accent1">
+              <a:shade val="50000"/>
+            </a:schemeClr>
+          </a:lnRef>
+          <a:fillRef idx="1">
+            <a:schemeClr val="accent1"/>
+          </a:fillRef>
+          <a:effectRef idx="0">
+            <a:schemeClr val="accent1"/>
+          </a:effectRef>
+          <a:fontRef idx="minor">
+            <a:schemeClr val="lt1"/>
+          </a:fontRef>
+        </p:style>
+        <p:txBody>
+          <a:bodyPr rtlCol="0" anchor="ctr"/>
+          <a:p>
+            <a:pPr algn="ctr"/>
+            <a:endParaRPr lang="en-US"/>
+          </a:p>
+        </p:txBody>
+      </p:sp>
+      <p:sp>
+        <p:nvSpPr>
+          <p:cNvPr id="30" name="Rounded Rectangle 29"/>
+          <p:cNvSpPr/>
+          <p:nvPr/>
+        </p:nvSpPr>
+        <p:spPr>
+          <a:xfrm>
+            <a:off x="2067560" y="1123950"/>
+            <a:ext cx="5160010" cy="1889125"/>
+          </a:xfrm>
+          <a:prstGeom prst="roundRect">
+            <a:avLst>
+              <a:gd name="adj" fmla="val 4168"/>
+            </a:avLst>
+          </a:prstGeom>
+          <a:noFill/>
+          <a:ln>
+            <a:solidFill>
+              <a:schemeClr val="tx1"/>
+            </a:solidFill>
+          </a:ln>
+        </p:spPr>
+        <p:style>
+          <a:lnRef idx="2">
+            <a:schemeClr val="accent1">
+              <a:shade val="50000"/>
+            </a:schemeClr>
+          </a:lnRef>
+          <a:fillRef idx="1">
+            <a:schemeClr val="accent1"/>
+          </a:fillRef>
+          <a:effectRef idx="0">
+            <a:schemeClr val="accent1"/>
+          </a:effectRef>
+          <a:fontRef idx="minor">
+            <a:schemeClr val="lt1"/>
+          </a:fontRef>
+        </p:style>
+        <p:txBody>
+          <a:bodyPr rtlCol="0" anchor="ctr"/>
+          <a:p>
+            <a:pPr algn="ctr"/>
+            <a:endParaRPr lang="en-US"/>
+          </a:p>
+        </p:txBody>
+      </p:sp>
+      <p:cxnSp>
+        <p:nvCxnSpPr>
+          <p:cNvPr id="31" name="Straight Arrow Connector 30"/>
+          <p:cNvCxnSpPr/>
+          <p:nvPr/>
+        </p:nvCxnSpPr>
+        <p:spPr>
+          <a:xfrm>
+            <a:off x="1598930" y="2179320"/>
+            <a:ext cx="396240" cy="0"/>
+          </a:xfrm>
+          <a:prstGeom prst="straightConnector1">
+            <a:avLst/>
+          </a:prstGeom>
+          <a:ln w="28575" cmpd="sng">
+            <a:solidFill>
+              <a:schemeClr val="tx1"/>
+            </a:solidFill>
+            <a:prstDash val="solid"/>
+            <a:tailEnd type="triangle"/>
+          </a:ln>
+        </p:spPr>
+        <p:style>
+          <a:lnRef idx="1">
+            <a:schemeClr val="accent1"/>
+          </a:lnRef>
+          <a:fillRef idx="0">
+            <a:schemeClr val="accent1"/>
+          </a:fillRef>
+          <a:effectRef idx="0">
+            <a:schemeClr val="accent1"/>
+          </a:effectRef>
+          <a:fontRef idx="minor">
+            <a:schemeClr val="tx1"/>
+          </a:fontRef>
+        </p:style>
+      </p:cxnSp>
+      <p:cxnSp>
+        <p:nvCxnSpPr>
+          <p:cNvPr id="32" name="Straight Arrow Connector 31"/>
+          <p:cNvCxnSpPr/>
+          <p:nvPr/>
+        </p:nvCxnSpPr>
+        <p:spPr>
+          <a:xfrm>
+            <a:off x="3045460" y="2179320"/>
+            <a:ext cx="223520" cy="3810"/>
+          </a:xfrm>
+          <a:prstGeom prst="straightConnector1">
+            <a:avLst/>
+          </a:prstGeom>
+          <a:ln w="28575" cmpd="sng">
+            <a:solidFill>
+              <a:schemeClr val="tx1"/>
+            </a:solidFill>
+            <a:prstDash val="solid"/>
+            <a:tailEnd type="triangle"/>
+          </a:ln>
+        </p:spPr>
+        <p:style>
+          <a:lnRef idx="1">
+            <a:schemeClr val="accent1"/>
+          </a:lnRef>
+          <a:fillRef idx="0">
+            <a:schemeClr val="accent1"/>
+          </a:fillRef>
+          <a:effectRef idx="0">
+            <a:schemeClr val="accent1"/>
+          </a:effectRef>
+          <a:fontRef idx="minor">
+            <a:schemeClr val="tx1"/>
+          </a:fontRef>
+        </p:style>
+      </p:cxnSp>
+      <p:cxnSp>
+        <p:nvCxnSpPr>
+          <p:cNvPr id="33" name="Straight Arrow Connector 32"/>
+          <p:cNvCxnSpPr/>
+          <p:nvPr/>
+        </p:nvCxnSpPr>
+        <p:spPr>
+          <a:xfrm>
+            <a:off x="4077335" y="2159000"/>
+            <a:ext cx="223520" cy="3810"/>
+          </a:xfrm>
+          <a:prstGeom prst="straightConnector1">
+            <a:avLst/>
+          </a:prstGeom>
+          <a:ln w="28575" cmpd="sng">
+            <a:solidFill>
+              <a:schemeClr val="tx1"/>
+            </a:solidFill>
+            <a:prstDash val="solid"/>
+            <a:tailEnd type="triangle"/>
+          </a:ln>
+        </p:spPr>
+        <p:style>
+          <a:lnRef idx="1">
+            <a:schemeClr val="accent1"/>
+          </a:lnRef>
+          <a:fillRef idx="0">
+            <a:schemeClr val="accent1"/>
+          </a:fillRef>
+          <a:effectRef idx="0">
+            <a:schemeClr val="accent1"/>
+          </a:effectRef>
+          <a:fontRef idx="minor">
+            <a:schemeClr val="tx1"/>
+          </a:fontRef>
+        </p:style>
+      </p:cxnSp>
+      <p:cxnSp>
+        <p:nvCxnSpPr>
+          <p:cNvPr id="34" name="Straight Arrow Connector 33"/>
+          <p:cNvCxnSpPr/>
+          <p:nvPr/>
+        </p:nvCxnSpPr>
+        <p:spPr>
+          <a:xfrm>
+            <a:off x="5100320" y="2155190"/>
+            <a:ext cx="223520" cy="3810"/>
+          </a:xfrm>
+          <a:prstGeom prst="straightConnector1">
+            <a:avLst/>
+          </a:prstGeom>
+          <a:ln w="28575" cmpd="sng">
+            <a:solidFill>
+              <a:schemeClr val="tx1"/>
+            </a:solidFill>
+            <a:prstDash val="solid"/>
+            <a:tailEnd type="triangle"/>
+          </a:ln>
+        </p:spPr>
+        <p:style>
+          <a:lnRef idx="1">
+            <a:schemeClr val="accent1"/>
+          </a:lnRef>
+          <a:fillRef idx="0">
+            <a:schemeClr val="accent1"/>
+          </a:fillRef>
+          <a:effectRef idx="0">
+            <a:schemeClr val="accent1"/>
+          </a:effectRef>
+          <a:fontRef idx="minor">
+            <a:schemeClr val="tx1"/>
+          </a:fontRef>
+        </p:style>
+      </p:cxnSp>
+      <p:cxnSp>
+        <p:nvCxnSpPr>
+          <p:cNvPr id="35" name="Straight Arrow Connector 34"/>
+          <p:cNvCxnSpPr/>
+          <p:nvPr/>
+        </p:nvCxnSpPr>
+        <p:spPr>
+          <a:xfrm>
+            <a:off x="7262495" y="2162810"/>
+            <a:ext cx="223520" cy="3810"/>
+          </a:xfrm>
+          <a:prstGeom prst="straightConnector1">
+            <a:avLst/>
+          </a:prstGeom>
+          <a:ln w="28575" cmpd="sng">
+            <a:solidFill>
+              <a:schemeClr val="tx1"/>
+            </a:solidFill>
+            <a:prstDash val="solid"/>
+            <a:tailEnd type="triangle"/>
+          </a:ln>
+        </p:spPr>
+        <p:style>
+          <a:lnRef idx="1">
+            <a:schemeClr val="accent1"/>
+          </a:lnRef>
+          <a:fillRef idx="0">
+            <a:schemeClr val="accent1"/>
+          </a:fillRef>
+          <a:effectRef idx="0">
+            <a:schemeClr val="accent1"/>
+          </a:effectRef>
+          <a:fontRef idx="minor">
+            <a:schemeClr val="tx1"/>
+          </a:fontRef>
+        </p:style>
+      </p:cxnSp>
+      <p:cxnSp>
+        <p:nvCxnSpPr>
+          <p:cNvPr id="36" name="Straight Arrow Connector 35"/>
+          <p:cNvCxnSpPr/>
+          <p:nvPr/>
+        </p:nvCxnSpPr>
+        <p:spPr>
+          <a:xfrm>
+            <a:off x="9355455" y="2159000"/>
+            <a:ext cx="223520" cy="3810"/>
+          </a:xfrm>
+          <a:prstGeom prst="straightConnector1">
+            <a:avLst/>
+          </a:prstGeom>
+          <a:ln w="28575" cmpd="sng">
+            <a:solidFill>
+              <a:schemeClr val="tx1"/>
+            </a:solidFill>
+            <a:prstDash val="solid"/>
+            <a:tailEnd type="triangle"/>
+          </a:ln>
+        </p:spPr>
+        <p:style>
+          <a:lnRef idx="1">
+            <a:schemeClr val="accent1"/>
+          </a:lnRef>
+          <a:fillRef idx="0">
+            <a:schemeClr val="accent1"/>
+          </a:fillRef>
+          <a:effectRef idx="0">
+            <a:schemeClr val="accent1"/>
+          </a:effectRef>
+          <a:fontRef idx="minor">
+            <a:schemeClr val="tx1"/>
+          </a:fontRef>
+        </p:style>
+      </p:cxnSp>
+      <p:sp>
+        <p:nvSpPr>
+          <p:cNvPr id="37" name="Text Box 36"/>
+          <p:cNvSpPr txBox="1"/>
+          <p:nvPr/>
+        </p:nvSpPr>
+        <p:spPr>
+          <a:xfrm>
+            <a:off x="3329305" y="786765"/>
+            <a:ext cx="2636520" cy="337185"/>
+          </a:xfrm>
+          <a:prstGeom prst="rect">
+            <a:avLst/>
+          </a:prstGeom>
+          <a:noFill/>
+        </p:spPr>
+        <p:txBody>
+          <a:bodyPr wrap="square" rtlCol="0">
+            <a:spAutoFit/>
+          </a:bodyPr>
+          <a:p>
+            <a:r>
+              <a:rPr lang="es-ES_tradnl" altLang="en-US" sz="1600">
+                <a:latin typeface="Tibetan Machine Uni" panose="01000503020000020002" charset="0"/>
+                <a:cs typeface="Tibetan Machine Uni" panose="01000503020000020002" charset="0"/>
+              </a:rPr>
+              <a:t>Deep learning model</a:t>
+            </a:r>
+            <a:endParaRPr lang="es-ES_tradnl" altLang="en-US" sz="1600">
+              <a:latin typeface="Tibetan Machine Uni" panose="01000503020000020002" charset="0"/>
+              <a:cs typeface="Tibetan Machine Uni" panose="01000503020000020002" charset="0"/>
+            </a:endParaRPr>
+          </a:p>
+        </p:txBody>
+      </p:sp>
+      <p:sp>
+        <p:nvSpPr>
+          <p:cNvPr id="38" name="Text Box 37"/>
+          <p:cNvSpPr txBox="1"/>
+          <p:nvPr/>
+        </p:nvSpPr>
+        <p:spPr>
+          <a:xfrm>
+            <a:off x="4559935" y="1270000"/>
+            <a:ext cx="1943100" cy="306705"/>
+          </a:xfrm>
+          <a:prstGeom prst="rect">
+            <a:avLst/>
+          </a:prstGeom>
+          <a:noFill/>
+        </p:spPr>
+        <p:txBody>
+          <a:bodyPr wrap="square" rtlCol="0">
+            <a:spAutoFit/>
+          </a:bodyPr>
+          <a:p>
+            <a:r>
+              <a:rPr lang="es-ES_tradnl" altLang="en-US" sz="1400">
+                <a:latin typeface="Tibetan Machine Uni" panose="01000503020000020002" charset="0"/>
+                <a:cs typeface="Tibetan Machine Uni" panose="01000503020000020002" charset="0"/>
+              </a:rPr>
+              <a:t>Pre-trained weights</a:t>
+            </a:r>
+            <a:endParaRPr lang="es-ES_tradnl" altLang="en-US" sz="1400">
+              <a:latin typeface="Tibetan Machine Uni" panose="01000503020000020002" charset="0"/>
+              <a:cs typeface="Tibetan Machine Uni" panose="01000503020000020002" charset="0"/>
+            </a:endParaRPr>
+          </a:p>
+        </p:txBody>
+      </p:sp>
+      <p:sp>
+        <p:nvSpPr>
+          <p:cNvPr id="40" name="Text Box 39"/>
+          <p:cNvSpPr txBox="1"/>
+          <p:nvPr/>
+        </p:nvSpPr>
+        <p:spPr>
+          <a:xfrm>
+            <a:off x="443230" y="2865755"/>
+            <a:ext cx="1235075" cy="306705"/>
+          </a:xfrm>
+          <a:prstGeom prst="rect">
+            <a:avLst/>
+          </a:prstGeom>
+          <a:noFill/>
+        </p:spPr>
+        <p:txBody>
+          <a:bodyPr wrap="square" rtlCol="0">
+            <a:spAutoFit/>
+          </a:bodyPr>
+          <a:p>
+            <a:r>
+              <a:rPr lang="es-ES_tradnl" altLang="en-US" sz="1400">
+                <a:latin typeface="Tibetan Machine Uni" panose="01000503020000020002" charset="0"/>
+                <a:cs typeface="Tibetan Machine Uni" panose="01000503020000020002" charset="0"/>
+              </a:rPr>
+              <a:t>Big dataset</a:t>
+            </a:r>
+            <a:endParaRPr lang="es-ES_tradnl" altLang="en-US" sz="1400">
+              <a:latin typeface="Tibetan Machine Uni" panose="01000503020000020002" charset="0"/>
+              <a:cs typeface="Tibetan Machine Uni" panose="01000503020000020002" charset="0"/>
+            </a:endParaRPr>
+          </a:p>
+        </p:txBody>
+      </p:sp>
+      <p:pic>
+        <p:nvPicPr>
+          <p:cNvPr id="41" name="Picture 40"/>
+          <p:cNvPicPr>
+            <a:picLocks noChangeAspect="1"/>
+          </p:cNvPicPr>
+          <p:nvPr/>
+        </p:nvPicPr>
+        <p:blipFill>
+          <a:blip r:embed="rId1"/>
+          <a:srcRect l="13873" t="16667" r="20809" b="31111"/>
+          <a:stretch>
+            <a:fillRect/>
+          </a:stretch>
+        </p:blipFill>
+        <p:spPr>
+          <a:xfrm flipH="1">
+            <a:off x="2190115" y="4292600"/>
+            <a:ext cx="901065" cy="1658620"/>
+          </a:xfrm>
+          <a:prstGeom prst="rect">
+            <a:avLst/>
+          </a:prstGeom>
+        </p:spPr>
+      </p:pic>
+      <p:pic>
+        <p:nvPicPr>
+          <p:cNvPr id="42" name="Picture 41"/>
+          <p:cNvPicPr>
+            <a:picLocks noChangeAspect="1"/>
+          </p:cNvPicPr>
+          <p:nvPr/>
+        </p:nvPicPr>
+        <p:blipFill>
+          <a:blip r:embed="rId2"/>
+          <a:srcRect l="21415" t="9476" r="17955" b="16459"/>
+          <a:stretch>
+            <a:fillRect/>
+          </a:stretch>
+        </p:blipFill>
+        <p:spPr>
+          <a:xfrm>
+            <a:off x="788035" y="4599940"/>
+            <a:ext cx="890270" cy="1088390"/>
+          </a:xfrm>
+          <a:prstGeom prst="rect">
+            <a:avLst/>
+          </a:prstGeom>
+        </p:spPr>
+      </p:pic>
+      <p:pic>
+        <p:nvPicPr>
+          <p:cNvPr id="43" name="Picture 42"/>
+          <p:cNvPicPr>
+            <a:picLocks noChangeAspect="1"/>
+          </p:cNvPicPr>
+          <p:nvPr/>
+        </p:nvPicPr>
+        <p:blipFill>
+          <a:blip r:embed="rId1"/>
+          <a:srcRect l="13873" t="16667" r="20809" b="31111"/>
+          <a:stretch>
+            <a:fillRect/>
+          </a:stretch>
+        </p:blipFill>
+        <p:spPr>
+          <a:xfrm flipH="1">
+            <a:off x="3221355" y="4472305"/>
+            <a:ext cx="901700" cy="1299845"/>
+          </a:xfrm>
+          <a:prstGeom prst="rect">
+            <a:avLst/>
+          </a:prstGeom>
+        </p:spPr>
+      </p:pic>
+      <p:pic>
+        <p:nvPicPr>
+          <p:cNvPr id="44" name="Picture 43"/>
+          <p:cNvPicPr>
+            <a:picLocks noChangeAspect="1"/>
+          </p:cNvPicPr>
+          <p:nvPr/>
+        </p:nvPicPr>
+        <p:blipFill>
+          <a:blip r:embed="rId1"/>
+          <a:srcRect l="13873" t="16667" r="20809" b="31111"/>
+          <a:stretch>
+            <a:fillRect/>
+          </a:stretch>
+        </p:blipFill>
+        <p:spPr>
+          <a:xfrm flipH="1">
+            <a:off x="4253230" y="4705350"/>
+            <a:ext cx="901065" cy="833120"/>
+          </a:xfrm>
+          <a:prstGeom prst="rect">
+            <a:avLst/>
+          </a:prstGeom>
+        </p:spPr>
+      </p:pic>
+      <p:pic>
+        <p:nvPicPr>
+          <p:cNvPr id="45" name="Picture 44"/>
+          <p:cNvPicPr>
+            <a:picLocks noChangeAspect="1"/>
+          </p:cNvPicPr>
+          <p:nvPr/>
+        </p:nvPicPr>
+        <p:blipFill>
+          <a:blip r:embed="rId1"/>
+          <a:srcRect l="13873" t="16667" r="20809" b="31111"/>
+          <a:stretch>
+            <a:fillRect/>
+          </a:stretch>
+        </p:blipFill>
+        <p:spPr>
+          <a:xfrm flipH="1">
+            <a:off x="5238750" y="4705350"/>
+            <a:ext cx="2008505" cy="833120"/>
+          </a:xfrm>
+          <a:prstGeom prst="rect">
+            <a:avLst/>
+          </a:prstGeom>
+        </p:spPr>
+      </p:pic>
+      <p:sp>
+        <p:nvSpPr>
+          <p:cNvPr id="47" name="Rounded Rectangle 46"/>
+          <p:cNvSpPr/>
+          <p:nvPr/>
+        </p:nvSpPr>
+        <p:spPr>
+          <a:xfrm>
+            <a:off x="9648190" y="4170045"/>
+            <a:ext cx="304800" cy="1915160"/>
+          </a:xfrm>
+          <a:prstGeom prst="roundRect">
+            <a:avLst/>
+          </a:prstGeom>
+          <a:ln>
+            <a:noFill/>
+          </a:ln>
+        </p:spPr>
+        <p:style>
+          <a:lnRef idx="2">
+            <a:schemeClr val="accent1">
+              <a:shade val="50000"/>
+            </a:schemeClr>
+          </a:lnRef>
+          <a:fillRef idx="1">
+            <a:schemeClr val="accent1"/>
+          </a:fillRef>
+          <a:effectRef idx="0">
+            <a:schemeClr val="accent1"/>
+          </a:effectRef>
+          <a:fontRef idx="minor">
+            <a:schemeClr val="lt1"/>
+          </a:fontRef>
+        </p:style>
+        <p:txBody>
+          <a:bodyPr rtlCol="0" anchor="ctr"/>
+          <a:p>
+            <a:pPr algn="ctr"/>
+            <a:endParaRPr lang="en-US"/>
+          </a:p>
+        </p:txBody>
+      </p:sp>
+      <p:sp>
+        <p:nvSpPr>
+          <p:cNvPr id="48" name="Rounded Rectangle 47"/>
+          <p:cNvSpPr/>
+          <p:nvPr/>
+        </p:nvSpPr>
+        <p:spPr>
+          <a:xfrm>
+            <a:off x="2067560" y="3961130"/>
+            <a:ext cx="7247255" cy="2366645"/>
+          </a:xfrm>
+          <a:prstGeom prst="roundRect">
+            <a:avLst>
+              <a:gd name="adj" fmla="val 5517"/>
+            </a:avLst>
+          </a:prstGeom>
+          <a:noFill/>
+          <a:ln>
+            <a:solidFill>
+              <a:schemeClr val="tx1"/>
+            </a:solidFill>
+          </a:ln>
+        </p:spPr>
+        <p:style>
+          <a:lnRef idx="2">
+            <a:schemeClr val="accent1">
+              <a:shade val="50000"/>
+            </a:schemeClr>
+          </a:lnRef>
+          <a:fillRef idx="1">
+            <a:schemeClr val="accent1"/>
+          </a:fillRef>
+          <a:effectRef idx="0">
+            <a:schemeClr val="accent1"/>
+          </a:effectRef>
+          <a:fontRef idx="minor">
+            <a:schemeClr val="lt1"/>
+          </a:fontRef>
+        </p:style>
+        <p:txBody>
+          <a:bodyPr rtlCol="0" anchor="ctr"/>
+          <a:p>
+            <a:pPr algn="ctr"/>
+            <a:endParaRPr lang="en-US"/>
+          </a:p>
+        </p:txBody>
+      </p:sp>
+      <p:cxnSp>
+        <p:nvCxnSpPr>
+          <p:cNvPr id="49" name="Straight Arrow Connector 48"/>
+          <p:cNvCxnSpPr/>
+          <p:nvPr/>
+        </p:nvCxnSpPr>
+        <p:spPr>
+          <a:xfrm>
+            <a:off x="1598930" y="5201920"/>
+            <a:ext cx="396240" cy="0"/>
+          </a:xfrm>
+          <a:prstGeom prst="straightConnector1">
+            <a:avLst/>
+          </a:prstGeom>
+          <a:ln w="28575" cmpd="sng">
+            <a:solidFill>
+              <a:schemeClr val="tx1"/>
+            </a:solidFill>
+            <a:prstDash val="solid"/>
+            <a:tailEnd type="triangle"/>
+          </a:ln>
+        </p:spPr>
+        <p:style>
+          <a:lnRef idx="1">
+            <a:schemeClr val="accent1"/>
+          </a:lnRef>
+          <a:fillRef idx="0">
+            <a:schemeClr val="accent1"/>
+          </a:fillRef>
+          <a:effectRef idx="0">
+            <a:schemeClr val="accent1"/>
+          </a:effectRef>
+          <a:fontRef idx="minor">
+            <a:schemeClr val="tx1"/>
+          </a:fontRef>
+        </p:style>
+      </p:cxnSp>
+      <p:cxnSp>
+        <p:nvCxnSpPr>
+          <p:cNvPr id="50" name="Straight Arrow Connector 49"/>
+          <p:cNvCxnSpPr/>
+          <p:nvPr/>
+        </p:nvCxnSpPr>
+        <p:spPr>
+          <a:xfrm>
+            <a:off x="3045460" y="5201920"/>
+            <a:ext cx="223520" cy="3810"/>
+          </a:xfrm>
+          <a:prstGeom prst="straightConnector1">
+            <a:avLst/>
+          </a:prstGeom>
+          <a:ln w="28575" cmpd="sng">
+            <a:solidFill>
+              <a:schemeClr val="tx1"/>
+            </a:solidFill>
+            <a:prstDash val="solid"/>
+            <a:tailEnd type="triangle"/>
+          </a:ln>
+        </p:spPr>
+        <p:style>
+          <a:lnRef idx="1">
+            <a:schemeClr val="accent1"/>
+          </a:lnRef>
+          <a:fillRef idx="0">
+            <a:schemeClr val="accent1"/>
+          </a:fillRef>
+          <a:effectRef idx="0">
+            <a:schemeClr val="accent1"/>
+          </a:effectRef>
+          <a:fontRef idx="minor">
+            <a:schemeClr val="tx1"/>
+          </a:fontRef>
+        </p:style>
+      </p:cxnSp>
+      <p:cxnSp>
+        <p:nvCxnSpPr>
+          <p:cNvPr id="51" name="Straight Arrow Connector 50"/>
+          <p:cNvCxnSpPr/>
+          <p:nvPr/>
+        </p:nvCxnSpPr>
+        <p:spPr>
+          <a:xfrm>
+            <a:off x="4077335" y="5181600"/>
+            <a:ext cx="223520" cy="3810"/>
+          </a:xfrm>
+          <a:prstGeom prst="straightConnector1">
+            <a:avLst/>
+          </a:prstGeom>
+          <a:ln w="28575" cmpd="sng">
+            <a:solidFill>
+              <a:schemeClr val="tx1"/>
+            </a:solidFill>
+            <a:prstDash val="solid"/>
+            <a:tailEnd type="triangle"/>
+          </a:ln>
+        </p:spPr>
+        <p:style>
+          <a:lnRef idx="1">
+            <a:schemeClr val="accent1"/>
+          </a:lnRef>
+          <a:fillRef idx="0">
+            <a:schemeClr val="accent1"/>
+          </a:fillRef>
+          <a:effectRef idx="0">
+            <a:schemeClr val="accent1"/>
+          </a:effectRef>
+          <a:fontRef idx="minor">
+            <a:schemeClr val="tx1"/>
+          </a:fontRef>
+        </p:style>
+      </p:cxnSp>
+      <p:cxnSp>
+        <p:nvCxnSpPr>
+          <p:cNvPr id="52" name="Straight Arrow Connector 51"/>
+          <p:cNvCxnSpPr/>
+          <p:nvPr/>
+        </p:nvCxnSpPr>
+        <p:spPr>
+          <a:xfrm>
+            <a:off x="5100320" y="5177790"/>
+            <a:ext cx="223520" cy="3810"/>
+          </a:xfrm>
+          <a:prstGeom prst="straightConnector1">
+            <a:avLst/>
+          </a:prstGeom>
+          <a:ln w="28575" cmpd="sng">
+            <a:solidFill>
+              <a:schemeClr val="tx1"/>
+            </a:solidFill>
+            <a:prstDash val="solid"/>
+            <a:tailEnd type="triangle"/>
+          </a:ln>
+        </p:spPr>
+        <p:style>
+          <a:lnRef idx="1">
+            <a:schemeClr val="accent1"/>
+          </a:lnRef>
+          <a:fillRef idx="0">
+            <a:schemeClr val="accent1"/>
+          </a:fillRef>
+          <a:effectRef idx="0">
+            <a:schemeClr val="accent1"/>
+          </a:effectRef>
+          <a:fontRef idx="minor">
+            <a:schemeClr val="tx1"/>
+          </a:fontRef>
+        </p:style>
+      </p:cxnSp>
+      <p:cxnSp>
+        <p:nvCxnSpPr>
+          <p:cNvPr id="53" name="Straight Arrow Connector 52"/>
+          <p:cNvCxnSpPr/>
+          <p:nvPr/>
+        </p:nvCxnSpPr>
+        <p:spPr>
+          <a:xfrm>
+            <a:off x="7275830" y="5173980"/>
+            <a:ext cx="223520" cy="3810"/>
+          </a:xfrm>
+          <a:prstGeom prst="straightConnector1">
+            <a:avLst/>
+          </a:prstGeom>
+          <a:ln w="28575" cmpd="sng">
+            <a:solidFill>
+              <a:schemeClr val="tx1"/>
+            </a:solidFill>
+            <a:prstDash val="solid"/>
+            <a:tailEnd type="triangle"/>
+          </a:ln>
+        </p:spPr>
+        <p:style>
+          <a:lnRef idx="1">
+            <a:schemeClr val="accent1"/>
+          </a:lnRef>
+          <a:fillRef idx="0">
+            <a:schemeClr val="accent1"/>
+          </a:fillRef>
+          <a:effectRef idx="0">
+            <a:schemeClr val="accent1"/>
+          </a:effectRef>
+          <a:fontRef idx="minor">
+            <a:schemeClr val="tx1"/>
+          </a:fontRef>
+        </p:style>
+      </p:cxnSp>
+      <p:cxnSp>
+        <p:nvCxnSpPr>
+          <p:cNvPr id="54" name="Straight Arrow Connector 53"/>
+          <p:cNvCxnSpPr/>
+          <p:nvPr/>
+        </p:nvCxnSpPr>
+        <p:spPr>
+          <a:xfrm>
+            <a:off x="9370060" y="5170170"/>
+            <a:ext cx="223520" cy="3810"/>
+          </a:xfrm>
+          <a:prstGeom prst="straightConnector1">
+            <a:avLst/>
+          </a:prstGeom>
+          <a:ln w="28575" cmpd="sng">
+            <a:solidFill>
+              <a:schemeClr val="tx1"/>
+            </a:solidFill>
+            <a:prstDash val="solid"/>
+            <a:tailEnd type="triangle"/>
+          </a:ln>
+        </p:spPr>
+        <p:style>
+          <a:lnRef idx="1">
+            <a:schemeClr val="accent1"/>
+          </a:lnRef>
+          <a:fillRef idx="0">
+            <a:schemeClr val="accent1"/>
+          </a:fillRef>
+          <a:effectRef idx="0">
+            <a:schemeClr val="accent1"/>
+          </a:effectRef>
+          <a:fontRef idx="minor">
+            <a:schemeClr val="tx1"/>
+          </a:fontRef>
+        </p:style>
+      </p:cxnSp>
+      <p:sp>
+        <p:nvSpPr>
+          <p:cNvPr id="55" name="Text Box 54"/>
+          <p:cNvSpPr txBox="1"/>
+          <p:nvPr/>
+        </p:nvSpPr>
+        <p:spPr>
+          <a:xfrm>
+            <a:off x="3385820" y="3358515"/>
+            <a:ext cx="2636520" cy="337185"/>
+          </a:xfrm>
+          <a:prstGeom prst="rect">
+            <a:avLst/>
+          </a:prstGeom>
+          <a:noFill/>
+        </p:spPr>
+        <p:txBody>
+          <a:bodyPr wrap="square" rtlCol="0">
+            <a:spAutoFit/>
+          </a:bodyPr>
+          <a:p>
+            <a:r>
+              <a:rPr lang="es-ES_tradnl" altLang="en-US" sz="1600">
+                <a:latin typeface="Tibetan Machine Uni" panose="01000503020000020002" charset="0"/>
+                <a:cs typeface="Tibetan Machine Uni" panose="01000503020000020002" charset="0"/>
+              </a:rPr>
+              <a:t>Transfer learning</a:t>
+            </a:r>
+            <a:endParaRPr lang="es-ES_tradnl" altLang="en-US" sz="1600">
+              <a:latin typeface="Tibetan Machine Uni" panose="01000503020000020002" charset="0"/>
+              <a:cs typeface="Tibetan Machine Uni" panose="01000503020000020002" charset="0"/>
+            </a:endParaRPr>
+          </a:p>
+        </p:txBody>
+      </p:sp>
+      <p:sp>
+        <p:nvSpPr>
+          <p:cNvPr id="56" name="Text Box 55"/>
+          <p:cNvSpPr txBox="1"/>
+          <p:nvPr/>
+        </p:nvSpPr>
+        <p:spPr>
+          <a:xfrm>
+            <a:off x="4559935" y="4292600"/>
+            <a:ext cx="1943100" cy="306705"/>
+          </a:xfrm>
+          <a:prstGeom prst="rect">
+            <a:avLst/>
+          </a:prstGeom>
+          <a:noFill/>
+        </p:spPr>
+        <p:txBody>
+          <a:bodyPr wrap="square" rtlCol="0">
+            <a:spAutoFit/>
+          </a:bodyPr>
+          <a:p>
+            <a:r>
+              <a:rPr lang="es-ES_tradnl" altLang="en-US" sz="1400">
+                <a:latin typeface="Tibetan Machine Uni" panose="01000503020000020002" charset="0"/>
+                <a:cs typeface="Tibetan Machine Uni" panose="01000503020000020002" charset="0"/>
+              </a:rPr>
+              <a:t>Pre-trained weights</a:t>
+            </a:r>
+            <a:endParaRPr lang="es-ES_tradnl" altLang="en-US" sz="1400">
+              <a:latin typeface="Tibetan Machine Uni" panose="01000503020000020002" charset="0"/>
+              <a:cs typeface="Tibetan Machine Uni" panose="01000503020000020002" charset="0"/>
+            </a:endParaRPr>
+          </a:p>
+        </p:txBody>
+      </p:sp>
+      <p:sp>
+        <p:nvSpPr>
+          <p:cNvPr id="57" name="Text Box 56"/>
+          <p:cNvSpPr txBox="1"/>
+          <p:nvPr/>
+        </p:nvSpPr>
+        <p:spPr>
+          <a:xfrm>
+            <a:off x="523240" y="5680710"/>
+            <a:ext cx="1498600" cy="306705"/>
+          </a:xfrm>
+          <a:prstGeom prst="rect">
+            <a:avLst/>
+          </a:prstGeom>
+          <a:noFill/>
+        </p:spPr>
+        <p:txBody>
+          <a:bodyPr wrap="square" rtlCol="0">
+            <a:spAutoFit/>
+          </a:bodyPr>
+          <a:p>
+            <a:r>
+              <a:rPr lang="es-ES_tradnl" altLang="en-US" sz="1400">
+                <a:latin typeface="Tibetan Machine Uni" panose="01000503020000020002" charset="0"/>
+                <a:cs typeface="Tibetan Machine Uni" panose="01000503020000020002" charset="0"/>
+              </a:rPr>
+              <a:t>Small dataset</a:t>
+            </a:r>
+            <a:endParaRPr lang="es-ES_tradnl" altLang="en-US" sz="1400">
+              <a:latin typeface="Tibetan Machine Uni" panose="01000503020000020002" charset="0"/>
+              <a:cs typeface="Tibetan Machine Uni" panose="01000503020000020002" charset="0"/>
+            </a:endParaRPr>
+          </a:p>
+        </p:txBody>
+      </p:sp>
+      <p:sp>
+        <p:nvSpPr>
+          <p:cNvPr id="58" name="Text Box 57"/>
+          <p:cNvSpPr txBox="1"/>
+          <p:nvPr/>
+        </p:nvSpPr>
+        <p:spPr>
+          <a:xfrm>
+            <a:off x="7780020" y="5806440"/>
+            <a:ext cx="1264920" cy="306705"/>
+          </a:xfrm>
+          <a:prstGeom prst="rect">
+            <a:avLst/>
+          </a:prstGeom>
+          <a:noFill/>
+        </p:spPr>
+        <p:txBody>
+          <a:bodyPr wrap="square" rtlCol="0">
+            <a:spAutoFit/>
+          </a:bodyPr>
+          <a:p>
+            <a:r>
+              <a:rPr lang="es-ES_tradnl" altLang="en-US" sz="1400">
+                <a:latin typeface="Tibetan Machine Uni" panose="01000503020000020002" charset="0"/>
+                <a:cs typeface="Tibetan Machine Uni" panose="01000503020000020002" charset="0"/>
+              </a:rPr>
+              <a:t>Fine tuning</a:t>
+            </a:r>
+            <a:endParaRPr lang="es-ES_tradnl" altLang="en-US" sz="1400">
+              <a:latin typeface="Tibetan Machine Uni" panose="01000503020000020002" charset="0"/>
+              <a:cs typeface="Tibetan Machine Uni" panose="01000503020000020002" charset="0"/>
+            </a:endParaRPr>
+          </a:p>
+        </p:txBody>
+      </p:sp>
+      <p:sp>
+        <p:nvSpPr>
+          <p:cNvPr id="59" name="Rounded Rectangle 58"/>
+          <p:cNvSpPr/>
+          <p:nvPr/>
+        </p:nvSpPr>
+        <p:spPr>
+          <a:xfrm>
+            <a:off x="2159000" y="4241800"/>
+            <a:ext cx="5017770" cy="1767205"/>
+          </a:xfrm>
+          <a:prstGeom prst="roundRect">
+            <a:avLst>
+              <a:gd name="adj" fmla="val 4599"/>
+            </a:avLst>
+          </a:prstGeom>
+          <a:noFill/>
+          <a:ln>
+            <a:solidFill>
+              <a:schemeClr val="tx1"/>
+            </a:solidFill>
+          </a:ln>
+        </p:spPr>
+        <p:style>
+          <a:lnRef idx="2">
+            <a:schemeClr val="accent1">
+              <a:shade val="50000"/>
+            </a:schemeClr>
+          </a:lnRef>
+          <a:fillRef idx="1">
+            <a:schemeClr val="accent1"/>
+          </a:fillRef>
+          <a:effectRef idx="0">
+            <a:schemeClr val="accent1"/>
+          </a:effectRef>
+          <a:fontRef idx="minor">
+            <a:schemeClr val="lt1"/>
+          </a:fontRef>
+        </p:style>
+        <p:txBody>
+          <a:bodyPr rtlCol="0" anchor="ctr"/>
+          <a:p>
+            <a:pPr algn="ctr"/>
+            <a:endParaRPr lang="en-US"/>
+          </a:p>
+        </p:txBody>
+      </p:sp>
+      <p:sp>
+        <p:nvSpPr>
+          <p:cNvPr id="60" name="Rounded Rectangle 59"/>
+          <p:cNvSpPr/>
+          <p:nvPr/>
+        </p:nvSpPr>
+        <p:spPr>
+          <a:xfrm>
+            <a:off x="2772410" y="3319145"/>
+            <a:ext cx="3193415" cy="392430"/>
+          </a:xfrm>
+          <a:prstGeom prst="roundRect">
+            <a:avLst>
+              <a:gd name="adj" fmla="val 4168"/>
+            </a:avLst>
+          </a:prstGeom>
+          <a:noFill/>
+          <a:ln>
+            <a:solidFill>
+              <a:schemeClr val="tx1"/>
+            </a:solidFill>
+          </a:ln>
+        </p:spPr>
+        <p:style>
+          <a:lnRef idx="2">
+            <a:schemeClr val="accent1">
+              <a:shade val="50000"/>
+            </a:schemeClr>
+          </a:lnRef>
+          <a:fillRef idx="1">
+            <a:schemeClr val="accent1"/>
+          </a:fillRef>
+          <a:effectRef idx="0">
+            <a:schemeClr val="accent1"/>
+          </a:effectRef>
+          <a:fontRef idx="minor">
+            <a:schemeClr val="lt1"/>
+          </a:fontRef>
+        </p:style>
+        <p:txBody>
+          <a:bodyPr rtlCol="0" anchor="ctr"/>
+          <a:p>
+            <a:pPr algn="ctr"/>
+            <a:endParaRPr lang="en-US"/>
+          </a:p>
+        </p:txBody>
+      </p:sp>
+      <p:cxnSp>
+        <p:nvCxnSpPr>
+          <p:cNvPr id="61" name="Straight Arrow Connector 60"/>
+          <p:cNvCxnSpPr/>
+          <p:nvPr/>
+        </p:nvCxnSpPr>
+        <p:spPr>
+          <a:xfrm>
+            <a:off x="4366895" y="3055620"/>
+            <a:ext cx="5080" cy="220980"/>
+          </a:xfrm>
+          <a:prstGeom prst="straightConnector1">
+            <a:avLst/>
+          </a:prstGeom>
+          <a:ln w="28575" cmpd="sng">
+            <a:solidFill>
+              <a:schemeClr val="tx1"/>
+            </a:solidFill>
+            <a:prstDash val="solid"/>
+            <a:tailEnd type="triangle"/>
+          </a:ln>
+        </p:spPr>
+        <p:style>
+          <a:lnRef idx="1">
+            <a:schemeClr val="accent1"/>
+          </a:lnRef>
+          <a:fillRef idx="0">
+            <a:schemeClr val="accent1"/>
+          </a:fillRef>
+          <a:effectRef idx="0">
+            <a:schemeClr val="accent1"/>
+          </a:effectRef>
+          <a:fontRef idx="minor">
+            <a:schemeClr val="tx1"/>
+          </a:fontRef>
+        </p:style>
+      </p:cxnSp>
+      <p:cxnSp>
+        <p:nvCxnSpPr>
+          <p:cNvPr id="62" name="Straight Arrow Connector 61"/>
+          <p:cNvCxnSpPr/>
+          <p:nvPr/>
+        </p:nvCxnSpPr>
+        <p:spPr>
+          <a:xfrm>
+            <a:off x="4361815" y="3777615"/>
+            <a:ext cx="4445" cy="409575"/>
+          </a:xfrm>
+          <a:prstGeom prst="straightConnector1">
+            <a:avLst/>
+          </a:prstGeom>
+          <a:ln w="28575" cmpd="sng">
+            <a:solidFill>
+              <a:schemeClr val="tx1"/>
+            </a:solidFill>
+            <a:prstDash val="solid"/>
+            <a:tailEnd type="triangle"/>
+          </a:ln>
+        </p:spPr>
+        <p:style>
+          <a:lnRef idx="1">
+            <a:schemeClr val="accent1"/>
+          </a:lnRef>
+          <a:fillRef idx="0">
+            <a:schemeClr val="accent1"/>
+          </a:fillRef>
+          <a:effectRef idx="0">
+            <a:schemeClr val="accent1"/>
+          </a:effectRef>
+          <a:fontRef idx="minor">
+            <a:schemeClr val="tx1"/>
+          </a:fontRef>
+        </p:style>
+      </p:cxnSp>
+      <p:sp>
+        <p:nvSpPr>
+          <p:cNvPr id="63" name="Text Box 62"/>
+          <p:cNvSpPr txBox="1"/>
+          <p:nvPr/>
+        </p:nvSpPr>
+        <p:spPr>
+          <a:xfrm>
+            <a:off x="9385300" y="3060700"/>
+            <a:ext cx="830580" cy="306705"/>
+          </a:xfrm>
+          <a:prstGeom prst="rect">
+            <a:avLst/>
+          </a:prstGeom>
+          <a:noFill/>
+        </p:spPr>
+        <p:txBody>
+          <a:bodyPr wrap="square" rtlCol="0">
+            <a:spAutoFit/>
+          </a:bodyPr>
+          <a:p>
+            <a:r>
+              <a:rPr lang="es-ES_tradnl" altLang="en-US" sz="1400">
+                <a:latin typeface="Tibetan Machine Uni" panose="01000503020000020002" charset="0"/>
+                <a:cs typeface="Tibetan Machine Uni" panose="01000503020000020002" charset="0"/>
+              </a:rPr>
+              <a:t>Output</a:t>
+            </a:r>
+            <a:endParaRPr lang="es-ES_tradnl" altLang="en-US" sz="1400">
+              <a:latin typeface="Tibetan Machine Uni" panose="01000503020000020002" charset="0"/>
+              <a:cs typeface="Tibetan Machine Uni" panose="01000503020000020002" charset="0"/>
+            </a:endParaRPr>
+          </a:p>
+        </p:txBody>
+      </p:sp>
+      <p:sp>
+        <p:nvSpPr>
+          <p:cNvPr id="64" name="Text Box 63"/>
+          <p:cNvSpPr txBox="1"/>
+          <p:nvPr/>
+        </p:nvSpPr>
+        <p:spPr>
+          <a:xfrm>
+            <a:off x="9387205" y="6085205"/>
+            <a:ext cx="830580" cy="306705"/>
+          </a:xfrm>
+          <a:prstGeom prst="rect">
+            <a:avLst/>
+          </a:prstGeom>
+          <a:noFill/>
+        </p:spPr>
+        <p:txBody>
+          <a:bodyPr wrap="square" rtlCol="0">
+            <a:spAutoFit/>
+          </a:bodyPr>
+          <a:p>
+            <a:r>
+              <a:rPr lang="es-ES_tradnl" altLang="en-US" sz="1400">
+                <a:latin typeface="Tibetan Machine Uni" panose="01000503020000020002" charset="0"/>
+                <a:cs typeface="Tibetan Machine Uni" panose="01000503020000020002" charset="0"/>
+              </a:rPr>
+              <a:t>Output</a:t>
+            </a:r>
+            <a:endParaRPr lang="es-ES_tradnl" altLang="en-US" sz="1400">
+              <a:latin typeface="Tibetan Machine Uni" panose="01000503020000020002" charset="0"/>
+              <a:cs typeface="Tibetan Machine Uni" panose="01000503020000020002" charset="0"/>
+            </a:endParaRPr>
+          </a:p>
+        </p:txBody>
+      </p:sp>
+      <p:pic>
+        <p:nvPicPr>
+          <p:cNvPr id="67" name="Picture 66" descr="Picture2-removebg-preview"/>
+          <p:cNvPicPr>
+            <a:picLocks noChangeAspect="1"/>
+          </p:cNvPicPr>
+          <p:nvPr/>
+        </p:nvPicPr>
+        <p:blipFill>
+          <a:blip r:embed="rId3"/>
+          <a:stretch>
+            <a:fillRect/>
+          </a:stretch>
+        </p:blipFill>
+        <p:spPr>
+          <a:xfrm>
+            <a:off x="7581900" y="1565910"/>
+            <a:ext cx="1579245" cy="1231265"/>
+          </a:xfrm>
+          <a:prstGeom prst="rect">
+            <a:avLst/>
+          </a:prstGeom>
+        </p:spPr>
+      </p:pic>
+      <p:pic>
+        <p:nvPicPr>
+          <p:cNvPr id="68" name="Picture 67" descr="Picture2-removebg-preview"/>
+          <p:cNvPicPr>
+            <a:picLocks noChangeAspect="1"/>
+          </p:cNvPicPr>
+          <p:nvPr/>
+        </p:nvPicPr>
+        <p:blipFill>
+          <a:blip r:embed="rId3"/>
+          <a:stretch>
+            <a:fillRect/>
+          </a:stretch>
+        </p:blipFill>
+        <p:spPr>
+          <a:xfrm>
+            <a:off x="7585075" y="4575175"/>
+            <a:ext cx="1579245" cy="1231265"/>
+          </a:xfrm>
+          <a:prstGeom prst="rect">
+            <a:avLst/>
+          </a:prstGeom>
+        </p:spPr>
+      </p:pic>
+    </p:spTree>
+  </p:cSld>
+  <p:clrMapOvr>
+    <a:masterClrMapping/>
+  </p:clrMapOvr>
+</p:sld>
+</file>
+
+<file path=ppt/slides/slide26.xml><?xml version="1.0" encoding="utf-8"?>
 <p:sld xmlns:a="http://schemas.openxmlformats.org/drawingml/2006/main" xmlns:r="http://schemas.openxmlformats.org/officeDocument/2006/relationships" xmlns:p="http://schemas.openxmlformats.org/presentationml/2006/main">
   <p:cSld>
     <p:spTree>

--- a/draws.pptx
+++ b/draws.pptx
@@ -29,8 +29,9 @@
     <p:sldId id="293" r:id="rId24"/>
     <p:sldId id="294" r:id="rId25"/>
     <p:sldId id="305" r:id="rId26"/>
-    <p:sldId id="303" r:id="rId27"/>
-    <p:sldId id="304" r:id="rId28"/>
+    <p:sldId id="320" r:id="rId27"/>
+    <p:sldId id="303" r:id="rId28"/>
+    <p:sldId id="304" r:id="rId29"/>
   </p:sldIdLst>
   <p:sldSz cx="12192000" cy="6858000"/>
   <p:notesSz cx="6858000" cy="9144000"/>
@@ -14004,14 +14005,338 @@
       </p:grpSpPr>
       <p:sp>
         <p:nvSpPr>
-          <p:cNvPr id="17" name="Text Box 16"/>
+          <p:cNvPr id="3" name="Rounded Rectangle 2"/>
+          <p:cNvSpPr/>
+          <p:nvPr/>
+        </p:nvSpPr>
+        <p:spPr>
+          <a:xfrm>
+            <a:off x="729615" y="99695"/>
+            <a:ext cx="2374900" cy="6579235"/>
+          </a:xfrm>
+          <a:prstGeom prst="roundRect">
+            <a:avLst>
+              <a:gd name="adj" fmla="val 935"/>
+            </a:avLst>
+          </a:prstGeom>
+          <a:solidFill>
+            <a:schemeClr val="bg1"/>
+          </a:solidFill>
+          <a:ln>
+            <a:solidFill>
+              <a:schemeClr val="tx1"/>
+            </a:solidFill>
+          </a:ln>
+        </p:spPr>
+        <p:style>
+          <a:lnRef idx="2">
+            <a:schemeClr val="accent1">
+              <a:shade val="50000"/>
+            </a:schemeClr>
+          </a:lnRef>
+          <a:fillRef idx="1">
+            <a:schemeClr val="accent1"/>
+          </a:fillRef>
+          <a:effectRef idx="0">
+            <a:schemeClr val="accent1"/>
+          </a:effectRef>
+          <a:fontRef idx="minor">
+            <a:schemeClr val="lt1"/>
+          </a:fontRef>
+        </p:style>
+        <p:txBody>
+          <a:bodyPr rtlCol="0" anchor="ctr"/>
+          <a:p>
+            <a:pPr algn="ctr"/>
+            <a:endParaRPr lang="en-US"/>
+          </a:p>
+        </p:txBody>
+      </p:sp>
+      <p:sp>
+        <p:nvSpPr>
+          <p:cNvPr id="4" name="Rounded Rectangle 3"/>
+          <p:cNvSpPr/>
+          <p:nvPr/>
+        </p:nvSpPr>
+        <p:spPr>
+          <a:xfrm>
+            <a:off x="729615" y="99695"/>
+            <a:ext cx="2374900" cy="262255"/>
+          </a:xfrm>
+          <a:prstGeom prst="roundRect">
+            <a:avLst>
+              <a:gd name="adj" fmla="val 935"/>
+            </a:avLst>
+          </a:prstGeom>
+          <a:solidFill>
+            <a:schemeClr val="bg2">
+              <a:lumMod val="50000"/>
+            </a:schemeClr>
+          </a:solidFill>
+          <a:ln>
+            <a:noFill/>
+          </a:ln>
+        </p:spPr>
+        <p:style>
+          <a:lnRef idx="2">
+            <a:schemeClr val="accent1">
+              <a:shade val="50000"/>
+            </a:schemeClr>
+          </a:lnRef>
+          <a:fillRef idx="1">
+            <a:schemeClr val="accent1"/>
+          </a:fillRef>
+          <a:effectRef idx="0">
+            <a:schemeClr val="accent1"/>
+          </a:effectRef>
+          <a:fontRef idx="minor">
+            <a:schemeClr val="lt1"/>
+          </a:fontRef>
+        </p:style>
+        <p:txBody>
+          <a:bodyPr rtlCol="0" anchor="ctr"/>
+          <a:p>
+            <a:pPr algn="ctr"/>
+            <a:endParaRPr lang="en-US"/>
+          </a:p>
+        </p:txBody>
+      </p:sp>
+      <p:sp>
+        <p:nvSpPr>
+          <p:cNvPr id="5" name="Rounded Rectangle 4"/>
+          <p:cNvSpPr/>
+          <p:nvPr/>
+        </p:nvSpPr>
+        <p:spPr>
+          <a:xfrm>
+            <a:off x="729615" y="361950"/>
+            <a:ext cx="2374900" cy="262255"/>
+          </a:xfrm>
+          <a:prstGeom prst="roundRect">
+            <a:avLst>
+              <a:gd name="adj" fmla="val 935"/>
+            </a:avLst>
+          </a:prstGeom>
+          <a:solidFill>
+            <a:schemeClr val="bg2"/>
+          </a:solidFill>
+          <a:ln>
+            <a:noFill/>
+          </a:ln>
+        </p:spPr>
+        <p:style>
+          <a:lnRef idx="2">
+            <a:schemeClr val="accent1">
+              <a:shade val="50000"/>
+            </a:schemeClr>
+          </a:lnRef>
+          <a:fillRef idx="1">
+            <a:schemeClr val="accent1"/>
+          </a:fillRef>
+          <a:effectRef idx="0">
+            <a:schemeClr val="accent1"/>
+          </a:effectRef>
+          <a:fontRef idx="minor">
+            <a:schemeClr val="lt1"/>
+          </a:fontRef>
+        </p:style>
+        <p:txBody>
+          <a:bodyPr rtlCol="0" anchor="ctr"/>
+          <a:p>
+            <a:pPr algn="ctr"/>
+            <a:r>
+              <a:rPr lang="es-ES_tradnl" altLang="en-US" sz="1400">
+                <a:solidFill>
+                  <a:schemeClr val="tx1"/>
+                </a:solidFill>
+              </a:rPr>
+              <a:t>Alignment</a:t>
+            </a:r>
+            <a:endParaRPr lang="es-ES_tradnl" altLang="en-US" sz="1400">
+              <a:solidFill>
+                <a:schemeClr val="tx1"/>
+              </a:solidFill>
+            </a:endParaRPr>
+          </a:p>
+        </p:txBody>
+      </p:sp>
+      <p:sp>
+        <p:nvSpPr>
+          <p:cNvPr id="6" name="Rounded Rectangle 5"/>
+          <p:cNvSpPr/>
+          <p:nvPr/>
+        </p:nvSpPr>
+        <p:spPr>
+          <a:xfrm>
+            <a:off x="729615" y="1969135"/>
+            <a:ext cx="2374900" cy="262255"/>
+          </a:xfrm>
+          <a:prstGeom prst="roundRect">
+            <a:avLst>
+              <a:gd name="adj" fmla="val 935"/>
+            </a:avLst>
+          </a:prstGeom>
+          <a:solidFill>
+            <a:schemeClr val="bg2"/>
+          </a:solidFill>
+          <a:ln>
+            <a:noFill/>
+          </a:ln>
+        </p:spPr>
+        <p:style>
+          <a:lnRef idx="2">
+            <a:schemeClr val="accent1">
+              <a:shade val="50000"/>
+            </a:schemeClr>
+          </a:lnRef>
+          <a:fillRef idx="1">
+            <a:schemeClr val="accent1"/>
+          </a:fillRef>
+          <a:effectRef idx="0">
+            <a:schemeClr val="accent1"/>
+          </a:effectRef>
+          <a:fontRef idx="minor">
+            <a:schemeClr val="lt1"/>
+          </a:fontRef>
+        </p:style>
+        <p:txBody>
+          <a:bodyPr rtlCol="0" anchor="ctr"/>
+          <a:p>
+            <a:pPr algn="ctr"/>
+            <a:r>
+              <a:rPr lang="es-ES_tradnl" altLang="en-US" sz="1400">
+                <a:solidFill>
+                  <a:schemeClr val="tx1"/>
+                </a:solidFill>
+                <a:sym typeface="+mn-ea"/>
+              </a:rPr>
+              <a:t>VCF</a:t>
+            </a:r>
+            <a:endParaRPr lang="es-ES_tradnl" altLang="en-US" sz="1400">
+              <a:solidFill>
+                <a:schemeClr val="tx1"/>
+              </a:solidFill>
+              <a:sym typeface="+mn-ea"/>
+            </a:endParaRPr>
+          </a:p>
+        </p:txBody>
+      </p:sp>
+      <p:sp>
+        <p:nvSpPr>
+          <p:cNvPr id="7" name="Rounded Rectangle 6"/>
+          <p:cNvSpPr/>
+          <p:nvPr/>
+        </p:nvSpPr>
+        <p:spPr>
+          <a:xfrm>
+            <a:off x="729615" y="3576320"/>
+            <a:ext cx="2374900" cy="262255"/>
+          </a:xfrm>
+          <a:prstGeom prst="roundRect">
+            <a:avLst>
+              <a:gd name="adj" fmla="val 935"/>
+            </a:avLst>
+          </a:prstGeom>
+          <a:solidFill>
+            <a:schemeClr val="bg2"/>
+          </a:solidFill>
+          <a:ln>
+            <a:noFill/>
+          </a:ln>
+        </p:spPr>
+        <p:style>
+          <a:lnRef idx="2">
+            <a:schemeClr val="accent1">
+              <a:shade val="50000"/>
+            </a:schemeClr>
+          </a:lnRef>
+          <a:fillRef idx="1">
+            <a:schemeClr val="accent1"/>
+          </a:fillRef>
+          <a:effectRef idx="0">
+            <a:schemeClr val="accent1"/>
+          </a:effectRef>
+          <a:fontRef idx="minor">
+            <a:schemeClr val="lt1"/>
+          </a:fontRef>
+        </p:style>
+        <p:txBody>
+          <a:bodyPr rtlCol="0" anchor="ctr"/>
+          <a:p>
+            <a:pPr algn="ctr"/>
+            <a:r>
+              <a:rPr lang="es-ES_tradnl" altLang="en-US" sz="1400">
+                <a:solidFill>
+                  <a:schemeClr val="tx1"/>
+                </a:solidFill>
+              </a:rPr>
+              <a:t>Variant annotation</a:t>
+            </a:r>
+            <a:endParaRPr lang="es-ES_tradnl" altLang="en-US" sz="1400">
+              <a:solidFill>
+                <a:schemeClr val="tx1"/>
+              </a:solidFill>
+            </a:endParaRPr>
+          </a:p>
+        </p:txBody>
+      </p:sp>
+      <p:sp>
+        <p:nvSpPr>
+          <p:cNvPr id="8" name="Rounded Rectangle 7"/>
+          <p:cNvSpPr/>
+          <p:nvPr/>
+        </p:nvSpPr>
+        <p:spPr>
+          <a:xfrm>
+            <a:off x="960120" y="704850"/>
+            <a:ext cx="373380" cy="274320"/>
+          </a:xfrm>
+          <a:prstGeom prst="roundRect">
+            <a:avLst/>
+          </a:prstGeom>
+          <a:solidFill>
+            <a:schemeClr val="bg2">
+              <a:lumMod val="50000"/>
+            </a:schemeClr>
+          </a:solidFill>
+          <a:ln>
+            <a:noFill/>
+          </a:ln>
+        </p:spPr>
+        <p:style>
+          <a:lnRef idx="2">
+            <a:schemeClr val="accent1">
+              <a:shade val="50000"/>
+            </a:schemeClr>
+          </a:lnRef>
+          <a:fillRef idx="1">
+            <a:schemeClr val="accent1"/>
+          </a:fillRef>
+          <a:effectRef idx="0">
+            <a:schemeClr val="accent1"/>
+          </a:effectRef>
+          <a:fontRef idx="minor">
+            <a:schemeClr val="lt1"/>
+          </a:fontRef>
+        </p:style>
+        <p:txBody>
+          <a:bodyPr rtlCol="0" anchor="ctr"/>
+          <a:p>
+            <a:pPr algn="ctr"/>
+            <a:endParaRPr lang="en-US"/>
+          </a:p>
+        </p:txBody>
+      </p:sp>
+      <p:sp>
+        <p:nvSpPr>
+          <p:cNvPr id="9" name="Text Box 8"/>
           <p:cNvSpPr txBox="1"/>
           <p:nvPr/>
         </p:nvSpPr>
         <p:spPr>
-          <a:xfrm rot="16200000">
-            <a:off x="-495935" y="3382645"/>
-            <a:ext cx="1315720" cy="275590"/>
+          <a:xfrm>
+            <a:off x="915035" y="1024890"/>
+            <a:ext cx="464185" cy="275590"/>
           </a:xfrm>
           <a:prstGeom prst="rect">
             <a:avLst/>
@@ -14019,14 +14344,1236 @@
           <a:noFill/>
         </p:spPr>
         <p:txBody>
-          <a:bodyPr wrap="square" rtlCol="0">
+          <a:bodyPr wrap="none" rtlCol="0">
             <a:spAutoFit/>
           </a:bodyPr>
           <a:p>
-            <a:pPr lvl="1"/>
             <a:r>
               <a:rPr lang="es-ES_tradnl" altLang="en-US" sz="1200"/>
-              <a:t>Gradient</a:t>
+              <a:t>Star</a:t>
+            </a:r>
+            <a:endParaRPr lang="es-ES_tradnl" altLang="en-US" sz="1200"/>
+          </a:p>
+        </p:txBody>
+      </p:sp>
+      <p:sp>
+        <p:nvSpPr>
+          <p:cNvPr id="10" name="Rounded Rectangle 9"/>
+          <p:cNvSpPr/>
+          <p:nvPr/>
+        </p:nvSpPr>
+        <p:spPr>
+          <a:xfrm>
+            <a:off x="1651000" y="704850"/>
+            <a:ext cx="373380" cy="274320"/>
+          </a:xfrm>
+          <a:prstGeom prst="roundRect">
+            <a:avLst/>
+          </a:prstGeom>
+          <a:solidFill>
+            <a:schemeClr val="bg2">
+              <a:lumMod val="50000"/>
+            </a:schemeClr>
+          </a:solidFill>
+          <a:ln>
+            <a:noFill/>
+          </a:ln>
+        </p:spPr>
+        <p:style>
+          <a:lnRef idx="2">
+            <a:schemeClr val="accent1">
+              <a:shade val="50000"/>
+            </a:schemeClr>
+          </a:lnRef>
+          <a:fillRef idx="1">
+            <a:schemeClr val="accent1"/>
+          </a:fillRef>
+          <a:effectRef idx="0">
+            <a:schemeClr val="accent1"/>
+          </a:effectRef>
+          <a:fontRef idx="minor">
+            <a:schemeClr val="lt1"/>
+          </a:fontRef>
+        </p:style>
+        <p:txBody>
+          <a:bodyPr rtlCol="0" anchor="ctr"/>
+          <a:p>
+            <a:pPr algn="ctr"/>
+            <a:endParaRPr lang="en-US"/>
+          </a:p>
+        </p:txBody>
+      </p:sp>
+      <p:sp>
+        <p:nvSpPr>
+          <p:cNvPr id="11" name="Text Box 10"/>
+          <p:cNvSpPr txBox="1"/>
+          <p:nvPr/>
+        </p:nvSpPr>
+        <p:spPr>
+          <a:xfrm>
+            <a:off x="1591310" y="1024890"/>
+            <a:ext cx="492125" cy="275590"/>
+          </a:xfrm>
+          <a:prstGeom prst="rect">
+            <a:avLst/>
+          </a:prstGeom>
+          <a:noFill/>
+        </p:spPr>
+        <p:txBody>
+          <a:bodyPr wrap="none" rtlCol="0">
+            <a:spAutoFit/>
+          </a:bodyPr>
+          <a:p>
+            <a:r>
+              <a:rPr lang="es-ES_tradnl" altLang="en-US" sz="1200"/>
+              <a:t>BWA</a:t>
+            </a:r>
+            <a:endParaRPr lang="es-ES_tradnl" altLang="en-US" sz="1200"/>
+          </a:p>
+        </p:txBody>
+      </p:sp>
+      <p:sp>
+        <p:nvSpPr>
+          <p:cNvPr id="12" name="Rounded Rectangle 11"/>
+          <p:cNvSpPr/>
+          <p:nvPr/>
+        </p:nvSpPr>
+        <p:spPr>
+          <a:xfrm>
+            <a:off x="2364740" y="704850"/>
+            <a:ext cx="373380" cy="274320"/>
+          </a:xfrm>
+          <a:prstGeom prst="roundRect">
+            <a:avLst/>
+          </a:prstGeom>
+          <a:solidFill>
+            <a:schemeClr val="bg2">
+              <a:lumMod val="50000"/>
+            </a:schemeClr>
+          </a:solidFill>
+          <a:ln>
+            <a:noFill/>
+          </a:ln>
+        </p:spPr>
+        <p:style>
+          <a:lnRef idx="2">
+            <a:schemeClr val="accent1">
+              <a:shade val="50000"/>
+            </a:schemeClr>
+          </a:lnRef>
+          <a:fillRef idx="1">
+            <a:schemeClr val="accent1"/>
+          </a:fillRef>
+          <a:effectRef idx="0">
+            <a:schemeClr val="accent1"/>
+          </a:effectRef>
+          <a:fontRef idx="minor">
+            <a:schemeClr val="lt1"/>
+          </a:fontRef>
+        </p:style>
+        <p:txBody>
+          <a:bodyPr rtlCol="0" anchor="ctr"/>
+          <a:p>
+            <a:pPr algn="ctr"/>
+            <a:endParaRPr lang="en-US"/>
+          </a:p>
+        </p:txBody>
+      </p:sp>
+      <p:sp>
+        <p:nvSpPr>
+          <p:cNvPr id="13" name="Text Box 12"/>
+          <p:cNvSpPr txBox="1"/>
+          <p:nvPr/>
+        </p:nvSpPr>
+        <p:spPr>
+          <a:xfrm>
+            <a:off x="2228850" y="1024890"/>
+            <a:ext cx="649605" cy="275590"/>
+          </a:xfrm>
+          <a:prstGeom prst="rect">
+            <a:avLst/>
+          </a:prstGeom>
+          <a:noFill/>
+        </p:spPr>
+        <p:txBody>
+          <a:bodyPr wrap="none" rtlCol="0">
+            <a:spAutoFit/>
+          </a:bodyPr>
+          <a:p>
+            <a:r>
+              <a:rPr lang="es-ES_tradnl" altLang="en-US" sz="1200"/>
+              <a:t>Bowtie</a:t>
+            </a:r>
+            <a:endParaRPr lang="es-ES_tradnl" altLang="en-US" sz="1200"/>
+          </a:p>
+        </p:txBody>
+      </p:sp>
+      <p:sp>
+        <p:nvSpPr>
+          <p:cNvPr id="14" name="Rounded Rectangle 13"/>
+          <p:cNvSpPr/>
+          <p:nvPr/>
+        </p:nvSpPr>
+        <p:spPr>
+          <a:xfrm>
+            <a:off x="1650365" y="1350010"/>
+            <a:ext cx="373380" cy="274320"/>
+          </a:xfrm>
+          <a:prstGeom prst="roundRect">
+            <a:avLst/>
+          </a:prstGeom>
+          <a:solidFill>
+            <a:schemeClr val="bg2">
+              <a:lumMod val="50000"/>
+            </a:schemeClr>
+          </a:solidFill>
+          <a:ln>
+            <a:noFill/>
+          </a:ln>
+        </p:spPr>
+        <p:style>
+          <a:lnRef idx="2">
+            <a:schemeClr val="accent1">
+              <a:shade val="50000"/>
+            </a:schemeClr>
+          </a:lnRef>
+          <a:fillRef idx="1">
+            <a:schemeClr val="accent1"/>
+          </a:fillRef>
+          <a:effectRef idx="0">
+            <a:schemeClr val="accent1"/>
+          </a:effectRef>
+          <a:fontRef idx="minor">
+            <a:schemeClr val="lt1"/>
+          </a:fontRef>
+        </p:style>
+        <p:txBody>
+          <a:bodyPr rtlCol="0" anchor="ctr"/>
+          <a:p>
+            <a:pPr algn="ctr"/>
+            <a:endParaRPr lang="en-US"/>
+          </a:p>
+        </p:txBody>
+      </p:sp>
+      <p:sp>
+        <p:nvSpPr>
+          <p:cNvPr id="15" name="Text Box 14"/>
+          <p:cNvSpPr txBox="1"/>
+          <p:nvPr/>
+        </p:nvSpPr>
+        <p:spPr>
+          <a:xfrm>
+            <a:off x="1410335" y="1663065"/>
+            <a:ext cx="818515" cy="275590"/>
+          </a:xfrm>
+          <a:prstGeom prst="rect">
+            <a:avLst/>
+          </a:prstGeom>
+          <a:noFill/>
+        </p:spPr>
+        <p:txBody>
+          <a:bodyPr wrap="none" rtlCol="0">
+            <a:spAutoFit/>
+          </a:bodyPr>
+          <a:p>
+            <a:r>
+              <a:rPr lang="es-ES_tradnl" altLang="en-US" sz="1200"/>
+              <a:t>Samtools</a:t>
+            </a:r>
+            <a:endParaRPr lang="es-ES_tradnl" altLang="en-US" sz="1200"/>
+          </a:p>
+        </p:txBody>
+      </p:sp>
+      <p:sp>
+        <p:nvSpPr>
+          <p:cNvPr id="16" name="Rounded Rectangle 15"/>
+          <p:cNvSpPr/>
+          <p:nvPr/>
+        </p:nvSpPr>
+        <p:spPr>
+          <a:xfrm>
+            <a:off x="973455" y="2313305"/>
+            <a:ext cx="373380" cy="274320"/>
+          </a:xfrm>
+          <a:prstGeom prst="roundRect">
+            <a:avLst/>
+          </a:prstGeom>
+          <a:solidFill>
+            <a:schemeClr val="bg2">
+              <a:lumMod val="50000"/>
+            </a:schemeClr>
+          </a:solidFill>
+          <a:ln>
+            <a:noFill/>
+          </a:ln>
+        </p:spPr>
+        <p:style>
+          <a:lnRef idx="2">
+            <a:schemeClr val="accent1">
+              <a:shade val="50000"/>
+            </a:schemeClr>
+          </a:lnRef>
+          <a:fillRef idx="1">
+            <a:schemeClr val="accent1"/>
+          </a:fillRef>
+          <a:effectRef idx="0">
+            <a:schemeClr val="accent1"/>
+          </a:effectRef>
+          <a:fontRef idx="minor">
+            <a:schemeClr val="lt1"/>
+          </a:fontRef>
+        </p:style>
+        <p:txBody>
+          <a:bodyPr rtlCol="0" anchor="ctr"/>
+          <a:p>
+            <a:pPr algn="ctr"/>
+            <a:endParaRPr lang="en-US"/>
+          </a:p>
+        </p:txBody>
+      </p:sp>
+      <p:sp>
+        <p:nvSpPr>
+          <p:cNvPr id="18" name="Text Box 17"/>
+          <p:cNvSpPr txBox="1"/>
+          <p:nvPr/>
+        </p:nvSpPr>
+        <p:spPr>
+          <a:xfrm>
+            <a:off x="770255" y="2633345"/>
+            <a:ext cx="779780" cy="275590"/>
+          </a:xfrm>
+          <a:prstGeom prst="rect">
+            <a:avLst/>
+          </a:prstGeom>
+          <a:noFill/>
+        </p:spPr>
+        <p:txBody>
+          <a:bodyPr wrap="none" rtlCol="0">
+            <a:spAutoFit/>
+          </a:bodyPr>
+          <a:p>
+            <a:r>
+              <a:rPr lang="es-ES_tradnl" altLang="en-US" sz="1200"/>
+              <a:t>BCFtools</a:t>
+            </a:r>
+            <a:endParaRPr lang="es-ES_tradnl" altLang="en-US" sz="1200"/>
+          </a:p>
+        </p:txBody>
+      </p:sp>
+      <p:sp>
+        <p:nvSpPr>
+          <p:cNvPr id="19" name="Rounded Rectangle 18"/>
+          <p:cNvSpPr/>
+          <p:nvPr/>
+        </p:nvSpPr>
+        <p:spPr>
+          <a:xfrm>
+            <a:off x="1684020" y="2303145"/>
+            <a:ext cx="373380" cy="274320"/>
+          </a:xfrm>
+          <a:prstGeom prst="roundRect">
+            <a:avLst/>
+          </a:prstGeom>
+          <a:solidFill>
+            <a:schemeClr val="bg2">
+              <a:lumMod val="50000"/>
+            </a:schemeClr>
+          </a:solidFill>
+          <a:ln>
+            <a:noFill/>
+          </a:ln>
+        </p:spPr>
+        <p:style>
+          <a:lnRef idx="2">
+            <a:schemeClr val="accent1">
+              <a:shade val="50000"/>
+            </a:schemeClr>
+          </a:lnRef>
+          <a:fillRef idx="1">
+            <a:schemeClr val="accent1"/>
+          </a:fillRef>
+          <a:effectRef idx="0">
+            <a:schemeClr val="accent1"/>
+          </a:effectRef>
+          <a:fontRef idx="minor">
+            <a:schemeClr val="lt1"/>
+          </a:fontRef>
+        </p:style>
+        <p:txBody>
+          <a:bodyPr rtlCol="0" anchor="ctr"/>
+          <a:p>
+            <a:pPr algn="ctr"/>
+            <a:endParaRPr lang="en-US"/>
+          </a:p>
+        </p:txBody>
+      </p:sp>
+      <p:sp>
+        <p:nvSpPr>
+          <p:cNvPr id="20" name="Text Box 19"/>
+          <p:cNvSpPr txBox="1"/>
+          <p:nvPr/>
+        </p:nvSpPr>
+        <p:spPr>
+          <a:xfrm>
+            <a:off x="1591310" y="2649220"/>
+            <a:ext cx="544830" cy="275590"/>
+          </a:xfrm>
+          <a:prstGeom prst="rect">
+            <a:avLst/>
+          </a:prstGeom>
+          <a:noFill/>
+        </p:spPr>
+        <p:txBody>
+          <a:bodyPr wrap="none" rtlCol="0">
+            <a:spAutoFit/>
+          </a:bodyPr>
+          <a:p>
+            <a:r>
+              <a:rPr lang="es-ES_tradnl" altLang="en-US" sz="1200"/>
+              <a:t>GATK</a:t>
+            </a:r>
+            <a:endParaRPr lang="es-ES_tradnl" altLang="en-US" sz="1200"/>
+          </a:p>
+        </p:txBody>
+      </p:sp>
+      <p:sp>
+        <p:nvSpPr>
+          <p:cNvPr id="26" name="Rounded Rectangle 25"/>
+          <p:cNvSpPr/>
+          <p:nvPr/>
+        </p:nvSpPr>
+        <p:spPr>
+          <a:xfrm>
+            <a:off x="2352040" y="2313305"/>
+            <a:ext cx="373380" cy="274320"/>
+          </a:xfrm>
+          <a:prstGeom prst="roundRect">
+            <a:avLst/>
+          </a:prstGeom>
+          <a:solidFill>
+            <a:schemeClr val="accent1"/>
+          </a:solidFill>
+          <a:ln>
+            <a:noFill/>
+          </a:ln>
+        </p:spPr>
+        <p:style>
+          <a:lnRef idx="2">
+            <a:schemeClr val="accent1">
+              <a:shade val="50000"/>
+            </a:schemeClr>
+          </a:lnRef>
+          <a:fillRef idx="1">
+            <a:schemeClr val="accent1"/>
+          </a:fillRef>
+          <a:effectRef idx="0">
+            <a:schemeClr val="accent1"/>
+          </a:effectRef>
+          <a:fontRef idx="minor">
+            <a:schemeClr val="lt1"/>
+          </a:fontRef>
+        </p:style>
+        <p:txBody>
+          <a:bodyPr rtlCol="0" anchor="ctr"/>
+          <a:p>
+            <a:pPr algn="ctr"/>
+            <a:endParaRPr lang="en-US"/>
+          </a:p>
+        </p:txBody>
+      </p:sp>
+      <p:sp>
+        <p:nvSpPr>
+          <p:cNvPr id="27" name="Text Box 26"/>
+          <p:cNvSpPr txBox="1"/>
+          <p:nvPr/>
+        </p:nvSpPr>
+        <p:spPr>
+          <a:xfrm>
+            <a:off x="2198370" y="2667000"/>
+            <a:ext cx="728345" cy="275590"/>
+          </a:xfrm>
+          <a:prstGeom prst="rect">
+            <a:avLst/>
+          </a:prstGeom>
+          <a:noFill/>
+        </p:spPr>
+        <p:txBody>
+          <a:bodyPr wrap="none" rtlCol="0">
+            <a:spAutoFit/>
+          </a:bodyPr>
+          <a:p>
+            <a:r>
+              <a:rPr lang="es-ES_tradnl" altLang="en-US" sz="1200"/>
+              <a:t>FusionQ</a:t>
+            </a:r>
+            <a:endParaRPr lang="es-ES_tradnl" altLang="en-US" sz="1200"/>
+          </a:p>
+        </p:txBody>
+      </p:sp>
+      <p:sp>
+        <p:nvSpPr>
+          <p:cNvPr id="28" name="Rounded Rectangle 27"/>
+          <p:cNvSpPr/>
+          <p:nvPr/>
+        </p:nvSpPr>
+        <p:spPr>
+          <a:xfrm>
+            <a:off x="1684020" y="2949575"/>
+            <a:ext cx="373380" cy="274320"/>
+          </a:xfrm>
+          <a:prstGeom prst="roundRect">
+            <a:avLst/>
+          </a:prstGeom>
+          <a:solidFill>
+            <a:schemeClr val="accent1"/>
+          </a:solidFill>
+          <a:ln>
+            <a:noFill/>
+          </a:ln>
+        </p:spPr>
+        <p:style>
+          <a:lnRef idx="2">
+            <a:schemeClr val="accent1">
+              <a:shade val="50000"/>
+            </a:schemeClr>
+          </a:lnRef>
+          <a:fillRef idx="1">
+            <a:schemeClr val="accent1"/>
+          </a:fillRef>
+          <a:effectRef idx="0">
+            <a:schemeClr val="accent1"/>
+          </a:effectRef>
+          <a:fontRef idx="minor">
+            <a:schemeClr val="lt1"/>
+          </a:fontRef>
+        </p:style>
+        <p:txBody>
+          <a:bodyPr rtlCol="0" anchor="ctr"/>
+          <a:p>
+            <a:pPr algn="ctr"/>
+            <a:endParaRPr lang="en-US"/>
+          </a:p>
+        </p:txBody>
+      </p:sp>
+      <p:sp>
+        <p:nvSpPr>
+          <p:cNvPr id="29" name="Text Box 28"/>
+          <p:cNvSpPr txBox="1"/>
+          <p:nvPr/>
+        </p:nvSpPr>
+        <p:spPr>
+          <a:xfrm>
+            <a:off x="1560830" y="3249930"/>
+            <a:ext cx="595630" cy="275590"/>
+          </a:xfrm>
+          <a:prstGeom prst="rect">
+            <a:avLst/>
+          </a:prstGeom>
+          <a:noFill/>
+        </p:spPr>
+        <p:txBody>
+          <a:bodyPr wrap="none" rtlCol="0">
+            <a:spAutoFit/>
+          </a:bodyPr>
+          <a:p>
+            <a:r>
+              <a:rPr lang="es-ES_tradnl" altLang="en-US" sz="1200"/>
+              <a:t>Arriba</a:t>
+            </a:r>
+            <a:endParaRPr lang="es-ES_tradnl" altLang="en-US" sz="1200"/>
+          </a:p>
+        </p:txBody>
+      </p:sp>
+      <p:sp>
+        <p:nvSpPr>
+          <p:cNvPr id="30" name="Rounded Rectangle 29"/>
+          <p:cNvSpPr/>
+          <p:nvPr/>
+        </p:nvSpPr>
+        <p:spPr>
+          <a:xfrm>
+            <a:off x="960755" y="3921760"/>
+            <a:ext cx="373380" cy="274320"/>
+          </a:xfrm>
+          <a:prstGeom prst="roundRect">
+            <a:avLst/>
+          </a:prstGeom>
+          <a:solidFill>
+            <a:schemeClr val="bg2">
+              <a:lumMod val="50000"/>
+            </a:schemeClr>
+          </a:solidFill>
+          <a:ln>
+            <a:noFill/>
+          </a:ln>
+        </p:spPr>
+        <p:style>
+          <a:lnRef idx="2">
+            <a:schemeClr val="accent1">
+              <a:shade val="50000"/>
+            </a:schemeClr>
+          </a:lnRef>
+          <a:fillRef idx="1">
+            <a:schemeClr val="accent1"/>
+          </a:fillRef>
+          <a:effectRef idx="0">
+            <a:schemeClr val="accent1"/>
+          </a:effectRef>
+          <a:fontRef idx="minor">
+            <a:schemeClr val="lt1"/>
+          </a:fontRef>
+        </p:style>
+        <p:txBody>
+          <a:bodyPr rtlCol="0" anchor="ctr"/>
+          <a:p>
+            <a:pPr algn="ctr"/>
+            <a:endParaRPr lang="en-US"/>
+          </a:p>
+        </p:txBody>
+      </p:sp>
+      <p:sp>
+        <p:nvSpPr>
+          <p:cNvPr id="31" name="Text Box 30"/>
+          <p:cNvSpPr txBox="1"/>
+          <p:nvPr/>
+        </p:nvSpPr>
+        <p:spPr>
+          <a:xfrm>
+            <a:off x="833755" y="4234180"/>
+            <a:ext cx="600710" cy="275590"/>
+          </a:xfrm>
+          <a:prstGeom prst="rect">
+            <a:avLst/>
+          </a:prstGeom>
+          <a:noFill/>
+        </p:spPr>
+        <p:txBody>
+          <a:bodyPr wrap="none" rtlCol="0">
+            <a:spAutoFit/>
+          </a:bodyPr>
+          <a:p>
+            <a:r>
+              <a:rPr lang="es-ES_tradnl" altLang="en-US" sz="1200"/>
+              <a:t>Isovar</a:t>
+            </a:r>
+            <a:endParaRPr lang="es-ES_tradnl" altLang="en-US" sz="1200"/>
+          </a:p>
+        </p:txBody>
+      </p:sp>
+      <p:sp>
+        <p:nvSpPr>
+          <p:cNvPr id="32" name="Rounded Rectangle 31"/>
+          <p:cNvSpPr/>
+          <p:nvPr/>
+        </p:nvSpPr>
+        <p:spPr>
+          <a:xfrm>
+            <a:off x="2352040" y="3921760"/>
+            <a:ext cx="373380" cy="274320"/>
+          </a:xfrm>
+          <a:prstGeom prst="roundRect">
+            <a:avLst/>
+          </a:prstGeom>
+          <a:solidFill>
+            <a:schemeClr val="bg2">
+              <a:lumMod val="50000"/>
+            </a:schemeClr>
+          </a:solidFill>
+          <a:ln>
+            <a:noFill/>
+          </a:ln>
+        </p:spPr>
+        <p:style>
+          <a:lnRef idx="2">
+            <a:schemeClr val="accent1">
+              <a:shade val="50000"/>
+            </a:schemeClr>
+          </a:lnRef>
+          <a:fillRef idx="1">
+            <a:schemeClr val="accent1"/>
+          </a:fillRef>
+          <a:effectRef idx="0">
+            <a:schemeClr val="accent1"/>
+          </a:effectRef>
+          <a:fontRef idx="minor">
+            <a:schemeClr val="lt1"/>
+          </a:fontRef>
+        </p:style>
+        <p:txBody>
+          <a:bodyPr rtlCol="0" anchor="ctr"/>
+          <a:p>
+            <a:pPr algn="ctr"/>
+            <a:endParaRPr lang="en-US"/>
+          </a:p>
+        </p:txBody>
+      </p:sp>
+      <p:sp>
+        <p:nvSpPr>
+          <p:cNvPr id="33" name="Text Box 32"/>
+          <p:cNvSpPr txBox="1"/>
+          <p:nvPr/>
+        </p:nvSpPr>
+        <p:spPr>
+          <a:xfrm>
+            <a:off x="2156460" y="4241800"/>
+            <a:ext cx="756285" cy="275590"/>
+          </a:xfrm>
+          <a:prstGeom prst="rect">
+            <a:avLst/>
+          </a:prstGeom>
+          <a:noFill/>
+        </p:spPr>
+        <p:txBody>
+          <a:bodyPr wrap="none" rtlCol="0">
+            <a:spAutoFit/>
+          </a:bodyPr>
+          <a:p>
+            <a:r>
+              <a:rPr lang="es-ES_tradnl" altLang="en-US" sz="1200"/>
+              <a:t>Annovar</a:t>
+            </a:r>
+            <a:endParaRPr lang="es-ES_tradnl" altLang="en-US" sz="1200"/>
+          </a:p>
+        </p:txBody>
+      </p:sp>
+      <p:sp>
+        <p:nvSpPr>
+          <p:cNvPr id="34" name="Rounded Rectangle 33"/>
+          <p:cNvSpPr/>
+          <p:nvPr/>
+        </p:nvSpPr>
+        <p:spPr>
+          <a:xfrm>
+            <a:off x="729615" y="4538980"/>
+            <a:ext cx="2374900" cy="262255"/>
+          </a:xfrm>
+          <a:prstGeom prst="roundRect">
+            <a:avLst>
+              <a:gd name="adj" fmla="val 935"/>
+            </a:avLst>
+          </a:prstGeom>
+          <a:solidFill>
+            <a:schemeClr val="bg2"/>
+          </a:solidFill>
+          <a:ln>
+            <a:noFill/>
+          </a:ln>
+        </p:spPr>
+        <p:style>
+          <a:lnRef idx="2">
+            <a:schemeClr val="accent1">
+              <a:shade val="50000"/>
+            </a:schemeClr>
+          </a:lnRef>
+          <a:fillRef idx="1">
+            <a:schemeClr val="accent1"/>
+          </a:fillRef>
+          <a:effectRef idx="0">
+            <a:schemeClr val="accent1"/>
+          </a:effectRef>
+          <a:fontRef idx="minor">
+            <a:schemeClr val="lt1"/>
+          </a:fontRef>
+        </p:style>
+        <p:txBody>
+          <a:bodyPr rtlCol="0" anchor="ctr"/>
+          <a:p>
+            <a:pPr algn="ctr"/>
+            <a:r>
+              <a:rPr lang="es-ES_tradnl" altLang="en-US" sz="1400">
+                <a:solidFill>
+                  <a:schemeClr val="tx1"/>
+                </a:solidFill>
+              </a:rPr>
+              <a:t>pMHC-TCR</a:t>
+            </a:r>
+            <a:endParaRPr lang="es-ES_tradnl" altLang="en-US" sz="1400">
+              <a:solidFill>
+                <a:schemeClr val="tx1"/>
+              </a:solidFill>
+            </a:endParaRPr>
+          </a:p>
+        </p:txBody>
+      </p:sp>
+      <p:sp>
+        <p:nvSpPr>
+          <p:cNvPr id="37" name="Rounded Rectangle 36"/>
+          <p:cNvSpPr/>
+          <p:nvPr/>
+        </p:nvSpPr>
+        <p:spPr>
+          <a:xfrm>
+            <a:off x="973455" y="4918075"/>
+            <a:ext cx="373380" cy="274320"/>
+          </a:xfrm>
+          <a:prstGeom prst="roundRect">
+            <a:avLst/>
+          </a:prstGeom>
+          <a:solidFill>
+            <a:schemeClr val="bg2">
+              <a:lumMod val="50000"/>
+            </a:schemeClr>
+          </a:solidFill>
+          <a:ln>
+            <a:noFill/>
+          </a:ln>
+        </p:spPr>
+        <p:style>
+          <a:lnRef idx="2">
+            <a:schemeClr val="accent1">
+              <a:shade val="50000"/>
+            </a:schemeClr>
+          </a:lnRef>
+          <a:fillRef idx="1">
+            <a:schemeClr val="accent1"/>
+          </a:fillRef>
+          <a:effectRef idx="0">
+            <a:schemeClr val="accent1"/>
+          </a:effectRef>
+          <a:fontRef idx="minor">
+            <a:schemeClr val="lt1"/>
+          </a:fontRef>
+        </p:style>
+        <p:txBody>
+          <a:bodyPr rtlCol="0" anchor="ctr"/>
+          <a:p>
+            <a:pPr algn="ctr"/>
+            <a:endParaRPr lang="en-US"/>
+          </a:p>
+        </p:txBody>
+      </p:sp>
+      <p:sp>
+        <p:nvSpPr>
+          <p:cNvPr id="38" name="Text Box 37"/>
+          <p:cNvSpPr txBox="1"/>
+          <p:nvPr/>
+        </p:nvSpPr>
+        <p:spPr>
+          <a:xfrm>
+            <a:off x="671195" y="5230495"/>
+            <a:ext cx="998220" cy="275590"/>
+          </a:xfrm>
+          <a:prstGeom prst="rect">
+            <a:avLst/>
+          </a:prstGeom>
+          <a:noFill/>
+        </p:spPr>
+        <p:txBody>
+          <a:bodyPr wrap="none" rtlCol="0">
+            <a:spAutoFit/>
+          </a:bodyPr>
+          <a:p>
+            <a:r>
+              <a:rPr lang="es-ES_tradnl" altLang="en-US" sz="1200"/>
+              <a:t>NetMHCpan</a:t>
+            </a:r>
+            <a:endParaRPr lang="es-ES_tradnl" altLang="en-US" sz="1200"/>
+          </a:p>
+        </p:txBody>
+      </p:sp>
+      <p:sp>
+        <p:nvSpPr>
+          <p:cNvPr id="39" name="Rounded Rectangle 38"/>
+          <p:cNvSpPr/>
+          <p:nvPr/>
+        </p:nvSpPr>
+        <p:spPr>
+          <a:xfrm>
+            <a:off x="2423795" y="4920615"/>
+            <a:ext cx="373380" cy="274320"/>
+          </a:xfrm>
+          <a:prstGeom prst="roundRect">
+            <a:avLst/>
+          </a:prstGeom>
+          <a:solidFill>
+            <a:schemeClr val="bg2">
+              <a:lumMod val="50000"/>
+            </a:schemeClr>
+          </a:solidFill>
+          <a:ln>
+            <a:noFill/>
+          </a:ln>
+        </p:spPr>
+        <p:style>
+          <a:lnRef idx="2">
+            <a:schemeClr val="accent1">
+              <a:shade val="50000"/>
+            </a:schemeClr>
+          </a:lnRef>
+          <a:fillRef idx="1">
+            <a:schemeClr val="accent1"/>
+          </a:fillRef>
+          <a:effectRef idx="0">
+            <a:schemeClr val="accent1"/>
+          </a:effectRef>
+          <a:fontRef idx="minor">
+            <a:schemeClr val="lt1"/>
+          </a:fontRef>
+        </p:style>
+        <p:txBody>
+          <a:bodyPr rtlCol="0" anchor="ctr"/>
+          <a:p>
+            <a:pPr algn="ctr"/>
+            <a:endParaRPr lang="en-US"/>
+          </a:p>
+        </p:txBody>
+      </p:sp>
+      <p:sp>
+        <p:nvSpPr>
+          <p:cNvPr id="40" name="Text Box 39"/>
+          <p:cNvSpPr txBox="1"/>
+          <p:nvPr/>
+        </p:nvSpPr>
+        <p:spPr>
+          <a:xfrm>
+            <a:off x="2182495" y="5233035"/>
+            <a:ext cx="864235" cy="275590"/>
+          </a:xfrm>
+          <a:prstGeom prst="rect">
+            <a:avLst/>
+          </a:prstGeom>
+          <a:noFill/>
+        </p:spPr>
+        <p:txBody>
+          <a:bodyPr wrap="none" rtlCol="0">
+            <a:spAutoFit/>
+          </a:bodyPr>
+          <a:p>
+            <a:r>
+              <a:rPr lang="es-ES_tradnl" altLang="en-US" sz="1200"/>
+              <a:t>MHCflurry</a:t>
+            </a:r>
+            <a:endParaRPr lang="es-ES_tradnl" altLang="en-US" sz="1200"/>
+          </a:p>
+        </p:txBody>
+      </p:sp>
+      <p:sp>
+        <p:nvSpPr>
+          <p:cNvPr id="41" name="Rounded Rectangle 40"/>
+          <p:cNvSpPr/>
+          <p:nvPr/>
+        </p:nvSpPr>
+        <p:spPr>
+          <a:xfrm>
+            <a:off x="1720215" y="4918075"/>
+            <a:ext cx="373380" cy="274320"/>
+          </a:xfrm>
+          <a:prstGeom prst="roundRect">
+            <a:avLst/>
+          </a:prstGeom>
+          <a:solidFill>
+            <a:schemeClr val="accent1"/>
+          </a:solidFill>
+          <a:ln>
+            <a:noFill/>
+          </a:ln>
+        </p:spPr>
+        <p:style>
+          <a:lnRef idx="2">
+            <a:schemeClr val="accent1">
+              <a:shade val="50000"/>
+            </a:schemeClr>
+          </a:lnRef>
+          <a:fillRef idx="1">
+            <a:schemeClr val="accent1"/>
+          </a:fillRef>
+          <a:effectRef idx="0">
+            <a:schemeClr val="accent1"/>
+          </a:effectRef>
+          <a:fontRef idx="minor">
+            <a:schemeClr val="lt1"/>
+          </a:fontRef>
+        </p:style>
+        <p:txBody>
+          <a:bodyPr rtlCol="0" anchor="ctr"/>
+          <a:p>
+            <a:pPr algn="ctr"/>
+            <a:endParaRPr lang="en-US"/>
+          </a:p>
+        </p:txBody>
+      </p:sp>
+      <p:sp>
+        <p:nvSpPr>
+          <p:cNvPr id="42" name="Text Box 41"/>
+          <p:cNvSpPr txBox="1"/>
+          <p:nvPr/>
+        </p:nvSpPr>
+        <p:spPr>
+          <a:xfrm>
+            <a:off x="1638935" y="5230495"/>
+            <a:ext cx="530860" cy="275590"/>
+          </a:xfrm>
+          <a:prstGeom prst="rect">
+            <a:avLst/>
+          </a:prstGeom>
+          <a:noFill/>
+        </p:spPr>
+        <p:txBody>
+          <a:bodyPr wrap="none" rtlCol="0">
+            <a:spAutoFit/>
+          </a:bodyPr>
+          <a:p>
+            <a:r>
+              <a:rPr lang="es-ES_tradnl" altLang="en-US" sz="1200"/>
+              <a:t>BERT</a:t>
+            </a:r>
+            <a:endParaRPr lang="es-ES_tradnl" altLang="en-US" sz="1200"/>
+          </a:p>
+        </p:txBody>
+      </p:sp>
+      <p:sp>
+        <p:nvSpPr>
+          <p:cNvPr id="43" name="Rounded Rectangle 42"/>
+          <p:cNvSpPr/>
+          <p:nvPr/>
+        </p:nvSpPr>
+        <p:spPr>
+          <a:xfrm>
+            <a:off x="729615" y="5638800"/>
+            <a:ext cx="2374900" cy="262255"/>
+          </a:xfrm>
+          <a:prstGeom prst="roundRect">
+            <a:avLst>
+              <a:gd name="adj" fmla="val 935"/>
+            </a:avLst>
+          </a:prstGeom>
+          <a:solidFill>
+            <a:schemeClr val="bg2"/>
+          </a:solidFill>
+          <a:ln>
+            <a:noFill/>
+          </a:ln>
+        </p:spPr>
+        <p:style>
+          <a:lnRef idx="2">
+            <a:schemeClr val="accent1">
+              <a:shade val="50000"/>
+            </a:schemeClr>
+          </a:lnRef>
+          <a:fillRef idx="1">
+            <a:schemeClr val="accent1"/>
+          </a:fillRef>
+          <a:effectRef idx="0">
+            <a:schemeClr val="accent1"/>
+          </a:effectRef>
+          <a:fontRef idx="minor">
+            <a:schemeClr val="lt1"/>
+          </a:fontRef>
+        </p:style>
+        <p:txBody>
+          <a:bodyPr rtlCol="0" anchor="ctr"/>
+          <a:p>
+            <a:pPr algn="ctr"/>
+            <a:r>
+              <a:rPr lang="es-ES_tradnl" altLang="en-US" sz="1400">
+                <a:solidFill>
+                  <a:schemeClr val="tx1"/>
+                </a:solidFill>
+              </a:rPr>
+              <a:t>Mass Spectrometry</a:t>
+            </a:r>
+            <a:endParaRPr lang="es-ES_tradnl" altLang="en-US" sz="1400">
+              <a:solidFill>
+                <a:schemeClr val="tx1"/>
+              </a:solidFill>
+            </a:endParaRPr>
+          </a:p>
+        </p:txBody>
+      </p:sp>
+      <p:sp>
+        <p:nvSpPr>
+          <p:cNvPr id="44" name="Rounded Rectangle 43"/>
+          <p:cNvSpPr/>
+          <p:nvPr/>
+        </p:nvSpPr>
+        <p:spPr>
+          <a:xfrm>
+            <a:off x="1710055" y="5973445"/>
+            <a:ext cx="373380" cy="274320"/>
+          </a:xfrm>
+          <a:prstGeom prst="roundRect">
+            <a:avLst/>
+          </a:prstGeom>
+          <a:solidFill>
+            <a:schemeClr val="accent1"/>
+          </a:solidFill>
+          <a:ln>
+            <a:noFill/>
+          </a:ln>
+        </p:spPr>
+        <p:style>
+          <a:lnRef idx="2">
+            <a:schemeClr val="accent1">
+              <a:shade val="50000"/>
+            </a:schemeClr>
+          </a:lnRef>
+          <a:fillRef idx="1">
+            <a:schemeClr val="accent1"/>
+          </a:fillRef>
+          <a:effectRef idx="0">
+            <a:schemeClr val="accent1"/>
+          </a:effectRef>
+          <a:fontRef idx="minor">
+            <a:schemeClr val="lt1"/>
+          </a:fontRef>
+        </p:style>
+        <p:txBody>
+          <a:bodyPr rtlCol="0" anchor="ctr"/>
+          <a:p>
+            <a:pPr algn="ctr"/>
+            <a:endParaRPr lang="en-US"/>
+          </a:p>
+        </p:txBody>
+      </p:sp>
+      <p:sp>
+        <p:nvSpPr>
+          <p:cNvPr id="45" name="Text Box 44"/>
+          <p:cNvSpPr txBox="1"/>
+          <p:nvPr/>
+        </p:nvSpPr>
+        <p:spPr>
+          <a:xfrm>
+            <a:off x="1468755" y="6285865"/>
+            <a:ext cx="864870" cy="275590"/>
+          </a:xfrm>
+          <a:prstGeom prst="rect">
+            <a:avLst/>
+          </a:prstGeom>
+          <a:noFill/>
+        </p:spPr>
+        <p:txBody>
+          <a:bodyPr wrap="none" rtlCol="0">
+            <a:spAutoFit/>
+          </a:bodyPr>
+          <a:p>
+            <a:r>
+              <a:rPr lang="es-ES_tradnl" altLang="en-US" sz="1200"/>
+              <a:t>Maxquant</a:t>
+            </a:r>
+            <a:endParaRPr lang="es-ES_tradnl" altLang="en-US" sz="1200"/>
+          </a:p>
+        </p:txBody>
+      </p:sp>
+      <p:sp>
+        <p:nvSpPr>
+          <p:cNvPr id="46" name="Rounded Rectangle 45"/>
+          <p:cNvSpPr/>
+          <p:nvPr/>
+        </p:nvSpPr>
+        <p:spPr>
+          <a:xfrm>
+            <a:off x="3104515" y="97790"/>
+            <a:ext cx="7762240" cy="6579235"/>
+          </a:xfrm>
+          <a:prstGeom prst="roundRect">
+            <a:avLst>
+              <a:gd name="adj" fmla="val 935"/>
+            </a:avLst>
+          </a:prstGeom>
+          <a:solidFill>
+            <a:schemeClr val="bg1"/>
+          </a:solidFill>
+          <a:ln>
+            <a:solidFill>
+              <a:schemeClr val="tx1"/>
+            </a:solidFill>
+          </a:ln>
+        </p:spPr>
+        <p:style>
+          <a:lnRef idx="2">
+            <a:schemeClr val="accent1">
+              <a:shade val="50000"/>
+            </a:schemeClr>
+          </a:lnRef>
+          <a:fillRef idx="1">
+            <a:schemeClr val="accent1"/>
+          </a:fillRef>
+          <a:effectRef idx="0">
+            <a:schemeClr val="accent1"/>
+          </a:effectRef>
+          <a:fontRef idx="minor">
+            <a:schemeClr val="lt1"/>
+          </a:fontRef>
+        </p:style>
+        <p:txBody>
+          <a:bodyPr rtlCol="0" anchor="ctr"/>
+          <a:p>
+            <a:pPr algn="ctr"/>
+            <a:endParaRPr lang="en-US"/>
+          </a:p>
+        </p:txBody>
+      </p:sp>
+      <p:sp>
+        <p:nvSpPr>
+          <p:cNvPr id="47" name="Rounded Rectangle 46"/>
+          <p:cNvSpPr/>
+          <p:nvPr/>
+        </p:nvSpPr>
+        <p:spPr>
+          <a:xfrm>
+            <a:off x="960120" y="1337310"/>
+            <a:ext cx="373380" cy="274320"/>
+          </a:xfrm>
+          <a:prstGeom prst="roundRect">
+            <a:avLst/>
+          </a:prstGeom>
+          <a:solidFill>
+            <a:schemeClr val="bg2">
+              <a:lumMod val="50000"/>
+            </a:schemeClr>
+          </a:solidFill>
+          <a:ln>
+            <a:noFill/>
+          </a:ln>
+        </p:spPr>
+        <p:style>
+          <a:lnRef idx="2">
+            <a:schemeClr val="accent1">
+              <a:shade val="50000"/>
+            </a:schemeClr>
+          </a:lnRef>
+          <a:fillRef idx="1">
+            <a:schemeClr val="accent1"/>
+          </a:fillRef>
+          <a:effectRef idx="0">
+            <a:schemeClr val="accent1"/>
+          </a:effectRef>
+          <a:fontRef idx="minor">
+            <a:schemeClr val="lt1"/>
+          </a:fontRef>
+        </p:style>
+        <p:txBody>
+          <a:bodyPr rtlCol="0" anchor="ctr"/>
+          <a:p>
+            <a:pPr algn="ctr"/>
+            <a:endParaRPr lang="en-US"/>
+          </a:p>
+        </p:txBody>
+      </p:sp>
+      <p:sp>
+        <p:nvSpPr>
+          <p:cNvPr id="48" name="Text Box 47"/>
+          <p:cNvSpPr txBox="1"/>
+          <p:nvPr/>
+        </p:nvSpPr>
+        <p:spPr>
+          <a:xfrm>
+            <a:off x="803910" y="1659255"/>
+            <a:ext cx="660400" cy="275590"/>
+          </a:xfrm>
+          <a:prstGeom prst="rect">
+            <a:avLst/>
+          </a:prstGeom>
+          <a:noFill/>
+        </p:spPr>
+        <p:txBody>
+          <a:bodyPr wrap="none" rtlCol="0">
+            <a:spAutoFit/>
+          </a:bodyPr>
+          <a:p>
+            <a:r>
+              <a:rPr lang="es-ES_tradnl" altLang="en-US" sz="1200"/>
+              <a:t>FastQC</a:t>
             </a:r>
             <a:endParaRPr lang="es-ES_tradnl" altLang="en-US" sz="1200"/>
           </a:p>
@@ -14034,7 +15581,7 @@
       </p:sp>
       <p:pic>
         <p:nvPicPr>
-          <p:cNvPr id="2" name="Picture 1" descr="Picture2-removebg-preview"/>
+          <p:cNvPr id="49" name="Picture 48"/>
           <p:cNvPicPr>
             <a:picLocks noChangeAspect="1"/>
           </p:cNvPicPr>
@@ -14048,14 +15595,1199 @@
         </p:blipFill>
         <p:spPr>
           <a:xfrm>
-            <a:off x="2539365" y="1869440"/>
-            <a:ext cx="3121660" cy="2432685"/>
+            <a:off x="4100830" y="491490"/>
+            <a:ext cx="701040" cy="701040"/>
           </a:xfrm>
           <a:prstGeom prst="rect">
             <a:avLst/>
           </a:prstGeom>
         </p:spPr>
       </p:pic>
+      <p:pic>
+        <p:nvPicPr>
+          <p:cNvPr id="52" name="Picture 51"/>
+          <p:cNvPicPr>
+            <a:picLocks noChangeAspect="1"/>
+          </p:cNvPicPr>
+          <p:nvPr/>
+        </p:nvPicPr>
+        <p:blipFill>
+          <a:blip r:embed="rId1"/>
+          <a:stretch>
+            <a:fillRect/>
+          </a:stretch>
+        </p:blipFill>
+        <p:spPr>
+          <a:xfrm>
+            <a:off x="4912360" y="765810"/>
+            <a:ext cx="701040" cy="701040"/>
+          </a:xfrm>
+          <a:prstGeom prst="rect">
+            <a:avLst/>
+          </a:prstGeom>
+        </p:spPr>
+      </p:pic>
+      <p:sp>
+        <p:nvSpPr>
+          <p:cNvPr id="53" name="Rounded Rectangle 52"/>
+          <p:cNvSpPr/>
+          <p:nvPr/>
+        </p:nvSpPr>
+        <p:spPr>
+          <a:xfrm>
+            <a:off x="4340860" y="1761490"/>
+            <a:ext cx="922020" cy="274320"/>
+          </a:xfrm>
+          <a:prstGeom prst="roundRect">
+            <a:avLst/>
+          </a:prstGeom>
+          <a:solidFill>
+            <a:schemeClr val="bg2">
+              <a:lumMod val="50000"/>
+            </a:schemeClr>
+          </a:solidFill>
+          <a:ln>
+            <a:noFill/>
+          </a:ln>
+        </p:spPr>
+        <p:style>
+          <a:lnRef idx="2">
+            <a:schemeClr val="accent1">
+              <a:shade val="50000"/>
+            </a:schemeClr>
+          </a:lnRef>
+          <a:fillRef idx="1">
+            <a:schemeClr val="accent1"/>
+          </a:fillRef>
+          <a:effectRef idx="0">
+            <a:schemeClr val="accent1"/>
+          </a:effectRef>
+          <a:fontRef idx="minor">
+            <a:schemeClr val="lt1"/>
+          </a:fontRef>
+        </p:style>
+        <p:txBody>
+          <a:bodyPr rtlCol="0" anchor="ctr"/>
+          <a:p>
+            <a:pPr algn="ctr"/>
+            <a:r>
+              <a:rPr lang="es-ES_tradnl" altLang="en-US" sz="1200">
+                <a:solidFill>
+                  <a:schemeClr val="bg1"/>
+                </a:solidFill>
+              </a:rPr>
+              <a:t>FastQC</a:t>
+            </a:r>
+            <a:endParaRPr lang="es-ES_tradnl" altLang="en-US" sz="1200">
+              <a:solidFill>
+                <a:schemeClr val="bg1"/>
+              </a:solidFill>
+            </a:endParaRPr>
+          </a:p>
+        </p:txBody>
+      </p:sp>
+      <p:sp>
+        <p:nvSpPr>
+          <p:cNvPr id="54" name="Rounded Rectangle 53"/>
+          <p:cNvSpPr/>
+          <p:nvPr/>
+        </p:nvSpPr>
+        <p:spPr>
+          <a:xfrm>
+            <a:off x="4340860" y="2551430"/>
+            <a:ext cx="922020" cy="274320"/>
+          </a:xfrm>
+          <a:prstGeom prst="roundRect">
+            <a:avLst/>
+          </a:prstGeom>
+          <a:solidFill>
+            <a:schemeClr val="bg2">
+              <a:lumMod val="50000"/>
+            </a:schemeClr>
+          </a:solidFill>
+          <a:ln>
+            <a:noFill/>
+          </a:ln>
+        </p:spPr>
+        <p:style>
+          <a:lnRef idx="2">
+            <a:schemeClr val="accent1">
+              <a:shade val="50000"/>
+            </a:schemeClr>
+          </a:lnRef>
+          <a:fillRef idx="1">
+            <a:schemeClr val="accent1"/>
+          </a:fillRef>
+          <a:effectRef idx="0">
+            <a:schemeClr val="accent1"/>
+          </a:effectRef>
+          <a:fontRef idx="minor">
+            <a:schemeClr val="lt1"/>
+          </a:fontRef>
+        </p:style>
+        <p:txBody>
+          <a:bodyPr rtlCol="0" anchor="ctr"/>
+          <a:p>
+            <a:pPr algn="ctr"/>
+            <a:r>
+              <a:rPr lang="es-ES_tradnl" altLang="en-US" sz="1200">
+                <a:solidFill>
+                  <a:schemeClr val="bg1"/>
+                </a:solidFill>
+              </a:rPr>
+              <a:t>BWA</a:t>
+            </a:r>
+            <a:endParaRPr lang="es-ES_tradnl" altLang="en-US" sz="1200">
+              <a:solidFill>
+                <a:schemeClr val="bg1"/>
+              </a:solidFill>
+            </a:endParaRPr>
+          </a:p>
+        </p:txBody>
+      </p:sp>
+      <p:sp>
+        <p:nvSpPr>
+          <p:cNvPr id="55" name="Rounded Rectangle 54"/>
+          <p:cNvSpPr/>
+          <p:nvPr/>
+        </p:nvSpPr>
+        <p:spPr>
+          <a:xfrm>
+            <a:off x="4340860" y="3375660"/>
+            <a:ext cx="922020" cy="274320"/>
+          </a:xfrm>
+          <a:prstGeom prst="roundRect">
+            <a:avLst/>
+          </a:prstGeom>
+          <a:solidFill>
+            <a:schemeClr val="bg2">
+              <a:lumMod val="50000"/>
+            </a:schemeClr>
+          </a:solidFill>
+          <a:ln>
+            <a:noFill/>
+          </a:ln>
+        </p:spPr>
+        <p:style>
+          <a:lnRef idx="2">
+            <a:schemeClr val="accent1">
+              <a:shade val="50000"/>
+            </a:schemeClr>
+          </a:lnRef>
+          <a:fillRef idx="1">
+            <a:schemeClr val="accent1"/>
+          </a:fillRef>
+          <a:effectRef idx="0">
+            <a:schemeClr val="accent1"/>
+          </a:effectRef>
+          <a:fontRef idx="minor">
+            <a:schemeClr val="lt1"/>
+          </a:fontRef>
+        </p:style>
+        <p:txBody>
+          <a:bodyPr rtlCol="0" anchor="ctr"/>
+          <a:p>
+            <a:pPr algn="ctr"/>
+            <a:r>
+              <a:rPr lang="es-ES_tradnl" altLang="en-US" sz="1200">
+                <a:solidFill>
+                  <a:schemeClr val="bg1"/>
+                </a:solidFill>
+              </a:rPr>
+              <a:t>Samtools</a:t>
+            </a:r>
+            <a:endParaRPr lang="es-ES_tradnl" altLang="en-US" sz="1200">
+              <a:solidFill>
+                <a:schemeClr val="bg1"/>
+              </a:solidFill>
+            </a:endParaRPr>
+          </a:p>
+        </p:txBody>
+      </p:sp>
+      <p:cxnSp>
+        <p:nvCxnSpPr>
+          <p:cNvPr id="56" name="Curved Connector 55"/>
+          <p:cNvCxnSpPr/>
+          <p:nvPr/>
+        </p:nvCxnSpPr>
+        <p:spPr>
+          <a:xfrm rot="5400000">
+            <a:off x="4499610" y="2239645"/>
+            <a:ext cx="434340" cy="107315"/>
+          </a:xfrm>
+          <a:prstGeom prst="curvedConnector3">
+            <a:avLst>
+              <a:gd name="adj1" fmla="val 50073"/>
+            </a:avLst>
+          </a:prstGeom>
+          <a:ln w="25400">
+            <a:solidFill>
+              <a:schemeClr val="tx2"/>
+            </a:solidFill>
+            <a:tailEnd type="triangle"/>
+          </a:ln>
+        </p:spPr>
+        <p:style>
+          <a:lnRef idx="1">
+            <a:schemeClr val="accent1"/>
+          </a:lnRef>
+          <a:fillRef idx="0">
+            <a:schemeClr val="accent1"/>
+          </a:fillRef>
+          <a:effectRef idx="0">
+            <a:schemeClr val="accent1"/>
+          </a:effectRef>
+          <a:fontRef idx="minor">
+            <a:schemeClr val="tx1"/>
+          </a:fontRef>
+        </p:style>
+      </p:cxnSp>
+      <p:cxnSp>
+        <p:nvCxnSpPr>
+          <p:cNvPr id="57" name="Curved Connector 56"/>
+          <p:cNvCxnSpPr/>
+          <p:nvPr/>
+        </p:nvCxnSpPr>
+        <p:spPr>
+          <a:xfrm rot="5400000" flipV="1">
+            <a:off x="4638040" y="3049270"/>
+            <a:ext cx="455930" cy="128270"/>
+          </a:xfrm>
+          <a:prstGeom prst="curvedConnector3">
+            <a:avLst>
+              <a:gd name="adj1" fmla="val 50139"/>
+            </a:avLst>
+          </a:prstGeom>
+          <a:ln w="25400">
+            <a:solidFill>
+              <a:schemeClr val="tx2"/>
+            </a:solidFill>
+            <a:tailEnd type="triangle"/>
+          </a:ln>
+        </p:spPr>
+        <p:style>
+          <a:lnRef idx="1">
+            <a:schemeClr val="accent1"/>
+          </a:lnRef>
+          <a:fillRef idx="0">
+            <a:schemeClr val="accent1"/>
+          </a:fillRef>
+          <a:effectRef idx="0">
+            <a:schemeClr val="accent1"/>
+          </a:effectRef>
+          <a:fontRef idx="minor">
+            <a:schemeClr val="tx1"/>
+          </a:fontRef>
+        </p:style>
+      </p:cxnSp>
+      <p:cxnSp>
+        <p:nvCxnSpPr>
+          <p:cNvPr id="58" name="Curved Connector 57"/>
+          <p:cNvCxnSpPr/>
+          <p:nvPr/>
+        </p:nvCxnSpPr>
+        <p:spPr>
+          <a:xfrm rot="5400000">
+            <a:off x="4973320" y="1514475"/>
+            <a:ext cx="307340" cy="109855"/>
+          </a:xfrm>
+          <a:prstGeom prst="curvedConnector3">
+            <a:avLst>
+              <a:gd name="adj1" fmla="val 50103"/>
+            </a:avLst>
+          </a:prstGeom>
+          <a:ln w="25400">
+            <a:solidFill>
+              <a:schemeClr val="tx2"/>
+            </a:solidFill>
+            <a:tailEnd type="triangle"/>
+          </a:ln>
+        </p:spPr>
+        <p:style>
+          <a:lnRef idx="1">
+            <a:schemeClr val="accent1"/>
+          </a:lnRef>
+          <a:fillRef idx="0">
+            <a:schemeClr val="accent1"/>
+          </a:fillRef>
+          <a:effectRef idx="0">
+            <a:schemeClr val="accent1"/>
+          </a:effectRef>
+          <a:fontRef idx="minor">
+            <a:schemeClr val="tx1"/>
+          </a:fontRef>
+        </p:style>
+      </p:cxnSp>
+      <p:cxnSp>
+        <p:nvCxnSpPr>
+          <p:cNvPr id="59" name="Curved Connector 58"/>
+          <p:cNvCxnSpPr>
+            <a:stCxn id="49" idx="2"/>
+          </p:cNvCxnSpPr>
+          <p:nvPr/>
+        </p:nvCxnSpPr>
+        <p:spPr>
+          <a:xfrm rot="5400000" flipV="1">
+            <a:off x="4299585" y="1344295"/>
+            <a:ext cx="515620" cy="212090"/>
+          </a:xfrm>
+          <a:prstGeom prst="curvedConnector3">
+            <a:avLst>
+              <a:gd name="adj1" fmla="val 50000"/>
+            </a:avLst>
+          </a:prstGeom>
+          <a:ln w="25400">
+            <a:solidFill>
+              <a:schemeClr val="tx2"/>
+            </a:solidFill>
+            <a:tailEnd type="triangle"/>
+          </a:ln>
+        </p:spPr>
+        <p:style>
+          <a:lnRef idx="1">
+            <a:schemeClr val="accent1"/>
+          </a:lnRef>
+          <a:fillRef idx="0">
+            <a:schemeClr val="accent1"/>
+          </a:fillRef>
+          <a:effectRef idx="0">
+            <a:schemeClr val="accent1"/>
+          </a:effectRef>
+          <a:fontRef idx="minor">
+            <a:schemeClr val="tx1"/>
+          </a:fontRef>
+        </p:style>
+      </p:cxnSp>
+      <p:sp>
+        <p:nvSpPr>
+          <p:cNvPr id="60" name="Rounded Rectangle 59"/>
+          <p:cNvSpPr/>
+          <p:nvPr/>
+        </p:nvSpPr>
+        <p:spPr>
+          <a:xfrm>
+            <a:off x="4801870" y="4142740"/>
+            <a:ext cx="922020" cy="274320"/>
+          </a:xfrm>
+          <a:prstGeom prst="roundRect">
+            <a:avLst/>
+          </a:prstGeom>
+          <a:solidFill>
+            <a:schemeClr val="bg2">
+              <a:lumMod val="50000"/>
+            </a:schemeClr>
+          </a:solidFill>
+          <a:ln>
+            <a:noFill/>
+          </a:ln>
+        </p:spPr>
+        <p:style>
+          <a:lnRef idx="2">
+            <a:schemeClr val="accent1">
+              <a:shade val="50000"/>
+            </a:schemeClr>
+          </a:lnRef>
+          <a:fillRef idx="1">
+            <a:schemeClr val="accent1"/>
+          </a:fillRef>
+          <a:effectRef idx="0">
+            <a:schemeClr val="accent1"/>
+          </a:effectRef>
+          <a:fontRef idx="minor">
+            <a:schemeClr val="lt1"/>
+          </a:fontRef>
+        </p:style>
+        <p:txBody>
+          <a:bodyPr rtlCol="0" anchor="ctr"/>
+          <a:p>
+            <a:pPr algn="ctr"/>
+            <a:r>
+              <a:rPr lang="es-ES_tradnl" altLang="en-US" sz="1200">
+                <a:solidFill>
+                  <a:schemeClr val="bg1"/>
+                </a:solidFill>
+              </a:rPr>
+              <a:t>GATK</a:t>
+            </a:r>
+            <a:endParaRPr lang="es-ES_tradnl" altLang="en-US" sz="1200">
+              <a:solidFill>
+                <a:schemeClr val="bg1"/>
+              </a:solidFill>
+            </a:endParaRPr>
+          </a:p>
+        </p:txBody>
+      </p:sp>
+      <p:sp>
+        <p:nvSpPr>
+          <p:cNvPr id="61" name="Rounded Rectangle 60"/>
+          <p:cNvSpPr/>
+          <p:nvPr/>
+        </p:nvSpPr>
+        <p:spPr>
+          <a:xfrm>
+            <a:off x="5072380" y="4956175"/>
+            <a:ext cx="922020" cy="274320"/>
+          </a:xfrm>
+          <a:prstGeom prst="roundRect">
+            <a:avLst/>
+          </a:prstGeom>
+          <a:solidFill>
+            <a:schemeClr val="bg2">
+              <a:lumMod val="50000"/>
+            </a:schemeClr>
+          </a:solidFill>
+          <a:ln>
+            <a:noFill/>
+          </a:ln>
+        </p:spPr>
+        <p:style>
+          <a:lnRef idx="2">
+            <a:schemeClr val="accent1">
+              <a:shade val="50000"/>
+            </a:schemeClr>
+          </a:lnRef>
+          <a:fillRef idx="1">
+            <a:schemeClr val="accent1"/>
+          </a:fillRef>
+          <a:effectRef idx="0">
+            <a:schemeClr val="accent1"/>
+          </a:effectRef>
+          <a:fontRef idx="minor">
+            <a:schemeClr val="lt1"/>
+          </a:fontRef>
+        </p:style>
+        <p:txBody>
+          <a:bodyPr rtlCol="0" anchor="ctr"/>
+          <a:p>
+            <a:pPr algn="ctr"/>
+            <a:r>
+              <a:rPr lang="es-ES_tradnl" altLang="en-US" sz="1200">
+                <a:solidFill>
+                  <a:schemeClr val="bg1"/>
+                </a:solidFill>
+              </a:rPr>
+              <a:t>BCFtools</a:t>
+            </a:r>
+            <a:endParaRPr lang="es-ES_tradnl" altLang="en-US" sz="1200">
+              <a:solidFill>
+                <a:schemeClr val="bg1"/>
+              </a:solidFill>
+            </a:endParaRPr>
+          </a:p>
+        </p:txBody>
+      </p:sp>
+      <p:cxnSp>
+        <p:nvCxnSpPr>
+          <p:cNvPr id="62" name="Curved Connector 61"/>
+          <p:cNvCxnSpPr/>
+          <p:nvPr/>
+        </p:nvCxnSpPr>
+        <p:spPr>
+          <a:xfrm rot="5400000" flipV="1">
+            <a:off x="4908550" y="3843020"/>
+            <a:ext cx="455930" cy="128270"/>
+          </a:xfrm>
+          <a:prstGeom prst="curvedConnector3">
+            <a:avLst>
+              <a:gd name="adj1" fmla="val 50139"/>
+            </a:avLst>
+          </a:prstGeom>
+          <a:ln w="25400">
+            <a:solidFill>
+              <a:schemeClr val="tx2"/>
+            </a:solidFill>
+            <a:tailEnd type="triangle"/>
+          </a:ln>
+        </p:spPr>
+        <p:style>
+          <a:lnRef idx="1">
+            <a:schemeClr val="accent1"/>
+          </a:lnRef>
+          <a:fillRef idx="0">
+            <a:schemeClr val="accent1"/>
+          </a:fillRef>
+          <a:effectRef idx="0">
+            <a:schemeClr val="accent1"/>
+          </a:effectRef>
+          <a:fontRef idx="minor">
+            <a:schemeClr val="tx1"/>
+          </a:fontRef>
+        </p:style>
+      </p:cxnSp>
+      <p:cxnSp>
+        <p:nvCxnSpPr>
+          <p:cNvPr id="63" name="Curved Connector 62"/>
+          <p:cNvCxnSpPr/>
+          <p:nvPr/>
+        </p:nvCxnSpPr>
+        <p:spPr>
+          <a:xfrm rot="5400000" flipV="1">
+            <a:off x="5187950" y="4613275"/>
+            <a:ext cx="455930" cy="128270"/>
+          </a:xfrm>
+          <a:prstGeom prst="curvedConnector3">
+            <a:avLst>
+              <a:gd name="adj1" fmla="val 50139"/>
+            </a:avLst>
+          </a:prstGeom>
+          <a:ln w="25400">
+            <a:solidFill>
+              <a:schemeClr val="tx2"/>
+            </a:solidFill>
+            <a:tailEnd type="triangle"/>
+          </a:ln>
+        </p:spPr>
+        <p:style>
+          <a:lnRef idx="1">
+            <a:schemeClr val="accent1"/>
+          </a:lnRef>
+          <a:fillRef idx="0">
+            <a:schemeClr val="accent1"/>
+          </a:fillRef>
+          <a:effectRef idx="0">
+            <a:schemeClr val="accent1"/>
+          </a:effectRef>
+          <a:fontRef idx="minor">
+            <a:schemeClr val="tx1"/>
+          </a:fontRef>
+        </p:style>
+      </p:cxnSp>
+      <p:sp>
+        <p:nvSpPr>
+          <p:cNvPr id="64" name="Rounded Rectangle 63"/>
+          <p:cNvSpPr/>
+          <p:nvPr/>
+        </p:nvSpPr>
+        <p:spPr>
+          <a:xfrm>
+            <a:off x="5994400" y="5464175"/>
+            <a:ext cx="922020" cy="274320"/>
+          </a:xfrm>
+          <a:prstGeom prst="roundRect">
+            <a:avLst/>
+          </a:prstGeom>
+          <a:solidFill>
+            <a:schemeClr val="bg2">
+              <a:lumMod val="50000"/>
+            </a:schemeClr>
+          </a:solidFill>
+          <a:ln>
+            <a:noFill/>
+          </a:ln>
+        </p:spPr>
+        <p:style>
+          <a:lnRef idx="2">
+            <a:schemeClr val="accent1">
+              <a:shade val="50000"/>
+            </a:schemeClr>
+          </a:lnRef>
+          <a:fillRef idx="1">
+            <a:schemeClr val="accent1"/>
+          </a:fillRef>
+          <a:effectRef idx="0">
+            <a:schemeClr val="accent1"/>
+          </a:effectRef>
+          <a:fontRef idx="minor">
+            <a:schemeClr val="lt1"/>
+          </a:fontRef>
+        </p:style>
+        <p:txBody>
+          <a:bodyPr rtlCol="0" anchor="ctr"/>
+          <a:p>
+            <a:pPr algn="ctr"/>
+            <a:r>
+              <a:rPr lang="es-ES_tradnl" altLang="en-US" sz="1200">
+                <a:solidFill>
+                  <a:schemeClr val="bg1"/>
+                </a:solidFill>
+              </a:rPr>
+              <a:t>Annovar</a:t>
+            </a:r>
+            <a:endParaRPr lang="es-ES_tradnl" altLang="en-US" sz="1200">
+              <a:solidFill>
+                <a:schemeClr val="bg1"/>
+              </a:solidFill>
+            </a:endParaRPr>
+          </a:p>
+        </p:txBody>
+      </p:sp>
+      <p:cxnSp>
+        <p:nvCxnSpPr>
+          <p:cNvPr id="65" name="Curved Connector 64"/>
+          <p:cNvCxnSpPr>
+            <a:stCxn id="61" idx="2"/>
+            <a:endCxn id="64" idx="1"/>
+          </p:cNvCxnSpPr>
+          <p:nvPr/>
+        </p:nvCxnSpPr>
+        <p:spPr>
+          <a:xfrm rot="5400000" flipV="1">
+            <a:off x="5578475" y="5185410"/>
+            <a:ext cx="370840" cy="461010"/>
+          </a:xfrm>
+          <a:prstGeom prst="curvedConnector2">
+            <a:avLst/>
+          </a:prstGeom>
+          <a:ln w="25400">
+            <a:solidFill>
+              <a:schemeClr val="tx2"/>
+            </a:solidFill>
+            <a:tailEnd type="triangle"/>
+          </a:ln>
+        </p:spPr>
+        <p:style>
+          <a:lnRef idx="1">
+            <a:schemeClr val="accent1"/>
+          </a:lnRef>
+          <a:fillRef idx="0">
+            <a:schemeClr val="accent1"/>
+          </a:fillRef>
+          <a:effectRef idx="0">
+            <a:schemeClr val="accent1"/>
+          </a:effectRef>
+          <a:fontRef idx="minor">
+            <a:schemeClr val="tx1"/>
+          </a:fontRef>
+        </p:style>
+      </p:cxnSp>
+      <p:sp>
+        <p:nvSpPr>
+          <p:cNvPr id="66" name="Rounded Rectangle 65"/>
+          <p:cNvSpPr/>
+          <p:nvPr/>
+        </p:nvSpPr>
+        <p:spPr>
+          <a:xfrm>
+            <a:off x="6524625" y="491490"/>
+            <a:ext cx="922020" cy="274320"/>
+          </a:xfrm>
+          <a:prstGeom prst="roundRect">
+            <a:avLst/>
+          </a:prstGeom>
+          <a:solidFill>
+            <a:schemeClr val="bg2">
+              <a:lumMod val="50000"/>
+            </a:schemeClr>
+          </a:solidFill>
+          <a:ln>
+            <a:noFill/>
+          </a:ln>
+        </p:spPr>
+        <p:style>
+          <a:lnRef idx="2">
+            <a:schemeClr val="accent1">
+              <a:shade val="50000"/>
+            </a:schemeClr>
+          </a:lnRef>
+          <a:fillRef idx="1">
+            <a:schemeClr val="accent1"/>
+          </a:fillRef>
+          <a:effectRef idx="0">
+            <a:schemeClr val="accent1"/>
+          </a:effectRef>
+          <a:fontRef idx="minor">
+            <a:schemeClr val="lt1"/>
+          </a:fontRef>
+        </p:style>
+        <p:txBody>
+          <a:bodyPr rtlCol="0" anchor="ctr"/>
+          <a:p>
+            <a:pPr algn="ctr"/>
+            <a:r>
+              <a:rPr lang="es-ES_tradnl" altLang="en-US" sz="1200">
+                <a:solidFill>
+                  <a:schemeClr val="bg1"/>
+                </a:solidFill>
+              </a:rPr>
+              <a:t>OptiType</a:t>
+            </a:r>
+            <a:endParaRPr lang="es-ES_tradnl" altLang="en-US" sz="1200">
+              <a:solidFill>
+                <a:schemeClr val="bg1"/>
+              </a:solidFill>
+            </a:endParaRPr>
+          </a:p>
+        </p:txBody>
+      </p:sp>
+      <p:cxnSp>
+        <p:nvCxnSpPr>
+          <p:cNvPr id="67" name="Curved Connector 66"/>
+          <p:cNvCxnSpPr/>
+          <p:nvPr/>
+        </p:nvCxnSpPr>
+        <p:spPr>
+          <a:xfrm>
+            <a:off x="4671695" y="537210"/>
+            <a:ext cx="1798320" cy="68580"/>
+          </a:xfrm>
+          <a:prstGeom prst="curvedConnector3">
+            <a:avLst>
+              <a:gd name="adj1" fmla="val 50035"/>
+            </a:avLst>
+          </a:prstGeom>
+          <a:ln w="25400">
+            <a:solidFill>
+              <a:schemeClr val="tx2"/>
+            </a:solidFill>
+            <a:tailEnd type="triangle"/>
+          </a:ln>
+        </p:spPr>
+        <p:style>
+          <a:lnRef idx="1">
+            <a:schemeClr val="accent1"/>
+          </a:lnRef>
+          <a:fillRef idx="0">
+            <a:schemeClr val="accent1"/>
+          </a:fillRef>
+          <a:effectRef idx="0">
+            <a:schemeClr val="accent1"/>
+          </a:effectRef>
+          <a:fontRef idx="minor">
+            <a:schemeClr val="tx1"/>
+          </a:fontRef>
+        </p:style>
+      </p:cxnSp>
+      <p:cxnSp>
+        <p:nvCxnSpPr>
+          <p:cNvPr id="68" name="Curved Connector 67"/>
+          <p:cNvCxnSpPr>
+            <a:stCxn id="52" idx="3"/>
+          </p:cNvCxnSpPr>
+          <p:nvPr/>
+        </p:nvCxnSpPr>
+        <p:spPr>
+          <a:xfrm flipV="1">
+            <a:off x="5613400" y="735330"/>
+            <a:ext cx="887095" cy="381000"/>
+          </a:xfrm>
+          <a:prstGeom prst="curvedConnector3">
+            <a:avLst>
+              <a:gd name="adj1" fmla="val 50036"/>
+            </a:avLst>
+          </a:prstGeom>
+          <a:ln w="25400">
+            <a:solidFill>
+              <a:schemeClr val="tx2"/>
+            </a:solidFill>
+            <a:tailEnd type="triangle"/>
+          </a:ln>
+        </p:spPr>
+        <p:style>
+          <a:lnRef idx="1">
+            <a:schemeClr val="accent1"/>
+          </a:lnRef>
+          <a:fillRef idx="0">
+            <a:schemeClr val="accent1"/>
+          </a:fillRef>
+          <a:effectRef idx="0">
+            <a:schemeClr val="accent1"/>
+          </a:effectRef>
+          <a:fontRef idx="minor">
+            <a:schemeClr val="tx1"/>
+          </a:fontRef>
+        </p:style>
+      </p:cxnSp>
+      <p:sp>
+        <p:nvSpPr>
+          <p:cNvPr id="70" name="Round Diagonal Corner Rectangle 69"/>
+          <p:cNvSpPr/>
+          <p:nvPr/>
+        </p:nvSpPr>
+        <p:spPr>
+          <a:xfrm>
+            <a:off x="6500495" y="3341370"/>
+            <a:ext cx="1158875" cy="410845"/>
+          </a:xfrm>
+          <a:prstGeom prst="round2DiagRect">
+            <a:avLst/>
+          </a:prstGeom>
+          <a:solidFill>
+            <a:schemeClr val="accent6">
+              <a:lumMod val="75000"/>
+            </a:schemeClr>
+          </a:solidFill>
+        </p:spPr>
+        <p:style>
+          <a:lnRef idx="2">
+            <a:schemeClr val="accent1">
+              <a:shade val="50000"/>
+            </a:schemeClr>
+          </a:lnRef>
+          <a:fillRef idx="1">
+            <a:schemeClr val="accent1"/>
+          </a:fillRef>
+          <a:effectRef idx="0">
+            <a:schemeClr val="accent1"/>
+          </a:effectRef>
+          <a:fontRef idx="minor">
+            <a:schemeClr val="lt1"/>
+          </a:fontRef>
+        </p:style>
+        <p:txBody>
+          <a:bodyPr rtlCol="0" anchor="ctr"/>
+          <a:p>
+            <a:pPr algn="ctr"/>
+            <a:r>
+              <a:rPr lang="es-ES_tradnl" altLang="en-US" sz="1000"/>
+              <a:t>Neoantígenos candidatos</a:t>
+            </a:r>
+            <a:endParaRPr lang="es-ES_tradnl" altLang="en-US" sz="1000"/>
+          </a:p>
+        </p:txBody>
+      </p:sp>
+      <p:sp>
+        <p:nvSpPr>
+          <p:cNvPr id="71" name="Round Diagonal Corner Rectangle 70"/>
+          <p:cNvSpPr/>
+          <p:nvPr/>
+        </p:nvSpPr>
+        <p:spPr>
+          <a:xfrm>
+            <a:off x="6524625" y="2565400"/>
+            <a:ext cx="1158875" cy="410845"/>
+          </a:xfrm>
+          <a:prstGeom prst="round2DiagRect">
+            <a:avLst/>
+          </a:prstGeom>
+          <a:solidFill>
+            <a:schemeClr val="accent6">
+              <a:lumMod val="75000"/>
+            </a:schemeClr>
+          </a:solidFill>
+        </p:spPr>
+        <p:style>
+          <a:lnRef idx="2">
+            <a:schemeClr val="accent1">
+              <a:shade val="50000"/>
+            </a:schemeClr>
+          </a:lnRef>
+          <a:fillRef idx="1">
+            <a:schemeClr val="accent1"/>
+          </a:fillRef>
+          <a:effectRef idx="0">
+            <a:schemeClr val="accent1"/>
+          </a:effectRef>
+          <a:fontRef idx="minor">
+            <a:schemeClr val="lt1"/>
+          </a:fontRef>
+        </p:style>
+        <p:txBody>
+          <a:bodyPr rtlCol="0" anchor="ctr"/>
+          <a:p>
+            <a:pPr algn="ctr"/>
+            <a:r>
+              <a:rPr lang="es-ES_tradnl" altLang="en-US" sz="1000"/>
+              <a:t>Tipos de HLA</a:t>
+            </a:r>
+            <a:endParaRPr lang="es-ES_tradnl" altLang="en-US" sz="1000"/>
+          </a:p>
+        </p:txBody>
+      </p:sp>
+      <p:cxnSp>
+        <p:nvCxnSpPr>
+          <p:cNvPr id="72" name="Curved Connector 71"/>
+          <p:cNvCxnSpPr>
+            <a:stCxn id="64" idx="0"/>
+            <a:endCxn id="70" idx="1"/>
+          </p:cNvCxnSpPr>
+          <p:nvPr/>
+        </p:nvCxnSpPr>
+        <p:spPr>
+          <a:xfrm rot="16200000">
+            <a:off x="5911850" y="4295775"/>
+            <a:ext cx="1711960" cy="624840"/>
+          </a:xfrm>
+          <a:prstGeom prst="curvedConnector3">
+            <a:avLst>
+              <a:gd name="adj1" fmla="val 50000"/>
+            </a:avLst>
+          </a:prstGeom>
+          <a:ln w="25400">
+            <a:solidFill>
+              <a:schemeClr val="tx2"/>
+            </a:solidFill>
+            <a:tailEnd type="triangle"/>
+          </a:ln>
+        </p:spPr>
+        <p:style>
+          <a:lnRef idx="1">
+            <a:schemeClr val="accent1"/>
+          </a:lnRef>
+          <a:fillRef idx="0">
+            <a:schemeClr val="accent1"/>
+          </a:fillRef>
+          <a:effectRef idx="0">
+            <a:schemeClr val="accent1"/>
+          </a:effectRef>
+          <a:fontRef idx="minor">
+            <a:schemeClr val="tx1"/>
+          </a:fontRef>
+        </p:style>
+      </p:cxnSp>
+      <p:cxnSp>
+        <p:nvCxnSpPr>
+          <p:cNvPr id="73" name="Curved Connector 72"/>
+          <p:cNvCxnSpPr>
+            <a:stCxn id="66" idx="2"/>
+            <a:endCxn id="71" idx="3"/>
+          </p:cNvCxnSpPr>
+          <p:nvPr/>
+        </p:nvCxnSpPr>
+        <p:spPr>
+          <a:xfrm rot="5400000" flipV="1">
+            <a:off x="6144895" y="1605915"/>
+            <a:ext cx="1799590" cy="118745"/>
+          </a:xfrm>
+          <a:prstGeom prst="curvedConnector3">
+            <a:avLst>
+              <a:gd name="adj1" fmla="val 49982"/>
+            </a:avLst>
+          </a:prstGeom>
+          <a:ln w="25400">
+            <a:solidFill>
+              <a:schemeClr val="tx2"/>
+            </a:solidFill>
+            <a:tailEnd type="triangle"/>
+          </a:ln>
+        </p:spPr>
+        <p:style>
+          <a:lnRef idx="1">
+            <a:schemeClr val="accent1"/>
+          </a:lnRef>
+          <a:fillRef idx="0">
+            <a:schemeClr val="accent1"/>
+          </a:fillRef>
+          <a:effectRef idx="0">
+            <a:schemeClr val="accent1"/>
+          </a:effectRef>
+          <a:fontRef idx="minor">
+            <a:schemeClr val="tx1"/>
+          </a:fontRef>
+        </p:style>
+      </p:cxnSp>
+      <p:sp>
+        <p:nvSpPr>
+          <p:cNvPr id="75" name="Rounded Rectangle 74"/>
+          <p:cNvSpPr/>
+          <p:nvPr/>
+        </p:nvSpPr>
+        <p:spPr>
+          <a:xfrm>
+            <a:off x="8235950" y="3067050"/>
+            <a:ext cx="922020" cy="274320"/>
+          </a:xfrm>
+          <a:prstGeom prst="roundRect">
+            <a:avLst/>
+          </a:prstGeom>
+          <a:solidFill>
+            <a:schemeClr val="bg2">
+              <a:lumMod val="50000"/>
+            </a:schemeClr>
+          </a:solidFill>
+          <a:ln>
+            <a:noFill/>
+          </a:ln>
+        </p:spPr>
+        <p:style>
+          <a:lnRef idx="2">
+            <a:schemeClr val="accent1">
+              <a:shade val="50000"/>
+            </a:schemeClr>
+          </a:lnRef>
+          <a:fillRef idx="1">
+            <a:schemeClr val="accent1"/>
+          </a:fillRef>
+          <a:effectRef idx="0">
+            <a:schemeClr val="accent1"/>
+          </a:effectRef>
+          <a:fontRef idx="minor">
+            <a:schemeClr val="lt1"/>
+          </a:fontRef>
+        </p:style>
+        <p:txBody>
+          <a:bodyPr rtlCol="0" anchor="ctr"/>
+          <a:p>
+            <a:pPr algn="ctr"/>
+            <a:r>
+              <a:rPr lang="es-ES_tradnl" altLang="en-US" sz="1200">
+                <a:solidFill>
+                  <a:schemeClr val="bg1"/>
+                </a:solidFill>
+              </a:rPr>
+              <a:t>BERT</a:t>
+            </a:r>
+            <a:endParaRPr lang="es-ES_tradnl" altLang="en-US" sz="1200">
+              <a:solidFill>
+                <a:schemeClr val="bg1"/>
+              </a:solidFill>
+            </a:endParaRPr>
+          </a:p>
+        </p:txBody>
+      </p:sp>
+      <p:cxnSp>
+        <p:nvCxnSpPr>
+          <p:cNvPr id="76" name="Curved Connector 75"/>
+          <p:cNvCxnSpPr>
+            <a:endCxn id="75" idx="0"/>
+          </p:cNvCxnSpPr>
+          <p:nvPr/>
+        </p:nvCxnSpPr>
+        <p:spPr>
+          <a:xfrm>
+            <a:off x="7738745" y="2754630"/>
+            <a:ext cx="958215" cy="312420"/>
+          </a:xfrm>
+          <a:prstGeom prst="curvedConnector2">
+            <a:avLst/>
+          </a:prstGeom>
+          <a:ln w="25400">
+            <a:solidFill>
+              <a:schemeClr val="tx2"/>
+            </a:solidFill>
+            <a:tailEnd type="triangle"/>
+          </a:ln>
+        </p:spPr>
+        <p:style>
+          <a:lnRef idx="1">
+            <a:schemeClr val="accent1"/>
+          </a:lnRef>
+          <a:fillRef idx="0">
+            <a:schemeClr val="accent1"/>
+          </a:fillRef>
+          <a:effectRef idx="0">
+            <a:schemeClr val="accent1"/>
+          </a:effectRef>
+          <a:fontRef idx="minor">
+            <a:schemeClr val="tx1"/>
+          </a:fontRef>
+        </p:style>
+      </p:cxnSp>
+      <p:cxnSp>
+        <p:nvCxnSpPr>
+          <p:cNvPr id="77" name="Curved Connector 76"/>
+          <p:cNvCxnSpPr>
+            <a:endCxn id="75" idx="2"/>
+          </p:cNvCxnSpPr>
+          <p:nvPr/>
+        </p:nvCxnSpPr>
+        <p:spPr>
+          <a:xfrm flipV="1">
+            <a:off x="7738745" y="3341370"/>
+            <a:ext cx="958215" cy="184785"/>
+          </a:xfrm>
+          <a:prstGeom prst="curvedConnector2">
+            <a:avLst/>
+          </a:prstGeom>
+          <a:ln w="25400">
+            <a:solidFill>
+              <a:schemeClr val="tx2"/>
+            </a:solidFill>
+            <a:tailEnd type="triangle"/>
+          </a:ln>
+        </p:spPr>
+        <p:style>
+          <a:lnRef idx="1">
+            <a:schemeClr val="accent1"/>
+          </a:lnRef>
+          <a:fillRef idx="0">
+            <a:schemeClr val="accent1"/>
+          </a:fillRef>
+          <a:effectRef idx="0">
+            <a:schemeClr val="accent1"/>
+          </a:effectRef>
+          <a:fontRef idx="minor">
+            <a:schemeClr val="tx1"/>
+          </a:fontRef>
+        </p:style>
+      </p:cxnSp>
+      <p:sp>
+        <p:nvSpPr>
+          <p:cNvPr id="78" name="Round Diagonal Corner Rectangle 77"/>
+          <p:cNvSpPr/>
+          <p:nvPr/>
+        </p:nvSpPr>
+        <p:spPr>
+          <a:xfrm>
+            <a:off x="9515475" y="2999105"/>
+            <a:ext cx="1158875" cy="410845"/>
+          </a:xfrm>
+          <a:prstGeom prst="round2DiagRect">
+            <a:avLst/>
+          </a:prstGeom>
+          <a:solidFill>
+            <a:schemeClr val="accent6">
+              <a:lumMod val="75000"/>
+            </a:schemeClr>
+          </a:solidFill>
+        </p:spPr>
+        <p:style>
+          <a:lnRef idx="2">
+            <a:schemeClr val="accent1">
+              <a:shade val="50000"/>
+            </a:schemeClr>
+          </a:lnRef>
+          <a:fillRef idx="1">
+            <a:schemeClr val="accent1"/>
+          </a:fillRef>
+          <a:effectRef idx="0">
+            <a:schemeClr val="accent1"/>
+          </a:effectRef>
+          <a:fontRef idx="minor">
+            <a:schemeClr val="lt1"/>
+          </a:fontRef>
+        </p:style>
+        <p:txBody>
+          <a:bodyPr rtlCol="0" anchor="ctr"/>
+          <a:p>
+            <a:pPr algn="ctr"/>
+            <a:r>
+              <a:rPr lang="es-ES_tradnl" altLang="en-US" sz="1000"/>
+              <a:t>Neoantígenos </a:t>
+            </a:r>
+            <a:endParaRPr lang="es-ES_tradnl" altLang="en-US" sz="1000"/>
+          </a:p>
+        </p:txBody>
+      </p:sp>
+      <p:cxnSp>
+        <p:nvCxnSpPr>
+          <p:cNvPr id="79" name="Curved Connector 78"/>
+          <p:cNvCxnSpPr>
+            <a:endCxn id="78" idx="2"/>
+          </p:cNvCxnSpPr>
+          <p:nvPr/>
+        </p:nvCxnSpPr>
+        <p:spPr>
+          <a:xfrm flipV="1">
+            <a:off x="9189720" y="3204845"/>
+            <a:ext cx="325755" cy="14605"/>
+          </a:xfrm>
+          <a:prstGeom prst="curvedConnector3">
+            <a:avLst>
+              <a:gd name="adj1" fmla="val 50097"/>
+            </a:avLst>
+          </a:prstGeom>
+          <a:ln w="25400">
+            <a:solidFill>
+              <a:schemeClr val="tx2"/>
+            </a:solidFill>
+            <a:tailEnd type="triangle"/>
+          </a:ln>
+        </p:spPr>
+        <p:style>
+          <a:lnRef idx="1">
+            <a:schemeClr val="accent1"/>
+          </a:lnRef>
+          <a:fillRef idx="0">
+            <a:schemeClr val="accent1"/>
+          </a:fillRef>
+          <a:effectRef idx="0">
+            <a:schemeClr val="accent1"/>
+          </a:effectRef>
+          <a:fontRef idx="minor">
+            <a:schemeClr val="tx1"/>
+          </a:fontRef>
+        </p:style>
+      </p:cxnSp>
     </p:spTree>
   </p:cSld>
   <p:clrMapOvr>
@@ -14081,9 +16813,39 @@
           <a:chExt cx="0" cy="0"/>
         </a:xfrm>
       </p:grpSpPr>
+      <p:sp>
+        <p:nvSpPr>
+          <p:cNvPr id="17" name="Text Box 16"/>
+          <p:cNvSpPr txBox="1"/>
+          <p:nvPr/>
+        </p:nvSpPr>
+        <p:spPr>
+          <a:xfrm rot="16200000">
+            <a:off x="-495935" y="3382645"/>
+            <a:ext cx="1315720" cy="275590"/>
+          </a:xfrm>
+          <a:prstGeom prst="rect">
+            <a:avLst/>
+          </a:prstGeom>
+          <a:noFill/>
+        </p:spPr>
+        <p:txBody>
+          <a:bodyPr wrap="square" rtlCol="0">
+            <a:spAutoFit/>
+          </a:bodyPr>
+          <a:p>
+            <a:pPr lvl="1"/>
+            <a:r>
+              <a:rPr lang="es-ES_tradnl" altLang="en-US" sz="1200"/>
+              <a:t>Gradient</a:t>
+            </a:r>
+            <a:endParaRPr lang="es-ES_tradnl" altLang="en-US" sz="1200"/>
+          </a:p>
+        </p:txBody>
+      </p:sp>
       <p:pic>
         <p:nvPicPr>
-          <p:cNvPr id="7" name="Picture 6"/>
+          <p:cNvPr id="2" name="Picture 1" descr="Picture2-removebg-preview"/>
           <p:cNvPicPr>
             <a:picLocks noChangeAspect="1"/>
           </p:cNvPicPr>
@@ -14091,1393 +16853,14 @@
         </p:nvPicPr>
         <p:blipFill>
           <a:blip r:embed="rId1"/>
-          <a:srcRect l="13873" t="16667" r="20809" b="31111"/>
           <a:stretch>
             <a:fillRect/>
           </a:stretch>
         </p:blipFill>
         <p:spPr>
-          <a:xfrm flipH="1">
-            <a:off x="2190115" y="1270000"/>
-            <a:ext cx="901065" cy="1658620"/>
-          </a:xfrm>
-          <a:prstGeom prst="rect">
-            <a:avLst/>
-          </a:prstGeom>
-        </p:spPr>
-      </p:pic>
-      <p:pic>
-        <p:nvPicPr>
-          <p:cNvPr id="2" name="Picture 1"/>
-          <p:cNvPicPr>
-            <a:picLocks noChangeAspect="1"/>
-          </p:cNvPicPr>
-          <p:nvPr/>
-        </p:nvPicPr>
-        <p:blipFill>
-          <a:blip r:embed="rId2"/>
-          <a:srcRect l="21415" t="9476" r="17955" b="16459"/>
-          <a:stretch>
-            <a:fillRect/>
-          </a:stretch>
-        </p:blipFill>
-        <p:spPr>
-          <a:xfrm>
-            <a:off x="443230" y="1426845"/>
-            <a:ext cx="1235075" cy="1508760"/>
-          </a:xfrm>
-          <a:prstGeom prst="rect">
-            <a:avLst/>
-          </a:prstGeom>
-        </p:spPr>
-      </p:pic>
-      <p:pic>
-        <p:nvPicPr>
-          <p:cNvPr id="8" name="Picture 7"/>
-          <p:cNvPicPr>
-            <a:picLocks noChangeAspect="1"/>
-          </p:cNvPicPr>
-          <p:nvPr/>
-        </p:nvPicPr>
-        <p:blipFill>
-          <a:blip r:embed="rId1"/>
-          <a:srcRect l="13873" t="16667" r="20809" b="31111"/>
-          <a:stretch>
-            <a:fillRect/>
-          </a:stretch>
-        </p:blipFill>
-        <p:spPr>
-          <a:xfrm flipH="1">
-            <a:off x="3221355" y="1449705"/>
-            <a:ext cx="901700" cy="1299845"/>
-          </a:xfrm>
-          <a:prstGeom prst="rect">
-            <a:avLst/>
-          </a:prstGeom>
-        </p:spPr>
-      </p:pic>
-      <p:pic>
-        <p:nvPicPr>
-          <p:cNvPr id="11" name="Picture 10"/>
-          <p:cNvPicPr>
-            <a:picLocks noChangeAspect="1"/>
-          </p:cNvPicPr>
-          <p:nvPr/>
-        </p:nvPicPr>
-        <p:blipFill>
-          <a:blip r:embed="rId1"/>
-          <a:srcRect l="13873" t="16667" r="20809" b="31111"/>
-          <a:stretch>
-            <a:fillRect/>
-          </a:stretch>
-        </p:blipFill>
-        <p:spPr>
-          <a:xfrm flipH="1">
-            <a:off x="4253230" y="1682750"/>
-            <a:ext cx="901065" cy="833120"/>
-          </a:xfrm>
-          <a:prstGeom prst="rect">
-            <a:avLst/>
-          </a:prstGeom>
-        </p:spPr>
-      </p:pic>
-      <p:pic>
-        <p:nvPicPr>
-          <p:cNvPr id="15" name="Picture 14"/>
-          <p:cNvPicPr>
-            <a:picLocks noChangeAspect="1"/>
-          </p:cNvPicPr>
-          <p:nvPr/>
-        </p:nvPicPr>
-        <p:blipFill>
-          <a:blip r:embed="rId1"/>
-          <a:srcRect l="13873" t="16667" r="20809" b="31111"/>
-          <a:stretch>
-            <a:fillRect/>
-          </a:stretch>
-        </p:blipFill>
-        <p:spPr>
-          <a:xfrm flipH="1">
-            <a:off x="5238750" y="1682750"/>
-            <a:ext cx="2008505" cy="833120"/>
-          </a:xfrm>
-          <a:prstGeom prst="rect">
-            <a:avLst/>
-          </a:prstGeom>
-        </p:spPr>
-      </p:pic>
-      <p:sp>
-        <p:nvSpPr>
-          <p:cNvPr id="29" name="Rounded Rectangle 28"/>
-          <p:cNvSpPr/>
-          <p:nvPr/>
-        </p:nvSpPr>
-        <p:spPr>
-          <a:xfrm>
-            <a:off x="9648190" y="1147445"/>
-            <a:ext cx="304800" cy="1915160"/>
-          </a:xfrm>
-          <a:prstGeom prst="roundRect">
-            <a:avLst/>
-          </a:prstGeom>
-          <a:ln>
-            <a:noFill/>
-          </a:ln>
-        </p:spPr>
-        <p:style>
-          <a:lnRef idx="2">
-            <a:schemeClr val="accent1">
-              <a:shade val="50000"/>
-            </a:schemeClr>
-          </a:lnRef>
-          <a:fillRef idx="1">
-            <a:schemeClr val="accent1"/>
-          </a:fillRef>
-          <a:effectRef idx="0">
-            <a:schemeClr val="accent1"/>
-          </a:effectRef>
-          <a:fontRef idx="minor">
-            <a:schemeClr val="lt1"/>
-          </a:fontRef>
-        </p:style>
-        <p:txBody>
-          <a:bodyPr rtlCol="0" anchor="ctr"/>
-          <a:p>
-            <a:pPr algn="ctr"/>
-            <a:endParaRPr lang="en-US"/>
-          </a:p>
-        </p:txBody>
-      </p:sp>
-      <p:sp>
-        <p:nvSpPr>
-          <p:cNvPr id="30" name="Rounded Rectangle 29"/>
-          <p:cNvSpPr/>
-          <p:nvPr/>
-        </p:nvSpPr>
-        <p:spPr>
-          <a:xfrm>
-            <a:off x="2067560" y="1123950"/>
-            <a:ext cx="5160010" cy="1889125"/>
-          </a:xfrm>
-          <a:prstGeom prst="roundRect">
-            <a:avLst>
-              <a:gd name="adj" fmla="val 4168"/>
-            </a:avLst>
-          </a:prstGeom>
-          <a:noFill/>
-          <a:ln>
-            <a:solidFill>
-              <a:schemeClr val="tx1"/>
-            </a:solidFill>
-          </a:ln>
-        </p:spPr>
-        <p:style>
-          <a:lnRef idx="2">
-            <a:schemeClr val="accent1">
-              <a:shade val="50000"/>
-            </a:schemeClr>
-          </a:lnRef>
-          <a:fillRef idx="1">
-            <a:schemeClr val="accent1"/>
-          </a:fillRef>
-          <a:effectRef idx="0">
-            <a:schemeClr val="accent1"/>
-          </a:effectRef>
-          <a:fontRef idx="minor">
-            <a:schemeClr val="lt1"/>
-          </a:fontRef>
-        </p:style>
-        <p:txBody>
-          <a:bodyPr rtlCol="0" anchor="ctr"/>
-          <a:p>
-            <a:pPr algn="ctr"/>
-            <a:endParaRPr lang="en-US"/>
-          </a:p>
-        </p:txBody>
-      </p:sp>
-      <p:cxnSp>
-        <p:nvCxnSpPr>
-          <p:cNvPr id="31" name="Straight Arrow Connector 30"/>
-          <p:cNvCxnSpPr/>
-          <p:nvPr/>
-        </p:nvCxnSpPr>
-        <p:spPr>
-          <a:xfrm>
-            <a:off x="1598930" y="2179320"/>
-            <a:ext cx="396240" cy="0"/>
-          </a:xfrm>
-          <a:prstGeom prst="straightConnector1">
-            <a:avLst/>
-          </a:prstGeom>
-          <a:ln w="28575" cmpd="sng">
-            <a:solidFill>
-              <a:schemeClr val="tx1"/>
-            </a:solidFill>
-            <a:prstDash val="solid"/>
-            <a:tailEnd type="triangle"/>
-          </a:ln>
-        </p:spPr>
-        <p:style>
-          <a:lnRef idx="1">
-            <a:schemeClr val="accent1"/>
-          </a:lnRef>
-          <a:fillRef idx="0">
-            <a:schemeClr val="accent1"/>
-          </a:fillRef>
-          <a:effectRef idx="0">
-            <a:schemeClr val="accent1"/>
-          </a:effectRef>
-          <a:fontRef idx="minor">
-            <a:schemeClr val="tx1"/>
-          </a:fontRef>
-        </p:style>
-      </p:cxnSp>
-      <p:cxnSp>
-        <p:nvCxnSpPr>
-          <p:cNvPr id="32" name="Straight Arrow Connector 31"/>
-          <p:cNvCxnSpPr/>
-          <p:nvPr/>
-        </p:nvCxnSpPr>
-        <p:spPr>
-          <a:xfrm>
-            <a:off x="3045460" y="2179320"/>
-            <a:ext cx="223520" cy="3810"/>
-          </a:xfrm>
-          <a:prstGeom prst="straightConnector1">
-            <a:avLst/>
-          </a:prstGeom>
-          <a:ln w="28575" cmpd="sng">
-            <a:solidFill>
-              <a:schemeClr val="tx1"/>
-            </a:solidFill>
-            <a:prstDash val="solid"/>
-            <a:tailEnd type="triangle"/>
-          </a:ln>
-        </p:spPr>
-        <p:style>
-          <a:lnRef idx="1">
-            <a:schemeClr val="accent1"/>
-          </a:lnRef>
-          <a:fillRef idx="0">
-            <a:schemeClr val="accent1"/>
-          </a:fillRef>
-          <a:effectRef idx="0">
-            <a:schemeClr val="accent1"/>
-          </a:effectRef>
-          <a:fontRef idx="minor">
-            <a:schemeClr val="tx1"/>
-          </a:fontRef>
-        </p:style>
-      </p:cxnSp>
-      <p:cxnSp>
-        <p:nvCxnSpPr>
-          <p:cNvPr id="33" name="Straight Arrow Connector 32"/>
-          <p:cNvCxnSpPr/>
-          <p:nvPr/>
-        </p:nvCxnSpPr>
-        <p:spPr>
-          <a:xfrm>
-            <a:off x="4077335" y="2159000"/>
-            <a:ext cx="223520" cy="3810"/>
-          </a:xfrm>
-          <a:prstGeom prst="straightConnector1">
-            <a:avLst/>
-          </a:prstGeom>
-          <a:ln w="28575" cmpd="sng">
-            <a:solidFill>
-              <a:schemeClr val="tx1"/>
-            </a:solidFill>
-            <a:prstDash val="solid"/>
-            <a:tailEnd type="triangle"/>
-          </a:ln>
-        </p:spPr>
-        <p:style>
-          <a:lnRef idx="1">
-            <a:schemeClr val="accent1"/>
-          </a:lnRef>
-          <a:fillRef idx="0">
-            <a:schemeClr val="accent1"/>
-          </a:fillRef>
-          <a:effectRef idx="0">
-            <a:schemeClr val="accent1"/>
-          </a:effectRef>
-          <a:fontRef idx="minor">
-            <a:schemeClr val="tx1"/>
-          </a:fontRef>
-        </p:style>
-      </p:cxnSp>
-      <p:cxnSp>
-        <p:nvCxnSpPr>
-          <p:cNvPr id="34" name="Straight Arrow Connector 33"/>
-          <p:cNvCxnSpPr/>
-          <p:nvPr/>
-        </p:nvCxnSpPr>
-        <p:spPr>
-          <a:xfrm>
-            <a:off x="5100320" y="2155190"/>
-            <a:ext cx="223520" cy="3810"/>
-          </a:xfrm>
-          <a:prstGeom prst="straightConnector1">
-            <a:avLst/>
-          </a:prstGeom>
-          <a:ln w="28575" cmpd="sng">
-            <a:solidFill>
-              <a:schemeClr val="tx1"/>
-            </a:solidFill>
-            <a:prstDash val="solid"/>
-            <a:tailEnd type="triangle"/>
-          </a:ln>
-        </p:spPr>
-        <p:style>
-          <a:lnRef idx="1">
-            <a:schemeClr val="accent1"/>
-          </a:lnRef>
-          <a:fillRef idx="0">
-            <a:schemeClr val="accent1"/>
-          </a:fillRef>
-          <a:effectRef idx="0">
-            <a:schemeClr val="accent1"/>
-          </a:effectRef>
-          <a:fontRef idx="minor">
-            <a:schemeClr val="tx1"/>
-          </a:fontRef>
-        </p:style>
-      </p:cxnSp>
-      <p:cxnSp>
-        <p:nvCxnSpPr>
-          <p:cNvPr id="35" name="Straight Arrow Connector 34"/>
-          <p:cNvCxnSpPr/>
-          <p:nvPr/>
-        </p:nvCxnSpPr>
-        <p:spPr>
-          <a:xfrm>
-            <a:off x="7262495" y="2162810"/>
-            <a:ext cx="223520" cy="3810"/>
-          </a:xfrm>
-          <a:prstGeom prst="straightConnector1">
-            <a:avLst/>
-          </a:prstGeom>
-          <a:ln w="28575" cmpd="sng">
-            <a:solidFill>
-              <a:schemeClr val="tx1"/>
-            </a:solidFill>
-            <a:prstDash val="solid"/>
-            <a:tailEnd type="triangle"/>
-          </a:ln>
-        </p:spPr>
-        <p:style>
-          <a:lnRef idx="1">
-            <a:schemeClr val="accent1"/>
-          </a:lnRef>
-          <a:fillRef idx="0">
-            <a:schemeClr val="accent1"/>
-          </a:fillRef>
-          <a:effectRef idx="0">
-            <a:schemeClr val="accent1"/>
-          </a:effectRef>
-          <a:fontRef idx="minor">
-            <a:schemeClr val="tx1"/>
-          </a:fontRef>
-        </p:style>
-      </p:cxnSp>
-      <p:cxnSp>
-        <p:nvCxnSpPr>
-          <p:cNvPr id="36" name="Straight Arrow Connector 35"/>
-          <p:cNvCxnSpPr/>
-          <p:nvPr/>
-        </p:nvCxnSpPr>
-        <p:spPr>
-          <a:xfrm>
-            <a:off x="9355455" y="2159000"/>
-            <a:ext cx="223520" cy="3810"/>
-          </a:xfrm>
-          <a:prstGeom prst="straightConnector1">
-            <a:avLst/>
-          </a:prstGeom>
-          <a:ln w="28575" cmpd="sng">
-            <a:solidFill>
-              <a:schemeClr val="tx1"/>
-            </a:solidFill>
-            <a:prstDash val="solid"/>
-            <a:tailEnd type="triangle"/>
-          </a:ln>
-        </p:spPr>
-        <p:style>
-          <a:lnRef idx="1">
-            <a:schemeClr val="accent1"/>
-          </a:lnRef>
-          <a:fillRef idx="0">
-            <a:schemeClr val="accent1"/>
-          </a:fillRef>
-          <a:effectRef idx="0">
-            <a:schemeClr val="accent1"/>
-          </a:effectRef>
-          <a:fontRef idx="minor">
-            <a:schemeClr val="tx1"/>
-          </a:fontRef>
-        </p:style>
-      </p:cxnSp>
-      <p:sp>
-        <p:nvSpPr>
-          <p:cNvPr id="37" name="Text Box 36"/>
-          <p:cNvSpPr txBox="1"/>
-          <p:nvPr/>
-        </p:nvSpPr>
-        <p:spPr>
-          <a:xfrm>
-            <a:off x="3329305" y="786765"/>
-            <a:ext cx="2636520" cy="337185"/>
-          </a:xfrm>
-          <a:prstGeom prst="rect">
-            <a:avLst/>
-          </a:prstGeom>
-          <a:noFill/>
-        </p:spPr>
-        <p:txBody>
-          <a:bodyPr wrap="square" rtlCol="0">
-            <a:spAutoFit/>
-          </a:bodyPr>
-          <a:p>
-            <a:r>
-              <a:rPr lang="es-ES_tradnl" altLang="en-US" sz="1600">
-                <a:latin typeface="Tibetan Machine Uni" panose="01000503020000020002" charset="0"/>
-                <a:cs typeface="Tibetan Machine Uni" panose="01000503020000020002" charset="0"/>
-              </a:rPr>
-              <a:t>Deep learning model</a:t>
-            </a:r>
-            <a:endParaRPr lang="es-ES_tradnl" altLang="en-US" sz="1600">
-              <a:latin typeface="Tibetan Machine Uni" panose="01000503020000020002" charset="0"/>
-              <a:cs typeface="Tibetan Machine Uni" panose="01000503020000020002" charset="0"/>
-            </a:endParaRPr>
-          </a:p>
-        </p:txBody>
-      </p:sp>
-      <p:sp>
-        <p:nvSpPr>
-          <p:cNvPr id="38" name="Text Box 37"/>
-          <p:cNvSpPr txBox="1"/>
-          <p:nvPr/>
-        </p:nvSpPr>
-        <p:spPr>
-          <a:xfrm>
-            <a:off x="4559935" y="1270000"/>
-            <a:ext cx="1943100" cy="306705"/>
-          </a:xfrm>
-          <a:prstGeom prst="rect">
-            <a:avLst/>
-          </a:prstGeom>
-          <a:noFill/>
-        </p:spPr>
-        <p:txBody>
-          <a:bodyPr wrap="square" rtlCol="0">
-            <a:spAutoFit/>
-          </a:bodyPr>
-          <a:p>
-            <a:r>
-              <a:rPr lang="es-ES_tradnl" altLang="en-US" sz="1400">
-                <a:latin typeface="Tibetan Machine Uni" panose="01000503020000020002" charset="0"/>
-                <a:cs typeface="Tibetan Machine Uni" panose="01000503020000020002" charset="0"/>
-              </a:rPr>
-              <a:t>Pre-trained weights</a:t>
-            </a:r>
-            <a:endParaRPr lang="es-ES_tradnl" altLang="en-US" sz="1400">
-              <a:latin typeface="Tibetan Machine Uni" panose="01000503020000020002" charset="0"/>
-              <a:cs typeface="Tibetan Machine Uni" panose="01000503020000020002" charset="0"/>
-            </a:endParaRPr>
-          </a:p>
-        </p:txBody>
-      </p:sp>
-      <p:sp>
-        <p:nvSpPr>
-          <p:cNvPr id="40" name="Text Box 39"/>
-          <p:cNvSpPr txBox="1"/>
-          <p:nvPr/>
-        </p:nvSpPr>
-        <p:spPr>
-          <a:xfrm>
-            <a:off x="443230" y="2865755"/>
-            <a:ext cx="1235075" cy="306705"/>
-          </a:xfrm>
-          <a:prstGeom prst="rect">
-            <a:avLst/>
-          </a:prstGeom>
-          <a:noFill/>
-        </p:spPr>
-        <p:txBody>
-          <a:bodyPr wrap="square" rtlCol="0">
-            <a:spAutoFit/>
-          </a:bodyPr>
-          <a:p>
-            <a:r>
-              <a:rPr lang="es-ES_tradnl" altLang="en-US" sz="1400">
-                <a:latin typeface="Tibetan Machine Uni" panose="01000503020000020002" charset="0"/>
-                <a:cs typeface="Tibetan Machine Uni" panose="01000503020000020002" charset="0"/>
-              </a:rPr>
-              <a:t>Big dataset</a:t>
-            </a:r>
-            <a:endParaRPr lang="es-ES_tradnl" altLang="en-US" sz="1400">
-              <a:latin typeface="Tibetan Machine Uni" panose="01000503020000020002" charset="0"/>
-              <a:cs typeface="Tibetan Machine Uni" panose="01000503020000020002" charset="0"/>
-            </a:endParaRPr>
-          </a:p>
-        </p:txBody>
-      </p:sp>
-      <p:pic>
-        <p:nvPicPr>
-          <p:cNvPr id="41" name="Picture 40"/>
-          <p:cNvPicPr>
-            <a:picLocks noChangeAspect="1"/>
-          </p:cNvPicPr>
-          <p:nvPr/>
-        </p:nvPicPr>
-        <p:blipFill>
-          <a:blip r:embed="rId1"/>
-          <a:srcRect l="13873" t="16667" r="20809" b="31111"/>
-          <a:stretch>
-            <a:fillRect/>
-          </a:stretch>
-        </p:blipFill>
-        <p:spPr>
-          <a:xfrm flipH="1">
-            <a:off x="2190115" y="4292600"/>
-            <a:ext cx="901065" cy="1658620"/>
-          </a:xfrm>
-          <a:prstGeom prst="rect">
-            <a:avLst/>
-          </a:prstGeom>
-        </p:spPr>
-      </p:pic>
-      <p:pic>
-        <p:nvPicPr>
-          <p:cNvPr id="42" name="Picture 41"/>
-          <p:cNvPicPr>
-            <a:picLocks noChangeAspect="1"/>
-          </p:cNvPicPr>
-          <p:nvPr/>
-        </p:nvPicPr>
-        <p:blipFill>
-          <a:blip r:embed="rId2"/>
-          <a:srcRect l="21415" t="9476" r="17955" b="16459"/>
-          <a:stretch>
-            <a:fillRect/>
-          </a:stretch>
-        </p:blipFill>
-        <p:spPr>
-          <a:xfrm>
-            <a:off x="788035" y="4599940"/>
-            <a:ext cx="890270" cy="1088390"/>
-          </a:xfrm>
-          <a:prstGeom prst="rect">
-            <a:avLst/>
-          </a:prstGeom>
-        </p:spPr>
-      </p:pic>
-      <p:pic>
-        <p:nvPicPr>
-          <p:cNvPr id="43" name="Picture 42"/>
-          <p:cNvPicPr>
-            <a:picLocks noChangeAspect="1"/>
-          </p:cNvPicPr>
-          <p:nvPr/>
-        </p:nvPicPr>
-        <p:blipFill>
-          <a:blip r:embed="rId1"/>
-          <a:srcRect l="13873" t="16667" r="20809" b="31111"/>
-          <a:stretch>
-            <a:fillRect/>
-          </a:stretch>
-        </p:blipFill>
-        <p:spPr>
-          <a:xfrm flipH="1">
-            <a:off x="3221355" y="4472305"/>
-            <a:ext cx="901700" cy="1299845"/>
-          </a:xfrm>
-          <a:prstGeom prst="rect">
-            <a:avLst/>
-          </a:prstGeom>
-        </p:spPr>
-      </p:pic>
-      <p:pic>
-        <p:nvPicPr>
-          <p:cNvPr id="44" name="Picture 43"/>
-          <p:cNvPicPr>
-            <a:picLocks noChangeAspect="1"/>
-          </p:cNvPicPr>
-          <p:nvPr/>
-        </p:nvPicPr>
-        <p:blipFill>
-          <a:blip r:embed="rId1"/>
-          <a:srcRect l="13873" t="16667" r="20809" b="31111"/>
-          <a:stretch>
-            <a:fillRect/>
-          </a:stretch>
-        </p:blipFill>
-        <p:spPr>
-          <a:xfrm flipH="1">
-            <a:off x="4253230" y="4705350"/>
-            <a:ext cx="901065" cy="833120"/>
-          </a:xfrm>
-          <a:prstGeom prst="rect">
-            <a:avLst/>
-          </a:prstGeom>
-        </p:spPr>
-      </p:pic>
-      <p:pic>
-        <p:nvPicPr>
-          <p:cNvPr id="45" name="Picture 44"/>
-          <p:cNvPicPr>
-            <a:picLocks noChangeAspect="1"/>
-          </p:cNvPicPr>
-          <p:nvPr/>
-        </p:nvPicPr>
-        <p:blipFill>
-          <a:blip r:embed="rId1"/>
-          <a:srcRect l="13873" t="16667" r="20809" b="31111"/>
-          <a:stretch>
-            <a:fillRect/>
-          </a:stretch>
-        </p:blipFill>
-        <p:spPr>
-          <a:xfrm flipH="1">
-            <a:off x="5238750" y="4705350"/>
-            <a:ext cx="2008505" cy="833120"/>
-          </a:xfrm>
-          <a:prstGeom prst="rect">
-            <a:avLst/>
-          </a:prstGeom>
-        </p:spPr>
-      </p:pic>
-      <p:sp>
-        <p:nvSpPr>
-          <p:cNvPr id="47" name="Rounded Rectangle 46"/>
-          <p:cNvSpPr/>
-          <p:nvPr/>
-        </p:nvSpPr>
-        <p:spPr>
-          <a:xfrm>
-            <a:off x="9648190" y="4170045"/>
-            <a:ext cx="304800" cy="1915160"/>
-          </a:xfrm>
-          <a:prstGeom prst="roundRect">
-            <a:avLst/>
-          </a:prstGeom>
-          <a:ln>
-            <a:noFill/>
-          </a:ln>
-        </p:spPr>
-        <p:style>
-          <a:lnRef idx="2">
-            <a:schemeClr val="accent1">
-              <a:shade val="50000"/>
-            </a:schemeClr>
-          </a:lnRef>
-          <a:fillRef idx="1">
-            <a:schemeClr val="accent1"/>
-          </a:fillRef>
-          <a:effectRef idx="0">
-            <a:schemeClr val="accent1"/>
-          </a:effectRef>
-          <a:fontRef idx="minor">
-            <a:schemeClr val="lt1"/>
-          </a:fontRef>
-        </p:style>
-        <p:txBody>
-          <a:bodyPr rtlCol="0" anchor="ctr"/>
-          <a:p>
-            <a:pPr algn="ctr"/>
-            <a:endParaRPr lang="en-US"/>
-          </a:p>
-        </p:txBody>
-      </p:sp>
-      <p:sp>
-        <p:nvSpPr>
-          <p:cNvPr id="48" name="Rounded Rectangle 47"/>
-          <p:cNvSpPr/>
-          <p:nvPr/>
-        </p:nvSpPr>
-        <p:spPr>
-          <a:xfrm>
-            <a:off x="2067560" y="3961130"/>
-            <a:ext cx="7247255" cy="2366645"/>
-          </a:xfrm>
-          <a:prstGeom prst="roundRect">
-            <a:avLst>
-              <a:gd name="adj" fmla="val 5517"/>
-            </a:avLst>
-          </a:prstGeom>
-          <a:noFill/>
-          <a:ln>
-            <a:solidFill>
-              <a:schemeClr val="tx1"/>
-            </a:solidFill>
-          </a:ln>
-        </p:spPr>
-        <p:style>
-          <a:lnRef idx="2">
-            <a:schemeClr val="accent1">
-              <a:shade val="50000"/>
-            </a:schemeClr>
-          </a:lnRef>
-          <a:fillRef idx="1">
-            <a:schemeClr val="accent1"/>
-          </a:fillRef>
-          <a:effectRef idx="0">
-            <a:schemeClr val="accent1"/>
-          </a:effectRef>
-          <a:fontRef idx="minor">
-            <a:schemeClr val="lt1"/>
-          </a:fontRef>
-        </p:style>
-        <p:txBody>
-          <a:bodyPr rtlCol="0" anchor="ctr"/>
-          <a:p>
-            <a:pPr algn="ctr"/>
-            <a:endParaRPr lang="en-US"/>
-          </a:p>
-        </p:txBody>
-      </p:sp>
-      <p:cxnSp>
-        <p:nvCxnSpPr>
-          <p:cNvPr id="49" name="Straight Arrow Connector 48"/>
-          <p:cNvCxnSpPr/>
-          <p:nvPr/>
-        </p:nvCxnSpPr>
-        <p:spPr>
-          <a:xfrm>
-            <a:off x="1598930" y="5201920"/>
-            <a:ext cx="396240" cy="0"/>
-          </a:xfrm>
-          <a:prstGeom prst="straightConnector1">
-            <a:avLst/>
-          </a:prstGeom>
-          <a:ln w="28575" cmpd="sng">
-            <a:solidFill>
-              <a:schemeClr val="tx1"/>
-            </a:solidFill>
-            <a:prstDash val="solid"/>
-            <a:tailEnd type="triangle"/>
-          </a:ln>
-        </p:spPr>
-        <p:style>
-          <a:lnRef idx="1">
-            <a:schemeClr val="accent1"/>
-          </a:lnRef>
-          <a:fillRef idx="0">
-            <a:schemeClr val="accent1"/>
-          </a:fillRef>
-          <a:effectRef idx="0">
-            <a:schemeClr val="accent1"/>
-          </a:effectRef>
-          <a:fontRef idx="minor">
-            <a:schemeClr val="tx1"/>
-          </a:fontRef>
-        </p:style>
-      </p:cxnSp>
-      <p:cxnSp>
-        <p:nvCxnSpPr>
-          <p:cNvPr id="50" name="Straight Arrow Connector 49"/>
-          <p:cNvCxnSpPr/>
-          <p:nvPr/>
-        </p:nvCxnSpPr>
-        <p:spPr>
-          <a:xfrm>
-            <a:off x="3045460" y="5201920"/>
-            <a:ext cx="223520" cy="3810"/>
-          </a:xfrm>
-          <a:prstGeom prst="straightConnector1">
-            <a:avLst/>
-          </a:prstGeom>
-          <a:ln w="28575" cmpd="sng">
-            <a:solidFill>
-              <a:schemeClr val="tx1"/>
-            </a:solidFill>
-            <a:prstDash val="solid"/>
-            <a:tailEnd type="triangle"/>
-          </a:ln>
-        </p:spPr>
-        <p:style>
-          <a:lnRef idx="1">
-            <a:schemeClr val="accent1"/>
-          </a:lnRef>
-          <a:fillRef idx="0">
-            <a:schemeClr val="accent1"/>
-          </a:fillRef>
-          <a:effectRef idx="0">
-            <a:schemeClr val="accent1"/>
-          </a:effectRef>
-          <a:fontRef idx="minor">
-            <a:schemeClr val="tx1"/>
-          </a:fontRef>
-        </p:style>
-      </p:cxnSp>
-      <p:cxnSp>
-        <p:nvCxnSpPr>
-          <p:cNvPr id="51" name="Straight Arrow Connector 50"/>
-          <p:cNvCxnSpPr/>
-          <p:nvPr/>
-        </p:nvCxnSpPr>
-        <p:spPr>
-          <a:xfrm>
-            <a:off x="4077335" y="5181600"/>
-            <a:ext cx="223520" cy="3810"/>
-          </a:xfrm>
-          <a:prstGeom prst="straightConnector1">
-            <a:avLst/>
-          </a:prstGeom>
-          <a:ln w="28575" cmpd="sng">
-            <a:solidFill>
-              <a:schemeClr val="tx1"/>
-            </a:solidFill>
-            <a:prstDash val="solid"/>
-            <a:tailEnd type="triangle"/>
-          </a:ln>
-        </p:spPr>
-        <p:style>
-          <a:lnRef idx="1">
-            <a:schemeClr val="accent1"/>
-          </a:lnRef>
-          <a:fillRef idx="0">
-            <a:schemeClr val="accent1"/>
-          </a:fillRef>
-          <a:effectRef idx="0">
-            <a:schemeClr val="accent1"/>
-          </a:effectRef>
-          <a:fontRef idx="minor">
-            <a:schemeClr val="tx1"/>
-          </a:fontRef>
-        </p:style>
-      </p:cxnSp>
-      <p:cxnSp>
-        <p:nvCxnSpPr>
-          <p:cNvPr id="52" name="Straight Arrow Connector 51"/>
-          <p:cNvCxnSpPr/>
-          <p:nvPr/>
-        </p:nvCxnSpPr>
-        <p:spPr>
-          <a:xfrm>
-            <a:off x="5100320" y="5177790"/>
-            <a:ext cx="223520" cy="3810"/>
-          </a:xfrm>
-          <a:prstGeom prst="straightConnector1">
-            <a:avLst/>
-          </a:prstGeom>
-          <a:ln w="28575" cmpd="sng">
-            <a:solidFill>
-              <a:schemeClr val="tx1"/>
-            </a:solidFill>
-            <a:prstDash val="solid"/>
-            <a:tailEnd type="triangle"/>
-          </a:ln>
-        </p:spPr>
-        <p:style>
-          <a:lnRef idx="1">
-            <a:schemeClr val="accent1"/>
-          </a:lnRef>
-          <a:fillRef idx="0">
-            <a:schemeClr val="accent1"/>
-          </a:fillRef>
-          <a:effectRef idx="0">
-            <a:schemeClr val="accent1"/>
-          </a:effectRef>
-          <a:fontRef idx="minor">
-            <a:schemeClr val="tx1"/>
-          </a:fontRef>
-        </p:style>
-      </p:cxnSp>
-      <p:cxnSp>
-        <p:nvCxnSpPr>
-          <p:cNvPr id="53" name="Straight Arrow Connector 52"/>
-          <p:cNvCxnSpPr/>
-          <p:nvPr/>
-        </p:nvCxnSpPr>
-        <p:spPr>
-          <a:xfrm>
-            <a:off x="7275830" y="5173980"/>
-            <a:ext cx="223520" cy="3810"/>
-          </a:xfrm>
-          <a:prstGeom prst="straightConnector1">
-            <a:avLst/>
-          </a:prstGeom>
-          <a:ln w="28575" cmpd="sng">
-            <a:solidFill>
-              <a:schemeClr val="tx1"/>
-            </a:solidFill>
-            <a:prstDash val="solid"/>
-            <a:tailEnd type="triangle"/>
-          </a:ln>
-        </p:spPr>
-        <p:style>
-          <a:lnRef idx="1">
-            <a:schemeClr val="accent1"/>
-          </a:lnRef>
-          <a:fillRef idx="0">
-            <a:schemeClr val="accent1"/>
-          </a:fillRef>
-          <a:effectRef idx="0">
-            <a:schemeClr val="accent1"/>
-          </a:effectRef>
-          <a:fontRef idx="minor">
-            <a:schemeClr val="tx1"/>
-          </a:fontRef>
-        </p:style>
-      </p:cxnSp>
-      <p:cxnSp>
-        <p:nvCxnSpPr>
-          <p:cNvPr id="54" name="Straight Arrow Connector 53"/>
-          <p:cNvCxnSpPr/>
-          <p:nvPr/>
-        </p:nvCxnSpPr>
-        <p:spPr>
-          <a:xfrm>
-            <a:off x="9370060" y="5170170"/>
-            <a:ext cx="223520" cy="3810"/>
-          </a:xfrm>
-          <a:prstGeom prst="straightConnector1">
-            <a:avLst/>
-          </a:prstGeom>
-          <a:ln w="28575" cmpd="sng">
-            <a:solidFill>
-              <a:schemeClr val="tx1"/>
-            </a:solidFill>
-            <a:prstDash val="solid"/>
-            <a:tailEnd type="triangle"/>
-          </a:ln>
-        </p:spPr>
-        <p:style>
-          <a:lnRef idx="1">
-            <a:schemeClr val="accent1"/>
-          </a:lnRef>
-          <a:fillRef idx="0">
-            <a:schemeClr val="accent1"/>
-          </a:fillRef>
-          <a:effectRef idx="0">
-            <a:schemeClr val="accent1"/>
-          </a:effectRef>
-          <a:fontRef idx="minor">
-            <a:schemeClr val="tx1"/>
-          </a:fontRef>
-        </p:style>
-      </p:cxnSp>
-      <p:sp>
-        <p:nvSpPr>
-          <p:cNvPr id="55" name="Text Box 54"/>
-          <p:cNvSpPr txBox="1"/>
-          <p:nvPr/>
-        </p:nvSpPr>
-        <p:spPr>
-          <a:xfrm>
-            <a:off x="3385820" y="3358515"/>
-            <a:ext cx="2636520" cy="337185"/>
-          </a:xfrm>
-          <a:prstGeom prst="rect">
-            <a:avLst/>
-          </a:prstGeom>
-          <a:noFill/>
-        </p:spPr>
-        <p:txBody>
-          <a:bodyPr wrap="square" rtlCol="0">
-            <a:spAutoFit/>
-          </a:bodyPr>
-          <a:p>
-            <a:r>
-              <a:rPr lang="es-ES_tradnl" altLang="en-US" sz="1600">
-                <a:latin typeface="Tibetan Machine Uni" panose="01000503020000020002" charset="0"/>
-                <a:cs typeface="Tibetan Machine Uni" panose="01000503020000020002" charset="0"/>
-              </a:rPr>
-              <a:t>Transfer learning</a:t>
-            </a:r>
-            <a:endParaRPr lang="es-ES_tradnl" altLang="en-US" sz="1600">
-              <a:latin typeface="Tibetan Machine Uni" panose="01000503020000020002" charset="0"/>
-              <a:cs typeface="Tibetan Machine Uni" panose="01000503020000020002" charset="0"/>
-            </a:endParaRPr>
-          </a:p>
-        </p:txBody>
-      </p:sp>
-      <p:sp>
-        <p:nvSpPr>
-          <p:cNvPr id="56" name="Text Box 55"/>
-          <p:cNvSpPr txBox="1"/>
-          <p:nvPr/>
-        </p:nvSpPr>
-        <p:spPr>
-          <a:xfrm>
-            <a:off x="4559935" y="4292600"/>
-            <a:ext cx="1943100" cy="306705"/>
-          </a:xfrm>
-          <a:prstGeom prst="rect">
-            <a:avLst/>
-          </a:prstGeom>
-          <a:noFill/>
-        </p:spPr>
-        <p:txBody>
-          <a:bodyPr wrap="square" rtlCol="0">
-            <a:spAutoFit/>
-          </a:bodyPr>
-          <a:p>
-            <a:r>
-              <a:rPr lang="es-ES_tradnl" altLang="en-US" sz="1400">
-                <a:latin typeface="Tibetan Machine Uni" panose="01000503020000020002" charset="0"/>
-                <a:cs typeface="Tibetan Machine Uni" panose="01000503020000020002" charset="0"/>
-              </a:rPr>
-              <a:t>Pre-trained weights</a:t>
-            </a:r>
-            <a:endParaRPr lang="es-ES_tradnl" altLang="en-US" sz="1400">
-              <a:latin typeface="Tibetan Machine Uni" panose="01000503020000020002" charset="0"/>
-              <a:cs typeface="Tibetan Machine Uni" panose="01000503020000020002" charset="0"/>
-            </a:endParaRPr>
-          </a:p>
-        </p:txBody>
-      </p:sp>
-      <p:sp>
-        <p:nvSpPr>
-          <p:cNvPr id="57" name="Text Box 56"/>
-          <p:cNvSpPr txBox="1"/>
-          <p:nvPr/>
-        </p:nvSpPr>
-        <p:spPr>
-          <a:xfrm>
-            <a:off x="523240" y="5680710"/>
-            <a:ext cx="1498600" cy="306705"/>
-          </a:xfrm>
-          <a:prstGeom prst="rect">
-            <a:avLst/>
-          </a:prstGeom>
-          <a:noFill/>
-        </p:spPr>
-        <p:txBody>
-          <a:bodyPr wrap="square" rtlCol="0">
-            <a:spAutoFit/>
-          </a:bodyPr>
-          <a:p>
-            <a:r>
-              <a:rPr lang="es-ES_tradnl" altLang="en-US" sz="1400">
-                <a:latin typeface="Tibetan Machine Uni" panose="01000503020000020002" charset="0"/>
-                <a:cs typeface="Tibetan Machine Uni" panose="01000503020000020002" charset="0"/>
-              </a:rPr>
-              <a:t>Small dataset</a:t>
-            </a:r>
-            <a:endParaRPr lang="es-ES_tradnl" altLang="en-US" sz="1400">
-              <a:latin typeface="Tibetan Machine Uni" panose="01000503020000020002" charset="0"/>
-              <a:cs typeface="Tibetan Machine Uni" panose="01000503020000020002" charset="0"/>
-            </a:endParaRPr>
-          </a:p>
-        </p:txBody>
-      </p:sp>
-      <p:sp>
-        <p:nvSpPr>
-          <p:cNvPr id="58" name="Text Box 57"/>
-          <p:cNvSpPr txBox="1"/>
-          <p:nvPr/>
-        </p:nvSpPr>
-        <p:spPr>
-          <a:xfrm>
-            <a:off x="7780020" y="5806440"/>
-            <a:ext cx="1264920" cy="306705"/>
-          </a:xfrm>
-          <a:prstGeom prst="rect">
-            <a:avLst/>
-          </a:prstGeom>
-          <a:noFill/>
-        </p:spPr>
-        <p:txBody>
-          <a:bodyPr wrap="square" rtlCol="0">
-            <a:spAutoFit/>
-          </a:bodyPr>
-          <a:p>
-            <a:r>
-              <a:rPr lang="es-ES_tradnl" altLang="en-US" sz="1400">
-                <a:latin typeface="Tibetan Machine Uni" panose="01000503020000020002" charset="0"/>
-                <a:cs typeface="Tibetan Machine Uni" panose="01000503020000020002" charset="0"/>
-              </a:rPr>
-              <a:t>Fine tuning</a:t>
-            </a:r>
-            <a:endParaRPr lang="es-ES_tradnl" altLang="en-US" sz="1400">
-              <a:latin typeface="Tibetan Machine Uni" panose="01000503020000020002" charset="0"/>
-              <a:cs typeface="Tibetan Machine Uni" panose="01000503020000020002" charset="0"/>
-            </a:endParaRPr>
-          </a:p>
-        </p:txBody>
-      </p:sp>
-      <p:sp>
-        <p:nvSpPr>
-          <p:cNvPr id="59" name="Rounded Rectangle 58"/>
-          <p:cNvSpPr/>
-          <p:nvPr/>
-        </p:nvSpPr>
-        <p:spPr>
-          <a:xfrm>
-            <a:off x="2159000" y="4241800"/>
-            <a:ext cx="5017770" cy="1767205"/>
-          </a:xfrm>
-          <a:prstGeom prst="roundRect">
-            <a:avLst>
-              <a:gd name="adj" fmla="val 4599"/>
-            </a:avLst>
-          </a:prstGeom>
-          <a:noFill/>
-          <a:ln>
-            <a:solidFill>
-              <a:schemeClr val="tx1"/>
-            </a:solidFill>
-          </a:ln>
-        </p:spPr>
-        <p:style>
-          <a:lnRef idx="2">
-            <a:schemeClr val="accent1">
-              <a:shade val="50000"/>
-            </a:schemeClr>
-          </a:lnRef>
-          <a:fillRef idx="1">
-            <a:schemeClr val="accent1"/>
-          </a:fillRef>
-          <a:effectRef idx="0">
-            <a:schemeClr val="accent1"/>
-          </a:effectRef>
-          <a:fontRef idx="minor">
-            <a:schemeClr val="lt1"/>
-          </a:fontRef>
-        </p:style>
-        <p:txBody>
-          <a:bodyPr rtlCol="0" anchor="ctr"/>
-          <a:p>
-            <a:pPr algn="ctr"/>
-            <a:endParaRPr lang="en-US"/>
-          </a:p>
-        </p:txBody>
-      </p:sp>
-      <p:sp>
-        <p:nvSpPr>
-          <p:cNvPr id="60" name="Rounded Rectangle 59"/>
-          <p:cNvSpPr/>
-          <p:nvPr/>
-        </p:nvSpPr>
-        <p:spPr>
-          <a:xfrm>
-            <a:off x="2772410" y="3319145"/>
-            <a:ext cx="3193415" cy="392430"/>
-          </a:xfrm>
-          <a:prstGeom prst="roundRect">
-            <a:avLst>
-              <a:gd name="adj" fmla="val 4168"/>
-            </a:avLst>
-          </a:prstGeom>
-          <a:noFill/>
-          <a:ln>
-            <a:solidFill>
-              <a:schemeClr val="tx1"/>
-            </a:solidFill>
-          </a:ln>
-        </p:spPr>
-        <p:style>
-          <a:lnRef idx="2">
-            <a:schemeClr val="accent1">
-              <a:shade val="50000"/>
-            </a:schemeClr>
-          </a:lnRef>
-          <a:fillRef idx="1">
-            <a:schemeClr val="accent1"/>
-          </a:fillRef>
-          <a:effectRef idx="0">
-            <a:schemeClr val="accent1"/>
-          </a:effectRef>
-          <a:fontRef idx="minor">
-            <a:schemeClr val="lt1"/>
-          </a:fontRef>
-        </p:style>
-        <p:txBody>
-          <a:bodyPr rtlCol="0" anchor="ctr"/>
-          <a:p>
-            <a:pPr algn="ctr"/>
-            <a:endParaRPr lang="en-US"/>
-          </a:p>
-        </p:txBody>
-      </p:sp>
-      <p:cxnSp>
-        <p:nvCxnSpPr>
-          <p:cNvPr id="61" name="Straight Arrow Connector 60"/>
-          <p:cNvCxnSpPr/>
-          <p:nvPr/>
-        </p:nvCxnSpPr>
-        <p:spPr>
-          <a:xfrm>
-            <a:off x="4366895" y="3055620"/>
-            <a:ext cx="5080" cy="220980"/>
-          </a:xfrm>
-          <a:prstGeom prst="straightConnector1">
-            <a:avLst/>
-          </a:prstGeom>
-          <a:ln w="28575" cmpd="sng">
-            <a:solidFill>
-              <a:schemeClr val="tx1"/>
-            </a:solidFill>
-            <a:prstDash val="solid"/>
-            <a:tailEnd type="triangle"/>
-          </a:ln>
-        </p:spPr>
-        <p:style>
-          <a:lnRef idx="1">
-            <a:schemeClr val="accent1"/>
-          </a:lnRef>
-          <a:fillRef idx="0">
-            <a:schemeClr val="accent1"/>
-          </a:fillRef>
-          <a:effectRef idx="0">
-            <a:schemeClr val="accent1"/>
-          </a:effectRef>
-          <a:fontRef idx="minor">
-            <a:schemeClr val="tx1"/>
-          </a:fontRef>
-        </p:style>
-      </p:cxnSp>
-      <p:cxnSp>
-        <p:nvCxnSpPr>
-          <p:cNvPr id="62" name="Straight Arrow Connector 61"/>
-          <p:cNvCxnSpPr/>
-          <p:nvPr/>
-        </p:nvCxnSpPr>
-        <p:spPr>
-          <a:xfrm>
-            <a:off x="4361815" y="3777615"/>
-            <a:ext cx="4445" cy="409575"/>
-          </a:xfrm>
-          <a:prstGeom prst="straightConnector1">
-            <a:avLst/>
-          </a:prstGeom>
-          <a:ln w="28575" cmpd="sng">
-            <a:solidFill>
-              <a:schemeClr val="tx1"/>
-            </a:solidFill>
-            <a:prstDash val="solid"/>
-            <a:tailEnd type="triangle"/>
-          </a:ln>
-        </p:spPr>
-        <p:style>
-          <a:lnRef idx="1">
-            <a:schemeClr val="accent1"/>
-          </a:lnRef>
-          <a:fillRef idx="0">
-            <a:schemeClr val="accent1"/>
-          </a:fillRef>
-          <a:effectRef idx="0">
-            <a:schemeClr val="accent1"/>
-          </a:effectRef>
-          <a:fontRef idx="minor">
-            <a:schemeClr val="tx1"/>
-          </a:fontRef>
-        </p:style>
-      </p:cxnSp>
-      <p:sp>
-        <p:nvSpPr>
-          <p:cNvPr id="63" name="Text Box 62"/>
-          <p:cNvSpPr txBox="1"/>
-          <p:nvPr/>
-        </p:nvSpPr>
-        <p:spPr>
-          <a:xfrm>
-            <a:off x="9385300" y="3060700"/>
-            <a:ext cx="830580" cy="306705"/>
-          </a:xfrm>
-          <a:prstGeom prst="rect">
-            <a:avLst/>
-          </a:prstGeom>
-          <a:noFill/>
-        </p:spPr>
-        <p:txBody>
-          <a:bodyPr wrap="square" rtlCol="0">
-            <a:spAutoFit/>
-          </a:bodyPr>
-          <a:p>
-            <a:r>
-              <a:rPr lang="es-ES_tradnl" altLang="en-US" sz="1400">
-                <a:latin typeface="Tibetan Machine Uni" panose="01000503020000020002" charset="0"/>
-                <a:cs typeface="Tibetan Machine Uni" panose="01000503020000020002" charset="0"/>
-              </a:rPr>
-              <a:t>Output</a:t>
-            </a:r>
-            <a:endParaRPr lang="es-ES_tradnl" altLang="en-US" sz="1400">
-              <a:latin typeface="Tibetan Machine Uni" panose="01000503020000020002" charset="0"/>
-              <a:cs typeface="Tibetan Machine Uni" panose="01000503020000020002" charset="0"/>
-            </a:endParaRPr>
-          </a:p>
-        </p:txBody>
-      </p:sp>
-      <p:sp>
-        <p:nvSpPr>
-          <p:cNvPr id="64" name="Text Box 63"/>
-          <p:cNvSpPr txBox="1"/>
-          <p:nvPr/>
-        </p:nvSpPr>
-        <p:spPr>
-          <a:xfrm>
-            <a:off x="9387205" y="6085205"/>
-            <a:ext cx="830580" cy="306705"/>
-          </a:xfrm>
-          <a:prstGeom prst="rect">
-            <a:avLst/>
-          </a:prstGeom>
-          <a:noFill/>
-        </p:spPr>
-        <p:txBody>
-          <a:bodyPr wrap="square" rtlCol="0">
-            <a:spAutoFit/>
-          </a:bodyPr>
-          <a:p>
-            <a:r>
-              <a:rPr lang="es-ES_tradnl" altLang="en-US" sz="1400">
-                <a:latin typeface="Tibetan Machine Uni" panose="01000503020000020002" charset="0"/>
-                <a:cs typeface="Tibetan Machine Uni" panose="01000503020000020002" charset="0"/>
-              </a:rPr>
-              <a:t>Output</a:t>
-            </a:r>
-            <a:endParaRPr lang="es-ES_tradnl" altLang="en-US" sz="1400">
-              <a:latin typeface="Tibetan Machine Uni" panose="01000503020000020002" charset="0"/>
-              <a:cs typeface="Tibetan Machine Uni" panose="01000503020000020002" charset="0"/>
-            </a:endParaRPr>
-          </a:p>
-        </p:txBody>
-      </p:sp>
-      <p:pic>
-        <p:nvPicPr>
-          <p:cNvPr id="67" name="Picture 66" descr="Picture2-removebg-preview"/>
-          <p:cNvPicPr>
-            <a:picLocks noChangeAspect="1"/>
-          </p:cNvPicPr>
-          <p:nvPr/>
-        </p:nvPicPr>
-        <p:blipFill>
-          <a:blip r:embed="rId3"/>
-          <a:stretch>
-            <a:fillRect/>
-          </a:stretch>
-        </p:blipFill>
-        <p:spPr>
-          <a:xfrm>
-            <a:off x="7581900" y="1565910"/>
-            <a:ext cx="1579245" cy="1231265"/>
-          </a:xfrm>
-          <a:prstGeom prst="rect">
-            <a:avLst/>
-          </a:prstGeom>
-        </p:spPr>
-      </p:pic>
-      <p:pic>
-        <p:nvPicPr>
-          <p:cNvPr id="68" name="Picture 67" descr="Picture2-removebg-preview"/>
-          <p:cNvPicPr>
-            <a:picLocks noChangeAspect="1"/>
-          </p:cNvPicPr>
-          <p:nvPr/>
-        </p:nvPicPr>
-        <p:blipFill>
-          <a:blip r:embed="rId3"/>
-          <a:stretch>
-            <a:fillRect/>
-          </a:stretch>
-        </p:blipFill>
-        <p:spPr>
-          <a:xfrm>
-            <a:off x="7585075" y="4575175"/>
-            <a:ext cx="1579245" cy="1231265"/>
+          <a:xfrm>
+            <a:off x="2539365" y="1869440"/>
+            <a:ext cx="3121660" cy="2432685"/>
           </a:xfrm>
           <a:prstGeom prst="rect">
             <a:avLst/>
@@ -15493,6 +16876,1434 @@
 </file>
 
 <file path=ppt/slides/slide26.xml><?xml version="1.0" encoding="utf-8"?>
+<p:sld xmlns:a="http://schemas.openxmlformats.org/drawingml/2006/main" xmlns:r="http://schemas.openxmlformats.org/officeDocument/2006/relationships" xmlns:p="http://schemas.openxmlformats.org/presentationml/2006/main">
+  <p:cSld>
+    <p:spTree>
+      <p:nvGrpSpPr>
+        <p:cNvPr id="1" name=""/>
+        <p:cNvGrpSpPr/>
+        <p:nvPr/>
+      </p:nvGrpSpPr>
+      <p:grpSpPr>
+        <a:xfrm>
+          <a:off x="0" y="0"/>
+          <a:ext cx="0" cy="0"/>
+          <a:chOff x="0" y="0"/>
+          <a:chExt cx="0" cy="0"/>
+        </a:xfrm>
+      </p:grpSpPr>
+      <p:pic>
+        <p:nvPicPr>
+          <p:cNvPr id="7" name="Picture 6"/>
+          <p:cNvPicPr>
+            <a:picLocks noChangeAspect="1"/>
+          </p:cNvPicPr>
+          <p:nvPr/>
+        </p:nvPicPr>
+        <p:blipFill>
+          <a:blip r:embed="rId1"/>
+          <a:srcRect l="13873" t="16667" r="20809" b="31111"/>
+          <a:stretch>
+            <a:fillRect/>
+          </a:stretch>
+        </p:blipFill>
+        <p:spPr>
+          <a:xfrm flipH="1">
+            <a:off x="2190115" y="1270000"/>
+            <a:ext cx="901065" cy="1658620"/>
+          </a:xfrm>
+          <a:prstGeom prst="rect">
+            <a:avLst/>
+          </a:prstGeom>
+        </p:spPr>
+      </p:pic>
+      <p:pic>
+        <p:nvPicPr>
+          <p:cNvPr id="2" name="Picture 1"/>
+          <p:cNvPicPr>
+            <a:picLocks noChangeAspect="1"/>
+          </p:cNvPicPr>
+          <p:nvPr/>
+        </p:nvPicPr>
+        <p:blipFill>
+          <a:blip r:embed="rId2"/>
+          <a:srcRect l="21415" t="9476" r="17955" b="16459"/>
+          <a:stretch>
+            <a:fillRect/>
+          </a:stretch>
+        </p:blipFill>
+        <p:spPr>
+          <a:xfrm>
+            <a:off x="443230" y="1426845"/>
+            <a:ext cx="1235075" cy="1508760"/>
+          </a:xfrm>
+          <a:prstGeom prst="rect">
+            <a:avLst/>
+          </a:prstGeom>
+        </p:spPr>
+      </p:pic>
+      <p:pic>
+        <p:nvPicPr>
+          <p:cNvPr id="8" name="Picture 7"/>
+          <p:cNvPicPr>
+            <a:picLocks noChangeAspect="1"/>
+          </p:cNvPicPr>
+          <p:nvPr/>
+        </p:nvPicPr>
+        <p:blipFill>
+          <a:blip r:embed="rId1"/>
+          <a:srcRect l="13873" t="16667" r="20809" b="31111"/>
+          <a:stretch>
+            <a:fillRect/>
+          </a:stretch>
+        </p:blipFill>
+        <p:spPr>
+          <a:xfrm flipH="1">
+            <a:off x="3221355" y="1449705"/>
+            <a:ext cx="901700" cy="1299845"/>
+          </a:xfrm>
+          <a:prstGeom prst="rect">
+            <a:avLst/>
+          </a:prstGeom>
+        </p:spPr>
+      </p:pic>
+      <p:pic>
+        <p:nvPicPr>
+          <p:cNvPr id="11" name="Picture 10"/>
+          <p:cNvPicPr>
+            <a:picLocks noChangeAspect="1"/>
+          </p:cNvPicPr>
+          <p:nvPr/>
+        </p:nvPicPr>
+        <p:blipFill>
+          <a:blip r:embed="rId1"/>
+          <a:srcRect l="13873" t="16667" r="20809" b="31111"/>
+          <a:stretch>
+            <a:fillRect/>
+          </a:stretch>
+        </p:blipFill>
+        <p:spPr>
+          <a:xfrm flipH="1">
+            <a:off x="4253230" y="1682750"/>
+            <a:ext cx="901065" cy="833120"/>
+          </a:xfrm>
+          <a:prstGeom prst="rect">
+            <a:avLst/>
+          </a:prstGeom>
+        </p:spPr>
+      </p:pic>
+      <p:pic>
+        <p:nvPicPr>
+          <p:cNvPr id="15" name="Picture 14"/>
+          <p:cNvPicPr>
+            <a:picLocks noChangeAspect="1"/>
+          </p:cNvPicPr>
+          <p:nvPr/>
+        </p:nvPicPr>
+        <p:blipFill>
+          <a:blip r:embed="rId1"/>
+          <a:srcRect l="13873" t="16667" r="20809" b="31111"/>
+          <a:stretch>
+            <a:fillRect/>
+          </a:stretch>
+        </p:blipFill>
+        <p:spPr>
+          <a:xfrm flipH="1">
+            <a:off x="5238750" y="1682750"/>
+            <a:ext cx="2008505" cy="833120"/>
+          </a:xfrm>
+          <a:prstGeom prst="rect">
+            <a:avLst/>
+          </a:prstGeom>
+        </p:spPr>
+      </p:pic>
+      <p:sp>
+        <p:nvSpPr>
+          <p:cNvPr id="29" name="Rounded Rectangle 28"/>
+          <p:cNvSpPr/>
+          <p:nvPr/>
+        </p:nvSpPr>
+        <p:spPr>
+          <a:xfrm>
+            <a:off x="9648190" y="1147445"/>
+            <a:ext cx="304800" cy="1915160"/>
+          </a:xfrm>
+          <a:prstGeom prst="roundRect">
+            <a:avLst/>
+          </a:prstGeom>
+          <a:ln>
+            <a:noFill/>
+          </a:ln>
+        </p:spPr>
+        <p:style>
+          <a:lnRef idx="2">
+            <a:schemeClr val="accent1">
+              <a:shade val="50000"/>
+            </a:schemeClr>
+          </a:lnRef>
+          <a:fillRef idx="1">
+            <a:schemeClr val="accent1"/>
+          </a:fillRef>
+          <a:effectRef idx="0">
+            <a:schemeClr val="accent1"/>
+          </a:effectRef>
+          <a:fontRef idx="minor">
+            <a:schemeClr val="lt1"/>
+          </a:fontRef>
+        </p:style>
+        <p:txBody>
+          <a:bodyPr rtlCol="0" anchor="ctr"/>
+          <a:p>
+            <a:pPr algn="ctr"/>
+            <a:endParaRPr lang="en-US"/>
+          </a:p>
+        </p:txBody>
+      </p:sp>
+      <p:sp>
+        <p:nvSpPr>
+          <p:cNvPr id="30" name="Rounded Rectangle 29"/>
+          <p:cNvSpPr/>
+          <p:nvPr/>
+        </p:nvSpPr>
+        <p:spPr>
+          <a:xfrm>
+            <a:off x="2067560" y="1123950"/>
+            <a:ext cx="5160010" cy="1889125"/>
+          </a:xfrm>
+          <a:prstGeom prst="roundRect">
+            <a:avLst>
+              <a:gd name="adj" fmla="val 4168"/>
+            </a:avLst>
+          </a:prstGeom>
+          <a:noFill/>
+          <a:ln>
+            <a:solidFill>
+              <a:schemeClr val="tx1"/>
+            </a:solidFill>
+          </a:ln>
+        </p:spPr>
+        <p:style>
+          <a:lnRef idx="2">
+            <a:schemeClr val="accent1">
+              <a:shade val="50000"/>
+            </a:schemeClr>
+          </a:lnRef>
+          <a:fillRef idx="1">
+            <a:schemeClr val="accent1"/>
+          </a:fillRef>
+          <a:effectRef idx="0">
+            <a:schemeClr val="accent1"/>
+          </a:effectRef>
+          <a:fontRef idx="minor">
+            <a:schemeClr val="lt1"/>
+          </a:fontRef>
+        </p:style>
+        <p:txBody>
+          <a:bodyPr rtlCol="0" anchor="ctr"/>
+          <a:p>
+            <a:pPr algn="ctr"/>
+            <a:endParaRPr lang="en-US"/>
+          </a:p>
+        </p:txBody>
+      </p:sp>
+      <p:cxnSp>
+        <p:nvCxnSpPr>
+          <p:cNvPr id="31" name="Straight Arrow Connector 30"/>
+          <p:cNvCxnSpPr/>
+          <p:nvPr/>
+        </p:nvCxnSpPr>
+        <p:spPr>
+          <a:xfrm>
+            <a:off x="1598930" y="2179320"/>
+            <a:ext cx="396240" cy="0"/>
+          </a:xfrm>
+          <a:prstGeom prst="straightConnector1">
+            <a:avLst/>
+          </a:prstGeom>
+          <a:ln w="28575" cmpd="sng">
+            <a:solidFill>
+              <a:schemeClr val="tx1"/>
+            </a:solidFill>
+            <a:prstDash val="solid"/>
+            <a:tailEnd type="triangle"/>
+          </a:ln>
+        </p:spPr>
+        <p:style>
+          <a:lnRef idx="1">
+            <a:schemeClr val="accent1"/>
+          </a:lnRef>
+          <a:fillRef idx="0">
+            <a:schemeClr val="accent1"/>
+          </a:fillRef>
+          <a:effectRef idx="0">
+            <a:schemeClr val="accent1"/>
+          </a:effectRef>
+          <a:fontRef idx="minor">
+            <a:schemeClr val="tx1"/>
+          </a:fontRef>
+        </p:style>
+      </p:cxnSp>
+      <p:cxnSp>
+        <p:nvCxnSpPr>
+          <p:cNvPr id="32" name="Straight Arrow Connector 31"/>
+          <p:cNvCxnSpPr/>
+          <p:nvPr/>
+        </p:nvCxnSpPr>
+        <p:spPr>
+          <a:xfrm>
+            <a:off x="3045460" y="2179320"/>
+            <a:ext cx="223520" cy="3810"/>
+          </a:xfrm>
+          <a:prstGeom prst="straightConnector1">
+            <a:avLst/>
+          </a:prstGeom>
+          <a:ln w="28575" cmpd="sng">
+            <a:solidFill>
+              <a:schemeClr val="tx1"/>
+            </a:solidFill>
+            <a:prstDash val="solid"/>
+            <a:tailEnd type="triangle"/>
+          </a:ln>
+        </p:spPr>
+        <p:style>
+          <a:lnRef idx="1">
+            <a:schemeClr val="accent1"/>
+          </a:lnRef>
+          <a:fillRef idx="0">
+            <a:schemeClr val="accent1"/>
+          </a:fillRef>
+          <a:effectRef idx="0">
+            <a:schemeClr val="accent1"/>
+          </a:effectRef>
+          <a:fontRef idx="minor">
+            <a:schemeClr val="tx1"/>
+          </a:fontRef>
+        </p:style>
+      </p:cxnSp>
+      <p:cxnSp>
+        <p:nvCxnSpPr>
+          <p:cNvPr id="33" name="Straight Arrow Connector 32"/>
+          <p:cNvCxnSpPr/>
+          <p:nvPr/>
+        </p:nvCxnSpPr>
+        <p:spPr>
+          <a:xfrm>
+            <a:off x="4077335" y="2159000"/>
+            <a:ext cx="223520" cy="3810"/>
+          </a:xfrm>
+          <a:prstGeom prst="straightConnector1">
+            <a:avLst/>
+          </a:prstGeom>
+          <a:ln w="28575" cmpd="sng">
+            <a:solidFill>
+              <a:schemeClr val="tx1"/>
+            </a:solidFill>
+            <a:prstDash val="solid"/>
+            <a:tailEnd type="triangle"/>
+          </a:ln>
+        </p:spPr>
+        <p:style>
+          <a:lnRef idx="1">
+            <a:schemeClr val="accent1"/>
+          </a:lnRef>
+          <a:fillRef idx="0">
+            <a:schemeClr val="accent1"/>
+          </a:fillRef>
+          <a:effectRef idx="0">
+            <a:schemeClr val="accent1"/>
+          </a:effectRef>
+          <a:fontRef idx="minor">
+            <a:schemeClr val="tx1"/>
+          </a:fontRef>
+        </p:style>
+      </p:cxnSp>
+      <p:cxnSp>
+        <p:nvCxnSpPr>
+          <p:cNvPr id="34" name="Straight Arrow Connector 33"/>
+          <p:cNvCxnSpPr/>
+          <p:nvPr/>
+        </p:nvCxnSpPr>
+        <p:spPr>
+          <a:xfrm>
+            <a:off x="5100320" y="2155190"/>
+            <a:ext cx="223520" cy="3810"/>
+          </a:xfrm>
+          <a:prstGeom prst="straightConnector1">
+            <a:avLst/>
+          </a:prstGeom>
+          <a:ln w="28575" cmpd="sng">
+            <a:solidFill>
+              <a:schemeClr val="tx1"/>
+            </a:solidFill>
+            <a:prstDash val="solid"/>
+            <a:tailEnd type="triangle"/>
+          </a:ln>
+        </p:spPr>
+        <p:style>
+          <a:lnRef idx="1">
+            <a:schemeClr val="accent1"/>
+          </a:lnRef>
+          <a:fillRef idx="0">
+            <a:schemeClr val="accent1"/>
+          </a:fillRef>
+          <a:effectRef idx="0">
+            <a:schemeClr val="accent1"/>
+          </a:effectRef>
+          <a:fontRef idx="minor">
+            <a:schemeClr val="tx1"/>
+          </a:fontRef>
+        </p:style>
+      </p:cxnSp>
+      <p:cxnSp>
+        <p:nvCxnSpPr>
+          <p:cNvPr id="35" name="Straight Arrow Connector 34"/>
+          <p:cNvCxnSpPr/>
+          <p:nvPr/>
+        </p:nvCxnSpPr>
+        <p:spPr>
+          <a:xfrm>
+            <a:off x="7262495" y="2162810"/>
+            <a:ext cx="223520" cy="3810"/>
+          </a:xfrm>
+          <a:prstGeom prst="straightConnector1">
+            <a:avLst/>
+          </a:prstGeom>
+          <a:ln w="28575" cmpd="sng">
+            <a:solidFill>
+              <a:schemeClr val="tx1"/>
+            </a:solidFill>
+            <a:prstDash val="solid"/>
+            <a:tailEnd type="triangle"/>
+          </a:ln>
+        </p:spPr>
+        <p:style>
+          <a:lnRef idx="1">
+            <a:schemeClr val="accent1"/>
+          </a:lnRef>
+          <a:fillRef idx="0">
+            <a:schemeClr val="accent1"/>
+          </a:fillRef>
+          <a:effectRef idx="0">
+            <a:schemeClr val="accent1"/>
+          </a:effectRef>
+          <a:fontRef idx="minor">
+            <a:schemeClr val="tx1"/>
+          </a:fontRef>
+        </p:style>
+      </p:cxnSp>
+      <p:cxnSp>
+        <p:nvCxnSpPr>
+          <p:cNvPr id="36" name="Straight Arrow Connector 35"/>
+          <p:cNvCxnSpPr/>
+          <p:nvPr/>
+        </p:nvCxnSpPr>
+        <p:spPr>
+          <a:xfrm>
+            <a:off x="9355455" y="2159000"/>
+            <a:ext cx="223520" cy="3810"/>
+          </a:xfrm>
+          <a:prstGeom prst="straightConnector1">
+            <a:avLst/>
+          </a:prstGeom>
+          <a:ln w="28575" cmpd="sng">
+            <a:solidFill>
+              <a:schemeClr val="tx1"/>
+            </a:solidFill>
+            <a:prstDash val="solid"/>
+            <a:tailEnd type="triangle"/>
+          </a:ln>
+        </p:spPr>
+        <p:style>
+          <a:lnRef idx="1">
+            <a:schemeClr val="accent1"/>
+          </a:lnRef>
+          <a:fillRef idx="0">
+            <a:schemeClr val="accent1"/>
+          </a:fillRef>
+          <a:effectRef idx="0">
+            <a:schemeClr val="accent1"/>
+          </a:effectRef>
+          <a:fontRef idx="minor">
+            <a:schemeClr val="tx1"/>
+          </a:fontRef>
+        </p:style>
+      </p:cxnSp>
+      <p:sp>
+        <p:nvSpPr>
+          <p:cNvPr id="37" name="Text Box 36"/>
+          <p:cNvSpPr txBox="1"/>
+          <p:nvPr/>
+        </p:nvSpPr>
+        <p:spPr>
+          <a:xfrm>
+            <a:off x="3329305" y="786765"/>
+            <a:ext cx="2636520" cy="337185"/>
+          </a:xfrm>
+          <a:prstGeom prst="rect">
+            <a:avLst/>
+          </a:prstGeom>
+          <a:noFill/>
+        </p:spPr>
+        <p:txBody>
+          <a:bodyPr wrap="square" rtlCol="0">
+            <a:spAutoFit/>
+          </a:bodyPr>
+          <a:p>
+            <a:r>
+              <a:rPr lang="es-ES_tradnl" altLang="en-US" sz="1600">
+                <a:latin typeface="Tibetan Machine Uni" panose="01000503020000020002" charset="0"/>
+                <a:cs typeface="Tibetan Machine Uni" panose="01000503020000020002" charset="0"/>
+              </a:rPr>
+              <a:t>Deep learning model</a:t>
+            </a:r>
+            <a:endParaRPr lang="es-ES_tradnl" altLang="en-US" sz="1600">
+              <a:latin typeface="Tibetan Machine Uni" panose="01000503020000020002" charset="0"/>
+              <a:cs typeface="Tibetan Machine Uni" panose="01000503020000020002" charset="0"/>
+            </a:endParaRPr>
+          </a:p>
+        </p:txBody>
+      </p:sp>
+      <p:sp>
+        <p:nvSpPr>
+          <p:cNvPr id="38" name="Text Box 37"/>
+          <p:cNvSpPr txBox="1"/>
+          <p:nvPr/>
+        </p:nvSpPr>
+        <p:spPr>
+          <a:xfrm>
+            <a:off x="4559935" y="1270000"/>
+            <a:ext cx="1943100" cy="306705"/>
+          </a:xfrm>
+          <a:prstGeom prst="rect">
+            <a:avLst/>
+          </a:prstGeom>
+          <a:noFill/>
+        </p:spPr>
+        <p:txBody>
+          <a:bodyPr wrap="square" rtlCol="0">
+            <a:spAutoFit/>
+          </a:bodyPr>
+          <a:p>
+            <a:r>
+              <a:rPr lang="es-ES_tradnl" altLang="en-US" sz="1400">
+                <a:latin typeface="Tibetan Machine Uni" panose="01000503020000020002" charset="0"/>
+                <a:cs typeface="Tibetan Machine Uni" panose="01000503020000020002" charset="0"/>
+              </a:rPr>
+              <a:t>Pre-trained weights</a:t>
+            </a:r>
+            <a:endParaRPr lang="es-ES_tradnl" altLang="en-US" sz="1400">
+              <a:latin typeface="Tibetan Machine Uni" panose="01000503020000020002" charset="0"/>
+              <a:cs typeface="Tibetan Machine Uni" panose="01000503020000020002" charset="0"/>
+            </a:endParaRPr>
+          </a:p>
+        </p:txBody>
+      </p:sp>
+      <p:sp>
+        <p:nvSpPr>
+          <p:cNvPr id="40" name="Text Box 39"/>
+          <p:cNvSpPr txBox="1"/>
+          <p:nvPr/>
+        </p:nvSpPr>
+        <p:spPr>
+          <a:xfrm>
+            <a:off x="443230" y="2865755"/>
+            <a:ext cx="1235075" cy="306705"/>
+          </a:xfrm>
+          <a:prstGeom prst="rect">
+            <a:avLst/>
+          </a:prstGeom>
+          <a:noFill/>
+        </p:spPr>
+        <p:txBody>
+          <a:bodyPr wrap="square" rtlCol="0">
+            <a:spAutoFit/>
+          </a:bodyPr>
+          <a:p>
+            <a:r>
+              <a:rPr lang="es-ES_tradnl" altLang="en-US" sz="1400">
+                <a:latin typeface="Tibetan Machine Uni" panose="01000503020000020002" charset="0"/>
+                <a:cs typeface="Tibetan Machine Uni" panose="01000503020000020002" charset="0"/>
+              </a:rPr>
+              <a:t>Big dataset</a:t>
+            </a:r>
+            <a:endParaRPr lang="es-ES_tradnl" altLang="en-US" sz="1400">
+              <a:latin typeface="Tibetan Machine Uni" panose="01000503020000020002" charset="0"/>
+              <a:cs typeface="Tibetan Machine Uni" panose="01000503020000020002" charset="0"/>
+            </a:endParaRPr>
+          </a:p>
+        </p:txBody>
+      </p:sp>
+      <p:pic>
+        <p:nvPicPr>
+          <p:cNvPr id="41" name="Picture 40"/>
+          <p:cNvPicPr>
+            <a:picLocks noChangeAspect="1"/>
+          </p:cNvPicPr>
+          <p:nvPr/>
+        </p:nvPicPr>
+        <p:blipFill>
+          <a:blip r:embed="rId1"/>
+          <a:srcRect l="13873" t="16667" r="20809" b="31111"/>
+          <a:stretch>
+            <a:fillRect/>
+          </a:stretch>
+        </p:blipFill>
+        <p:spPr>
+          <a:xfrm flipH="1">
+            <a:off x="2190115" y="4292600"/>
+            <a:ext cx="901065" cy="1658620"/>
+          </a:xfrm>
+          <a:prstGeom prst="rect">
+            <a:avLst/>
+          </a:prstGeom>
+        </p:spPr>
+      </p:pic>
+      <p:pic>
+        <p:nvPicPr>
+          <p:cNvPr id="42" name="Picture 41"/>
+          <p:cNvPicPr>
+            <a:picLocks noChangeAspect="1"/>
+          </p:cNvPicPr>
+          <p:nvPr/>
+        </p:nvPicPr>
+        <p:blipFill>
+          <a:blip r:embed="rId2"/>
+          <a:srcRect l="21415" t="9476" r="17955" b="16459"/>
+          <a:stretch>
+            <a:fillRect/>
+          </a:stretch>
+        </p:blipFill>
+        <p:spPr>
+          <a:xfrm>
+            <a:off x="788035" y="4599940"/>
+            <a:ext cx="890270" cy="1088390"/>
+          </a:xfrm>
+          <a:prstGeom prst="rect">
+            <a:avLst/>
+          </a:prstGeom>
+        </p:spPr>
+      </p:pic>
+      <p:pic>
+        <p:nvPicPr>
+          <p:cNvPr id="43" name="Picture 42"/>
+          <p:cNvPicPr>
+            <a:picLocks noChangeAspect="1"/>
+          </p:cNvPicPr>
+          <p:nvPr/>
+        </p:nvPicPr>
+        <p:blipFill>
+          <a:blip r:embed="rId1"/>
+          <a:srcRect l="13873" t="16667" r="20809" b="31111"/>
+          <a:stretch>
+            <a:fillRect/>
+          </a:stretch>
+        </p:blipFill>
+        <p:spPr>
+          <a:xfrm flipH="1">
+            <a:off x="3221355" y="4472305"/>
+            <a:ext cx="901700" cy="1299845"/>
+          </a:xfrm>
+          <a:prstGeom prst="rect">
+            <a:avLst/>
+          </a:prstGeom>
+        </p:spPr>
+      </p:pic>
+      <p:pic>
+        <p:nvPicPr>
+          <p:cNvPr id="44" name="Picture 43"/>
+          <p:cNvPicPr>
+            <a:picLocks noChangeAspect="1"/>
+          </p:cNvPicPr>
+          <p:nvPr/>
+        </p:nvPicPr>
+        <p:blipFill>
+          <a:blip r:embed="rId1"/>
+          <a:srcRect l="13873" t="16667" r="20809" b="31111"/>
+          <a:stretch>
+            <a:fillRect/>
+          </a:stretch>
+        </p:blipFill>
+        <p:spPr>
+          <a:xfrm flipH="1">
+            <a:off x="4253230" y="4705350"/>
+            <a:ext cx="901065" cy="833120"/>
+          </a:xfrm>
+          <a:prstGeom prst="rect">
+            <a:avLst/>
+          </a:prstGeom>
+        </p:spPr>
+      </p:pic>
+      <p:pic>
+        <p:nvPicPr>
+          <p:cNvPr id="45" name="Picture 44"/>
+          <p:cNvPicPr>
+            <a:picLocks noChangeAspect="1"/>
+          </p:cNvPicPr>
+          <p:nvPr/>
+        </p:nvPicPr>
+        <p:blipFill>
+          <a:blip r:embed="rId1"/>
+          <a:srcRect l="13873" t="16667" r="20809" b="31111"/>
+          <a:stretch>
+            <a:fillRect/>
+          </a:stretch>
+        </p:blipFill>
+        <p:spPr>
+          <a:xfrm flipH="1">
+            <a:off x="5238750" y="4705350"/>
+            <a:ext cx="2008505" cy="833120"/>
+          </a:xfrm>
+          <a:prstGeom prst="rect">
+            <a:avLst/>
+          </a:prstGeom>
+        </p:spPr>
+      </p:pic>
+      <p:sp>
+        <p:nvSpPr>
+          <p:cNvPr id="47" name="Rounded Rectangle 46"/>
+          <p:cNvSpPr/>
+          <p:nvPr/>
+        </p:nvSpPr>
+        <p:spPr>
+          <a:xfrm>
+            <a:off x="9648190" y="4170045"/>
+            <a:ext cx="304800" cy="1915160"/>
+          </a:xfrm>
+          <a:prstGeom prst="roundRect">
+            <a:avLst/>
+          </a:prstGeom>
+          <a:ln>
+            <a:noFill/>
+          </a:ln>
+        </p:spPr>
+        <p:style>
+          <a:lnRef idx="2">
+            <a:schemeClr val="accent1">
+              <a:shade val="50000"/>
+            </a:schemeClr>
+          </a:lnRef>
+          <a:fillRef idx="1">
+            <a:schemeClr val="accent1"/>
+          </a:fillRef>
+          <a:effectRef idx="0">
+            <a:schemeClr val="accent1"/>
+          </a:effectRef>
+          <a:fontRef idx="minor">
+            <a:schemeClr val="lt1"/>
+          </a:fontRef>
+        </p:style>
+        <p:txBody>
+          <a:bodyPr rtlCol="0" anchor="ctr"/>
+          <a:p>
+            <a:pPr algn="ctr"/>
+            <a:endParaRPr lang="en-US"/>
+          </a:p>
+        </p:txBody>
+      </p:sp>
+      <p:sp>
+        <p:nvSpPr>
+          <p:cNvPr id="48" name="Rounded Rectangle 47"/>
+          <p:cNvSpPr/>
+          <p:nvPr/>
+        </p:nvSpPr>
+        <p:spPr>
+          <a:xfrm>
+            <a:off x="2067560" y="3961130"/>
+            <a:ext cx="7247255" cy="2366645"/>
+          </a:xfrm>
+          <a:prstGeom prst="roundRect">
+            <a:avLst>
+              <a:gd name="adj" fmla="val 5517"/>
+            </a:avLst>
+          </a:prstGeom>
+          <a:noFill/>
+          <a:ln>
+            <a:solidFill>
+              <a:schemeClr val="tx1"/>
+            </a:solidFill>
+          </a:ln>
+        </p:spPr>
+        <p:style>
+          <a:lnRef idx="2">
+            <a:schemeClr val="accent1">
+              <a:shade val="50000"/>
+            </a:schemeClr>
+          </a:lnRef>
+          <a:fillRef idx="1">
+            <a:schemeClr val="accent1"/>
+          </a:fillRef>
+          <a:effectRef idx="0">
+            <a:schemeClr val="accent1"/>
+          </a:effectRef>
+          <a:fontRef idx="minor">
+            <a:schemeClr val="lt1"/>
+          </a:fontRef>
+        </p:style>
+        <p:txBody>
+          <a:bodyPr rtlCol="0" anchor="ctr"/>
+          <a:p>
+            <a:pPr algn="ctr"/>
+            <a:endParaRPr lang="en-US"/>
+          </a:p>
+        </p:txBody>
+      </p:sp>
+      <p:cxnSp>
+        <p:nvCxnSpPr>
+          <p:cNvPr id="49" name="Straight Arrow Connector 48"/>
+          <p:cNvCxnSpPr/>
+          <p:nvPr/>
+        </p:nvCxnSpPr>
+        <p:spPr>
+          <a:xfrm>
+            <a:off x="1598930" y="5201920"/>
+            <a:ext cx="396240" cy="0"/>
+          </a:xfrm>
+          <a:prstGeom prst="straightConnector1">
+            <a:avLst/>
+          </a:prstGeom>
+          <a:ln w="28575" cmpd="sng">
+            <a:solidFill>
+              <a:schemeClr val="tx1"/>
+            </a:solidFill>
+            <a:prstDash val="solid"/>
+            <a:tailEnd type="triangle"/>
+          </a:ln>
+        </p:spPr>
+        <p:style>
+          <a:lnRef idx="1">
+            <a:schemeClr val="accent1"/>
+          </a:lnRef>
+          <a:fillRef idx="0">
+            <a:schemeClr val="accent1"/>
+          </a:fillRef>
+          <a:effectRef idx="0">
+            <a:schemeClr val="accent1"/>
+          </a:effectRef>
+          <a:fontRef idx="minor">
+            <a:schemeClr val="tx1"/>
+          </a:fontRef>
+        </p:style>
+      </p:cxnSp>
+      <p:cxnSp>
+        <p:nvCxnSpPr>
+          <p:cNvPr id="50" name="Straight Arrow Connector 49"/>
+          <p:cNvCxnSpPr/>
+          <p:nvPr/>
+        </p:nvCxnSpPr>
+        <p:spPr>
+          <a:xfrm>
+            <a:off x="3045460" y="5201920"/>
+            <a:ext cx="223520" cy="3810"/>
+          </a:xfrm>
+          <a:prstGeom prst="straightConnector1">
+            <a:avLst/>
+          </a:prstGeom>
+          <a:ln w="28575" cmpd="sng">
+            <a:solidFill>
+              <a:schemeClr val="tx1"/>
+            </a:solidFill>
+            <a:prstDash val="solid"/>
+            <a:tailEnd type="triangle"/>
+          </a:ln>
+        </p:spPr>
+        <p:style>
+          <a:lnRef idx="1">
+            <a:schemeClr val="accent1"/>
+          </a:lnRef>
+          <a:fillRef idx="0">
+            <a:schemeClr val="accent1"/>
+          </a:fillRef>
+          <a:effectRef idx="0">
+            <a:schemeClr val="accent1"/>
+          </a:effectRef>
+          <a:fontRef idx="minor">
+            <a:schemeClr val="tx1"/>
+          </a:fontRef>
+        </p:style>
+      </p:cxnSp>
+      <p:cxnSp>
+        <p:nvCxnSpPr>
+          <p:cNvPr id="51" name="Straight Arrow Connector 50"/>
+          <p:cNvCxnSpPr/>
+          <p:nvPr/>
+        </p:nvCxnSpPr>
+        <p:spPr>
+          <a:xfrm>
+            <a:off x="4077335" y="5181600"/>
+            <a:ext cx="223520" cy="3810"/>
+          </a:xfrm>
+          <a:prstGeom prst="straightConnector1">
+            <a:avLst/>
+          </a:prstGeom>
+          <a:ln w="28575" cmpd="sng">
+            <a:solidFill>
+              <a:schemeClr val="tx1"/>
+            </a:solidFill>
+            <a:prstDash val="solid"/>
+            <a:tailEnd type="triangle"/>
+          </a:ln>
+        </p:spPr>
+        <p:style>
+          <a:lnRef idx="1">
+            <a:schemeClr val="accent1"/>
+          </a:lnRef>
+          <a:fillRef idx="0">
+            <a:schemeClr val="accent1"/>
+          </a:fillRef>
+          <a:effectRef idx="0">
+            <a:schemeClr val="accent1"/>
+          </a:effectRef>
+          <a:fontRef idx="minor">
+            <a:schemeClr val="tx1"/>
+          </a:fontRef>
+        </p:style>
+      </p:cxnSp>
+      <p:cxnSp>
+        <p:nvCxnSpPr>
+          <p:cNvPr id="52" name="Straight Arrow Connector 51"/>
+          <p:cNvCxnSpPr/>
+          <p:nvPr/>
+        </p:nvCxnSpPr>
+        <p:spPr>
+          <a:xfrm>
+            <a:off x="5100320" y="5177790"/>
+            <a:ext cx="223520" cy="3810"/>
+          </a:xfrm>
+          <a:prstGeom prst="straightConnector1">
+            <a:avLst/>
+          </a:prstGeom>
+          <a:ln w="28575" cmpd="sng">
+            <a:solidFill>
+              <a:schemeClr val="tx1"/>
+            </a:solidFill>
+            <a:prstDash val="solid"/>
+            <a:tailEnd type="triangle"/>
+          </a:ln>
+        </p:spPr>
+        <p:style>
+          <a:lnRef idx="1">
+            <a:schemeClr val="accent1"/>
+          </a:lnRef>
+          <a:fillRef idx="0">
+            <a:schemeClr val="accent1"/>
+          </a:fillRef>
+          <a:effectRef idx="0">
+            <a:schemeClr val="accent1"/>
+          </a:effectRef>
+          <a:fontRef idx="minor">
+            <a:schemeClr val="tx1"/>
+          </a:fontRef>
+        </p:style>
+      </p:cxnSp>
+      <p:cxnSp>
+        <p:nvCxnSpPr>
+          <p:cNvPr id="53" name="Straight Arrow Connector 52"/>
+          <p:cNvCxnSpPr/>
+          <p:nvPr/>
+        </p:nvCxnSpPr>
+        <p:spPr>
+          <a:xfrm>
+            <a:off x="7275830" y="5173980"/>
+            <a:ext cx="223520" cy="3810"/>
+          </a:xfrm>
+          <a:prstGeom prst="straightConnector1">
+            <a:avLst/>
+          </a:prstGeom>
+          <a:ln w="28575" cmpd="sng">
+            <a:solidFill>
+              <a:schemeClr val="tx1"/>
+            </a:solidFill>
+            <a:prstDash val="solid"/>
+            <a:tailEnd type="triangle"/>
+          </a:ln>
+        </p:spPr>
+        <p:style>
+          <a:lnRef idx="1">
+            <a:schemeClr val="accent1"/>
+          </a:lnRef>
+          <a:fillRef idx="0">
+            <a:schemeClr val="accent1"/>
+          </a:fillRef>
+          <a:effectRef idx="0">
+            <a:schemeClr val="accent1"/>
+          </a:effectRef>
+          <a:fontRef idx="minor">
+            <a:schemeClr val="tx1"/>
+          </a:fontRef>
+        </p:style>
+      </p:cxnSp>
+      <p:cxnSp>
+        <p:nvCxnSpPr>
+          <p:cNvPr id="54" name="Straight Arrow Connector 53"/>
+          <p:cNvCxnSpPr/>
+          <p:nvPr/>
+        </p:nvCxnSpPr>
+        <p:spPr>
+          <a:xfrm>
+            <a:off x="9370060" y="5170170"/>
+            <a:ext cx="223520" cy="3810"/>
+          </a:xfrm>
+          <a:prstGeom prst="straightConnector1">
+            <a:avLst/>
+          </a:prstGeom>
+          <a:ln w="28575" cmpd="sng">
+            <a:solidFill>
+              <a:schemeClr val="tx1"/>
+            </a:solidFill>
+            <a:prstDash val="solid"/>
+            <a:tailEnd type="triangle"/>
+          </a:ln>
+        </p:spPr>
+        <p:style>
+          <a:lnRef idx="1">
+            <a:schemeClr val="accent1"/>
+          </a:lnRef>
+          <a:fillRef idx="0">
+            <a:schemeClr val="accent1"/>
+          </a:fillRef>
+          <a:effectRef idx="0">
+            <a:schemeClr val="accent1"/>
+          </a:effectRef>
+          <a:fontRef idx="minor">
+            <a:schemeClr val="tx1"/>
+          </a:fontRef>
+        </p:style>
+      </p:cxnSp>
+      <p:sp>
+        <p:nvSpPr>
+          <p:cNvPr id="55" name="Text Box 54"/>
+          <p:cNvSpPr txBox="1"/>
+          <p:nvPr/>
+        </p:nvSpPr>
+        <p:spPr>
+          <a:xfrm>
+            <a:off x="3385820" y="3358515"/>
+            <a:ext cx="2636520" cy="337185"/>
+          </a:xfrm>
+          <a:prstGeom prst="rect">
+            <a:avLst/>
+          </a:prstGeom>
+          <a:noFill/>
+        </p:spPr>
+        <p:txBody>
+          <a:bodyPr wrap="square" rtlCol="0">
+            <a:spAutoFit/>
+          </a:bodyPr>
+          <a:p>
+            <a:r>
+              <a:rPr lang="es-ES_tradnl" altLang="en-US" sz="1600">
+                <a:latin typeface="Tibetan Machine Uni" panose="01000503020000020002" charset="0"/>
+                <a:cs typeface="Tibetan Machine Uni" panose="01000503020000020002" charset="0"/>
+              </a:rPr>
+              <a:t>Transfer learning</a:t>
+            </a:r>
+            <a:endParaRPr lang="es-ES_tradnl" altLang="en-US" sz="1600">
+              <a:latin typeface="Tibetan Machine Uni" panose="01000503020000020002" charset="0"/>
+              <a:cs typeface="Tibetan Machine Uni" panose="01000503020000020002" charset="0"/>
+            </a:endParaRPr>
+          </a:p>
+        </p:txBody>
+      </p:sp>
+      <p:sp>
+        <p:nvSpPr>
+          <p:cNvPr id="56" name="Text Box 55"/>
+          <p:cNvSpPr txBox="1"/>
+          <p:nvPr/>
+        </p:nvSpPr>
+        <p:spPr>
+          <a:xfrm>
+            <a:off x="4559935" y="4292600"/>
+            <a:ext cx="1943100" cy="306705"/>
+          </a:xfrm>
+          <a:prstGeom prst="rect">
+            <a:avLst/>
+          </a:prstGeom>
+          <a:noFill/>
+        </p:spPr>
+        <p:txBody>
+          <a:bodyPr wrap="square" rtlCol="0">
+            <a:spAutoFit/>
+          </a:bodyPr>
+          <a:p>
+            <a:r>
+              <a:rPr lang="es-ES_tradnl" altLang="en-US" sz="1400">
+                <a:latin typeface="Tibetan Machine Uni" panose="01000503020000020002" charset="0"/>
+                <a:cs typeface="Tibetan Machine Uni" panose="01000503020000020002" charset="0"/>
+              </a:rPr>
+              <a:t>Pre-trained weights</a:t>
+            </a:r>
+            <a:endParaRPr lang="es-ES_tradnl" altLang="en-US" sz="1400">
+              <a:latin typeface="Tibetan Machine Uni" panose="01000503020000020002" charset="0"/>
+              <a:cs typeface="Tibetan Machine Uni" panose="01000503020000020002" charset="0"/>
+            </a:endParaRPr>
+          </a:p>
+        </p:txBody>
+      </p:sp>
+      <p:sp>
+        <p:nvSpPr>
+          <p:cNvPr id="57" name="Text Box 56"/>
+          <p:cNvSpPr txBox="1"/>
+          <p:nvPr/>
+        </p:nvSpPr>
+        <p:spPr>
+          <a:xfrm>
+            <a:off x="523240" y="5680710"/>
+            <a:ext cx="1498600" cy="306705"/>
+          </a:xfrm>
+          <a:prstGeom prst="rect">
+            <a:avLst/>
+          </a:prstGeom>
+          <a:noFill/>
+        </p:spPr>
+        <p:txBody>
+          <a:bodyPr wrap="square" rtlCol="0">
+            <a:spAutoFit/>
+          </a:bodyPr>
+          <a:p>
+            <a:r>
+              <a:rPr lang="es-ES_tradnl" altLang="en-US" sz="1400">
+                <a:latin typeface="Tibetan Machine Uni" panose="01000503020000020002" charset="0"/>
+                <a:cs typeface="Tibetan Machine Uni" panose="01000503020000020002" charset="0"/>
+              </a:rPr>
+              <a:t>Small dataset</a:t>
+            </a:r>
+            <a:endParaRPr lang="es-ES_tradnl" altLang="en-US" sz="1400">
+              <a:latin typeface="Tibetan Machine Uni" panose="01000503020000020002" charset="0"/>
+              <a:cs typeface="Tibetan Machine Uni" panose="01000503020000020002" charset="0"/>
+            </a:endParaRPr>
+          </a:p>
+        </p:txBody>
+      </p:sp>
+      <p:sp>
+        <p:nvSpPr>
+          <p:cNvPr id="58" name="Text Box 57"/>
+          <p:cNvSpPr txBox="1"/>
+          <p:nvPr/>
+        </p:nvSpPr>
+        <p:spPr>
+          <a:xfrm>
+            <a:off x="7780020" y="5806440"/>
+            <a:ext cx="1264920" cy="306705"/>
+          </a:xfrm>
+          <a:prstGeom prst="rect">
+            <a:avLst/>
+          </a:prstGeom>
+          <a:noFill/>
+        </p:spPr>
+        <p:txBody>
+          <a:bodyPr wrap="square" rtlCol="0">
+            <a:spAutoFit/>
+          </a:bodyPr>
+          <a:p>
+            <a:r>
+              <a:rPr lang="es-ES_tradnl" altLang="en-US" sz="1400">
+                <a:latin typeface="Tibetan Machine Uni" panose="01000503020000020002" charset="0"/>
+                <a:cs typeface="Tibetan Machine Uni" panose="01000503020000020002" charset="0"/>
+              </a:rPr>
+              <a:t>Fine tuning</a:t>
+            </a:r>
+            <a:endParaRPr lang="es-ES_tradnl" altLang="en-US" sz="1400">
+              <a:latin typeface="Tibetan Machine Uni" panose="01000503020000020002" charset="0"/>
+              <a:cs typeface="Tibetan Machine Uni" panose="01000503020000020002" charset="0"/>
+            </a:endParaRPr>
+          </a:p>
+        </p:txBody>
+      </p:sp>
+      <p:sp>
+        <p:nvSpPr>
+          <p:cNvPr id="59" name="Rounded Rectangle 58"/>
+          <p:cNvSpPr/>
+          <p:nvPr/>
+        </p:nvSpPr>
+        <p:spPr>
+          <a:xfrm>
+            <a:off x="2159000" y="4241800"/>
+            <a:ext cx="5017770" cy="1767205"/>
+          </a:xfrm>
+          <a:prstGeom prst="roundRect">
+            <a:avLst>
+              <a:gd name="adj" fmla="val 4599"/>
+            </a:avLst>
+          </a:prstGeom>
+          <a:noFill/>
+          <a:ln>
+            <a:solidFill>
+              <a:schemeClr val="tx1"/>
+            </a:solidFill>
+          </a:ln>
+        </p:spPr>
+        <p:style>
+          <a:lnRef idx="2">
+            <a:schemeClr val="accent1">
+              <a:shade val="50000"/>
+            </a:schemeClr>
+          </a:lnRef>
+          <a:fillRef idx="1">
+            <a:schemeClr val="accent1"/>
+          </a:fillRef>
+          <a:effectRef idx="0">
+            <a:schemeClr val="accent1"/>
+          </a:effectRef>
+          <a:fontRef idx="minor">
+            <a:schemeClr val="lt1"/>
+          </a:fontRef>
+        </p:style>
+        <p:txBody>
+          <a:bodyPr rtlCol="0" anchor="ctr"/>
+          <a:p>
+            <a:pPr algn="ctr"/>
+            <a:endParaRPr lang="en-US"/>
+          </a:p>
+        </p:txBody>
+      </p:sp>
+      <p:sp>
+        <p:nvSpPr>
+          <p:cNvPr id="60" name="Rounded Rectangle 59"/>
+          <p:cNvSpPr/>
+          <p:nvPr/>
+        </p:nvSpPr>
+        <p:spPr>
+          <a:xfrm>
+            <a:off x="2772410" y="3319145"/>
+            <a:ext cx="3193415" cy="392430"/>
+          </a:xfrm>
+          <a:prstGeom prst="roundRect">
+            <a:avLst>
+              <a:gd name="adj" fmla="val 4168"/>
+            </a:avLst>
+          </a:prstGeom>
+          <a:noFill/>
+          <a:ln>
+            <a:solidFill>
+              <a:schemeClr val="tx1"/>
+            </a:solidFill>
+          </a:ln>
+        </p:spPr>
+        <p:style>
+          <a:lnRef idx="2">
+            <a:schemeClr val="accent1">
+              <a:shade val="50000"/>
+            </a:schemeClr>
+          </a:lnRef>
+          <a:fillRef idx="1">
+            <a:schemeClr val="accent1"/>
+          </a:fillRef>
+          <a:effectRef idx="0">
+            <a:schemeClr val="accent1"/>
+          </a:effectRef>
+          <a:fontRef idx="minor">
+            <a:schemeClr val="lt1"/>
+          </a:fontRef>
+        </p:style>
+        <p:txBody>
+          <a:bodyPr rtlCol="0" anchor="ctr"/>
+          <a:p>
+            <a:pPr algn="ctr"/>
+            <a:endParaRPr lang="en-US"/>
+          </a:p>
+        </p:txBody>
+      </p:sp>
+      <p:cxnSp>
+        <p:nvCxnSpPr>
+          <p:cNvPr id="61" name="Straight Arrow Connector 60"/>
+          <p:cNvCxnSpPr/>
+          <p:nvPr/>
+        </p:nvCxnSpPr>
+        <p:spPr>
+          <a:xfrm>
+            <a:off x="4366895" y="3055620"/>
+            <a:ext cx="5080" cy="220980"/>
+          </a:xfrm>
+          <a:prstGeom prst="straightConnector1">
+            <a:avLst/>
+          </a:prstGeom>
+          <a:ln w="28575" cmpd="sng">
+            <a:solidFill>
+              <a:schemeClr val="tx1"/>
+            </a:solidFill>
+            <a:prstDash val="solid"/>
+            <a:tailEnd type="triangle"/>
+          </a:ln>
+        </p:spPr>
+        <p:style>
+          <a:lnRef idx="1">
+            <a:schemeClr val="accent1"/>
+          </a:lnRef>
+          <a:fillRef idx="0">
+            <a:schemeClr val="accent1"/>
+          </a:fillRef>
+          <a:effectRef idx="0">
+            <a:schemeClr val="accent1"/>
+          </a:effectRef>
+          <a:fontRef idx="minor">
+            <a:schemeClr val="tx1"/>
+          </a:fontRef>
+        </p:style>
+      </p:cxnSp>
+      <p:cxnSp>
+        <p:nvCxnSpPr>
+          <p:cNvPr id="62" name="Straight Arrow Connector 61"/>
+          <p:cNvCxnSpPr/>
+          <p:nvPr/>
+        </p:nvCxnSpPr>
+        <p:spPr>
+          <a:xfrm>
+            <a:off x="4361815" y="3777615"/>
+            <a:ext cx="4445" cy="409575"/>
+          </a:xfrm>
+          <a:prstGeom prst="straightConnector1">
+            <a:avLst/>
+          </a:prstGeom>
+          <a:ln w="28575" cmpd="sng">
+            <a:solidFill>
+              <a:schemeClr val="tx1"/>
+            </a:solidFill>
+            <a:prstDash val="solid"/>
+            <a:tailEnd type="triangle"/>
+          </a:ln>
+        </p:spPr>
+        <p:style>
+          <a:lnRef idx="1">
+            <a:schemeClr val="accent1"/>
+          </a:lnRef>
+          <a:fillRef idx="0">
+            <a:schemeClr val="accent1"/>
+          </a:fillRef>
+          <a:effectRef idx="0">
+            <a:schemeClr val="accent1"/>
+          </a:effectRef>
+          <a:fontRef idx="minor">
+            <a:schemeClr val="tx1"/>
+          </a:fontRef>
+        </p:style>
+      </p:cxnSp>
+      <p:sp>
+        <p:nvSpPr>
+          <p:cNvPr id="63" name="Text Box 62"/>
+          <p:cNvSpPr txBox="1"/>
+          <p:nvPr/>
+        </p:nvSpPr>
+        <p:spPr>
+          <a:xfrm>
+            <a:off x="9385300" y="3060700"/>
+            <a:ext cx="830580" cy="306705"/>
+          </a:xfrm>
+          <a:prstGeom prst="rect">
+            <a:avLst/>
+          </a:prstGeom>
+          <a:noFill/>
+        </p:spPr>
+        <p:txBody>
+          <a:bodyPr wrap="square" rtlCol="0">
+            <a:spAutoFit/>
+          </a:bodyPr>
+          <a:p>
+            <a:r>
+              <a:rPr lang="es-ES_tradnl" altLang="en-US" sz="1400">
+                <a:latin typeface="Tibetan Machine Uni" panose="01000503020000020002" charset="0"/>
+                <a:cs typeface="Tibetan Machine Uni" panose="01000503020000020002" charset="0"/>
+              </a:rPr>
+              <a:t>Output</a:t>
+            </a:r>
+            <a:endParaRPr lang="es-ES_tradnl" altLang="en-US" sz="1400">
+              <a:latin typeface="Tibetan Machine Uni" panose="01000503020000020002" charset="0"/>
+              <a:cs typeface="Tibetan Machine Uni" panose="01000503020000020002" charset="0"/>
+            </a:endParaRPr>
+          </a:p>
+        </p:txBody>
+      </p:sp>
+      <p:sp>
+        <p:nvSpPr>
+          <p:cNvPr id="64" name="Text Box 63"/>
+          <p:cNvSpPr txBox="1"/>
+          <p:nvPr/>
+        </p:nvSpPr>
+        <p:spPr>
+          <a:xfrm>
+            <a:off x="9387205" y="6085205"/>
+            <a:ext cx="830580" cy="306705"/>
+          </a:xfrm>
+          <a:prstGeom prst="rect">
+            <a:avLst/>
+          </a:prstGeom>
+          <a:noFill/>
+        </p:spPr>
+        <p:txBody>
+          <a:bodyPr wrap="square" rtlCol="0">
+            <a:spAutoFit/>
+          </a:bodyPr>
+          <a:p>
+            <a:r>
+              <a:rPr lang="es-ES_tradnl" altLang="en-US" sz="1400">
+                <a:latin typeface="Tibetan Machine Uni" panose="01000503020000020002" charset="0"/>
+                <a:cs typeface="Tibetan Machine Uni" panose="01000503020000020002" charset="0"/>
+              </a:rPr>
+              <a:t>Output</a:t>
+            </a:r>
+            <a:endParaRPr lang="es-ES_tradnl" altLang="en-US" sz="1400">
+              <a:latin typeface="Tibetan Machine Uni" panose="01000503020000020002" charset="0"/>
+              <a:cs typeface="Tibetan Machine Uni" panose="01000503020000020002" charset="0"/>
+            </a:endParaRPr>
+          </a:p>
+        </p:txBody>
+      </p:sp>
+      <p:pic>
+        <p:nvPicPr>
+          <p:cNvPr id="67" name="Picture 66" descr="Picture2-removebg-preview"/>
+          <p:cNvPicPr>
+            <a:picLocks noChangeAspect="1"/>
+          </p:cNvPicPr>
+          <p:nvPr/>
+        </p:nvPicPr>
+        <p:blipFill>
+          <a:blip r:embed="rId3"/>
+          <a:stretch>
+            <a:fillRect/>
+          </a:stretch>
+        </p:blipFill>
+        <p:spPr>
+          <a:xfrm>
+            <a:off x="7581900" y="1565910"/>
+            <a:ext cx="1579245" cy="1231265"/>
+          </a:xfrm>
+          <a:prstGeom prst="rect">
+            <a:avLst/>
+          </a:prstGeom>
+        </p:spPr>
+      </p:pic>
+      <p:pic>
+        <p:nvPicPr>
+          <p:cNvPr id="68" name="Picture 67" descr="Picture2-removebg-preview"/>
+          <p:cNvPicPr>
+            <a:picLocks noChangeAspect="1"/>
+          </p:cNvPicPr>
+          <p:nvPr/>
+        </p:nvPicPr>
+        <p:blipFill>
+          <a:blip r:embed="rId3"/>
+          <a:stretch>
+            <a:fillRect/>
+          </a:stretch>
+        </p:blipFill>
+        <p:spPr>
+          <a:xfrm>
+            <a:off x="7585075" y="4575175"/>
+            <a:ext cx="1579245" cy="1231265"/>
+          </a:xfrm>
+          <a:prstGeom prst="rect">
+            <a:avLst/>
+          </a:prstGeom>
+        </p:spPr>
+      </p:pic>
+    </p:spTree>
+  </p:cSld>
+  <p:clrMapOvr>
+    <a:masterClrMapping/>
+  </p:clrMapOvr>
+</p:sld>
+</file>
+
+<file path=ppt/slides/slide27.xml><?xml version="1.0" encoding="utf-8"?>
 <p:sld xmlns:a="http://schemas.openxmlformats.org/drawingml/2006/main" xmlns:r="http://schemas.openxmlformats.org/officeDocument/2006/relationships" xmlns:p="http://schemas.openxmlformats.org/presentationml/2006/main">
   <p:cSld>
     <p:spTree>
